--- a/ClassMaterials/IntroToUnitTesting/Slides/UnitTesting.pptx
+++ b/ClassMaterials/IntroToUnitTesting/Slides/UnitTesting.pptx
@@ -5,24 +5,31 @@
     <p:sldMasterId id="2147483927" r:id="rId1"/>
   </p:sldMasterIdLst>
   <p:notesMasterIdLst>
-    <p:notesMasterId r:id="rId14"/>
+    <p:notesMasterId r:id="rId21"/>
   </p:notesMasterIdLst>
   <p:handoutMasterIdLst>
-    <p:handoutMasterId r:id="rId15"/>
+    <p:handoutMasterId r:id="rId22"/>
   </p:handoutMasterIdLst>
   <p:sldIdLst>
     <p:sldId id="256" r:id="rId2"/>
-    <p:sldId id="293" r:id="rId3"/>
-    <p:sldId id="257" r:id="rId4"/>
-    <p:sldId id="285" r:id="rId5"/>
-    <p:sldId id="278" r:id="rId6"/>
-    <p:sldId id="287" r:id="rId7"/>
-    <p:sldId id="291" r:id="rId8"/>
-    <p:sldId id="288" r:id="rId9"/>
-    <p:sldId id="292" r:id="rId10"/>
-    <p:sldId id="289" r:id="rId11"/>
-    <p:sldId id="290" r:id="rId12"/>
-    <p:sldId id="286" r:id="rId13"/>
+    <p:sldId id="257" r:id="rId3"/>
+    <p:sldId id="293" r:id="rId4"/>
+    <p:sldId id="294" r:id="rId5"/>
+    <p:sldId id="295" r:id="rId6"/>
+    <p:sldId id="296" r:id="rId7"/>
+    <p:sldId id="297" r:id="rId8"/>
+    <p:sldId id="298" r:id="rId9"/>
+    <p:sldId id="299" r:id="rId10"/>
+    <p:sldId id="285" r:id="rId11"/>
+    <p:sldId id="278" r:id="rId12"/>
+    <p:sldId id="287" r:id="rId13"/>
+    <p:sldId id="291" r:id="rId14"/>
+    <p:sldId id="288" r:id="rId15"/>
+    <p:sldId id="292" r:id="rId16"/>
+    <p:sldId id="289" r:id="rId17"/>
+    <p:sldId id="290" r:id="rId18"/>
+    <p:sldId id="300" r:id="rId19"/>
+    <p:sldId id="286" r:id="rId20"/>
   </p:sldIdLst>
   <p:sldSz cx="9144000" cy="6858000" type="screen4x3"/>
   <p:notesSz cx="7010400" cy="9296400"/>
@@ -287,7 +294,7 @@
               <a:pPr>
                 <a:defRPr/>
               </a:pPr>
-              <a:t>3/19/2018</a:t>
+              <a:t>3/31/2020</a:t>
             </a:fld>
             <a:endParaRPr lang="en-US"/>
           </a:p>
@@ -522,7 +529,7 @@
               <a:pPr>
                 <a:defRPr/>
               </a:pPr>
-              <a:t>3/19/2018</a:t>
+              <a:t>3/31/2020</a:t>
             </a:fld>
             <a:endParaRPr lang="en-US"/>
           </a:p>
@@ -1052,7 +1059,7 @@
               <a:pPr>
                 <a:defRPr/>
               </a:pPr>
-              <a:t>3</a:t>
+              <a:t>2</a:t>
             </a:fld>
             <a:endParaRPr lang="en-US"/>
           </a:p>
@@ -1090,19 +1097,38 @@
       </p:grpSpPr>
       <p:sp>
         <p:nvSpPr>
-          <p:cNvPr id="2" name="Slide Image Placeholder 1"/>
-          <p:cNvSpPr>
-            <a:spLocks noGrp="1" noRot="1" noChangeAspect="1"/>
+          <p:cNvPr id="43010" name="Slide Image Placeholder 1"/>
+          <p:cNvSpPr>
+            <a:spLocks noGrp="1" noRot="1" noChangeAspect="1" noTextEdit="1"/>
           </p:cNvSpPr>
           <p:nvPr>
             <p:ph type="sldImg"/>
           </p:nvPr>
         </p:nvSpPr>
-        <p:spPr/>
-      </p:sp>
-      <p:sp>
-        <p:nvSpPr>
-          <p:cNvPr id="3" name="Notes Placeholder 2"/>
+        <p:spPr bwMode="auto">
+          <a:noFill/>
+          <a:ln>
+            <a:solidFill>
+              <a:srgbClr val="000000"/>
+            </a:solidFill>
+            <a:miter lim="800000"/>
+            <a:headEnd/>
+            <a:tailEnd/>
+          </a:ln>
+          <a:extLst>
+            <a:ext uri="{909E8E84-426E-40dd-AFC4-6F175D3DCCD1}">
+              <a14:hiddenFill xmlns:a14="http://schemas.microsoft.com/office/drawing/2010/main" xmlns="">
+                <a:solidFill>
+                  <a:srgbClr val="FFFFFF"/>
+                </a:solidFill>
+              </a14:hiddenFill>
+            </a:ext>
+          </a:extLst>
+        </p:spPr>
+      </p:sp>
+      <p:sp>
+        <p:nvSpPr>
+          <p:cNvPr id="43011" name="Notes Placeholder 2"/>
           <p:cNvSpPr>
             <a:spLocks noGrp="1"/>
           </p:cNvSpPr>
@@ -1110,48 +1136,239 @@
             <p:ph type="body" idx="1"/>
           </p:nvPr>
         </p:nvSpPr>
-        <p:spPr/>
+        <p:spPr>
+          <a:noFill/>
+          <a:ln/>
+          <a:extLst>
+            <a:ext uri="{909E8E84-426E-40dd-AFC4-6F175D3DCCD1}">
+              <a14:hiddenFill xmlns:a14="http://schemas.microsoft.com/office/drawing/2010/main" xmlns="">
+                <a:solidFill>
+                  <a:srgbClr val="FFFFFF"/>
+                </a:solidFill>
+              </a14:hiddenFill>
+            </a:ext>
+            <a:ext uri="{91240B29-F687-4f45-9708-019B960494DF}">
+              <a14:hiddenLine xmlns:a14="http://schemas.microsoft.com/office/drawing/2010/main" xmlns="" w="9525">
+                <a:solidFill>
+                  <a:srgbClr val="000000"/>
+                </a:solidFill>
+                <a:miter lim="800000"/>
+                <a:headEnd/>
+                <a:tailEnd/>
+              </a14:hiddenLine>
+            </a:ext>
+          </a:extLst>
+        </p:spPr>
         <p:txBody>
           <a:bodyPr/>
           <a:lstStyle/>
           <a:p>
+            <a:r>
+              <a:rPr lang="en-US" dirty="0"/>
+              <a:t>Scope refers to the lifetime and accessibility of a variable. </a:t>
+            </a:r>
+          </a:p>
+          <a:p>
+            <a:r>
+              <a:rPr lang="en-US" dirty="0"/>
+              <a:t>How large the scope is depends on where a variable is declared. For example, if a variable is declared at the top of a class then it will be accessible to all of the class methods. If it’s declared in a method then it can only be used in that method.</a:t>
+            </a:r>
+          </a:p>
+          <a:p>
+            <a:r>
+              <a:rPr lang="en-US" dirty="0"/>
+              <a:t>Show scope of:</a:t>
+            </a:r>
+          </a:p>
+          <a:p>
+            <a:r>
+              <a:rPr lang="en-US" dirty="0"/>
+              <a:t>- sum</a:t>
+            </a:r>
+          </a:p>
+          <a:p>
+            <a:r>
+              <a:rPr lang="en-US" dirty="0"/>
+              <a:t>- </a:t>
+            </a:r>
+            <a:r>
+              <a:rPr lang="en-US" dirty="0" err="1"/>
+              <a:t>prev</a:t>
+            </a:r>
             <a:endParaRPr lang="en-US" dirty="0"/>
           </a:p>
-        </p:txBody>
-      </p:sp>
-      <p:sp>
-        <p:nvSpPr>
-          <p:cNvPr id="4" name="Slide Number Placeholder 3"/>
-          <p:cNvSpPr>
-            <a:spLocks noGrp="1"/>
-          </p:cNvSpPr>
-          <p:nvPr>
-            <p:ph type="sldNum" sz="quarter" idx="10"/>
-          </p:nvPr>
-        </p:nvSpPr>
-        <p:spPr/>
+          <a:p>
+            <a:r>
+              <a:rPr lang="en-US" dirty="0"/>
+              <a:t>- p</a:t>
+            </a:r>
+          </a:p>
+          <a:p>
+            <a:endParaRPr lang="en-US" dirty="0"/>
+          </a:p>
+        </p:txBody>
+      </p:sp>
+      <p:sp>
+        <p:nvSpPr>
+          <p:cNvPr id="43012" name="Slide Number Placeholder 3"/>
+          <p:cNvSpPr>
+            <a:spLocks noGrp="1"/>
+          </p:cNvSpPr>
+          <p:nvPr>
+            <p:ph type="sldNum" sz="quarter" idx="5"/>
+          </p:nvPr>
+        </p:nvSpPr>
+        <p:spPr>
+          <a:noFill/>
+          <a:ln/>
+          <a:extLst>
+            <a:ext uri="{909E8E84-426E-40dd-AFC4-6F175D3DCCD1}">
+              <a14:hiddenFill xmlns:a14="http://schemas.microsoft.com/office/drawing/2010/main" xmlns="">
+                <a:solidFill>
+                  <a:srgbClr val="FFFFFF"/>
+                </a:solidFill>
+              </a14:hiddenFill>
+            </a:ext>
+            <a:ext uri="{91240B29-F687-4f45-9708-019B960494DF}">
+              <a14:hiddenLine xmlns:a14="http://schemas.microsoft.com/office/drawing/2010/main" xmlns="" w="9525">
+                <a:solidFill>
+                  <a:srgbClr val="000000"/>
+                </a:solidFill>
+                <a:miter lim="800000"/>
+                <a:headEnd/>
+                <a:tailEnd/>
+              </a14:hiddenLine>
+            </a:ext>
+          </a:extLst>
+        </p:spPr>
         <p:txBody>
           <a:bodyPr/>
-          <a:lstStyle/>
-          <a:p>
-            <a:pPr>
-              <a:defRPr/>
-            </a:pPr>
-            <a:fld id="{41BB943A-C3B9-42AE-8B54-C2335812312E}" type="slidenum">
-              <a:rPr lang="en-US" smtClean="0"/>
-              <a:pPr>
-                <a:defRPr/>
-              </a:pPr>
-              <a:t>4</a:t>
+          <a:lstStyle>
+            <a:lvl1pPr defTabSz="896442" eaLnBrk="0" hangingPunct="0">
+              <a:defRPr>
+                <a:solidFill>
+                  <a:schemeClr val="tx1"/>
+                </a:solidFill>
+                <a:latin typeface="Arial" charset="0"/>
+                <a:cs typeface="Arial" charset="0"/>
+              </a:defRPr>
+            </a:lvl1pPr>
+            <a:lvl2pPr marL="702738" indent="-270283" defTabSz="896442" eaLnBrk="0" hangingPunct="0">
+              <a:defRPr>
+                <a:solidFill>
+                  <a:schemeClr val="tx1"/>
+                </a:solidFill>
+                <a:latin typeface="Arial" charset="0"/>
+                <a:cs typeface="Arial" charset="0"/>
+              </a:defRPr>
+            </a:lvl2pPr>
+            <a:lvl3pPr marL="1081135" indent="-216227" defTabSz="896442" eaLnBrk="0" hangingPunct="0">
+              <a:defRPr>
+                <a:solidFill>
+                  <a:schemeClr val="tx1"/>
+                </a:solidFill>
+                <a:latin typeface="Arial" charset="0"/>
+                <a:cs typeface="Arial" charset="0"/>
+              </a:defRPr>
+            </a:lvl3pPr>
+            <a:lvl4pPr marL="1513590" indent="-216227" defTabSz="896442" eaLnBrk="0" hangingPunct="0">
+              <a:defRPr>
+                <a:solidFill>
+                  <a:schemeClr val="tx1"/>
+                </a:solidFill>
+                <a:latin typeface="Arial" charset="0"/>
+                <a:cs typeface="Arial" charset="0"/>
+              </a:defRPr>
+            </a:lvl4pPr>
+            <a:lvl5pPr marL="1946044" indent="-216227" defTabSz="896442" eaLnBrk="0" hangingPunct="0">
+              <a:defRPr>
+                <a:solidFill>
+                  <a:schemeClr val="tx1"/>
+                </a:solidFill>
+                <a:latin typeface="Arial" charset="0"/>
+                <a:cs typeface="Arial" charset="0"/>
+              </a:defRPr>
+            </a:lvl5pPr>
+            <a:lvl6pPr marL="2378498" indent="-216227" defTabSz="896442" eaLnBrk="0" fontAlgn="base" hangingPunct="0">
+              <a:spcBef>
+                <a:spcPct val="0"/>
+              </a:spcBef>
+              <a:spcAft>
+                <a:spcPct val="0"/>
+              </a:spcAft>
+              <a:defRPr>
+                <a:solidFill>
+                  <a:schemeClr val="tx1"/>
+                </a:solidFill>
+                <a:latin typeface="Arial" charset="0"/>
+                <a:cs typeface="Arial" charset="0"/>
+              </a:defRPr>
+            </a:lvl6pPr>
+            <a:lvl7pPr marL="2810952" indent="-216227" defTabSz="896442" eaLnBrk="0" fontAlgn="base" hangingPunct="0">
+              <a:spcBef>
+                <a:spcPct val="0"/>
+              </a:spcBef>
+              <a:spcAft>
+                <a:spcPct val="0"/>
+              </a:spcAft>
+              <a:defRPr>
+                <a:solidFill>
+                  <a:schemeClr val="tx1"/>
+                </a:solidFill>
+                <a:latin typeface="Arial" charset="0"/>
+                <a:cs typeface="Arial" charset="0"/>
+              </a:defRPr>
+            </a:lvl7pPr>
+            <a:lvl8pPr marL="3243406" indent="-216227" defTabSz="896442" eaLnBrk="0" fontAlgn="base" hangingPunct="0">
+              <a:spcBef>
+                <a:spcPct val="0"/>
+              </a:spcBef>
+              <a:spcAft>
+                <a:spcPct val="0"/>
+              </a:spcAft>
+              <a:defRPr>
+                <a:solidFill>
+                  <a:schemeClr val="tx1"/>
+                </a:solidFill>
+                <a:latin typeface="Arial" charset="0"/>
+                <a:cs typeface="Arial" charset="0"/>
+              </a:defRPr>
+            </a:lvl8pPr>
+            <a:lvl9pPr marL="3675860" indent="-216227" defTabSz="896442" eaLnBrk="0" fontAlgn="base" hangingPunct="0">
+              <a:spcBef>
+                <a:spcPct val="0"/>
+              </a:spcBef>
+              <a:spcAft>
+                <a:spcPct val="0"/>
+              </a:spcAft>
+              <a:defRPr>
+                <a:solidFill>
+                  <a:schemeClr val="tx1"/>
+                </a:solidFill>
+                <a:latin typeface="Arial" charset="0"/>
+                <a:cs typeface="Arial" charset="0"/>
+              </a:defRPr>
+            </a:lvl9pPr>
+          </a:lstStyle>
+          <a:p>
+            <a:pPr eaLnBrk="1" hangingPunct="1"/>
+            <a:fld id="{28EA5453-CCAC-4335-A793-9CD8F74FF1E9}" type="slidenum">
+              <a:rPr lang="en-US" smtClean="0">
+                <a:latin typeface="Calibri" pitchFamily="34" charset="0"/>
+              </a:rPr>
+              <a:pPr eaLnBrk="1" hangingPunct="1"/>
+              <a:t>6</a:t>
             </a:fld>
-            <a:endParaRPr lang="en-US"/>
+            <a:endParaRPr lang="en-US">
+              <a:latin typeface="Calibri" pitchFamily="34" charset="0"/>
+            </a:endParaRPr>
           </a:p>
         </p:txBody>
       </p:sp>
     </p:spTree>
     <p:extLst>
       <p:ext uri="{BB962C8B-B14F-4D97-AF65-F5344CB8AC3E}">
-        <p14:creationId xmlns:p14="http://schemas.microsoft.com/office/powerpoint/2010/main" val="1968476214"/>
+        <p14:creationId xmlns:p14="http://schemas.microsoft.com/office/powerpoint/2010/main" val="2651894872"/>
       </p:ext>
     </p:extLst>
   </p:cSld>
@@ -1180,19 +1397,38 @@
       </p:grpSpPr>
       <p:sp>
         <p:nvSpPr>
-          <p:cNvPr id="2" name="Slide Image Placeholder 1"/>
-          <p:cNvSpPr>
-            <a:spLocks noGrp="1" noRot="1" noChangeAspect="1"/>
+          <p:cNvPr id="45058" name="Slide Image Placeholder 1"/>
+          <p:cNvSpPr>
+            <a:spLocks noGrp="1" noRot="1" noChangeAspect="1" noTextEdit="1"/>
           </p:cNvSpPr>
           <p:nvPr>
             <p:ph type="sldImg"/>
           </p:nvPr>
         </p:nvSpPr>
-        <p:spPr/>
-      </p:sp>
-      <p:sp>
-        <p:nvSpPr>
-          <p:cNvPr id="3" name="Notes Placeholder 2"/>
+        <p:spPr bwMode="auto">
+          <a:noFill/>
+          <a:ln>
+            <a:solidFill>
+              <a:srgbClr val="000000"/>
+            </a:solidFill>
+            <a:miter lim="800000"/>
+            <a:headEnd/>
+            <a:tailEnd/>
+          </a:ln>
+          <a:extLst>
+            <a:ext uri="{909E8E84-426E-40dd-AFC4-6F175D3DCCD1}">
+              <a14:hiddenFill xmlns:a14="http://schemas.microsoft.com/office/drawing/2010/main" xmlns="">
+                <a:solidFill>
+                  <a:srgbClr val="FFFFFF"/>
+                </a:solidFill>
+              </a14:hiddenFill>
+            </a:ext>
+          </a:extLst>
+        </p:spPr>
+      </p:sp>
+      <p:sp>
+        <p:nvSpPr>
+          <p:cNvPr id="45059" name="Notes Placeholder 2"/>
           <p:cNvSpPr>
             <a:spLocks noGrp="1"/>
           </p:cNvSpPr>
@@ -1200,56 +1436,291 @@
             <p:ph type="body" idx="1"/>
           </p:nvPr>
         </p:nvSpPr>
-        <p:spPr/>
+        <p:spPr>
+          <a:noFill/>
+          <a:ln/>
+          <a:extLst>
+            <a:ext uri="{909E8E84-426E-40dd-AFC4-6F175D3DCCD1}">
+              <a14:hiddenFill xmlns:a14="http://schemas.microsoft.com/office/drawing/2010/main" xmlns="">
+                <a:solidFill>
+                  <a:srgbClr val="FFFFFF"/>
+                </a:solidFill>
+              </a14:hiddenFill>
+            </a:ext>
+            <a:ext uri="{91240B29-F687-4f45-9708-019B960494DF}">
+              <a14:hiddenLine xmlns:a14="http://schemas.microsoft.com/office/drawing/2010/main" xmlns="" w="9525">
+                <a:solidFill>
+                  <a:srgbClr val="000000"/>
+                </a:solidFill>
+                <a:miter lim="800000"/>
+                <a:headEnd/>
+                <a:tailEnd/>
+              </a14:hiddenLine>
+            </a:ext>
+          </a:extLst>
+        </p:spPr>
         <p:txBody>
           <a:bodyPr/>
           <a:lstStyle/>
           <a:p>
-            <a:r>
-              <a:rPr lang="en-US" dirty="0" smtClean="0"/>
-              <a:t>Do</a:t>
-            </a:r>
-            <a:r>
-              <a:rPr lang="en-US" baseline="0" dirty="0" smtClean="0"/>
-              <a:t> an example with students and have them do the rest on their own.</a:t>
+            <a:pPr>
+              <a:buFontTx/>
+              <a:buChar char="-"/>
+            </a:pPr>
+            <a:r>
+              <a:rPr lang="en-US" dirty="0" err="1"/>
+              <a:t>this.temp</a:t>
+            </a:r>
+            <a:r>
+              <a:rPr lang="en-US" dirty="0"/>
+              <a:t> = temp; line is animated</a:t>
+            </a:r>
+          </a:p>
+          <a:p>
+            <a:pPr>
+              <a:buFontTx/>
+              <a:buChar char="-"/>
+            </a:pPr>
+            <a:r>
+              <a:rPr lang="en-US" dirty="0"/>
+              <a:t>The scope of </a:t>
+            </a:r>
+            <a:r>
+              <a:rPr lang="en-US" dirty="0" err="1"/>
+              <a:t>this.temp</a:t>
+            </a:r>
+            <a:r>
+              <a:rPr lang="en-US" dirty="0"/>
+              <a:t> overlaps with the scope of the parameter temp.  </a:t>
+            </a:r>
+          </a:p>
+          <a:p>
+            <a:pPr>
+              <a:buFontTx/>
+              <a:buChar char="-"/>
+            </a:pPr>
+            <a:r>
+              <a:rPr lang="en-US" dirty="0"/>
+              <a:t>In Java,</a:t>
+            </a:r>
+            <a:r>
+              <a:rPr lang="en-US" baseline="0" dirty="0"/>
+              <a:t> if you do not quality the field with “this”, the local variable shadows the  instance field with the same name (local variable wins!)</a:t>
             </a:r>
             <a:endParaRPr lang="en-US" dirty="0"/>
           </a:p>
-        </p:txBody>
-      </p:sp>
-      <p:sp>
-        <p:nvSpPr>
-          <p:cNvPr id="4" name="Slide Number Placeholder 3"/>
-          <p:cNvSpPr>
-            <a:spLocks noGrp="1"/>
-          </p:cNvSpPr>
-          <p:nvPr>
-            <p:ph type="sldNum" sz="quarter" idx="10"/>
-          </p:nvPr>
-        </p:nvSpPr>
-        <p:spPr/>
+          <a:p>
+            <a:pPr>
+              <a:buFontTx/>
+              <a:buNone/>
+            </a:pPr>
+            <a:endParaRPr lang="en-US" dirty="0"/>
+          </a:p>
+          <a:p>
+            <a:pPr>
+              <a:buFontTx/>
+              <a:buChar char="-"/>
+            </a:pPr>
+            <a:r>
+              <a:rPr lang="en-US" dirty="0"/>
+              <a:t>Always… callout is animated</a:t>
+            </a:r>
+          </a:p>
+          <a:p>
+            <a:pPr>
+              <a:buFontTx/>
+              <a:buChar char="-"/>
+            </a:pPr>
+            <a:r>
+              <a:rPr lang="en-US" dirty="0"/>
+              <a:t>this</a:t>
+            </a:r>
+            <a:r>
+              <a:rPr lang="en-US" baseline="0" dirty="0"/>
+              <a:t>  will always recover the instance variable.</a:t>
+            </a:r>
+          </a:p>
+          <a:p>
+            <a:pPr>
+              <a:buFontTx/>
+              <a:buChar char="-"/>
+            </a:pPr>
+            <a:endParaRPr lang="en-US" baseline="0" dirty="0"/>
+          </a:p>
+          <a:p>
+            <a:pPr>
+              <a:buFontTx/>
+              <a:buChar char="-"/>
+            </a:pPr>
+            <a:r>
+              <a:rPr lang="en-US" baseline="0" dirty="0"/>
+              <a:t>Shadowing is hiding a variable by defining another variable with the same name.</a:t>
+            </a:r>
+            <a:endParaRPr lang="en-US" dirty="0"/>
+          </a:p>
+        </p:txBody>
+      </p:sp>
+      <p:sp>
+        <p:nvSpPr>
+          <p:cNvPr id="45060" name="Slide Number Placeholder 3"/>
+          <p:cNvSpPr>
+            <a:spLocks noGrp="1"/>
+          </p:cNvSpPr>
+          <p:nvPr>
+            <p:ph type="sldNum" sz="quarter" idx="5"/>
+          </p:nvPr>
+        </p:nvSpPr>
+        <p:spPr>
+          <a:noFill/>
+          <a:ln/>
+          <a:extLst>
+            <a:ext uri="{909E8E84-426E-40dd-AFC4-6F175D3DCCD1}">
+              <a14:hiddenFill xmlns:a14="http://schemas.microsoft.com/office/drawing/2010/main" xmlns="">
+                <a:solidFill>
+                  <a:srgbClr val="FFFFFF"/>
+                </a:solidFill>
+              </a14:hiddenFill>
+            </a:ext>
+            <a:ext uri="{91240B29-F687-4f45-9708-019B960494DF}">
+              <a14:hiddenLine xmlns:a14="http://schemas.microsoft.com/office/drawing/2010/main" xmlns="" w="9525">
+                <a:solidFill>
+                  <a:srgbClr val="000000"/>
+                </a:solidFill>
+                <a:miter lim="800000"/>
+                <a:headEnd/>
+                <a:tailEnd/>
+              </a14:hiddenLine>
+            </a:ext>
+          </a:extLst>
+        </p:spPr>
         <p:txBody>
           <a:bodyPr/>
-          <a:lstStyle/>
-          <a:p>
-            <a:pPr>
-              <a:defRPr/>
-            </a:pPr>
-            <a:fld id="{41BB943A-C3B9-42AE-8B54-C2335812312E}" type="slidenum">
-              <a:rPr lang="en-US" smtClean="0"/>
-              <a:pPr>
-                <a:defRPr/>
-              </a:pPr>
-              <a:t>5</a:t>
+          <a:lstStyle>
+            <a:lvl1pPr defTabSz="896442" eaLnBrk="0" hangingPunct="0">
+              <a:defRPr>
+                <a:solidFill>
+                  <a:schemeClr val="tx1"/>
+                </a:solidFill>
+                <a:latin typeface="Arial" charset="0"/>
+                <a:cs typeface="Arial" charset="0"/>
+              </a:defRPr>
+            </a:lvl1pPr>
+            <a:lvl2pPr marL="702738" indent="-270283" defTabSz="896442" eaLnBrk="0" hangingPunct="0">
+              <a:defRPr>
+                <a:solidFill>
+                  <a:schemeClr val="tx1"/>
+                </a:solidFill>
+                <a:latin typeface="Arial" charset="0"/>
+                <a:cs typeface="Arial" charset="0"/>
+              </a:defRPr>
+            </a:lvl2pPr>
+            <a:lvl3pPr marL="1081135" indent="-216227" defTabSz="896442" eaLnBrk="0" hangingPunct="0">
+              <a:defRPr>
+                <a:solidFill>
+                  <a:schemeClr val="tx1"/>
+                </a:solidFill>
+                <a:latin typeface="Arial" charset="0"/>
+                <a:cs typeface="Arial" charset="0"/>
+              </a:defRPr>
+            </a:lvl3pPr>
+            <a:lvl4pPr marL="1513590" indent="-216227" defTabSz="896442" eaLnBrk="0" hangingPunct="0">
+              <a:defRPr>
+                <a:solidFill>
+                  <a:schemeClr val="tx1"/>
+                </a:solidFill>
+                <a:latin typeface="Arial" charset="0"/>
+                <a:cs typeface="Arial" charset="0"/>
+              </a:defRPr>
+            </a:lvl4pPr>
+            <a:lvl5pPr marL="1946044" indent="-216227" defTabSz="896442" eaLnBrk="0" hangingPunct="0">
+              <a:defRPr>
+                <a:solidFill>
+                  <a:schemeClr val="tx1"/>
+                </a:solidFill>
+                <a:latin typeface="Arial" charset="0"/>
+                <a:cs typeface="Arial" charset="0"/>
+              </a:defRPr>
+            </a:lvl5pPr>
+            <a:lvl6pPr marL="2378498" indent="-216227" defTabSz="896442" eaLnBrk="0" fontAlgn="base" hangingPunct="0">
+              <a:spcBef>
+                <a:spcPct val="0"/>
+              </a:spcBef>
+              <a:spcAft>
+                <a:spcPct val="0"/>
+              </a:spcAft>
+              <a:defRPr>
+                <a:solidFill>
+                  <a:schemeClr val="tx1"/>
+                </a:solidFill>
+                <a:latin typeface="Arial" charset="0"/>
+                <a:cs typeface="Arial" charset="0"/>
+              </a:defRPr>
+            </a:lvl6pPr>
+            <a:lvl7pPr marL="2810952" indent="-216227" defTabSz="896442" eaLnBrk="0" fontAlgn="base" hangingPunct="0">
+              <a:spcBef>
+                <a:spcPct val="0"/>
+              </a:spcBef>
+              <a:spcAft>
+                <a:spcPct val="0"/>
+              </a:spcAft>
+              <a:defRPr>
+                <a:solidFill>
+                  <a:schemeClr val="tx1"/>
+                </a:solidFill>
+                <a:latin typeface="Arial" charset="0"/>
+                <a:cs typeface="Arial" charset="0"/>
+              </a:defRPr>
+            </a:lvl7pPr>
+            <a:lvl8pPr marL="3243406" indent="-216227" defTabSz="896442" eaLnBrk="0" fontAlgn="base" hangingPunct="0">
+              <a:spcBef>
+                <a:spcPct val="0"/>
+              </a:spcBef>
+              <a:spcAft>
+                <a:spcPct val="0"/>
+              </a:spcAft>
+              <a:defRPr>
+                <a:solidFill>
+                  <a:schemeClr val="tx1"/>
+                </a:solidFill>
+                <a:latin typeface="Arial" charset="0"/>
+                <a:cs typeface="Arial" charset="0"/>
+              </a:defRPr>
+            </a:lvl8pPr>
+            <a:lvl9pPr marL="3675860" indent="-216227" defTabSz="896442" eaLnBrk="0" fontAlgn="base" hangingPunct="0">
+              <a:spcBef>
+                <a:spcPct val="0"/>
+              </a:spcBef>
+              <a:spcAft>
+                <a:spcPct val="0"/>
+              </a:spcAft>
+              <a:defRPr>
+                <a:solidFill>
+                  <a:schemeClr val="tx1"/>
+                </a:solidFill>
+                <a:latin typeface="Arial" charset="0"/>
+                <a:cs typeface="Arial" charset="0"/>
+              </a:defRPr>
+            </a:lvl9pPr>
+          </a:lstStyle>
+          <a:p>
+            <a:pPr eaLnBrk="1" hangingPunct="1"/>
+            <a:fld id="{F20168F8-F7A1-4FBA-B834-4B84551BC123}" type="slidenum">
+              <a:rPr lang="en-US" smtClean="0">
+                <a:latin typeface="Calibri" pitchFamily="34" charset="0"/>
+              </a:rPr>
+              <a:pPr eaLnBrk="1" hangingPunct="1"/>
+              <a:t>8</a:t>
             </a:fld>
-            <a:endParaRPr lang="en-US"/>
+            <a:endParaRPr lang="en-US">
+              <a:latin typeface="Calibri" pitchFamily="34" charset="0"/>
+            </a:endParaRPr>
           </a:p>
         </p:txBody>
       </p:sp>
     </p:spTree>
     <p:extLst>
       <p:ext uri="{BB962C8B-B14F-4D97-AF65-F5344CB8AC3E}">
-        <p14:creationId xmlns:p14="http://schemas.microsoft.com/office/powerpoint/2010/main" val="201707920"/>
+        <p14:creationId xmlns:p14="http://schemas.microsoft.com/office/powerpoint/2010/main" val="1601598168"/>
       </p:ext>
     </p:extLst>
   </p:cSld>
@@ -1303,6 +1774,302 @@
           <a:bodyPr/>
           <a:lstStyle/>
           <a:p>
+            <a:r>
+              <a:rPr lang="en-US" dirty="0" smtClean="0"/>
+              <a:t>What if we suddenly</a:t>
+            </a:r>
+            <a:r>
+              <a:rPr lang="en-US" baseline="0" dirty="0" smtClean="0"/>
+              <a:t> wanted to add a second solar system…</a:t>
+            </a:r>
+          </a:p>
+          <a:p>
+            <a:r>
+              <a:rPr lang="en-US" baseline="0" dirty="0" smtClean="0"/>
+              <a:t>Static makes for bad design, i.e. hard to use/reuse/</a:t>
+            </a:r>
+            <a:r>
+              <a:rPr lang="en-US" b="1" baseline="0" dirty="0" smtClean="0"/>
+              <a:t>extend</a:t>
+            </a:r>
+            <a:endParaRPr lang="en-US" b="1" dirty="0"/>
+          </a:p>
+        </p:txBody>
+      </p:sp>
+      <p:sp>
+        <p:nvSpPr>
+          <p:cNvPr id="4" name="Slide Number Placeholder 3"/>
+          <p:cNvSpPr>
+            <a:spLocks noGrp="1"/>
+          </p:cNvSpPr>
+          <p:nvPr>
+            <p:ph type="sldNum" sz="quarter" idx="10"/>
+          </p:nvPr>
+        </p:nvSpPr>
+        <p:spPr/>
+        <p:txBody>
+          <a:bodyPr/>
+          <a:lstStyle/>
+          <a:p>
+            <a:pPr>
+              <a:defRPr/>
+            </a:pPr>
+            <a:fld id="{41BB943A-C3B9-42AE-8B54-C2335812312E}" type="slidenum">
+              <a:rPr lang="en-US" smtClean="0"/>
+              <a:pPr>
+                <a:defRPr/>
+              </a:pPr>
+              <a:t>9</a:t>
+            </a:fld>
+            <a:endParaRPr lang="en-US"/>
+          </a:p>
+        </p:txBody>
+      </p:sp>
+    </p:spTree>
+    <p:extLst>
+      <p:ext uri="{BB962C8B-B14F-4D97-AF65-F5344CB8AC3E}">
+        <p14:creationId xmlns:p14="http://schemas.microsoft.com/office/powerpoint/2010/main" val="1012682020"/>
+      </p:ext>
+    </p:extLst>
+  </p:cSld>
+  <p:clrMapOvr>
+    <a:masterClrMapping/>
+  </p:clrMapOvr>
+</p:notes>
+</file>
+
+<file path=ppt/notesSlides/notesSlide6.xml><?xml version="1.0" encoding="utf-8"?>
+<p:notes xmlns:a="http://schemas.openxmlformats.org/drawingml/2006/main" xmlns:r="http://schemas.openxmlformats.org/officeDocument/2006/relationships" xmlns:p="http://schemas.openxmlformats.org/presentationml/2006/main">
+  <p:cSld>
+    <p:spTree>
+      <p:nvGrpSpPr>
+        <p:cNvPr id="1" name=""/>
+        <p:cNvGrpSpPr/>
+        <p:nvPr/>
+      </p:nvGrpSpPr>
+      <p:grpSpPr>
+        <a:xfrm>
+          <a:off x="0" y="0"/>
+          <a:ext cx="0" cy="0"/>
+          <a:chOff x="0" y="0"/>
+          <a:chExt cx="0" cy="0"/>
+        </a:xfrm>
+      </p:grpSpPr>
+      <p:sp>
+        <p:nvSpPr>
+          <p:cNvPr id="2" name="Slide Image Placeholder 1"/>
+          <p:cNvSpPr>
+            <a:spLocks noGrp="1" noRot="1" noChangeAspect="1"/>
+          </p:cNvSpPr>
+          <p:nvPr>
+            <p:ph type="sldImg"/>
+          </p:nvPr>
+        </p:nvSpPr>
+        <p:spPr/>
+      </p:sp>
+      <p:sp>
+        <p:nvSpPr>
+          <p:cNvPr id="3" name="Notes Placeholder 2"/>
+          <p:cNvSpPr>
+            <a:spLocks noGrp="1"/>
+          </p:cNvSpPr>
+          <p:nvPr>
+            <p:ph type="body" idx="1"/>
+          </p:nvPr>
+        </p:nvSpPr>
+        <p:spPr/>
+        <p:txBody>
+          <a:bodyPr/>
+          <a:lstStyle/>
+          <a:p>
+            <a:endParaRPr lang="en-US" dirty="0"/>
+          </a:p>
+        </p:txBody>
+      </p:sp>
+      <p:sp>
+        <p:nvSpPr>
+          <p:cNvPr id="4" name="Slide Number Placeholder 3"/>
+          <p:cNvSpPr>
+            <a:spLocks noGrp="1"/>
+          </p:cNvSpPr>
+          <p:nvPr>
+            <p:ph type="sldNum" sz="quarter" idx="10"/>
+          </p:nvPr>
+        </p:nvSpPr>
+        <p:spPr/>
+        <p:txBody>
+          <a:bodyPr/>
+          <a:lstStyle/>
+          <a:p>
+            <a:pPr>
+              <a:defRPr/>
+            </a:pPr>
+            <a:fld id="{41BB943A-C3B9-42AE-8B54-C2335812312E}" type="slidenum">
+              <a:rPr lang="en-US" smtClean="0"/>
+              <a:pPr>
+                <a:defRPr/>
+              </a:pPr>
+              <a:t>10</a:t>
+            </a:fld>
+            <a:endParaRPr lang="en-US"/>
+          </a:p>
+        </p:txBody>
+      </p:sp>
+    </p:spTree>
+    <p:extLst>
+      <p:ext uri="{BB962C8B-B14F-4D97-AF65-F5344CB8AC3E}">
+        <p14:creationId xmlns:p14="http://schemas.microsoft.com/office/powerpoint/2010/main" val="1968476214"/>
+      </p:ext>
+    </p:extLst>
+  </p:cSld>
+  <p:clrMapOvr>
+    <a:masterClrMapping/>
+  </p:clrMapOvr>
+</p:notes>
+</file>
+
+<file path=ppt/notesSlides/notesSlide7.xml><?xml version="1.0" encoding="utf-8"?>
+<p:notes xmlns:a="http://schemas.openxmlformats.org/drawingml/2006/main" xmlns:r="http://schemas.openxmlformats.org/officeDocument/2006/relationships" xmlns:p="http://schemas.openxmlformats.org/presentationml/2006/main">
+  <p:cSld>
+    <p:spTree>
+      <p:nvGrpSpPr>
+        <p:cNvPr id="1" name=""/>
+        <p:cNvGrpSpPr/>
+        <p:nvPr/>
+      </p:nvGrpSpPr>
+      <p:grpSpPr>
+        <a:xfrm>
+          <a:off x="0" y="0"/>
+          <a:ext cx="0" cy="0"/>
+          <a:chOff x="0" y="0"/>
+          <a:chExt cx="0" cy="0"/>
+        </a:xfrm>
+      </p:grpSpPr>
+      <p:sp>
+        <p:nvSpPr>
+          <p:cNvPr id="2" name="Slide Image Placeholder 1"/>
+          <p:cNvSpPr>
+            <a:spLocks noGrp="1" noRot="1" noChangeAspect="1"/>
+          </p:cNvSpPr>
+          <p:nvPr>
+            <p:ph type="sldImg"/>
+          </p:nvPr>
+        </p:nvSpPr>
+        <p:spPr/>
+      </p:sp>
+      <p:sp>
+        <p:nvSpPr>
+          <p:cNvPr id="3" name="Notes Placeholder 2"/>
+          <p:cNvSpPr>
+            <a:spLocks noGrp="1"/>
+          </p:cNvSpPr>
+          <p:nvPr>
+            <p:ph type="body" idx="1"/>
+          </p:nvPr>
+        </p:nvSpPr>
+        <p:spPr/>
+        <p:txBody>
+          <a:bodyPr/>
+          <a:lstStyle/>
+          <a:p>
+            <a:r>
+              <a:rPr lang="en-US" dirty="0" smtClean="0"/>
+              <a:t>Do</a:t>
+            </a:r>
+            <a:r>
+              <a:rPr lang="en-US" baseline="0" dirty="0" smtClean="0"/>
+              <a:t> an example with students and have them do the rest on their own.</a:t>
+            </a:r>
+            <a:endParaRPr lang="en-US" dirty="0"/>
+          </a:p>
+        </p:txBody>
+      </p:sp>
+      <p:sp>
+        <p:nvSpPr>
+          <p:cNvPr id="4" name="Slide Number Placeholder 3"/>
+          <p:cNvSpPr>
+            <a:spLocks noGrp="1"/>
+          </p:cNvSpPr>
+          <p:nvPr>
+            <p:ph type="sldNum" sz="quarter" idx="10"/>
+          </p:nvPr>
+        </p:nvSpPr>
+        <p:spPr/>
+        <p:txBody>
+          <a:bodyPr/>
+          <a:lstStyle/>
+          <a:p>
+            <a:pPr>
+              <a:defRPr/>
+            </a:pPr>
+            <a:fld id="{41BB943A-C3B9-42AE-8B54-C2335812312E}" type="slidenum">
+              <a:rPr lang="en-US" smtClean="0"/>
+              <a:pPr>
+                <a:defRPr/>
+              </a:pPr>
+              <a:t>11</a:t>
+            </a:fld>
+            <a:endParaRPr lang="en-US"/>
+          </a:p>
+        </p:txBody>
+      </p:sp>
+    </p:spTree>
+    <p:extLst>
+      <p:ext uri="{BB962C8B-B14F-4D97-AF65-F5344CB8AC3E}">
+        <p14:creationId xmlns:p14="http://schemas.microsoft.com/office/powerpoint/2010/main" val="201707920"/>
+      </p:ext>
+    </p:extLst>
+  </p:cSld>
+  <p:clrMapOvr>
+    <a:masterClrMapping/>
+  </p:clrMapOvr>
+</p:notes>
+</file>
+
+<file path=ppt/notesSlides/notesSlide8.xml><?xml version="1.0" encoding="utf-8"?>
+<p:notes xmlns:a="http://schemas.openxmlformats.org/drawingml/2006/main" xmlns:r="http://schemas.openxmlformats.org/officeDocument/2006/relationships" xmlns:p="http://schemas.openxmlformats.org/presentationml/2006/main">
+  <p:cSld>
+    <p:spTree>
+      <p:nvGrpSpPr>
+        <p:cNvPr id="1" name=""/>
+        <p:cNvGrpSpPr/>
+        <p:nvPr/>
+      </p:nvGrpSpPr>
+      <p:grpSpPr>
+        <a:xfrm>
+          <a:off x="0" y="0"/>
+          <a:ext cx="0" cy="0"/>
+          <a:chOff x="0" y="0"/>
+          <a:chExt cx="0" cy="0"/>
+        </a:xfrm>
+      </p:grpSpPr>
+      <p:sp>
+        <p:nvSpPr>
+          <p:cNvPr id="2" name="Slide Image Placeholder 1"/>
+          <p:cNvSpPr>
+            <a:spLocks noGrp="1" noRot="1" noChangeAspect="1"/>
+          </p:cNvSpPr>
+          <p:nvPr>
+            <p:ph type="sldImg"/>
+          </p:nvPr>
+        </p:nvSpPr>
+        <p:spPr/>
+      </p:sp>
+      <p:sp>
+        <p:nvSpPr>
+          <p:cNvPr id="3" name="Notes Placeholder 2"/>
+          <p:cNvSpPr>
+            <a:spLocks noGrp="1"/>
+          </p:cNvSpPr>
+          <p:nvPr>
+            <p:ph type="body" idx="1"/>
+          </p:nvPr>
+        </p:nvSpPr>
+        <p:spPr/>
+        <p:txBody>
+          <a:bodyPr/>
+          <a:lstStyle/>
+          <a:p>
             <a:pPr marL="0" marR="0" lvl="0" indent="0" algn="l" defTabSz="914400" rtl="0" eaLnBrk="0" fontAlgn="base" latinLnBrk="0" hangingPunct="0">
               <a:lnSpc>
                 <a:spcPct val="100000"/>
@@ -1382,7 +2149,7 @@
               <a:pPr>
                 <a:defRPr/>
               </a:pPr>
-              <a:t>11</a:t>
+              <a:t>17</a:t>
             </a:fld>
             <a:endParaRPr lang="en-US"/>
           </a:p>
@@ -1588,7 +2355,7 @@
               <a:pPr>
                 <a:defRPr/>
               </a:pPr>
-              <a:t>Monday, March 19, 2018</a:t>
+              <a:t>Tuesday, March 31, 2020</a:t>
             </a:fld>
             <a:endParaRPr lang="en-US" dirty="0"/>
           </a:p>
@@ -1773,7 +2540,7 @@
               <a:pPr>
                 <a:defRPr/>
               </a:pPr>
-              <a:t>Monday, March 19, 2018</a:t>
+              <a:t>Tuesday, March 31, 2020</a:t>
             </a:fld>
             <a:endParaRPr lang="en-US" dirty="0"/>
           </a:p>
@@ -1968,7 +2735,7 @@
               <a:pPr>
                 <a:defRPr/>
               </a:pPr>
-              <a:t>Monday, March 19, 2018</a:t>
+              <a:t>Tuesday, March 31, 2020</a:t>
             </a:fld>
             <a:endParaRPr lang="en-US" dirty="0"/>
           </a:p>
@@ -2153,7 +2920,7 @@
               <a:pPr>
                 <a:defRPr/>
               </a:pPr>
-              <a:t>Monday, March 19, 2018</a:t>
+              <a:t>Tuesday, March 31, 2020</a:t>
             </a:fld>
             <a:endParaRPr lang="en-US" dirty="0"/>
           </a:p>
@@ -2414,7 +3181,7 @@
               <a:pPr>
                 <a:defRPr/>
               </a:pPr>
-              <a:t>Monday, March 19, 2018</a:t>
+              <a:t>Tuesday, March 31, 2020</a:t>
             </a:fld>
             <a:endParaRPr lang="en-US"/>
           </a:p>
@@ -2717,7 +3484,7 @@
               <a:pPr>
                 <a:defRPr/>
               </a:pPr>
-              <a:t>Monday, March 19, 2018</a:t>
+              <a:t>Tuesday, March 31, 2020</a:t>
             </a:fld>
             <a:endParaRPr lang="en-US"/>
           </a:p>
@@ -3154,7 +3921,7 @@
               <a:pPr>
                 <a:defRPr/>
               </a:pPr>
-              <a:t>Monday, March 19, 2018</a:t>
+              <a:t>Tuesday, March 31, 2020</a:t>
             </a:fld>
             <a:endParaRPr lang="en-US"/>
           </a:p>
@@ -3287,7 +4054,7 @@
               <a:pPr>
                 <a:defRPr/>
               </a:pPr>
-              <a:t>Monday, March 19, 2018</a:t>
+              <a:t>Tuesday, March 31, 2020</a:t>
             </a:fld>
             <a:endParaRPr lang="en-US"/>
           </a:p>
@@ -3397,7 +4164,7 @@
               <a:pPr>
                 <a:defRPr/>
               </a:pPr>
-              <a:t>Monday, March 19, 2018</a:t>
+              <a:t>Tuesday, March 31, 2020</a:t>
             </a:fld>
             <a:endParaRPr lang="en-US" dirty="0"/>
           </a:p>
@@ -3689,7 +4456,7 @@
               <a:pPr>
                 <a:defRPr/>
               </a:pPr>
-              <a:t>Monday, March 19, 2018</a:t>
+              <a:t>Tuesday, March 31, 2020</a:t>
             </a:fld>
             <a:endParaRPr lang="en-US"/>
           </a:p>
@@ -3957,7 +4724,7 @@
               <a:pPr>
                 <a:defRPr/>
               </a:pPr>
-              <a:t>Monday, March 19, 2018</a:t>
+              <a:t>Tuesday, March 31, 2020</a:t>
             </a:fld>
             <a:endParaRPr lang="en-US"/>
           </a:p>
@@ -4185,7 +4952,7 @@
               <a:pPr>
                 <a:defRPr/>
               </a:pPr>
-              <a:t>Monday, March 19, 2018</a:t>
+              <a:t>Tuesday, March 31, 2020</a:t>
             </a:fld>
             <a:endParaRPr lang="en-US" dirty="0"/>
           </a:p>
@@ -4609,8 +5376,21 @@
           <a:p>
             <a:r>
               <a:rPr lang="en-US" dirty="0" smtClean="0"/>
+              <a:t>Variable Scope</a:t>
+            </a:r>
+          </a:p>
+          <a:p>
+            <a:r>
+              <a:rPr lang="en-US" dirty="0" smtClean="0"/>
               <a:t>Console Input</a:t>
             </a:r>
+          </a:p>
+          <a:p>
+            <a:r>
+              <a:rPr lang="en-US" dirty="0" smtClean="0"/>
+              <a:t>Unit Testing</a:t>
+            </a:r>
+            <a:endParaRPr lang="en-US" dirty="0" smtClean="0"/>
           </a:p>
         </p:txBody>
       </p:sp>
@@ -4759,7 +5539,7 @@
       </p:grpSpPr>
       <p:sp>
         <p:nvSpPr>
-          <p:cNvPr id="2" name="Title 1"/>
+          <p:cNvPr id="4" name="Title 3"/>
           <p:cNvSpPr>
             <a:spLocks noGrp="1"/>
           </p:cNvSpPr>
@@ -4772,9 +5552,16 @@
           <a:bodyPr/>
           <a:lstStyle/>
           <a:p>
+            <a:pPr eaLnBrk="1" hangingPunct="1">
+              <a:defRPr/>
+            </a:pPr>
             <a:r>
               <a:rPr lang="en-US" dirty="0" smtClean="0"/>
-              <a:t>What are good unit tests?</a:t>
+              <a:t>Console Input with </a:t>
+            </a:r>
+            <a:r>
+              <a:rPr lang="en-US" dirty="0" err="1" smtClean="0"/>
+              <a:t>java.util.scanner</a:t>
             </a:r>
             <a:endParaRPr lang="en-US" dirty="0"/>
           </a:p>
@@ -4782,132 +5569,31 @@
       </p:sp>
       <p:sp>
         <p:nvSpPr>
-          <p:cNvPr id="3" name="Content Placeholder 2"/>
-          <p:cNvSpPr>
-            <a:spLocks noGrp="1"/>
-          </p:cNvSpPr>
-          <p:nvPr>
-            <p:ph idx="1"/>
+          <p:cNvPr id="19459" name="Text Placeholder 4"/>
+          <p:cNvSpPr>
+            <a:spLocks noGrp="1"/>
+          </p:cNvSpPr>
+          <p:nvPr>
+            <p:ph type="body" idx="1"/>
           </p:nvPr>
         </p:nvSpPr>
         <p:spPr/>
         <p:txBody>
-          <a:bodyPr>
-            <a:normAutofit fontScale="92500"/>
-          </a:bodyPr>
-          <a:lstStyle/>
-          <a:p>
+          <a:bodyPr/>
+          <a:lstStyle/>
+          <a:p>
+            <a:pPr eaLnBrk="1" hangingPunct="1"/>
             <a:r>
               <a:rPr lang="en-US" dirty="0" smtClean="0"/>
-              <a:t>Unit tests should be small pieces that test:</a:t>
-            </a:r>
-          </a:p>
-          <a:p>
-            <a:pPr marL="971550" lvl="1" indent="-514350">
-              <a:buFont typeface="+mj-lt"/>
-              <a:buAutoNum type="arabicPeriod"/>
-            </a:pPr>
-            <a:r>
-              <a:rPr lang="en-US" dirty="0" smtClean="0"/>
-              <a:t>The most common cases</a:t>
-            </a:r>
-          </a:p>
-          <a:p>
-            <a:pPr marL="971550" lvl="1" indent="-514350">
-              <a:buFont typeface="+mj-lt"/>
-              <a:buAutoNum type="arabicPeriod"/>
-            </a:pPr>
-            <a:r>
-              <a:rPr lang="en-US" dirty="0" smtClean="0"/>
-              <a:t>The edge cases (minimum, maximum, switching from positive to negative, etc.)</a:t>
-            </a:r>
-          </a:p>
-          <a:p>
-            <a:pPr marL="971550" lvl="1" indent="-514350">
-              <a:buFont typeface="+mj-lt"/>
-              <a:buAutoNum type="arabicPeriod"/>
-            </a:pPr>
-            <a:r>
-              <a:rPr lang="en-US" dirty="0" smtClean="0"/>
-              <a:t>All specific/special cases (e.g., when 0 or null the behavior is different than for any other value)</a:t>
-            </a:r>
-          </a:p>
-          <a:p>
-            <a:pPr marL="971550" lvl="1" indent="-514350">
-              <a:buFont typeface="+mj-lt"/>
-              <a:buAutoNum type="arabicPeriod"/>
-            </a:pPr>
-            <a:r>
-              <a:rPr lang="en-US" dirty="0" smtClean="0"/>
-              <a:t>When you find and fix a bug, you should have a unit test for this so it doesn’t ever happen again. Fix things once and for all!</a:t>
-            </a:r>
-          </a:p>
-          <a:p>
-            <a:pPr marL="971550" lvl="1" indent="-514350">
-              <a:buFont typeface="+mj-lt"/>
-              <a:buAutoNum type="arabicPeriod"/>
-            </a:pPr>
-            <a:r>
-              <a:rPr lang="en-US" dirty="0" smtClean="0"/>
-              <a:t>Any overly complex code that 1-4 above don’t cover</a:t>
-            </a:r>
-          </a:p>
-          <a:p>
-            <a:pPr marL="457200" lvl="1" indent="0">
-              <a:buNone/>
-            </a:pPr>
-            <a:endParaRPr lang="en-US" dirty="0"/>
-          </a:p>
-        </p:txBody>
-      </p:sp>
-      <p:sp>
-        <p:nvSpPr>
-          <p:cNvPr id="7" name="Rectangle 6"/>
-          <p:cNvSpPr/>
-          <p:nvPr/>
-        </p:nvSpPr>
-        <p:spPr>
-          <a:xfrm>
-            <a:off x="8229600" y="6126163"/>
-            <a:ext cx="685800" cy="579437"/>
-          </a:xfrm>
-          <a:prstGeom prst="rect">
-            <a:avLst/>
-          </a:prstGeom>
-        </p:spPr>
-        <p:style>
-          <a:lnRef idx="2">
-            <a:schemeClr val="accent1">
-              <a:shade val="50000"/>
-            </a:schemeClr>
-          </a:lnRef>
-          <a:fillRef idx="1">
-            <a:schemeClr val="accent1"/>
-          </a:fillRef>
-          <a:effectRef idx="0">
-            <a:schemeClr val="accent1"/>
-          </a:effectRef>
-          <a:fontRef idx="minor">
-            <a:schemeClr val="lt1"/>
-          </a:fontRef>
-        </p:style>
-        <p:txBody>
-          <a:bodyPr rtlCol="0" anchor="ctr"/>
-          <a:lstStyle/>
-          <a:p>
-            <a:pPr algn="ctr"/>
-            <a:r>
-              <a:rPr lang="en-US" dirty="0" smtClean="0"/>
-              <a:t>Q4</a:t>
-            </a:r>
-            <a:endParaRPr lang="en-US" dirty="0"/>
+              <a:t>Reading keyboard input from the console</a:t>
+            </a:r>
           </a:p>
         </p:txBody>
       </p:sp>
     </p:spTree>
     <p:extLst>
       <p:ext uri="{BB962C8B-B14F-4D97-AF65-F5344CB8AC3E}">
-        <p14:creationId xmlns:p14="http://schemas.microsoft.com/office/powerpoint/2010/main" val="3201202410"/>
+        <p14:creationId xmlns:p14="http://schemas.microsoft.com/office/powerpoint/2010/main" val="1909406102"/>
       </p:ext>
     </p:extLst>
   </p:cSld>
@@ -4958,7 +5644,7 @@
           <a:p>
             <a:r>
               <a:rPr lang="en-US" dirty="0" smtClean="0"/>
-              <a:t>Unit Testing</a:t>
+              <a:t>Console input with Scanner</a:t>
             </a:r>
             <a:endParaRPr lang="en-US" dirty="0"/>
           </a:p>
@@ -4976,38 +5662,269 @@
         </p:nvSpPr>
         <p:spPr/>
         <p:txBody>
-          <a:bodyPr/>
+          <a:bodyPr>
+            <a:normAutofit fontScale="92500" lnSpcReduction="20000"/>
+          </a:bodyPr>
           <a:lstStyle/>
           <a:p>
             <a:r>
               <a:rPr lang="en-US" dirty="0" smtClean="0"/>
-              <a:t>Use “assert” to make sure results match</a:t>
+              <a:t>Creating a Scanner object</a:t>
+            </a:r>
+          </a:p>
+          <a:p>
+            <a:pPr lvl="1"/>
+            <a:r>
+              <a:rPr lang="en-US" dirty="0" smtClean="0">
+                <a:solidFill>
+                  <a:srgbClr val="F79646"/>
+                </a:solidFill>
+              </a:rPr>
+              <a:t>import </a:t>
+            </a:r>
+            <a:r>
+              <a:rPr lang="en-US" dirty="0" err="1" smtClean="0">
+                <a:solidFill>
+                  <a:srgbClr val="F79646"/>
+                </a:solidFill>
+              </a:rPr>
+              <a:t>java.util.Scanner</a:t>
+            </a:r>
+            <a:r>
+              <a:rPr lang="en-US" dirty="0" smtClean="0">
+                <a:solidFill>
+                  <a:srgbClr val="F79646"/>
+                </a:solidFill>
+              </a:rPr>
+              <a:t>;</a:t>
+            </a:r>
+          </a:p>
+          <a:p>
+            <a:pPr lvl="1"/>
+            <a:r>
+              <a:rPr lang="en-US" dirty="0" smtClean="0">
+                <a:solidFill>
+                  <a:srgbClr val="F79646"/>
+                </a:solidFill>
+              </a:rPr>
+              <a:t>Scanner </a:t>
+            </a:r>
+            <a:r>
+              <a:rPr lang="en-US" dirty="0" err="1" smtClean="0">
+                <a:solidFill>
+                  <a:srgbClr val="F79646"/>
+                </a:solidFill>
+              </a:rPr>
+              <a:t>inputScanner</a:t>
+            </a:r>
+            <a:r>
+              <a:rPr lang="en-US" dirty="0" smtClean="0">
+                <a:solidFill>
+                  <a:srgbClr val="F79646"/>
+                </a:solidFill>
+              </a:rPr>
+              <a:t> = new Scanner(</a:t>
+            </a:r>
+            <a:r>
+              <a:rPr lang="en-US" dirty="0" err="1" smtClean="0">
+                <a:solidFill>
+                  <a:srgbClr val="F79646"/>
+                </a:solidFill>
+              </a:rPr>
+              <a:t>System.in</a:t>
+            </a:r>
+            <a:r>
+              <a:rPr lang="en-US" dirty="0" smtClean="0">
+                <a:solidFill>
+                  <a:srgbClr val="F79646"/>
+                </a:solidFill>
+              </a:rPr>
+              <a:t>);</a:t>
             </a:r>
           </a:p>
           <a:p>
             <a:r>
               <a:rPr lang="en-US" dirty="0" smtClean="0"/>
-              <a:t>Let’s look at </a:t>
-            </a:r>
-            <a:r>
-              <a:rPr lang="en-US" dirty="0" err="1" smtClean="0"/>
-              <a:t>BadFrac.java</a:t>
-            </a:r>
+              <a:t>Defines methods to read from keyboard</a:t>
+            </a:r>
+          </a:p>
+          <a:p>
+            <a:pPr lvl="1"/>
+            <a:r>
+              <a:rPr lang="en-US" dirty="0" err="1" smtClean="0">
+                <a:solidFill>
+                  <a:srgbClr val="F79646"/>
+                </a:solidFill>
+              </a:rPr>
+              <a:t>inputScanner.nextInt</a:t>
+            </a:r>
+            <a:r>
+              <a:rPr lang="en-US" dirty="0" smtClean="0">
+                <a:solidFill>
+                  <a:srgbClr val="F79646"/>
+                </a:solidFill>
+              </a:rPr>
+              <a:t>();</a:t>
+            </a:r>
+          </a:p>
+          <a:p>
+            <a:pPr lvl="1"/>
+            <a:r>
+              <a:rPr lang="en-US" dirty="0" err="1" smtClean="0">
+                <a:solidFill>
+                  <a:srgbClr val="F79646"/>
+                </a:solidFill>
+              </a:rPr>
+              <a:t>inputScanner.nextDouble</a:t>
+            </a:r>
+            <a:r>
+              <a:rPr lang="en-US" dirty="0" smtClean="0">
+                <a:solidFill>
+                  <a:srgbClr val="F79646"/>
+                </a:solidFill>
+              </a:rPr>
+              <a:t>();</a:t>
+            </a:r>
+          </a:p>
+          <a:p>
+            <a:pPr lvl="1"/>
+            <a:r>
+              <a:rPr lang="en-US" dirty="0" err="1" smtClean="0">
+                <a:solidFill>
+                  <a:srgbClr val="F79646"/>
+                </a:solidFill>
+              </a:rPr>
+              <a:t>inputScanner.nextLine</a:t>
+            </a:r>
+            <a:r>
+              <a:rPr lang="en-US" dirty="0" smtClean="0">
+                <a:solidFill>
+                  <a:srgbClr val="F79646"/>
+                </a:solidFill>
+              </a:rPr>
+              <a:t>();</a:t>
+            </a:r>
+          </a:p>
+          <a:p>
+            <a:pPr lvl="1"/>
+            <a:r>
+              <a:rPr lang="en-US" dirty="0" err="1" smtClean="0">
+                <a:solidFill>
+                  <a:srgbClr val="F79646"/>
+                </a:solidFill>
+              </a:rPr>
+              <a:t>inputScanner.next</a:t>
+            </a:r>
+            <a:r>
+              <a:rPr lang="en-US" dirty="0" smtClean="0">
+                <a:solidFill>
+                  <a:srgbClr val="F79646"/>
+                </a:solidFill>
+              </a:rPr>
+              <a:t>();</a:t>
+            </a:r>
+          </a:p>
+          <a:p>
             <a:r>
               <a:rPr lang="en-US" dirty="0" smtClean="0"/>
-              <a:t> and </a:t>
-            </a:r>
-            <a:r>
-              <a:rPr lang="en-US" dirty="0" err="1" smtClean="0"/>
-              <a:t>BadFracTest.java</a:t>
-            </a:r>
-            <a:endParaRPr lang="en-US" dirty="0" smtClean="0"/>
-          </a:p>
-          <a:p>
-            <a:pPr lvl="1"/>
-            <a:r>
+              <a:t>Exercise: Look at </a:t>
+            </a:r>
+            <a:br>
               <a:rPr lang="en-US" dirty="0" smtClean="0"/>
-              <a:t>Let’s make some unit tests and figure out why this project has been yielding some strange results</a:t>
+            </a:br>
+            <a:r>
+              <a:rPr lang="en-US" dirty="0" err="1" smtClean="0">
+                <a:solidFill>
+                  <a:schemeClr val="accent6"/>
+                </a:solidFill>
+              </a:rPr>
+              <a:t>UnitTesting</a:t>
+            </a:r>
+            <a:r>
+              <a:rPr lang="en-US" dirty="0" smtClean="0">
+                <a:solidFill>
+                  <a:schemeClr val="accent6"/>
+                </a:solidFill>
+              </a:rPr>
+              <a:t>/</a:t>
+            </a:r>
+            <a:r>
+              <a:rPr lang="en-US" dirty="0" err="1" smtClean="0">
+                <a:solidFill>
+                  <a:schemeClr val="accent6"/>
+                </a:solidFill>
+              </a:rPr>
+              <a:t>src</a:t>
+            </a:r>
+            <a:r>
+              <a:rPr lang="en-US" dirty="0" smtClean="0">
+                <a:solidFill>
+                  <a:schemeClr val="accent6"/>
+                </a:solidFill>
+              </a:rPr>
+              <a:t>/</a:t>
+            </a:r>
+            <a:r>
+              <a:rPr lang="en-US" dirty="0" err="1" smtClean="0">
+                <a:solidFill>
+                  <a:schemeClr val="accent6"/>
+                </a:solidFill>
+              </a:rPr>
+              <a:t>ConsoleWorker.java</a:t>
+            </a:r>
+            <a:r>
+              <a:rPr lang="en-US" dirty="0" smtClean="0"/>
+              <a:t>. </a:t>
+            </a:r>
+            <a:br>
+              <a:rPr lang="en-US" dirty="0" smtClean="0"/>
+            </a:br>
+            <a:r>
+              <a:rPr lang="en-US" dirty="0" smtClean="0"/>
+              <a:t>Add missing methods to read from console</a:t>
+            </a:r>
+          </a:p>
+        </p:txBody>
+      </p:sp>
+      <p:sp>
+        <p:nvSpPr>
+          <p:cNvPr id="4" name="Rectangle 3"/>
+          <p:cNvSpPr/>
+          <p:nvPr/>
+        </p:nvSpPr>
+        <p:spPr>
+          <a:xfrm>
+            <a:off x="8229600" y="6126163"/>
+            <a:ext cx="685800" cy="579437"/>
+          </a:xfrm>
+          <a:prstGeom prst="rect">
+            <a:avLst/>
+          </a:prstGeom>
+        </p:spPr>
+        <p:style>
+          <a:lnRef idx="2">
+            <a:schemeClr val="accent1">
+              <a:shade val="50000"/>
+            </a:schemeClr>
+          </a:lnRef>
+          <a:fillRef idx="1">
+            <a:schemeClr val="accent1"/>
+          </a:fillRef>
+          <a:effectRef idx="0">
+            <a:schemeClr val="accent1"/>
+          </a:effectRef>
+          <a:fontRef idx="minor">
+            <a:schemeClr val="lt1"/>
+          </a:fontRef>
+        </p:style>
+        <p:txBody>
+          <a:bodyPr rtlCol="0" anchor="ctr"/>
+          <a:lstStyle/>
+          <a:p>
+            <a:pPr algn="ctr"/>
+            <a:r>
+              <a:rPr lang="en-US" dirty="0" smtClean="0"/>
+              <a:t>Q1</a:t>
             </a:r>
             <a:endParaRPr lang="en-US" dirty="0"/>
           </a:p>
@@ -5016,7 +5933,7 @@
     </p:spTree>
     <p:extLst>
       <p:ext uri="{BB962C8B-B14F-4D97-AF65-F5344CB8AC3E}">
-        <p14:creationId xmlns:p14="http://schemas.microsoft.com/office/powerpoint/2010/main" val="2195235035"/>
+        <p14:creationId xmlns:p14="http://schemas.microsoft.com/office/powerpoint/2010/main" val="4117085893"/>
       </p:ext>
     </p:extLst>
   </p:cSld>
@@ -5066,6 +5983,990 @@
           <a:lstStyle/>
           <a:p>
             <a:r>
+              <a:rPr lang="en-US" dirty="0" smtClean="0"/>
+              <a:t>Unit Testing</a:t>
+            </a:r>
+            <a:endParaRPr lang="en-US" dirty="0"/>
+          </a:p>
+        </p:txBody>
+      </p:sp>
+      <p:sp>
+        <p:nvSpPr>
+          <p:cNvPr id="3" name="Content Placeholder 2"/>
+          <p:cNvSpPr>
+            <a:spLocks noGrp="1"/>
+          </p:cNvSpPr>
+          <p:nvPr>
+            <p:ph idx="1"/>
+          </p:nvPr>
+        </p:nvSpPr>
+        <p:spPr/>
+        <p:txBody>
+          <a:bodyPr/>
+          <a:lstStyle/>
+          <a:p>
+            <a:r>
+              <a:rPr lang="en-US" dirty="0" smtClean="0"/>
+              <a:t>Idea: Test “small pieces” of larger program</a:t>
+            </a:r>
+          </a:p>
+          <a:p>
+            <a:pPr lvl="1"/>
+            <a:r>
+              <a:rPr lang="en-US" dirty="0" smtClean="0"/>
+              <a:t>Do the expected values match what you ACTUALLY get?</a:t>
+            </a:r>
+          </a:p>
+          <a:p>
+            <a:r>
+              <a:rPr lang="en-US" dirty="0" smtClean="0"/>
+              <a:t>How to test in this manner?</a:t>
+            </a:r>
+          </a:p>
+          <a:p>
+            <a:pPr lvl="1"/>
+            <a:r>
+              <a:rPr lang="en-US" dirty="0" smtClean="0"/>
+              <a:t>Could make a main method that calls all the methods</a:t>
+            </a:r>
+          </a:p>
+          <a:p>
+            <a:pPr lvl="1"/>
+            <a:r>
+              <a:rPr lang="en-US" dirty="0" err="1" smtClean="0"/>
+              <a:t>JUnit</a:t>
+            </a:r>
+            <a:r>
+              <a:rPr lang="en-US" dirty="0" smtClean="0"/>
+              <a:t>!</a:t>
+            </a:r>
+          </a:p>
+          <a:p>
+            <a:pPr lvl="2"/>
+            <a:r>
+              <a:rPr lang="en-US" dirty="0" smtClean="0"/>
+              <a:t>Creating a Tester </a:t>
+            </a:r>
+            <a:r>
+              <a:rPr lang="en-US" dirty="0" err="1" smtClean="0"/>
+              <a:t>JUnit</a:t>
+            </a:r>
+            <a:r>
+              <a:rPr lang="en-US" dirty="0" smtClean="0"/>
+              <a:t> class</a:t>
+            </a:r>
+            <a:endParaRPr lang="en-US" dirty="0"/>
+          </a:p>
+        </p:txBody>
+      </p:sp>
+      <p:sp>
+        <p:nvSpPr>
+          <p:cNvPr id="7" name="Rectangle 6"/>
+          <p:cNvSpPr/>
+          <p:nvPr/>
+        </p:nvSpPr>
+        <p:spPr>
+          <a:xfrm>
+            <a:off x="8305800" y="6126163"/>
+            <a:ext cx="609600" cy="579437"/>
+          </a:xfrm>
+          <a:prstGeom prst="rect">
+            <a:avLst/>
+          </a:prstGeom>
+        </p:spPr>
+        <p:style>
+          <a:lnRef idx="2">
+            <a:schemeClr val="accent1">
+              <a:shade val="50000"/>
+            </a:schemeClr>
+          </a:lnRef>
+          <a:fillRef idx="1">
+            <a:schemeClr val="accent1"/>
+          </a:fillRef>
+          <a:effectRef idx="0">
+            <a:schemeClr val="accent1"/>
+          </a:effectRef>
+          <a:fontRef idx="minor">
+            <a:schemeClr val="lt1"/>
+          </a:fontRef>
+        </p:style>
+        <p:txBody>
+          <a:bodyPr rtlCol="0" anchor="ctr"/>
+          <a:lstStyle/>
+          <a:p>
+            <a:pPr algn="ctr"/>
+            <a:r>
+              <a:rPr lang="en-US" dirty="0" smtClean="0"/>
+              <a:t>Q2</a:t>
+            </a:r>
+            <a:endParaRPr lang="en-US" dirty="0"/>
+          </a:p>
+        </p:txBody>
+      </p:sp>
+    </p:spTree>
+    <p:extLst>
+      <p:ext uri="{BB962C8B-B14F-4D97-AF65-F5344CB8AC3E}">
+        <p14:creationId xmlns:p14="http://schemas.microsoft.com/office/powerpoint/2010/main" val="3923847829"/>
+      </p:ext>
+    </p:extLst>
+  </p:cSld>
+  <p:clrMapOvr>
+    <a:masterClrMapping/>
+  </p:clrMapOvr>
+  <p:timing>
+    <p:tnLst>
+      <p:par>
+        <p:cTn id="1" dur="indefinite" restart="never" nodeType="tmRoot"/>
+      </p:par>
+    </p:tnLst>
+  </p:timing>
+</p:sld>
+</file>
+
+<file path=ppt/slides/slide13.xml><?xml version="1.0" encoding="utf-8"?>
+<p:sld xmlns:a="http://schemas.openxmlformats.org/drawingml/2006/main" xmlns:r="http://schemas.openxmlformats.org/officeDocument/2006/relationships" xmlns:p="http://schemas.openxmlformats.org/presentationml/2006/main">
+  <p:cSld>
+    <p:spTree>
+      <p:nvGrpSpPr>
+        <p:cNvPr id="1" name=""/>
+        <p:cNvGrpSpPr/>
+        <p:nvPr/>
+      </p:nvGrpSpPr>
+      <p:grpSpPr>
+        <a:xfrm>
+          <a:off x="0" y="0"/>
+          <a:ext cx="0" cy="0"/>
+          <a:chOff x="0" y="0"/>
+          <a:chExt cx="0" cy="0"/>
+        </a:xfrm>
+      </p:grpSpPr>
+      <p:sp>
+        <p:nvSpPr>
+          <p:cNvPr id="2" name="Title 1"/>
+          <p:cNvSpPr>
+            <a:spLocks noGrp="1"/>
+          </p:cNvSpPr>
+          <p:nvPr>
+            <p:ph type="title"/>
+          </p:nvPr>
+        </p:nvSpPr>
+        <p:spPr/>
+        <p:txBody>
+          <a:bodyPr/>
+          <a:lstStyle/>
+          <a:p>
+            <a:r>
+              <a:rPr lang="en-US" dirty="0" smtClean="0"/>
+              <a:t>Why Unit Testing?</a:t>
+            </a:r>
+            <a:endParaRPr lang="en-US" dirty="0"/>
+          </a:p>
+        </p:txBody>
+      </p:sp>
+      <p:sp>
+        <p:nvSpPr>
+          <p:cNvPr id="3" name="Content Placeholder 2"/>
+          <p:cNvSpPr>
+            <a:spLocks noGrp="1"/>
+          </p:cNvSpPr>
+          <p:nvPr>
+            <p:ph idx="1"/>
+          </p:nvPr>
+        </p:nvSpPr>
+        <p:spPr/>
+        <p:txBody>
+          <a:bodyPr/>
+          <a:lstStyle/>
+          <a:p>
+            <a:r>
+              <a:rPr lang="en-US" dirty="0" smtClean="0"/>
+              <a:t>There are several goals of unit testing:</a:t>
+            </a:r>
+          </a:p>
+          <a:p>
+            <a:pPr lvl="1"/>
+            <a:r>
+              <a:rPr lang="en-US" dirty="0" smtClean="0"/>
+              <a:t>Make sure your code works (as specified!)</a:t>
+            </a:r>
+          </a:p>
+          <a:p>
+            <a:pPr lvl="1"/>
+            <a:r>
+              <a:rPr lang="en-US" dirty="0" smtClean="0"/>
+              <a:t>Keep it working</a:t>
+            </a:r>
+          </a:p>
+          <a:p>
+            <a:pPr lvl="1"/>
+            <a:r>
+              <a:rPr lang="en-US" dirty="0" smtClean="0"/>
+              <a:t>Confirm understanding of the specification</a:t>
+            </a:r>
+          </a:p>
+          <a:p>
+            <a:pPr lvl="1"/>
+            <a:r>
+              <a:rPr lang="en-US" dirty="0" smtClean="0"/>
+              <a:t>Confirm pieces of code in isolation</a:t>
+            </a:r>
+          </a:p>
+          <a:p>
+            <a:pPr lvl="1"/>
+            <a:r>
+              <a:rPr lang="en-US" dirty="0" smtClean="0"/>
+              <a:t>Provide Documentation</a:t>
+            </a:r>
+          </a:p>
+          <a:p>
+            <a:pPr lvl="1"/>
+            <a:endParaRPr lang="en-US" dirty="0"/>
+          </a:p>
+        </p:txBody>
+      </p:sp>
+      <p:sp>
+        <p:nvSpPr>
+          <p:cNvPr id="4" name="Rectangle 3"/>
+          <p:cNvSpPr/>
+          <p:nvPr/>
+        </p:nvSpPr>
+        <p:spPr>
+          <a:xfrm>
+            <a:off x="8229600" y="6126163"/>
+            <a:ext cx="685800" cy="579437"/>
+          </a:xfrm>
+          <a:prstGeom prst="rect">
+            <a:avLst/>
+          </a:prstGeom>
+        </p:spPr>
+        <p:style>
+          <a:lnRef idx="2">
+            <a:schemeClr val="accent1">
+              <a:shade val="50000"/>
+            </a:schemeClr>
+          </a:lnRef>
+          <a:fillRef idx="1">
+            <a:schemeClr val="accent1"/>
+          </a:fillRef>
+          <a:effectRef idx="0">
+            <a:schemeClr val="accent1"/>
+          </a:effectRef>
+          <a:fontRef idx="minor">
+            <a:schemeClr val="lt1"/>
+          </a:fontRef>
+        </p:style>
+        <p:txBody>
+          <a:bodyPr rtlCol="0" anchor="ctr"/>
+          <a:lstStyle/>
+          <a:p>
+            <a:pPr algn="ctr"/>
+            <a:r>
+              <a:rPr lang="en-US" dirty="0" smtClean="0"/>
+              <a:t>Q3</a:t>
+            </a:r>
+            <a:endParaRPr lang="en-US" dirty="0"/>
+          </a:p>
+        </p:txBody>
+      </p:sp>
+    </p:spTree>
+    <p:extLst>
+      <p:ext uri="{BB962C8B-B14F-4D97-AF65-F5344CB8AC3E}">
+        <p14:creationId xmlns:p14="http://schemas.microsoft.com/office/powerpoint/2010/main" val="2883654554"/>
+      </p:ext>
+    </p:extLst>
+  </p:cSld>
+  <p:clrMapOvr>
+    <a:masterClrMapping/>
+  </p:clrMapOvr>
+  <p:timing>
+    <p:tnLst>
+      <p:par>
+        <p:cTn id="1" dur="indefinite" restart="never" nodeType="tmRoot"/>
+      </p:par>
+    </p:tnLst>
+  </p:timing>
+</p:sld>
+</file>
+
+<file path=ppt/slides/slide14.xml><?xml version="1.0" encoding="utf-8"?>
+<p:sld xmlns:a="http://schemas.openxmlformats.org/drawingml/2006/main" xmlns:r="http://schemas.openxmlformats.org/officeDocument/2006/relationships" xmlns:p="http://schemas.openxmlformats.org/presentationml/2006/main">
+  <p:cSld>
+    <p:spTree>
+      <p:nvGrpSpPr>
+        <p:cNvPr id="1" name=""/>
+        <p:cNvGrpSpPr/>
+        <p:nvPr/>
+      </p:nvGrpSpPr>
+      <p:grpSpPr>
+        <a:xfrm>
+          <a:off x="0" y="0"/>
+          <a:ext cx="0" cy="0"/>
+          <a:chOff x="0" y="0"/>
+          <a:chExt cx="0" cy="0"/>
+        </a:xfrm>
+      </p:grpSpPr>
+      <p:sp>
+        <p:nvSpPr>
+          <p:cNvPr id="2" name="Title 1"/>
+          <p:cNvSpPr>
+            <a:spLocks noGrp="1"/>
+          </p:cNvSpPr>
+          <p:nvPr>
+            <p:ph type="title"/>
+          </p:nvPr>
+        </p:nvSpPr>
+        <p:spPr/>
+        <p:txBody>
+          <a:bodyPr>
+            <a:normAutofit/>
+          </a:bodyPr>
+          <a:lstStyle/>
+          <a:p>
+            <a:r>
+              <a:rPr lang="en-US" dirty="0" smtClean="0"/>
+              <a:t>Unit Tests (as done in CSSE120)</a:t>
+            </a:r>
+            <a:endParaRPr lang="en-US" dirty="0"/>
+          </a:p>
+        </p:txBody>
+      </p:sp>
+      <p:sp>
+        <p:nvSpPr>
+          <p:cNvPr id="3" name="Content Placeholder 2"/>
+          <p:cNvSpPr>
+            <a:spLocks noGrp="1"/>
+          </p:cNvSpPr>
+          <p:nvPr>
+            <p:ph idx="1"/>
+          </p:nvPr>
+        </p:nvSpPr>
+        <p:spPr/>
+        <p:txBody>
+          <a:bodyPr>
+            <a:normAutofit lnSpcReduction="10000"/>
+          </a:bodyPr>
+          <a:lstStyle/>
+          <a:p>
+            <a:pPr marL="514350" indent="-514350">
+              <a:buFont typeface="+mj-lt"/>
+              <a:buAutoNum type="arabicPeriod"/>
+            </a:pPr>
+            <a:r>
+              <a:rPr lang="en-US" dirty="0" smtClean="0"/>
+              <a:t>Construct one or more objects of the class that is being tested</a:t>
+            </a:r>
+          </a:p>
+          <a:p>
+            <a:pPr marL="514350" indent="-514350">
+              <a:buFont typeface="+mj-lt"/>
+              <a:buAutoNum type="arabicPeriod"/>
+            </a:pPr>
+            <a:r>
+              <a:rPr lang="en-US" dirty="0" smtClean="0"/>
+              <a:t>Invoke one or more methods</a:t>
+            </a:r>
+          </a:p>
+          <a:p>
+            <a:pPr marL="514350" indent="-514350">
+              <a:buFont typeface="+mj-lt"/>
+              <a:buAutoNum type="arabicPeriod"/>
+            </a:pPr>
+            <a:r>
+              <a:rPr lang="en-US" dirty="0" smtClean="0"/>
+              <a:t>Print out one or more results</a:t>
+            </a:r>
+          </a:p>
+          <a:p>
+            <a:pPr marL="514350" indent="-514350">
+              <a:buFont typeface="+mj-lt"/>
+              <a:buAutoNum type="arabicPeriod"/>
+            </a:pPr>
+            <a:r>
+              <a:rPr lang="en-US" dirty="0" smtClean="0"/>
+              <a:t>Print the expected results</a:t>
+            </a:r>
+          </a:p>
+          <a:p>
+            <a:pPr marL="514350" indent="-514350">
+              <a:buFont typeface="+mj-lt"/>
+              <a:buAutoNum type="arabicPeriod"/>
+            </a:pPr>
+            <a:r>
+              <a:rPr lang="en-US" dirty="0" smtClean="0"/>
+              <a:t>Do 3 and 4 match?</a:t>
+            </a:r>
+          </a:p>
+          <a:p>
+            <a:pPr marL="514350" indent="-514350">
+              <a:buFont typeface="+mj-lt"/>
+              <a:buAutoNum type="arabicPeriod"/>
+            </a:pPr>
+            <a:endParaRPr lang="en-US" dirty="0"/>
+          </a:p>
+          <a:p>
+            <a:pPr marL="0" indent="0">
+              <a:buNone/>
+            </a:pPr>
+            <a:r>
+              <a:rPr lang="en-US" i="1" dirty="0" smtClean="0"/>
+              <a:t>(Pages 102-103 in book)</a:t>
+            </a:r>
+          </a:p>
+        </p:txBody>
+      </p:sp>
+    </p:spTree>
+    <p:extLst>
+      <p:ext uri="{BB962C8B-B14F-4D97-AF65-F5344CB8AC3E}">
+        <p14:creationId xmlns:p14="http://schemas.microsoft.com/office/powerpoint/2010/main" val="3212822232"/>
+      </p:ext>
+    </p:extLst>
+  </p:cSld>
+  <p:clrMapOvr>
+    <a:masterClrMapping/>
+  </p:clrMapOvr>
+  <p:timing>
+    <p:tnLst>
+      <p:par>
+        <p:cTn id="1" dur="indefinite" restart="never" nodeType="tmRoot"/>
+      </p:par>
+    </p:tnLst>
+  </p:timing>
+</p:sld>
+</file>
+
+<file path=ppt/slides/slide15.xml><?xml version="1.0" encoding="utf-8"?>
+<p:sld xmlns:a="http://schemas.openxmlformats.org/drawingml/2006/main" xmlns:r="http://schemas.openxmlformats.org/officeDocument/2006/relationships" xmlns:p="http://schemas.openxmlformats.org/presentationml/2006/main">
+  <p:cSld>
+    <p:spTree>
+      <p:nvGrpSpPr>
+        <p:cNvPr id="1" name=""/>
+        <p:cNvGrpSpPr/>
+        <p:nvPr/>
+      </p:nvGrpSpPr>
+      <p:grpSpPr>
+        <a:xfrm>
+          <a:off x="0" y="0"/>
+          <a:ext cx="0" cy="0"/>
+          <a:chOff x="0" y="0"/>
+          <a:chExt cx="0" cy="0"/>
+        </a:xfrm>
+      </p:grpSpPr>
+      <p:sp>
+        <p:nvSpPr>
+          <p:cNvPr id="2" name="Title 1"/>
+          <p:cNvSpPr>
+            <a:spLocks noGrp="1"/>
+          </p:cNvSpPr>
+          <p:nvPr>
+            <p:ph type="title"/>
+          </p:nvPr>
+        </p:nvSpPr>
+        <p:spPr/>
+        <p:txBody>
+          <a:bodyPr>
+            <a:normAutofit/>
+          </a:bodyPr>
+          <a:lstStyle/>
+          <a:p>
+            <a:r>
+              <a:rPr lang="en-US" dirty="0" smtClean="0"/>
+              <a:t>Why JUnit?</a:t>
+            </a:r>
+            <a:endParaRPr lang="en-US" dirty="0"/>
+          </a:p>
+        </p:txBody>
+      </p:sp>
+      <p:sp>
+        <p:nvSpPr>
+          <p:cNvPr id="3" name="Content Placeholder 2"/>
+          <p:cNvSpPr>
+            <a:spLocks noGrp="1"/>
+          </p:cNvSpPr>
+          <p:nvPr>
+            <p:ph idx="1"/>
+          </p:nvPr>
+        </p:nvSpPr>
+        <p:spPr/>
+        <p:txBody>
+          <a:bodyPr/>
+          <a:lstStyle/>
+          <a:p>
+            <a:r>
+              <a:rPr lang="en-US" dirty="0" smtClean="0"/>
+              <a:t>Provides a Framework</a:t>
+            </a:r>
+          </a:p>
+          <a:p>
+            <a:pPr lvl="1"/>
+            <a:r>
+              <a:rPr lang="en-US" dirty="0" smtClean="0"/>
+              <a:t>Framework: Collection of classes to be used by another program</a:t>
+            </a:r>
+          </a:p>
+          <a:p>
+            <a:r>
+              <a:rPr lang="en-US" dirty="0" smtClean="0"/>
+              <a:t>Provides easy-to-read output in Eclipse</a:t>
+            </a:r>
+          </a:p>
+          <a:p>
+            <a:r>
+              <a:rPr lang="en-US" dirty="0" smtClean="0"/>
+              <a:t>Prints require you to analyze all lines</a:t>
+            </a:r>
+          </a:p>
+          <a:p>
+            <a:pPr lvl="1"/>
+            <a:r>
+              <a:rPr lang="en-US" dirty="0" smtClean="0"/>
+              <a:t>What if it scrolls off the page?</a:t>
+            </a:r>
+          </a:p>
+          <a:p>
+            <a:pPr lvl="1"/>
+            <a:r>
+              <a:rPr lang="en-US" dirty="0" smtClean="0"/>
+              <a:t>What if it’s only 1 character different?</a:t>
+            </a:r>
+          </a:p>
+          <a:p>
+            <a:pPr lvl="1"/>
+            <a:endParaRPr lang="en-US" dirty="0" smtClean="0"/>
+          </a:p>
+          <a:p>
+            <a:pPr lvl="1"/>
+            <a:endParaRPr lang="en-US" dirty="0"/>
+          </a:p>
+        </p:txBody>
+      </p:sp>
+    </p:spTree>
+    <p:extLst>
+      <p:ext uri="{BB962C8B-B14F-4D97-AF65-F5344CB8AC3E}">
+        <p14:creationId xmlns:p14="http://schemas.microsoft.com/office/powerpoint/2010/main" val="4261172324"/>
+      </p:ext>
+    </p:extLst>
+  </p:cSld>
+  <p:clrMapOvr>
+    <a:masterClrMapping/>
+  </p:clrMapOvr>
+  <p:timing>
+    <p:tnLst>
+      <p:par>
+        <p:cTn id="1" dur="indefinite" restart="never" nodeType="tmRoot"/>
+      </p:par>
+    </p:tnLst>
+  </p:timing>
+</p:sld>
+</file>
+
+<file path=ppt/slides/slide16.xml><?xml version="1.0" encoding="utf-8"?>
+<p:sld xmlns:a="http://schemas.openxmlformats.org/drawingml/2006/main" xmlns:r="http://schemas.openxmlformats.org/officeDocument/2006/relationships" xmlns:p="http://schemas.openxmlformats.org/presentationml/2006/main">
+  <p:cSld>
+    <p:spTree>
+      <p:nvGrpSpPr>
+        <p:cNvPr id="1" name=""/>
+        <p:cNvGrpSpPr/>
+        <p:nvPr/>
+      </p:nvGrpSpPr>
+      <p:grpSpPr>
+        <a:xfrm>
+          <a:off x="0" y="0"/>
+          <a:ext cx="0" cy="0"/>
+          <a:chOff x="0" y="0"/>
+          <a:chExt cx="0" cy="0"/>
+        </a:xfrm>
+      </p:grpSpPr>
+      <p:sp>
+        <p:nvSpPr>
+          <p:cNvPr id="2" name="Title 1"/>
+          <p:cNvSpPr>
+            <a:spLocks noGrp="1"/>
+          </p:cNvSpPr>
+          <p:nvPr>
+            <p:ph type="title"/>
+          </p:nvPr>
+        </p:nvSpPr>
+        <p:spPr/>
+        <p:txBody>
+          <a:bodyPr/>
+          <a:lstStyle/>
+          <a:p>
+            <a:r>
+              <a:rPr lang="en-US" dirty="0" smtClean="0"/>
+              <a:t>What are good unit tests?</a:t>
+            </a:r>
+            <a:endParaRPr lang="en-US" dirty="0"/>
+          </a:p>
+        </p:txBody>
+      </p:sp>
+      <p:sp>
+        <p:nvSpPr>
+          <p:cNvPr id="3" name="Content Placeholder 2"/>
+          <p:cNvSpPr>
+            <a:spLocks noGrp="1"/>
+          </p:cNvSpPr>
+          <p:nvPr>
+            <p:ph idx="1"/>
+          </p:nvPr>
+        </p:nvSpPr>
+        <p:spPr/>
+        <p:txBody>
+          <a:bodyPr>
+            <a:normAutofit fontScale="92500"/>
+          </a:bodyPr>
+          <a:lstStyle/>
+          <a:p>
+            <a:r>
+              <a:rPr lang="en-US" dirty="0" smtClean="0"/>
+              <a:t>Unit tests should be small pieces that test:</a:t>
+            </a:r>
+          </a:p>
+          <a:p>
+            <a:pPr marL="971550" lvl="1" indent="-514350">
+              <a:buFont typeface="+mj-lt"/>
+              <a:buAutoNum type="arabicPeriod"/>
+            </a:pPr>
+            <a:r>
+              <a:rPr lang="en-US" dirty="0" smtClean="0"/>
+              <a:t>The most common cases</a:t>
+            </a:r>
+          </a:p>
+          <a:p>
+            <a:pPr marL="971550" lvl="1" indent="-514350">
+              <a:buFont typeface="+mj-lt"/>
+              <a:buAutoNum type="arabicPeriod"/>
+            </a:pPr>
+            <a:r>
+              <a:rPr lang="en-US" dirty="0" smtClean="0"/>
+              <a:t>The edge cases (minimum, maximum, switching from positive to negative, etc.)</a:t>
+            </a:r>
+          </a:p>
+          <a:p>
+            <a:pPr marL="971550" lvl="1" indent="-514350">
+              <a:buFont typeface="+mj-lt"/>
+              <a:buAutoNum type="arabicPeriod"/>
+            </a:pPr>
+            <a:r>
+              <a:rPr lang="en-US" dirty="0" smtClean="0"/>
+              <a:t>All specific/special cases (e.g., when 0 or null the behavior is different than for any other value)</a:t>
+            </a:r>
+          </a:p>
+          <a:p>
+            <a:pPr marL="971550" lvl="1" indent="-514350">
+              <a:buFont typeface="+mj-lt"/>
+              <a:buAutoNum type="arabicPeriod"/>
+            </a:pPr>
+            <a:r>
+              <a:rPr lang="en-US" dirty="0" smtClean="0"/>
+              <a:t>When you find and fix a bug, you should have a unit test for this so it doesn’t ever happen again. Fix things once and for all!</a:t>
+            </a:r>
+          </a:p>
+          <a:p>
+            <a:pPr marL="971550" lvl="1" indent="-514350">
+              <a:buFont typeface="+mj-lt"/>
+              <a:buAutoNum type="arabicPeriod"/>
+            </a:pPr>
+            <a:r>
+              <a:rPr lang="en-US" dirty="0" smtClean="0"/>
+              <a:t>Any overly complex code that 1-4 above don’t cover</a:t>
+            </a:r>
+          </a:p>
+          <a:p>
+            <a:pPr marL="457200" lvl="1" indent="0">
+              <a:buNone/>
+            </a:pPr>
+            <a:endParaRPr lang="en-US" dirty="0"/>
+          </a:p>
+        </p:txBody>
+      </p:sp>
+      <p:sp>
+        <p:nvSpPr>
+          <p:cNvPr id="7" name="Rectangle 6"/>
+          <p:cNvSpPr/>
+          <p:nvPr/>
+        </p:nvSpPr>
+        <p:spPr>
+          <a:xfrm>
+            <a:off x="8229600" y="6126163"/>
+            <a:ext cx="685800" cy="579437"/>
+          </a:xfrm>
+          <a:prstGeom prst="rect">
+            <a:avLst/>
+          </a:prstGeom>
+        </p:spPr>
+        <p:style>
+          <a:lnRef idx="2">
+            <a:schemeClr val="accent1">
+              <a:shade val="50000"/>
+            </a:schemeClr>
+          </a:lnRef>
+          <a:fillRef idx="1">
+            <a:schemeClr val="accent1"/>
+          </a:fillRef>
+          <a:effectRef idx="0">
+            <a:schemeClr val="accent1"/>
+          </a:effectRef>
+          <a:fontRef idx="minor">
+            <a:schemeClr val="lt1"/>
+          </a:fontRef>
+        </p:style>
+        <p:txBody>
+          <a:bodyPr rtlCol="0" anchor="ctr"/>
+          <a:lstStyle/>
+          <a:p>
+            <a:pPr algn="ctr"/>
+            <a:r>
+              <a:rPr lang="en-US" dirty="0" smtClean="0"/>
+              <a:t>Q4</a:t>
+            </a:r>
+            <a:endParaRPr lang="en-US" dirty="0"/>
+          </a:p>
+        </p:txBody>
+      </p:sp>
+    </p:spTree>
+    <p:extLst>
+      <p:ext uri="{BB962C8B-B14F-4D97-AF65-F5344CB8AC3E}">
+        <p14:creationId xmlns:p14="http://schemas.microsoft.com/office/powerpoint/2010/main" val="3201202410"/>
+      </p:ext>
+    </p:extLst>
+  </p:cSld>
+  <p:clrMapOvr>
+    <a:masterClrMapping/>
+  </p:clrMapOvr>
+  <p:timing>
+    <p:tnLst>
+      <p:par>
+        <p:cTn id="1" dur="indefinite" restart="never" nodeType="tmRoot"/>
+      </p:par>
+    </p:tnLst>
+  </p:timing>
+</p:sld>
+</file>
+
+<file path=ppt/slides/slide17.xml><?xml version="1.0" encoding="utf-8"?>
+<p:sld xmlns:a="http://schemas.openxmlformats.org/drawingml/2006/main" xmlns:r="http://schemas.openxmlformats.org/officeDocument/2006/relationships" xmlns:p="http://schemas.openxmlformats.org/presentationml/2006/main">
+  <p:cSld>
+    <p:spTree>
+      <p:nvGrpSpPr>
+        <p:cNvPr id="1" name=""/>
+        <p:cNvGrpSpPr/>
+        <p:nvPr/>
+      </p:nvGrpSpPr>
+      <p:grpSpPr>
+        <a:xfrm>
+          <a:off x="0" y="0"/>
+          <a:ext cx="0" cy="0"/>
+          <a:chOff x="0" y="0"/>
+          <a:chExt cx="0" cy="0"/>
+        </a:xfrm>
+      </p:grpSpPr>
+      <p:sp>
+        <p:nvSpPr>
+          <p:cNvPr id="2" name="Title 1"/>
+          <p:cNvSpPr>
+            <a:spLocks noGrp="1"/>
+          </p:cNvSpPr>
+          <p:nvPr>
+            <p:ph type="title"/>
+          </p:nvPr>
+        </p:nvSpPr>
+        <p:spPr/>
+        <p:txBody>
+          <a:bodyPr/>
+          <a:lstStyle/>
+          <a:p>
+            <a:r>
+              <a:rPr lang="en-US" dirty="0" smtClean="0"/>
+              <a:t>Unit Testing</a:t>
+            </a:r>
+            <a:endParaRPr lang="en-US" dirty="0"/>
+          </a:p>
+        </p:txBody>
+      </p:sp>
+      <p:sp>
+        <p:nvSpPr>
+          <p:cNvPr id="3" name="Content Placeholder 2"/>
+          <p:cNvSpPr>
+            <a:spLocks noGrp="1"/>
+          </p:cNvSpPr>
+          <p:nvPr>
+            <p:ph idx="1"/>
+          </p:nvPr>
+        </p:nvSpPr>
+        <p:spPr/>
+        <p:txBody>
+          <a:bodyPr/>
+          <a:lstStyle/>
+          <a:p>
+            <a:r>
+              <a:rPr lang="en-US" dirty="0" smtClean="0"/>
+              <a:t>Use “assert” to make sure results match</a:t>
+            </a:r>
+          </a:p>
+          <a:p>
+            <a:r>
+              <a:rPr lang="en-US" dirty="0" smtClean="0"/>
+              <a:t>Let’s look at </a:t>
+            </a:r>
+            <a:r>
+              <a:rPr lang="en-US" dirty="0" err="1" smtClean="0"/>
+              <a:t>BadFrac.java</a:t>
+            </a:r>
+            <a:r>
+              <a:rPr lang="en-US" dirty="0" smtClean="0"/>
+              <a:t> and </a:t>
+            </a:r>
+            <a:r>
+              <a:rPr lang="en-US" dirty="0" err="1" smtClean="0"/>
+              <a:t>BadFracTest.java</a:t>
+            </a:r>
+            <a:endParaRPr lang="en-US" dirty="0" smtClean="0"/>
+          </a:p>
+          <a:p>
+            <a:pPr lvl="1"/>
+            <a:r>
+              <a:rPr lang="en-US" dirty="0" smtClean="0"/>
+              <a:t>Let’s make some unit tests and figure out why this project has been yielding some strange results</a:t>
+            </a:r>
+            <a:endParaRPr lang="en-US" dirty="0"/>
+          </a:p>
+        </p:txBody>
+      </p:sp>
+    </p:spTree>
+    <p:extLst>
+      <p:ext uri="{BB962C8B-B14F-4D97-AF65-F5344CB8AC3E}">
+        <p14:creationId xmlns:p14="http://schemas.microsoft.com/office/powerpoint/2010/main" val="2195235035"/>
+      </p:ext>
+    </p:extLst>
+  </p:cSld>
+  <p:clrMapOvr>
+    <a:masterClrMapping/>
+  </p:clrMapOvr>
+  <p:timing>
+    <p:tnLst>
+      <p:par>
+        <p:cTn id="1" dur="indefinite" restart="never" nodeType="tmRoot"/>
+      </p:par>
+    </p:tnLst>
+  </p:timing>
+</p:sld>
+</file>
+
+<file path=ppt/slides/slide18.xml><?xml version="1.0" encoding="utf-8"?>
+<p:sld xmlns:a="http://schemas.openxmlformats.org/drawingml/2006/main" xmlns:r="http://schemas.openxmlformats.org/officeDocument/2006/relationships" xmlns:p="http://schemas.openxmlformats.org/presentationml/2006/main">
+  <p:cSld>
+    <p:spTree>
+      <p:nvGrpSpPr>
+        <p:cNvPr id="1" name=""/>
+        <p:cNvGrpSpPr/>
+        <p:nvPr/>
+      </p:nvGrpSpPr>
+      <p:grpSpPr>
+        <a:xfrm>
+          <a:off x="0" y="0"/>
+          <a:ext cx="0" cy="0"/>
+          <a:chOff x="0" y="0"/>
+          <a:chExt cx="0" cy="0"/>
+        </a:xfrm>
+      </p:grpSpPr>
+      <p:sp>
+        <p:nvSpPr>
+          <p:cNvPr id="2" name="Title 1"/>
+          <p:cNvSpPr>
+            <a:spLocks noGrp="1"/>
+          </p:cNvSpPr>
+          <p:nvPr>
+            <p:ph type="title"/>
+          </p:nvPr>
+        </p:nvSpPr>
+        <p:spPr/>
+        <p:txBody>
+          <a:bodyPr/>
+          <a:lstStyle/>
+          <a:p>
+            <a:r>
+              <a:rPr lang="en-US" dirty="0" err="1" smtClean="0"/>
+              <a:t>UnitTesting</a:t>
+            </a:r>
+            <a:r>
+              <a:rPr lang="en-US" dirty="0" smtClean="0"/>
+              <a:t> Homework</a:t>
+            </a:r>
+            <a:endParaRPr lang="en-US" dirty="0"/>
+          </a:p>
+        </p:txBody>
+      </p:sp>
+      <p:sp>
+        <p:nvSpPr>
+          <p:cNvPr id="3" name="Content Placeholder 2"/>
+          <p:cNvSpPr>
+            <a:spLocks noGrp="1"/>
+          </p:cNvSpPr>
+          <p:nvPr>
+            <p:ph idx="1"/>
+          </p:nvPr>
+        </p:nvSpPr>
+        <p:spPr/>
+        <p:txBody>
+          <a:bodyPr/>
+          <a:lstStyle/>
+          <a:p>
+            <a:r>
+              <a:rPr lang="en-US" dirty="0">
+                <a:hlinkClick r:id="rId2"/>
+              </a:rPr>
+              <a:t>https://github.com/RHIT-CSSE/csse220/tree/master/Homework/IntroToUnitTesting</a:t>
+            </a:r>
+            <a:endParaRPr lang="en-US" dirty="0"/>
+          </a:p>
+        </p:txBody>
+      </p:sp>
+    </p:spTree>
+    <p:extLst>
+      <p:ext uri="{BB962C8B-B14F-4D97-AF65-F5344CB8AC3E}">
+        <p14:creationId xmlns:p14="http://schemas.microsoft.com/office/powerpoint/2010/main" val="159770490"/>
+      </p:ext>
+    </p:extLst>
+  </p:cSld>
+  <p:clrMapOvr>
+    <a:masterClrMapping/>
+  </p:clrMapOvr>
+</p:sld>
+</file>
+
+<file path=ppt/slides/slide19.xml><?xml version="1.0" encoding="utf-8"?>
+<p:sld xmlns:a="http://schemas.openxmlformats.org/drawingml/2006/main" xmlns:r="http://schemas.openxmlformats.org/officeDocument/2006/relationships" xmlns:p="http://schemas.openxmlformats.org/presentationml/2006/main" show="0">
+  <p:cSld>
+    <p:spTree>
+      <p:nvGrpSpPr>
+        <p:cNvPr id="1" name=""/>
+        <p:cNvGrpSpPr/>
+        <p:nvPr/>
+      </p:nvGrpSpPr>
+      <p:grpSpPr>
+        <a:xfrm>
+          <a:off x="0" y="0"/>
+          <a:ext cx="0" cy="0"/>
+          <a:chOff x="0" y="0"/>
+          <a:chExt cx="0" cy="0"/>
+        </a:xfrm>
+      </p:grpSpPr>
+      <p:sp>
+        <p:nvSpPr>
+          <p:cNvPr id="2" name="Title 1"/>
+          <p:cNvSpPr>
+            <a:spLocks noGrp="1"/>
+          </p:cNvSpPr>
+          <p:nvPr>
+            <p:ph type="title"/>
+          </p:nvPr>
+        </p:nvSpPr>
+        <p:spPr/>
+        <p:txBody>
+          <a:bodyPr/>
+          <a:lstStyle/>
+          <a:p>
+            <a:r>
               <a:rPr lang="en-US" smtClean="0"/>
               <a:t>Exam 1 Review - Written</a:t>
             </a:r>
@@ -5106,6 +7007,14 @@
   <p:clrMapOvr>
     <a:masterClrMapping/>
   </p:clrMapOvr>
+  <mc:AlternateContent xmlns:mc="http://schemas.openxmlformats.org/markup-compatibility/2006">
+    <mc:Choice xmlns:p14="http://schemas.microsoft.com/office/powerpoint/2010/main" Requires="p14">
+      <p:transition spd="slow" p14:dur="2000"/>
+    </mc:Choice>
+    <mc:Fallback>
+      <p:transition spd="slow"/>
+    </mc:Fallback>
+  </mc:AlternateContent>
   <p:timing>
     <p:tnLst>
       <p:par>
@@ -5135,7 +7044,7 @@
       </p:grpSpPr>
       <p:sp>
         <p:nvSpPr>
-          <p:cNvPr id="2" name="Title 1"/>
+          <p:cNvPr id="3" name="Title 2"/>
           <p:cNvSpPr>
             <a:spLocks noGrp="1"/>
           </p:cNvSpPr>
@@ -5148,13 +7057,17 @@
           <a:bodyPr/>
           <a:lstStyle/>
           <a:p>
-            <a:endParaRPr lang="en-US"/>
-          </a:p>
-        </p:txBody>
-      </p:sp>
-      <p:sp>
-        <p:nvSpPr>
-          <p:cNvPr id="3" name="Content Placeholder 2"/>
+            <a:r>
+              <a:rPr lang="en-US" dirty="0" smtClean="0"/>
+              <a:t>Outline</a:t>
+            </a:r>
+            <a:endParaRPr lang="en-US" dirty="0"/>
+          </a:p>
+        </p:txBody>
+      </p:sp>
+      <p:sp>
+        <p:nvSpPr>
+          <p:cNvPr id="2" name="Content Placeholder 1"/>
           <p:cNvSpPr>
             <a:spLocks noGrp="1"/>
           </p:cNvSpPr>
@@ -5167,14 +7080,44 @@
           <a:bodyPr/>
           <a:lstStyle/>
           <a:p>
-            <a:endParaRPr lang="en-US"/>
+            <a:r>
+              <a:rPr lang="en-US" dirty="0" smtClean="0"/>
+              <a:t>Review: Dependencies, Coupling, Cohesion</a:t>
+            </a:r>
+          </a:p>
+          <a:p>
+            <a:r>
+              <a:rPr lang="en-US" dirty="0" smtClean="0"/>
+              <a:t>Variable Scoping</a:t>
+            </a:r>
+          </a:p>
+          <a:p>
+            <a:r>
+              <a:rPr lang="en-US" dirty="0" smtClean="0"/>
+              <a:t>Console </a:t>
+            </a:r>
+            <a:r>
+              <a:rPr lang="en-US" dirty="0" smtClean="0"/>
+              <a:t>Input</a:t>
+            </a:r>
+          </a:p>
+          <a:p>
+            <a:r>
+              <a:rPr lang="en-US" dirty="0" smtClean="0"/>
+              <a:t>Unit </a:t>
+            </a:r>
+            <a:r>
+              <a:rPr lang="en-US" dirty="0" smtClean="0"/>
+              <a:t>Testing</a:t>
+            </a:r>
+            <a:endParaRPr lang="en-US" dirty="0" smtClean="0"/>
           </a:p>
         </p:txBody>
       </p:sp>
     </p:spTree>
     <p:extLst>
       <p:ext uri="{BB962C8B-B14F-4D97-AF65-F5344CB8AC3E}">
-        <p14:creationId xmlns:p14="http://schemas.microsoft.com/office/powerpoint/2010/main" val="517551583"/>
+        <p14:creationId xmlns:p14="http://schemas.microsoft.com/office/powerpoint/2010/main" val="357242820"/>
       </p:ext>
     </p:extLst>
   </p:cSld>
@@ -5210,7 +7153,7 @@
       </p:grpSpPr>
       <p:sp>
         <p:nvSpPr>
-          <p:cNvPr id="3" name="Title 2"/>
+          <p:cNvPr id="2" name="Title 1"/>
           <p:cNvSpPr>
             <a:spLocks noGrp="1"/>
           </p:cNvSpPr>
@@ -5225,7 +7168,7 @@
           <a:p>
             <a:r>
               <a:rPr lang="en-US" dirty="0" smtClean="0"/>
-              <a:t>Outline</a:t>
+              <a:t>Review</a:t>
             </a:r>
             <a:endParaRPr lang="en-US" dirty="0"/>
           </a:p>
@@ -5233,7 +7176,7 @@
       </p:sp>
       <p:sp>
         <p:nvSpPr>
-          <p:cNvPr id="2" name="Content Placeholder 1"/>
+          <p:cNvPr id="3" name="Content Placeholder 2"/>
           <p:cNvSpPr>
             <a:spLocks noGrp="1"/>
           </p:cNvSpPr>
@@ -5247,34 +7190,49 @@
           <a:lstStyle/>
           <a:p>
             <a:r>
+              <a:rPr lang="en-US" dirty="0"/>
+              <a:t>Encapsulation</a:t>
+            </a:r>
+          </a:p>
+          <a:p>
+            <a:r>
               <a:rPr lang="en-US" dirty="0" smtClean="0"/>
-              <a:t>Console Input</a:t>
-            </a:r>
-          </a:p>
-          <a:p>
+              <a:t>Minimize Dependencies</a:t>
+            </a:r>
+          </a:p>
+          <a:p>
+            <a:pPr lvl="1"/>
             <a:r>
               <a:rPr lang="en-US" dirty="0" smtClean="0"/>
-              <a:t>Unit Testing</a:t>
-            </a:r>
-          </a:p>
-          <a:p>
+              <a:t>Tell don’t ask</a:t>
+            </a:r>
+          </a:p>
+          <a:p>
+            <a:pPr lvl="1"/>
             <a:r>
               <a:rPr lang="en-US" dirty="0" smtClean="0"/>
-              <a:t>Prep for Exam 1 paper part</a:t>
+              <a:t>Don’t use message chains</a:t>
             </a:r>
           </a:p>
           <a:p>
             <a:r>
               <a:rPr lang="en-US" dirty="0" smtClean="0"/>
-              <a:t>Maybe some time to work on Scene</a:t>
-            </a:r>
+              <a:t>Coupling</a:t>
+            </a:r>
+          </a:p>
+          <a:p>
+            <a:r>
+              <a:rPr lang="en-US" dirty="0" smtClean="0"/>
+              <a:t>Cohesion</a:t>
+            </a:r>
+            <a:endParaRPr lang="en-US" dirty="0"/>
           </a:p>
         </p:txBody>
       </p:sp>
     </p:spTree>
     <p:extLst>
       <p:ext uri="{BB962C8B-B14F-4D97-AF65-F5344CB8AC3E}">
-        <p14:creationId xmlns:p14="http://schemas.microsoft.com/office/powerpoint/2010/main" val="357242820"/>
+        <p14:creationId xmlns:p14="http://schemas.microsoft.com/office/powerpoint/2010/main" val="517551583"/>
       </p:ext>
     </p:extLst>
   </p:cSld>
@@ -5310,7 +7268,7 @@
       </p:grpSpPr>
       <p:sp>
         <p:nvSpPr>
-          <p:cNvPr id="4" name="Title 3"/>
+          <p:cNvPr id="2" name="Title 1"/>
           <p:cNvSpPr>
             <a:spLocks noGrp="1"/>
           </p:cNvSpPr>
@@ -5323,61 +7281,68 @@
           <a:bodyPr/>
           <a:lstStyle/>
           <a:p>
-            <a:pPr eaLnBrk="1" hangingPunct="1">
-              <a:defRPr/>
-            </a:pPr>
-            <a:r>
-              <a:rPr lang="en-US" dirty="0" smtClean="0"/>
-              <a:t>Console Input with </a:t>
-            </a:r>
-            <a:r>
-              <a:rPr lang="en-US" dirty="0" err="1" smtClean="0"/>
-              <a:t>java.util.scanner</a:t>
+            <a:r>
+              <a:rPr lang="en-US" dirty="0"/>
+              <a:t>Rule of Thumb: No Global Variables</a:t>
+            </a:r>
+          </a:p>
+        </p:txBody>
+      </p:sp>
+      <p:sp>
+        <p:nvSpPr>
+          <p:cNvPr id="3" name="Content Placeholder 2"/>
+          <p:cNvSpPr>
+            <a:spLocks noGrp="1"/>
+          </p:cNvSpPr>
+          <p:nvPr>
+            <p:ph idx="1"/>
+          </p:nvPr>
+        </p:nvSpPr>
+        <p:spPr/>
+        <p:txBody>
+          <a:bodyPr/>
+          <a:lstStyle/>
+          <a:p>
+            <a:r>
+              <a:rPr lang="en-US" dirty="0"/>
+              <a:t>Or static variables that are used like </a:t>
+            </a:r>
+            <a:r>
+              <a:rPr lang="en-US" dirty="0" err="1"/>
+              <a:t>globals</a:t>
             </a:r>
             <a:endParaRPr lang="en-US" dirty="0"/>
           </a:p>
-        </p:txBody>
-      </p:sp>
-      <p:sp>
-        <p:nvSpPr>
-          <p:cNvPr id="19459" name="Text Placeholder 4"/>
-          <p:cNvSpPr>
-            <a:spLocks noGrp="1"/>
-          </p:cNvSpPr>
-          <p:nvPr>
-            <p:ph type="body" idx="1"/>
-          </p:nvPr>
-        </p:nvSpPr>
-        <p:spPr/>
-        <p:txBody>
-          <a:bodyPr/>
-          <a:lstStyle/>
-          <a:p>
-            <a:pPr eaLnBrk="1" hangingPunct="1"/>
-            <a:r>
-              <a:rPr lang="en-US" dirty="0" smtClean="0"/>
-              <a:t>Reading keyboard input from the console</a:t>
-            </a:r>
+          <a:p>
+            <a:r>
+              <a:rPr lang="en-US" dirty="0"/>
+              <a:t>A static variable can be accessed/modified in any function at any time</a:t>
+            </a:r>
+          </a:p>
+          <a:p>
+            <a:r>
+              <a:rPr lang="en-US" dirty="0"/>
+              <a:t>As a result many parts of the code can be coupled to a single class</a:t>
+            </a:r>
+          </a:p>
+          <a:p>
+            <a:endParaRPr lang="en-US" dirty="0"/>
+          </a:p>
+          <a:p>
+            <a:endParaRPr lang="en-US" dirty="0"/>
           </a:p>
         </p:txBody>
       </p:sp>
     </p:spTree>
     <p:extLst>
       <p:ext uri="{BB962C8B-B14F-4D97-AF65-F5344CB8AC3E}">
-        <p14:creationId xmlns:p14="http://schemas.microsoft.com/office/powerpoint/2010/main" val="1909406102"/>
+        <p14:creationId xmlns:p14="http://schemas.microsoft.com/office/powerpoint/2010/main" val="1890371228"/>
       </p:ext>
     </p:extLst>
   </p:cSld>
   <p:clrMapOvr>
     <a:masterClrMapping/>
   </p:clrMapOvr>
-  <p:timing>
-    <p:tnLst>
-      <p:par>
-        <p:cTn id="1" dur="indefinite" restart="never" nodeType="tmRoot"/>
-      </p:par>
-    </p:tnLst>
-  </p:timing>
 </p:sld>
 </file>
 
@@ -5414,289 +7379,75 @@
           <a:lstStyle/>
           <a:p>
             <a:r>
-              <a:rPr lang="en-US" dirty="0" smtClean="0"/>
-              <a:t>Console input with Scanner</a:t>
+              <a:rPr lang="en-US" dirty="0"/>
+              <a:t>Rule of Thumb: No Global Variables</a:t>
+            </a:r>
+          </a:p>
+        </p:txBody>
+      </p:sp>
+      <p:sp>
+        <p:nvSpPr>
+          <p:cNvPr id="3" name="Content Placeholder 2"/>
+          <p:cNvSpPr>
+            <a:spLocks noGrp="1"/>
+          </p:cNvSpPr>
+          <p:nvPr>
+            <p:ph idx="1"/>
+          </p:nvPr>
+        </p:nvSpPr>
+        <p:spPr/>
+        <p:txBody>
+          <a:bodyPr>
+            <a:normAutofit fontScale="92500" lnSpcReduction="10000"/>
+          </a:bodyPr>
+          <a:lstStyle/>
+          <a:p>
+            <a:r>
+              <a:rPr lang="en-US" dirty="0"/>
+              <a:t>Or static variables that are used like </a:t>
+            </a:r>
+            <a:r>
+              <a:rPr lang="en-US" dirty="0" err="1"/>
+              <a:t>globals</a:t>
             </a:r>
             <a:endParaRPr lang="en-US" dirty="0"/>
           </a:p>
-        </p:txBody>
-      </p:sp>
-      <p:sp>
-        <p:nvSpPr>
-          <p:cNvPr id="3" name="Content Placeholder 2"/>
-          <p:cNvSpPr>
-            <a:spLocks noGrp="1"/>
-          </p:cNvSpPr>
-          <p:nvPr>
-            <p:ph idx="1"/>
-          </p:nvPr>
-        </p:nvSpPr>
-        <p:spPr/>
-        <p:txBody>
-          <a:bodyPr>
-            <a:normAutofit fontScale="92500" lnSpcReduction="20000"/>
-          </a:bodyPr>
-          <a:lstStyle/>
-          <a:p>
-            <a:r>
-              <a:rPr lang="en-US" dirty="0" smtClean="0"/>
-              <a:t>Creating a Scanner object</a:t>
-            </a:r>
-          </a:p>
-          <a:p>
-            <a:pPr lvl="1"/>
-            <a:r>
-              <a:rPr lang="en-US" dirty="0" smtClean="0">
-                <a:solidFill>
-                  <a:srgbClr val="F79646"/>
-                </a:solidFill>
-              </a:rPr>
-              <a:t>import </a:t>
-            </a:r>
-            <a:r>
-              <a:rPr lang="en-US" dirty="0" err="1" smtClean="0">
-                <a:solidFill>
-                  <a:srgbClr val="F79646"/>
-                </a:solidFill>
-              </a:rPr>
-              <a:t>java.util.Scanner</a:t>
-            </a:r>
-            <a:r>
-              <a:rPr lang="en-US" dirty="0" smtClean="0">
-                <a:solidFill>
-                  <a:srgbClr val="F79646"/>
-                </a:solidFill>
-              </a:rPr>
-              <a:t>;</a:t>
-            </a:r>
-          </a:p>
-          <a:p>
-            <a:pPr lvl="1"/>
-            <a:r>
-              <a:rPr lang="en-US" dirty="0" smtClean="0">
-                <a:solidFill>
-                  <a:srgbClr val="F79646"/>
-                </a:solidFill>
-              </a:rPr>
-              <a:t>Scanner </a:t>
-            </a:r>
-            <a:r>
-              <a:rPr lang="en-US" dirty="0" err="1" smtClean="0">
-                <a:solidFill>
-                  <a:srgbClr val="F79646"/>
-                </a:solidFill>
-              </a:rPr>
-              <a:t>inputScanner</a:t>
-            </a:r>
-            <a:r>
-              <a:rPr lang="en-US" dirty="0" smtClean="0">
-                <a:solidFill>
-                  <a:srgbClr val="F79646"/>
-                </a:solidFill>
-              </a:rPr>
-              <a:t> = new Scanner(</a:t>
-            </a:r>
-            <a:r>
-              <a:rPr lang="en-US" dirty="0" err="1" smtClean="0">
-                <a:solidFill>
-                  <a:srgbClr val="F79646"/>
-                </a:solidFill>
-              </a:rPr>
-              <a:t>System.in</a:t>
-            </a:r>
-            <a:r>
-              <a:rPr lang="en-US" dirty="0" smtClean="0">
-                <a:solidFill>
-                  <a:srgbClr val="F79646"/>
-                </a:solidFill>
-              </a:rPr>
-              <a:t>);</a:t>
-            </a:r>
-          </a:p>
-          <a:p>
-            <a:r>
-              <a:rPr lang="en-US" dirty="0" smtClean="0"/>
-              <a:t>Defines methods to read from keyboard</a:t>
-            </a:r>
-          </a:p>
-          <a:p>
-            <a:pPr lvl="1"/>
-            <a:r>
-              <a:rPr lang="en-US" dirty="0" err="1" smtClean="0">
-                <a:solidFill>
-                  <a:srgbClr val="F79646"/>
-                </a:solidFill>
-              </a:rPr>
-              <a:t>inputScanner.nextInt</a:t>
-            </a:r>
-            <a:r>
-              <a:rPr lang="en-US" dirty="0" smtClean="0">
-                <a:solidFill>
-                  <a:srgbClr val="F79646"/>
-                </a:solidFill>
-              </a:rPr>
-              <a:t>();</a:t>
-            </a:r>
-          </a:p>
-          <a:p>
-            <a:pPr lvl="1"/>
-            <a:r>
-              <a:rPr lang="en-US" dirty="0" err="1" smtClean="0">
-                <a:solidFill>
-                  <a:srgbClr val="F79646"/>
-                </a:solidFill>
-              </a:rPr>
-              <a:t>inputScanner.nextDouble</a:t>
-            </a:r>
-            <a:r>
-              <a:rPr lang="en-US" dirty="0" smtClean="0">
-                <a:solidFill>
-                  <a:srgbClr val="F79646"/>
-                </a:solidFill>
-              </a:rPr>
-              <a:t>();</a:t>
-            </a:r>
-          </a:p>
-          <a:p>
-            <a:pPr lvl="1"/>
-            <a:r>
-              <a:rPr lang="en-US" dirty="0" err="1" smtClean="0">
-                <a:solidFill>
-                  <a:srgbClr val="F79646"/>
-                </a:solidFill>
-              </a:rPr>
-              <a:t>inputScanner.nextLine</a:t>
-            </a:r>
-            <a:r>
-              <a:rPr lang="en-US" dirty="0" smtClean="0">
-                <a:solidFill>
-                  <a:srgbClr val="F79646"/>
-                </a:solidFill>
-              </a:rPr>
-              <a:t>();</a:t>
-            </a:r>
-          </a:p>
-          <a:p>
-            <a:pPr lvl="1"/>
-            <a:r>
-              <a:rPr lang="en-US" dirty="0" err="1" smtClean="0">
-                <a:solidFill>
-                  <a:srgbClr val="F79646"/>
-                </a:solidFill>
-              </a:rPr>
-              <a:t>inputScanner.next</a:t>
-            </a:r>
-            <a:r>
-              <a:rPr lang="en-US" dirty="0" smtClean="0">
-                <a:solidFill>
-                  <a:srgbClr val="F79646"/>
-                </a:solidFill>
-              </a:rPr>
-              <a:t>();</a:t>
-            </a:r>
-          </a:p>
-          <a:p>
-            <a:r>
-              <a:rPr lang="en-US" dirty="0" smtClean="0"/>
-              <a:t>Exercise: Look at </a:t>
-            </a:r>
-            <a:br>
-              <a:rPr lang="en-US" dirty="0" smtClean="0"/>
-            </a:br>
-            <a:r>
-              <a:rPr lang="en-US" dirty="0" err="1" smtClean="0">
-                <a:solidFill>
-                  <a:schemeClr val="accent6"/>
-                </a:solidFill>
-              </a:rPr>
-              <a:t>UnitTesting</a:t>
-            </a:r>
-            <a:r>
-              <a:rPr lang="en-US" dirty="0" smtClean="0">
-                <a:solidFill>
-                  <a:schemeClr val="accent6"/>
-                </a:solidFill>
-              </a:rPr>
-              <a:t>/</a:t>
-            </a:r>
-            <a:r>
-              <a:rPr lang="en-US" dirty="0" err="1" smtClean="0">
-                <a:solidFill>
-                  <a:schemeClr val="accent6"/>
-                </a:solidFill>
-              </a:rPr>
-              <a:t>src</a:t>
-            </a:r>
-            <a:r>
-              <a:rPr lang="en-US" dirty="0" smtClean="0">
-                <a:solidFill>
-                  <a:schemeClr val="accent6"/>
-                </a:solidFill>
-              </a:rPr>
-              <a:t>/</a:t>
-            </a:r>
-            <a:r>
-              <a:rPr lang="en-US" dirty="0" err="1" smtClean="0">
-                <a:solidFill>
-                  <a:schemeClr val="accent6"/>
-                </a:solidFill>
-              </a:rPr>
-              <a:t>ConsoleWorker.java</a:t>
-            </a:r>
-            <a:r>
-              <a:rPr lang="en-US" dirty="0" smtClean="0"/>
-              <a:t>. </a:t>
-            </a:r>
-            <a:br>
-              <a:rPr lang="en-US" dirty="0" smtClean="0"/>
-            </a:br>
-            <a:r>
-              <a:rPr lang="en-US" dirty="0" smtClean="0"/>
-              <a:t>Add missing methods to read from console</a:t>
-            </a:r>
-          </a:p>
-        </p:txBody>
-      </p:sp>
-      <p:sp>
-        <p:nvSpPr>
-          <p:cNvPr id="4" name="Rectangle 3"/>
-          <p:cNvSpPr/>
-          <p:nvPr/>
-        </p:nvSpPr>
-        <p:spPr>
-          <a:xfrm>
-            <a:off x="8229600" y="6126163"/>
-            <a:ext cx="685800" cy="579437"/>
-          </a:xfrm>
-          <a:prstGeom prst="rect">
-            <a:avLst/>
-          </a:prstGeom>
-        </p:spPr>
-        <p:style>
-          <a:lnRef idx="2">
-            <a:schemeClr val="accent1">
-              <a:shade val="50000"/>
-            </a:schemeClr>
-          </a:lnRef>
-          <a:fillRef idx="1">
-            <a:schemeClr val="accent1"/>
-          </a:fillRef>
-          <a:effectRef idx="0">
-            <a:schemeClr val="accent1"/>
-          </a:effectRef>
-          <a:fontRef idx="minor">
-            <a:schemeClr val="lt1"/>
-          </a:fontRef>
-        </p:style>
-        <p:txBody>
-          <a:bodyPr rtlCol="0" anchor="ctr"/>
-          <a:lstStyle/>
-          <a:p>
-            <a:pPr algn="ctr"/>
-            <a:r>
-              <a:rPr lang="en-US" dirty="0" smtClean="0"/>
-              <a:t>Q1</a:t>
-            </a:r>
+          <a:p>
+            <a:r>
+              <a:rPr lang="en-US" dirty="0"/>
+              <a:t>A static variable can be accessed/modified in any function at any time</a:t>
+            </a:r>
+          </a:p>
+          <a:p>
+            <a:r>
+              <a:rPr lang="en-US" dirty="0"/>
+              <a:t>As a result many parts of the code can be coupled to a single class</a:t>
+            </a:r>
+          </a:p>
+          <a:p>
+            <a:endParaRPr lang="en-US" dirty="0"/>
+          </a:p>
+          <a:p>
+            <a:r>
+              <a:rPr lang="en-US" dirty="0">
+                <a:highlight>
+                  <a:srgbClr val="FFFF00"/>
+                </a:highlight>
+              </a:rPr>
+              <a:t>Why? </a:t>
+            </a:r>
+          </a:p>
+          <a:p>
+            <a:r>
+              <a:rPr lang="en-US" dirty="0">
+                <a:highlight>
+                  <a:srgbClr val="FFFF00"/>
+                </a:highlight>
+              </a:rPr>
+              <a:t>Increases coupling among all the clients that get or change value of the global variable</a:t>
+            </a:r>
+          </a:p>
+          <a:p>
             <a:endParaRPr lang="en-US" dirty="0"/>
           </a:p>
         </p:txBody>
@@ -5704,20 +7455,13 @@
     </p:spTree>
     <p:extLst>
       <p:ext uri="{BB962C8B-B14F-4D97-AF65-F5344CB8AC3E}">
-        <p14:creationId xmlns:p14="http://schemas.microsoft.com/office/powerpoint/2010/main" val="4117085893"/>
+        <p14:creationId xmlns:p14="http://schemas.microsoft.com/office/powerpoint/2010/main" val="1358405588"/>
       </p:ext>
     </p:extLst>
   </p:cSld>
   <p:clrMapOvr>
     <a:masterClrMapping/>
   </p:clrMapOvr>
-  <p:timing>
-    <p:tnLst>
-      <p:par>
-        <p:cTn id="1" dur="indefinite" restart="never" nodeType="tmRoot"/>
-      </p:par>
-    </p:tnLst>
-  </p:timing>
 </p:sld>
 </file>
 
@@ -5738,159 +7482,612 @@
           <a:chExt cx="0" cy="0"/>
         </a:xfrm>
       </p:grpSpPr>
-      <p:sp>
-        <p:nvSpPr>
-          <p:cNvPr id="2" name="Title 1"/>
-          <p:cNvSpPr>
-            <a:spLocks noGrp="1"/>
-          </p:cNvSpPr>
-          <p:nvPr>
-            <p:ph type="title"/>
-          </p:nvPr>
-        </p:nvSpPr>
-        <p:spPr/>
-        <p:txBody>
-          <a:bodyPr/>
-          <a:lstStyle/>
-          <a:p>
-            <a:r>
-              <a:rPr lang="en-US" dirty="0" smtClean="0"/>
-              <a:t>Unit Testing</a:t>
-            </a:r>
-            <a:endParaRPr lang="en-US" dirty="0"/>
-          </a:p>
-        </p:txBody>
-      </p:sp>
-      <p:sp>
-        <p:nvSpPr>
-          <p:cNvPr id="3" name="Content Placeholder 2"/>
-          <p:cNvSpPr>
-            <a:spLocks noGrp="1"/>
-          </p:cNvSpPr>
-          <p:nvPr>
-            <p:ph idx="1"/>
-          </p:nvPr>
-        </p:nvSpPr>
-        <p:spPr/>
-        <p:txBody>
-          <a:bodyPr/>
-          <a:lstStyle/>
-          <a:p>
-            <a:r>
-              <a:rPr lang="en-US" dirty="0" smtClean="0"/>
-              <a:t>Idea: Test “small pieces” of larger program</a:t>
-            </a:r>
-          </a:p>
-          <a:p>
-            <a:pPr lvl="1"/>
-            <a:r>
-              <a:rPr lang="en-US" dirty="0" smtClean="0"/>
-              <a:t>Do the expected values match what you ACTUALLY get?</a:t>
-            </a:r>
-          </a:p>
-          <a:p>
-            <a:r>
-              <a:rPr lang="en-US" dirty="0" smtClean="0"/>
-              <a:t>How to test in this manner?</a:t>
-            </a:r>
-          </a:p>
-          <a:p>
-            <a:pPr lvl="1"/>
-            <a:r>
-              <a:rPr lang="en-US" dirty="0" smtClean="0"/>
-              <a:t>Could make a main method that calls all the methods</a:t>
-            </a:r>
-          </a:p>
-          <a:p>
-            <a:pPr lvl="1"/>
-            <a:r>
-              <a:rPr lang="en-US" dirty="0" err="1" smtClean="0"/>
-              <a:t>JUnit</a:t>
-            </a:r>
-            <a:r>
-              <a:rPr lang="en-US" dirty="0" smtClean="0"/>
-              <a:t>!</a:t>
-            </a:r>
-          </a:p>
-          <a:p>
-            <a:pPr lvl="2"/>
-            <a:r>
-              <a:rPr lang="en-US" dirty="0" smtClean="0"/>
-              <a:t>Creating a Tester </a:t>
-            </a:r>
-            <a:r>
-              <a:rPr lang="en-US" dirty="0" err="1" smtClean="0"/>
-              <a:t>JUnit</a:t>
-            </a:r>
-            <a:r>
-              <a:rPr lang="en-US" dirty="0" smtClean="0"/>
-              <a:t> class</a:t>
-            </a:r>
-            <a:endParaRPr lang="en-US" dirty="0"/>
-          </a:p>
-        </p:txBody>
-      </p:sp>
-      <p:sp>
-        <p:nvSpPr>
-          <p:cNvPr id="7" name="Rectangle 6"/>
-          <p:cNvSpPr/>
+      <p:pic>
+        <p:nvPicPr>
+          <p:cNvPr id="6" name="Picture 3"/>
+          <p:cNvPicPr>
+            <a:picLocks noChangeAspect="1" noChangeArrowheads="1"/>
+          </p:cNvPicPr>
           <p:nvPr/>
-        </p:nvSpPr>
-        <p:spPr>
+        </p:nvPicPr>
+        <p:blipFill>
+          <a:blip r:embed="rId3">
+            <a:extLst>
+              <a:ext uri="{28A0092B-C50C-407E-A947-70E740481C1C}">
+                <a14:useLocalDpi xmlns:a14="http://schemas.microsoft.com/office/drawing/2010/main" val="0"/>
+              </a:ext>
+            </a:extLst>
+          </a:blip>
+          <a:srcRect/>
+          <a:stretch>
+            <a:fillRect/>
+          </a:stretch>
+        </p:blipFill>
+        <p:spPr bwMode="auto">
           <a:xfrm>
-            <a:off x="8305800" y="6126163"/>
-            <a:ext cx="609600" cy="579437"/>
+            <a:off x="7010400" y="457200"/>
+            <a:ext cx="1905000" cy="1905000"/>
           </a:xfrm>
           <a:prstGeom prst="rect">
             <a:avLst/>
           </a:prstGeom>
+          <a:noFill/>
+          <a:ln>
+            <a:noFill/>
+          </a:ln>
+          <a:effectLst/>
+          <a:extLst>
+            <a:ext uri="{909E8E84-426E-40dd-AFC4-6F175D3DCCD1}">
+              <a14:hiddenFill xmlns:a14="http://schemas.microsoft.com/office/drawing/2010/main" xmlns="">
+                <a:solidFill>
+                  <a:schemeClr val="accent1"/>
+                </a:solidFill>
+              </a14:hiddenFill>
+            </a:ext>
+            <a:ext uri="{91240B29-F687-4f45-9708-019B960494DF}">
+              <a14:hiddenLine xmlns:a14="http://schemas.microsoft.com/office/drawing/2010/main" xmlns="" w="9525">
+                <a:solidFill>
+                  <a:schemeClr val="tx1"/>
+                </a:solidFill>
+                <a:miter lim="800000"/>
+                <a:headEnd/>
+                <a:tailEnd/>
+              </a14:hiddenLine>
+            </a:ext>
+            <a:ext uri="{AF507438-7753-43e0-B8FC-AC1667EBCBE1}">
+              <a14:hiddenEffects xmlns:a14="http://schemas.microsoft.com/office/drawing/2010/main" xmlns="">
+                <a:effectLst>
+                  <a:outerShdw dist="35921" dir="2700000" algn="ctr" rotWithShape="0">
+                    <a:schemeClr val="bg2"/>
+                  </a:outerShdw>
+                </a:effectLst>
+              </a14:hiddenEffects>
+            </a:ext>
+          </a:extLst>
         </p:spPr>
-        <p:style>
-          <a:lnRef idx="2">
-            <a:schemeClr val="accent1">
-              <a:shade val="50000"/>
-            </a:schemeClr>
-          </a:lnRef>
-          <a:fillRef idx="1">
-            <a:schemeClr val="accent1"/>
-          </a:fillRef>
-          <a:effectRef idx="0">
-            <a:schemeClr val="accent1"/>
-          </a:effectRef>
-          <a:fontRef idx="minor">
-            <a:schemeClr val="lt1"/>
-          </a:fontRef>
-        </p:style>
-        <p:txBody>
-          <a:bodyPr rtlCol="0" anchor="ctr"/>
-          <a:lstStyle/>
-          <a:p>
-            <a:pPr algn="ctr"/>
-            <a:r>
-              <a:rPr lang="en-US" dirty="0" smtClean="0"/>
-              <a:t>Q2</a:t>
-            </a:r>
-            <a:endParaRPr lang="en-US" dirty="0"/>
+      </p:pic>
+      <p:sp>
+        <p:nvSpPr>
+          <p:cNvPr id="5" name="Content Placeholder 4"/>
+          <p:cNvSpPr>
+            <a:spLocks noGrp="1"/>
+          </p:cNvSpPr>
+          <p:nvPr>
+            <p:ph idx="1"/>
+          </p:nvPr>
+        </p:nvSpPr>
+        <p:spPr>
+          <a:xfrm>
+            <a:off x="381000" y="957262"/>
+            <a:ext cx="8458200" cy="5138738"/>
+          </a:xfrm>
+        </p:spPr>
+        <p:txBody>
+          <a:bodyPr>
+            <a:normAutofit fontScale="92500" lnSpcReduction="10000"/>
+          </a:bodyPr>
+          <a:lstStyle/>
+          <a:p>
+            <a:pPr marL="109537" indent="0">
+              <a:buNone/>
+              <a:defRPr/>
+            </a:pPr>
+            <a:r>
+              <a:rPr lang="en-US" b="1" i="1" u="sng" dirty="0">
+                <a:solidFill>
+                  <a:srgbClr val="C00000"/>
+                </a:solidFill>
+              </a:rPr>
+              <a:t>Scope</a:t>
+            </a:r>
+            <a:r>
+              <a:rPr lang="en-US" b="1" dirty="0">
+                <a:solidFill>
+                  <a:srgbClr val="C00000"/>
+                </a:solidFill>
+              </a:rPr>
+              <a:t>  is the region of a program in </a:t>
+            </a:r>
+            <a:br>
+              <a:rPr lang="en-US" b="1" dirty="0">
+                <a:solidFill>
+                  <a:srgbClr val="C00000"/>
+                </a:solidFill>
+              </a:rPr>
+            </a:br>
+            <a:r>
+              <a:rPr lang="en-US" b="1" dirty="0">
+                <a:solidFill>
+                  <a:srgbClr val="C00000"/>
+                </a:solidFill>
+              </a:rPr>
+              <a:t>which a variable can be accessed</a:t>
+            </a:r>
+            <a:br>
+              <a:rPr lang="en-US" b="1" dirty="0">
+                <a:solidFill>
+                  <a:srgbClr val="C00000"/>
+                </a:solidFill>
+              </a:rPr>
+            </a:br>
+            <a:endParaRPr lang="en-US" sz="1600" b="1" dirty="0">
+              <a:solidFill>
+                <a:srgbClr val="C00000"/>
+              </a:solidFill>
+            </a:endParaRPr>
+          </a:p>
+          <a:p>
+            <a:pPr>
+              <a:defRPr/>
+            </a:pPr>
+            <a:r>
+              <a:rPr lang="en-US" sz="2400" b="1" i="1" dirty="0">
+                <a:solidFill>
+                  <a:schemeClr val="accent4"/>
+                </a:solidFill>
+              </a:rPr>
+              <a:t>Parameter scope</a:t>
+            </a:r>
+            <a:r>
+              <a:rPr lang="en-US" sz="2400" i="1" dirty="0"/>
+              <a:t>:</a:t>
+            </a:r>
+            <a:r>
+              <a:rPr lang="en-US" sz="2400" dirty="0"/>
+              <a:t>  the whole method body</a:t>
+            </a:r>
+            <a:br>
+              <a:rPr lang="en-US" sz="2400" dirty="0"/>
+            </a:br>
+            <a:endParaRPr lang="en-US" sz="1600" dirty="0"/>
+          </a:p>
+          <a:p>
+            <a:pPr>
+              <a:defRPr/>
+            </a:pPr>
+            <a:r>
+              <a:rPr lang="en-US" sz="2400" b="1" i="1" dirty="0">
+                <a:solidFill>
+                  <a:schemeClr val="accent4"/>
+                </a:solidFill>
+              </a:rPr>
+              <a:t>Local variable scope</a:t>
+            </a:r>
+            <a:r>
+              <a:rPr lang="en-US" sz="2400" i="1" dirty="0"/>
+              <a:t>: </a:t>
+            </a:r>
+            <a:r>
+              <a:rPr lang="en-US" sz="2400" dirty="0"/>
+              <a:t> from declaration to block end</a:t>
+            </a:r>
+            <a:br>
+              <a:rPr lang="en-US" sz="2400" dirty="0"/>
+            </a:br>
+            <a:endParaRPr lang="en-US" sz="2400" dirty="0"/>
+          </a:p>
+          <a:p>
+            <a:pPr marL="630238" lvl="2" indent="0">
+              <a:buNone/>
+              <a:tabLst>
+                <a:tab pos="1146175" algn="l"/>
+                <a:tab pos="1425575" algn="l"/>
+                <a:tab pos="2463800" algn="l"/>
+              </a:tabLst>
+              <a:defRPr/>
+            </a:pPr>
+            <a:r>
+              <a:rPr lang="en-US" sz="2000" b="1" dirty="0">
+                <a:solidFill>
+                  <a:srgbClr val="0070C0"/>
+                </a:solidFill>
+                <a:latin typeface="Consolas" pitchFamily="49" charset="0"/>
+              </a:rPr>
+              <a:t>public double </a:t>
+            </a:r>
+            <a:r>
+              <a:rPr lang="en-US" sz="2000" b="1" dirty="0" err="1">
+                <a:solidFill>
+                  <a:srgbClr val="0070C0"/>
+                </a:solidFill>
+                <a:latin typeface="Consolas" pitchFamily="49" charset="0"/>
+              </a:rPr>
+              <a:t>myMethod</a:t>
+            </a:r>
+            <a:r>
+              <a:rPr lang="en-US" sz="2000" b="1" dirty="0">
+                <a:solidFill>
+                  <a:srgbClr val="0070C0"/>
+                </a:solidFill>
+                <a:latin typeface="Consolas" pitchFamily="49" charset="0"/>
+              </a:rPr>
+              <a:t>() {</a:t>
+            </a:r>
+            <a:br>
+              <a:rPr lang="en-US" sz="2000" b="1" dirty="0">
+                <a:solidFill>
+                  <a:srgbClr val="0070C0"/>
+                </a:solidFill>
+                <a:latin typeface="Consolas" pitchFamily="49" charset="0"/>
+              </a:rPr>
+            </a:br>
+            <a:r>
+              <a:rPr lang="en-US" sz="2000" b="1" dirty="0">
+                <a:solidFill>
+                  <a:srgbClr val="0070C0"/>
+                </a:solidFill>
+                <a:latin typeface="Consolas" pitchFamily="49" charset="0"/>
+              </a:rPr>
+              <a:t>	double </a:t>
+            </a:r>
+            <a:r>
+              <a:rPr lang="en-US" sz="2000" b="1" dirty="0">
+                <a:solidFill>
+                  <a:srgbClr val="C00000"/>
+                </a:solidFill>
+                <a:latin typeface="Consolas" pitchFamily="49" charset="0"/>
+              </a:rPr>
+              <a:t>sum</a:t>
+            </a:r>
+            <a:r>
+              <a:rPr lang="en-US" sz="2000" b="1" dirty="0">
+                <a:solidFill>
+                  <a:srgbClr val="0070C0"/>
+                </a:solidFill>
+                <a:latin typeface="Consolas" pitchFamily="49" charset="0"/>
+              </a:rPr>
+              <a:t> = 0.0;</a:t>
+            </a:r>
+            <a:br>
+              <a:rPr lang="en-US" sz="2000" b="1" dirty="0">
+                <a:solidFill>
+                  <a:srgbClr val="0070C0"/>
+                </a:solidFill>
+                <a:latin typeface="Consolas" pitchFamily="49" charset="0"/>
+              </a:rPr>
+            </a:br>
+            <a:r>
+              <a:rPr lang="en-US" sz="2000" b="1" dirty="0">
+                <a:solidFill>
+                  <a:srgbClr val="0070C0"/>
+                </a:solidFill>
+                <a:latin typeface="Consolas" pitchFamily="49" charset="0"/>
+              </a:rPr>
+              <a:t>	Point2D </a:t>
+            </a:r>
+            <a:r>
+              <a:rPr lang="en-US" sz="2000" b="1" dirty="0" err="1">
+                <a:solidFill>
+                  <a:srgbClr val="C00000"/>
+                </a:solidFill>
+                <a:latin typeface="Consolas" pitchFamily="49" charset="0"/>
+              </a:rPr>
+              <a:t>prev</a:t>
+            </a:r>
+            <a:r>
+              <a:rPr lang="en-US" sz="2000" b="1" dirty="0">
+                <a:solidFill>
+                  <a:srgbClr val="C00000"/>
+                </a:solidFill>
+                <a:latin typeface="Consolas" pitchFamily="49" charset="0"/>
+              </a:rPr>
+              <a:t> </a:t>
+            </a:r>
+            <a:r>
+              <a:rPr lang="en-US" sz="2000" b="1" dirty="0">
+                <a:solidFill>
+                  <a:srgbClr val="0070C0"/>
+                </a:solidFill>
+                <a:latin typeface="Consolas" pitchFamily="49" charset="0"/>
+              </a:rPr>
+              <a:t>= </a:t>
+            </a:r>
+            <a:r>
+              <a:rPr lang="en-US" sz="2000" b="1" dirty="0" err="1">
+                <a:solidFill>
+                  <a:srgbClr val="0070C0"/>
+                </a:solidFill>
+                <a:latin typeface="Consolas" pitchFamily="49" charset="0"/>
+              </a:rPr>
+              <a:t>this.pts.get</a:t>
+            </a:r>
+            <a:r>
+              <a:rPr lang="en-US" sz="2000" b="1" dirty="0">
+                <a:solidFill>
+                  <a:srgbClr val="0070C0"/>
+                </a:solidFill>
+                <a:latin typeface="Consolas" pitchFamily="49" charset="0"/>
+              </a:rPr>
+              <a:t>(</a:t>
+            </a:r>
+            <a:r>
+              <a:rPr lang="en-US" sz="2000" b="1" dirty="0" err="1">
+                <a:solidFill>
+                  <a:srgbClr val="0070C0"/>
+                </a:solidFill>
+                <a:latin typeface="Consolas" pitchFamily="49" charset="0"/>
+              </a:rPr>
+              <a:t>this.pts.size</a:t>
+            </a:r>
+            <a:r>
+              <a:rPr lang="en-US" sz="2000" b="1" dirty="0">
+                <a:solidFill>
+                  <a:srgbClr val="0070C0"/>
+                </a:solidFill>
+                <a:latin typeface="Consolas" pitchFamily="49" charset="0"/>
+              </a:rPr>
+              <a:t>() - 1);</a:t>
+            </a:r>
+            <a:br>
+              <a:rPr lang="en-US" sz="2000" b="1" dirty="0">
+                <a:solidFill>
+                  <a:srgbClr val="0070C0"/>
+                </a:solidFill>
+                <a:latin typeface="Consolas" pitchFamily="49" charset="0"/>
+              </a:rPr>
+            </a:br>
+            <a:r>
+              <a:rPr lang="en-US" sz="2000" b="1" dirty="0">
+                <a:solidFill>
+                  <a:srgbClr val="0070C0"/>
+                </a:solidFill>
+                <a:latin typeface="Consolas" pitchFamily="49" charset="0"/>
+              </a:rPr>
+              <a:t>	for (Point2D </a:t>
+            </a:r>
+            <a:r>
+              <a:rPr lang="en-US" sz="2000" b="1" dirty="0">
+                <a:solidFill>
+                  <a:srgbClr val="C00000"/>
+                </a:solidFill>
+                <a:latin typeface="Consolas" pitchFamily="49" charset="0"/>
+              </a:rPr>
+              <a:t>p</a:t>
+            </a:r>
+            <a:r>
+              <a:rPr lang="en-US" sz="2000" b="1" dirty="0">
+                <a:solidFill>
+                  <a:srgbClr val="0070C0"/>
+                </a:solidFill>
+                <a:latin typeface="Consolas" pitchFamily="49" charset="0"/>
+              </a:rPr>
+              <a:t> : this.pts) {</a:t>
+            </a:r>
+            <a:br>
+              <a:rPr lang="en-US" sz="2000" b="1" dirty="0">
+                <a:solidFill>
+                  <a:srgbClr val="0070C0"/>
+                </a:solidFill>
+                <a:latin typeface="Consolas" pitchFamily="49" charset="0"/>
+              </a:rPr>
+            </a:br>
+            <a:r>
+              <a:rPr lang="en-US" sz="2000" b="1" dirty="0">
+                <a:solidFill>
+                  <a:srgbClr val="0070C0"/>
+                </a:solidFill>
+                <a:latin typeface="Consolas" pitchFamily="49" charset="0"/>
+              </a:rPr>
+              <a:t>		sum += </a:t>
+            </a:r>
+            <a:r>
+              <a:rPr lang="en-US" sz="2000" b="1" dirty="0" err="1">
+                <a:solidFill>
+                  <a:srgbClr val="0070C0"/>
+                </a:solidFill>
+                <a:latin typeface="Consolas" pitchFamily="49" charset="0"/>
+              </a:rPr>
+              <a:t>prev.getX</a:t>
+            </a:r>
+            <a:r>
+              <a:rPr lang="en-US" sz="2000" b="1" dirty="0">
+                <a:solidFill>
+                  <a:srgbClr val="0070C0"/>
+                </a:solidFill>
+                <a:latin typeface="Consolas" pitchFamily="49" charset="0"/>
+              </a:rPr>
+              <a:t>() * </a:t>
+            </a:r>
+            <a:r>
+              <a:rPr lang="en-US" sz="2000" b="1" dirty="0" err="1">
+                <a:solidFill>
+                  <a:srgbClr val="0070C0"/>
+                </a:solidFill>
+                <a:latin typeface="Consolas" pitchFamily="49" charset="0"/>
+              </a:rPr>
+              <a:t>p.getY</a:t>
+            </a:r>
+            <a:r>
+              <a:rPr lang="en-US" sz="2000" b="1" dirty="0">
+                <a:solidFill>
+                  <a:srgbClr val="0070C0"/>
+                </a:solidFill>
+                <a:latin typeface="Consolas" pitchFamily="49" charset="0"/>
+              </a:rPr>
+              <a:t>();</a:t>
+            </a:r>
+            <a:br>
+              <a:rPr lang="en-US" sz="2000" b="1" dirty="0">
+                <a:solidFill>
+                  <a:srgbClr val="0070C0"/>
+                </a:solidFill>
+                <a:latin typeface="Consolas" pitchFamily="49" charset="0"/>
+              </a:rPr>
+            </a:br>
+            <a:r>
+              <a:rPr lang="en-US" sz="2000" b="1" dirty="0">
+                <a:solidFill>
+                  <a:srgbClr val="0070C0"/>
+                </a:solidFill>
+                <a:latin typeface="Consolas" pitchFamily="49" charset="0"/>
+              </a:rPr>
+              <a:t>		sum -= </a:t>
+            </a:r>
+            <a:r>
+              <a:rPr lang="en-US" sz="2000" b="1" dirty="0" err="1">
+                <a:solidFill>
+                  <a:srgbClr val="0070C0"/>
+                </a:solidFill>
+                <a:latin typeface="Consolas" pitchFamily="49" charset="0"/>
+              </a:rPr>
+              <a:t>prev.getY</a:t>
+            </a:r>
+            <a:r>
+              <a:rPr lang="en-US" sz="2000" b="1" dirty="0">
+                <a:solidFill>
+                  <a:srgbClr val="0070C0"/>
+                </a:solidFill>
+                <a:latin typeface="Consolas" pitchFamily="49" charset="0"/>
+              </a:rPr>
+              <a:t>() * </a:t>
+            </a:r>
+            <a:r>
+              <a:rPr lang="en-US" sz="2000" b="1" dirty="0" err="1">
+                <a:solidFill>
+                  <a:srgbClr val="0070C0"/>
+                </a:solidFill>
+                <a:latin typeface="Consolas" pitchFamily="49" charset="0"/>
+              </a:rPr>
+              <a:t>p.getX</a:t>
+            </a:r>
+            <a:r>
+              <a:rPr lang="en-US" sz="2000" b="1" dirty="0">
+                <a:solidFill>
+                  <a:srgbClr val="0070C0"/>
+                </a:solidFill>
+                <a:latin typeface="Consolas" pitchFamily="49" charset="0"/>
+              </a:rPr>
+              <a:t>();</a:t>
+            </a:r>
+            <a:br>
+              <a:rPr lang="en-US" sz="2000" b="1" dirty="0">
+                <a:solidFill>
+                  <a:srgbClr val="0070C0"/>
+                </a:solidFill>
+                <a:latin typeface="Consolas" pitchFamily="49" charset="0"/>
+              </a:rPr>
+            </a:br>
+            <a:r>
+              <a:rPr lang="en-US" sz="2000" b="1" dirty="0">
+                <a:solidFill>
+                  <a:srgbClr val="0070C0"/>
+                </a:solidFill>
+                <a:latin typeface="Consolas" pitchFamily="49" charset="0"/>
+              </a:rPr>
+              <a:t>		</a:t>
+            </a:r>
+            <a:r>
+              <a:rPr lang="en-US" sz="2000" b="1" dirty="0" err="1">
+                <a:solidFill>
+                  <a:srgbClr val="0070C0"/>
+                </a:solidFill>
+                <a:latin typeface="Consolas" pitchFamily="49" charset="0"/>
+              </a:rPr>
+              <a:t>prev</a:t>
+            </a:r>
+            <a:r>
+              <a:rPr lang="en-US" sz="2000" b="1" dirty="0">
+                <a:solidFill>
+                  <a:srgbClr val="0070C0"/>
+                </a:solidFill>
+                <a:latin typeface="Consolas" pitchFamily="49" charset="0"/>
+              </a:rPr>
+              <a:t> = p;</a:t>
+            </a:r>
+            <a:br>
+              <a:rPr lang="en-US" sz="2000" b="1" dirty="0">
+                <a:solidFill>
+                  <a:srgbClr val="0070C0"/>
+                </a:solidFill>
+                <a:latin typeface="Consolas" pitchFamily="49" charset="0"/>
+              </a:rPr>
+            </a:br>
+            <a:r>
+              <a:rPr lang="en-US" sz="2000" b="1" dirty="0">
+                <a:solidFill>
+                  <a:srgbClr val="0070C0"/>
+                </a:solidFill>
+                <a:latin typeface="Consolas" pitchFamily="49" charset="0"/>
+              </a:rPr>
+              <a:t>	}</a:t>
+            </a:r>
+            <a:br>
+              <a:rPr lang="en-US" sz="2000" b="1" dirty="0">
+                <a:solidFill>
+                  <a:srgbClr val="0070C0"/>
+                </a:solidFill>
+                <a:latin typeface="Consolas" pitchFamily="49" charset="0"/>
+              </a:rPr>
+            </a:br>
+            <a:r>
+              <a:rPr lang="en-US" sz="2000" b="1" dirty="0">
+                <a:solidFill>
+                  <a:srgbClr val="0070C0"/>
+                </a:solidFill>
+                <a:latin typeface="Consolas" pitchFamily="49" charset="0"/>
+              </a:rPr>
+              <a:t>	return Math.abs(sum / 2.0);</a:t>
+            </a:r>
+            <a:br>
+              <a:rPr lang="en-US" sz="2000" b="1" dirty="0">
+                <a:solidFill>
+                  <a:srgbClr val="0070C0"/>
+                </a:solidFill>
+                <a:latin typeface="Consolas" pitchFamily="49" charset="0"/>
+              </a:rPr>
+            </a:br>
+            <a:r>
+              <a:rPr lang="en-US" sz="2000" b="1" dirty="0">
+                <a:solidFill>
+                  <a:srgbClr val="0070C0"/>
+                </a:solidFill>
+                <a:latin typeface="Consolas" pitchFamily="49" charset="0"/>
+              </a:rPr>
+              <a:t>}</a:t>
+            </a:r>
+          </a:p>
+        </p:txBody>
+      </p:sp>
+      <p:sp>
+        <p:nvSpPr>
+          <p:cNvPr id="4" name="Title 3"/>
+          <p:cNvSpPr>
+            <a:spLocks noGrp="1"/>
+          </p:cNvSpPr>
+          <p:nvPr>
+            <p:ph type="title"/>
+          </p:nvPr>
+        </p:nvSpPr>
+        <p:spPr>
+          <a:xfrm>
+            <a:off x="457200" y="76200"/>
+            <a:ext cx="8229600" cy="792162"/>
+          </a:xfrm>
+        </p:spPr>
+        <p:txBody>
+          <a:bodyPr/>
+          <a:lstStyle/>
+          <a:p>
+            <a:pPr>
+              <a:defRPr/>
+            </a:pPr>
+            <a:r>
+              <a:rPr lang="en-US" dirty="0"/>
+              <a:t>Variable Scope</a:t>
+            </a:r>
           </a:p>
         </p:txBody>
       </p:sp>
     </p:spTree>
     <p:extLst>
       <p:ext uri="{BB962C8B-B14F-4D97-AF65-F5344CB8AC3E}">
-        <p14:creationId xmlns:p14="http://schemas.microsoft.com/office/powerpoint/2010/main" val="3923847829"/>
+        <p14:creationId xmlns:p14="http://schemas.microsoft.com/office/powerpoint/2010/main" val="299386205"/>
       </p:ext>
     </p:extLst>
   </p:cSld>
   <p:clrMapOvr>
     <a:masterClrMapping/>
   </p:clrMapOvr>
-  <p:timing>
-    <p:tnLst>
-      <p:par>
-        <p:cTn id="1" dur="indefinite" restart="never" nodeType="tmRoot"/>
-      </p:par>
-    </p:tnLst>
-  </p:timing>
 </p:sld>
 </file>
 
@@ -5913,113 +8110,36 @@
       </p:grpSpPr>
       <p:sp>
         <p:nvSpPr>
-          <p:cNvPr id="2" name="Title 1"/>
-          <p:cNvSpPr>
-            <a:spLocks noGrp="1"/>
-          </p:cNvSpPr>
-          <p:nvPr>
-            <p:ph type="title"/>
-          </p:nvPr>
-        </p:nvSpPr>
-        <p:spPr/>
-        <p:txBody>
-          <a:bodyPr/>
-          <a:lstStyle/>
-          <a:p>
-            <a:r>
-              <a:rPr lang="en-US" dirty="0" smtClean="0"/>
-              <a:t>Why Unit Testing?</a:t>
-            </a:r>
-            <a:endParaRPr lang="en-US" dirty="0"/>
-          </a:p>
-        </p:txBody>
-      </p:sp>
-      <p:sp>
-        <p:nvSpPr>
-          <p:cNvPr id="3" name="Content Placeholder 2"/>
-          <p:cNvSpPr>
-            <a:spLocks noGrp="1"/>
-          </p:cNvSpPr>
-          <p:nvPr>
-            <p:ph idx="1"/>
-          </p:nvPr>
-        </p:nvSpPr>
-        <p:spPr/>
-        <p:txBody>
-          <a:bodyPr/>
-          <a:lstStyle/>
-          <a:p>
-            <a:r>
-              <a:rPr lang="en-US" dirty="0" smtClean="0"/>
-              <a:t>There are several goals of unit testing:</a:t>
-            </a:r>
-          </a:p>
-          <a:p>
-            <a:pPr lvl="1"/>
-            <a:r>
-              <a:rPr lang="en-US" dirty="0" smtClean="0"/>
-              <a:t>Make sure your code works (as specified!)</a:t>
-            </a:r>
-          </a:p>
-          <a:p>
-            <a:pPr lvl="1"/>
-            <a:r>
-              <a:rPr lang="en-US" dirty="0" smtClean="0"/>
-              <a:t>Keep it working</a:t>
-            </a:r>
-          </a:p>
-          <a:p>
-            <a:pPr lvl="1"/>
-            <a:r>
-              <a:rPr lang="en-US" dirty="0" smtClean="0"/>
-              <a:t>Confirm understanding of the specification</a:t>
-            </a:r>
-          </a:p>
-          <a:p>
-            <a:pPr lvl="1"/>
-            <a:r>
-              <a:rPr lang="en-US" dirty="0" smtClean="0"/>
-              <a:t>Confirm pieces of code in isolation</a:t>
-            </a:r>
-          </a:p>
-          <a:p>
-            <a:pPr lvl="1"/>
-            <a:r>
-              <a:rPr lang="en-US" dirty="0" smtClean="0"/>
-              <a:t>Provide Documentation</a:t>
-            </a:r>
-          </a:p>
-          <a:p>
-            <a:pPr lvl="1"/>
-            <a:endParaRPr lang="en-US" dirty="0"/>
-          </a:p>
-        </p:txBody>
-      </p:sp>
-      <p:sp>
-        <p:nvSpPr>
-          <p:cNvPr id="4" name="Rectangle 3"/>
+          <p:cNvPr id="6" name="Rectangle 5"/>
           <p:cNvSpPr/>
           <p:nvPr/>
         </p:nvSpPr>
         <p:spPr>
           <a:xfrm>
-            <a:off x="8229600" y="6126163"/>
-            <a:ext cx="685800" cy="579437"/>
+            <a:off x="4878990" y="1766080"/>
+            <a:ext cx="4114800" cy="3581400"/>
           </a:xfrm>
           <a:prstGeom prst="rect">
             <a:avLst/>
           </a:prstGeom>
+          <a:solidFill>
+            <a:schemeClr val="accent1">
+              <a:alpha val="34000"/>
+            </a:schemeClr>
+          </a:solidFill>
+          <a:ln>
+            <a:noFill/>
+          </a:ln>
+          <a:effectLst/>
         </p:spPr>
         <p:style>
-          <a:lnRef idx="2">
-            <a:schemeClr val="accent1">
-              <a:shade val="50000"/>
-            </a:schemeClr>
+          <a:lnRef idx="1">
+            <a:schemeClr val="accent1"/>
           </a:lnRef>
-          <a:fillRef idx="1">
+          <a:fillRef idx="3">
             <a:schemeClr val="accent1"/>
           </a:fillRef>
-          <a:effectRef idx="0">
+          <a:effectRef idx="2">
             <a:schemeClr val="accent1"/>
           </a:effectRef>
           <a:fontRef idx="minor">
@@ -6031,18 +8151,848 @@
           <a:lstStyle/>
           <a:p>
             <a:pPr algn="ctr"/>
-            <a:r>
-              <a:rPr lang="en-US" dirty="0" smtClean="0"/>
-              <a:t>Q3</a:t>
-            </a:r>
-            <a:endParaRPr lang="en-US" dirty="0"/>
+            <a:endParaRPr lang="en-US"/>
+          </a:p>
+        </p:txBody>
+      </p:sp>
+      <p:sp>
+        <p:nvSpPr>
+          <p:cNvPr id="2" name="Content Placeholder 1"/>
+          <p:cNvSpPr>
+            <a:spLocks noGrp="1"/>
+          </p:cNvSpPr>
+          <p:nvPr>
+            <p:ph sz="half" idx="1"/>
+          </p:nvPr>
+        </p:nvSpPr>
+        <p:spPr>
+          <a:xfrm>
+            <a:off x="457200" y="1219200"/>
+            <a:ext cx="4343400" cy="4525963"/>
+          </a:xfrm>
+        </p:spPr>
+        <p:txBody>
+          <a:bodyPr>
+            <a:normAutofit lnSpcReduction="10000"/>
+          </a:bodyPr>
+          <a:lstStyle/>
+          <a:p>
+            <a:pPr>
+              <a:defRPr/>
+            </a:pPr>
+            <a:r>
+              <a:rPr lang="en-US" sz="2400" b="1" i="1" dirty="0">
+                <a:solidFill>
+                  <a:schemeClr val="accent4"/>
+                </a:solidFill>
+              </a:rPr>
+              <a:t>Member scope</a:t>
+            </a:r>
+            <a:r>
+              <a:rPr lang="en-US" sz="2400" i="1" dirty="0"/>
+              <a:t>: </a:t>
+            </a:r>
+            <a:r>
+              <a:rPr lang="en-US" sz="2400" dirty="0"/>
+              <a:t> anywhere in the class, including </a:t>
+            </a:r>
+            <a:r>
+              <a:rPr lang="en-US" sz="2400" i="1" dirty="0"/>
+              <a:t>before</a:t>
+            </a:r>
+            <a:r>
+              <a:rPr lang="en-US" sz="2400" dirty="0"/>
+              <a:t> its declaration</a:t>
+            </a:r>
+          </a:p>
+          <a:p>
+            <a:pPr lvl="1">
+              <a:defRPr/>
+            </a:pPr>
+            <a:r>
+              <a:rPr lang="en-US" sz="2000" dirty="0"/>
+              <a:t>Lets methods call other methods later in the class</a:t>
+            </a:r>
+          </a:p>
+          <a:p>
+            <a:pPr>
+              <a:defRPr/>
+            </a:pPr>
+            <a:endParaRPr lang="en-US" sz="2400" dirty="0"/>
+          </a:p>
+          <a:p>
+            <a:pPr>
+              <a:defRPr/>
+            </a:pPr>
+            <a:r>
+              <a:rPr lang="en-US" sz="2400" b="1" dirty="0">
+                <a:solidFill>
+                  <a:srgbClr val="0070C0"/>
+                </a:solidFill>
+                <a:latin typeface="Consolas" pitchFamily="49" charset="0"/>
+              </a:rPr>
+              <a:t>public static</a:t>
+            </a:r>
+            <a:r>
+              <a:rPr lang="en-US" sz="2400" dirty="0"/>
+              <a:t> class members can be accessed from outside with “class qualified names”</a:t>
+            </a:r>
+          </a:p>
+          <a:p>
+            <a:pPr lvl="1">
+              <a:defRPr/>
+            </a:pPr>
+            <a:r>
+              <a:rPr lang="en-US" sz="2000" b="1" dirty="0" err="1">
+                <a:solidFill>
+                  <a:srgbClr val="0070C0"/>
+                </a:solidFill>
+                <a:latin typeface="Consolas" pitchFamily="49" charset="0"/>
+              </a:rPr>
+              <a:t>Math.sqrt</a:t>
+            </a:r>
+            <a:r>
+              <a:rPr lang="en-US" sz="2000" b="1" dirty="0">
+                <a:solidFill>
+                  <a:srgbClr val="0070C0"/>
+                </a:solidFill>
+                <a:latin typeface="Consolas" pitchFamily="49" charset="0"/>
+              </a:rPr>
+              <a:t>()</a:t>
+            </a:r>
+          </a:p>
+          <a:p>
+            <a:pPr lvl="1">
+              <a:defRPr/>
+            </a:pPr>
+            <a:r>
+              <a:rPr lang="en-US" sz="2000" b="1" dirty="0" err="1">
+                <a:solidFill>
+                  <a:srgbClr val="0070C0"/>
+                </a:solidFill>
+                <a:latin typeface="Consolas" pitchFamily="49" charset="0"/>
+              </a:rPr>
+              <a:t>System.in</a:t>
+            </a:r>
+            <a:endParaRPr lang="en-US" sz="2000" b="1" dirty="0">
+              <a:solidFill>
+                <a:srgbClr val="0070C0"/>
+              </a:solidFill>
+              <a:latin typeface="Consolas" pitchFamily="49" charset="0"/>
+            </a:endParaRPr>
+          </a:p>
+          <a:p>
+            <a:endParaRPr lang="en-US" sz="2400" dirty="0"/>
+          </a:p>
+        </p:txBody>
+      </p:sp>
+      <p:sp>
+        <p:nvSpPr>
+          <p:cNvPr id="4" name="Title 3"/>
+          <p:cNvSpPr>
+            <a:spLocks noGrp="1"/>
+          </p:cNvSpPr>
+          <p:nvPr>
+            <p:ph type="title"/>
+          </p:nvPr>
+        </p:nvSpPr>
+        <p:spPr>
+          <a:xfrm>
+            <a:off x="457200" y="0"/>
+            <a:ext cx="8229600" cy="868362"/>
+          </a:xfrm>
+        </p:spPr>
+        <p:txBody>
+          <a:bodyPr>
+            <a:normAutofit/>
+          </a:bodyPr>
+          <a:lstStyle/>
+          <a:p>
+            <a:r>
+              <a:rPr lang="en-US" dirty="0"/>
+              <a:t>Member Scope (Field or Method)</a:t>
+            </a:r>
+          </a:p>
+        </p:txBody>
+      </p:sp>
+      <p:sp>
+        <p:nvSpPr>
+          <p:cNvPr id="7" name="Rectangle 6"/>
+          <p:cNvSpPr/>
+          <p:nvPr/>
+        </p:nvSpPr>
+        <p:spPr>
+          <a:xfrm>
+            <a:off x="5074044" y="2922560"/>
+            <a:ext cx="3919746" cy="2106640"/>
+          </a:xfrm>
+          <a:prstGeom prst="rect">
+            <a:avLst/>
+          </a:prstGeom>
+          <a:solidFill>
+            <a:schemeClr val="accent3">
+              <a:lumMod val="60000"/>
+              <a:lumOff val="40000"/>
+            </a:schemeClr>
+          </a:solidFill>
+          <a:ln>
+            <a:noFill/>
+          </a:ln>
+          <a:effectLst/>
+        </p:spPr>
+        <p:style>
+          <a:lnRef idx="1">
+            <a:schemeClr val="accent1"/>
+          </a:lnRef>
+          <a:fillRef idx="3">
+            <a:schemeClr val="accent1"/>
+          </a:fillRef>
+          <a:effectRef idx="2">
+            <a:schemeClr val="accent1"/>
+          </a:effectRef>
+          <a:fontRef idx="minor">
+            <a:schemeClr val="lt1"/>
+          </a:fontRef>
+        </p:style>
+        <p:txBody>
+          <a:bodyPr rtlCol="0" anchor="ctr"/>
+          <a:lstStyle/>
+          <a:p>
+            <a:pPr algn="ctr"/>
+            <a:endParaRPr lang="en-US"/>
+          </a:p>
+        </p:txBody>
+      </p:sp>
+      <p:sp>
+        <p:nvSpPr>
+          <p:cNvPr id="8" name="Rectangle 7"/>
+          <p:cNvSpPr/>
+          <p:nvPr/>
+        </p:nvSpPr>
+        <p:spPr>
+          <a:xfrm>
+            <a:off x="5226444" y="3303560"/>
+            <a:ext cx="3767346" cy="1420840"/>
+          </a:xfrm>
+          <a:prstGeom prst="rect">
+            <a:avLst/>
+          </a:prstGeom>
+          <a:solidFill>
+            <a:schemeClr val="accent4">
+              <a:lumMod val="60000"/>
+              <a:lumOff val="40000"/>
+            </a:schemeClr>
+          </a:solidFill>
+          <a:ln>
+            <a:noFill/>
+          </a:ln>
+          <a:effectLst/>
+        </p:spPr>
+        <p:style>
+          <a:lnRef idx="1">
+            <a:schemeClr val="accent1"/>
+          </a:lnRef>
+          <a:fillRef idx="3">
+            <a:schemeClr val="accent1"/>
+          </a:fillRef>
+          <a:effectRef idx="2">
+            <a:schemeClr val="accent1"/>
+          </a:effectRef>
+          <a:fontRef idx="minor">
+            <a:schemeClr val="lt1"/>
+          </a:fontRef>
+        </p:style>
+        <p:txBody>
+          <a:bodyPr rtlCol="0" anchor="ctr"/>
+          <a:lstStyle/>
+          <a:p>
+            <a:pPr algn="ctr"/>
+            <a:endParaRPr lang="en-US"/>
+          </a:p>
+        </p:txBody>
+      </p:sp>
+      <p:sp>
+        <p:nvSpPr>
+          <p:cNvPr id="9" name="Rectangle 8"/>
+          <p:cNvSpPr/>
+          <p:nvPr/>
+        </p:nvSpPr>
+        <p:spPr>
+          <a:xfrm>
+            <a:off x="5287617" y="3733800"/>
+            <a:ext cx="3703983" cy="804862"/>
+          </a:xfrm>
+          <a:prstGeom prst="rect">
+            <a:avLst/>
+          </a:prstGeom>
+          <a:solidFill>
+            <a:srgbClr val="FFFF00"/>
+          </a:solidFill>
+          <a:ln>
+            <a:noFill/>
+          </a:ln>
+          <a:effectLst/>
+        </p:spPr>
+        <p:style>
+          <a:lnRef idx="1">
+            <a:schemeClr val="accent1"/>
+          </a:lnRef>
+          <a:fillRef idx="3">
+            <a:schemeClr val="accent1"/>
+          </a:fillRef>
+          <a:effectRef idx="2">
+            <a:schemeClr val="accent1"/>
+          </a:effectRef>
+          <a:fontRef idx="minor">
+            <a:schemeClr val="lt1"/>
+          </a:fontRef>
+        </p:style>
+        <p:txBody>
+          <a:bodyPr rtlCol="0" anchor="ctr"/>
+          <a:lstStyle/>
+          <a:p>
+            <a:pPr algn="ctr"/>
+            <a:endParaRPr lang="en-US"/>
+          </a:p>
+        </p:txBody>
+      </p:sp>
+      <p:sp>
+        <p:nvSpPr>
+          <p:cNvPr id="3" name="Content Placeholder 2"/>
+          <p:cNvSpPr>
+            <a:spLocks noGrp="1"/>
+          </p:cNvSpPr>
+          <p:nvPr>
+            <p:ph sz="half" idx="2"/>
+          </p:nvPr>
+        </p:nvSpPr>
+        <p:spPr>
+          <a:xfrm>
+            <a:off x="4648200" y="1510976"/>
+            <a:ext cx="4495800" cy="4919472"/>
+          </a:xfrm>
+        </p:spPr>
+        <p:txBody>
+          <a:bodyPr>
+            <a:normAutofit lnSpcReduction="10000"/>
+          </a:bodyPr>
+          <a:lstStyle/>
+          <a:p>
+            <a:pPr marL="109537" indent="0">
+              <a:buNone/>
+            </a:pPr>
+            <a:r>
+              <a:rPr lang="en-US" sz="1600" dirty="0">
+                <a:latin typeface="Consolas"/>
+                <a:cs typeface="Consolas"/>
+              </a:rPr>
+              <a:t>Class </a:t>
+            </a:r>
+            <a:r>
+              <a:rPr lang="en-US" sz="1600" dirty="0" err="1">
+                <a:latin typeface="Consolas"/>
+                <a:cs typeface="Consolas"/>
+              </a:rPr>
+              <a:t>MyClass</a:t>
+            </a:r>
+            <a:r>
+              <a:rPr lang="en-US" sz="1600" dirty="0">
+                <a:latin typeface="Consolas"/>
+                <a:cs typeface="Consolas"/>
+              </a:rPr>
+              <a:t> {</a:t>
+            </a:r>
+          </a:p>
+          <a:p>
+            <a:pPr marL="109537" indent="0">
+              <a:buNone/>
+            </a:pPr>
+            <a:r>
+              <a:rPr lang="en-US" sz="1600" dirty="0">
+                <a:latin typeface="Consolas"/>
+                <a:cs typeface="Consolas"/>
+              </a:rPr>
+              <a:t>  . . .</a:t>
+            </a:r>
+          </a:p>
+          <a:p>
+            <a:pPr marL="109537" indent="0">
+              <a:buNone/>
+            </a:pPr>
+            <a:r>
+              <a:rPr lang="en-US" sz="1600" dirty="0">
+                <a:latin typeface="Consolas"/>
+                <a:cs typeface="Consolas"/>
+              </a:rPr>
+              <a:t>  // member variable declarations</a:t>
+            </a:r>
+          </a:p>
+          <a:p>
+            <a:pPr marL="109537" indent="0">
+              <a:buNone/>
+            </a:pPr>
+            <a:r>
+              <a:rPr lang="en-US" sz="1600" dirty="0">
+                <a:latin typeface="Consolas"/>
+                <a:cs typeface="Consolas"/>
+              </a:rPr>
+              <a:t>  . . .</a:t>
+            </a:r>
+          </a:p>
+          <a:p>
+            <a:pPr marL="109537" indent="0">
+              <a:buNone/>
+            </a:pPr>
+            <a:r>
+              <a:rPr lang="en-US" sz="1600" dirty="0">
+                <a:latin typeface="Consolas"/>
+                <a:cs typeface="Consolas"/>
+              </a:rPr>
+              <a:t>  public void </a:t>
+            </a:r>
+            <a:r>
+              <a:rPr lang="en-US" sz="1600" dirty="0" err="1">
+                <a:latin typeface="Consolas"/>
+                <a:cs typeface="Consolas"/>
+              </a:rPr>
+              <a:t>aMethod</a:t>
+            </a:r>
+            <a:r>
+              <a:rPr lang="en-US" sz="1600" dirty="0">
+                <a:latin typeface="Consolas"/>
+                <a:cs typeface="Consolas"/>
+              </a:rPr>
+              <a:t>(</a:t>
+            </a:r>
+            <a:r>
+              <a:rPr lang="en-US" sz="1600" dirty="0" err="1">
+                <a:latin typeface="Consolas"/>
+                <a:cs typeface="Consolas"/>
+              </a:rPr>
+              <a:t>params</a:t>
+            </a:r>
+            <a:r>
+              <a:rPr lang="en-US" sz="1600" dirty="0">
+                <a:latin typeface="Consolas"/>
+                <a:cs typeface="Consolas"/>
+              </a:rPr>
+              <a:t>…) {</a:t>
+            </a:r>
+          </a:p>
+          <a:p>
+            <a:pPr marL="109537" indent="0">
+              <a:buNone/>
+            </a:pPr>
+            <a:r>
+              <a:rPr lang="en-US" sz="1600" dirty="0">
+                <a:latin typeface="Consolas"/>
+                <a:cs typeface="Consolas"/>
+              </a:rPr>
+              <a:t>    . . .</a:t>
+            </a:r>
+          </a:p>
+          <a:p>
+            <a:pPr marL="109537" indent="0">
+              <a:buNone/>
+            </a:pPr>
+            <a:r>
+              <a:rPr lang="en-US" sz="1600" dirty="0">
+                <a:latin typeface="Consolas"/>
+                <a:cs typeface="Consolas"/>
+              </a:rPr>
+              <a:t>    // local variable declarations </a:t>
+            </a:r>
+          </a:p>
+          <a:p>
+            <a:pPr marL="109537" indent="0">
+              <a:buNone/>
+            </a:pPr>
+            <a:r>
+              <a:rPr lang="en-US" sz="1600" dirty="0">
+                <a:latin typeface="Consolas"/>
+                <a:cs typeface="Consolas"/>
+              </a:rPr>
+              <a:t>    . . .</a:t>
+            </a:r>
+          </a:p>
+          <a:p>
+            <a:pPr marL="109537" indent="0">
+              <a:buNone/>
+            </a:pPr>
+            <a:r>
+              <a:rPr lang="en-US" sz="1600" dirty="0">
+                <a:latin typeface="Consolas"/>
+                <a:cs typeface="Consolas"/>
+              </a:rPr>
+              <a:t>    for(</a:t>
+            </a:r>
+            <a:r>
+              <a:rPr lang="en-US" sz="1600" dirty="0" err="1">
+                <a:latin typeface="Consolas"/>
+                <a:cs typeface="Consolas"/>
+              </a:rPr>
+              <a:t>int</a:t>
+            </a:r>
+            <a:r>
+              <a:rPr lang="en-US" sz="1600" dirty="0">
+                <a:latin typeface="Consolas"/>
+                <a:cs typeface="Consolas"/>
+              </a:rPr>
+              <a:t> </a:t>
+            </a:r>
+            <a:r>
+              <a:rPr lang="en-US" sz="1600" dirty="0" err="1">
+                <a:latin typeface="Consolas"/>
+                <a:cs typeface="Consolas"/>
+              </a:rPr>
+              <a:t>i</a:t>
+            </a:r>
+            <a:r>
+              <a:rPr lang="en-US" sz="1600" dirty="0">
+                <a:latin typeface="Consolas"/>
+                <a:cs typeface="Consolas"/>
+              </a:rPr>
+              <a:t> = 0; </a:t>
+            </a:r>
+            <a:r>
+              <a:rPr lang="en-US" sz="1600" dirty="0" err="1">
+                <a:latin typeface="Consolas"/>
+                <a:cs typeface="Consolas"/>
+              </a:rPr>
+              <a:t>i</a:t>
+            </a:r>
+            <a:r>
+              <a:rPr lang="en-US" sz="1600" dirty="0">
+                <a:latin typeface="Consolas"/>
+                <a:cs typeface="Consolas"/>
+              </a:rPr>
+              <a:t> &lt; 10; </a:t>
+            </a:r>
+            <a:r>
+              <a:rPr lang="en-US" sz="1600" dirty="0" err="1">
+                <a:latin typeface="Consolas"/>
+                <a:cs typeface="Consolas"/>
+              </a:rPr>
+              <a:t>i</a:t>
+            </a:r>
+            <a:r>
+              <a:rPr lang="en-US" sz="1600" dirty="0">
+                <a:latin typeface="Consolas"/>
+                <a:cs typeface="Consolas"/>
+              </a:rPr>
+              <a:t>++) </a:t>
+            </a:r>
+          </a:p>
+          <a:p>
+            <a:pPr marL="109537" indent="0">
+              <a:buNone/>
+            </a:pPr>
+            <a:r>
+              <a:rPr lang="en-US" sz="1600" dirty="0">
+                <a:latin typeface="Consolas"/>
+                <a:cs typeface="Consolas"/>
+              </a:rPr>
+              <a:t>      {. . . }</a:t>
+            </a:r>
+          </a:p>
+          <a:p>
+            <a:pPr marL="109537" indent="0">
+              <a:buNone/>
+            </a:pPr>
+            <a:r>
+              <a:rPr lang="en-US" sz="1600" dirty="0">
+                <a:latin typeface="Consolas"/>
+                <a:cs typeface="Consolas"/>
+              </a:rPr>
+              <a:t>     . . . </a:t>
+            </a:r>
+          </a:p>
+          <a:p>
+            <a:pPr marL="109537" indent="0">
+              <a:buNone/>
+            </a:pPr>
+            <a:r>
+              <a:rPr lang="en-US" sz="1600" dirty="0">
+                <a:latin typeface="Consolas"/>
+                <a:cs typeface="Consolas"/>
+              </a:rPr>
+              <a:t>  }</a:t>
+            </a:r>
+          </a:p>
+          <a:p>
+            <a:pPr marL="109537" indent="0">
+              <a:buNone/>
+            </a:pPr>
+            <a:r>
+              <a:rPr lang="en-US" sz="1600" dirty="0">
+                <a:latin typeface="Consolas"/>
+                <a:cs typeface="Consolas"/>
+              </a:rPr>
+              <a:t>  . . .</a:t>
+            </a:r>
+          </a:p>
+          <a:p>
+            <a:pPr marL="109537" indent="0">
+              <a:buNone/>
+            </a:pPr>
+            <a:r>
+              <a:rPr lang="en-US" sz="1600" dirty="0">
+                <a:latin typeface="Consolas"/>
+                <a:cs typeface="Consolas"/>
+              </a:rPr>
+              <a:t>}</a:t>
+            </a:r>
+          </a:p>
+        </p:txBody>
+      </p:sp>
+      <p:sp>
+        <p:nvSpPr>
+          <p:cNvPr id="11" name="Line Callout 2 10"/>
+          <p:cNvSpPr/>
+          <p:nvPr/>
+        </p:nvSpPr>
+        <p:spPr>
+          <a:xfrm>
+            <a:off x="7162800" y="990600"/>
+            <a:ext cx="1828800" cy="533400"/>
+          </a:xfrm>
+          <a:prstGeom prst="borderCallout2">
+            <a:avLst>
+              <a:gd name="adj1" fmla="val 22180"/>
+              <a:gd name="adj2" fmla="val -1475"/>
+              <a:gd name="adj3" fmla="val 35898"/>
+              <a:gd name="adj4" fmla="val -42385"/>
+              <a:gd name="adj5" fmla="val 163943"/>
+              <a:gd name="adj6" fmla="val -107533"/>
+            </a:avLst>
+          </a:prstGeom>
+          <a:solidFill>
+            <a:schemeClr val="tx2">
+              <a:lumMod val="75000"/>
+            </a:schemeClr>
+          </a:solidFill>
+          <a:ln>
+            <a:solidFill>
+              <a:schemeClr val="tx1">
+                <a:lumMod val="50000"/>
+                <a:lumOff val="50000"/>
+              </a:schemeClr>
+            </a:solidFill>
+          </a:ln>
+        </p:spPr>
+        <p:style>
+          <a:lnRef idx="1">
+            <a:schemeClr val="accent1"/>
+          </a:lnRef>
+          <a:fillRef idx="3">
+            <a:schemeClr val="accent1"/>
+          </a:fillRef>
+          <a:effectRef idx="2">
+            <a:schemeClr val="accent1"/>
+          </a:effectRef>
+          <a:fontRef idx="minor">
+            <a:schemeClr val="lt1"/>
+          </a:fontRef>
+        </p:style>
+        <p:txBody>
+          <a:bodyPr rtlCol="0" anchor="ctr"/>
+          <a:lstStyle/>
+          <a:p>
+            <a:pPr algn="ctr"/>
+            <a:r>
+              <a:rPr lang="en-US" dirty="0"/>
+              <a:t>Member Variable Scope</a:t>
+            </a:r>
+          </a:p>
+        </p:txBody>
+      </p:sp>
+      <p:sp>
+        <p:nvSpPr>
+          <p:cNvPr id="12" name="Line Callout 2 11"/>
+          <p:cNvSpPr/>
+          <p:nvPr/>
+        </p:nvSpPr>
+        <p:spPr>
+          <a:xfrm>
+            <a:off x="7467600" y="1828800"/>
+            <a:ext cx="1524000" cy="865160"/>
+          </a:xfrm>
+          <a:prstGeom prst="borderCallout2">
+            <a:avLst>
+              <a:gd name="adj1" fmla="val 22180"/>
+              <a:gd name="adj2" fmla="val -1475"/>
+              <a:gd name="adj3" fmla="val 26836"/>
+              <a:gd name="adj4" fmla="val -52673"/>
+              <a:gd name="adj5" fmla="val 140381"/>
+              <a:gd name="adj6" fmla="val -105477"/>
+            </a:avLst>
+          </a:prstGeom>
+          <a:solidFill>
+            <a:schemeClr val="tx2">
+              <a:lumMod val="75000"/>
+            </a:schemeClr>
+          </a:solidFill>
+          <a:ln>
+            <a:solidFill>
+              <a:schemeClr val="tx1">
+                <a:lumMod val="50000"/>
+                <a:lumOff val="50000"/>
+              </a:schemeClr>
+            </a:solidFill>
+          </a:ln>
+        </p:spPr>
+        <p:style>
+          <a:lnRef idx="1">
+            <a:schemeClr val="accent1"/>
+          </a:lnRef>
+          <a:fillRef idx="3">
+            <a:schemeClr val="accent1"/>
+          </a:fillRef>
+          <a:effectRef idx="2">
+            <a:schemeClr val="accent1"/>
+          </a:effectRef>
+          <a:fontRef idx="minor">
+            <a:schemeClr val="lt1"/>
+          </a:fontRef>
+        </p:style>
+        <p:txBody>
+          <a:bodyPr rtlCol="0" anchor="ctr"/>
+          <a:lstStyle/>
+          <a:p>
+            <a:pPr algn="ctr"/>
+            <a:r>
+              <a:rPr lang="en-US" dirty="0"/>
+              <a:t>Method Parameter Scope</a:t>
+            </a:r>
+          </a:p>
+        </p:txBody>
+      </p:sp>
+      <p:sp>
+        <p:nvSpPr>
+          <p:cNvPr id="13" name="Line Callout 2 12"/>
+          <p:cNvSpPr/>
+          <p:nvPr/>
+        </p:nvSpPr>
+        <p:spPr>
+          <a:xfrm>
+            <a:off x="7315200" y="3048000"/>
+            <a:ext cx="1828800" cy="533400"/>
+          </a:xfrm>
+          <a:prstGeom prst="borderCallout2">
+            <a:avLst>
+              <a:gd name="adj1" fmla="val 22180"/>
+              <a:gd name="adj2" fmla="val -1475"/>
+              <a:gd name="adj3" fmla="val 18260"/>
+              <a:gd name="adj4" fmla="val -26954"/>
+              <a:gd name="adj5" fmla="val 55178"/>
+              <a:gd name="adj6" fmla="val -53526"/>
+            </a:avLst>
+          </a:prstGeom>
+          <a:solidFill>
+            <a:schemeClr val="tx2">
+              <a:lumMod val="75000"/>
+            </a:schemeClr>
+          </a:solidFill>
+          <a:ln>
+            <a:solidFill>
+              <a:schemeClr val="tx1">
+                <a:lumMod val="50000"/>
+                <a:lumOff val="50000"/>
+              </a:schemeClr>
+            </a:solidFill>
+          </a:ln>
+        </p:spPr>
+        <p:style>
+          <a:lnRef idx="1">
+            <a:schemeClr val="accent1"/>
+          </a:lnRef>
+          <a:fillRef idx="3">
+            <a:schemeClr val="accent1"/>
+          </a:fillRef>
+          <a:effectRef idx="2">
+            <a:schemeClr val="accent1"/>
+          </a:effectRef>
+          <a:fontRef idx="minor">
+            <a:schemeClr val="lt1"/>
+          </a:fontRef>
+        </p:style>
+        <p:txBody>
+          <a:bodyPr rtlCol="0" anchor="ctr"/>
+          <a:lstStyle/>
+          <a:p>
+            <a:pPr algn="ctr"/>
+            <a:r>
+              <a:rPr lang="en-US" dirty="0"/>
+              <a:t>Local Variable Scope</a:t>
+            </a:r>
+          </a:p>
+        </p:txBody>
+      </p:sp>
+      <p:sp>
+        <p:nvSpPr>
+          <p:cNvPr id="14" name="Line Callout 2 13"/>
+          <p:cNvSpPr/>
+          <p:nvPr/>
+        </p:nvSpPr>
+        <p:spPr>
+          <a:xfrm>
+            <a:off x="7010400" y="4800600"/>
+            <a:ext cx="1828800" cy="457200"/>
+          </a:xfrm>
+          <a:prstGeom prst="borderCallout2">
+            <a:avLst>
+              <a:gd name="adj1" fmla="val 22180"/>
+              <a:gd name="adj2" fmla="val -1475"/>
+              <a:gd name="adj3" fmla="val 10177"/>
+              <a:gd name="adj4" fmla="val -38956"/>
+              <a:gd name="adj5" fmla="val -71961"/>
+              <a:gd name="adj6" fmla="val -82673"/>
+            </a:avLst>
+          </a:prstGeom>
+          <a:solidFill>
+            <a:schemeClr val="tx2">
+              <a:lumMod val="75000"/>
+            </a:schemeClr>
+          </a:solidFill>
+          <a:ln>
+            <a:solidFill>
+              <a:schemeClr val="tx1">
+                <a:lumMod val="50000"/>
+                <a:lumOff val="50000"/>
+              </a:schemeClr>
+            </a:solidFill>
+          </a:ln>
+        </p:spPr>
+        <p:style>
+          <a:lnRef idx="1">
+            <a:schemeClr val="accent1"/>
+          </a:lnRef>
+          <a:fillRef idx="3">
+            <a:schemeClr val="accent1"/>
+          </a:fillRef>
+          <a:effectRef idx="2">
+            <a:schemeClr val="accent1"/>
+          </a:effectRef>
+          <a:fontRef idx="minor">
+            <a:schemeClr val="lt1"/>
+          </a:fontRef>
+        </p:style>
+        <p:txBody>
+          <a:bodyPr rtlCol="0" anchor="ctr"/>
+          <a:lstStyle/>
+          <a:p>
+            <a:pPr algn="ctr"/>
+            <a:r>
+              <a:rPr lang="en-US" dirty="0"/>
+              <a:t>Block scope</a:t>
+            </a:r>
           </a:p>
         </p:txBody>
       </p:sp>
     </p:spTree>
     <p:extLst>
       <p:ext uri="{BB962C8B-B14F-4D97-AF65-F5344CB8AC3E}">
-        <p14:creationId xmlns:p14="http://schemas.microsoft.com/office/powerpoint/2010/main" val="2883654554"/>
+        <p14:creationId xmlns:p14="http://schemas.microsoft.com/office/powerpoint/2010/main" val="603142784"/>
       </p:ext>
     </p:extLst>
   </p:cSld>
@@ -6052,9 +9002,368 @@
   <p:timing>
     <p:tnLst>
       <p:par>
-        <p:cTn id="1" dur="indefinite" restart="never" nodeType="tmRoot"/>
+        <p:cTn id="1" dur="indefinite" restart="never" nodeType="tmRoot">
+          <p:childTnLst>
+            <p:seq concurrent="1" nextAc="seek">
+              <p:cTn id="2" dur="indefinite" nodeType="mainSeq">
+                <p:childTnLst>
+                  <p:par>
+                    <p:cTn id="3" fill="hold">
+                      <p:stCondLst>
+                        <p:cond delay="indefinite"/>
+                      </p:stCondLst>
+                      <p:childTnLst>
+                        <p:par>
+                          <p:cTn id="4" fill="hold">
+                            <p:stCondLst>
+                              <p:cond delay="0"/>
+                            </p:stCondLst>
+                            <p:childTnLst>
+                              <p:par>
+                                <p:cTn id="5" presetID="1" presetClass="entr" presetSubtype="0" fill="hold" grpId="0" nodeType="clickEffect">
+                                  <p:stCondLst>
+                                    <p:cond delay="0"/>
+                                  </p:stCondLst>
+                                  <p:childTnLst>
+                                    <p:set>
+                                      <p:cBhvr>
+                                        <p:cTn id="6" dur="1" fill="hold">
+                                          <p:stCondLst>
+                                            <p:cond delay="0"/>
+                                          </p:stCondLst>
+                                        </p:cTn>
+                                        <p:tgtEl>
+                                          <p:spTgt spid="7"/>
+                                        </p:tgtEl>
+                                        <p:attrNameLst>
+                                          <p:attrName>style.visibility</p:attrName>
+                                        </p:attrNameLst>
+                                      </p:cBhvr>
+                                      <p:to>
+                                        <p:strVal val="visible"/>
+                                      </p:to>
+                                    </p:set>
+                                  </p:childTnLst>
+                                </p:cTn>
+                              </p:par>
+                              <p:par>
+                                <p:cTn id="7" presetID="1" presetClass="entr" presetSubtype="0" fill="hold" grpId="0" nodeType="withEffect">
+                                  <p:stCondLst>
+                                    <p:cond delay="0"/>
+                                  </p:stCondLst>
+                                  <p:childTnLst>
+                                    <p:set>
+                                      <p:cBhvr>
+                                        <p:cTn id="8" dur="1" fill="hold">
+                                          <p:stCondLst>
+                                            <p:cond delay="0"/>
+                                          </p:stCondLst>
+                                        </p:cTn>
+                                        <p:tgtEl>
+                                          <p:spTgt spid="12"/>
+                                        </p:tgtEl>
+                                        <p:attrNameLst>
+                                          <p:attrName>style.visibility</p:attrName>
+                                        </p:attrNameLst>
+                                      </p:cBhvr>
+                                      <p:to>
+                                        <p:strVal val="visible"/>
+                                      </p:to>
+                                    </p:set>
+                                  </p:childTnLst>
+                                </p:cTn>
+                              </p:par>
+                            </p:childTnLst>
+                          </p:cTn>
+                        </p:par>
+                      </p:childTnLst>
+                    </p:cTn>
+                  </p:par>
+                  <p:par>
+                    <p:cTn id="9" fill="hold">
+                      <p:stCondLst>
+                        <p:cond delay="indefinite"/>
+                      </p:stCondLst>
+                      <p:childTnLst>
+                        <p:par>
+                          <p:cTn id="10" fill="hold">
+                            <p:stCondLst>
+                              <p:cond delay="0"/>
+                            </p:stCondLst>
+                            <p:childTnLst>
+                              <p:par>
+                                <p:cTn id="11" presetID="1" presetClass="entr" presetSubtype="0" fill="hold" grpId="0" nodeType="clickEffect">
+                                  <p:stCondLst>
+                                    <p:cond delay="0"/>
+                                  </p:stCondLst>
+                                  <p:childTnLst>
+                                    <p:set>
+                                      <p:cBhvr>
+                                        <p:cTn id="12" dur="1" fill="hold">
+                                          <p:stCondLst>
+                                            <p:cond delay="0"/>
+                                          </p:stCondLst>
+                                        </p:cTn>
+                                        <p:tgtEl>
+                                          <p:spTgt spid="8"/>
+                                        </p:tgtEl>
+                                        <p:attrNameLst>
+                                          <p:attrName>style.visibility</p:attrName>
+                                        </p:attrNameLst>
+                                      </p:cBhvr>
+                                      <p:to>
+                                        <p:strVal val="visible"/>
+                                      </p:to>
+                                    </p:set>
+                                  </p:childTnLst>
+                                </p:cTn>
+                              </p:par>
+                              <p:par>
+                                <p:cTn id="13" presetID="1" presetClass="entr" presetSubtype="0" fill="hold" grpId="0" nodeType="withEffect">
+                                  <p:stCondLst>
+                                    <p:cond delay="0"/>
+                                  </p:stCondLst>
+                                  <p:childTnLst>
+                                    <p:set>
+                                      <p:cBhvr>
+                                        <p:cTn id="14" dur="1" fill="hold">
+                                          <p:stCondLst>
+                                            <p:cond delay="0"/>
+                                          </p:stCondLst>
+                                        </p:cTn>
+                                        <p:tgtEl>
+                                          <p:spTgt spid="13"/>
+                                        </p:tgtEl>
+                                        <p:attrNameLst>
+                                          <p:attrName>style.visibility</p:attrName>
+                                        </p:attrNameLst>
+                                      </p:cBhvr>
+                                      <p:to>
+                                        <p:strVal val="visible"/>
+                                      </p:to>
+                                    </p:set>
+                                  </p:childTnLst>
+                                </p:cTn>
+                              </p:par>
+                            </p:childTnLst>
+                          </p:cTn>
+                        </p:par>
+                      </p:childTnLst>
+                    </p:cTn>
+                  </p:par>
+                  <p:par>
+                    <p:cTn id="15" fill="hold">
+                      <p:stCondLst>
+                        <p:cond delay="indefinite"/>
+                      </p:stCondLst>
+                      <p:childTnLst>
+                        <p:par>
+                          <p:cTn id="16" fill="hold">
+                            <p:stCondLst>
+                              <p:cond delay="0"/>
+                            </p:stCondLst>
+                            <p:childTnLst>
+                              <p:par>
+                                <p:cTn id="17" presetID="1" presetClass="entr" presetSubtype="0" fill="hold" grpId="0" nodeType="clickEffect">
+                                  <p:stCondLst>
+                                    <p:cond delay="0"/>
+                                  </p:stCondLst>
+                                  <p:childTnLst>
+                                    <p:set>
+                                      <p:cBhvr>
+                                        <p:cTn id="18" dur="1" fill="hold">
+                                          <p:stCondLst>
+                                            <p:cond delay="0"/>
+                                          </p:stCondLst>
+                                        </p:cTn>
+                                        <p:tgtEl>
+                                          <p:spTgt spid="9"/>
+                                        </p:tgtEl>
+                                        <p:attrNameLst>
+                                          <p:attrName>style.visibility</p:attrName>
+                                        </p:attrNameLst>
+                                      </p:cBhvr>
+                                      <p:to>
+                                        <p:strVal val="visible"/>
+                                      </p:to>
+                                    </p:set>
+                                  </p:childTnLst>
+                                </p:cTn>
+                              </p:par>
+                              <p:par>
+                                <p:cTn id="19" presetID="1" presetClass="entr" presetSubtype="0" fill="hold" grpId="0" nodeType="withEffect">
+                                  <p:stCondLst>
+                                    <p:cond delay="0"/>
+                                  </p:stCondLst>
+                                  <p:childTnLst>
+                                    <p:set>
+                                      <p:cBhvr>
+                                        <p:cTn id="20" dur="1" fill="hold">
+                                          <p:stCondLst>
+                                            <p:cond delay="0"/>
+                                          </p:stCondLst>
+                                        </p:cTn>
+                                        <p:tgtEl>
+                                          <p:spTgt spid="14"/>
+                                        </p:tgtEl>
+                                        <p:attrNameLst>
+                                          <p:attrName>style.visibility</p:attrName>
+                                        </p:attrNameLst>
+                                      </p:cBhvr>
+                                      <p:to>
+                                        <p:strVal val="visible"/>
+                                      </p:to>
+                                    </p:set>
+                                  </p:childTnLst>
+                                </p:cTn>
+                              </p:par>
+                            </p:childTnLst>
+                          </p:cTn>
+                        </p:par>
+                      </p:childTnLst>
+                    </p:cTn>
+                  </p:par>
+                  <p:par>
+                    <p:cTn id="21" fill="hold">
+                      <p:stCondLst>
+                        <p:cond delay="indefinite"/>
+                      </p:stCondLst>
+                      <p:childTnLst>
+                        <p:par>
+                          <p:cTn id="22" fill="hold">
+                            <p:stCondLst>
+                              <p:cond delay="0"/>
+                            </p:stCondLst>
+                            <p:childTnLst>
+                              <p:par>
+                                <p:cTn id="23" presetID="1" presetClass="entr" presetSubtype="0" fill="hold" grpId="0" nodeType="clickEffect">
+                                  <p:stCondLst>
+                                    <p:cond delay="0"/>
+                                  </p:stCondLst>
+                                  <p:childTnLst>
+                                    <p:set>
+                                      <p:cBhvr>
+                                        <p:cTn id="24" dur="1" fill="hold">
+                                          <p:stCondLst>
+                                            <p:cond delay="0"/>
+                                          </p:stCondLst>
+                                        </p:cTn>
+                                        <p:tgtEl>
+                                          <p:spTgt spid="2">
+                                            <p:txEl>
+                                              <p:pRg st="3" end="3"/>
+                                            </p:txEl>
+                                          </p:spTgt>
+                                        </p:tgtEl>
+                                        <p:attrNameLst>
+                                          <p:attrName>style.visibility</p:attrName>
+                                        </p:attrNameLst>
+                                      </p:cBhvr>
+                                      <p:to>
+                                        <p:strVal val="visible"/>
+                                      </p:to>
+                                    </p:set>
+                                  </p:childTnLst>
+                                </p:cTn>
+                              </p:par>
+                              <p:par>
+                                <p:cTn id="25" presetID="1" presetClass="entr" presetSubtype="0" fill="hold" grpId="0" nodeType="withEffect">
+                                  <p:stCondLst>
+                                    <p:cond delay="0"/>
+                                  </p:stCondLst>
+                                  <p:childTnLst>
+                                    <p:set>
+                                      <p:cBhvr>
+                                        <p:cTn id="26" dur="1" fill="hold">
+                                          <p:stCondLst>
+                                            <p:cond delay="0"/>
+                                          </p:stCondLst>
+                                        </p:cTn>
+                                        <p:tgtEl>
+                                          <p:spTgt spid="2">
+                                            <p:txEl>
+                                              <p:pRg st="4" end="4"/>
+                                            </p:txEl>
+                                          </p:spTgt>
+                                        </p:tgtEl>
+                                        <p:attrNameLst>
+                                          <p:attrName>style.visibility</p:attrName>
+                                        </p:attrNameLst>
+                                      </p:cBhvr>
+                                      <p:to>
+                                        <p:strVal val="visible"/>
+                                      </p:to>
+                                    </p:set>
+                                  </p:childTnLst>
+                                </p:cTn>
+                              </p:par>
+                              <p:par>
+                                <p:cTn id="27" presetID="1" presetClass="entr" presetSubtype="0" fill="hold" grpId="0" nodeType="withEffect">
+                                  <p:stCondLst>
+                                    <p:cond delay="0"/>
+                                  </p:stCondLst>
+                                  <p:childTnLst>
+                                    <p:set>
+                                      <p:cBhvr>
+                                        <p:cTn id="28" dur="1" fill="hold">
+                                          <p:stCondLst>
+                                            <p:cond delay="0"/>
+                                          </p:stCondLst>
+                                        </p:cTn>
+                                        <p:tgtEl>
+                                          <p:spTgt spid="2">
+                                            <p:txEl>
+                                              <p:pRg st="5" end="5"/>
+                                            </p:txEl>
+                                          </p:spTgt>
+                                        </p:tgtEl>
+                                        <p:attrNameLst>
+                                          <p:attrName>style.visibility</p:attrName>
+                                        </p:attrNameLst>
+                                      </p:cBhvr>
+                                      <p:to>
+                                        <p:strVal val="visible"/>
+                                      </p:to>
+                                    </p:set>
+                                  </p:childTnLst>
+                                </p:cTn>
+                              </p:par>
+                            </p:childTnLst>
+                          </p:cTn>
+                        </p:par>
+                      </p:childTnLst>
+                    </p:cTn>
+                  </p:par>
+                </p:childTnLst>
+              </p:cTn>
+              <p:prevCondLst>
+                <p:cond evt="onPrev" delay="0">
+                  <p:tgtEl>
+                    <p:sldTgt/>
+                  </p:tgtEl>
+                </p:cond>
+              </p:prevCondLst>
+              <p:nextCondLst>
+                <p:cond evt="onNext" delay="0">
+                  <p:tgtEl>
+                    <p:sldTgt/>
+                  </p:tgtEl>
+                </p:cond>
+              </p:nextCondLst>
+            </p:seq>
+          </p:childTnLst>
+        </p:cTn>
       </p:par>
     </p:tnLst>
+    <p:bldLst>
+      <p:bldP spid="2" grpId="0" build="p"/>
+      <p:bldP spid="7" grpId="0" animBg="1"/>
+      <p:bldP spid="8" grpId="0" animBg="1"/>
+      <p:bldP spid="9" grpId="0" animBg="1"/>
+      <p:bldP spid="12" grpId="0" animBg="1"/>
+      <p:bldP spid="13" grpId="0" animBg="1"/>
+      <p:bldP spid="14" grpId="0" animBg="1"/>
+    </p:bldLst>
   </p:timing>
 </p:sld>
 </file>
@@ -6078,7 +9387,7 @@
       </p:grpSpPr>
       <p:sp>
         <p:nvSpPr>
-          <p:cNvPr id="2" name="Title 1"/>
+          <p:cNvPr id="3" name="Title 2"/>
           <p:cNvSpPr>
             <a:spLocks noGrp="1"/>
           </p:cNvSpPr>
@@ -6086,101 +9395,387 @@
             <p:ph type="title"/>
           </p:nvPr>
         </p:nvSpPr>
-        <p:spPr/>
+        <p:spPr>
+          <a:xfrm>
+            <a:off x="457200" y="0"/>
+            <a:ext cx="8229600" cy="868362"/>
+          </a:xfrm>
+        </p:spPr>
         <p:txBody>
           <a:bodyPr>
             <a:normAutofit/>
           </a:bodyPr>
           <a:lstStyle/>
           <a:p>
-            <a:r>
-              <a:rPr lang="en-US" dirty="0" smtClean="0"/>
-              <a:t>Unit Tests (as done in CSSE120)</a:t>
-            </a:r>
-            <a:endParaRPr lang="en-US" dirty="0"/>
-          </a:p>
-        </p:txBody>
-      </p:sp>
-      <p:sp>
-        <p:nvSpPr>
-          <p:cNvPr id="3" name="Content Placeholder 2"/>
-          <p:cNvSpPr>
-            <a:spLocks noGrp="1"/>
-          </p:cNvSpPr>
-          <p:nvPr>
-            <p:ph idx="1"/>
-          </p:nvPr>
-        </p:nvSpPr>
-        <p:spPr/>
+            <a:pPr>
+              <a:defRPr/>
+            </a:pPr>
+            <a:r>
+              <a:rPr lang="en-US" dirty="0"/>
+              <a:t>Overlapping Scope and Shadowing</a:t>
+            </a:r>
+          </a:p>
+        </p:txBody>
+      </p:sp>
+      <p:sp>
+        <p:nvSpPr>
+          <p:cNvPr id="4" name="TextBox 3"/>
+          <p:cNvSpPr txBox="1"/>
+          <p:nvPr/>
+        </p:nvSpPr>
+        <p:spPr>
+          <a:xfrm>
+            <a:off x="685800" y="1219200"/>
+            <a:ext cx="7620000" cy="3416300"/>
+          </a:xfrm>
+          <a:prstGeom prst="rect">
+            <a:avLst/>
+          </a:prstGeom>
+          <a:noFill/>
+        </p:spPr>
         <p:txBody>
           <a:bodyPr>
-            <a:normAutofit lnSpcReduction="10000"/>
+            <a:spAutoFit/>
           </a:bodyPr>
           <a:lstStyle/>
           <a:p>
-            <a:pPr marL="514350" indent="-514350">
-              <a:buFont typeface="+mj-lt"/>
-              <a:buAutoNum type="arabicPeriod"/>
-            </a:pPr>
-            <a:r>
-              <a:rPr lang="en-US" dirty="0" smtClean="0"/>
-              <a:t>Construct one or more objects of the class that is being tested</a:t>
-            </a:r>
-          </a:p>
-          <a:p>
-            <a:pPr marL="514350" indent="-514350">
-              <a:buFont typeface="+mj-lt"/>
-              <a:buAutoNum type="arabicPeriod"/>
-            </a:pPr>
-            <a:r>
-              <a:rPr lang="en-US" dirty="0" smtClean="0"/>
-              <a:t>Invoke one or more methods</a:t>
-            </a:r>
-          </a:p>
-          <a:p>
-            <a:pPr marL="514350" indent="-514350">
-              <a:buFont typeface="+mj-lt"/>
-              <a:buAutoNum type="arabicPeriod"/>
-            </a:pPr>
-            <a:r>
-              <a:rPr lang="en-US" dirty="0" smtClean="0"/>
-              <a:t>Print out one or more results</a:t>
-            </a:r>
-          </a:p>
-          <a:p>
-            <a:pPr marL="514350" indent="-514350">
-              <a:buFont typeface="+mj-lt"/>
-              <a:buAutoNum type="arabicPeriod"/>
-            </a:pPr>
-            <a:r>
-              <a:rPr lang="en-US" dirty="0" smtClean="0"/>
-              <a:t>Print the expected results</a:t>
-            </a:r>
-          </a:p>
-          <a:p>
-            <a:pPr marL="514350" indent="-514350">
-              <a:buFont typeface="+mj-lt"/>
-              <a:buAutoNum type="arabicPeriod"/>
-            </a:pPr>
-            <a:r>
-              <a:rPr lang="en-US" dirty="0" smtClean="0"/>
-              <a:t>Do 3 and 4 match?</a:t>
-            </a:r>
-          </a:p>
-          <a:p>
-            <a:pPr marL="514350" indent="-514350">
-              <a:buFont typeface="+mj-lt"/>
-              <a:buAutoNum type="arabicPeriod"/>
-            </a:pPr>
-            <a:endParaRPr lang="en-US" dirty="0"/>
-          </a:p>
-          <a:p>
-            <a:pPr marL="0" indent="0">
-              <a:buNone/>
-            </a:pPr>
-            <a:r>
-              <a:rPr lang="en-US" i="1" dirty="0" smtClean="0"/>
-              <a:t>(Pages 102-103 in book)</a:t>
+            <a:pPr>
+              <a:defRPr/>
+            </a:pPr>
+            <a:r>
+              <a:rPr lang="en-US" sz="2400" b="1" dirty="0">
+                <a:solidFill>
+                  <a:srgbClr val="0070C0"/>
+                </a:solidFill>
+                <a:latin typeface="Consolas" pitchFamily="49" charset="0"/>
+              </a:rPr>
+              <a:t>public class </a:t>
+            </a:r>
+            <a:r>
+              <a:rPr lang="en-US" sz="2400" b="1" dirty="0" err="1">
+                <a:solidFill>
+                  <a:srgbClr val="0070C0"/>
+                </a:solidFill>
+                <a:latin typeface="Consolas" pitchFamily="49" charset="0"/>
+              </a:rPr>
+              <a:t>TempReading</a:t>
+            </a:r>
+            <a:r>
+              <a:rPr lang="en-US" sz="2400" b="1" dirty="0">
+                <a:solidFill>
+                  <a:srgbClr val="0070C0"/>
+                </a:solidFill>
+                <a:latin typeface="Consolas" pitchFamily="49" charset="0"/>
+              </a:rPr>
+              <a:t> {</a:t>
+            </a:r>
+          </a:p>
+          <a:p>
+            <a:pPr>
+              <a:defRPr/>
+            </a:pPr>
+            <a:r>
+              <a:rPr lang="en-US" sz="2400" b="1" dirty="0">
+                <a:solidFill>
+                  <a:srgbClr val="0070C0"/>
+                </a:solidFill>
+                <a:latin typeface="Consolas" pitchFamily="49" charset="0"/>
+              </a:rPr>
+              <a:t>	private double temp;</a:t>
+            </a:r>
+          </a:p>
+          <a:p>
+            <a:pPr>
+              <a:defRPr/>
+            </a:pPr>
+            <a:r>
+              <a:rPr lang="en-US" sz="2400" b="1" dirty="0">
+                <a:solidFill>
+                  <a:srgbClr val="0070C0"/>
+                </a:solidFill>
+                <a:latin typeface="Consolas" pitchFamily="49" charset="0"/>
+              </a:rPr>
+              <a:t>	</a:t>
+            </a:r>
+          </a:p>
+          <a:p>
+            <a:pPr>
+              <a:defRPr/>
+            </a:pPr>
+            <a:r>
+              <a:rPr lang="en-US" sz="2400" b="1" dirty="0">
+                <a:solidFill>
+                  <a:srgbClr val="0070C0"/>
+                </a:solidFill>
+                <a:latin typeface="Consolas" pitchFamily="49" charset="0"/>
+              </a:rPr>
+              <a:t>	public void </a:t>
+            </a:r>
+            <a:r>
+              <a:rPr lang="en-US" sz="2400" b="1" dirty="0" err="1">
+                <a:solidFill>
+                  <a:srgbClr val="0070C0"/>
+                </a:solidFill>
+                <a:latin typeface="Consolas" pitchFamily="49" charset="0"/>
+              </a:rPr>
+              <a:t>setTemp</a:t>
+            </a:r>
+            <a:r>
+              <a:rPr lang="en-US" sz="2400" b="1" dirty="0">
+                <a:solidFill>
+                  <a:srgbClr val="0070C0"/>
+                </a:solidFill>
+                <a:latin typeface="Consolas" pitchFamily="49" charset="0"/>
+              </a:rPr>
+              <a:t>(double temp) {</a:t>
+            </a:r>
+          </a:p>
+          <a:p>
+            <a:pPr>
+              <a:defRPr/>
+            </a:pPr>
+            <a:r>
+              <a:rPr lang="en-US" sz="2400" b="1" dirty="0">
+                <a:solidFill>
+                  <a:srgbClr val="0070C0"/>
+                </a:solidFill>
+                <a:latin typeface="Consolas" pitchFamily="49" charset="0"/>
+              </a:rPr>
+              <a:t>		   …  temp …</a:t>
+            </a:r>
+          </a:p>
+          <a:p>
+            <a:pPr>
+              <a:defRPr/>
+            </a:pPr>
+            <a:r>
+              <a:rPr lang="en-US" sz="2400" b="1" dirty="0">
+                <a:solidFill>
+                  <a:srgbClr val="0070C0"/>
+                </a:solidFill>
+                <a:latin typeface="Consolas" pitchFamily="49" charset="0"/>
+              </a:rPr>
+              <a:t/>
+            </a:r>
+            <a:br>
+              <a:rPr lang="en-US" sz="2400" b="1" dirty="0">
+                <a:solidFill>
+                  <a:srgbClr val="0070C0"/>
+                </a:solidFill>
+                <a:latin typeface="Consolas" pitchFamily="49" charset="0"/>
+              </a:rPr>
+            </a:br>
+            <a:r>
+              <a:rPr lang="en-US" sz="2400" b="1" dirty="0">
+                <a:solidFill>
+                  <a:srgbClr val="0070C0"/>
+                </a:solidFill>
+                <a:latin typeface="Consolas" pitchFamily="49" charset="0"/>
+              </a:rPr>
+              <a:t>	}</a:t>
+            </a:r>
+          </a:p>
+          <a:p>
+            <a:pPr>
+              <a:defRPr/>
+            </a:pPr>
+            <a:r>
+              <a:rPr lang="en-US" sz="2400" b="1" dirty="0">
+                <a:solidFill>
+                  <a:srgbClr val="0070C0"/>
+                </a:solidFill>
+                <a:latin typeface="Consolas" pitchFamily="49" charset="0"/>
+              </a:rPr>
+              <a:t>	// …</a:t>
+            </a:r>
+          </a:p>
+          <a:p>
+            <a:pPr>
+              <a:defRPr/>
+            </a:pPr>
+            <a:r>
+              <a:rPr lang="en-US" sz="2400" b="1" dirty="0">
+                <a:solidFill>
+                  <a:srgbClr val="0070C0"/>
+                </a:solidFill>
+                <a:latin typeface="Consolas" pitchFamily="49" charset="0"/>
+              </a:rPr>
+              <a:t>}</a:t>
+            </a:r>
+          </a:p>
+        </p:txBody>
+      </p:sp>
+      <p:sp>
+        <p:nvSpPr>
+          <p:cNvPr id="5" name="TextBox 4"/>
+          <p:cNvSpPr txBox="1"/>
+          <p:nvPr/>
+        </p:nvSpPr>
+        <p:spPr>
+          <a:xfrm>
+            <a:off x="838200" y="2743200"/>
+            <a:ext cx="7620000" cy="461963"/>
+          </a:xfrm>
+          <a:prstGeom prst="rect">
+            <a:avLst/>
+          </a:prstGeom>
+          <a:solidFill>
+            <a:schemeClr val="bg1"/>
+          </a:solidFill>
+        </p:spPr>
+        <p:txBody>
+          <a:bodyPr>
+            <a:spAutoFit/>
+          </a:bodyPr>
+          <a:lstStyle/>
+          <a:p>
+            <a:pPr>
+              <a:defRPr/>
+            </a:pPr>
+            <a:r>
+              <a:rPr lang="en-US" sz="2400" b="1" dirty="0">
+                <a:solidFill>
+                  <a:schemeClr val="accent3"/>
+                </a:solidFill>
+                <a:latin typeface="Consolas" pitchFamily="49" charset="0"/>
+              </a:rPr>
+              <a:t>		</a:t>
+            </a:r>
+            <a:r>
+              <a:rPr lang="en-US" sz="2400" b="1" dirty="0" err="1">
+                <a:solidFill>
+                  <a:srgbClr val="0070C0"/>
+                </a:solidFill>
+                <a:latin typeface="Consolas" pitchFamily="49" charset="0"/>
+              </a:rPr>
+              <a:t>this.temp</a:t>
+            </a:r>
+            <a:r>
+              <a:rPr lang="en-US" sz="2400" b="1" dirty="0">
+                <a:solidFill>
+                  <a:srgbClr val="0070C0"/>
+                </a:solidFill>
+                <a:latin typeface="Consolas" pitchFamily="49" charset="0"/>
+              </a:rPr>
+              <a:t> = temp;</a:t>
+            </a:r>
+          </a:p>
+        </p:txBody>
+      </p:sp>
+      <p:sp>
+        <p:nvSpPr>
+          <p:cNvPr id="6" name="Line Callout 2 5"/>
+          <p:cNvSpPr/>
+          <p:nvPr/>
+        </p:nvSpPr>
+        <p:spPr>
+          <a:xfrm>
+            <a:off x="6019800" y="3733800"/>
+            <a:ext cx="2362200" cy="1525588"/>
+          </a:xfrm>
+          <a:prstGeom prst="borderCallout2">
+            <a:avLst>
+              <a:gd name="adj1" fmla="val 18750"/>
+              <a:gd name="adj2" fmla="val -8333"/>
+              <a:gd name="adj3" fmla="val 18750"/>
+              <a:gd name="adj4" fmla="val -16667"/>
+              <a:gd name="adj5" fmla="val -38925"/>
+              <a:gd name="adj6" fmla="val -66350"/>
+            </a:avLst>
+          </a:prstGeom>
+          <a:solidFill>
+            <a:srgbClr val="002060"/>
+          </a:solidFill>
+          <a:ln>
+            <a:solidFill>
+              <a:srgbClr val="002060"/>
+            </a:solidFill>
+          </a:ln>
+        </p:spPr>
+        <p:style>
+          <a:lnRef idx="2">
+            <a:schemeClr val="accent1">
+              <a:shade val="50000"/>
+            </a:schemeClr>
+          </a:lnRef>
+          <a:fillRef idx="1">
+            <a:schemeClr val="accent1"/>
+          </a:fillRef>
+          <a:effectRef idx="0">
+            <a:schemeClr val="accent1"/>
+          </a:effectRef>
+          <a:fontRef idx="minor">
+            <a:schemeClr val="lt1"/>
+          </a:fontRef>
+        </p:style>
+        <p:txBody>
+          <a:bodyPr anchor="ctr"/>
+          <a:lstStyle/>
+          <a:p>
+            <a:pPr algn="ctr">
+              <a:defRPr/>
+            </a:pPr>
+            <a:r>
+              <a:rPr lang="en-US" sz="2400" dirty="0"/>
+              <a:t>What does this “temp” refer to?</a:t>
+            </a:r>
+          </a:p>
+        </p:txBody>
+      </p:sp>
+      <p:sp>
+        <p:nvSpPr>
+          <p:cNvPr id="8" name="Rounded Rectangle 7"/>
+          <p:cNvSpPr/>
+          <p:nvPr/>
+        </p:nvSpPr>
+        <p:spPr>
+          <a:xfrm>
+            <a:off x="304800" y="5245100"/>
+            <a:ext cx="5181600" cy="1536700"/>
+          </a:xfrm>
+          <a:prstGeom prst="roundRect">
+            <a:avLst/>
+          </a:prstGeom>
+        </p:spPr>
+        <p:style>
+          <a:lnRef idx="2">
+            <a:schemeClr val="accent4">
+              <a:shade val="50000"/>
+            </a:schemeClr>
+          </a:lnRef>
+          <a:fillRef idx="1">
+            <a:schemeClr val="accent4"/>
+          </a:fillRef>
+          <a:effectRef idx="0">
+            <a:schemeClr val="accent4"/>
+          </a:effectRef>
+          <a:fontRef idx="minor">
+            <a:schemeClr val="lt1"/>
+          </a:fontRef>
+        </p:style>
+        <p:txBody>
+          <a:bodyPr anchor="ctr"/>
+          <a:lstStyle/>
+          <a:p>
+            <a:pPr algn="ctr">
+              <a:defRPr/>
+            </a:pPr>
+            <a:r>
+              <a:rPr lang="en-US" sz="2400" dirty="0"/>
+              <a:t>Always qualify field references with </a:t>
+            </a:r>
+            <a:r>
+              <a:rPr lang="en-US" sz="2400" b="1" dirty="0">
+                <a:solidFill>
+                  <a:schemeClr val="accent3"/>
+                </a:solidFill>
+                <a:latin typeface="Consolas" pitchFamily="49" charset="0"/>
+              </a:rPr>
+              <a:t>this</a:t>
+            </a:r>
+            <a:r>
+              <a:rPr lang="en-US" sz="2400" dirty="0"/>
+              <a:t>.  It prevents accidental shadowing.</a:t>
             </a:r>
           </a:p>
         </p:txBody>
@@ -6188,7 +9783,7 @@
     </p:spTree>
     <p:extLst>
       <p:ext uri="{BB962C8B-B14F-4D97-AF65-F5344CB8AC3E}">
-        <p14:creationId xmlns:p14="http://schemas.microsoft.com/office/powerpoint/2010/main" val="3212822232"/>
+        <p14:creationId xmlns:p14="http://schemas.microsoft.com/office/powerpoint/2010/main" val="752281319"/>
       </p:ext>
     </p:extLst>
   </p:cSld>
@@ -6198,9 +9793,126 @@
   <p:timing>
     <p:tnLst>
       <p:par>
-        <p:cTn id="1" dur="indefinite" restart="never" nodeType="tmRoot"/>
+        <p:cTn id="1" dur="indefinite" restart="never" nodeType="tmRoot">
+          <p:childTnLst>
+            <p:seq concurrent="1" nextAc="seek">
+              <p:cTn id="2" dur="indefinite" nodeType="mainSeq">
+                <p:childTnLst>
+                  <p:par>
+                    <p:cTn id="3" fill="hold" nodeType="clickPar">
+                      <p:stCondLst>
+                        <p:cond delay="indefinite"/>
+                      </p:stCondLst>
+                      <p:childTnLst>
+                        <p:par>
+                          <p:cTn id="4" fill="hold" nodeType="withGroup">
+                            <p:stCondLst>
+                              <p:cond delay="0"/>
+                            </p:stCondLst>
+                            <p:childTnLst>
+                              <p:par>
+                                <p:cTn id="5" presetID="1" presetClass="entr" presetSubtype="0" fill="hold" grpId="0" nodeType="clickEffect">
+                                  <p:stCondLst>
+                                    <p:cond delay="0"/>
+                                  </p:stCondLst>
+                                  <p:childTnLst>
+                                    <p:set>
+                                      <p:cBhvr>
+                                        <p:cTn id="6" dur="1" fill="hold">
+                                          <p:stCondLst>
+                                            <p:cond delay="0"/>
+                                          </p:stCondLst>
+                                        </p:cTn>
+                                        <p:tgtEl>
+                                          <p:spTgt spid="5"/>
+                                        </p:tgtEl>
+                                        <p:attrNameLst>
+                                          <p:attrName>style.visibility</p:attrName>
+                                        </p:attrNameLst>
+                                      </p:cBhvr>
+                                      <p:to>
+                                        <p:strVal val="visible"/>
+                                      </p:to>
+                                    </p:set>
+                                  </p:childTnLst>
+                                </p:cTn>
+                              </p:par>
+                            </p:childTnLst>
+                          </p:cTn>
+                        </p:par>
+                      </p:childTnLst>
+                    </p:cTn>
+                  </p:par>
+                  <p:par>
+                    <p:cTn id="7" fill="hold" nodeType="clickPar">
+                      <p:stCondLst>
+                        <p:cond delay="indefinite"/>
+                      </p:stCondLst>
+                      <p:childTnLst>
+                        <p:par>
+                          <p:cTn id="8" fill="hold" nodeType="withGroup">
+                            <p:stCondLst>
+                              <p:cond delay="0"/>
+                            </p:stCondLst>
+                            <p:childTnLst>
+                              <p:par>
+                                <p:cTn id="9" presetID="1" presetClass="entr" presetSubtype="0" fill="hold" grpId="0" nodeType="clickEffect">
+                                  <p:stCondLst>
+                                    <p:cond delay="0"/>
+                                  </p:stCondLst>
+                                  <p:childTnLst>
+                                    <p:set>
+                                      <p:cBhvr>
+                                        <p:cTn id="10" dur="1" fill="hold">
+                                          <p:stCondLst>
+                                            <p:cond delay="0"/>
+                                          </p:stCondLst>
+                                        </p:cTn>
+                                        <p:tgtEl>
+                                          <p:spTgt spid="8"/>
+                                        </p:tgtEl>
+                                        <p:attrNameLst>
+                                          <p:attrName>style.visibility</p:attrName>
+                                        </p:attrNameLst>
+                                      </p:cBhvr>
+                                      <p:to>
+                                        <p:strVal val="visible"/>
+                                      </p:to>
+                                    </p:set>
+                                  </p:childTnLst>
+                                </p:cTn>
+                              </p:par>
+                            </p:childTnLst>
+                          </p:cTn>
+                        </p:par>
+                      </p:childTnLst>
+                    </p:cTn>
+                  </p:par>
+                </p:childTnLst>
+              </p:cTn>
+              <p:prevCondLst>
+                <p:cond evt="onPrev" delay="0">
+                  <p:tgtEl>
+                    <p:sldTgt/>
+                  </p:tgtEl>
+                </p:cond>
+              </p:prevCondLst>
+              <p:nextCondLst>
+                <p:cond evt="onNext" delay="0">
+                  <p:tgtEl>
+                    <p:sldTgt/>
+                  </p:tgtEl>
+                </p:cond>
+              </p:nextCondLst>
+            </p:seq>
+          </p:childTnLst>
+        </p:cTn>
       </p:par>
     </p:tnLst>
+    <p:bldLst>
+      <p:bldP spid="5" grpId="0" animBg="1"/>
+      <p:bldP spid="8" grpId="0" animBg="1"/>
+    </p:bldLst>
   </p:timing>
 </p:sld>
 </file>
@@ -6235,98 +9947,114 @@
         <p:spPr/>
         <p:txBody>
           <a:bodyPr>
-            <a:normAutofit/>
+            <a:normAutofit fontScale="90000"/>
           </a:bodyPr>
           <a:lstStyle/>
           <a:p>
             <a:r>
+              <a:rPr lang="en-US" dirty="0"/>
+              <a:t>Global/Static Variables are bad, why? </a:t>
+            </a:r>
+          </a:p>
+        </p:txBody>
+      </p:sp>
+      <p:sp>
+        <p:nvSpPr>
+          <p:cNvPr id="3" name="Content Placeholder 2"/>
+          <p:cNvSpPr>
+            <a:spLocks noGrp="1"/>
+          </p:cNvSpPr>
+          <p:nvPr>
+            <p:ph idx="1"/>
+          </p:nvPr>
+        </p:nvSpPr>
+        <p:spPr>
+          <a:xfrm>
+            <a:off x="457200" y="1600201"/>
+            <a:ext cx="8229600" cy="838200"/>
+          </a:xfrm>
+        </p:spPr>
+        <p:txBody>
+          <a:bodyPr/>
+          <a:lstStyle/>
+          <a:p>
+            <a:r>
               <a:rPr lang="en-US" dirty="0" smtClean="0"/>
-              <a:t>Why JUnit?</a:t>
+              <a:t>What if </a:t>
+            </a:r>
+            <a:r>
+              <a:rPr lang="en-US" dirty="0" err="1" smtClean="0"/>
+              <a:t>planetColor</a:t>
+            </a:r>
+            <a:r>
+              <a:rPr lang="en-US" dirty="0" smtClean="0"/>
+              <a:t>, </a:t>
+            </a:r>
+            <a:r>
+              <a:rPr lang="en-US" dirty="0" err="1" smtClean="0"/>
+              <a:t>moonColor</a:t>
+            </a:r>
+            <a:r>
+              <a:rPr lang="en-US" dirty="0" smtClean="0"/>
+              <a:t> were static?</a:t>
             </a:r>
             <a:endParaRPr lang="en-US" dirty="0"/>
           </a:p>
         </p:txBody>
       </p:sp>
-      <p:sp>
-        <p:nvSpPr>
-          <p:cNvPr id="3" name="Content Placeholder 2"/>
-          <p:cNvSpPr>
-            <a:spLocks noGrp="1"/>
-          </p:cNvSpPr>
-          <p:nvPr>
-            <p:ph idx="1"/>
-          </p:nvPr>
-        </p:nvSpPr>
-        <p:spPr/>
-        <p:txBody>
-          <a:bodyPr/>
-          <a:lstStyle/>
-          <a:p>
-            <a:r>
-              <a:rPr lang="en-US" dirty="0" smtClean="0"/>
-              <a:t>Provides a Framework</a:t>
-            </a:r>
-          </a:p>
-          <a:p>
-            <a:pPr lvl="1"/>
-            <a:r>
-              <a:rPr lang="en-US" dirty="0" smtClean="0"/>
-              <a:t>Framework: Collection of classes to be used by another program</a:t>
-            </a:r>
-          </a:p>
-          <a:p>
-            <a:r>
-              <a:rPr lang="en-US" dirty="0" smtClean="0"/>
-              <a:t>Provides easy-to-read output in Eclipse</a:t>
-            </a:r>
-          </a:p>
-          <a:p>
-            <a:r>
-              <a:rPr lang="en-US" dirty="0" smtClean="0"/>
-              <a:t>Prints require you to analyze all lines</a:t>
-            </a:r>
-          </a:p>
-          <a:p>
-            <a:pPr lvl="1"/>
-            <a:r>
-              <a:rPr lang="en-US" dirty="0" smtClean="0"/>
-              <a:t>What if it scrolls off the page?</a:t>
-            </a:r>
-          </a:p>
-          <a:p>
-            <a:pPr lvl="1"/>
-            <a:r>
-              <a:rPr lang="en-US" dirty="0" smtClean="0"/>
-              <a:t>What if it’s only 1 character different?</a:t>
-            </a:r>
-          </a:p>
-          <a:p>
-            <a:pPr lvl="1"/>
-            <a:endParaRPr lang="en-US" dirty="0" smtClean="0"/>
-          </a:p>
-          <a:p>
-            <a:pPr lvl="1"/>
-            <a:endParaRPr lang="en-US" dirty="0"/>
-          </a:p>
-        </p:txBody>
-      </p:sp>
+      <p:pic>
+        <p:nvPicPr>
+          <p:cNvPr id="4" name="Picture 2" descr="https://lh5.googleusercontent.com/4Zh1obmGMUi5dyIjrssGfxKS0wlNTIhXo1V7RdyBGTC2sVbsow_WmY3nyTDaq_8qkKm2xOaDvUIWh31oesuyL0SCjqdNKHCg2qaQDaPYaaaTvPF5j2LksOO0RmxqTv8UEXUlYHLn">
+            <a:hlinkClick r:id="rId3"/>
+          </p:cNvPr>
+          <p:cNvPicPr>
+            <a:picLocks noChangeAspect="1" noChangeArrowheads="1"/>
+          </p:cNvPicPr>
+          <p:nvPr/>
+        </p:nvPicPr>
+        <p:blipFill>
+          <a:blip r:embed="rId4">
+            <a:extLst>
+              <a:ext uri="{28A0092B-C50C-407E-A947-70E740481C1C}">
+                <a14:useLocalDpi xmlns:a14="http://schemas.microsoft.com/office/drawing/2010/main" val="0"/>
+              </a:ext>
+            </a:extLst>
+          </a:blip>
+          <a:srcRect/>
+          <a:stretch>
+            <a:fillRect/>
+          </a:stretch>
+        </p:blipFill>
+        <p:spPr bwMode="auto">
+          <a:xfrm>
+            <a:off x="168618" y="2635478"/>
+            <a:ext cx="8806764" cy="3571874"/>
+          </a:xfrm>
+          <a:prstGeom prst="rect">
+            <a:avLst/>
+          </a:prstGeom>
+          <a:noFill/>
+          <a:extLst>
+            <a:ext uri="{909E8E84-426E-40DD-AFC4-6F175D3DCCD1}">
+              <a14:hiddenFill xmlns:a14="http://schemas.microsoft.com/office/drawing/2010/main">
+                <a:solidFill>
+                  <a:srgbClr val="FFFFFF"/>
+                </a:solidFill>
+              </a14:hiddenFill>
+            </a:ext>
+          </a:extLst>
+        </p:spPr>
+      </p:pic>
     </p:spTree>
     <p:extLst>
       <p:ext uri="{BB962C8B-B14F-4D97-AF65-F5344CB8AC3E}">
-        <p14:creationId xmlns:p14="http://schemas.microsoft.com/office/powerpoint/2010/main" val="4261172324"/>
+        <p14:creationId xmlns:p14="http://schemas.microsoft.com/office/powerpoint/2010/main" val="3490565080"/>
       </p:ext>
     </p:extLst>
   </p:cSld>
   <p:clrMapOvr>
     <a:masterClrMapping/>
   </p:clrMapOvr>
-  <p:timing>
-    <p:tnLst>
-      <p:par>
-        <p:cTn id="1" dur="indefinite" restart="never" nodeType="tmRoot"/>
-      </p:par>
-    </p:tnLst>
-  </p:timing>
 </p:sld>
 </file>
 

--- a/ClassMaterials/IntroToUnitTesting/Slides/UnitTesting.pptx
+++ b/ClassMaterials/IntroToUnitTesting/Slides/UnitTesting.pptx
@@ -5,10 +5,10 @@
     <p:sldMasterId id="2147483927" r:id="rId1"/>
   </p:sldMasterIdLst>
   <p:notesMasterIdLst>
-    <p:notesMasterId r:id="rId21"/>
+    <p:notesMasterId r:id="rId24"/>
   </p:notesMasterIdLst>
   <p:handoutMasterIdLst>
-    <p:handoutMasterId r:id="rId22"/>
+    <p:handoutMasterId r:id="rId25"/>
   </p:handoutMasterIdLst>
   <p:sldIdLst>
     <p:sldId id="256" r:id="rId2"/>
@@ -17,19 +17,22 @@
     <p:sldId id="294" r:id="rId5"/>
     <p:sldId id="295" r:id="rId6"/>
     <p:sldId id="296" r:id="rId7"/>
-    <p:sldId id="297" r:id="rId8"/>
-    <p:sldId id="298" r:id="rId9"/>
-    <p:sldId id="299" r:id="rId10"/>
-    <p:sldId id="285" r:id="rId11"/>
-    <p:sldId id="278" r:id="rId12"/>
-    <p:sldId id="287" r:id="rId13"/>
-    <p:sldId id="291" r:id="rId14"/>
-    <p:sldId id="288" r:id="rId15"/>
-    <p:sldId id="292" r:id="rId16"/>
-    <p:sldId id="289" r:id="rId17"/>
-    <p:sldId id="290" r:id="rId18"/>
-    <p:sldId id="300" r:id="rId19"/>
-    <p:sldId id="286" r:id="rId20"/>
+    <p:sldId id="301" r:id="rId8"/>
+    <p:sldId id="297" r:id="rId9"/>
+    <p:sldId id="298" r:id="rId10"/>
+    <p:sldId id="302" r:id="rId11"/>
+    <p:sldId id="303" r:id="rId12"/>
+    <p:sldId id="285" r:id="rId13"/>
+    <p:sldId id="278" r:id="rId14"/>
+    <p:sldId id="287" r:id="rId15"/>
+    <p:sldId id="291" r:id="rId16"/>
+    <p:sldId id="288" r:id="rId17"/>
+    <p:sldId id="292" r:id="rId18"/>
+    <p:sldId id="289" r:id="rId19"/>
+    <p:sldId id="304" r:id="rId20"/>
+    <p:sldId id="290" r:id="rId21"/>
+    <p:sldId id="300" r:id="rId22"/>
+    <p:sldId id="286" r:id="rId23"/>
   </p:sldIdLst>
   <p:sldSz cx="9144000" cy="6858000" type="screen4x3"/>
   <p:notesSz cx="7010400" cy="9296400"/>
@@ -242,7 +245,7 @@
             <a:pPr>
               <a:defRPr/>
             </a:pPr>
-            <a:endParaRPr lang="en-US"/>
+            <a:endParaRPr lang="en-US" dirty="0"/>
           </a:p>
         </p:txBody>
       </p:sp>
@@ -294,9 +297,9 @@
               <a:pPr>
                 <a:defRPr/>
               </a:pPr>
-              <a:t>3/31/2020</a:t>
+              <a:t>1/6/22</a:t>
             </a:fld>
-            <a:endParaRPr lang="en-US"/>
+            <a:endParaRPr lang="en-US" dirty="0"/>
           </a:p>
         </p:txBody>
       </p:sp>
@@ -343,7 +346,7 @@
             <a:pPr>
               <a:defRPr/>
             </a:pPr>
-            <a:endParaRPr lang="en-US"/>
+            <a:endParaRPr lang="en-US" dirty="0"/>
           </a:p>
         </p:txBody>
       </p:sp>
@@ -397,7 +400,7 @@
               </a:pPr>
               <a:t>‹#›</a:t>
             </a:fld>
-            <a:endParaRPr lang="en-US"/>
+            <a:endParaRPr lang="en-US" dirty="0"/>
           </a:p>
         </p:txBody>
       </p:sp>
@@ -477,7 +480,7 @@
             <a:pPr>
               <a:defRPr/>
             </a:pPr>
-            <a:endParaRPr lang="en-US"/>
+            <a:endParaRPr lang="en-US" dirty="0"/>
           </a:p>
         </p:txBody>
       </p:sp>
@@ -529,9 +532,9 @@
               <a:pPr>
                 <a:defRPr/>
               </a:pPr>
-              <a:t>3/31/2020</a:t>
+              <a:t>1/6/22</a:t>
             </a:fld>
-            <a:endParaRPr lang="en-US"/>
+            <a:endParaRPr lang="en-US" dirty="0"/>
           </a:p>
         </p:txBody>
       </p:sp>
@@ -565,7 +568,7 @@
           <a:lstStyle/>
           <a:p>
             <a:pPr lvl="0"/>
-            <a:endParaRPr lang="en-US" noProof="0"/>
+            <a:endParaRPr lang="en-US" noProof="0" dirty="0"/>
           </a:p>
         </p:txBody>
       </p:sp>
@@ -605,39 +608,37 @@
           <a:p>
             <a:pPr lvl="0"/>
             <a:r>
-              <a:rPr lang="en-US" noProof="0" smtClean="0"/>
+              <a:rPr lang="en-US" noProof="0"/>
               <a:t>Click to edit Master text styles</a:t>
             </a:r>
-            <a:endParaRPr lang="en-US" noProof="0"/>
           </a:p>
           <a:p>
             <a:pPr lvl="1"/>
             <a:r>
-              <a:rPr lang="en-US" noProof="0" smtClean="0"/>
+              <a:rPr lang="en-US" noProof="0"/>
               <a:t>Second level</a:t>
             </a:r>
           </a:p>
           <a:p>
             <a:pPr lvl="2"/>
             <a:r>
-              <a:rPr lang="en-US" noProof="0" smtClean="0"/>
+              <a:rPr lang="en-US" noProof="0"/>
               <a:t>Third level</a:t>
             </a:r>
           </a:p>
           <a:p>
             <a:pPr lvl="3"/>
             <a:r>
-              <a:rPr lang="en-US" noProof="0" smtClean="0"/>
+              <a:rPr lang="en-US" noProof="0"/>
               <a:t>Fourth level</a:t>
             </a:r>
           </a:p>
           <a:p>
             <a:pPr lvl="4"/>
             <a:r>
-              <a:rPr lang="en-US" noProof="0" smtClean="0"/>
+              <a:rPr lang="en-US" noProof="0"/>
               <a:t>Fifth level</a:t>
             </a:r>
-            <a:endParaRPr lang="en-US" noProof="0"/>
           </a:p>
         </p:txBody>
       </p:sp>
@@ -684,7 +685,7 @@
             <a:pPr>
               <a:defRPr/>
             </a:pPr>
-            <a:endParaRPr lang="en-US"/>
+            <a:endParaRPr lang="en-US" dirty="0"/>
           </a:p>
         </p:txBody>
       </p:sp>
@@ -738,7 +739,7 @@
               </a:pPr>
               <a:t>‹#›</a:t>
             </a:fld>
-            <a:endParaRPr lang="en-US"/>
+            <a:endParaRPr lang="en-US" dirty="0"/>
           </a:p>
         </p:txBody>
       </p:sp>
@@ -938,14 +939,10 @@
               </a:spcBef>
             </a:pPr>
             <a:r>
-              <a:rPr lang="en-US" dirty="0" smtClean="0"/>
-              <a:t>Bring hard copy of code from </a:t>
-            </a:r>
-            <a:r>
-              <a:rPr lang="en-US" dirty="0" err="1" smtClean="0"/>
-              <a:t>UnitTesting</a:t>
-            </a:r>
-            <a:endParaRPr lang="en-US" baseline="0" dirty="0" smtClean="0"/>
+              <a:rPr lang="en-US" dirty="0"/>
+              <a:t>Bring hard copy of code from UnitTesting</a:t>
+            </a:r>
+            <a:endParaRPr lang="en-US" baseline="0" dirty="0"/>
           </a:p>
         </p:txBody>
       </p:sp>
@@ -971,7 +968,7 @@
               <a:pPr/>
               <a:t>1</a:t>
             </a:fld>
-            <a:endParaRPr lang="en-US" smtClean="0"/>
+            <a:endParaRPr lang="en-US" dirty="0"/>
           </a:p>
         </p:txBody>
       </p:sp>
@@ -979,6 +976,124 @@
     <p:extLst>
       <p:ext uri="{BB962C8B-B14F-4D97-AF65-F5344CB8AC3E}">
         <p14:creationId xmlns:p14="http://schemas.microsoft.com/office/powerpoint/2010/main" val="2849490060"/>
+      </p:ext>
+    </p:extLst>
+  </p:cSld>
+  <p:clrMapOvr>
+    <a:masterClrMapping/>
+  </p:clrMapOvr>
+</p:notes>
+</file>
+
+<file path=ppt/notesSlides/notesSlide10.xml><?xml version="1.0" encoding="utf-8"?>
+<p:notes xmlns:a="http://schemas.openxmlformats.org/drawingml/2006/main" xmlns:r="http://schemas.openxmlformats.org/officeDocument/2006/relationships" xmlns:p="http://schemas.openxmlformats.org/presentationml/2006/main">
+  <p:cSld>
+    <p:spTree>
+      <p:nvGrpSpPr>
+        <p:cNvPr id="1" name=""/>
+        <p:cNvGrpSpPr/>
+        <p:nvPr/>
+      </p:nvGrpSpPr>
+      <p:grpSpPr>
+        <a:xfrm>
+          <a:off x="0" y="0"/>
+          <a:ext cx="0" cy="0"/>
+          <a:chOff x="0" y="0"/>
+          <a:chExt cx="0" cy="0"/>
+        </a:xfrm>
+      </p:grpSpPr>
+      <p:sp>
+        <p:nvSpPr>
+          <p:cNvPr id="2" name="Slide Image Placeholder 1"/>
+          <p:cNvSpPr>
+            <a:spLocks noGrp="1" noRot="1" noChangeAspect="1"/>
+          </p:cNvSpPr>
+          <p:nvPr>
+            <p:ph type="sldImg"/>
+          </p:nvPr>
+        </p:nvSpPr>
+        <p:spPr/>
+      </p:sp>
+      <p:sp>
+        <p:nvSpPr>
+          <p:cNvPr id="3" name="Notes Placeholder 2"/>
+          <p:cNvSpPr>
+            <a:spLocks noGrp="1"/>
+          </p:cNvSpPr>
+          <p:nvPr>
+            <p:ph type="body" idx="1"/>
+          </p:nvPr>
+        </p:nvSpPr>
+        <p:spPr/>
+        <p:txBody>
+          <a:bodyPr/>
+          <a:lstStyle/>
+          <a:p>
+            <a:pPr marL="0" marR="0" lvl="0" indent="0" algn="l" defTabSz="914400" rtl="0" eaLnBrk="0" fontAlgn="base" latinLnBrk="0" hangingPunct="0">
+              <a:lnSpc>
+                <a:spcPct val="100000"/>
+              </a:lnSpc>
+              <a:spcBef>
+                <a:spcPct val="30000"/>
+              </a:spcBef>
+              <a:spcAft>
+                <a:spcPct val="0"/>
+              </a:spcAft>
+              <a:buClrTx/>
+              <a:buSzTx/>
+              <a:buFontTx/>
+              <a:buNone/>
+              <a:tabLst/>
+              <a:defRPr/>
+            </a:pPr>
+            <a:r>
+              <a:rPr lang="en-US" dirty="0"/>
+              <a:t>You can decide whether you want to show</a:t>
+            </a:r>
+            <a:r>
+              <a:rPr lang="en-US" baseline="0" dirty="0"/>
+              <a:t> the students how to generate the toString and equals methods when testing the addFrac method to do an assertEquals(), or if you want to reduce the amount of time taken, you can also choose to simply compare the actual numerator and denominator as in the solution code.</a:t>
+            </a:r>
+            <a:endParaRPr lang="en-US" dirty="0"/>
+          </a:p>
+          <a:p>
+            <a:endParaRPr lang="en-US" dirty="0"/>
+          </a:p>
+        </p:txBody>
+      </p:sp>
+      <p:sp>
+        <p:nvSpPr>
+          <p:cNvPr id="4" name="Slide Number Placeholder 3"/>
+          <p:cNvSpPr>
+            <a:spLocks noGrp="1"/>
+          </p:cNvSpPr>
+          <p:nvPr>
+            <p:ph type="sldNum" sz="quarter" idx="10"/>
+          </p:nvPr>
+        </p:nvSpPr>
+        <p:spPr/>
+        <p:txBody>
+          <a:bodyPr/>
+          <a:lstStyle/>
+          <a:p>
+            <a:pPr>
+              <a:defRPr/>
+            </a:pPr>
+            <a:fld id="{41BB943A-C3B9-42AE-8B54-C2335812312E}" type="slidenum">
+              <a:rPr lang="en-US" smtClean="0"/>
+              <a:pPr>
+                <a:defRPr/>
+              </a:pPr>
+              <a:t>20</a:t>
+            </a:fld>
+            <a:endParaRPr lang="en-US" dirty="0"/>
+          </a:p>
+        </p:txBody>
+      </p:sp>
+    </p:spTree>
+    <p:extLst>
+      <p:ext uri="{BB962C8B-B14F-4D97-AF65-F5344CB8AC3E}">
+        <p14:creationId xmlns:p14="http://schemas.microsoft.com/office/powerpoint/2010/main" val="2218103993"/>
       </p:ext>
     </p:extLst>
   </p:cSld>
@@ -1061,7 +1176,7 @@
               </a:pPr>
               <a:t>2</a:t>
             </a:fld>
-            <a:endParaRPr lang="en-US"/>
+            <a:endParaRPr lang="en-US" dirty="0"/>
           </a:p>
         </p:txBody>
       </p:sp>
@@ -1189,13 +1304,8 @@
           <a:p>
             <a:r>
               <a:rPr lang="en-US" dirty="0"/>
-              <a:t>- </a:t>
-            </a:r>
-            <a:r>
-              <a:rPr lang="en-US" dirty="0" err="1"/>
-              <a:t>prev</a:t>
-            </a:r>
-            <a:endParaRPr lang="en-US" dirty="0"/>
+              <a:t>- prev</a:t>
+            </a:r>
           </a:p>
           <a:p>
             <a:r>
@@ -1359,7 +1469,7 @@
               <a:pPr eaLnBrk="1" hangingPunct="1"/>
               <a:t>6</a:t>
             </a:fld>
-            <a:endParaRPr lang="en-US">
+            <a:endParaRPr lang="en-US" dirty="0">
               <a:latin typeface="Calibri" pitchFamily="34" charset="0"/>
             </a:endParaRPr>
           </a:p>
@@ -1397,7 +1507,7 @@
       </p:grpSpPr>
       <p:sp>
         <p:nvSpPr>
-          <p:cNvPr id="45058" name="Slide Image Placeholder 1"/>
+          <p:cNvPr id="43010" name="Slide Image Placeholder 1"/>
           <p:cNvSpPr>
             <a:spLocks noGrp="1" noRot="1" noChangeAspect="1" noTextEdit="1"/>
           </p:cNvSpPr>
@@ -1417,7 +1527,7 @@
           </a:ln>
           <a:extLst>
             <a:ext uri="{909E8E84-426E-40dd-AFC4-6F175D3DCCD1}">
-              <a14:hiddenFill xmlns:a14="http://schemas.microsoft.com/office/drawing/2010/main" xmlns="">
+              <a14:hiddenFill xmlns="" xmlns:a14="http://schemas.microsoft.com/office/drawing/2010/main">
                 <a:solidFill>
                   <a:srgbClr val="FFFFFF"/>
                 </a:solidFill>
@@ -1428,7 +1538,7 @@
       </p:sp>
       <p:sp>
         <p:nvSpPr>
-          <p:cNvPr id="45059" name="Notes Placeholder 2"/>
+          <p:cNvPr id="43011" name="Notes Placeholder 2"/>
           <p:cNvSpPr>
             <a:spLocks noGrp="1"/>
           </p:cNvSpPr>
@@ -1441,14 +1551,14 @@
           <a:ln/>
           <a:extLst>
             <a:ext uri="{909E8E84-426E-40dd-AFC4-6F175D3DCCD1}">
-              <a14:hiddenFill xmlns:a14="http://schemas.microsoft.com/office/drawing/2010/main" xmlns="">
+              <a14:hiddenFill xmlns="" xmlns:a14="http://schemas.microsoft.com/office/drawing/2010/main">
                 <a:solidFill>
                   <a:srgbClr val="FFFFFF"/>
                 </a:solidFill>
               </a14:hiddenFill>
             </a:ext>
             <a:ext uri="{91240B29-F687-4f45-9708-019B960494DF}">
-              <a14:hiddenLine xmlns:a14="http://schemas.microsoft.com/office/drawing/2010/main" xmlns="" w="9525">
+              <a14:hiddenLine xmlns="" xmlns:a14="http://schemas.microsoft.com/office/drawing/2010/main" w="9525">
                 <a:solidFill>
                   <a:srgbClr val="000000"/>
                 </a:solidFill>
@@ -1463,106 +1573,49 @@
           <a:bodyPr/>
           <a:lstStyle/>
           <a:p>
-            <a:pPr>
-              <a:buFontTx/>
-              <a:buChar char="-"/>
-            </a:pPr>
-            <a:r>
-              <a:rPr lang="en-US" dirty="0" err="1"/>
-              <a:t>this.temp</a:t>
-            </a:r>
             <a:r>
               <a:rPr lang="en-US" dirty="0"/>
-              <a:t> = temp; line is animated</a:t>
-            </a:r>
-          </a:p>
-          <a:p>
-            <a:pPr>
-              <a:buFontTx/>
-              <a:buChar char="-"/>
-            </a:pPr>
+              <a:t>Scope refers to the lifetime and accessibility of a variable. </a:t>
+            </a:r>
+          </a:p>
+          <a:p>
             <a:r>
               <a:rPr lang="en-US" dirty="0"/>
-              <a:t>The scope of </a:t>
-            </a:r>
-            <a:r>
-              <a:rPr lang="en-US" dirty="0" err="1"/>
-              <a:t>this.temp</a:t>
-            </a:r>
+              <a:t>How large the scope is depends on where a variable is declared. For example, if a variable is declared at the top of a class then it will be accessible to all of the class methods. If it’s declared in a method then it can only be used in that method.</a:t>
+            </a:r>
+          </a:p>
+          <a:p>
             <a:r>
               <a:rPr lang="en-US" dirty="0"/>
-              <a:t> overlaps with the scope of the parameter temp.  </a:t>
-            </a:r>
-          </a:p>
-          <a:p>
-            <a:pPr>
-              <a:buFontTx/>
-              <a:buChar char="-"/>
-            </a:pPr>
+              <a:t>Show scope of:</a:t>
+            </a:r>
+          </a:p>
+          <a:p>
             <a:r>
               <a:rPr lang="en-US" dirty="0"/>
-              <a:t>In Java,</a:t>
-            </a:r>
-            <a:r>
-              <a:rPr lang="en-US" baseline="0" dirty="0"/>
-              <a:t> if you do not quality the field with “this”, the local variable shadows the  instance field with the same name (local variable wins!)</a:t>
-            </a:r>
+              <a:t>- sum</a:t>
+            </a:r>
+          </a:p>
+          <a:p>
+            <a:r>
+              <a:rPr lang="en-US" dirty="0"/>
+              <a:t>- prev</a:t>
+            </a:r>
+          </a:p>
+          <a:p>
+            <a:r>
+              <a:rPr lang="en-US" dirty="0"/>
+              <a:t>- p</a:t>
+            </a:r>
+          </a:p>
+          <a:p>
             <a:endParaRPr lang="en-US" dirty="0"/>
           </a:p>
-          <a:p>
-            <a:pPr>
-              <a:buFontTx/>
-              <a:buNone/>
-            </a:pPr>
-            <a:endParaRPr lang="en-US" dirty="0"/>
-          </a:p>
-          <a:p>
-            <a:pPr>
-              <a:buFontTx/>
-              <a:buChar char="-"/>
-            </a:pPr>
-            <a:r>
-              <a:rPr lang="en-US" dirty="0"/>
-              <a:t>Always… callout is animated</a:t>
-            </a:r>
-          </a:p>
-          <a:p>
-            <a:pPr>
-              <a:buFontTx/>
-              <a:buChar char="-"/>
-            </a:pPr>
-            <a:r>
-              <a:rPr lang="en-US" dirty="0"/>
-              <a:t>this</a:t>
-            </a:r>
-            <a:r>
-              <a:rPr lang="en-US" baseline="0" dirty="0"/>
-              <a:t>  will always recover the instance variable.</a:t>
-            </a:r>
-          </a:p>
-          <a:p>
-            <a:pPr>
-              <a:buFontTx/>
-              <a:buChar char="-"/>
-            </a:pPr>
-            <a:endParaRPr lang="en-US" baseline="0" dirty="0"/>
-          </a:p>
-          <a:p>
-            <a:pPr>
-              <a:buFontTx/>
-              <a:buChar char="-"/>
-            </a:pPr>
-            <a:r>
-              <a:rPr lang="en-US" baseline="0" dirty="0"/>
-              <a:t>Shadowing is hiding a variable by defining another variable with the same name.</a:t>
-            </a:r>
-            <a:endParaRPr lang="en-US" dirty="0"/>
-          </a:p>
-        </p:txBody>
-      </p:sp>
-      <p:sp>
-        <p:nvSpPr>
-          <p:cNvPr id="45060" name="Slide Number Placeholder 3"/>
+        </p:txBody>
+      </p:sp>
+      <p:sp>
+        <p:nvSpPr>
+          <p:cNvPr id="43012" name="Slide Number Placeholder 3"/>
           <p:cNvSpPr>
             <a:spLocks noGrp="1"/>
           </p:cNvSpPr>
@@ -1575,14 +1628,14 @@
           <a:ln/>
           <a:extLst>
             <a:ext uri="{909E8E84-426E-40dd-AFC4-6F175D3DCCD1}">
-              <a14:hiddenFill xmlns:a14="http://schemas.microsoft.com/office/drawing/2010/main" xmlns="">
+              <a14:hiddenFill xmlns="" xmlns:a14="http://schemas.microsoft.com/office/drawing/2010/main">
                 <a:solidFill>
                   <a:srgbClr val="FFFFFF"/>
                 </a:solidFill>
               </a14:hiddenFill>
             </a:ext>
             <a:ext uri="{91240B29-F687-4f45-9708-019B960494DF}">
-              <a14:hiddenLine xmlns:a14="http://schemas.microsoft.com/office/drawing/2010/main" xmlns="" w="9525">
+              <a14:hiddenLine xmlns="" xmlns:a14="http://schemas.microsoft.com/office/drawing/2010/main" w="9525">
                 <a:solidFill>
                   <a:srgbClr val="000000"/>
                 </a:solidFill>
@@ -1704,14 +1757,14 @@
           </a:lstStyle>
           <a:p>
             <a:pPr eaLnBrk="1" hangingPunct="1"/>
-            <a:fld id="{F20168F8-F7A1-4FBA-B834-4B84551BC123}" type="slidenum">
+            <a:fld id="{28EA5453-CCAC-4335-A793-9CD8F74FF1E9}" type="slidenum">
               <a:rPr lang="en-US" smtClean="0">
                 <a:latin typeface="Calibri" pitchFamily="34" charset="0"/>
               </a:rPr>
               <a:pPr eaLnBrk="1" hangingPunct="1"/>
-              <a:t>8</a:t>
+              <a:t>7</a:t>
             </a:fld>
-            <a:endParaRPr lang="en-US">
+            <a:endParaRPr lang="en-US" dirty="0">
               <a:latin typeface="Calibri" pitchFamily="34" charset="0"/>
             </a:endParaRPr>
           </a:p>
@@ -1720,7 +1773,7 @@
     </p:spTree>
     <p:extLst>
       <p:ext uri="{BB962C8B-B14F-4D97-AF65-F5344CB8AC3E}">
-        <p14:creationId xmlns:p14="http://schemas.microsoft.com/office/powerpoint/2010/main" val="1601598168"/>
+        <p14:creationId xmlns:p14="http://schemas.microsoft.com/office/powerpoint/2010/main" val="870052423"/>
       </p:ext>
     </p:extLst>
   </p:cSld>
@@ -1749,19 +1802,38 @@
       </p:grpSpPr>
       <p:sp>
         <p:nvSpPr>
-          <p:cNvPr id="2" name="Slide Image Placeholder 1"/>
-          <p:cNvSpPr>
-            <a:spLocks noGrp="1" noRot="1" noChangeAspect="1"/>
+          <p:cNvPr id="45058" name="Slide Image Placeholder 1"/>
+          <p:cNvSpPr>
+            <a:spLocks noGrp="1" noRot="1" noChangeAspect="1" noTextEdit="1"/>
           </p:cNvSpPr>
           <p:nvPr>
             <p:ph type="sldImg"/>
           </p:nvPr>
         </p:nvSpPr>
-        <p:spPr/>
-      </p:sp>
-      <p:sp>
-        <p:nvSpPr>
-          <p:cNvPr id="3" name="Notes Placeholder 2"/>
+        <p:spPr bwMode="auto">
+          <a:noFill/>
+          <a:ln>
+            <a:solidFill>
+              <a:srgbClr val="000000"/>
+            </a:solidFill>
+            <a:miter lim="800000"/>
+            <a:headEnd/>
+            <a:tailEnd/>
+          </a:ln>
+          <a:extLst>
+            <a:ext uri="{909E8E84-426E-40dd-AFC4-6F175D3DCCD1}">
+              <a14:hiddenFill xmlns:a14="http://schemas.microsoft.com/office/drawing/2010/main" xmlns="">
+                <a:solidFill>
+                  <a:srgbClr val="FFFFFF"/>
+                </a:solidFill>
+              </a14:hiddenFill>
+            </a:ext>
+          </a:extLst>
+        </p:spPr>
+      </p:sp>
+      <p:sp>
+        <p:nvSpPr>
+          <p:cNvPr id="45059" name="Notes Placeholder 2"/>
           <p:cNvSpPr>
             <a:spLocks noGrp="1"/>
           </p:cNvSpPr>
@@ -1769,66 +1841,279 @@
             <p:ph type="body" idx="1"/>
           </p:nvPr>
         </p:nvSpPr>
-        <p:spPr/>
+        <p:spPr>
+          <a:noFill/>
+          <a:ln/>
+          <a:extLst>
+            <a:ext uri="{909E8E84-426E-40dd-AFC4-6F175D3DCCD1}">
+              <a14:hiddenFill xmlns:a14="http://schemas.microsoft.com/office/drawing/2010/main" xmlns="">
+                <a:solidFill>
+                  <a:srgbClr val="FFFFFF"/>
+                </a:solidFill>
+              </a14:hiddenFill>
+            </a:ext>
+            <a:ext uri="{91240B29-F687-4f45-9708-019B960494DF}">
+              <a14:hiddenLine xmlns:a14="http://schemas.microsoft.com/office/drawing/2010/main" xmlns="" w="9525">
+                <a:solidFill>
+                  <a:srgbClr val="000000"/>
+                </a:solidFill>
+                <a:miter lim="800000"/>
+                <a:headEnd/>
+                <a:tailEnd/>
+              </a14:hiddenLine>
+            </a:ext>
+          </a:extLst>
+        </p:spPr>
         <p:txBody>
           <a:bodyPr/>
           <a:lstStyle/>
           <a:p>
-            <a:r>
-              <a:rPr lang="en-US" dirty="0" smtClean="0"/>
-              <a:t>What if we suddenly</a:t>
-            </a:r>
-            <a:r>
-              <a:rPr lang="en-US" baseline="0" dirty="0" smtClean="0"/>
-              <a:t> wanted to add a second solar system…</a:t>
-            </a:r>
-          </a:p>
-          <a:p>
-            <a:r>
-              <a:rPr lang="en-US" baseline="0" dirty="0" smtClean="0"/>
-              <a:t>Static makes for bad design, i.e. hard to use/reuse/</a:t>
-            </a:r>
-            <a:r>
-              <a:rPr lang="en-US" b="1" baseline="0" dirty="0" smtClean="0"/>
-              <a:t>extend</a:t>
-            </a:r>
-            <a:endParaRPr lang="en-US" b="1" dirty="0"/>
-          </a:p>
-        </p:txBody>
-      </p:sp>
-      <p:sp>
-        <p:nvSpPr>
-          <p:cNvPr id="4" name="Slide Number Placeholder 3"/>
-          <p:cNvSpPr>
-            <a:spLocks noGrp="1"/>
-          </p:cNvSpPr>
-          <p:nvPr>
-            <p:ph type="sldNum" sz="quarter" idx="10"/>
-          </p:nvPr>
-        </p:nvSpPr>
-        <p:spPr/>
+            <a:pPr>
+              <a:buFontTx/>
+              <a:buChar char="-"/>
+            </a:pPr>
+            <a:r>
+              <a:rPr lang="en-US" dirty="0"/>
+              <a:t>this.temp = temp; line is animated</a:t>
+            </a:r>
+          </a:p>
+          <a:p>
+            <a:pPr>
+              <a:buFontTx/>
+              <a:buChar char="-"/>
+            </a:pPr>
+            <a:r>
+              <a:rPr lang="en-US" dirty="0"/>
+              <a:t>The scope of this.temp overlaps with the scope of the parameter temp.  </a:t>
+            </a:r>
+          </a:p>
+          <a:p>
+            <a:pPr>
+              <a:buFontTx/>
+              <a:buChar char="-"/>
+            </a:pPr>
+            <a:r>
+              <a:rPr lang="en-US" dirty="0"/>
+              <a:t>In Java,</a:t>
+            </a:r>
+            <a:r>
+              <a:rPr lang="en-US" baseline="0" dirty="0"/>
+              <a:t> if you do not quality the field with “this”, the local variable shadows the  instance field with the same name (local variable wins!)</a:t>
+            </a:r>
+            <a:endParaRPr lang="en-US" dirty="0"/>
+          </a:p>
+          <a:p>
+            <a:pPr>
+              <a:buFontTx/>
+              <a:buNone/>
+            </a:pPr>
+            <a:endParaRPr lang="en-US" dirty="0"/>
+          </a:p>
+          <a:p>
+            <a:pPr>
+              <a:buFontTx/>
+              <a:buChar char="-"/>
+            </a:pPr>
+            <a:r>
+              <a:rPr lang="en-US" dirty="0"/>
+              <a:t>Always… callout is animated</a:t>
+            </a:r>
+          </a:p>
+          <a:p>
+            <a:pPr>
+              <a:buFontTx/>
+              <a:buChar char="-"/>
+            </a:pPr>
+            <a:r>
+              <a:rPr lang="en-US" dirty="0"/>
+              <a:t>this</a:t>
+            </a:r>
+            <a:r>
+              <a:rPr lang="en-US" baseline="0" dirty="0"/>
+              <a:t>  will always recover the instance variable.</a:t>
+            </a:r>
+          </a:p>
+          <a:p>
+            <a:pPr>
+              <a:buFontTx/>
+              <a:buChar char="-"/>
+            </a:pPr>
+            <a:endParaRPr lang="en-US" baseline="0" dirty="0"/>
+          </a:p>
+          <a:p>
+            <a:pPr>
+              <a:buFontTx/>
+              <a:buChar char="-"/>
+            </a:pPr>
+            <a:r>
+              <a:rPr lang="en-US" baseline="0" dirty="0"/>
+              <a:t>Shadowing is hiding a variable by defining another variable with the same name.</a:t>
+            </a:r>
+            <a:endParaRPr lang="en-US" dirty="0"/>
+          </a:p>
+        </p:txBody>
+      </p:sp>
+      <p:sp>
+        <p:nvSpPr>
+          <p:cNvPr id="45060" name="Slide Number Placeholder 3"/>
+          <p:cNvSpPr>
+            <a:spLocks noGrp="1"/>
+          </p:cNvSpPr>
+          <p:nvPr>
+            <p:ph type="sldNum" sz="quarter" idx="5"/>
+          </p:nvPr>
+        </p:nvSpPr>
+        <p:spPr>
+          <a:noFill/>
+          <a:ln/>
+          <a:extLst>
+            <a:ext uri="{909E8E84-426E-40dd-AFC4-6F175D3DCCD1}">
+              <a14:hiddenFill xmlns:a14="http://schemas.microsoft.com/office/drawing/2010/main" xmlns="">
+                <a:solidFill>
+                  <a:srgbClr val="FFFFFF"/>
+                </a:solidFill>
+              </a14:hiddenFill>
+            </a:ext>
+            <a:ext uri="{91240B29-F687-4f45-9708-019B960494DF}">
+              <a14:hiddenLine xmlns:a14="http://schemas.microsoft.com/office/drawing/2010/main" xmlns="" w="9525">
+                <a:solidFill>
+                  <a:srgbClr val="000000"/>
+                </a:solidFill>
+                <a:miter lim="800000"/>
+                <a:headEnd/>
+                <a:tailEnd/>
+              </a14:hiddenLine>
+            </a:ext>
+          </a:extLst>
+        </p:spPr>
         <p:txBody>
           <a:bodyPr/>
-          <a:lstStyle/>
-          <a:p>
-            <a:pPr>
-              <a:defRPr/>
-            </a:pPr>
-            <a:fld id="{41BB943A-C3B9-42AE-8B54-C2335812312E}" type="slidenum">
-              <a:rPr lang="en-US" smtClean="0"/>
-              <a:pPr>
-                <a:defRPr/>
-              </a:pPr>
+          <a:lstStyle>
+            <a:lvl1pPr defTabSz="896442" eaLnBrk="0" hangingPunct="0">
+              <a:defRPr>
+                <a:solidFill>
+                  <a:schemeClr val="tx1"/>
+                </a:solidFill>
+                <a:latin typeface="Arial" charset="0"/>
+                <a:cs typeface="Arial" charset="0"/>
+              </a:defRPr>
+            </a:lvl1pPr>
+            <a:lvl2pPr marL="702738" indent="-270283" defTabSz="896442" eaLnBrk="0" hangingPunct="0">
+              <a:defRPr>
+                <a:solidFill>
+                  <a:schemeClr val="tx1"/>
+                </a:solidFill>
+                <a:latin typeface="Arial" charset="0"/>
+                <a:cs typeface="Arial" charset="0"/>
+              </a:defRPr>
+            </a:lvl2pPr>
+            <a:lvl3pPr marL="1081135" indent="-216227" defTabSz="896442" eaLnBrk="0" hangingPunct="0">
+              <a:defRPr>
+                <a:solidFill>
+                  <a:schemeClr val="tx1"/>
+                </a:solidFill>
+                <a:latin typeface="Arial" charset="0"/>
+                <a:cs typeface="Arial" charset="0"/>
+              </a:defRPr>
+            </a:lvl3pPr>
+            <a:lvl4pPr marL="1513590" indent="-216227" defTabSz="896442" eaLnBrk="0" hangingPunct="0">
+              <a:defRPr>
+                <a:solidFill>
+                  <a:schemeClr val="tx1"/>
+                </a:solidFill>
+                <a:latin typeface="Arial" charset="0"/>
+                <a:cs typeface="Arial" charset="0"/>
+              </a:defRPr>
+            </a:lvl4pPr>
+            <a:lvl5pPr marL="1946044" indent="-216227" defTabSz="896442" eaLnBrk="0" hangingPunct="0">
+              <a:defRPr>
+                <a:solidFill>
+                  <a:schemeClr val="tx1"/>
+                </a:solidFill>
+                <a:latin typeface="Arial" charset="0"/>
+                <a:cs typeface="Arial" charset="0"/>
+              </a:defRPr>
+            </a:lvl5pPr>
+            <a:lvl6pPr marL="2378498" indent="-216227" defTabSz="896442" eaLnBrk="0" fontAlgn="base" hangingPunct="0">
+              <a:spcBef>
+                <a:spcPct val="0"/>
+              </a:spcBef>
+              <a:spcAft>
+                <a:spcPct val="0"/>
+              </a:spcAft>
+              <a:defRPr>
+                <a:solidFill>
+                  <a:schemeClr val="tx1"/>
+                </a:solidFill>
+                <a:latin typeface="Arial" charset="0"/>
+                <a:cs typeface="Arial" charset="0"/>
+              </a:defRPr>
+            </a:lvl6pPr>
+            <a:lvl7pPr marL="2810952" indent="-216227" defTabSz="896442" eaLnBrk="0" fontAlgn="base" hangingPunct="0">
+              <a:spcBef>
+                <a:spcPct val="0"/>
+              </a:spcBef>
+              <a:spcAft>
+                <a:spcPct val="0"/>
+              </a:spcAft>
+              <a:defRPr>
+                <a:solidFill>
+                  <a:schemeClr val="tx1"/>
+                </a:solidFill>
+                <a:latin typeface="Arial" charset="0"/>
+                <a:cs typeface="Arial" charset="0"/>
+              </a:defRPr>
+            </a:lvl7pPr>
+            <a:lvl8pPr marL="3243406" indent="-216227" defTabSz="896442" eaLnBrk="0" fontAlgn="base" hangingPunct="0">
+              <a:spcBef>
+                <a:spcPct val="0"/>
+              </a:spcBef>
+              <a:spcAft>
+                <a:spcPct val="0"/>
+              </a:spcAft>
+              <a:defRPr>
+                <a:solidFill>
+                  <a:schemeClr val="tx1"/>
+                </a:solidFill>
+                <a:latin typeface="Arial" charset="0"/>
+                <a:cs typeface="Arial" charset="0"/>
+              </a:defRPr>
+            </a:lvl8pPr>
+            <a:lvl9pPr marL="3675860" indent="-216227" defTabSz="896442" eaLnBrk="0" fontAlgn="base" hangingPunct="0">
+              <a:spcBef>
+                <a:spcPct val="0"/>
+              </a:spcBef>
+              <a:spcAft>
+                <a:spcPct val="0"/>
+              </a:spcAft>
+              <a:defRPr>
+                <a:solidFill>
+                  <a:schemeClr val="tx1"/>
+                </a:solidFill>
+                <a:latin typeface="Arial" charset="0"/>
+                <a:cs typeface="Arial" charset="0"/>
+              </a:defRPr>
+            </a:lvl9pPr>
+          </a:lstStyle>
+          <a:p>
+            <a:pPr eaLnBrk="1" hangingPunct="1"/>
+            <a:fld id="{F20168F8-F7A1-4FBA-B834-4B84551BC123}" type="slidenum">
+              <a:rPr lang="en-US" smtClean="0">
+                <a:latin typeface="Calibri" pitchFamily="34" charset="0"/>
+              </a:rPr>
+              <a:pPr eaLnBrk="1" hangingPunct="1"/>
               <a:t>9</a:t>
             </a:fld>
-            <a:endParaRPr lang="en-US"/>
+            <a:endParaRPr lang="en-US" dirty="0">
+              <a:latin typeface="Calibri" pitchFamily="34" charset="0"/>
+            </a:endParaRPr>
           </a:p>
         </p:txBody>
       </p:sp>
     </p:spTree>
     <p:extLst>
       <p:ext uri="{BB962C8B-B14F-4D97-AF65-F5344CB8AC3E}">
-        <p14:creationId xmlns:p14="http://schemas.microsoft.com/office/powerpoint/2010/main" val="1012682020"/>
+        <p14:creationId xmlns:p14="http://schemas.microsoft.com/office/powerpoint/2010/main" val="1601598168"/>
       </p:ext>
     </p:extLst>
   </p:cSld>
@@ -1882,7 +2167,25 @@
           <a:bodyPr/>
           <a:lstStyle/>
           <a:p>
-            <a:endParaRPr lang="en-US" dirty="0"/>
+            <a:r>
+              <a:rPr lang="en-US" dirty="0"/>
+              <a:t>What if we suddenly</a:t>
+            </a:r>
+            <a:r>
+              <a:rPr lang="en-US" baseline="0" dirty="0"/>
+              <a:t> wanted to add a second solar system…</a:t>
+            </a:r>
+          </a:p>
+          <a:p>
+            <a:r>
+              <a:rPr lang="en-US" baseline="0" dirty="0"/>
+              <a:t>Static makes for bad design, i.e. hard to use/reuse/</a:t>
+            </a:r>
+            <a:r>
+              <a:rPr lang="en-US" b="1" baseline="0" dirty="0"/>
+              <a:t>extend</a:t>
+            </a:r>
+            <a:endParaRPr lang="en-US" b="1" dirty="0"/>
           </a:p>
         </p:txBody>
       </p:sp>
@@ -1911,14 +2214,14 @@
               </a:pPr>
               <a:t>10</a:t>
             </a:fld>
-            <a:endParaRPr lang="en-US"/>
+            <a:endParaRPr lang="en-US" dirty="0"/>
           </a:p>
         </p:txBody>
       </p:sp>
     </p:spTree>
     <p:extLst>
       <p:ext uri="{BB962C8B-B14F-4D97-AF65-F5344CB8AC3E}">
-        <p14:creationId xmlns:p14="http://schemas.microsoft.com/office/powerpoint/2010/main" val="1968476214"/>
+        <p14:creationId xmlns:p14="http://schemas.microsoft.com/office/powerpoint/2010/main" val="1012682020"/>
       </p:ext>
     </p:extLst>
   </p:cSld>
@@ -1972,15 +2275,7 @@
           <a:bodyPr/>
           <a:lstStyle/>
           <a:p>
-            <a:r>
-              <a:rPr lang="en-US" dirty="0" smtClean="0"/>
-              <a:t>Do</a:t>
-            </a:r>
-            <a:r>
-              <a:rPr lang="en-US" baseline="0" dirty="0" smtClean="0"/>
-              <a:t> an example with students and have them do the rest on their own.</a:t>
-            </a:r>
-            <a:endParaRPr lang="en-US" dirty="0"/>
+            <a:endParaRPr lang="en-US" b="1" dirty="0"/>
           </a:p>
         </p:txBody>
       </p:sp>
@@ -2009,14 +2304,14 @@
               </a:pPr>
               <a:t>11</a:t>
             </a:fld>
-            <a:endParaRPr lang="en-US"/>
+            <a:endParaRPr lang="en-US" dirty="0"/>
           </a:p>
         </p:txBody>
       </p:sp>
     </p:spTree>
     <p:extLst>
       <p:ext uri="{BB962C8B-B14F-4D97-AF65-F5344CB8AC3E}">
-        <p14:creationId xmlns:p14="http://schemas.microsoft.com/office/powerpoint/2010/main" val="201707920"/>
+        <p14:creationId xmlns:p14="http://schemas.microsoft.com/office/powerpoint/2010/main" val="2792262401"/>
       </p:ext>
     </p:extLst>
   </p:cSld>
@@ -2070,58 +2365,6 @@
           <a:bodyPr/>
           <a:lstStyle/>
           <a:p>
-            <a:pPr marL="0" marR="0" lvl="0" indent="0" algn="l" defTabSz="914400" rtl="0" eaLnBrk="0" fontAlgn="base" latinLnBrk="0" hangingPunct="0">
-              <a:lnSpc>
-                <a:spcPct val="100000"/>
-              </a:lnSpc>
-              <a:spcBef>
-                <a:spcPct val="30000"/>
-              </a:spcBef>
-              <a:spcAft>
-                <a:spcPct val="0"/>
-              </a:spcAft>
-              <a:buClrTx/>
-              <a:buSzTx/>
-              <a:buFontTx/>
-              <a:buNone/>
-              <a:tabLst/>
-              <a:defRPr/>
-            </a:pPr>
-            <a:r>
-              <a:rPr lang="en-US" dirty="0" smtClean="0"/>
-              <a:t>You can decide whether you want to show</a:t>
-            </a:r>
-            <a:r>
-              <a:rPr lang="en-US" baseline="0" dirty="0" smtClean="0"/>
-              <a:t> the students how to generate the </a:t>
-            </a:r>
-            <a:r>
-              <a:rPr lang="en-US" baseline="0" dirty="0" err="1" smtClean="0"/>
-              <a:t>toString</a:t>
-            </a:r>
-            <a:r>
-              <a:rPr lang="en-US" baseline="0" dirty="0" smtClean="0"/>
-              <a:t> and equals methods when testing the </a:t>
-            </a:r>
-            <a:r>
-              <a:rPr lang="en-US" baseline="0" dirty="0" err="1" smtClean="0"/>
-              <a:t>addFrac</a:t>
-            </a:r>
-            <a:r>
-              <a:rPr lang="en-US" baseline="0" dirty="0" smtClean="0"/>
-              <a:t> method to do an </a:t>
-            </a:r>
-            <a:r>
-              <a:rPr lang="en-US" baseline="0" dirty="0" err="1" smtClean="0"/>
-              <a:t>assertEquals</a:t>
-            </a:r>
-            <a:r>
-              <a:rPr lang="en-US" baseline="0" dirty="0" smtClean="0"/>
-              <a:t>(), or if you want to reduce the amount of time taken, you can also choose to simply compare the actual numerator and denominator as in the solution code.</a:t>
-            </a:r>
-            <a:endParaRPr lang="en-US" dirty="0" smtClean="0"/>
-          </a:p>
-          <a:p>
             <a:endParaRPr lang="en-US" dirty="0"/>
           </a:p>
         </p:txBody>
@@ -2149,16 +2392,114 @@
               <a:pPr>
                 <a:defRPr/>
               </a:pPr>
-              <a:t>17</a:t>
+              <a:t>12</a:t>
             </a:fld>
-            <a:endParaRPr lang="en-US"/>
+            <a:endParaRPr lang="en-US" dirty="0"/>
           </a:p>
         </p:txBody>
       </p:sp>
     </p:spTree>
     <p:extLst>
       <p:ext uri="{BB962C8B-B14F-4D97-AF65-F5344CB8AC3E}">
-        <p14:creationId xmlns:p14="http://schemas.microsoft.com/office/powerpoint/2010/main" val="2218103993"/>
+        <p14:creationId xmlns:p14="http://schemas.microsoft.com/office/powerpoint/2010/main" val="1968476214"/>
+      </p:ext>
+    </p:extLst>
+  </p:cSld>
+  <p:clrMapOvr>
+    <a:masterClrMapping/>
+  </p:clrMapOvr>
+</p:notes>
+</file>
+
+<file path=ppt/notesSlides/notesSlide9.xml><?xml version="1.0" encoding="utf-8"?>
+<p:notes xmlns:a="http://schemas.openxmlformats.org/drawingml/2006/main" xmlns:r="http://schemas.openxmlformats.org/officeDocument/2006/relationships" xmlns:p="http://schemas.openxmlformats.org/presentationml/2006/main">
+  <p:cSld>
+    <p:spTree>
+      <p:nvGrpSpPr>
+        <p:cNvPr id="1" name=""/>
+        <p:cNvGrpSpPr/>
+        <p:nvPr/>
+      </p:nvGrpSpPr>
+      <p:grpSpPr>
+        <a:xfrm>
+          <a:off x="0" y="0"/>
+          <a:ext cx="0" cy="0"/>
+          <a:chOff x="0" y="0"/>
+          <a:chExt cx="0" cy="0"/>
+        </a:xfrm>
+      </p:grpSpPr>
+      <p:sp>
+        <p:nvSpPr>
+          <p:cNvPr id="2" name="Slide Image Placeholder 1"/>
+          <p:cNvSpPr>
+            <a:spLocks noGrp="1" noRot="1" noChangeAspect="1"/>
+          </p:cNvSpPr>
+          <p:nvPr>
+            <p:ph type="sldImg"/>
+          </p:nvPr>
+        </p:nvSpPr>
+        <p:spPr/>
+      </p:sp>
+      <p:sp>
+        <p:nvSpPr>
+          <p:cNvPr id="3" name="Notes Placeholder 2"/>
+          <p:cNvSpPr>
+            <a:spLocks noGrp="1"/>
+          </p:cNvSpPr>
+          <p:nvPr>
+            <p:ph type="body" idx="1"/>
+          </p:nvPr>
+        </p:nvSpPr>
+        <p:spPr/>
+        <p:txBody>
+          <a:bodyPr/>
+          <a:lstStyle/>
+          <a:p>
+            <a:r>
+              <a:rPr lang="en-US" dirty="0"/>
+              <a:t>Do</a:t>
+            </a:r>
+            <a:r>
+              <a:rPr lang="en-US" baseline="0" dirty="0"/>
+              <a:t> an example with students and have them do the rest on their own.</a:t>
+            </a:r>
+            <a:endParaRPr lang="en-US" dirty="0"/>
+          </a:p>
+        </p:txBody>
+      </p:sp>
+      <p:sp>
+        <p:nvSpPr>
+          <p:cNvPr id="4" name="Slide Number Placeholder 3"/>
+          <p:cNvSpPr>
+            <a:spLocks noGrp="1"/>
+          </p:cNvSpPr>
+          <p:nvPr>
+            <p:ph type="sldNum" sz="quarter" idx="10"/>
+          </p:nvPr>
+        </p:nvSpPr>
+        <p:spPr/>
+        <p:txBody>
+          <a:bodyPr/>
+          <a:lstStyle/>
+          <a:p>
+            <a:pPr>
+              <a:defRPr/>
+            </a:pPr>
+            <a:fld id="{41BB943A-C3B9-42AE-8B54-C2335812312E}" type="slidenum">
+              <a:rPr lang="en-US" smtClean="0"/>
+              <a:pPr>
+                <a:defRPr/>
+              </a:pPr>
+              <a:t>13</a:t>
+            </a:fld>
+            <a:endParaRPr lang="en-US" dirty="0"/>
+          </a:p>
+        </p:txBody>
+      </p:sp>
+    </p:spTree>
+    <p:extLst>
+      <p:ext uri="{BB962C8B-B14F-4D97-AF65-F5344CB8AC3E}">
+        <p14:creationId xmlns:p14="http://schemas.microsoft.com/office/powerpoint/2010/main" val="201707920"/>
       </p:ext>
     </p:extLst>
   </p:cSld>
@@ -2206,10 +2547,9 @@
           <a:lstStyle/>
           <a:p>
             <a:r>
-              <a:rPr lang="en-US" smtClean="0"/>
+              <a:rPr lang="en-US"/>
               <a:t>Click to edit Master title style</a:t>
             </a:r>
-            <a:endParaRPr lang="en-US"/>
           </a:p>
         </p:txBody>
       </p:sp>
@@ -2325,10 +2665,9 @@
           </a:lstStyle>
           <a:p>
             <a:r>
-              <a:rPr lang="en-US" smtClean="0"/>
+              <a:rPr lang="en-US"/>
               <a:t>Click to edit Master subtitle style</a:t>
             </a:r>
-            <a:endParaRPr lang="en-US"/>
           </a:p>
         </p:txBody>
       </p:sp>
@@ -2355,7 +2694,7 @@
               <a:pPr>
                 <a:defRPr/>
               </a:pPr>
-              <a:t>Tuesday, March 31, 2020</a:t>
+              <a:t>Thursday, January 6, 2022</a:t>
             </a:fld>
             <a:endParaRPr lang="en-US" dirty="0"/>
           </a:p>
@@ -2379,7 +2718,7 @@
             <a:pPr>
               <a:defRPr/>
             </a:pPr>
-            <a:endParaRPr lang="en-US"/>
+            <a:endParaRPr lang="en-US" dirty="0"/>
           </a:p>
         </p:txBody>
       </p:sp>
@@ -2458,10 +2797,9 @@
           <a:lstStyle/>
           <a:p>
             <a:r>
-              <a:rPr lang="en-US" smtClean="0"/>
+              <a:rPr lang="en-US"/>
               <a:t>Click to edit Master title style</a:t>
             </a:r>
-            <a:endParaRPr lang="en-US"/>
           </a:p>
         </p:txBody>
       </p:sp>
@@ -2482,38 +2820,37 @@
           <a:p>
             <a:pPr lvl="0"/>
             <a:r>
-              <a:rPr lang="en-US" smtClean="0"/>
+              <a:rPr lang="en-US"/>
               <a:t>Click to edit Master text styles</a:t>
             </a:r>
           </a:p>
           <a:p>
             <a:pPr lvl="1"/>
             <a:r>
-              <a:rPr lang="en-US" smtClean="0"/>
+              <a:rPr lang="en-US"/>
               <a:t>Second level</a:t>
             </a:r>
           </a:p>
           <a:p>
             <a:pPr lvl="2"/>
             <a:r>
-              <a:rPr lang="en-US" smtClean="0"/>
+              <a:rPr lang="en-US"/>
               <a:t>Third level</a:t>
             </a:r>
           </a:p>
           <a:p>
             <a:pPr lvl="3"/>
             <a:r>
-              <a:rPr lang="en-US" smtClean="0"/>
+              <a:rPr lang="en-US"/>
               <a:t>Fourth level</a:t>
             </a:r>
           </a:p>
           <a:p>
             <a:pPr lvl="4"/>
             <a:r>
-              <a:rPr lang="en-US" smtClean="0"/>
+              <a:rPr lang="en-US"/>
               <a:t>Fifth level</a:t>
             </a:r>
-            <a:endParaRPr lang="en-US"/>
           </a:p>
         </p:txBody>
       </p:sp>
@@ -2540,7 +2877,7 @@
               <a:pPr>
                 <a:defRPr/>
               </a:pPr>
-              <a:t>Tuesday, March 31, 2020</a:t>
+              <a:t>Thursday, January 6, 2022</a:t>
             </a:fld>
             <a:endParaRPr lang="en-US" dirty="0"/>
           </a:p>
@@ -2564,7 +2901,7 @@
             <a:pPr>
               <a:defRPr/>
             </a:pPr>
-            <a:endParaRPr lang="en-US"/>
+            <a:endParaRPr lang="en-US" dirty="0"/>
           </a:p>
         </p:txBody>
       </p:sp>
@@ -2593,7 +2930,7 @@
               </a:pPr>
               <a:t>‹#›</a:t>
             </a:fld>
-            <a:endParaRPr lang="en-US"/>
+            <a:endParaRPr lang="en-US" dirty="0"/>
           </a:p>
         </p:txBody>
       </p:sp>
@@ -2648,10 +2985,9 @@
           <a:lstStyle/>
           <a:p>
             <a:r>
-              <a:rPr lang="en-US" smtClean="0"/>
+              <a:rPr lang="en-US"/>
               <a:t>Click to edit Master title style</a:t>
             </a:r>
-            <a:endParaRPr lang="en-US"/>
           </a:p>
         </p:txBody>
       </p:sp>
@@ -2677,38 +3013,37 @@
           <a:p>
             <a:pPr lvl="0"/>
             <a:r>
-              <a:rPr lang="en-US" smtClean="0"/>
+              <a:rPr lang="en-US"/>
               <a:t>Click to edit Master text styles</a:t>
             </a:r>
           </a:p>
           <a:p>
             <a:pPr lvl="1"/>
             <a:r>
-              <a:rPr lang="en-US" smtClean="0"/>
+              <a:rPr lang="en-US"/>
               <a:t>Second level</a:t>
             </a:r>
           </a:p>
           <a:p>
             <a:pPr lvl="2"/>
             <a:r>
-              <a:rPr lang="en-US" smtClean="0"/>
+              <a:rPr lang="en-US"/>
               <a:t>Third level</a:t>
             </a:r>
           </a:p>
           <a:p>
             <a:pPr lvl="3"/>
             <a:r>
-              <a:rPr lang="en-US" smtClean="0"/>
+              <a:rPr lang="en-US"/>
               <a:t>Fourth level</a:t>
             </a:r>
           </a:p>
           <a:p>
             <a:pPr lvl="4"/>
             <a:r>
-              <a:rPr lang="en-US" smtClean="0"/>
+              <a:rPr lang="en-US"/>
               <a:t>Fifth level</a:t>
             </a:r>
-            <a:endParaRPr lang="en-US"/>
           </a:p>
         </p:txBody>
       </p:sp>
@@ -2735,7 +3070,7 @@
               <a:pPr>
                 <a:defRPr/>
               </a:pPr>
-              <a:t>Tuesday, March 31, 2020</a:t>
+              <a:t>Thursday, January 6, 2022</a:t>
             </a:fld>
             <a:endParaRPr lang="en-US" dirty="0"/>
           </a:p>
@@ -2759,7 +3094,7 @@
             <a:pPr>
               <a:defRPr/>
             </a:pPr>
-            <a:endParaRPr lang="en-US"/>
+            <a:endParaRPr lang="en-US" dirty="0"/>
           </a:p>
         </p:txBody>
       </p:sp>
@@ -2788,7 +3123,7 @@
               </a:pPr>
               <a:t>‹#›</a:t>
             </a:fld>
-            <a:endParaRPr lang="en-US"/>
+            <a:endParaRPr lang="en-US" dirty="0"/>
           </a:p>
         </p:txBody>
       </p:sp>
@@ -2838,10 +3173,9 @@
           <a:lstStyle/>
           <a:p>
             <a:r>
-              <a:rPr lang="en-US" smtClean="0"/>
+              <a:rPr lang="en-US"/>
               <a:t>Click to edit Master title style</a:t>
             </a:r>
-            <a:endParaRPr lang="en-US"/>
           </a:p>
         </p:txBody>
       </p:sp>
@@ -2862,38 +3196,37 @@
           <a:p>
             <a:pPr lvl="0"/>
             <a:r>
-              <a:rPr lang="en-US" smtClean="0"/>
+              <a:rPr lang="en-US"/>
               <a:t>Click to edit Master text styles</a:t>
             </a:r>
           </a:p>
           <a:p>
             <a:pPr lvl="1"/>
             <a:r>
-              <a:rPr lang="en-US" smtClean="0"/>
+              <a:rPr lang="en-US"/>
               <a:t>Second level</a:t>
             </a:r>
           </a:p>
           <a:p>
             <a:pPr lvl="2"/>
             <a:r>
-              <a:rPr lang="en-US" smtClean="0"/>
+              <a:rPr lang="en-US"/>
               <a:t>Third level</a:t>
             </a:r>
           </a:p>
           <a:p>
             <a:pPr lvl="3"/>
             <a:r>
-              <a:rPr lang="en-US" smtClean="0"/>
+              <a:rPr lang="en-US"/>
               <a:t>Fourth level</a:t>
             </a:r>
           </a:p>
           <a:p>
             <a:pPr lvl="4"/>
             <a:r>
-              <a:rPr lang="en-US" smtClean="0"/>
+              <a:rPr lang="en-US"/>
               <a:t>Fifth level</a:t>
             </a:r>
-            <a:endParaRPr lang="en-US"/>
           </a:p>
         </p:txBody>
       </p:sp>
@@ -2920,7 +3253,7 @@
               <a:pPr>
                 <a:defRPr/>
               </a:pPr>
-              <a:t>Tuesday, March 31, 2020</a:t>
+              <a:t>Thursday, January 6, 2022</a:t>
             </a:fld>
             <a:endParaRPr lang="en-US" dirty="0"/>
           </a:p>
@@ -2944,7 +3277,7 @@
             <a:pPr>
               <a:defRPr/>
             </a:pPr>
-            <a:endParaRPr lang="en-US"/>
+            <a:endParaRPr lang="en-US" dirty="0"/>
           </a:p>
         </p:txBody>
       </p:sp>
@@ -2973,7 +3306,7 @@
               </a:pPr>
               <a:t>‹#›</a:t>
             </a:fld>
-            <a:endParaRPr lang="en-US"/>
+            <a:endParaRPr lang="en-US" dirty="0"/>
           </a:p>
         </p:txBody>
       </p:sp>
@@ -3032,10 +3365,9 @@
           </a:lstStyle>
           <a:p>
             <a:r>
-              <a:rPr lang="en-US" smtClean="0"/>
+              <a:rPr lang="en-US"/>
               <a:t>Click to edit Master title style</a:t>
             </a:r>
-            <a:endParaRPr lang="en-US"/>
           </a:p>
         </p:txBody>
       </p:sp>
@@ -3152,7 +3484,7 @@
           <a:p>
             <a:pPr lvl="0"/>
             <a:r>
-              <a:rPr lang="en-US" smtClean="0"/>
+              <a:rPr lang="en-US"/>
               <a:t>Click to edit Master text styles</a:t>
             </a:r>
           </a:p>
@@ -3181,9 +3513,9 @@
               <a:pPr>
                 <a:defRPr/>
               </a:pPr>
-              <a:t>Tuesday, March 31, 2020</a:t>
+              <a:t>Thursday, January 6, 2022</a:t>
             </a:fld>
-            <a:endParaRPr lang="en-US"/>
+            <a:endParaRPr lang="en-US" dirty="0"/>
           </a:p>
         </p:txBody>
       </p:sp>
@@ -3205,7 +3537,7 @@
             <a:pPr>
               <a:defRPr/>
             </a:pPr>
-            <a:endParaRPr lang="en-US"/>
+            <a:endParaRPr lang="en-US" dirty="0"/>
           </a:p>
         </p:txBody>
       </p:sp>
@@ -3234,7 +3566,7 @@
               </a:pPr>
               <a:t>‹#›</a:t>
             </a:fld>
-            <a:endParaRPr lang="en-US"/>
+            <a:endParaRPr lang="en-US" dirty="0"/>
           </a:p>
         </p:txBody>
       </p:sp>
@@ -3284,10 +3616,9 @@
           <a:lstStyle/>
           <a:p>
             <a:r>
-              <a:rPr lang="en-US" smtClean="0"/>
+              <a:rPr lang="en-US"/>
               <a:t>Click to edit Master title style</a:t>
             </a:r>
-            <a:endParaRPr lang="en-US"/>
           </a:p>
         </p:txBody>
       </p:sp>
@@ -3341,38 +3672,37 @@
           <a:p>
             <a:pPr lvl="0"/>
             <a:r>
-              <a:rPr lang="en-US" smtClean="0"/>
+              <a:rPr lang="en-US"/>
               <a:t>Click to edit Master text styles</a:t>
             </a:r>
           </a:p>
           <a:p>
             <a:pPr lvl="1"/>
             <a:r>
-              <a:rPr lang="en-US" smtClean="0"/>
+              <a:rPr lang="en-US"/>
               <a:t>Second level</a:t>
             </a:r>
           </a:p>
           <a:p>
             <a:pPr lvl="2"/>
             <a:r>
-              <a:rPr lang="en-US" smtClean="0"/>
+              <a:rPr lang="en-US"/>
               <a:t>Third level</a:t>
             </a:r>
           </a:p>
           <a:p>
             <a:pPr lvl="3"/>
             <a:r>
-              <a:rPr lang="en-US" smtClean="0"/>
+              <a:rPr lang="en-US"/>
               <a:t>Fourth level</a:t>
             </a:r>
           </a:p>
           <a:p>
             <a:pPr lvl="4"/>
             <a:r>
-              <a:rPr lang="en-US" smtClean="0"/>
+              <a:rPr lang="en-US"/>
               <a:t>Fifth level</a:t>
             </a:r>
-            <a:endParaRPr lang="en-US"/>
           </a:p>
         </p:txBody>
       </p:sp>
@@ -3426,38 +3756,37 @@
           <a:p>
             <a:pPr lvl="0"/>
             <a:r>
-              <a:rPr lang="en-US" smtClean="0"/>
+              <a:rPr lang="en-US"/>
               <a:t>Click to edit Master text styles</a:t>
             </a:r>
           </a:p>
           <a:p>
             <a:pPr lvl="1"/>
             <a:r>
-              <a:rPr lang="en-US" smtClean="0"/>
+              <a:rPr lang="en-US"/>
               <a:t>Second level</a:t>
             </a:r>
           </a:p>
           <a:p>
             <a:pPr lvl="2"/>
             <a:r>
-              <a:rPr lang="en-US" smtClean="0"/>
+              <a:rPr lang="en-US"/>
               <a:t>Third level</a:t>
             </a:r>
           </a:p>
           <a:p>
             <a:pPr lvl="3"/>
             <a:r>
-              <a:rPr lang="en-US" smtClean="0"/>
+              <a:rPr lang="en-US"/>
               <a:t>Fourth level</a:t>
             </a:r>
           </a:p>
           <a:p>
             <a:pPr lvl="4"/>
             <a:r>
-              <a:rPr lang="en-US" smtClean="0"/>
+              <a:rPr lang="en-US"/>
               <a:t>Fifth level</a:t>
             </a:r>
-            <a:endParaRPr lang="en-US"/>
           </a:p>
         </p:txBody>
       </p:sp>
@@ -3484,9 +3813,9 @@
               <a:pPr>
                 <a:defRPr/>
               </a:pPr>
-              <a:t>Tuesday, March 31, 2020</a:t>
+              <a:t>Thursday, January 6, 2022</a:t>
             </a:fld>
-            <a:endParaRPr lang="en-US"/>
+            <a:endParaRPr lang="en-US" dirty="0"/>
           </a:p>
         </p:txBody>
       </p:sp>
@@ -3508,7 +3837,7 @@
             <a:pPr>
               <a:defRPr/>
             </a:pPr>
-            <a:endParaRPr lang="en-US"/>
+            <a:endParaRPr lang="en-US" dirty="0"/>
           </a:p>
         </p:txBody>
       </p:sp>
@@ -3537,7 +3866,7 @@
               </a:pPr>
               <a:t>‹#›</a:t>
             </a:fld>
-            <a:endParaRPr lang="en-US"/>
+            <a:endParaRPr lang="en-US" dirty="0"/>
           </a:p>
         </p:txBody>
       </p:sp>
@@ -3591,10 +3920,9 @@
           </a:lstStyle>
           <a:p>
             <a:r>
-              <a:rPr lang="en-US" smtClean="0"/>
+              <a:rPr lang="en-US"/>
               <a:t>Click to edit Master title style</a:t>
             </a:r>
-            <a:endParaRPr lang="en-US"/>
           </a:p>
         </p:txBody>
       </p:sp>
@@ -3657,7 +3985,7 @@
           <a:p>
             <a:pPr lvl="0"/>
             <a:r>
-              <a:rPr lang="en-US" smtClean="0"/>
+              <a:rPr lang="en-US"/>
               <a:t>Click to edit Master text styles</a:t>
             </a:r>
           </a:p>
@@ -3713,38 +4041,37 @@
           <a:p>
             <a:pPr lvl="0"/>
             <a:r>
-              <a:rPr lang="en-US" smtClean="0"/>
+              <a:rPr lang="en-US"/>
               <a:t>Click to edit Master text styles</a:t>
             </a:r>
           </a:p>
           <a:p>
             <a:pPr lvl="1"/>
             <a:r>
-              <a:rPr lang="en-US" smtClean="0"/>
+              <a:rPr lang="en-US"/>
               <a:t>Second level</a:t>
             </a:r>
           </a:p>
           <a:p>
             <a:pPr lvl="2"/>
             <a:r>
-              <a:rPr lang="en-US" smtClean="0"/>
+              <a:rPr lang="en-US"/>
               <a:t>Third level</a:t>
             </a:r>
           </a:p>
           <a:p>
             <a:pPr lvl="3"/>
             <a:r>
-              <a:rPr lang="en-US" smtClean="0"/>
+              <a:rPr lang="en-US"/>
               <a:t>Fourth level</a:t>
             </a:r>
           </a:p>
           <a:p>
             <a:pPr lvl="4"/>
             <a:r>
-              <a:rPr lang="en-US" smtClean="0"/>
+              <a:rPr lang="en-US"/>
               <a:t>Fifth level</a:t>
             </a:r>
-            <a:endParaRPr lang="en-US"/>
           </a:p>
         </p:txBody>
       </p:sp>
@@ -3807,7 +4134,7 @@
           <a:p>
             <a:pPr lvl="0"/>
             <a:r>
-              <a:rPr lang="en-US" smtClean="0"/>
+              <a:rPr lang="en-US"/>
               <a:t>Click to edit Master text styles</a:t>
             </a:r>
           </a:p>
@@ -3863,38 +4190,37 @@
           <a:p>
             <a:pPr lvl="0"/>
             <a:r>
-              <a:rPr lang="en-US" smtClean="0"/>
+              <a:rPr lang="en-US"/>
               <a:t>Click to edit Master text styles</a:t>
             </a:r>
           </a:p>
           <a:p>
             <a:pPr lvl="1"/>
             <a:r>
-              <a:rPr lang="en-US" smtClean="0"/>
+              <a:rPr lang="en-US"/>
               <a:t>Second level</a:t>
             </a:r>
           </a:p>
           <a:p>
             <a:pPr lvl="2"/>
             <a:r>
-              <a:rPr lang="en-US" smtClean="0"/>
+              <a:rPr lang="en-US"/>
               <a:t>Third level</a:t>
             </a:r>
           </a:p>
           <a:p>
             <a:pPr lvl="3"/>
             <a:r>
-              <a:rPr lang="en-US" smtClean="0"/>
+              <a:rPr lang="en-US"/>
               <a:t>Fourth level</a:t>
             </a:r>
           </a:p>
           <a:p>
             <a:pPr lvl="4"/>
             <a:r>
-              <a:rPr lang="en-US" smtClean="0"/>
+              <a:rPr lang="en-US"/>
               <a:t>Fifth level</a:t>
             </a:r>
-            <a:endParaRPr lang="en-US"/>
           </a:p>
         </p:txBody>
       </p:sp>
@@ -3921,9 +4247,9 @@
               <a:pPr>
                 <a:defRPr/>
               </a:pPr>
-              <a:t>Tuesday, March 31, 2020</a:t>
+              <a:t>Thursday, January 6, 2022</a:t>
             </a:fld>
-            <a:endParaRPr lang="en-US"/>
+            <a:endParaRPr lang="en-US" dirty="0"/>
           </a:p>
         </p:txBody>
       </p:sp>
@@ -3945,7 +4271,7 @@
             <a:pPr>
               <a:defRPr/>
             </a:pPr>
-            <a:endParaRPr lang="en-US"/>
+            <a:endParaRPr lang="en-US" dirty="0"/>
           </a:p>
         </p:txBody>
       </p:sp>
@@ -3974,7 +4300,7 @@
               </a:pPr>
               <a:t>‹#›</a:t>
             </a:fld>
-            <a:endParaRPr lang="en-US"/>
+            <a:endParaRPr lang="en-US" dirty="0"/>
           </a:p>
         </p:txBody>
       </p:sp>
@@ -4024,10 +4350,9 @@
           <a:lstStyle/>
           <a:p>
             <a:r>
-              <a:rPr lang="en-US" smtClean="0"/>
+              <a:rPr lang="en-US"/>
               <a:t>Click to edit Master title style</a:t>
             </a:r>
-            <a:endParaRPr lang="en-US"/>
           </a:p>
         </p:txBody>
       </p:sp>
@@ -4054,9 +4379,9 @@
               <a:pPr>
                 <a:defRPr/>
               </a:pPr>
-              <a:t>Tuesday, March 31, 2020</a:t>
+              <a:t>Thursday, January 6, 2022</a:t>
             </a:fld>
-            <a:endParaRPr lang="en-US"/>
+            <a:endParaRPr lang="en-US" dirty="0"/>
           </a:p>
         </p:txBody>
       </p:sp>
@@ -4078,7 +4403,7 @@
             <a:pPr>
               <a:defRPr/>
             </a:pPr>
-            <a:endParaRPr lang="en-US"/>
+            <a:endParaRPr lang="en-US" dirty="0"/>
           </a:p>
         </p:txBody>
       </p:sp>
@@ -4107,7 +4432,7 @@
               </a:pPr>
               <a:t>‹#›</a:t>
             </a:fld>
-            <a:endParaRPr lang="en-US"/>
+            <a:endParaRPr lang="en-US" dirty="0"/>
           </a:p>
         </p:txBody>
       </p:sp>
@@ -4164,7 +4489,7 @@
               <a:pPr>
                 <a:defRPr/>
               </a:pPr>
-              <a:t>Tuesday, March 31, 2020</a:t>
+              <a:t>Thursday, January 6, 2022</a:t>
             </a:fld>
             <a:endParaRPr lang="en-US" dirty="0"/>
           </a:p>
@@ -4188,7 +4513,7 @@
             <a:pPr>
               <a:defRPr/>
             </a:pPr>
-            <a:endParaRPr lang="en-US"/>
+            <a:endParaRPr lang="en-US" dirty="0"/>
           </a:p>
         </p:txBody>
       </p:sp>
@@ -4217,7 +4542,7 @@
               </a:pPr>
               <a:t>‹#›</a:t>
             </a:fld>
-            <a:endParaRPr lang="en-US"/>
+            <a:endParaRPr lang="en-US" dirty="0"/>
           </a:p>
         </p:txBody>
       </p:sp>
@@ -4276,10 +4601,9 @@
           </a:lstStyle>
           <a:p>
             <a:r>
-              <a:rPr lang="en-US" smtClean="0"/>
+              <a:rPr lang="en-US"/>
               <a:t>Click to edit Master title style</a:t>
             </a:r>
-            <a:endParaRPr lang="en-US"/>
           </a:p>
         </p:txBody>
       </p:sp>
@@ -4333,38 +4657,37 @@
           <a:p>
             <a:pPr lvl="0"/>
             <a:r>
-              <a:rPr lang="en-US" smtClean="0"/>
+              <a:rPr lang="en-US"/>
               <a:t>Click to edit Master text styles</a:t>
             </a:r>
           </a:p>
           <a:p>
             <a:pPr lvl="1"/>
             <a:r>
-              <a:rPr lang="en-US" smtClean="0"/>
+              <a:rPr lang="en-US"/>
               <a:t>Second level</a:t>
             </a:r>
           </a:p>
           <a:p>
             <a:pPr lvl="2"/>
             <a:r>
-              <a:rPr lang="en-US" smtClean="0"/>
+              <a:rPr lang="en-US"/>
               <a:t>Third level</a:t>
             </a:r>
           </a:p>
           <a:p>
             <a:pPr lvl="3"/>
             <a:r>
-              <a:rPr lang="en-US" smtClean="0"/>
+              <a:rPr lang="en-US"/>
               <a:t>Fourth level</a:t>
             </a:r>
           </a:p>
           <a:p>
             <a:pPr lvl="4"/>
             <a:r>
-              <a:rPr lang="en-US" smtClean="0"/>
+              <a:rPr lang="en-US"/>
               <a:t>Fifth level</a:t>
             </a:r>
-            <a:endParaRPr lang="en-US"/>
           </a:p>
         </p:txBody>
       </p:sp>
@@ -4427,7 +4750,7 @@
           <a:p>
             <a:pPr lvl="0"/>
             <a:r>
-              <a:rPr lang="en-US" smtClean="0"/>
+              <a:rPr lang="en-US"/>
               <a:t>Click to edit Master text styles</a:t>
             </a:r>
           </a:p>
@@ -4456,9 +4779,9 @@
               <a:pPr>
                 <a:defRPr/>
               </a:pPr>
-              <a:t>Tuesday, March 31, 2020</a:t>
+              <a:t>Thursday, January 6, 2022</a:t>
             </a:fld>
-            <a:endParaRPr lang="en-US"/>
+            <a:endParaRPr lang="en-US" dirty="0"/>
           </a:p>
         </p:txBody>
       </p:sp>
@@ -4480,7 +4803,7 @@
             <a:pPr>
               <a:defRPr/>
             </a:pPr>
-            <a:endParaRPr lang="en-US"/>
+            <a:endParaRPr lang="en-US" dirty="0"/>
           </a:p>
         </p:txBody>
       </p:sp>
@@ -4509,7 +4832,7 @@
               </a:pPr>
               <a:t>‹#›</a:t>
             </a:fld>
-            <a:endParaRPr lang="en-US"/>
+            <a:endParaRPr lang="en-US" dirty="0"/>
           </a:p>
         </p:txBody>
       </p:sp>
@@ -4568,10 +4891,9 @@
           </a:lstStyle>
           <a:p>
             <a:r>
-              <a:rPr lang="en-US" smtClean="0"/>
+              <a:rPr lang="en-US"/>
               <a:t>Click to edit Master title style</a:t>
             </a:r>
-            <a:endParaRPr lang="en-US"/>
           </a:p>
         </p:txBody>
       </p:sp>
@@ -4632,7 +4954,7 @@
             </a:lvl9pPr>
           </a:lstStyle>
           <a:p>
-            <a:endParaRPr lang="en-US"/>
+            <a:endParaRPr lang="en-US" dirty="0"/>
           </a:p>
         </p:txBody>
       </p:sp>
@@ -4695,7 +5017,7 @@
           <a:p>
             <a:pPr lvl="0"/>
             <a:r>
-              <a:rPr lang="en-US" smtClean="0"/>
+              <a:rPr lang="en-US"/>
               <a:t>Click to edit Master text styles</a:t>
             </a:r>
           </a:p>
@@ -4724,9 +5046,9 @@
               <a:pPr>
                 <a:defRPr/>
               </a:pPr>
-              <a:t>Tuesday, March 31, 2020</a:t>
+              <a:t>Thursday, January 6, 2022</a:t>
             </a:fld>
-            <a:endParaRPr lang="en-US"/>
+            <a:endParaRPr lang="en-US" dirty="0"/>
           </a:p>
         </p:txBody>
       </p:sp>
@@ -4748,7 +5070,7 @@
             <a:pPr>
               <a:defRPr/>
             </a:pPr>
-            <a:endParaRPr lang="en-US"/>
+            <a:endParaRPr lang="en-US" dirty="0"/>
           </a:p>
         </p:txBody>
       </p:sp>
@@ -4777,7 +5099,7 @@
               </a:pPr>
               <a:t>‹#›</a:t>
             </a:fld>
-            <a:endParaRPr lang="en-US"/>
+            <a:endParaRPr lang="en-US" dirty="0"/>
           </a:p>
         </p:txBody>
       </p:sp>
@@ -4842,10 +5164,9 @@
           <a:lstStyle/>
           <a:p>
             <a:r>
-              <a:rPr lang="en-US" smtClean="0"/>
+              <a:rPr lang="en-US"/>
               <a:t>Click to edit Master title style</a:t>
             </a:r>
-            <a:endParaRPr lang="en-US"/>
           </a:p>
         </p:txBody>
       </p:sp>
@@ -4876,38 +5197,37 @@
           <a:p>
             <a:pPr lvl="0"/>
             <a:r>
-              <a:rPr lang="en-US" smtClean="0"/>
+              <a:rPr lang="en-US"/>
               <a:t>Click to edit Master text styles</a:t>
             </a:r>
           </a:p>
           <a:p>
             <a:pPr lvl="1"/>
             <a:r>
-              <a:rPr lang="en-US" smtClean="0"/>
+              <a:rPr lang="en-US"/>
               <a:t>Second level</a:t>
             </a:r>
           </a:p>
           <a:p>
             <a:pPr lvl="2"/>
             <a:r>
-              <a:rPr lang="en-US" smtClean="0"/>
+              <a:rPr lang="en-US"/>
               <a:t>Third level</a:t>
             </a:r>
           </a:p>
           <a:p>
             <a:pPr lvl="3"/>
             <a:r>
-              <a:rPr lang="en-US" smtClean="0"/>
+              <a:rPr lang="en-US"/>
               <a:t>Fourth level</a:t>
             </a:r>
           </a:p>
           <a:p>
             <a:pPr lvl="4"/>
             <a:r>
-              <a:rPr lang="en-US" smtClean="0"/>
+              <a:rPr lang="en-US"/>
               <a:t>Fifth level</a:t>
             </a:r>
-            <a:endParaRPr lang="en-US"/>
           </a:p>
         </p:txBody>
       </p:sp>
@@ -4952,7 +5272,7 @@
               <a:pPr>
                 <a:defRPr/>
               </a:pPr>
-              <a:t>Tuesday, March 31, 2020</a:t>
+              <a:t>Thursday, January 6, 2022</a:t>
             </a:fld>
             <a:endParaRPr lang="en-US" dirty="0"/>
           </a:p>
@@ -4994,7 +5314,7 @@
             <a:pPr>
               <a:defRPr/>
             </a:pPr>
-            <a:endParaRPr lang="en-US"/>
+            <a:endParaRPr lang="en-US" dirty="0"/>
           </a:p>
         </p:txBody>
       </p:sp>
@@ -5041,7 +5361,7 @@
               </a:pPr>
               <a:t>‹#›</a:t>
             </a:fld>
-            <a:endParaRPr lang="en-US"/>
+            <a:endParaRPr lang="en-US" dirty="0"/>
           </a:p>
         </p:txBody>
       </p:sp>
@@ -5352,10 +5672,9 @@
           <a:lstStyle/>
           <a:p>
             <a:r>
-              <a:rPr lang="en-US" dirty="0" smtClean="0"/>
+              <a:rPr lang="en-US" dirty="0"/>
               <a:t>CSSE 220</a:t>
             </a:r>
-            <a:endParaRPr lang="en-US" dirty="0"/>
           </a:p>
         </p:txBody>
       </p:sp>
@@ -5375,22 +5694,21 @@
           <a:lstStyle/>
           <a:p>
             <a:r>
-              <a:rPr lang="en-US" dirty="0" smtClean="0"/>
+              <a:rPr lang="en-US" dirty="0"/>
               <a:t>Variable Scope</a:t>
             </a:r>
           </a:p>
           <a:p>
             <a:r>
-              <a:rPr lang="en-US" dirty="0" smtClean="0"/>
+              <a:rPr lang="en-US" dirty="0"/>
               <a:t>Console Input</a:t>
             </a:r>
           </a:p>
           <a:p>
             <a:r>
-              <a:rPr lang="en-US" dirty="0" smtClean="0"/>
+              <a:rPr lang="en-US" dirty="0"/>
               <a:t>Unit Testing</a:t>
             </a:r>
-            <a:endParaRPr lang="en-US" dirty="0" smtClean="0"/>
           </a:p>
         </p:txBody>
       </p:sp>
@@ -5447,49 +5765,7 @@
                 </a:uFill>
                 <a:latin typeface="Calibri"/>
               </a:rPr>
-              <a:t>Check </a:t>
-            </a:r>
-            <a:r>
-              <a:rPr lang="en-US" sz="2400" b="0" strike="noStrike" spc="-1" dirty="0" smtClean="0">
-                <a:solidFill>
-                  <a:srgbClr val="FFFFFF"/>
-                </a:solidFill>
-                <a:uFill>
-                  <a:solidFill>
-                    <a:srgbClr val="FFFFFF"/>
-                  </a:solidFill>
-                </a:uFill>
-                <a:latin typeface="Calibri"/>
-              </a:rPr>
-              <a:t>out </a:t>
-            </a:r>
-            <a:r>
-              <a:rPr lang="en-US" sz="2400" b="0" strike="noStrike" spc="-1" dirty="0" err="1" smtClean="0">
-                <a:solidFill>
-                  <a:srgbClr val="FFFFFF"/>
-                </a:solidFill>
-                <a:uFill>
-                  <a:solidFill>
-                    <a:srgbClr val="FFFFFF"/>
-                  </a:solidFill>
-                </a:uFill>
-                <a:latin typeface="Calibri"/>
-              </a:rPr>
-              <a:t>ConsoleAndUnitTestingPractice</a:t>
-            </a:r>
-            <a:r>
-              <a:rPr lang="en-US" sz="2400" b="0" strike="noStrike" spc="-1" dirty="0" smtClean="0">
-                <a:solidFill>
-                  <a:srgbClr val="FFFFFF"/>
-                </a:solidFill>
-                <a:uFill>
-                  <a:solidFill>
-                    <a:srgbClr val="FFFFFF"/>
-                  </a:solidFill>
-                </a:uFill>
-                <a:latin typeface="Calibri"/>
-              </a:rPr>
-              <a:t>.</a:t>
+              <a:t>Check out ConsoleAndUnitTestingPractice.</a:t>
             </a:r>
             <a:endParaRPr lang="en-US" sz="1800" b="0" strike="noStrike" spc="-1" dirty="0">
               <a:solidFill>
@@ -5510,13 +5786,6 @@
   <p:clrMapOvr>
     <a:masterClrMapping/>
   </p:clrMapOvr>
-  <p:timing>
-    <p:tnLst>
-      <p:par>
-        <p:cTn id="1" dur="indefinite" restart="never" nodeType="tmRoot"/>
-      </p:par>
-    </p:tnLst>
-  </p:timing>
 </p:sld>
 </file>
 
@@ -5539,7 +5808,7 @@
       </p:grpSpPr>
       <p:sp>
         <p:nvSpPr>
-          <p:cNvPr id="4" name="Title 3"/>
+          <p:cNvPr id="2" name="Title 1"/>
           <p:cNvSpPr>
             <a:spLocks noGrp="1"/>
           </p:cNvSpPr>
@@ -5547,66 +5816,446 @@
             <p:ph type="title"/>
           </p:nvPr>
         </p:nvSpPr>
-        <p:spPr/>
-        <p:txBody>
-          <a:bodyPr/>
-          <a:lstStyle/>
-          <a:p>
-            <a:pPr eaLnBrk="1" hangingPunct="1">
-              <a:defRPr/>
+        <p:spPr>
+          <a:xfrm>
+            <a:off x="457200" y="131763"/>
+            <a:ext cx="8229600" cy="1143000"/>
+          </a:xfrm>
+        </p:spPr>
+        <p:txBody>
+          <a:bodyPr>
+            <a:normAutofit fontScale="90000"/>
+          </a:bodyPr>
+          <a:lstStyle/>
+          <a:p>
+            <a:r>
+              <a:rPr lang="en-US" dirty="0"/>
+              <a:t>Global/Static Variables are bad, why? </a:t>
+            </a:r>
+          </a:p>
+        </p:txBody>
+      </p:sp>
+      <p:sp>
+        <p:nvSpPr>
+          <p:cNvPr id="3" name="Content Placeholder 2"/>
+          <p:cNvSpPr>
+            <a:spLocks noGrp="1"/>
+          </p:cNvSpPr>
+          <p:nvPr>
+            <p:ph idx="1"/>
+          </p:nvPr>
+        </p:nvSpPr>
+        <p:spPr>
+          <a:xfrm>
+            <a:off x="723900" y="1066801"/>
+            <a:ext cx="8229600" cy="590549"/>
+          </a:xfrm>
+        </p:spPr>
+        <p:txBody>
+          <a:bodyPr>
+            <a:noAutofit/>
+          </a:bodyPr>
+          <a:lstStyle/>
+          <a:p>
+            <a:pPr marL="0" indent="0">
+              <a:buNone/>
             </a:pPr>
             <a:r>
-              <a:rPr lang="en-US" dirty="0" smtClean="0"/>
-              <a:t>Console Input with </a:t>
-            </a:r>
-            <a:r>
-              <a:rPr lang="en-US" dirty="0" err="1" smtClean="0"/>
-              <a:t>java.util.scanner</a:t>
-            </a:r>
+              <a:rPr lang="en-US" sz="2400" dirty="0"/>
+              <a:t>For example, what if </a:t>
+            </a:r>
+            <a:r>
+              <a:rPr lang="en-US" sz="2400" i="1" dirty="0"/>
+              <a:t>planetColor</a:t>
+            </a:r>
+            <a:r>
+              <a:rPr lang="en-US" sz="2400" dirty="0"/>
+              <a:t>, </a:t>
+            </a:r>
+            <a:r>
+              <a:rPr lang="en-US" sz="2400" i="1" dirty="0"/>
+              <a:t>moonColor</a:t>
+            </a:r>
+            <a:r>
+              <a:rPr lang="en-US" sz="2400" dirty="0"/>
+              <a:t> were static?</a:t>
+            </a:r>
+          </a:p>
+        </p:txBody>
+      </p:sp>
+      <p:pic>
+        <p:nvPicPr>
+          <p:cNvPr id="5" name="Graphic 4">
+            <a:extLst>
+              <a:ext uri="{FF2B5EF4-FFF2-40B4-BE49-F238E27FC236}">
+                <a16:creationId xmlns:a16="http://schemas.microsoft.com/office/drawing/2014/main" id="{7218954B-0EDE-D645-A8A2-FC65644952F3}"/>
+              </a:ext>
+            </a:extLst>
+          </p:cNvPr>
+          <p:cNvPicPr>
+            <a:picLocks noChangeAspect="1"/>
+          </p:cNvPicPr>
+          <p:nvPr/>
+        </p:nvPicPr>
+        <p:blipFill>
+          <a:blip r:embed="rId3">
+            <a:extLst>
+              <a:ext uri="{28A0092B-C50C-407E-A947-70E740481C1C}">
+                <a14:useLocalDpi xmlns:a14="http://schemas.microsoft.com/office/drawing/2010/main" val="0"/>
+              </a:ext>
+              <a:ext uri="{96DAC541-7B7A-43D3-8B79-37D633B846F1}">
+                <asvg:svgBlip xmlns:asvg="http://schemas.microsoft.com/office/drawing/2016/SVG/main" r:embed="rId4"/>
+              </a:ext>
+            </a:extLst>
+          </a:blip>
+          <a:stretch>
+            <a:fillRect/>
+          </a:stretch>
+        </p:blipFill>
+        <p:spPr>
+          <a:xfrm>
+            <a:off x="278130" y="2074243"/>
+            <a:ext cx="8622615" cy="2735372"/>
+          </a:xfrm>
+          <a:prstGeom prst="rect">
+            <a:avLst/>
+          </a:prstGeom>
+        </p:spPr>
+      </p:pic>
+      <p:sp>
+        <p:nvSpPr>
+          <p:cNvPr id="6" name="Rectangle 5">
+            <a:extLst>
+              <a:ext uri="{FF2B5EF4-FFF2-40B4-BE49-F238E27FC236}">
+                <a16:creationId xmlns:a16="http://schemas.microsoft.com/office/drawing/2014/main" id="{7E635863-EDE1-3A41-AEA0-7057E65ED8A7}"/>
+              </a:ext>
+            </a:extLst>
+          </p:cNvPr>
+          <p:cNvSpPr/>
+          <p:nvPr/>
+        </p:nvSpPr>
+        <p:spPr>
+          <a:xfrm>
+            <a:off x="5476876" y="2466976"/>
+            <a:ext cx="1752600" cy="285750"/>
+          </a:xfrm>
+          <a:prstGeom prst="rect">
+            <a:avLst/>
+          </a:prstGeom>
+          <a:noFill/>
+          <a:ln>
+            <a:solidFill>
+              <a:schemeClr val="tx2"/>
+            </a:solidFill>
+          </a:ln>
+        </p:spPr>
+        <p:style>
+          <a:lnRef idx="2">
+            <a:schemeClr val="accent1">
+              <a:shade val="50000"/>
+            </a:schemeClr>
+          </a:lnRef>
+          <a:fillRef idx="1">
+            <a:schemeClr val="accent1"/>
+          </a:fillRef>
+          <a:effectRef idx="0">
+            <a:schemeClr val="accent1"/>
+          </a:effectRef>
+          <a:fontRef idx="minor">
+            <a:schemeClr val="lt1"/>
+          </a:fontRef>
+        </p:style>
+        <p:txBody>
+          <a:bodyPr rtlCol="0" anchor="ctr"/>
+          <a:lstStyle/>
+          <a:p>
+            <a:pPr algn="ctr"/>
             <a:endParaRPr lang="en-US" dirty="0"/>
           </a:p>
         </p:txBody>
       </p:sp>
       <p:sp>
         <p:nvSpPr>
-          <p:cNvPr id="19459" name="Text Placeholder 4"/>
-          <p:cNvSpPr>
-            <a:spLocks noGrp="1"/>
-          </p:cNvSpPr>
-          <p:nvPr>
-            <p:ph type="body" idx="1"/>
-          </p:nvPr>
-        </p:nvSpPr>
-        <p:spPr/>
-        <p:txBody>
-          <a:bodyPr/>
-          <a:lstStyle/>
-          <a:p>
-            <a:pPr eaLnBrk="1" hangingPunct="1"/>
-            <a:r>
-              <a:rPr lang="en-US" dirty="0" smtClean="0"/>
-              <a:t>Reading keyboard input from the console</a:t>
-            </a:r>
+          <p:cNvPr id="9" name="Freeform 8">
+            <a:extLst>
+              <a:ext uri="{FF2B5EF4-FFF2-40B4-BE49-F238E27FC236}">
+                <a16:creationId xmlns:a16="http://schemas.microsoft.com/office/drawing/2014/main" id="{F516990A-07DC-564A-9C2E-66C6FAD95296}"/>
+              </a:ext>
+            </a:extLst>
+          </p:cNvPr>
+          <p:cNvSpPr/>
+          <p:nvPr/>
+        </p:nvSpPr>
+        <p:spPr>
+          <a:xfrm>
+            <a:off x="3335487" y="1347259"/>
+            <a:ext cx="3069054" cy="414932"/>
+          </a:xfrm>
+          <a:custGeom>
+            <a:avLst/>
+            <a:gdLst>
+              <a:gd name="connsiteX0" fmla="*/ 7788 w 3069054"/>
+              <a:gd name="connsiteY0" fmla="*/ 24341 h 414932"/>
+              <a:gd name="connsiteX1" fmla="*/ 64938 w 3069054"/>
+              <a:gd name="connsiteY1" fmla="*/ 243416 h 414932"/>
+              <a:gd name="connsiteX2" fmla="*/ 484038 w 3069054"/>
+              <a:gd name="connsiteY2" fmla="*/ 271991 h 414932"/>
+              <a:gd name="connsiteX3" fmla="*/ 1417488 w 3069054"/>
+              <a:gd name="connsiteY3" fmla="*/ 262466 h 414932"/>
+              <a:gd name="connsiteX4" fmla="*/ 1550838 w 3069054"/>
+              <a:gd name="connsiteY4" fmla="*/ 414866 h 414932"/>
+              <a:gd name="connsiteX5" fmla="*/ 1569888 w 3069054"/>
+              <a:gd name="connsiteY5" fmla="*/ 281516 h 414932"/>
+              <a:gd name="connsiteX6" fmla="*/ 1979463 w 3069054"/>
+              <a:gd name="connsiteY6" fmla="*/ 262466 h 414932"/>
+              <a:gd name="connsiteX7" fmla="*/ 2979588 w 3069054"/>
+              <a:gd name="connsiteY7" fmla="*/ 224366 h 414932"/>
+              <a:gd name="connsiteX8" fmla="*/ 3027213 w 3069054"/>
+              <a:gd name="connsiteY8" fmla="*/ 14816 h 414932"/>
+              <a:gd name="connsiteX9" fmla="*/ 3036738 w 3069054"/>
+              <a:gd name="connsiteY9" fmla="*/ 33866 h 414932"/>
+            </a:gdLst>
+            <a:ahLst/>
+            <a:cxnLst>
+              <a:cxn ang="0">
+                <a:pos x="connsiteX0" y="connsiteY0"/>
+              </a:cxn>
+              <a:cxn ang="0">
+                <a:pos x="connsiteX1" y="connsiteY1"/>
+              </a:cxn>
+              <a:cxn ang="0">
+                <a:pos x="connsiteX2" y="connsiteY2"/>
+              </a:cxn>
+              <a:cxn ang="0">
+                <a:pos x="connsiteX3" y="connsiteY3"/>
+              </a:cxn>
+              <a:cxn ang="0">
+                <a:pos x="connsiteX4" y="connsiteY4"/>
+              </a:cxn>
+              <a:cxn ang="0">
+                <a:pos x="connsiteX5" y="connsiteY5"/>
+              </a:cxn>
+              <a:cxn ang="0">
+                <a:pos x="connsiteX6" y="connsiteY6"/>
+              </a:cxn>
+              <a:cxn ang="0">
+                <a:pos x="connsiteX7" y="connsiteY7"/>
+              </a:cxn>
+              <a:cxn ang="0">
+                <a:pos x="connsiteX8" y="connsiteY8"/>
+              </a:cxn>
+              <a:cxn ang="0">
+                <a:pos x="connsiteX9" y="connsiteY9"/>
+              </a:cxn>
+            </a:cxnLst>
+            <a:rect l="l" t="t" r="r" b="b"/>
+            <a:pathLst>
+              <a:path w="3069054" h="414932">
+                <a:moveTo>
+                  <a:pt x="7788" y="24341"/>
+                </a:moveTo>
+                <a:cubicBezTo>
+                  <a:pt x="-3325" y="113241"/>
+                  <a:pt x="-14437" y="202141"/>
+                  <a:pt x="64938" y="243416"/>
+                </a:cubicBezTo>
+                <a:cubicBezTo>
+                  <a:pt x="144313" y="284691"/>
+                  <a:pt x="484038" y="271991"/>
+                  <a:pt x="484038" y="271991"/>
+                </a:cubicBezTo>
+                <a:cubicBezTo>
+                  <a:pt x="709463" y="275166"/>
+                  <a:pt x="1239688" y="238654"/>
+                  <a:pt x="1417488" y="262466"/>
+                </a:cubicBezTo>
+                <a:cubicBezTo>
+                  <a:pt x="1595288" y="286278"/>
+                  <a:pt x="1525438" y="411691"/>
+                  <a:pt x="1550838" y="414866"/>
+                </a:cubicBezTo>
+                <a:cubicBezTo>
+                  <a:pt x="1576238" y="418041"/>
+                  <a:pt x="1498451" y="306916"/>
+                  <a:pt x="1569888" y="281516"/>
+                </a:cubicBezTo>
+                <a:cubicBezTo>
+                  <a:pt x="1641325" y="256116"/>
+                  <a:pt x="1979463" y="262466"/>
+                  <a:pt x="1979463" y="262466"/>
+                </a:cubicBezTo>
+                <a:cubicBezTo>
+                  <a:pt x="2214413" y="252941"/>
+                  <a:pt x="2804963" y="265641"/>
+                  <a:pt x="2979588" y="224366"/>
+                </a:cubicBezTo>
+                <a:cubicBezTo>
+                  <a:pt x="3154213" y="183091"/>
+                  <a:pt x="3017688" y="46566"/>
+                  <a:pt x="3027213" y="14816"/>
+                </a:cubicBezTo>
+                <a:cubicBezTo>
+                  <a:pt x="3036738" y="-16934"/>
+                  <a:pt x="3036738" y="8466"/>
+                  <a:pt x="3036738" y="33866"/>
+                </a:cubicBezTo>
+              </a:path>
+            </a:pathLst>
+          </a:custGeom>
+          <a:noFill/>
+          <a:ln>
+            <a:solidFill>
+              <a:schemeClr val="tx2"/>
+            </a:solidFill>
+          </a:ln>
+        </p:spPr>
+        <p:style>
+          <a:lnRef idx="2">
+            <a:schemeClr val="accent1">
+              <a:shade val="50000"/>
+            </a:schemeClr>
+          </a:lnRef>
+          <a:fillRef idx="1">
+            <a:schemeClr val="accent1"/>
+          </a:fillRef>
+          <a:effectRef idx="0">
+            <a:schemeClr val="accent1"/>
+          </a:effectRef>
+          <a:fontRef idx="minor">
+            <a:schemeClr val="lt1"/>
+          </a:fontRef>
+        </p:style>
+        <p:txBody>
+          <a:bodyPr rtlCol="0" anchor="ctr"/>
+          <a:lstStyle/>
+          <a:p>
+            <a:pPr algn="ctr"/>
+            <a:endParaRPr lang="en-US" dirty="0"/>
+          </a:p>
+        </p:txBody>
+      </p:sp>
+      <p:sp>
+        <p:nvSpPr>
+          <p:cNvPr id="11" name="Freeform 10">
+            <a:extLst>
+              <a:ext uri="{FF2B5EF4-FFF2-40B4-BE49-F238E27FC236}">
+                <a16:creationId xmlns:a16="http://schemas.microsoft.com/office/drawing/2014/main" id="{F4E74F08-9F73-3142-A0CB-A86036FB2639}"/>
+              </a:ext>
+            </a:extLst>
+          </p:cNvPr>
+          <p:cNvSpPr/>
+          <p:nvPr/>
+        </p:nvSpPr>
+        <p:spPr>
+          <a:xfrm>
+            <a:off x="4905375" y="1876425"/>
+            <a:ext cx="1285875" cy="495300"/>
+          </a:xfrm>
+          <a:custGeom>
+            <a:avLst/>
+            <a:gdLst>
+              <a:gd name="connsiteX0" fmla="*/ 0 w 1285875"/>
+              <a:gd name="connsiteY0" fmla="*/ 0 h 495300"/>
+              <a:gd name="connsiteX1" fmla="*/ 57150 w 1285875"/>
+              <a:gd name="connsiteY1" fmla="*/ 123825 h 495300"/>
+              <a:gd name="connsiteX2" fmla="*/ 295275 w 1285875"/>
+              <a:gd name="connsiteY2" fmla="*/ 114300 h 495300"/>
+              <a:gd name="connsiteX3" fmla="*/ 1066800 w 1285875"/>
+              <a:gd name="connsiteY3" fmla="*/ 95250 h 495300"/>
+              <a:gd name="connsiteX4" fmla="*/ 1285875 w 1285875"/>
+              <a:gd name="connsiteY4" fmla="*/ 495300 h 495300"/>
+            </a:gdLst>
+            <a:ahLst/>
+            <a:cxnLst>
+              <a:cxn ang="0">
+                <a:pos x="connsiteX0" y="connsiteY0"/>
+              </a:cxn>
+              <a:cxn ang="0">
+                <a:pos x="connsiteX1" y="connsiteY1"/>
+              </a:cxn>
+              <a:cxn ang="0">
+                <a:pos x="connsiteX2" y="connsiteY2"/>
+              </a:cxn>
+              <a:cxn ang="0">
+                <a:pos x="connsiteX3" y="connsiteY3"/>
+              </a:cxn>
+              <a:cxn ang="0">
+                <a:pos x="connsiteX4" y="connsiteY4"/>
+              </a:cxn>
+            </a:cxnLst>
+            <a:rect l="l" t="t" r="r" b="b"/>
+            <a:pathLst>
+              <a:path w="1285875" h="495300">
+                <a:moveTo>
+                  <a:pt x="0" y="0"/>
+                </a:moveTo>
+                <a:cubicBezTo>
+                  <a:pt x="3969" y="52387"/>
+                  <a:pt x="7938" y="104775"/>
+                  <a:pt x="57150" y="123825"/>
+                </a:cubicBezTo>
+                <a:cubicBezTo>
+                  <a:pt x="106363" y="142875"/>
+                  <a:pt x="295275" y="114300"/>
+                  <a:pt x="295275" y="114300"/>
+                </a:cubicBezTo>
+                <a:cubicBezTo>
+                  <a:pt x="463550" y="109538"/>
+                  <a:pt x="901700" y="31750"/>
+                  <a:pt x="1066800" y="95250"/>
+                </a:cubicBezTo>
+                <a:cubicBezTo>
+                  <a:pt x="1231900" y="158750"/>
+                  <a:pt x="1258887" y="327025"/>
+                  <a:pt x="1285875" y="495300"/>
+                </a:cubicBezTo>
+              </a:path>
+            </a:pathLst>
+          </a:custGeom>
+          <a:noFill/>
+          <a:ln>
+            <a:solidFill>
+              <a:schemeClr val="tx2"/>
+            </a:solidFill>
+            <a:headEnd type="none" w="med" len="med"/>
+            <a:tailEnd type="arrow" w="med" len="med"/>
+          </a:ln>
+        </p:spPr>
+        <p:style>
+          <a:lnRef idx="2">
+            <a:schemeClr val="accent1">
+              <a:shade val="50000"/>
+            </a:schemeClr>
+          </a:lnRef>
+          <a:fillRef idx="1">
+            <a:schemeClr val="accent1"/>
+          </a:fillRef>
+          <a:effectRef idx="0">
+            <a:schemeClr val="accent1"/>
+          </a:effectRef>
+          <a:fontRef idx="minor">
+            <a:schemeClr val="lt1"/>
+          </a:fontRef>
+        </p:style>
+        <p:txBody>
+          <a:bodyPr rtlCol="0" anchor="ctr"/>
+          <a:lstStyle/>
+          <a:p>
+            <a:pPr algn="ctr"/>
+            <a:endParaRPr lang="en-US" dirty="0"/>
           </a:p>
         </p:txBody>
       </p:sp>
     </p:spTree>
     <p:extLst>
       <p:ext uri="{BB962C8B-B14F-4D97-AF65-F5344CB8AC3E}">
-        <p14:creationId xmlns:p14="http://schemas.microsoft.com/office/powerpoint/2010/main" val="1909406102"/>
+        <p14:creationId xmlns:p14="http://schemas.microsoft.com/office/powerpoint/2010/main" val="1930823340"/>
       </p:ext>
     </p:extLst>
   </p:cSld>
   <p:clrMapOvr>
     <a:masterClrMapping/>
   </p:clrMapOvr>
-  <p:timing>
-    <p:tnLst>
-      <p:par>
-        <p:cTn id="1" dur="indefinite" restart="never" nodeType="tmRoot"/>
-      </p:par>
-    </p:tnLst>
-  </p:timing>
 </p:sld>
 </file>
 
@@ -5627,6 +6276,553 @@
           <a:chExt cx="0" cy="0"/>
         </a:xfrm>
       </p:grpSpPr>
+      <p:pic>
+        <p:nvPicPr>
+          <p:cNvPr id="6" name="Graphic 5">
+            <a:extLst>
+              <a:ext uri="{FF2B5EF4-FFF2-40B4-BE49-F238E27FC236}">
+                <a16:creationId xmlns:a16="http://schemas.microsoft.com/office/drawing/2014/main" id="{FA1E756F-5A1D-FC44-BC8B-A69560E1C1D6}"/>
+              </a:ext>
+            </a:extLst>
+          </p:cNvPr>
+          <p:cNvPicPr>
+            <a:picLocks noChangeAspect="1"/>
+          </p:cNvPicPr>
+          <p:nvPr/>
+        </p:nvPicPr>
+        <p:blipFill>
+          <a:blip r:embed="rId3">
+            <a:extLst>
+              <a:ext uri="{28A0092B-C50C-407E-A947-70E740481C1C}">
+                <a14:useLocalDpi xmlns:a14="http://schemas.microsoft.com/office/drawing/2010/main" val="0"/>
+              </a:ext>
+              <a:ext uri="{96DAC541-7B7A-43D3-8B79-37D633B846F1}">
+                <asvg:svgBlip xmlns:asvg="http://schemas.microsoft.com/office/drawing/2016/SVG/main" r:embed="rId4"/>
+              </a:ext>
+            </a:extLst>
+          </a:blip>
+          <a:stretch>
+            <a:fillRect/>
+          </a:stretch>
+        </p:blipFill>
+        <p:spPr>
+          <a:xfrm>
+            <a:off x="952500" y="1552575"/>
+            <a:ext cx="8191500" cy="4114800"/>
+          </a:xfrm>
+          <a:prstGeom prst="rect">
+            <a:avLst/>
+          </a:prstGeom>
+        </p:spPr>
+      </p:pic>
+      <p:sp>
+        <p:nvSpPr>
+          <p:cNvPr id="7" name="TextBox 6">
+            <a:extLst>
+              <a:ext uri="{FF2B5EF4-FFF2-40B4-BE49-F238E27FC236}">
+                <a16:creationId xmlns:a16="http://schemas.microsoft.com/office/drawing/2014/main" id="{6D5D79E1-22AA-9741-A14E-F06C7FACE616}"/>
+              </a:ext>
+            </a:extLst>
+          </p:cNvPr>
+          <p:cNvSpPr txBox="1"/>
+          <p:nvPr/>
+        </p:nvSpPr>
+        <p:spPr>
+          <a:xfrm>
+            <a:off x="47625" y="3638550"/>
+            <a:ext cx="3781425" cy="3046988"/>
+          </a:xfrm>
+          <a:prstGeom prst="rect">
+            <a:avLst/>
+          </a:prstGeom>
+          <a:noFill/>
+          <a:ln w="12700">
+            <a:solidFill>
+              <a:srgbClr val="000000"/>
+            </a:solidFill>
+          </a:ln>
+        </p:spPr>
+        <p:txBody>
+          <a:bodyPr wrap="square">
+            <a:spAutoFit/>
+          </a:bodyPr>
+          <a:lstStyle/>
+          <a:p>
+            <a:pPr>
+              <a:defRPr/>
+            </a:pPr>
+            <a:r>
+              <a:rPr lang="en-US" sz="1600" i="1" dirty="0">
+                <a:latin typeface="+mn-lt"/>
+                <a:cs typeface="Times New Roman" panose="02020603050405020304" pitchFamily="18" charset="0"/>
+              </a:rPr>
+              <a:t>planetColor</a:t>
+            </a:r>
+            <a:r>
+              <a:rPr lang="en-US" sz="1600" dirty="0">
+                <a:latin typeface="+mn-lt"/>
+                <a:cs typeface="Times New Roman" panose="02020603050405020304" pitchFamily="18" charset="0"/>
+              </a:rPr>
+              <a:t> and </a:t>
+            </a:r>
+            <a:r>
+              <a:rPr lang="en-US" sz="1600" i="1" dirty="0">
+                <a:latin typeface="+mn-lt"/>
+                <a:cs typeface="Times New Roman" panose="02020603050405020304" pitchFamily="18" charset="0"/>
+              </a:rPr>
+              <a:t>moonColor</a:t>
+            </a:r>
+            <a:r>
+              <a:rPr lang="en-US" sz="1600" dirty="0">
+                <a:latin typeface="+mn-lt"/>
+                <a:cs typeface="Times New Roman" panose="02020603050405020304" pitchFamily="18" charset="0"/>
+              </a:rPr>
+              <a:t> are now </a:t>
+            </a:r>
+            <a:r>
+              <a:rPr lang="en-US" sz="1400" dirty="0">
+                <a:latin typeface="Courier New" panose="02070309020205020404" pitchFamily="49" charset="0"/>
+                <a:cs typeface="Courier New" panose="02070309020205020404" pitchFamily="49" charset="0"/>
+              </a:rPr>
+              <a:t>public static</a:t>
+            </a:r>
+            <a:r>
+              <a:rPr lang="en-US" sz="1600" dirty="0">
+                <a:latin typeface="+mn-lt"/>
+                <a:cs typeface="Times New Roman" panose="02020603050405020304" pitchFamily="18" charset="0"/>
+              </a:rPr>
+              <a:t> fields in SolarSystem</a:t>
+            </a:r>
+          </a:p>
+          <a:p>
+            <a:pPr>
+              <a:defRPr/>
+            </a:pPr>
+            <a:endParaRPr lang="en-US" sz="1600" dirty="0">
+              <a:latin typeface="+mn-lt"/>
+              <a:cs typeface="Times New Roman" panose="02020603050405020304" pitchFamily="18" charset="0"/>
+            </a:endParaRPr>
+          </a:p>
+          <a:p>
+            <a:pPr>
+              <a:defRPr/>
+            </a:pPr>
+            <a:r>
+              <a:rPr lang="en-US" sz="1600" dirty="0">
+                <a:latin typeface="+mn-lt"/>
+                <a:cs typeface="Times New Roman" panose="02020603050405020304" pitchFamily="18" charset="0"/>
+              </a:rPr>
+              <a:t>So, they are not passed as parameters to the </a:t>
+            </a:r>
+            <a:r>
+              <a:rPr lang="en-US" sz="1600" i="1" dirty="0">
+                <a:latin typeface="+mn-lt"/>
+                <a:cs typeface="Times New Roman" panose="02020603050405020304" pitchFamily="18" charset="0"/>
+              </a:rPr>
+              <a:t>draw</a:t>
+            </a:r>
+            <a:r>
+              <a:rPr lang="en-US" sz="1600" dirty="0">
+                <a:latin typeface="+mn-lt"/>
+                <a:cs typeface="Times New Roman" panose="02020603050405020304" pitchFamily="18" charset="0"/>
+              </a:rPr>
+              <a:t> methods</a:t>
+            </a:r>
+          </a:p>
+          <a:p>
+            <a:pPr>
+              <a:defRPr/>
+            </a:pPr>
+            <a:endParaRPr lang="en-US" sz="1600" dirty="0">
+              <a:latin typeface="+mn-lt"/>
+              <a:cs typeface="Times New Roman" panose="02020603050405020304" pitchFamily="18" charset="0"/>
+            </a:endParaRPr>
+          </a:p>
+          <a:p>
+            <a:pPr>
+              <a:defRPr/>
+            </a:pPr>
+            <a:r>
+              <a:rPr lang="en-US" sz="1600" dirty="0">
+                <a:latin typeface="+mn-lt"/>
+                <a:cs typeface="Times New Roman" panose="02020603050405020304" pitchFamily="18" charset="0"/>
+              </a:rPr>
+              <a:t>Now the </a:t>
+            </a:r>
+            <a:r>
+              <a:rPr lang="en-US" sz="1600" i="1" dirty="0">
+                <a:latin typeface="+mn-lt"/>
+                <a:cs typeface="Times New Roman" panose="02020603050405020304" pitchFamily="18" charset="0"/>
+              </a:rPr>
+              <a:t>draw</a:t>
+            </a:r>
+            <a:r>
+              <a:rPr lang="en-US" sz="1600" dirty="0">
+                <a:latin typeface="+mn-lt"/>
+                <a:cs typeface="Times New Roman" panose="02020603050405020304" pitchFamily="18" charset="0"/>
+              </a:rPr>
+              <a:t> methods directly access those static variables</a:t>
+            </a:r>
+          </a:p>
+          <a:p>
+            <a:pPr>
+              <a:defRPr/>
+            </a:pPr>
+            <a:endParaRPr lang="en-US" sz="1600" dirty="0">
+              <a:latin typeface="+mn-lt"/>
+              <a:cs typeface="Times New Roman" panose="02020603050405020304" pitchFamily="18" charset="0"/>
+            </a:endParaRPr>
+          </a:p>
+          <a:p>
+            <a:pPr>
+              <a:tabLst>
+                <a:tab pos="227013" algn="l"/>
+                <a:tab pos="454025" algn="l"/>
+              </a:tabLst>
+              <a:defRPr/>
+            </a:pPr>
+            <a:r>
+              <a:rPr lang="en-US" sz="1200" b="1" dirty="0">
+                <a:latin typeface="Courier New" panose="02070309020205020404" pitchFamily="49" charset="0"/>
+                <a:cs typeface="Courier New" panose="02070309020205020404" pitchFamily="49" charset="0"/>
+              </a:rPr>
+              <a:t>void</a:t>
+            </a:r>
+            <a:r>
+              <a:rPr lang="en-US" sz="1200" dirty="0">
+                <a:latin typeface="Courier New" panose="02070309020205020404" pitchFamily="49" charset="0"/>
+                <a:cs typeface="Courier New" panose="02070309020205020404" pitchFamily="49" charset="0"/>
+              </a:rPr>
+              <a:t> draw(Graphics g2d) {</a:t>
+            </a:r>
+          </a:p>
+          <a:p>
+            <a:pPr>
+              <a:tabLst>
+                <a:tab pos="227013" algn="l"/>
+                <a:tab pos="454025" algn="l"/>
+              </a:tabLst>
+              <a:defRPr/>
+            </a:pPr>
+            <a:r>
+              <a:rPr lang="en-US" sz="1200" dirty="0">
+                <a:latin typeface="Courier New" panose="02070309020205020404" pitchFamily="49" charset="0"/>
+                <a:cs typeface="Courier New" panose="02070309020205020404" pitchFamily="49" charset="0"/>
+              </a:rPr>
+              <a:t>	// ...	g2d.setColor(SolarSystem.moonColor);</a:t>
+            </a:r>
+          </a:p>
+          <a:p>
+            <a:pPr>
+              <a:tabLst>
+                <a:tab pos="227013" algn="l"/>
+                <a:tab pos="454025" algn="l"/>
+              </a:tabLst>
+              <a:defRPr/>
+            </a:pPr>
+            <a:r>
+              <a:rPr lang="en-US" sz="1200" dirty="0">
+                <a:latin typeface="Courier New" panose="02070309020205020404" pitchFamily="49" charset="0"/>
+                <a:cs typeface="Courier New" panose="02070309020205020404" pitchFamily="49" charset="0"/>
+              </a:rPr>
+              <a:t>} // draw</a:t>
+            </a:r>
+          </a:p>
+        </p:txBody>
+      </p:sp>
+      <p:sp>
+        <p:nvSpPr>
+          <p:cNvPr id="13" name="Title 1">
+            <a:extLst>
+              <a:ext uri="{FF2B5EF4-FFF2-40B4-BE49-F238E27FC236}">
+                <a16:creationId xmlns:a16="http://schemas.microsoft.com/office/drawing/2014/main" id="{44DC8568-FA52-264B-90D1-29F46A0D3148}"/>
+              </a:ext>
+            </a:extLst>
+          </p:cNvPr>
+          <p:cNvSpPr>
+            <a:spLocks noGrp="1"/>
+          </p:cNvSpPr>
+          <p:nvPr>
+            <p:ph type="title"/>
+          </p:nvPr>
+        </p:nvSpPr>
+        <p:spPr>
+          <a:xfrm>
+            <a:off x="457200" y="141288"/>
+            <a:ext cx="8229600" cy="1143000"/>
+          </a:xfrm>
+        </p:spPr>
+        <p:txBody>
+          <a:bodyPr>
+            <a:normAutofit fontScale="90000"/>
+          </a:bodyPr>
+          <a:lstStyle/>
+          <a:p>
+            <a:r>
+              <a:rPr lang="en-US" dirty="0"/>
+              <a:t>Global/Static Variables are bad, why? </a:t>
+            </a:r>
+          </a:p>
+        </p:txBody>
+      </p:sp>
+      <p:sp>
+        <p:nvSpPr>
+          <p:cNvPr id="14" name="Content Placeholder 2">
+            <a:extLst>
+              <a:ext uri="{FF2B5EF4-FFF2-40B4-BE49-F238E27FC236}">
+                <a16:creationId xmlns:a16="http://schemas.microsoft.com/office/drawing/2014/main" id="{38DA8041-F172-4548-B0E5-43330A5046EB}"/>
+              </a:ext>
+            </a:extLst>
+          </p:cNvPr>
+          <p:cNvSpPr>
+            <a:spLocks noGrp="1"/>
+          </p:cNvSpPr>
+          <p:nvPr>
+            <p:ph idx="1"/>
+          </p:nvPr>
+        </p:nvSpPr>
+        <p:spPr>
+          <a:xfrm>
+            <a:off x="190500" y="1066801"/>
+            <a:ext cx="8791575" cy="590549"/>
+          </a:xfrm>
+        </p:spPr>
+        <p:txBody>
+          <a:bodyPr>
+            <a:noAutofit/>
+          </a:bodyPr>
+          <a:lstStyle/>
+          <a:p>
+            <a:pPr marL="0" indent="0">
+              <a:buNone/>
+            </a:pPr>
+            <a:r>
+              <a:rPr lang="en-US" sz="2400" dirty="0"/>
+              <a:t>This design has more dependencies, higher coupling!  Poorer design!</a:t>
+            </a:r>
+          </a:p>
+        </p:txBody>
+      </p:sp>
+      <p:sp>
+        <p:nvSpPr>
+          <p:cNvPr id="15" name="Freeform 14">
+            <a:extLst>
+              <a:ext uri="{FF2B5EF4-FFF2-40B4-BE49-F238E27FC236}">
+                <a16:creationId xmlns:a16="http://schemas.microsoft.com/office/drawing/2014/main" id="{189178BF-1F00-6E45-9808-E488595E9879}"/>
+              </a:ext>
+            </a:extLst>
+          </p:cNvPr>
+          <p:cNvSpPr/>
+          <p:nvPr/>
+        </p:nvSpPr>
+        <p:spPr>
+          <a:xfrm>
+            <a:off x="3276600" y="2124075"/>
+            <a:ext cx="742950" cy="1676400"/>
+          </a:xfrm>
+          <a:custGeom>
+            <a:avLst/>
+            <a:gdLst>
+              <a:gd name="connsiteX0" fmla="*/ 0 w 742950"/>
+              <a:gd name="connsiteY0" fmla="*/ 1676400 h 1676400"/>
+              <a:gd name="connsiteX1" fmla="*/ 514350 w 742950"/>
+              <a:gd name="connsiteY1" fmla="*/ 1238250 h 1676400"/>
+              <a:gd name="connsiteX2" fmla="*/ 581025 w 742950"/>
+              <a:gd name="connsiteY2" fmla="*/ 647700 h 1676400"/>
+              <a:gd name="connsiteX3" fmla="*/ 561975 w 742950"/>
+              <a:gd name="connsiteY3" fmla="*/ 133350 h 1676400"/>
+              <a:gd name="connsiteX4" fmla="*/ 742950 w 742950"/>
+              <a:gd name="connsiteY4" fmla="*/ 0 h 1676400"/>
+            </a:gdLst>
+            <a:ahLst/>
+            <a:cxnLst>
+              <a:cxn ang="0">
+                <a:pos x="connsiteX0" y="connsiteY0"/>
+              </a:cxn>
+              <a:cxn ang="0">
+                <a:pos x="connsiteX1" y="connsiteY1"/>
+              </a:cxn>
+              <a:cxn ang="0">
+                <a:pos x="connsiteX2" y="connsiteY2"/>
+              </a:cxn>
+              <a:cxn ang="0">
+                <a:pos x="connsiteX3" y="connsiteY3"/>
+              </a:cxn>
+              <a:cxn ang="0">
+                <a:pos x="connsiteX4" y="connsiteY4"/>
+              </a:cxn>
+            </a:cxnLst>
+            <a:rect l="l" t="t" r="r" b="b"/>
+            <a:pathLst>
+              <a:path w="742950" h="1676400">
+                <a:moveTo>
+                  <a:pt x="0" y="1676400"/>
+                </a:moveTo>
+                <a:cubicBezTo>
+                  <a:pt x="208756" y="1543050"/>
+                  <a:pt x="417513" y="1409700"/>
+                  <a:pt x="514350" y="1238250"/>
+                </a:cubicBezTo>
+                <a:cubicBezTo>
+                  <a:pt x="611188" y="1066800"/>
+                  <a:pt x="573088" y="831850"/>
+                  <a:pt x="581025" y="647700"/>
+                </a:cubicBezTo>
+                <a:cubicBezTo>
+                  <a:pt x="588962" y="463550"/>
+                  <a:pt x="534988" y="241300"/>
+                  <a:pt x="561975" y="133350"/>
+                </a:cubicBezTo>
+                <a:cubicBezTo>
+                  <a:pt x="588962" y="25400"/>
+                  <a:pt x="665956" y="12700"/>
+                  <a:pt x="742950" y="0"/>
+                </a:cubicBezTo>
+              </a:path>
+            </a:pathLst>
+          </a:custGeom>
+          <a:noFill/>
+          <a:ln>
+            <a:solidFill>
+              <a:schemeClr val="tx2"/>
+            </a:solidFill>
+            <a:headEnd type="none" w="med" len="med"/>
+            <a:tailEnd type="arrow" w="med" len="med"/>
+          </a:ln>
+        </p:spPr>
+        <p:style>
+          <a:lnRef idx="2">
+            <a:schemeClr val="accent1">
+              <a:shade val="50000"/>
+            </a:schemeClr>
+          </a:lnRef>
+          <a:fillRef idx="1">
+            <a:schemeClr val="accent1"/>
+          </a:fillRef>
+          <a:effectRef idx="0">
+            <a:schemeClr val="accent1"/>
+          </a:effectRef>
+          <a:fontRef idx="minor">
+            <a:schemeClr val="lt1"/>
+          </a:fontRef>
+        </p:style>
+        <p:txBody>
+          <a:bodyPr rtlCol="0" anchor="ctr"/>
+          <a:lstStyle/>
+          <a:p>
+            <a:pPr algn="ctr"/>
+            <a:endParaRPr lang="en-US" dirty="0"/>
+          </a:p>
+        </p:txBody>
+      </p:sp>
+    </p:spTree>
+    <p:extLst>
+      <p:ext uri="{BB962C8B-B14F-4D97-AF65-F5344CB8AC3E}">
+        <p14:creationId xmlns:p14="http://schemas.microsoft.com/office/powerpoint/2010/main" val="3935626196"/>
+      </p:ext>
+    </p:extLst>
+  </p:cSld>
+  <p:clrMapOvr>
+    <a:masterClrMapping/>
+  </p:clrMapOvr>
+</p:sld>
+</file>
+
+<file path=ppt/slides/slide12.xml><?xml version="1.0" encoding="utf-8"?>
+<p:sld xmlns:a="http://schemas.openxmlformats.org/drawingml/2006/main" xmlns:r="http://schemas.openxmlformats.org/officeDocument/2006/relationships" xmlns:p="http://schemas.openxmlformats.org/presentationml/2006/main">
+  <p:cSld>
+    <p:spTree>
+      <p:nvGrpSpPr>
+        <p:cNvPr id="1" name=""/>
+        <p:cNvGrpSpPr/>
+        <p:nvPr/>
+      </p:nvGrpSpPr>
+      <p:grpSpPr>
+        <a:xfrm>
+          <a:off x="0" y="0"/>
+          <a:ext cx="0" cy="0"/>
+          <a:chOff x="0" y="0"/>
+          <a:chExt cx="0" cy="0"/>
+        </a:xfrm>
+      </p:grpSpPr>
+      <p:sp>
+        <p:nvSpPr>
+          <p:cNvPr id="4" name="Title 3"/>
+          <p:cNvSpPr>
+            <a:spLocks noGrp="1"/>
+          </p:cNvSpPr>
+          <p:nvPr>
+            <p:ph type="title"/>
+          </p:nvPr>
+        </p:nvSpPr>
+        <p:spPr/>
+        <p:txBody>
+          <a:bodyPr/>
+          <a:lstStyle/>
+          <a:p>
+            <a:pPr eaLnBrk="1" hangingPunct="1">
+              <a:defRPr/>
+            </a:pPr>
+            <a:r>
+              <a:rPr lang="en-US" dirty="0"/>
+              <a:t>Console Input with java.util.scanner</a:t>
+            </a:r>
+          </a:p>
+        </p:txBody>
+      </p:sp>
+      <p:sp>
+        <p:nvSpPr>
+          <p:cNvPr id="19459" name="Text Placeholder 4"/>
+          <p:cNvSpPr>
+            <a:spLocks noGrp="1"/>
+          </p:cNvSpPr>
+          <p:nvPr>
+            <p:ph type="body" idx="1"/>
+          </p:nvPr>
+        </p:nvSpPr>
+        <p:spPr/>
+        <p:txBody>
+          <a:bodyPr/>
+          <a:lstStyle/>
+          <a:p>
+            <a:pPr eaLnBrk="1" hangingPunct="1"/>
+            <a:r>
+              <a:rPr lang="en-US" dirty="0"/>
+              <a:t>Reading keyboard input from the console</a:t>
+            </a:r>
+          </a:p>
+        </p:txBody>
+      </p:sp>
+    </p:spTree>
+    <p:extLst>
+      <p:ext uri="{BB962C8B-B14F-4D97-AF65-F5344CB8AC3E}">
+        <p14:creationId xmlns:p14="http://schemas.microsoft.com/office/powerpoint/2010/main" val="1909406102"/>
+      </p:ext>
+    </p:extLst>
+  </p:cSld>
+  <p:clrMapOvr>
+    <a:masterClrMapping/>
+  </p:clrMapOvr>
+</p:sld>
+</file>
+
+<file path=ppt/slides/slide13.xml><?xml version="1.0" encoding="utf-8"?>
+<p:sld xmlns:a="http://schemas.openxmlformats.org/drawingml/2006/main" xmlns:r="http://schemas.openxmlformats.org/officeDocument/2006/relationships" xmlns:p="http://schemas.openxmlformats.org/presentationml/2006/main">
+  <p:cSld>
+    <p:spTree>
+      <p:nvGrpSpPr>
+        <p:cNvPr id="1" name=""/>
+        <p:cNvGrpSpPr/>
+        <p:nvPr/>
+      </p:nvGrpSpPr>
+      <p:grpSpPr>
+        <a:xfrm>
+          <a:off x="0" y="0"/>
+          <a:ext cx="0" cy="0"/>
+          <a:chOff x="0" y="0"/>
+          <a:chExt cx="0" cy="0"/>
+        </a:xfrm>
+      </p:grpSpPr>
       <p:sp>
         <p:nvSpPr>
           <p:cNvPr id="2" name="Title 1"/>
@@ -5643,10 +6839,9 @@
           <a:lstStyle/>
           <a:p>
             <a:r>
-              <a:rPr lang="en-US" dirty="0" smtClean="0"/>
+              <a:rPr lang="en-US" dirty="0"/>
               <a:t>Console input with Scanner</a:t>
             </a:r>
-            <a:endParaRPr lang="en-US" dirty="0"/>
           </a:p>
         </p:txBody>
       </p:sp>
@@ -5668,219 +6863,107 @@
           <a:lstStyle/>
           <a:p>
             <a:r>
-              <a:rPr lang="en-US" dirty="0" smtClean="0"/>
+              <a:rPr lang="en-US" dirty="0"/>
               <a:t>Creating a Scanner object</a:t>
             </a:r>
           </a:p>
           <a:p>
             <a:pPr lvl="1"/>
             <a:r>
-              <a:rPr lang="en-US" dirty="0" smtClean="0">
+              <a:rPr lang="en-US" dirty="0">
                 <a:solidFill>
                   <a:srgbClr val="F79646"/>
                 </a:solidFill>
               </a:rPr>
-              <a:t>import </a:t>
-            </a:r>
-            <a:r>
-              <a:rPr lang="en-US" dirty="0" err="1" smtClean="0">
+              <a:t>import java.util.Scanner;</a:t>
+            </a:r>
+          </a:p>
+          <a:p>
+            <a:pPr lvl="1"/>
+            <a:r>
+              <a:rPr lang="en-US" dirty="0">
                 <a:solidFill>
                   <a:srgbClr val="F79646"/>
                 </a:solidFill>
               </a:rPr>
-              <a:t>java.util.Scanner</a:t>
-            </a:r>
-            <a:r>
-              <a:rPr lang="en-US" dirty="0" smtClean="0">
+              <a:t>Scanner inputScanner = new Scanner(System.in);</a:t>
+            </a:r>
+          </a:p>
+          <a:p>
+            <a:r>
+              <a:rPr lang="en-US" dirty="0"/>
+              <a:t>Defines methods to read from keyboard</a:t>
+            </a:r>
+          </a:p>
+          <a:p>
+            <a:pPr lvl="1"/>
+            <a:r>
+              <a:rPr lang="en-US" dirty="0">
                 <a:solidFill>
                   <a:srgbClr val="F79646"/>
                 </a:solidFill>
               </a:rPr>
-              <a:t>;</a:t>
+              <a:t>inputScanner.nextInt();</a:t>
             </a:r>
           </a:p>
           <a:p>
             <a:pPr lvl="1"/>
             <a:r>
-              <a:rPr lang="en-US" dirty="0" smtClean="0">
+              <a:rPr lang="en-US" dirty="0">
                 <a:solidFill>
                   <a:srgbClr val="F79646"/>
                 </a:solidFill>
               </a:rPr>
-              <a:t>Scanner </a:t>
-            </a:r>
-            <a:r>
-              <a:rPr lang="en-US" dirty="0" err="1" smtClean="0">
+              <a:t>inputScanner.nextDouble();</a:t>
+            </a:r>
+          </a:p>
+          <a:p>
+            <a:pPr lvl="1"/>
+            <a:r>
+              <a:rPr lang="en-US" dirty="0">
                 <a:solidFill>
                   <a:srgbClr val="F79646"/>
                 </a:solidFill>
               </a:rPr>
-              <a:t>inputScanner</a:t>
-            </a:r>
-            <a:r>
-              <a:rPr lang="en-US" dirty="0" smtClean="0">
+              <a:t>inputScanner.nextLine();</a:t>
+            </a:r>
+          </a:p>
+          <a:p>
+            <a:pPr lvl="1"/>
+            <a:r>
+              <a:rPr lang="en-US" dirty="0">
                 <a:solidFill>
                   <a:srgbClr val="F79646"/>
                 </a:solidFill>
               </a:rPr>
-              <a:t> = new Scanner(</a:t>
-            </a:r>
-            <a:r>
-              <a:rPr lang="en-US" dirty="0" err="1" smtClean="0">
-                <a:solidFill>
-                  <a:srgbClr val="F79646"/>
-                </a:solidFill>
-              </a:rPr>
-              <a:t>System.in</a:t>
-            </a:r>
-            <a:r>
-              <a:rPr lang="en-US" dirty="0" smtClean="0">
-                <a:solidFill>
-                  <a:srgbClr val="F79646"/>
-                </a:solidFill>
-              </a:rPr>
-              <a:t>);</a:t>
-            </a:r>
-          </a:p>
-          <a:p>
-            <a:r>
-              <a:rPr lang="en-US" dirty="0" smtClean="0"/>
-              <a:t>Defines methods to read from keyboard</a:t>
-            </a:r>
-          </a:p>
-          <a:p>
-            <a:pPr lvl="1"/>
-            <a:r>
-              <a:rPr lang="en-US" dirty="0" err="1" smtClean="0">
-                <a:solidFill>
-                  <a:srgbClr val="F79646"/>
-                </a:solidFill>
-              </a:rPr>
-              <a:t>inputScanner.nextInt</a:t>
-            </a:r>
-            <a:r>
-              <a:rPr lang="en-US" dirty="0" smtClean="0">
-                <a:solidFill>
-                  <a:srgbClr val="F79646"/>
-                </a:solidFill>
-              </a:rPr>
-              <a:t>();</a:t>
-            </a:r>
-          </a:p>
-          <a:p>
-            <a:pPr lvl="1"/>
-            <a:r>
-              <a:rPr lang="en-US" dirty="0" err="1" smtClean="0">
-                <a:solidFill>
-                  <a:srgbClr val="F79646"/>
-                </a:solidFill>
-              </a:rPr>
-              <a:t>inputScanner.nextDouble</a:t>
-            </a:r>
-            <a:r>
-              <a:rPr lang="en-US" dirty="0" smtClean="0">
-                <a:solidFill>
-                  <a:srgbClr val="F79646"/>
-                </a:solidFill>
-              </a:rPr>
-              <a:t>();</a:t>
-            </a:r>
-          </a:p>
-          <a:p>
-            <a:pPr lvl="1"/>
-            <a:r>
-              <a:rPr lang="en-US" dirty="0" err="1" smtClean="0">
-                <a:solidFill>
-                  <a:srgbClr val="F79646"/>
-                </a:solidFill>
-              </a:rPr>
-              <a:t>inputScanner.nextLine</a:t>
-            </a:r>
-            <a:r>
-              <a:rPr lang="en-US" dirty="0" smtClean="0">
-                <a:solidFill>
-                  <a:srgbClr val="F79646"/>
-                </a:solidFill>
-              </a:rPr>
-              <a:t>();</a:t>
-            </a:r>
-          </a:p>
-          <a:p>
-            <a:pPr lvl="1"/>
-            <a:r>
-              <a:rPr lang="en-US" dirty="0" err="1" smtClean="0">
-                <a:solidFill>
-                  <a:srgbClr val="F79646"/>
-                </a:solidFill>
-              </a:rPr>
-              <a:t>inputScanner.next</a:t>
-            </a:r>
-            <a:r>
-              <a:rPr lang="en-US" dirty="0" smtClean="0">
-                <a:solidFill>
-                  <a:srgbClr val="F79646"/>
-                </a:solidFill>
-              </a:rPr>
-              <a:t>();</a:t>
-            </a:r>
-          </a:p>
-          <a:p>
-            <a:r>
-              <a:rPr lang="en-US" dirty="0" smtClean="0"/>
+              <a:t>inputScanner.next();</a:t>
+            </a:r>
+          </a:p>
+          <a:p>
+            <a:r>
+              <a:rPr lang="en-US" dirty="0"/>
               <a:t>Exercise: Look at </a:t>
             </a:r>
             <a:br>
-              <a:rPr lang="en-US" dirty="0" smtClean="0"/>
+              <a:rPr lang="en-US" dirty="0"/>
             </a:br>
             <a:r>
-              <a:rPr lang="en-US" dirty="0" err="1" smtClean="0">
+              <a:rPr lang="en-US" dirty="0">
                 <a:solidFill>
                   <a:schemeClr val="accent6"/>
                 </a:solidFill>
               </a:rPr>
-              <a:t>UnitTesting</a:t>
-            </a:r>
-            <a:r>
-              <a:rPr lang="en-US" dirty="0" smtClean="0">
-                <a:solidFill>
-                  <a:schemeClr val="accent6"/>
-                </a:solidFill>
-              </a:rPr>
-              <a:t>/</a:t>
-            </a:r>
-            <a:r>
-              <a:rPr lang="en-US" dirty="0" err="1" smtClean="0">
-                <a:solidFill>
-                  <a:schemeClr val="accent6"/>
-                </a:solidFill>
-              </a:rPr>
-              <a:t>src</a:t>
-            </a:r>
-            <a:r>
-              <a:rPr lang="en-US" dirty="0" smtClean="0">
-                <a:solidFill>
-                  <a:schemeClr val="accent6"/>
-                </a:solidFill>
-              </a:rPr>
-              <a:t>/</a:t>
-            </a:r>
-            <a:r>
-              <a:rPr lang="en-US" dirty="0" err="1" smtClean="0">
-                <a:solidFill>
-                  <a:schemeClr val="accent6"/>
-                </a:solidFill>
-              </a:rPr>
-              <a:t>ConsoleWorker.java</a:t>
-            </a:r>
-            <a:r>
-              <a:rPr lang="en-US" dirty="0" smtClean="0"/>
+              <a:t>UnitTesting/src/ConsoleWorker.java</a:t>
+            </a:r>
+            <a:r>
+              <a:rPr lang="en-US" dirty="0"/>
               <a:t>. </a:t>
             </a:r>
             <a:br>
-              <a:rPr lang="en-US" dirty="0" smtClean="0"/>
+              <a:rPr lang="en-US" dirty="0"/>
             </a:br>
             <a:r>
-              <a:rPr lang="en-US" dirty="0" smtClean="0"/>
+              <a:rPr lang="en-US" dirty="0"/>
               <a:t>Add missing methods to read from console</a:t>
             </a:r>
           </a:p>
@@ -5923,10 +7006,9 @@
           <a:p>
             <a:pPr algn="ctr"/>
             <a:r>
-              <a:rPr lang="en-US" dirty="0" smtClean="0"/>
+              <a:rPr lang="en-US" dirty="0"/>
               <a:t>Q1</a:t>
             </a:r>
-            <a:endParaRPr lang="en-US" dirty="0"/>
           </a:p>
         </p:txBody>
       </p:sp>
@@ -5940,17 +7022,10 @@
   <p:clrMapOvr>
     <a:masterClrMapping/>
   </p:clrMapOvr>
-  <p:timing>
-    <p:tnLst>
-      <p:par>
-        <p:cTn id="1" dur="indefinite" restart="never" nodeType="tmRoot"/>
-      </p:par>
-    </p:tnLst>
-  </p:timing>
 </p:sld>
 </file>
 
-<file path=ppt/slides/slide12.xml><?xml version="1.0" encoding="utf-8"?>
+<file path=ppt/slides/slide14.xml><?xml version="1.0" encoding="utf-8"?>
 <p:sld xmlns:a="http://schemas.openxmlformats.org/drawingml/2006/main" xmlns:r="http://schemas.openxmlformats.org/officeDocument/2006/relationships" xmlns:p="http://schemas.openxmlformats.org/presentationml/2006/main">
   <p:cSld>
     <p:spTree>
@@ -5983,10 +7058,9 @@
           <a:lstStyle/>
           <a:p>
             <a:r>
-              <a:rPr lang="en-US" dirty="0" smtClean="0"/>
+              <a:rPr lang="en-US" dirty="0"/>
               <a:t>Unit Testing</a:t>
             </a:r>
-            <a:endParaRPr lang="en-US" dirty="0"/>
           </a:p>
         </p:txBody>
       </p:sp>
@@ -6006,56 +7080,43 @@
           <a:lstStyle/>
           <a:p>
             <a:r>
-              <a:rPr lang="en-US" dirty="0" smtClean="0"/>
+              <a:rPr lang="en-US" dirty="0"/>
               <a:t>Idea: Test “small pieces” of larger program</a:t>
             </a:r>
           </a:p>
           <a:p>
             <a:pPr lvl="1"/>
             <a:r>
-              <a:rPr lang="en-US" dirty="0" smtClean="0"/>
+              <a:rPr lang="en-US" dirty="0"/>
               <a:t>Do the expected values match what you ACTUALLY get?</a:t>
             </a:r>
           </a:p>
           <a:p>
             <a:r>
-              <a:rPr lang="en-US" dirty="0" smtClean="0"/>
+              <a:rPr lang="en-US" dirty="0"/>
               <a:t>How to test in this manner?</a:t>
             </a:r>
           </a:p>
           <a:p>
             <a:pPr lvl="1"/>
             <a:r>
-              <a:rPr lang="en-US" dirty="0" smtClean="0"/>
+              <a:rPr lang="en-US" dirty="0"/>
               <a:t>Could make a main method that calls all the methods</a:t>
             </a:r>
           </a:p>
           <a:p>
             <a:pPr lvl="1"/>
             <a:r>
-              <a:rPr lang="en-US" dirty="0" err="1" smtClean="0"/>
-              <a:t>JUnit</a:t>
-            </a:r>
-            <a:r>
-              <a:rPr lang="en-US" dirty="0" smtClean="0"/>
-              <a:t>!</a:t>
+              <a:rPr lang="en-US" dirty="0"/>
+              <a:t>JUnit!</a:t>
             </a:r>
           </a:p>
           <a:p>
             <a:pPr lvl="2"/>
             <a:r>
-              <a:rPr lang="en-US" dirty="0" smtClean="0"/>
-              <a:t>Creating a Tester </a:t>
-            </a:r>
-            <a:r>
-              <a:rPr lang="en-US" dirty="0" err="1" smtClean="0"/>
-              <a:t>JUnit</a:t>
-            </a:r>
-            <a:r>
-              <a:rPr lang="en-US" dirty="0" smtClean="0"/>
-              <a:t> class</a:t>
-            </a:r>
-            <a:endParaRPr lang="en-US" dirty="0"/>
+              <a:rPr lang="en-US" dirty="0"/>
+              <a:t>Creating a Tester JUnit class</a:t>
+            </a:r>
           </a:p>
         </p:txBody>
       </p:sp>
@@ -6096,10 +7157,9 @@
           <a:p>
             <a:pPr algn="ctr"/>
             <a:r>
-              <a:rPr lang="en-US" dirty="0" smtClean="0"/>
+              <a:rPr lang="en-US" dirty="0"/>
               <a:t>Q2</a:t>
             </a:r>
-            <a:endParaRPr lang="en-US" dirty="0"/>
           </a:p>
         </p:txBody>
       </p:sp>
@@ -6113,17 +7173,10 @@
   <p:clrMapOvr>
     <a:masterClrMapping/>
   </p:clrMapOvr>
-  <p:timing>
-    <p:tnLst>
-      <p:par>
-        <p:cTn id="1" dur="indefinite" restart="never" nodeType="tmRoot"/>
-      </p:par>
-    </p:tnLst>
-  </p:timing>
 </p:sld>
 </file>
 
-<file path=ppt/slides/slide13.xml><?xml version="1.0" encoding="utf-8"?>
+<file path=ppt/slides/slide15.xml><?xml version="1.0" encoding="utf-8"?>
 <p:sld xmlns:a="http://schemas.openxmlformats.org/drawingml/2006/main" xmlns:r="http://schemas.openxmlformats.org/officeDocument/2006/relationships" xmlns:p="http://schemas.openxmlformats.org/presentationml/2006/main">
   <p:cSld>
     <p:spTree>
@@ -6156,10 +7209,9 @@
           <a:lstStyle/>
           <a:p>
             <a:r>
-              <a:rPr lang="en-US" dirty="0" smtClean="0"/>
+              <a:rPr lang="en-US" dirty="0"/>
               <a:t>Why Unit Testing?</a:t>
             </a:r>
-            <a:endParaRPr lang="en-US" dirty="0"/>
           </a:p>
         </p:txBody>
       </p:sp>
@@ -6179,42 +7231,42 @@
           <a:lstStyle/>
           <a:p>
             <a:r>
-              <a:rPr lang="en-US" dirty="0" smtClean="0"/>
+              <a:rPr lang="en-US" dirty="0"/>
               <a:t>There are several goals of unit testing:</a:t>
             </a:r>
           </a:p>
           <a:p>
             <a:pPr lvl="1"/>
             <a:r>
-              <a:rPr lang="en-US" dirty="0" smtClean="0"/>
+              <a:rPr lang="en-US" dirty="0"/>
               <a:t>Make sure your code works (as specified!)</a:t>
             </a:r>
           </a:p>
           <a:p>
             <a:pPr lvl="1"/>
             <a:r>
-              <a:rPr lang="en-US" dirty="0" smtClean="0"/>
+              <a:rPr lang="en-US" dirty="0"/>
               <a:t>Keep it working</a:t>
             </a:r>
           </a:p>
           <a:p>
             <a:pPr lvl="1"/>
             <a:r>
-              <a:rPr lang="en-US" dirty="0" smtClean="0"/>
+              <a:rPr lang="en-US" dirty="0"/>
               <a:t>Confirm understanding of the specification</a:t>
             </a:r>
           </a:p>
           <a:p>
             <a:pPr lvl="1"/>
             <a:r>
-              <a:rPr lang="en-US" dirty="0" smtClean="0"/>
+              <a:rPr lang="en-US" dirty="0"/>
               <a:t>Confirm pieces of code in isolation</a:t>
             </a:r>
           </a:p>
           <a:p>
             <a:pPr lvl="1"/>
             <a:r>
-              <a:rPr lang="en-US" dirty="0" smtClean="0"/>
+              <a:rPr lang="en-US" dirty="0"/>
               <a:t>Provide Documentation</a:t>
             </a:r>
           </a:p>
@@ -6261,10 +7313,9 @@
           <a:p>
             <a:pPr algn="ctr"/>
             <a:r>
-              <a:rPr lang="en-US" dirty="0" smtClean="0"/>
+              <a:rPr lang="en-US" dirty="0"/>
               <a:t>Q3</a:t>
             </a:r>
-            <a:endParaRPr lang="en-US" dirty="0"/>
           </a:p>
         </p:txBody>
       </p:sp>
@@ -6278,284 +7329,6 @@
   <p:clrMapOvr>
     <a:masterClrMapping/>
   </p:clrMapOvr>
-  <p:timing>
-    <p:tnLst>
-      <p:par>
-        <p:cTn id="1" dur="indefinite" restart="never" nodeType="tmRoot"/>
-      </p:par>
-    </p:tnLst>
-  </p:timing>
-</p:sld>
-</file>
-
-<file path=ppt/slides/slide14.xml><?xml version="1.0" encoding="utf-8"?>
-<p:sld xmlns:a="http://schemas.openxmlformats.org/drawingml/2006/main" xmlns:r="http://schemas.openxmlformats.org/officeDocument/2006/relationships" xmlns:p="http://schemas.openxmlformats.org/presentationml/2006/main">
-  <p:cSld>
-    <p:spTree>
-      <p:nvGrpSpPr>
-        <p:cNvPr id="1" name=""/>
-        <p:cNvGrpSpPr/>
-        <p:nvPr/>
-      </p:nvGrpSpPr>
-      <p:grpSpPr>
-        <a:xfrm>
-          <a:off x="0" y="0"/>
-          <a:ext cx="0" cy="0"/>
-          <a:chOff x="0" y="0"/>
-          <a:chExt cx="0" cy="0"/>
-        </a:xfrm>
-      </p:grpSpPr>
-      <p:sp>
-        <p:nvSpPr>
-          <p:cNvPr id="2" name="Title 1"/>
-          <p:cNvSpPr>
-            <a:spLocks noGrp="1"/>
-          </p:cNvSpPr>
-          <p:nvPr>
-            <p:ph type="title"/>
-          </p:nvPr>
-        </p:nvSpPr>
-        <p:spPr/>
-        <p:txBody>
-          <a:bodyPr>
-            <a:normAutofit/>
-          </a:bodyPr>
-          <a:lstStyle/>
-          <a:p>
-            <a:r>
-              <a:rPr lang="en-US" dirty="0" smtClean="0"/>
-              <a:t>Unit Tests (as done in CSSE120)</a:t>
-            </a:r>
-            <a:endParaRPr lang="en-US" dirty="0"/>
-          </a:p>
-        </p:txBody>
-      </p:sp>
-      <p:sp>
-        <p:nvSpPr>
-          <p:cNvPr id="3" name="Content Placeholder 2"/>
-          <p:cNvSpPr>
-            <a:spLocks noGrp="1"/>
-          </p:cNvSpPr>
-          <p:nvPr>
-            <p:ph idx="1"/>
-          </p:nvPr>
-        </p:nvSpPr>
-        <p:spPr/>
-        <p:txBody>
-          <a:bodyPr>
-            <a:normAutofit lnSpcReduction="10000"/>
-          </a:bodyPr>
-          <a:lstStyle/>
-          <a:p>
-            <a:pPr marL="514350" indent="-514350">
-              <a:buFont typeface="+mj-lt"/>
-              <a:buAutoNum type="arabicPeriod"/>
-            </a:pPr>
-            <a:r>
-              <a:rPr lang="en-US" dirty="0" smtClean="0"/>
-              <a:t>Construct one or more objects of the class that is being tested</a:t>
-            </a:r>
-          </a:p>
-          <a:p>
-            <a:pPr marL="514350" indent="-514350">
-              <a:buFont typeface="+mj-lt"/>
-              <a:buAutoNum type="arabicPeriod"/>
-            </a:pPr>
-            <a:r>
-              <a:rPr lang="en-US" dirty="0" smtClean="0"/>
-              <a:t>Invoke one or more methods</a:t>
-            </a:r>
-          </a:p>
-          <a:p>
-            <a:pPr marL="514350" indent="-514350">
-              <a:buFont typeface="+mj-lt"/>
-              <a:buAutoNum type="arabicPeriod"/>
-            </a:pPr>
-            <a:r>
-              <a:rPr lang="en-US" dirty="0" smtClean="0"/>
-              <a:t>Print out one or more results</a:t>
-            </a:r>
-          </a:p>
-          <a:p>
-            <a:pPr marL="514350" indent="-514350">
-              <a:buFont typeface="+mj-lt"/>
-              <a:buAutoNum type="arabicPeriod"/>
-            </a:pPr>
-            <a:r>
-              <a:rPr lang="en-US" dirty="0" smtClean="0"/>
-              <a:t>Print the expected results</a:t>
-            </a:r>
-          </a:p>
-          <a:p>
-            <a:pPr marL="514350" indent="-514350">
-              <a:buFont typeface="+mj-lt"/>
-              <a:buAutoNum type="arabicPeriod"/>
-            </a:pPr>
-            <a:r>
-              <a:rPr lang="en-US" dirty="0" smtClean="0"/>
-              <a:t>Do 3 and 4 match?</a:t>
-            </a:r>
-          </a:p>
-          <a:p>
-            <a:pPr marL="514350" indent="-514350">
-              <a:buFont typeface="+mj-lt"/>
-              <a:buAutoNum type="arabicPeriod"/>
-            </a:pPr>
-            <a:endParaRPr lang="en-US" dirty="0"/>
-          </a:p>
-          <a:p>
-            <a:pPr marL="0" indent="0">
-              <a:buNone/>
-            </a:pPr>
-            <a:r>
-              <a:rPr lang="en-US" i="1" dirty="0" smtClean="0"/>
-              <a:t>(Pages 102-103 in book)</a:t>
-            </a:r>
-          </a:p>
-        </p:txBody>
-      </p:sp>
-    </p:spTree>
-    <p:extLst>
-      <p:ext uri="{BB962C8B-B14F-4D97-AF65-F5344CB8AC3E}">
-        <p14:creationId xmlns:p14="http://schemas.microsoft.com/office/powerpoint/2010/main" val="3212822232"/>
-      </p:ext>
-    </p:extLst>
-  </p:cSld>
-  <p:clrMapOvr>
-    <a:masterClrMapping/>
-  </p:clrMapOvr>
-  <p:timing>
-    <p:tnLst>
-      <p:par>
-        <p:cTn id="1" dur="indefinite" restart="never" nodeType="tmRoot"/>
-      </p:par>
-    </p:tnLst>
-  </p:timing>
-</p:sld>
-</file>
-
-<file path=ppt/slides/slide15.xml><?xml version="1.0" encoding="utf-8"?>
-<p:sld xmlns:a="http://schemas.openxmlformats.org/drawingml/2006/main" xmlns:r="http://schemas.openxmlformats.org/officeDocument/2006/relationships" xmlns:p="http://schemas.openxmlformats.org/presentationml/2006/main">
-  <p:cSld>
-    <p:spTree>
-      <p:nvGrpSpPr>
-        <p:cNvPr id="1" name=""/>
-        <p:cNvGrpSpPr/>
-        <p:nvPr/>
-      </p:nvGrpSpPr>
-      <p:grpSpPr>
-        <a:xfrm>
-          <a:off x="0" y="0"/>
-          <a:ext cx="0" cy="0"/>
-          <a:chOff x="0" y="0"/>
-          <a:chExt cx="0" cy="0"/>
-        </a:xfrm>
-      </p:grpSpPr>
-      <p:sp>
-        <p:nvSpPr>
-          <p:cNvPr id="2" name="Title 1"/>
-          <p:cNvSpPr>
-            <a:spLocks noGrp="1"/>
-          </p:cNvSpPr>
-          <p:nvPr>
-            <p:ph type="title"/>
-          </p:nvPr>
-        </p:nvSpPr>
-        <p:spPr/>
-        <p:txBody>
-          <a:bodyPr>
-            <a:normAutofit/>
-          </a:bodyPr>
-          <a:lstStyle/>
-          <a:p>
-            <a:r>
-              <a:rPr lang="en-US" dirty="0" smtClean="0"/>
-              <a:t>Why JUnit?</a:t>
-            </a:r>
-            <a:endParaRPr lang="en-US" dirty="0"/>
-          </a:p>
-        </p:txBody>
-      </p:sp>
-      <p:sp>
-        <p:nvSpPr>
-          <p:cNvPr id="3" name="Content Placeholder 2"/>
-          <p:cNvSpPr>
-            <a:spLocks noGrp="1"/>
-          </p:cNvSpPr>
-          <p:nvPr>
-            <p:ph idx="1"/>
-          </p:nvPr>
-        </p:nvSpPr>
-        <p:spPr/>
-        <p:txBody>
-          <a:bodyPr/>
-          <a:lstStyle/>
-          <a:p>
-            <a:r>
-              <a:rPr lang="en-US" dirty="0" smtClean="0"/>
-              <a:t>Provides a Framework</a:t>
-            </a:r>
-          </a:p>
-          <a:p>
-            <a:pPr lvl="1"/>
-            <a:r>
-              <a:rPr lang="en-US" dirty="0" smtClean="0"/>
-              <a:t>Framework: Collection of classes to be used by another program</a:t>
-            </a:r>
-          </a:p>
-          <a:p>
-            <a:r>
-              <a:rPr lang="en-US" dirty="0" smtClean="0"/>
-              <a:t>Provides easy-to-read output in Eclipse</a:t>
-            </a:r>
-          </a:p>
-          <a:p>
-            <a:r>
-              <a:rPr lang="en-US" dirty="0" smtClean="0"/>
-              <a:t>Prints require you to analyze all lines</a:t>
-            </a:r>
-          </a:p>
-          <a:p>
-            <a:pPr lvl="1"/>
-            <a:r>
-              <a:rPr lang="en-US" dirty="0" smtClean="0"/>
-              <a:t>What if it scrolls off the page?</a:t>
-            </a:r>
-          </a:p>
-          <a:p>
-            <a:pPr lvl="1"/>
-            <a:r>
-              <a:rPr lang="en-US" dirty="0" smtClean="0"/>
-              <a:t>What if it’s only 1 character different?</a:t>
-            </a:r>
-          </a:p>
-          <a:p>
-            <a:pPr lvl="1"/>
-            <a:endParaRPr lang="en-US" dirty="0" smtClean="0"/>
-          </a:p>
-          <a:p>
-            <a:pPr lvl="1"/>
-            <a:endParaRPr lang="en-US" dirty="0"/>
-          </a:p>
-        </p:txBody>
-      </p:sp>
-    </p:spTree>
-    <p:extLst>
-      <p:ext uri="{BB962C8B-B14F-4D97-AF65-F5344CB8AC3E}">
-        <p14:creationId xmlns:p14="http://schemas.microsoft.com/office/powerpoint/2010/main" val="4261172324"/>
-      </p:ext>
-    </p:extLst>
-  </p:cSld>
-  <p:clrMapOvr>
-    <a:masterClrMapping/>
-  </p:clrMapOvr>
-  <p:timing>
-    <p:tnLst>
-      <p:par>
-        <p:cTn id="1" dur="indefinite" restart="never" nodeType="tmRoot"/>
-      </p:par>
-    </p:tnLst>
-  </p:timing>
 </p:sld>
 </file>
 
@@ -6588,15 +7361,269 @@
         </p:nvSpPr>
         <p:spPr/>
         <p:txBody>
+          <a:bodyPr>
+            <a:normAutofit/>
+          </a:bodyPr>
+          <a:lstStyle/>
+          <a:p>
+            <a:r>
+              <a:rPr lang="en-US" dirty="0"/>
+              <a:t>Unit Tests (as done in CSSE120)</a:t>
+            </a:r>
+          </a:p>
+        </p:txBody>
+      </p:sp>
+      <p:sp>
+        <p:nvSpPr>
+          <p:cNvPr id="3" name="Content Placeholder 2"/>
+          <p:cNvSpPr>
+            <a:spLocks noGrp="1"/>
+          </p:cNvSpPr>
+          <p:nvPr>
+            <p:ph idx="1"/>
+          </p:nvPr>
+        </p:nvSpPr>
+        <p:spPr/>
+        <p:txBody>
+          <a:bodyPr>
+            <a:normAutofit lnSpcReduction="10000"/>
+          </a:bodyPr>
+          <a:lstStyle/>
+          <a:p>
+            <a:pPr marL="514350" indent="-514350">
+              <a:buFont typeface="+mj-lt"/>
+              <a:buAutoNum type="arabicPeriod"/>
+            </a:pPr>
+            <a:r>
+              <a:rPr lang="en-US" dirty="0"/>
+              <a:t>Construct one or more objects of the class that is being tested</a:t>
+            </a:r>
+          </a:p>
+          <a:p>
+            <a:pPr marL="514350" indent="-514350">
+              <a:buFont typeface="+mj-lt"/>
+              <a:buAutoNum type="arabicPeriod"/>
+            </a:pPr>
+            <a:r>
+              <a:rPr lang="en-US" dirty="0"/>
+              <a:t>Invoke one or more methods</a:t>
+            </a:r>
+          </a:p>
+          <a:p>
+            <a:pPr marL="514350" indent="-514350">
+              <a:buFont typeface="+mj-lt"/>
+              <a:buAutoNum type="arabicPeriod"/>
+            </a:pPr>
+            <a:r>
+              <a:rPr lang="en-US" dirty="0"/>
+              <a:t>Print out one or more results</a:t>
+            </a:r>
+          </a:p>
+          <a:p>
+            <a:pPr marL="514350" indent="-514350">
+              <a:buFont typeface="+mj-lt"/>
+              <a:buAutoNum type="arabicPeriod"/>
+            </a:pPr>
+            <a:r>
+              <a:rPr lang="en-US" dirty="0"/>
+              <a:t>Print the expected results</a:t>
+            </a:r>
+          </a:p>
+          <a:p>
+            <a:pPr marL="514350" indent="-514350">
+              <a:buFont typeface="+mj-lt"/>
+              <a:buAutoNum type="arabicPeriod"/>
+            </a:pPr>
+            <a:r>
+              <a:rPr lang="en-US" dirty="0"/>
+              <a:t>Do 3 and 4 match?</a:t>
+            </a:r>
+          </a:p>
+          <a:p>
+            <a:pPr marL="514350" indent="-514350">
+              <a:buFont typeface="+mj-lt"/>
+              <a:buAutoNum type="arabicPeriod"/>
+            </a:pPr>
+            <a:endParaRPr lang="en-US" dirty="0"/>
+          </a:p>
+          <a:p>
+            <a:pPr marL="0" indent="0">
+              <a:buNone/>
+            </a:pPr>
+            <a:r>
+              <a:rPr lang="en-US" i="1" dirty="0"/>
+              <a:t>(Pages 102-103 in book)</a:t>
+            </a:r>
+          </a:p>
+        </p:txBody>
+      </p:sp>
+    </p:spTree>
+    <p:extLst>
+      <p:ext uri="{BB962C8B-B14F-4D97-AF65-F5344CB8AC3E}">
+        <p14:creationId xmlns:p14="http://schemas.microsoft.com/office/powerpoint/2010/main" val="3212822232"/>
+      </p:ext>
+    </p:extLst>
+  </p:cSld>
+  <p:clrMapOvr>
+    <a:masterClrMapping/>
+  </p:clrMapOvr>
+</p:sld>
+</file>
+
+<file path=ppt/slides/slide17.xml><?xml version="1.0" encoding="utf-8"?>
+<p:sld xmlns:a="http://schemas.openxmlformats.org/drawingml/2006/main" xmlns:r="http://schemas.openxmlformats.org/officeDocument/2006/relationships" xmlns:p="http://schemas.openxmlformats.org/presentationml/2006/main">
+  <p:cSld>
+    <p:spTree>
+      <p:nvGrpSpPr>
+        <p:cNvPr id="1" name=""/>
+        <p:cNvGrpSpPr/>
+        <p:nvPr/>
+      </p:nvGrpSpPr>
+      <p:grpSpPr>
+        <a:xfrm>
+          <a:off x="0" y="0"/>
+          <a:ext cx="0" cy="0"/>
+          <a:chOff x="0" y="0"/>
+          <a:chExt cx="0" cy="0"/>
+        </a:xfrm>
+      </p:grpSpPr>
+      <p:sp>
+        <p:nvSpPr>
+          <p:cNvPr id="2" name="Title 1"/>
+          <p:cNvSpPr>
+            <a:spLocks noGrp="1"/>
+          </p:cNvSpPr>
+          <p:nvPr>
+            <p:ph type="title"/>
+          </p:nvPr>
+        </p:nvSpPr>
+        <p:spPr/>
+        <p:txBody>
+          <a:bodyPr>
+            <a:normAutofit/>
+          </a:bodyPr>
+          <a:lstStyle/>
+          <a:p>
+            <a:r>
+              <a:rPr lang="en-US" dirty="0"/>
+              <a:t>Why JUnit?</a:t>
+            </a:r>
+          </a:p>
+        </p:txBody>
+      </p:sp>
+      <p:sp>
+        <p:nvSpPr>
+          <p:cNvPr id="3" name="Content Placeholder 2"/>
+          <p:cNvSpPr>
+            <a:spLocks noGrp="1"/>
+          </p:cNvSpPr>
+          <p:nvPr>
+            <p:ph idx="1"/>
+          </p:nvPr>
+        </p:nvSpPr>
+        <p:spPr/>
+        <p:txBody>
           <a:bodyPr/>
           <a:lstStyle/>
           <a:p>
             <a:r>
-              <a:rPr lang="en-US" dirty="0" smtClean="0"/>
-              <a:t>What are good unit tests?</a:t>
-            </a:r>
+              <a:rPr lang="en-US" dirty="0"/>
+              <a:t>Provides a Framework</a:t>
+            </a:r>
+          </a:p>
+          <a:p>
+            <a:pPr lvl="1"/>
+            <a:r>
+              <a:rPr lang="en-US" dirty="0"/>
+              <a:t>Framework: Collection of classes to be used by another program</a:t>
+            </a:r>
+          </a:p>
+          <a:p>
+            <a:r>
+              <a:rPr lang="en-US" dirty="0"/>
+              <a:t>Provides easy-to-read output in Eclipse</a:t>
+            </a:r>
+          </a:p>
+          <a:p>
+            <a:r>
+              <a:rPr lang="en-US" dirty="0"/>
+              <a:t>Prints require you to analyze all lines</a:t>
+            </a:r>
+          </a:p>
+          <a:p>
+            <a:pPr lvl="1"/>
+            <a:r>
+              <a:rPr lang="en-US" dirty="0"/>
+              <a:t>What if it scrolls off the page?</a:t>
+            </a:r>
+          </a:p>
+          <a:p>
+            <a:pPr lvl="1"/>
+            <a:r>
+              <a:rPr lang="en-US" dirty="0"/>
+              <a:t>What if it’s only 1 character different?</a:t>
+            </a:r>
+          </a:p>
+          <a:p>
+            <a:pPr lvl="1"/>
             <a:endParaRPr lang="en-US" dirty="0"/>
           </a:p>
+          <a:p>
+            <a:pPr lvl="1"/>
+            <a:endParaRPr lang="en-US" dirty="0"/>
+          </a:p>
+        </p:txBody>
+      </p:sp>
+    </p:spTree>
+    <p:extLst>
+      <p:ext uri="{BB962C8B-B14F-4D97-AF65-F5344CB8AC3E}">
+        <p14:creationId xmlns:p14="http://schemas.microsoft.com/office/powerpoint/2010/main" val="4261172324"/>
+      </p:ext>
+    </p:extLst>
+  </p:cSld>
+  <p:clrMapOvr>
+    <a:masterClrMapping/>
+  </p:clrMapOvr>
+</p:sld>
+</file>
+
+<file path=ppt/slides/slide18.xml><?xml version="1.0" encoding="utf-8"?>
+<p:sld xmlns:a="http://schemas.openxmlformats.org/drawingml/2006/main" xmlns:r="http://schemas.openxmlformats.org/officeDocument/2006/relationships" xmlns:p="http://schemas.openxmlformats.org/presentationml/2006/main">
+  <p:cSld>
+    <p:spTree>
+      <p:nvGrpSpPr>
+        <p:cNvPr id="1" name=""/>
+        <p:cNvGrpSpPr/>
+        <p:nvPr/>
+      </p:nvGrpSpPr>
+      <p:grpSpPr>
+        <a:xfrm>
+          <a:off x="0" y="0"/>
+          <a:ext cx="0" cy="0"/>
+          <a:chOff x="0" y="0"/>
+          <a:chExt cx="0" cy="0"/>
+        </a:xfrm>
+      </p:grpSpPr>
+      <p:sp>
+        <p:nvSpPr>
+          <p:cNvPr id="2" name="Title 1"/>
+          <p:cNvSpPr>
+            <a:spLocks noGrp="1"/>
+          </p:cNvSpPr>
+          <p:nvPr>
+            <p:ph type="title"/>
+          </p:nvPr>
+        </p:nvSpPr>
+        <p:spPr/>
+        <p:txBody>
+          <a:bodyPr/>
+          <a:lstStyle/>
+          <a:p>
+            <a:r>
+              <a:rPr lang="en-US" dirty="0"/>
+              <a:t>What are quality unit tests?</a:t>
+            </a:r>
+          </a:p>
         </p:txBody>
       </p:sp>
       <p:sp>
@@ -6609,15 +7636,20 @@
             <p:ph idx="1"/>
           </p:nvPr>
         </p:nvSpPr>
-        <p:spPr/>
+        <p:spPr>
+          <a:xfrm>
+            <a:off x="457200" y="1219200"/>
+            <a:ext cx="8229600" cy="4906963"/>
+          </a:xfrm>
+        </p:spPr>
         <p:txBody>
           <a:bodyPr>
-            <a:normAutofit fontScale="92500"/>
+            <a:normAutofit fontScale="92500" lnSpcReduction="10000"/>
           </a:bodyPr>
           <a:lstStyle/>
           <a:p>
             <a:r>
-              <a:rPr lang="en-US" dirty="0" smtClean="0"/>
+              <a:rPr lang="en-US" dirty="0"/>
               <a:t>Unit tests should be small pieces that test:</a:t>
             </a:r>
           </a:p>
@@ -6627,7 +7659,7 @@
               <a:buAutoNum type="arabicPeriod"/>
             </a:pPr>
             <a:r>
-              <a:rPr lang="en-US" dirty="0" smtClean="0"/>
+              <a:rPr lang="en-US" dirty="0"/>
               <a:t>The most common cases</a:t>
             </a:r>
           </a:p>
@@ -6637,8 +7669,8 @@
               <a:buAutoNum type="arabicPeriod"/>
             </a:pPr>
             <a:r>
-              <a:rPr lang="en-US" dirty="0" smtClean="0"/>
-              <a:t>The edge cases (minimum, maximum, switching from positive to negative, etc.)</a:t>
+              <a:rPr lang="en-US" dirty="0"/>
+              <a:t>The edge cases or boundary cases (minimum, maximum, switching from positive to negative, etc.)</a:t>
             </a:r>
           </a:p>
           <a:p>
@@ -6647,7 +7679,7 @@
               <a:buAutoNum type="arabicPeriod"/>
             </a:pPr>
             <a:r>
-              <a:rPr lang="en-US" dirty="0" smtClean="0"/>
+              <a:rPr lang="en-US" dirty="0"/>
               <a:t>All specific/special cases (e.g., when 0 or null the behavior is different than for any other value)</a:t>
             </a:r>
           </a:p>
@@ -6657,8 +7689,8 @@
               <a:buAutoNum type="arabicPeriod"/>
             </a:pPr>
             <a:r>
-              <a:rPr lang="en-US" dirty="0" smtClean="0"/>
-              <a:t>When you find and fix a bug, you should have a unit test for this so it doesn’t ever happen again. Fix things once and for all!</a:t>
+              <a:rPr lang="en-US" dirty="0"/>
+              <a:t>When you find and fix a defect, then at that same time, create a unit test that would have revealed that defect. Then in future modifications to the code, if that defect gets reintroduced, the new unit test you created will reveal its presence</a:t>
             </a:r>
           </a:p>
           <a:p>
@@ -6667,7 +7699,7 @@
               <a:buAutoNum type="arabicPeriod"/>
             </a:pPr>
             <a:r>
-              <a:rPr lang="en-US" dirty="0" smtClean="0"/>
+              <a:rPr lang="en-US" dirty="0"/>
               <a:t>Any overly complex code that 1-4 above don’t cover</a:t>
             </a:r>
           </a:p>
@@ -6716,10 +7748,9 @@
           <a:p>
             <a:pPr algn="ctr"/>
             <a:r>
-              <a:rPr lang="en-US" dirty="0" smtClean="0"/>
+              <a:rPr lang="en-US" dirty="0"/>
               <a:t>Q4</a:t>
             </a:r>
-            <a:endParaRPr lang="en-US" dirty="0"/>
           </a:p>
         </p:txBody>
       </p:sp>
@@ -6733,17 +7764,10 @@
   <p:clrMapOvr>
     <a:masterClrMapping/>
   </p:clrMapOvr>
-  <p:timing>
-    <p:tnLst>
-      <p:par>
-        <p:cTn id="1" dur="indefinite" restart="never" nodeType="tmRoot"/>
-      </p:par>
-    </p:tnLst>
-  </p:timing>
 </p:sld>
 </file>
 
-<file path=ppt/slides/slide17.xml><?xml version="1.0" encoding="utf-8"?>
+<file path=ppt/slides/slide19.xml><?xml version="1.0" encoding="utf-8"?>
 <p:sld xmlns:a="http://schemas.openxmlformats.org/drawingml/2006/main" xmlns:r="http://schemas.openxmlformats.org/officeDocument/2006/relationships" xmlns:p="http://schemas.openxmlformats.org/presentationml/2006/main">
   <p:cSld>
     <p:spTree>
@@ -6776,252 +7800,179 @@
           <a:lstStyle/>
           <a:p>
             <a:r>
-              <a:rPr lang="en-US" dirty="0" smtClean="0"/>
-              <a:t>Unit Testing</a:t>
-            </a:r>
+              <a:rPr lang="en-US" dirty="0"/>
+              <a:t>What is a poor quality test case?</a:t>
+            </a:r>
+          </a:p>
+        </p:txBody>
+      </p:sp>
+      <p:sp>
+        <p:nvSpPr>
+          <p:cNvPr id="3" name="Content Placeholder 2"/>
+          <p:cNvSpPr>
+            <a:spLocks noGrp="1"/>
+          </p:cNvSpPr>
+          <p:nvPr>
+            <p:ph idx="1"/>
+          </p:nvPr>
+        </p:nvSpPr>
+        <p:spPr>
+          <a:xfrm>
+            <a:off x="457200" y="1219200"/>
+            <a:ext cx="8229600" cy="4906963"/>
+          </a:xfrm>
+        </p:spPr>
+        <p:txBody>
+          <a:bodyPr>
+            <a:normAutofit/>
+          </a:bodyPr>
+          <a:lstStyle/>
+          <a:p>
+            <a:pPr lvl="1"/>
+            <a:r>
+              <a:rPr lang="en-US" dirty="0"/>
+              <a:t>A test case that provides illegal input to the operation</a:t>
+            </a:r>
+          </a:p>
+          <a:p>
+            <a:pPr lvl="1"/>
+            <a:r>
+              <a:rPr lang="en-US" dirty="0"/>
+              <a:t>For example, the </a:t>
+            </a:r>
+            <a:r>
+              <a:rPr lang="en-US" i="1" dirty="0"/>
+              <a:t>deposit</a:t>
+            </a:r>
+            <a:r>
+              <a:rPr lang="en-US" dirty="0"/>
+              <a:t> method from the BankAccount class</a:t>
+            </a:r>
+          </a:p>
+          <a:p>
+            <a:pPr lvl="1"/>
+            <a:r>
+              <a:rPr lang="en-US" dirty="0"/>
+              <a:t>It has a requires clause that states the depositAmount &gt; 0</a:t>
+            </a:r>
+          </a:p>
+          <a:p>
+            <a:pPr lvl="1"/>
+            <a:r>
+              <a:rPr lang="en-US" dirty="0"/>
+              <a:t>Testing it with a negative number is a poor test case because it </a:t>
+            </a:r>
+            <a:r>
+              <a:rPr lang="en-US" i="1" dirty="0"/>
+              <a:t>requires</a:t>
+            </a:r>
+            <a:r>
+              <a:rPr lang="en-US" dirty="0"/>
+              <a:t> non-negative input</a:t>
+            </a:r>
+          </a:p>
+          <a:p>
+            <a:pPr lvl="1"/>
             <a:endParaRPr lang="en-US" dirty="0"/>
           </a:p>
-        </p:txBody>
-      </p:sp>
-      <p:sp>
-        <p:nvSpPr>
-          <p:cNvPr id="3" name="Content Placeholder 2"/>
-          <p:cNvSpPr>
-            <a:spLocks noGrp="1"/>
-          </p:cNvSpPr>
-          <p:nvPr>
-            <p:ph idx="1"/>
-          </p:nvPr>
-        </p:nvSpPr>
-        <p:spPr/>
-        <p:txBody>
-          <a:bodyPr/>
-          <a:lstStyle/>
-          <a:p>
-            <a:r>
-              <a:rPr lang="en-US" dirty="0" smtClean="0"/>
-              <a:t>Use “assert” to make sure results match</a:t>
-            </a:r>
-          </a:p>
-          <a:p>
-            <a:r>
-              <a:rPr lang="en-US" dirty="0" smtClean="0"/>
-              <a:t>Let’s look at </a:t>
-            </a:r>
-            <a:r>
-              <a:rPr lang="en-US" dirty="0" err="1" smtClean="0"/>
-              <a:t>BadFrac.java</a:t>
-            </a:r>
-            <a:r>
-              <a:rPr lang="en-US" dirty="0" smtClean="0"/>
-              <a:t> and </a:t>
-            </a:r>
-            <a:r>
-              <a:rPr lang="en-US" dirty="0" err="1" smtClean="0"/>
-              <a:t>BadFracTest.java</a:t>
-            </a:r>
-            <a:endParaRPr lang="en-US" dirty="0" smtClean="0"/>
-          </a:p>
-          <a:p>
-            <a:pPr lvl="1"/>
-            <a:r>
-              <a:rPr lang="en-US" dirty="0" smtClean="0"/>
-              <a:t>Let’s make some unit tests and figure out why this project has been yielding some strange results</a:t>
-            </a:r>
+          <a:p>
+            <a:pPr marL="971550" lvl="1" indent="-514350">
+              <a:buFont typeface="+mj-lt"/>
+              <a:buAutoNum type="arabicPeriod"/>
+            </a:pPr>
             <a:endParaRPr lang="en-US" dirty="0"/>
           </a:p>
-        </p:txBody>
-      </p:sp>
+          <a:p>
+            <a:pPr marL="457200" lvl="1" indent="0">
+              <a:buNone/>
+            </a:pPr>
+            <a:endParaRPr lang="en-US" dirty="0"/>
+          </a:p>
+        </p:txBody>
+      </p:sp>
+      <p:sp>
+        <p:nvSpPr>
+          <p:cNvPr id="7" name="Rectangle 6"/>
+          <p:cNvSpPr/>
+          <p:nvPr/>
+        </p:nvSpPr>
+        <p:spPr>
+          <a:xfrm>
+            <a:off x="8229600" y="6126163"/>
+            <a:ext cx="685800" cy="579437"/>
+          </a:xfrm>
+          <a:prstGeom prst="rect">
+            <a:avLst/>
+          </a:prstGeom>
+        </p:spPr>
+        <p:style>
+          <a:lnRef idx="2">
+            <a:schemeClr val="accent1">
+              <a:shade val="50000"/>
+            </a:schemeClr>
+          </a:lnRef>
+          <a:fillRef idx="1">
+            <a:schemeClr val="accent1"/>
+          </a:fillRef>
+          <a:effectRef idx="0">
+            <a:schemeClr val="accent1"/>
+          </a:effectRef>
+          <a:fontRef idx="minor">
+            <a:schemeClr val="lt1"/>
+          </a:fontRef>
+        </p:style>
+        <p:txBody>
+          <a:bodyPr rtlCol="0" anchor="ctr"/>
+          <a:lstStyle/>
+          <a:p>
+            <a:pPr algn="ctr"/>
+            <a:r>
+              <a:rPr lang="en-US" dirty="0"/>
+              <a:t>Q4</a:t>
+            </a:r>
+          </a:p>
+        </p:txBody>
+      </p:sp>
+      <p:pic>
+        <p:nvPicPr>
+          <p:cNvPr id="5" name="Picture 4">
+            <a:extLst>
+              <a:ext uri="{FF2B5EF4-FFF2-40B4-BE49-F238E27FC236}">
+                <a16:creationId xmlns:a16="http://schemas.microsoft.com/office/drawing/2014/main" id="{E8093846-CC3C-E945-A4BF-C80F5B6F9D15}"/>
+              </a:ext>
+            </a:extLst>
+          </p:cNvPr>
+          <p:cNvPicPr>
+            <a:picLocks noChangeAspect="1"/>
+          </p:cNvPicPr>
+          <p:nvPr/>
+        </p:nvPicPr>
+        <p:blipFill>
+          <a:blip r:embed="rId2"/>
+          <a:stretch>
+            <a:fillRect/>
+          </a:stretch>
+        </p:blipFill>
+        <p:spPr>
+          <a:xfrm>
+            <a:off x="4419600" y="4923080"/>
+            <a:ext cx="3257550" cy="1652091"/>
+          </a:xfrm>
+          <a:prstGeom prst="rect">
+            <a:avLst/>
+          </a:prstGeom>
+        </p:spPr>
+      </p:pic>
     </p:spTree>
     <p:extLst>
       <p:ext uri="{BB962C8B-B14F-4D97-AF65-F5344CB8AC3E}">
-        <p14:creationId xmlns:p14="http://schemas.microsoft.com/office/powerpoint/2010/main" val="2195235035"/>
+        <p14:creationId xmlns:p14="http://schemas.microsoft.com/office/powerpoint/2010/main" val="3198684657"/>
       </p:ext>
     </p:extLst>
   </p:cSld>
   <p:clrMapOvr>
     <a:masterClrMapping/>
   </p:clrMapOvr>
-  <p:timing>
-    <p:tnLst>
-      <p:par>
-        <p:cTn id="1" dur="indefinite" restart="never" nodeType="tmRoot"/>
-      </p:par>
-    </p:tnLst>
-  </p:timing>
-</p:sld>
-</file>
-
-<file path=ppt/slides/slide18.xml><?xml version="1.0" encoding="utf-8"?>
-<p:sld xmlns:a="http://schemas.openxmlformats.org/drawingml/2006/main" xmlns:r="http://schemas.openxmlformats.org/officeDocument/2006/relationships" xmlns:p="http://schemas.openxmlformats.org/presentationml/2006/main">
-  <p:cSld>
-    <p:spTree>
-      <p:nvGrpSpPr>
-        <p:cNvPr id="1" name=""/>
-        <p:cNvGrpSpPr/>
-        <p:nvPr/>
-      </p:nvGrpSpPr>
-      <p:grpSpPr>
-        <a:xfrm>
-          <a:off x="0" y="0"/>
-          <a:ext cx="0" cy="0"/>
-          <a:chOff x="0" y="0"/>
-          <a:chExt cx="0" cy="0"/>
-        </a:xfrm>
-      </p:grpSpPr>
-      <p:sp>
-        <p:nvSpPr>
-          <p:cNvPr id="2" name="Title 1"/>
-          <p:cNvSpPr>
-            <a:spLocks noGrp="1"/>
-          </p:cNvSpPr>
-          <p:nvPr>
-            <p:ph type="title"/>
-          </p:nvPr>
-        </p:nvSpPr>
-        <p:spPr/>
-        <p:txBody>
-          <a:bodyPr/>
-          <a:lstStyle/>
-          <a:p>
-            <a:r>
-              <a:rPr lang="en-US" dirty="0" err="1" smtClean="0"/>
-              <a:t>UnitTesting</a:t>
-            </a:r>
-            <a:r>
-              <a:rPr lang="en-US" dirty="0" smtClean="0"/>
-              <a:t> Homework</a:t>
-            </a:r>
-            <a:endParaRPr lang="en-US" dirty="0"/>
-          </a:p>
-        </p:txBody>
-      </p:sp>
-      <p:sp>
-        <p:nvSpPr>
-          <p:cNvPr id="3" name="Content Placeholder 2"/>
-          <p:cNvSpPr>
-            <a:spLocks noGrp="1"/>
-          </p:cNvSpPr>
-          <p:nvPr>
-            <p:ph idx="1"/>
-          </p:nvPr>
-        </p:nvSpPr>
-        <p:spPr/>
-        <p:txBody>
-          <a:bodyPr/>
-          <a:lstStyle/>
-          <a:p>
-            <a:r>
-              <a:rPr lang="en-US" dirty="0">
-                <a:hlinkClick r:id="rId2"/>
-              </a:rPr>
-              <a:t>https://github.com/RHIT-CSSE/csse220/tree/master/Homework/IntroToUnitTesting</a:t>
-            </a:r>
-            <a:endParaRPr lang="en-US" dirty="0"/>
-          </a:p>
-        </p:txBody>
-      </p:sp>
-    </p:spTree>
-    <p:extLst>
-      <p:ext uri="{BB962C8B-B14F-4D97-AF65-F5344CB8AC3E}">
-        <p14:creationId xmlns:p14="http://schemas.microsoft.com/office/powerpoint/2010/main" val="159770490"/>
-      </p:ext>
-    </p:extLst>
-  </p:cSld>
-  <p:clrMapOvr>
-    <a:masterClrMapping/>
-  </p:clrMapOvr>
-</p:sld>
-</file>
-
-<file path=ppt/slides/slide19.xml><?xml version="1.0" encoding="utf-8"?>
-<p:sld xmlns:a="http://schemas.openxmlformats.org/drawingml/2006/main" xmlns:r="http://schemas.openxmlformats.org/officeDocument/2006/relationships" xmlns:p="http://schemas.openxmlformats.org/presentationml/2006/main" show="0">
-  <p:cSld>
-    <p:spTree>
-      <p:nvGrpSpPr>
-        <p:cNvPr id="1" name=""/>
-        <p:cNvGrpSpPr/>
-        <p:nvPr/>
-      </p:nvGrpSpPr>
-      <p:grpSpPr>
-        <a:xfrm>
-          <a:off x="0" y="0"/>
-          <a:ext cx="0" cy="0"/>
-          <a:chOff x="0" y="0"/>
-          <a:chExt cx="0" cy="0"/>
-        </a:xfrm>
-      </p:grpSpPr>
-      <p:sp>
-        <p:nvSpPr>
-          <p:cNvPr id="2" name="Title 1"/>
-          <p:cNvSpPr>
-            <a:spLocks noGrp="1"/>
-          </p:cNvSpPr>
-          <p:nvPr>
-            <p:ph type="title"/>
-          </p:nvPr>
-        </p:nvSpPr>
-        <p:spPr/>
-        <p:txBody>
-          <a:bodyPr/>
-          <a:lstStyle/>
-          <a:p>
-            <a:r>
-              <a:rPr lang="en-US" smtClean="0"/>
-              <a:t>Exam 1 Review - Written</a:t>
-            </a:r>
-            <a:endParaRPr lang="en-US"/>
-          </a:p>
-        </p:txBody>
-      </p:sp>
-      <p:sp>
-        <p:nvSpPr>
-          <p:cNvPr id="3" name="Text Placeholder 2"/>
-          <p:cNvSpPr>
-            <a:spLocks noGrp="1"/>
-          </p:cNvSpPr>
-          <p:nvPr>
-            <p:ph type="body" idx="1"/>
-          </p:nvPr>
-        </p:nvSpPr>
-        <p:spPr/>
-        <p:txBody>
-          <a:bodyPr/>
-          <a:lstStyle/>
-          <a:p>
-            <a:r>
-              <a:rPr lang="en-US" dirty="0" smtClean="0"/>
-              <a:t>Review for written portion of Exam 1</a:t>
-            </a:r>
-            <a:endParaRPr lang="en-US" dirty="0"/>
-          </a:p>
-        </p:txBody>
-      </p:sp>
-    </p:spTree>
-    <p:extLst>
-      <p:ext uri="{BB962C8B-B14F-4D97-AF65-F5344CB8AC3E}">
-        <p14:creationId xmlns:p14="http://schemas.microsoft.com/office/powerpoint/2010/main" val="2124410113"/>
-      </p:ext>
-    </p:extLst>
-  </p:cSld>
-  <p:clrMapOvr>
-    <a:masterClrMapping/>
-  </p:clrMapOvr>
-  <mc:AlternateContent xmlns:mc="http://schemas.openxmlformats.org/markup-compatibility/2006">
-    <mc:Choice xmlns:p14="http://schemas.microsoft.com/office/powerpoint/2010/main" Requires="p14">
-      <p:transition spd="slow" p14:dur="2000"/>
-    </mc:Choice>
-    <mc:Fallback>
-      <p:transition spd="slow"/>
-    </mc:Fallback>
-  </mc:AlternateContent>
-  <p:timing>
-    <p:tnLst>
-      <p:par>
-        <p:cTn id="1" dur="indefinite" restart="never" nodeType="tmRoot"/>
-      </p:par>
-    </p:tnLst>
-  </p:timing>
 </p:sld>
 </file>
 
@@ -7058,10 +8009,9 @@
           <a:lstStyle/>
           <a:p>
             <a:r>
-              <a:rPr lang="en-US" dirty="0" smtClean="0"/>
+              <a:rPr lang="en-US" dirty="0"/>
               <a:t>Outline</a:t>
             </a:r>
-            <a:endParaRPr lang="en-US" dirty="0"/>
           </a:p>
         </p:txBody>
       </p:sp>
@@ -7081,36 +8031,27 @@
           <a:lstStyle/>
           <a:p>
             <a:r>
-              <a:rPr lang="en-US" dirty="0" smtClean="0"/>
+              <a:rPr lang="en-US" dirty="0"/>
               <a:t>Review: Dependencies, Coupling, Cohesion</a:t>
             </a:r>
           </a:p>
           <a:p>
             <a:r>
-              <a:rPr lang="en-US" dirty="0" smtClean="0"/>
+              <a:rPr lang="en-US" dirty="0"/>
               <a:t>Variable Scoping</a:t>
             </a:r>
           </a:p>
           <a:p>
             <a:r>
-              <a:rPr lang="en-US" dirty="0" smtClean="0"/>
-              <a:t>Console </a:t>
-            </a:r>
-            <a:r>
-              <a:rPr lang="en-US" dirty="0" smtClean="0"/>
-              <a:t>Input</a:t>
-            </a:r>
-          </a:p>
-          <a:p>
-            <a:r>
-              <a:rPr lang="en-US" dirty="0" smtClean="0"/>
-              <a:t>Unit </a:t>
-            </a:r>
-            <a:r>
-              <a:rPr lang="en-US" dirty="0" smtClean="0"/>
-              <a:t>Testing</a:t>
-            </a:r>
-            <a:endParaRPr lang="en-US" dirty="0" smtClean="0"/>
+              <a:rPr lang="en-US" dirty="0"/>
+              <a:t>Console Input</a:t>
+            </a:r>
+          </a:p>
+          <a:p>
+            <a:r>
+              <a:rPr lang="en-US" dirty="0"/>
+              <a:t>Unit Testing</a:t>
+            </a:r>
           </a:p>
         </p:txBody>
       </p:sp>
@@ -7124,13 +8065,244 @@
   <p:clrMapOvr>
     <a:masterClrMapping/>
   </p:clrMapOvr>
-  <p:timing>
-    <p:tnLst>
-      <p:par>
-        <p:cTn id="1" dur="indefinite" restart="never" nodeType="tmRoot"/>
-      </p:par>
-    </p:tnLst>
-  </p:timing>
+</p:sld>
+</file>
+
+<file path=ppt/slides/slide20.xml><?xml version="1.0" encoding="utf-8"?>
+<p:sld xmlns:a="http://schemas.openxmlformats.org/drawingml/2006/main" xmlns:r="http://schemas.openxmlformats.org/officeDocument/2006/relationships" xmlns:p="http://schemas.openxmlformats.org/presentationml/2006/main">
+  <p:cSld>
+    <p:spTree>
+      <p:nvGrpSpPr>
+        <p:cNvPr id="1" name=""/>
+        <p:cNvGrpSpPr/>
+        <p:nvPr/>
+      </p:nvGrpSpPr>
+      <p:grpSpPr>
+        <a:xfrm>
+          <a:off x="0" y="0"/>
+          <a:ext cx="0" cy="0"/>
+          <a:chOff x="0" y="0"/>
+          <a:chExt cx="0" cy="0"/>
+        </a:xfrm>
+      </p:grpSpPr>
+      <p:sp>
+        <p:nvSpPr>
+          <p:cNvPr id="2" name="Title 1"/>
+          <p:cNvSpPr>
+            <a:spLocks noGrp="1"/>
+          </p:cNvSpPr>
+          <p:nvPr>
+            <p:ph type="title"/>
+          </p:nvPr>
+        </p:nvSpPr>
+        <p:spPr/>
+        <p:txBody>
+          <a:bodyPr/>
+          <a:lstStyle/>
+          <a:p>
+            <a:r>
+              <a:rPr lang="en-US" dirty="0"/>
+              <a:t>Unit Testing</a:t>
+            </a:r>
+          </a:p>
+        </p:txBody>
+      </p:sp>
+      <p:sp>
+        <p:nvSpPr>
+          <p:cNvPr id="3" name="Content Placeholder 2"/>
+          <p:cNvSpPr>
+            <a:spLocks noGrp="1"/>
+          </p:cNvSpPr>
+          <p:nvPr>
+            <p:ph idx="1"/>
+          </p:nvPr>
+        </p:nvSpPr>
+        <p:spPr/>
+        <p:txBody>
+          <a:bodyPr/>
+          <a:lstStyle/>
+          <a:p>
+            <a:r>
+              <a:rPr lang="en-US" dirty="0"/>
+              <a:t>Use “assert” to make sure results match</a:t>
+            </a:r>
+          </a:p>
+          <a:p>
+            <a:r>
+              <a:rPr lang="en-US" dirty="0"/>
+              <a:t>Let’s look at BadFrac.java and BadFracTest.java</a:t>
+            </a:r>
+          </a:p>
+          <a:p>
+            <a:pPr lvl="1"/>
+            <a:r>
+              <a:rPr lang="en-US" dirty="0"/>
+              <a:t>Let’s make some unit tests and figure out why this project has been yielding some strange results</a:t>
+            </a:r>
+          </a:p>
+        </p:txBody>
+      </p:sp>
+    </p:spTree>
+    <p:extLst>
+      <p:ext uri="{BB962C8B-B14F-4D97-AF65-F5344CB8AC3E}">
+        <p14:creationId xmlns:p14="http://schemas.microsoft.com/office/powerpoint/2010/main" val="2195235035"/>
+      </p:ext>
+    </p:extLst>
+  </p:cSld>
+  <p:clrMapOvr>
+    <a:masterClrMapping/>
+  </p:clrMapOvr>
+</p:sld>
+</file>
+
+<file path=ppt/slides/slide21.xml><?xml version="1.0" encoding="utf-8"?>
+<p:sld xmlns:a="http://schemas.openxmlformats.org/drawingml/2006/main" xmlns:r="http://schemas.openxmlformats.org/officeDocument/2006/relationships" xmlns:p="http://schemas.openxmlformats.org/presentationml/2006/main">
+  <p:cSld>
+    <p:spTree>
+      <p:nvGrpSpPr>
+        <p:cNvPr id="1" name=""/>
+        <p:cNvGrpSpPr/>
+        <p:nvPr/>
+      </p:nvGrpSpPr>
+      <p:grpSpPr>
+        <a:xfrm>
+          <a:off x="0" y="0"/>
+          <a:ext cx="0" cy="0"/>
+          <a:chOff x="0" y="0"/>
+          <a:chExt cx="0" cy="0"/>
+        </a:xfrm>
+      </p:grpSpPr>
+      <p:sp>
+        <p:nvSpPr>
+          <p:cNvPr id="2" name="Title 1"/>
+          <p:cNvSpPr>
+            <a:spLocks noGrp="1"/>
+          </p:cNvSpPr>
+          <p:nvPr>
+            <p:ph type="title"/>
+          </p:nvPr>
+        </p:nvSpPr>
+        <p:spPr/>
+        <p:txBody>
+          <a:bodyPr/>
+          <a:lstStyle/>
+          <a:p>
+            <a:r>
+              <a:rPr lang="en-US" dirty="0"/>
+              <a:t>UnitTesting Homework</a:t>
+            </a:r>
+          </a:p>
+        </p:txBody>
+      </p:sp>
+      <p:sp>
+        <p:nvSpPr>
+          <p:cNvPr id="3" name="Content Placeholder 2"/>
+          <p:cNvSpPr>
+            <a:spLocks noGrp="1"/>
+          </p:cNvSpPr>
+          <p:nvPr>
+            <p:ph idx="1"/>
+          </p:nvPr>
+        </p:nvSpPr>
+        <p:spPr/>
+        <p:txBody>
+          <a:bodyPr/>
+          <a:lstStyle/>
+          <a:p>
+            <a:r>
+              <a:rPr lang="en-US" dirty="0">
+                <a:hlinkClick r:id="rId2"/>
+              </a:rPr>
+              <a:t>https://github.com/RHIT-CSSE/csse220/tree/master/Homework/IntroToUnitTesting</a:t>
+            </a:r>
+            <a:endParaRPr lang="en-US" dirty="0"/>
+          </a:p>
+        </p:txBody>
+      </p:sp>
+    </p:spTree>
+    <p:extLst>
+      <p:ext uri="{BB962C8B-B14F-4D97-AF65-F5344CB8AC3E}">
+        <p14:creationId xmlns:p14="http://schemas.microsoft.com/office/powerpoint/2010/main" val="159770490"/>
+      </p:ext>
+    </p:extLst>
+  </p:cSld>
+  <p:clrMapOvr>
+    <a:masterClrMapping/>
+  </p:clrMapOvr>
+</p:sld>
+</file>
+
+<file path=ppt/slides/slide22.xml><?xml version="1.0" encoding="utf-8"?>
+<p:sld xmlns:a="http://schemas.openxmlformats.org/drawingml/2006/main" xmlns:r="http://schemas.openxmlformats.org/officeDocument/2006/relationships" xmlns:p="http://schemas.openxmlformats.org/presentationml/2006/main" show="0">
+  <p:cSld>
+    <p:spTree>
+      <p:nvGrpSpPr>
+        <p:cNvPr id="1" name=""/>
+        <p:cNvGrpSpPr/>
+        <p:nvPr/>
+      </p:nvGrpSpPr>
+      <p:grpSpPr>
+        <a:xfrm>
+          <a:off x="0" y="0"/>
+          <a:ext cx="0" cy="0"/>
+          <a:chOff x="0" y="0"/>
+          <a:chExt cx="0" cy="0"/>
+        </a:xfrm>
+      </p:grpSpPr>
+      <p:sp>
+        <p:nvSpPr>
+          <p:cNvPr id="2" name="Title 1"/>
+          <p:cNvSpPr>
+            <a:spLocks noGrp="1"/>
+          </p:cNvSpPr>
+          <p:nvPr>
+            <p:ph type="title"/>
+          </p:nvPr>
+        </p:nvSpPr>
+        <p:spPr/>
+        <p:txBody>
+          <a:bodyPr/>
+          <a:lstStyle/>
+          <a:p>
+            <a:r>
+              <a:rPr lang="en-US" dirty="0"/>
+              <a:t>Exam 1 Review - Written</a:t>
+            </a:r>
+          </a:p>
+        </p:txBody>
+      </p:sp>
+      <p:sp>
+        <p:nvSpPr>
+          <p:cNvPr id="3" name="Text Placeholder 2"/>
+          <p:cNvSpPr>
+            <a:spLocks noGrp="1"/>
+          </p:cNvSpPr>
+          <p:nvPr>
+            <p:ph type="body" idx="1"/>
+          </p:nvPr>
+        </p:nvSpPr>
+        <p:spPr/>
+        <p:txBody>
+          <a:bodyPr/>
+          <a:lstStyle/>
+          <a:p>
+            <a:r>
+              <a:rPr lang="en-US" dirty="0"/>
+              <a:t>Review for written portion of Exam 1</a:t>
+            </a:r>
+          </a:p>
+        </p:txBody>
+      </p:sp>
+    </p:spTree>
+    <p:extLst>
+      <p:ext uri="{BB962C8B-B14F-4D97-AF65-F5344CB8AC3E}">
+        <p14:creationId xmlns:p14="http://schemas.microsoft.com/office/powerpoint/2010/main" val="2124410113"/>
+      </p:ext>
+    </p:extLst>
+  </p:cSld>
+  <p:clrMapOvr>
+    <a:masterClrMapping/>
+  </p:clrMapOvr>
 </p:sld>
 </file>
 
@@ -7167,10 +8339,9 @@
           <a:lstStyle/>
           <a:p>
             <a:r>
-              <a:rPr lang="en-US" dirty="0" smtClean="0"/>
+              <a:rPr lang="en-US" dirty="0"/>
               <a:t>Review</a:t>
             </a:r>
-            <a:endParaRPr lang="en-US" dirty="0"/>
           </a:p>
         </p:txBody>
       </p:sp>
@@ -7196,36 +8367,35 @@
           </a:p>
           <a:p>
             <a:r>
-              <a:rPr lang="en-US" dirty="0" smtClean="0"/>
+              <a:rPr lang="en-US" dirty="0"/>
               <a:t>Minimize Dependencies</a:t>
             </a:r>
           </a:p>
           <a:p>
             <a:pPr lvl="1"/>
             <a:r>
-              <a:rPr lang="en-US" dirty="0" smtClean="0"/>
+              <a:rPr lang="en-US" dirty="0"/>
               <a:t>Tell don’t ask</a:t>
             </a:r>
           </a:p>
           <a:p>
             <a:pPr lvl="1"/>
             <a:r>
-              <a:rPr lang="en-US" dirty="0" smtClean="0"/>
+              <a:rPr lang="en-US" dirty="0"/>
               <a:t>Don’t use message chains</a:t>
             </a:r>
           </a:p>
           <a:p>
             <a:r>
-              <a:rPr lang="en-US" dirty="0" smtClean="0"/>
+              <a:rPr lang="en-US" dirty="0"/>
               <a:t>Coupling</a:t>
             </a:r>
           </a:p>
           <a:p>
             <a:r>
-              <a:rPr lang="en-US" dirty="0" smtClean="0"/>
+              <a:rPr lang="en-US" dirty="0"/>
               <a:t>Cohesion</a:t>
             </a:r>
-            <a:endParaRPr lang="en-US" dirty="0"/>
           </a:p>
         </p:txBody>
       </p:sp>
@@ -7239,13 +8409,6 @@
   <p:clrMapOvr>
     <a:masterClrMapping/>
   </p:clrMapOvr>
-  <p:timing>
-    <p:tnLst>
-      <p:par>
-        <p:cTn id="1" dur="indefinite" restart="never" nodeType="tmRoot"/>
-      </p:par>
-    </p:tnLst>
-  </p:timing>
 </p:sld>
 </file>
 
@@ -7305,13 +8468,8 @@
           <a:p>
             <a:r>
               <a:rPr lang="en-US" dirty="0"/>
-              <a:t>Or static variables that are used like </a:t>
-            </a:r>
-            <a:r>
-              <a:rPr lang="en-US" dirty="0" err="1"/>
-              <a:t>globals</a:t>
-            </a:r>
-            <a:endParaRPr lang="en-US" dirty="0"/>
+              <a:t>Or static variables that are used like globals</a:t>
+            </a:r>
           </a:p>
           <a:p>
             <a:r>
@@ -7404,13 +8562,8 @@
           <a:p>
             <a:r>
               <a:rPr lang="en-US" dirty="0"/>
-              <a:t>Or static variables that are used like </a:t>
-            </a:r>
-            <a:r>
-              <a:rPr lang="en-US" dirty="0" err="1"/>
-              <a:t>globals</a:t>
-            </a:r>
-            <a:endParaRPr lang="en-US" dirty="0"/>
+              <a:t>Or static variables that are used like globals</a:t>
+            </a:r>
           </a:p>
           <a:p>
             <a:r>
@@ -7564,7 +8717,7 @@
         </p:spPr>
         <p:txBody>
           <a:bodyPr>
-            <a:normAutofit fontScale="92500" lnSpcReduction="10000"/>
+            <a:normAutofit fontScale="92500" lnSpcReduction="20000"/>
           </a:bodyPr>
           <a:lstStyle/>
           <a:p>
@@ -7573,34 +8726,18 @@
               <a:defRPr/>
             </a:pPr>
             <a:r>
-              <a:rPr lang="en-US" b="1" i="1" u="sng" dirty="0">
-                <a:solidFill>
-                  <a:srgbClr val="C00000"/>
-                </a:solidFill>
-              </a:rPr>
+              <a:rPr lang="en-US" b="1" i="1" u="sng" dirty="0"/>
               <a:t>Scope</a:t>
             </a:r>
             <a:r>
-              <a:rPr lang="en-US" b="1" dirty="0">
-                <a:solidFill>
-                  <a:srgbClr val="C00000"/>
-                </a:solidFill>
-              </a:rPr>
+              <a:rPr lang="en-US" b="1" dirty="0"/>
               <a:t>  is the region of a program in </a:t>
             </a:r>
             <a:br>
-              <a:rPr lang="en-US" b="1" dirty="0">
-                <a:solidFill>
-                  <a:srgbClr val="C00000"/>
-                </a:solidFill>
-              </a:rPr>
+              <a:rPr lang="en-US" b="1" dirty="0"/>
             </a:br>
             <a:r>
-              <a:rPr lang="en-US" b="1" dirty="0">
-                <a:solidFill>
-                  <a:srgbClr val="C00000"/>
-                </a:solidFill>
-              </a:rPr>
+              <a:rPr lang="en-US" b="1" dirty="0"/>
               <a:t>which a variable can be accessed</a:t>
             </a:r>
             <a:br>
@@ -7623,10 +8760,10 @@
             <a:r>
               <a:rPr lang="en-US" sz="2400" b="1" i="1" dirty="0">
                 <a:solidFill>
-                  <a:schemeClr val="accent4"/>
+                  <a:srgbClr val="00B050"/>
                 </a:solidFill>
               </a:rPr>
-              <a:t>Parameter scope</a:t>
+              <a:t>Scope of a parameter</a:t>
             </a:r>
             <a:r>
               <a:rPr lang="en-US" sz="2400" i="1" dirty="0"/>
@@ -7634,7 +8771,7 @@
             </a:r>
             <a:r>
               <a:rPr lang="en-US" sz="2400" dirty="0"/>
-              <a:t>  the whole method body</a:t>
+              <a:t>  throughout the entire method body</a:t>
             </a:r>
             <a:br>
               <a:rPr lang="en-US" sz="2400" dirty="0"/>
@@ -7642,25 +8779,10 @@
             <a:endParaRPr lang="en-US" sz="1600" dirty="0"/>
           </a:p>
           <a:p>
-            <a:pPr>
+            <a:pPr marL="0" indent="0">
+              <a:buNone/>
               <a:defRPr/>
             </a:pPr>
-            <a:r>
-              <a:rPr lang="en-US" sz="2400" b="1" i="1" dirty="0">
-                <a:solidFill>
-                  <a:schemeClr val="accent4"/>
-                </a:solidFill>
-              </a:rPr>
-              <a:t>Local variable scope</a:t>
-            </a:r>
-            <a:r>
-              <a:rPr lang="en-US" sz="2400" i="1" dirty="0"/>
-              <a:t>: </a:t>
-            </a:r>
-            <a:r>
-              <a:rPr lang="en-US" sz="2400" dirty="0"/>
-              <a:t> from declaration to block end</a:t>
-            </a:r>
             <a:br>
               <a:rPr lang="en-US" sz="2400" dirty="0"/>
             </a:br>
@@ -7678,372 +8800,248 @@
             </a:pPr>
             <a:r>
               <a:rPr lang="en-US" sz="2000" b="1" dirty="0">
-                <a:solidFill>
-                  <a:srgbClr val="0070C0"/>
-                </a:solidFill>
-                <a:latin typeface="Consolas" pitchFamily="49" charset="0"/>
-              </a:rPr>
-              <a:t>public double </a:t>
-            </a:r>
-            <a:r>
-              <a:rPr lang="en-US" sz="2000" b="1" dirty="0" err="1">
-                <a:solidFill>
-                  <a:srgbClr val="0070C0"/>
-                </a:solidFill>
-                <a:latin typeface="Consolas" pitchFamily="49" charset="0"/>
-              </a:rPr>
-              <a:t>myMethod</a:t>
+                <a:latin typeface="Courier New" panose="02070309020205020404" pitchFamily="49" charset="0"/>
+                <a:cs typeface="Courier New" panose="02070309020205020404" pitchFamily="49" charset="0"/>
+              </a:rPr>
+              <a:t>public</a:t>
+            </a:r>
+            <a:r>
+              <a:rPr lang="en-US" sz="2000" dirty="0">
+                <a:latin typeface="Courier New" panose="02070309020205020404" pitchFamily="49" charset="0"/>
+                <a:cs typeface="Courier New" panose="02070309020205020404" pitchFamily="49" charset="0"/>
+              </a:rPr>
+              <a:t> double myMethod(ArrayList&lt;Point2D&gt; </a:t>
             </a:r>
             <a:r>
               <a:rPr lang="en-US" sz="2000" b="1" dirty="0">
                 <a:solidFill>
-                  <a:srgbClr val="0070C0"/>
+                  <a:srgbClr val="00B050"/>
                 </a:solidFill>
-                <a:latin typeface="Consolas" pitchFamily="49" charset="0"/>
-              </a:rPr>
-              <a:t>() {</a:t>
+                <a:latin typeface="Courier New" panose="02070309020205020404" pitchFamily="49" charset="0"/>
+                <a:cs typeface="Courier New" panose="02070309020205020404" pitchFamily="49" charset="0"/>
+              </a:rPr>
+              <a:t>pts</a:t>
+            </a:r>
+            <a:r>
+              <a:rPr lang="en-US" sz="2000" dirty="0">
+                <a:latin typeface="Courier New" panose="02070309020205020404" pitchFamily="49" charset="0"/>
+                <a:cs typeface="Courier New" panose="02070309020205020404" pitchFamily="49" charset="0"/>
+              </a:rPr>
+              <a:t>) </a:t>
+            </a:r>
+          </a:p>
+          <a:p>
+            <a:pPr marL="630238" lvl="2" indent="0">
+              <a:buNone/>
+              <a:tabLst>
+                <a:tab pos="1146175" algn="l"/>
+                <a:tab pos="1425575" algn="l"/>
+                <a:tab pos="2463800" algn="l"/>
+              </a:tabLst>
+              <a:defRPr/>
+            </a:pPr>
+            <a:r>
+              <a:rPr lang="en-US" sz="2000" dirty="0">
+                <a:latin typeface="Courier New" panose="02070309020205020404" pitchFamily="49" charset="0"/>
+                <a:cs typeface="Courier New" panose="02070309020205020404" pitchFamily="49" charset="0"/>
+              </a:rPr>
+              <a:t>{</a:t>
             </a:r>
             <a:br>
+              <a:rPr lang="en-US" sz="2000" dirty="0">
+                <a:latin typeface="Courier New" panose="02070309020205020404" pitchFamily="49" charset="0"/>
+                <a:cs typeface="Courier New" panose="02070309020205020404" pitchFamily="49" charset="0"/>
+              </a:rPr>
+            </a:br>
+            <a:r>
+              <a:rPr lang="en-US" sz="2000" dirty="0">
+                <a:latin typeface="Courier New" panose="02070309020205020404" pitchFamily="49" charset="0"/>
+                <a:cs typeface="Courier New" panose="02070309020205020404" pitchFamily="49" charset="0"/>
+              </a:rPr>
+              <a:t>	double sum = 0.0;</a:t>
+            </a:r>
+            <a:br>
+              <a:rPr lang="en-US" sz="2000" dirty="0">
+                <a:latin typeface="Courier New" panose="02070309020205020404" pitchFamily="49" charset="0"/>
+                <a:cs typeface="Courier New" panose="02070309020205020404" pitchFamily="49" charset="0"/>
+              </a:rPr>
+            </a:br>
+            <a:r>
+              <a:rPr lang="en-US" sz="2000" dirty="0">
+                <a:latin typeface="Courier New" panose="02070309020205020404" pitchFamily="49" charset="0"/>
+                <a:cs typeface="Courier New" panose="02070309020205020404" pitchFamily="49" charset="0"/>
+              </a:rPr>
+              <a:t>	Point2D prev = </a:t>
+            </a:r>
+            <a:r>
               <a:rPr lang="en-US" sz="2000" b="1" dirty="0">
                 <a:solidFill>
-                  <a:srgbClr val="0070C0"/>
+                  <a:srgbClr val="00B050"/>
                 </a:solidFill>
-                <a:latin typeface="Consolas" pitchFamily="49" charset="0"/>
-              </a:rPr>
-            </a:br>
+                <a:latin typeface="Courier New" panose="02070309020205020404" pitchFamily="49" charset="0"/>
+                <a:cs typeface="Courier New" panose="02070309020205020404" pitchFamily="49" charset="0"/>
+              </a:rPr>
+              <a:t>pts</a:t>
+            </a:r>
+            <a:r>
+              <a:rPr lang="en-US" sz="2000" dirty="0">
+                <a:latin typeface="Courier New" panose="02070309020205020404" pitchFamily="49" charset="0"/>
+                <a:cs typeface="Courier New" panose="02070309020205020404" pitchFamily="49" charset="0"/>
+              </a:rPr>
+              <a:t>.get(</a:t>
+            </a:r>
             <a:r>
               <a:rPr lang="en-US" sz="2000" b="1" dirty="0">
                 <a:solidFill>
-                  <a:srgbClr val="0070C0"/>
+                  <a:srgbClr val="00B050"/>
                 </a:solidFill>
-                <a:latin typeface="Consolas" pitchFamily="49" charset="0"/>
-              </a:rPr>
-              <a:t>	double </a:t>
+                <a:latin typeface="Courier New" panose="02070309020205020404" pitchFamily="49" charset="0"/>
+                <a:cs typeface="Courier New" panose="02070309020205020404" pitchFamily="49" charset="0"/>
+              </a:rPr>
+              <a:t>pts</a:t>
+            </a:r>
+            <a:r>
+              <a:rPr lang="en-US" sz="2000" dirty="0">
+                <a:latin typeface="Courier New" panose="02070309020205020404" pitchFamily="49" charset="0"/>
+                <a:cs typeface="Courier New" panose="02070309020205020404" pitchFamily="49" charset="0"/>
+              </a:rPr>
+              <a:t>.size() - 1);</a:t>
+            </a:r>
+            <a:br>
+              <a:rPr lang="en-US" sz="2000" dirty="0">
+                <a:latin typeface="Courier New" panose="02070309020205020404" pitchFamily="49" charset="0"/>
+                <a:cs typeface="Courier New" panose="02070309020205020404" pitchFamily="49" charset="0"/>
+              </a:rPr>
+            </a:br>
+            <a:r>
+              <a:rPr lang="en-US" sz="2000" dirty="0">
+                <a:latin typeface="Courier New" panose="02070309020205020404" pitchFamily="49" charset="0"/>
+                <a:cs typeface="Courier New" panose="02070309020205020404" pitchFamily="49" charset="0"/>
+              </a:rPr>
+              <a:t>	</a:t>
+            </a:r>
+            <a:r>
+              <a:rPr lang="en-US" sz="2000" b="1" dirty="0">
+                <a:latin typeface="Courier New" panose="02070309020205020404" pitchFamily="49" charset="0"/>
+                <a:cs typeface="Courier New" panose="02070309020205020404" pitchFamily="49" charset="0"/>
+              </a:rPr>
+              <a:t>for</a:t>
+            </a:r>
+            <a:r>
+              <a:rPr lang="en-US" sz="2000" dirty="0">
+                <a:latin typeface="Courier New" panose="02070309020205020404" pitchFamily="49" charset="0"/>
+                <a:cs typeface="Courier New" panose="02070309020205020404" pitchFamily="49" charset="0"/>
+              </a:rPr>
+              <a:t> (Point2D p : </a:t>
             </a:r>
             <a:r>
               <a:rPr lang="en-US" sz="2000" b="1" dirty="0">
                 <a:solidFill>
-                  <a:srgbClr val="C00000"/>
+                  <a:srgbClr val="00B050"/>
                 </a:solidFill>
-                <a:latin typeface="Consolas" pitchFamily="49" charset="0"/>
-              </a:rPr>
-              <a:t>sum</a:t>
+                <a:latin typeface="Courier New" panose="02070309020205020404" pitchFamily="49" charset="0"/>
+                <a:cs typeface="Courier New" panose="02070309020205020404" pitchFamily="49" charset="0"/>
+              </a:rPr>
+              <a:t>pts</a:t>
+            </a:r>
+            <a:r>
+              <a:rPr lang="en-US" sz="2000" dirty="0">
+                <a:latin typeface="Courier New" panose="02070309020205020404" pitchFamily="49" charset="0"/>
+                <a:cs typeface="Courier New" panose="02070309020205020404" pitchFamily="49" charset="0"/>
+              </a:rPr>
+              <a:t>) {</a:t>
+            </a:r>
+            <a:br>
+              <a:rPr lang="en-US" sz="2000" dirty="0">
+                <a:latin typeface="Courier New" panose="02070309020205020404" pitchFamily="49" charset="0"/>
+                <a:cs typeface="Courier New" panose="02070309020205020404" pitchFamily="49" charset="0"/>
+              </a:rPr>
+            </a:br>
+            <a:r>
+              <a:rPr lang="en-US" sz="2000" dirty="0">
+                <a:latin typeface="Courier New" panose="02070309020205020404" pitchFamily="49" charset="0"/>
+                <a:cs typeface="Courier New" panose="02070309020205020404" pitchFamily="49" charset="0"/>
+              </a:rPr>
+              <a:t>		sum += prev.getX() * p.getY();</a:t>
+            </a:r>
+            <a:br>
+              <a:rPr lang="en-US" sz="2000" dirty="0">
+                <a:latin typeface="Courier New" panose="02070309020205020404" pitchFamily="49" charset="0"/>
+                <a:cs typeface="Courier New" panose="02070309020205020404" pitchFamily="49" charset="0"/>
+              </a:rPr>
+            </a:br>
+            <a:r>
+              <a:rPr lang="en-US" sz="2000" dirty="0">
+                <a:latin typeface="Courier New" panose="02070309020205020404" pitchFamily="49" charset="0"/>
+                <a:cs typeface="Courier New" panose="02070309020205020404" pitchFamily="49" charset="0"/>
+              </a:rPr>
+              <a:t>		sum -= prev.getY() * p.getX();</a:t>
+            </a:r>
+            <a:br>
+              <a:rPr lang="en-US" sz="2000" dirty="0">
+                <a:latin typeface="Courier New" panose="02070309020205020404" pitchFamily="49" charset="0"/>
+                <a:cs typeface="Courier New" panose="02070309020205020404" pitchFamily="49" charset="0"/>
+              </a:rPr>
+            </a:br>
+            <a:r>
+              <a:rPr lang="en-US" sz="2000" dirty="0">
+                <a:latin typeface="Courier New" panose="02070309020205020404" pitchFamily="49" charset="0"/>
+                <a:cs typeface="Courier New" panose="02070309020205020404" pitchFamily="49" charset="0"/>
+              </a:rPr>
+              <a:t>		prev = p;</a:t>
+            </a:r>
+            <a:br>
+              <a:rPr lang="en-US" sz="2000" dirty="0">
+                <a:latin typeface="Courier New" panose="02070309020205020404" pitchFamily="49" charset="0"/>
+                <a:cs typeface="Courier New" panose="02070309020205020404" pitchFamily="49" charset="0"/>
+              </a:rPr>
+            </a:br>
+            <a:r>
+              <a:rPr lang="en-US" sz="2000" dirty="0">
+                <a:latin typeface="Courier New" panose="02070309020205020404" pitchFamily="49" charset="0"/>
+                <a:cs typeface="Courier New" panose="02070309020205020404" pitchFamily="49" charset="0"/>
+              </a:rPr>
+              <a:t>	} // end for</a:t>
+            </a:r>
+            <a:br>
+              <a:rPr lang="en-US" sz="2000" dirty="0">
+                <a:latin typeface="Courier New" panose="02070309020205020404" pitchFamily="49" charset="0"/>
+                <a:cs typeface="Courier New" panose="02070309020205020404" pitchFamily="49" charset="0"/>
+              </a:rPr>
+            </a:br>
+            <a:r>
+              <a:rPr lang="en-US" sz="2000" dirty="0">
+                <a:latin typeface="Courier New" panose="02070309020205020404" pitchFamily="49" charset="0"/>
+                <a:cs typeface="Courier New" panose="02070309020205020404" pitchFamily="49" charset="0"/>
+              </a:rPr>
+              <a:t>	</a:t>
             </a:r>
             <a:r>
               <a:rPr lang="en-US" sz="2000" b="1" dirty="0">
-                <a:solidFill>
-                  <a:srgbClr val="0070C0"/>
-                </a:solidFill>
-                <a:latin typeface="Consolas" pitchFamily="49" charset="0"/>
-              </a:rPr>
-              <a:t> = 0.0;</a:t>
+                <a:latin typeface="Courier New" panose="02070309020205020404" pitchFamily="49" charset="0"/>
+                <a:cs typeface="Courier New" panose="02070309020205020404" pitchFamily="49" charset="0"/>
+              </a:rPr>
+              <a:t>return</a:t>
+            </a:r>
+            <a:r>
+              <a:rPr lang="en-US" sz="2000" dirty="0">
+                <a:latin typeface="Courier New" panose="02070309020205020404" pitchFamily="49" charset="0"/>
+                <a:cs typeface="Courier New" panose="02070309020205020404" pitchFamily="49" charset="0"/>
+              </a:rPr>
+              <a:t> Math.abs(sum / 2.0);</a:t>
             </a:r>
             <a:br>
-              <a:rPr lang="en-US" sz="2000" b="1" dirty="0">
-                <a:solidFill>
-                  <a:srgbClr val="0070C0"/>
-                </a:solidFill>
-                <a:latin typeface="Consolas" pitchFamily="49" charset="0"/>
+              <a:rPr lang="en-US" sz="2000" dirty="0">
+                <a:latin typeface="Courier New" panose="02070309020205020404" pitchFamily="49" charset="0"/>
+                <a:cs typeface="Courier New" panose="02070309020205020404" pitchFamily="49" charset="0"/>
               </a:rPr>
             </a:br>
             <a:r>
-              <a:rPr lang="en-US" sz="2000" b="1" dirty="0">
-                <a:solidFill>
-                  <a:srgbClr val="0070C0"/>
-                </a:solidFill>
-                <a:latin typeface="Consolas" pitchFamily="49" charset="0"/>
-              </a:rPr>
-              <a:t>	Point2D </a:t>
-            </a:r>
-            <a:r>
-              <a:rPr lang="en-US" sz="2000" b="1" dirty="0" err="1">
-                <a:solidFill>
-                  <a:srgbClr val="C00000"/>
-                </a:solidFill>
-                <a:latin typeface="Consolas" pitchFamily="49" charset="0"/>
-              </a:rPr>
-              <a:t>prev</a:t>
-            </a:r>
-            <a:r>
-              <a:rPr lang="en-US" sz="2000" b="1" dirty="0">
-                <a:solidFill>
-                  <a:srgbClr val="C00000"/>
-                </a:solidFill>
-                <a:latin typeface="Consolas" pitchFamily="49" charset="0"/>
-              </a:rPr>
-              <a:t> </a:t>
-            </a:r>
-            <a:r>
-              <a:rPr lang="en-US" sz="2000" b="1" dirty="0">
-                <a:solidFill>
-                  <a:srgbClr val="0070C0"/>
-                </a:solidFill>
-                <a:latin typeface="Consolas" pitchFamily="49" charset="0"/>
-              </a:rPr>
-              <a:t>= </a:t>
-            </a:r>
-            <a:r>
-              <a:rPr lang="en-US" sz="2000" b="1" dirty="0" err="1">
-                <a:solidFill>
-                  <a:srgbClr val="0070C0"/>
-                </a:solidFill>
-                <a:latin typeface="Consolas" pitchFamily="49" charset="0"/>
-              </a:rPr>
-              <a:t>this.pts.get</a:t>
-            </a:r>
-            <a:r>
-              <a:rPr lang="en-US" sz="2000" b="1" dirty="0">
-                <a:solidFill>
-                  <a:srgbClr val="0070C0"/>
-                </a:solidFill>
-                <a:latin typeface="Consolas" pitchFamily="49" charset="0"/>
-              </a:rPr>
-              <a:t>(</a:t>
-            </a:r>
-            <a:r>
-              <a:rPr lang="en-US" sz="2000" b="1" dirty="0" err="1">
-                <a:solidFill>
-                  <a:srgbClr val="0070C0"/>
-                </a:solidFill>
-                <a:latin typeface="Consolas" pitchFamily="49" charset="0"/>
-              </a:rPr>
-              <a:t>this.pts.size</a:t>
-            </a:r>
-            <a:r>
-              <a:rPr lang="en-US" sz="2000" b="1" dirty="0">
-                <a:solidFill>
-                  <a:srgbClr val="0070C0"/>
-                </a:solidFill>
-                <a:latin typeface="Consolas" pitchFamily="49" charset="0"/>
-              </a:rPr>
-              <a:t>() - 1);</a:t>
-            </a:r>
-            <a:br>
-              <a:rPr lang="en-US" sz="2000" b="1" dirty="0">
-                <a:solidFill>
-                  <a:srgbClr val="0070C0"/>
-                </a:solidFill>
-                <a:latin typeface="Consolas" pitchFamily="49" charset="0"/>
-              </a:rPr>
-            </a:br>
-            <a:r>
-              <a:rPr lang="en-US" sz="2000" b="1" dirty="0">
-                <a:solidFill>
-                  <a:srgbClr val="0070C0"/>
-                </a:solidFill>
-                <a:latin typeface="Consolas" pitchFamily="49" charset="0"/>
-              </a:rPr>
-              <a:t>	for (Point2D </a:t>
-            </a:r>
-            <a:r>
-              <a:rPr lang="en-US" sz="2000" b="1" dirty="0">
-                <a:solidFill>
-                  <a:srgbClr val="C00000"/>
-                </a:solidFill>
-                <a:latin typeface="Consolas" pitchFamily="49" charset="0"/>
-              </a:rPr>
-              <a:t>p</a:t>
-            </a:r>
-            <a:r>
-              <a:rPr lang="en-US" sz="2000" b="1" dirty="0">
-                <a:solidFill>
-                  <a:srgbClr val="0070C0"/>
-                </a:solidFill>
-                <a:latin typeface="Consolas" pitchFamily="49" charset="0"/>
-              </a:rPr>
-              <a:t> : this.pts) {</a:t>
-            </a:r>
-            <a:br>
-              <a:rPr lang="en-US" sz="2000" b="1" dirty="0">
-                <a:solidFill>
-                  <a:srgbClr val="0070C0"/>
-                </a:solidFill>
-                <a:latin typeface="Consolas" pitchFamily="49" charset="0"/>
-              </a:rPr>
-            </a:br>
-            <a:r>
-              <a:rPr lang="en-US" sz="2000" b="1" dirty="0">
-                <a:solidFill>
-                  <a:srgbClr val="0070C0"/>
-                </a:solidFill>
-                <a:latin typeface="Consolas" pitchFamily="49" charset="0"/>
-              </a:rPr>
-              <a:t>		sum += </a:t>
-            </a:r>
-            <a:r>
-              <a:rPr lang="en-US" sz="2000" b="1" dirty="0" err="1">
-                <a:solidFill>
-                  <a:srgbClr val="0070C0"/>
-                </a:solidFill>
-                <a:latin typeface="Consolas" pitchFamily="49" charset="0"/>
-              </a:rPr>
-              <a:t>prev.getX</a:t>
-            </a:r>
-            <a:r>
-              <a:rPr lang="en-US" sz="2000" b="1" dirty="0">
-                <a:solidFill>
-                  <a:srgbClr val="0070C0"/>
-                </a:solidFill>
-                <a:latin typeface="Consolas" pitchFamily="49" charset="0"/>
-              </a:rPr>
-              <a:t>() * </a:t>
-            </a:r>
-            <a:r>
-              <a:rPr lang="en-US" sz="2000" b="1" dirty="0" err="1">
-                <a:solidFill>
-                  <a:srgbClr val="0070C0"/>
-                </a:solidFill>
-                <a:latin typeface="Consolas" pitchFamily="49" charset="0"/>
-              </a:rPr>
-              <a:t>p.getY</a:t>
-            </a:r>
-            <a:r>
-              <a:rPr lang="en-US" sz="2000" b="1" dirty="0">
-                <a:solidFill>
-                  <a:srgbClr val="0070C0"/>
-                </a:solidFill>
-                <a:latin typeface="Consolas" pitchFamily="49" charset="0"/>
-              </a:rPr>
-              <a:t>();</a:t>
-            </a:r>
-            <a:br>
-              <a:rPr lang="en-US" sz="2000" b="1" dirty="0">
-                <a:solidFill>
-                  <a:srgbClr val="0070C0"/>
-                </a:solidFill>
-                <a:latin typeface="Consolas" pitchFamily="49" charset="0"/>
-              </a:rPr>
-            </a:br>
-            <a:r>
-              <a:rPr lang="en-US" sz="2000" b="1" dirty="0">
-                <a:solidFill>
-                  <a:srgbClr val="0070C0"/>
-                </a:solidFill>
-                <a:latin typeface="Consolas" pitchFamily="49" charset="0"/>
-              </a:rPr>
-              <a:t>		sum -= </a:t>
-            </a:r>
-            <a:r>
-              <a:rPr lang="en-US" sz="2000" b="1" dirty="0" err="1">
-                <a:solidFill>
-                  <a:srgbClr val="0070C0"/>
-                </a:solidFill>
-                <a:latin typeface="Consolas" pitchFamily="49" charset="0"/>
-              </a:rPr>
-              <a:t>prev.getY</a:t>
-            </a:r>
-            <a:r>
-              <a:rPr lang="en-US" sz="2000" b="1" dirty="0">
-                <a:solidFill>
-                  <a:srgbClr val="0070C0"/>
-                </a:solidFill>
-                <a:latin typeface="Consolas" pitchFamily="49" charset="0"/>
-              </a:rPr>
-              <a:t>() * </a:t>
-            </a:r>
-            <a:r>
-              <a:rPr lang="en-US" sz="2000" b="1" dirty="0" err="1">
-                <a:solidFill>
-                  <a:srgbClr val="0070C0"/>
-                </a:solidFill>
-                <a:latin typeface="Consolas" pitchFamily="49" charset="0"/>
-              </a:rPr>
-              <a:t>p.getX</a:t>
-            </a:r>
-            <a:r>
-              <a:rPr lang="en-US" sz="2000" b="1" dirty="0">
-                <a:solidFill>
-                  <a:srgbClr val="0070C0"/>
-                </a:solidFill>
-                <a:latin typeface="Consolas" pitchFamily="49" charset="0"/>
-              </a:rPr>
-              <a:t>();</a:t>
-            </a:r>
-            <a:br>
-              <a:rPr lang="en-US" sz="2000" b="1" dirty="0">
-                <a:solidFill>
-                  <a:srgbClr val="0070C0"/>
-                </a:solidFill>
-                <a:latin typeface="Consolas" pitchFamily="49" charset="0"/>
-              </a:rPr>
-            </a:br>
-            <a:r>
-              <a:rPr lang="en-US" sz="2000" b="1" dirty="0">
-                <a:solidFill>
-                  <a:srgbClr val="0070C0"/>
-                </a:solidFill>
-                <a:latin typeface="Consolas" pitchFamily="49" charset="0"/>
-              </a:rPr>
-              <a:t>		</a:t>
-            </a:r>
-            <a:r>
-              <a:rPr lang="en-US" sz="2000" b="1" dirty="0" err="1">
-                <a:solidFill>
-                  <a:srgbClr val="0070C0"/>
-                </a:solidFill>
-                <a:latin typeface="Consolas" pitchFamily="49" charset="0"/>
-              </a:rPr>
-              <a:t>prev</a:t>
-            </a:r>
-            <a:r>
-              <a:rPr lang="en-US" sz="2000" b="1" dirty="0">
-                <a:solidFill>
-                  <a:srgbClr val="0070C0"/>
-                </a:solidFill>
-                <a:latin typeface="Consolas" pitchFamily="49" charset="0"/>
-              </a:rPr>
-              <a:t> = p;</a:t>
-            </a:r>
-            <a:br>
-              <a:rPr lang="en-US" sz="2000" b="1" dirty="0">
-                <a:solidFill>
-                  <a:srgbClr val="0070C0"/>
-                </a:solidFill>
-                <a:latin typeface="Consolas" pitchFamily="49" charset="0"/>
-              </a:rPr>
-            </a:br>
-            <a:r>
-              <a:rPr lang="en-US" sz="2000" b="1" dirty="0">
-                <a:solidFill>
-                  <a:srgbClr val="0070C0"/>
-                </a:solidFill>
-                <a:latin typeface="Consolas" pitchFamily="49" charset="0"/>
-              </a:rPr>
-              <a:t>	}</a:t>
-            </a:r>
-            <a:br>
-              <a:rPr lang="en-US" sz="2000" b="1" dirty="0">
-                <a:solidFill>
-                  <a:srgbClr val="0070C0"/>
-                </a:solidFill>
-                <a:latin typeface="Consolas" pitchFamily="49" charset="0"/>
-              </a:rPr>
-            </a:br>
-            <a:r>
-              <a:rPr lang="en-US" sz="2000" b="1" dirty="0">
-                <a:solidFill>
-                  <a:srgbClr val="0070C0"/>
-                </a:solidFill>
-                <a:latin typeface="Consolas" pitchFamily="49" charset="0"/>
-              </a:rPr>
-              <a:t>	return Math.abs(sum / 2.0);</a:t>
-            </a:r>
-            <a:br>
-              <a:rPr lang="en-US" sz="2000" b="1" dirty="0">
-                <a:solidFill>
-                  <a:srgbClr val="0070C0"/>
-                </a:solidFill>
-                <a:latin typeface="Consolas" pitchFamily="49" charset="0"/>
-              </a:rPr>
-            </a:br>
-            <a:r>
-              <a:rPr lang="en-US" sz="2000" b="1" dirty="0">
-                <a:solidFill>
-                  <a:srgbClr val="0070C0"/>
-                </a:solidFill>
-                <a:latin typeface="Consolas" pitchFamily="49" charset="0"/>
-              </a:rPr>
-              <a:t>}</a:t>
+              <a:rPr lang="en-US" sz="2000" dirty="0">
+                <a:latin typeface="Courier New" panose="02070309020205020404" pitchFamily="49" charset="0"/>
+                <a:cs typeface="Courier New" panose="02070309020205020404" pitchFamily="49" charset="0"/>
+              </a:rPr>
+              <a:t>} // myMethod</a:t>
             </a:r>
           </a:p>
         </p:txBody>
@@ -8075,6 +9073,262 @@
               <a:rPr lang="en-US" dirty="0"/>
               <a:t>Variable Scope</a:t>
             </a:r>
+          </a:p>
+        </p:txBody>
+      </p:sp>
+      <p:sp>
+        <p:nvSpPr>
+          <p:cNvPr id="7" name="Rectangle 6">
+            <a:extLst>
+              <a:ext uri="{FF2B5EF4-FFF2-40B4-BE49-F238E27FC236}">
+                <a16:creationId xmlns:a16="http://schemas.microsoft.com/office/drawing/2014/main" id="{534859C7-AA19-6949-A18B-04E0ECF36C96}"/>
+              </a:ext>
+            </a:extLst>
+          </p:cNvPr>
+          <p:cNvSpPr/>
+          <p:nvPr/>
+        </p:nvSpPr>
+        <p:spPr>
+          <a:xfrm>
+            <a:off x="838200" y="3352800"/>
+            <a:ext cx="6781800" cy="2438400"/>
+          </a:xfrm>
+          <a:prstGeom prst="rect">
+            <a:avLst/>
+          </a:prstGeom>
+          <a:noFill/>
+          <a:ln w="28575">
+            <a:solidFill>
+              <a:srgbClr val="00B050"/>
+            </a:solidFill>
+          </a:ln>
+        </p:spPr>
+        <p:style>
+          <a:lnRef idx="2">
+            <a:schemeClr val="accent1">
+              <a:shade val="50000"/>
+            </a:schemeClr>
+          </a:lnRef>
+          <a:fillRef idx="1">
+            <a:schemeClr val="accent1"/>
+          </a:fillRef>
+          <a:effectRef idx="0">
+            <a:schemeClr val="accent1"/>
+          </a:effectRef>
+          <a:fontRef idx="minor">
+            <a:schemeClr val="lt1"/>
+          </a:fontRef>
+        </p:style>
+        <p:txBody>
+          <a:bodyPr rtlCol="0" anchor="ctr"/>
+          <a:lstStyle/>
+          <a:p>
+            <a:pPr algn="ctr"/>
+            <a:endParaRPr lang="en-US" dirty="0"/>
+          </a:p>
+        </p:txBody>
+      </p:sp>
+      <p:sp>
+        <p:nvSpPr>
+          <p:cNvPr id="8" name="Freeform 7">
+            <a:extLst>
+              <a:ext uri="{FF2B5EF4-FFF2-40B4-BE49-F238E27FC236}">
+                <a16:creationId xmlns:a16="http://schemas.microsoft.com/office/drawing/2014/main" id="{34378F54-728A-C941-96CC-BD3F75D7DB0C}"/>
+              </a:ext>
+            </a:extLst>
+          </p:cNvPr>
+          <p:cNvSpPr/>
+          <p:nvPr/>
+        </p:nvSpPr>
+        <p:spPr>
+          <a:xfrm>
+            <a:off x="492550" y="2255520"/>
+            <a:ext cx="523450" cy="1076960"/>
+          </a:xfrm>
+          <a:custGeom>
+            <a:avLst/>
+            <a:gdLst>
+              <a:gd name="connsiteX0" fmla="*/ 523450 w 523450"/>
+              <a:gd name="connsiteY0" fmla="*/ 0 h 1076960"/>
+              <a:gd name="connsiteX1" fmla="*/ 5290 w 523450"/>
+              <a:gd name="connsiteY1" fmla="*/ 640080 h 1076960"/>
+              <a:gd name="connsiteX2" fmla="*/ 299930 w 523450"/>
+              <a:gd name="connsiteY2" fmla="*/ 1076960 h 1076960"/>
+            </a:gdLst>
+            <a:ahLst/>
+            <a:cxnLst>
+              <a:cxn ang="0">
+                <a:pos x="connsiteX0" y="connsiteY0"/>
+              </a:cxn>
+              <a:cxn ang="0">
+                <a:pos x="connsiteX1" y="connsiteY1"/>
+              </a:cxn>
+              <a:cxn ang="0">
+                <a:pos x="connsiteX2" y="connsiteY2"/>
+              </a:cxn>
+            </a:cxnLst>
+            <a:rect l="l" t="t" r="r" b="b"/>
+            <a:pathLst>
+              <a:path w="523450" h="1076960">
+                <a:moveTo>
+                  <a:pt x="523450" y="0"/>
+                </a:moveTo>
+                <a:cubicBezTo>
+                  <a:pt x="282996" y="230293"/>
+                  <a:pt x="42543" y="460587"/>
+                  <a:pt x="5290" y="640080"/>
+                </a:cubicBezTo>
+                <a:cubicBezTo>
+                  <a:pt x="-31963" y="819573"/>
+                  <a:pt x="133983" y="948266"/>
+                  <a:pt x="299930" y="1076960"/>
+                </a:cubicBezTo>
+              </a:path>
+            </a:pathLst>
+          </a:custGeom>
+          <a:noFill/>
+          <a:ln w="28575">
+            <a:solidFill>
+              <a:srgbClr val="00B050"/>
+            </a:solidFill>
+            <a:headEnd type="none" w="med" len="med"/>
+            <a:tailEnd type="arrow" w="med" len="med"/>
+          </a:ln>
+        </p:spPr>
+        <p:style>
+          <a:lnRef idx="2">
+            <a:schemeClr val="accent1">
+              <a:shade val="50000"/>
+            </a:schemeClr>
+          </a:lnRef>
+          <a:fillRef idx="1">
+            <a:schemeClr val="accent1"/>
+          </a:fillRef>
+          <a:effectRef idx="0">
+            <a:schemeClr val="accent1"/>
+          </a:effectRef>
+          <a:fontRef idx="minor">
+            <a:schemeClr val="lt1"/>
+          </a:fontRef>
+        </p:style>
+        <p:txBody>
+          <a:bodyPr rtlCol="0" anchor="ctr"/>
+          <a:lstStyle/>
+          <a:p>
+            <a:pPr algn="ctr"/>
+            <a:endParaRPr lang="en-US" dirty="0"/>
+          </a:p>
+        </p:txBody>
+      </p:sp>
+      <p:sp>
+        <p:nvSpPr>
+          <p:cNvPr id="10" name="Freeform 9">
+            <a:extLst>
+              <a:ext uri="{FF2B5EF4-FFF2-40B4-BE49-F238E27FC236}">
+                <a16:creationId xmlns:a16="http://schemas.microsoft.com/office/drawing/2014/main" id="{F10EAB75-B4D5-1541-8397-42B0AA1B06C1}"/>
+              </a:ext>
+            </a:extLst>
+          </p:cNvPr>
+          <p:cNvSpPr/>
+          <p:nvPr/>
+        </p:nvSpPr>
+        <p:spPr>
+          <a:xfrm>
+            <a:off x="2915920" y="2235200"/>
+            <a:ext cx="4781165" cy="812800"/>
+          </a:xfrm>
+          <a:custGeom>
+            <a:avLst/>
+            <a:gdLst>
+              <a:gd name="connsiteX0" fmla="*/ 0 w 4781165"/>
+              <a:gd name="connsiteY0" fmla="*/ 0 h 812800"/>
+              <a:gd name="connsiteX1" fmla="*/ 60960 w 4781165"/>
+              <a:gd name="connsiteY1" fmla="*/ 182880 h 812800"/>
+              <a:gd name="connsiteX2" fmla="*/ 365760 w 4781165"/>
+              <a:gd name="connsiteY2" fmla="*/ 223520 h 812800"/>
+              <a:gd name="connsiteX3" fmla="*/ 4206240 w 4781165"/>
+              <a:gd name="connsiteY3" fmla="*/ 213360 h 812800"/>
+              <a:gd name="connsiteX4" fmla="*/ 4693920 w 4781165"/>
+              <a:gd name="connsiteY4" fmla="*/ 812800 h 812800"/>
+            </a:gdLst>
+            <a:ahLst/>
+            <a:cxnLst>
+              <a:cxn ang="0">
+                <a:pos x="connsiteX0" y="connsiteY0"/>
+              </a:cxn>
+              <a:cxn ang="0">
+                <a:pos x="connsiteX1" y="connsiteY1"/>
+              </a:cxn>
+              <a:cxn ang="0">
+                <a:pos x="connsiteX2" y="connsiteY2"/>
+              </a:cxn>
+              <a:cxn ang="0">
+                <a:pos x="connsiteX3" y="connsiteY3"/>
+              </a:cxn>
+              <a:cxn ang="0">
+                <a:pos x="connsiteX4" y="connsiteY4"/>
+              </a:cxn>
+            </a:cxnLst>
+            <a:rect l="l" t="t" r="r" b="b"/>
+            <a:pathLst>
+              <a:path w="4781165" h="812800">
+                <a:moveTo>
+                  <a:pt x="0" y="0"/>
+                </a:moveTo>
+                <a:cubicBezTo>
+                  <a:pt x="0" y="72813"/>
+                  <a:pt x="0" y="145627"/>
+                  <a:pt x="60960" y="182880"/>
+                </a:cubicBezTo>
+                <a:cubicBezTo>
+                  <a:pt x="121920" y="220133"/>
+                  <a:pt x="365760" y="223520"/>
+                  <a:pt x="365760" y="223520"/>
+                </a:cubicBezTo>
+                <a:cubicBezTo>
+                  <a:pt x="1056640" y="228600"/>
+                  <a:pt x="3484880" y="115147"/>
+                  <a:pt x="4206240" y="213360"/>
+                </a:cubicBezTo>
+                <a:cubicBezTo>
+                  <a:pt x="4927600" y="311573"/>
+                  <a:pt x="4810760" y="562186"/>
+                  <a:pt x="4693920" y="812800"/>
+                </a:cubicBezTo>
+              </a:path>
+            </a:pathLst>
+          </a:custGeom>
+          <a:noFill/>
+          <a:ln w="28575">
+            <a:solidFill>
+              <a:srgbClr val="00B050"/>
+            </a:solidFill>
+            <a:headEnd type="none" w="med" len="med"/>
+            <a:tailEnd type="arrow" w="med" len="med"/>
+          </a:ln>
+        </p:spPr>
+        <p:style>
+          <a:lnRef idx="2">
+            <a:schemeClr val="accent1">
+              <a:shade val="50000"/>
+            </a:schemeClr>
+          </a:lnRef>
+          <a:fillRef idx="1">
+            <a:schemeClr val="accent1"/>
+          </a:fillRef>
+          <a:effectRef idx="0">
+            <a:schemeClr val="accent1"/>
+          </a:effectRef>
+          <a:fontRef idx="minor">
+            <a:schemeClr val="lt1"/>
+          </a:fontRef>
+        </p:style>
+        <p:txBody>
+          <a:bodyPr rtlCol="0" anchor="ctr"/>
+          <a:lstStyle/>
+          <a:p>
+            <a:pPr algn="ctr"/>
+            <a:endParaRPr lang="en-US" dirty="0"/>
           </a:p>
         </p:txBody>
       </p:sp>
@@ -8108,6 +9362,1032 @@
           <a:chExt cx="0" cy="0"/>
         </a:xfrm>
       </p:grpSpPr>
+      <p:pic>
+        <p:nvPicPr>
+          <p:cNvPr id="6" name="Picture 3"/>
+          <p:cNvPicPr>
+            <a:picLocks noChangeAspect="1" noChangeArrowheads="1"/>
+          </p:cNvPicPr>
+          <p:nvPr/>
+        </p:nvPicPr>
+        <p:blipFill>
+          <a:blip r:embed="rId3">
+            <a:extLst>
+              <a:ext uri="{28A0092B-C50C-407E-A947-70E740481C1C}">
+                <a14:useLocalDpi xmlns:a14="http://schemas.microsoft.com/office/drawing/2010/main" val="0"/>
+              </a:ext>
+            </a:extLst>
+          </a:blip>
+          <a:srcRect/>
+          <a:stretch>
+            <a:fillRect/>
+          </a:stretch>
+        </p:blipFill>
+        <p:spPr bwMode="auto">
+          <a:xfrm>
+            <a:off x="7010400" y="457200"/>
+            <a:ext cx="1905000" cy="1905000"/>
+          </a:xfrm>
+          <a:prstGeom prst="rect">
+            <a:avLst/>
+          </a:prstGeom>
+          <a:noFill/>
+          <a:ln>
+            <a:noFill/>
+          </a:ln>
+          <a:effectLst/>
+          <a:extLst>
+            <a:ext uri="{909E8E84-426E-40dd-AFC4-6F175D3DCCD1}">
+              <a14:hiddenFill xmlns="" xmlns:a14="http://schemas.microsoft.com/office/drawing/2010/main">
+                <a:solidFill>
+                  <a:schemeClr val="accent1"/>
+                </a:solidFill>
+              </a14:hiddenFill>
+            </a:ext>
+            <a:ext uri="{91240B29-F687-4f45-9708-019B960494DF}">
+              <a14:hiddenLine xmlns="" xmlns:a14="http://schemas.microsoft.com/office/drawing/2010/main" w="9525">
+                <a:solidFill>
+                  <a:schemeClr val="tx1"/>
+                </a:solidFill>
+                <a:miter lim="800000"/>
+                <a:headEnd/>
+                <a:tailEnd/>
+              </a14:hiddenLine>
+            </a:ext>
+            <a:ext uri="{AF507438-7753-43e0-B8FC-AC1667EBCBE1}">
+              <a14:hiddenEffects xmlns="" xmlns:a14="http://schemas.microsoft.com/office/drawing/2010/main">
+                <a:effectLst>
+                  <a:outerShdw dist="35921" dir="2700000" algn="ctr" rotWithShape="0">
+                    <a:schemeClr val="bg2"/>
+                  </a:outerShdw>
+                </a:effectLst>
+              </a14:hiddenEffects>
+            </a:ext>
+          </a:extLst>
+        </p:spPr>
+      </p:pic>
+      <p:sp>
+        <p:nvSpPr>
+          <p:cNvPr id="5" name="Content Placeholder 4"/>
+          <p:cNvSpPr>
+            <a:spLocks noGrp="1"/>
+          </p:cNvSpPr>
+          <p:nvPr>
+            <p:ph idx="1"/>
+          </p:nvPr>
+        </p:nvSpPr>
+        <p:spPr>
+          <a:xfrm>
+            <a:off x="381000" y="957262"/>
+            <a:ext cx="8458200" cy="5138738"/>
+          </a:xfrm>
+          <a:ln>
+            <a:solidFill>
+              <a:srgbClr val="C00000"/>
+            </a:solidFill>
+          </a:ln>
+        </p:spPr>
+        <p:txBody>
+          <a:bodyPr>
+            <a:normAutofit fontScale="92500" lnSpcReduction="20000"/>
+          </a:bodyPr>
+          <a:lstStyle/>
+          <a:p>
+            <a:pPr marL="109537" indent="0">
+              <a:buNone/>
+              <a:defRPr/>
+            </a:pPr>
+            <a:r>
+              <a:rPr lang="en-US" b="1" i="1" u="sng" dirty="0"/>
+              <a:t>Scope</a:t>
+            </a:r>
+            <a:r>
+              <a:rPr lang="en-US" b="1" dirty="0"/>
+              <a:t>  is the region of a program in </a:t>
+            </a:r>
+            <a:br>
+              <a:rPr lang="en-US" b="1" dirty="0"/>
+            </a:br>
+            <a:r>
+              <a:rPr lang="en-US" b="1" dirty="0"/>
+              <a:t>which a variable can be accessed</a:t>
+            </a:r>
+            <a:br>
+              <a:rPr lang="en-US" b="1" dirty="0">
+                <a:solidFill>
+                  <a:srgbClr val="C00000"/>
+                </a:solidFill>
+              </a:rPr>
+            </a:br>
+            <a:endParaRPr lang="en-US" sz="1600" b="1" dirty="0">
+              <a:solidFill>
+                <a:srgbClr val="C00000"/>
+              </a:solidFill>
+            </a:endParaRPr>
+          </a:p>
+          <a:p>
+            <a:pPr>
+              <a:defRPr/>
+            </a:pPr>
+            <a:r>
+              <a:rPr lang="en-US" sz="2400" dirty="0"/>
+              <a:t>A </a:t>
+            </a:r>
+            <a:r>
+              <a:rPr lang="en-US" sz="2400" i="1" dirty="0"/>
+              <a:t>block</a:t>
+            </a:r>
+            <a:r>
+              <a:rPr lang="en-US" sz="2400" dirty="0"/>
+              <a:t> is created by curly braces, here is a block: </a:t>
+            </a:r>
+            <a:r>
+              <a:rPr lang="en-US" sz="2400" dirty="0">
+                <a:latin typeface="Courier New" panose="02070309020205020404" pitchFamily="49" charset="0"/>
+                <a:cs typeface="Courier New" panose="02070309020205020404" pitchFamily="49" charset="0"/>
+              </a:rPr>
+              <a:t>{ … }</a:t>
+            </a:r>
+            <a:br>
+              <a:rPr lang="en-US" sz="2400" dirty="0"/>
+            </a:br>
+            <a:endParaRPr lang="en-US" sz="1600" dirty="0"/>
+          </a:p>
+          <a:p>
+            <a:pPr>
+              <a:defRPr/>
+            </a:pPr>
+            <a:r>
+              <a:rPr lang="en-US" sz="2400" b="1" i="1" dirty="0">
+                <a:solidFill>
+                  <a:srgbClr val="C00000"/>
+                </a:solidFill>
+              </a:rPr>
+              <a:t>Scope of a local variable</a:t>
+            </a:r>
+            <a:r>
+              <a:rPr lang="en-US" sz="2400" i="1" dirty="0"/>
+              <a:t>: </a:t>
+            </a:r>
+            <a:r>
+              <a:rPr lang="en-US" sz="2400" dirty="0"/>
+              <a:t> from its declaration to end of block it is declared in</a:t>
+            </a:r>
+            <a:br>
+              <a:rPr lang="en-US" sz="2400" dirty="0"/>
+            </a:br>
+            <a:endParaRPr lang="en-US" sz="2400" dirty="0"/>
+          </a:p>
+          <a:p>
+            <a:pPr marL="630238" lvl="2" indent="0">
+              <a:buNone/>
+              <a:tabLst>
+                <a:tab pos="1146175" algn="l"/>
+                <a:tab pos="1425575" algn="l"/>
+                <a:tab pos="2463800" algn="l"/>
+              </a:tabLst>
+              <a:defRPr/>
+            </a:pPr>
+            <a:r>
+              <a:rPr lang="en-US" sz="2000" b="1" dirty="0">
+                <a:latin typeface="Courier New" panose="02070309020205020404" pitchFamily="49" charset="0"/>
+                <a:cs typeface="Courier New" panose="02070309020205020404" pitchFamily="49" charset="0"/>
+              </a:rPr>
+              <a:t>public</a:t>
+            </a:r>
+            <a:r>
+              <a:rPr lang="en-US" sz="2000" dirty="0">
+                <a:latin typeface="Courier New" panose="02070309020205020404" pitchFamily="49" charset="0"/>
+                <a:cs typeface="Courier New" panose="02070309020205020404" pitchFamily="49" charset="0"/>
+              </a:rPr>
+              <a:t> double myMethod(ArrayList&lt;Point2D&gt; pts) {</a:t>
+            </a:r>
+            <a:br>
+              <a:rPr lang="en-US" sz="2000" dirty="0">
+                <a:latin typeface="Courier New" panose="02070309020205020404" pitchFamily="49" charset="0"/>
+                <a:cs typeface="Courier New" panose="02070309020205020404" pitchFamily="49" charset="0"/>
+              </a:rPr>
+            </a:br>
+            <a:r>
+              <a:rPr lang="en-US" sz="2000" dirty="0">
+                <a:latin typeface="Courier New" panose="02070309020205020404" pitchFamily="49" charset="0"/>
+                <a:cs typeface="Courier New" panose="02070309020205020404" pitchFamily="49" charset="0"/>
+              </a:rPr>
+              <a:t>	double </a:t>
+            </a:r>
+            <a:r>
+              <a:rPr lang="en-US" sz="2000" b="1" dirty="0">
+                <a:solidFill>
+                  <a:srgbClr val="C00000"/>
+                </a:solidFill>
+                <a:latin typeface="Courier New" panose="02070309020205020404" pitchFamily="49" charset="0"/>
+                <a:cs typeface="Courier New" panose="02070309020205020404" pitchFamily="49" charset="0"/>
+              </a:rPr>
+              <a:t>sum</a:t>
+            </a:r>
+            <a:r>
+              <a:rPr lang="en-US" sz="2000" dirty="0">
+                <a:latin typeface="Courier New" panose="02070309020205020404" pitchFamily="49" charset="0"/>
+                <a:cs typeface="Courier New" panose="02070309020205020404" pitchFamily="49" charset="0"/>
+              </a:rPr>
+              <a:t> = 0.0;</a:t>
+            </a:r>
+            <a:br>
+              <a:rPr lang="en-US" sz="2000" dirty="0">
+                <a:latin typeface="Courier New" panose="02070309020205020404" pitchFamily="49" charset="0"/>
+                <a:cs typeface="Courier New" panose="02070309020205020404" pitchFamily="49" charset="0"/>
+              </a:rPr>
+            </a:br>
+            <a:r>
+              <a:rPr lang="en-US" sz="2000" dirty="0">
+                <a:latin typeface="Courier New" panose="02070309020205020404" pitchFamily="49" charset="0"/>
+                <a:cs typeface="Courier New" panose="02070309020205020404" pitchFamily="49" charset="0"/>
+              </a:rPr>
+              <a:t>	Point2D </a:t>
+            </a:r>
+            <a:r>
+              <a:rPr lang="en-US" sz="2000" b="1" dirty="0">
+                <a:solidFill>
+                  <a:srgbClr val="C00000"/>
+                </a:solidFill>
+                <a:latin typeface="Courier New" panose="02070309020205020404" pitchFamily="49" charset="0"/>
+                <a:cs typeface="Courier New" panose="02070309020205020404" pitchFamily="49" charset="0"/>
+              </a:rPr>
+              <a:t>prev</a:t>
+            </a:r>
+            <a:r>
+              <a:rPr lang="en-US" sz="2000" dirty="0">
+                <a:latin typeface="Courier New" panose="02070309020205020404" pitchFamily="49" charset="0"/>
+                <a:cs typeface="Courier New" panose="02070309020205020404" pitchFamily="49" charset="0"/>
+              </a:rPr>
+              <a:t> = pts.get(pts.size() - 1);</a:t>
+            </a:r>
+            <a:br>
+              <a:rPr lang="en-US" sz="2000" dirty="0">
+                <a:latin typeface="Courier New" panose="02070309020205020404" pitchFamily="49" charset="0"/>
+                <a:cs typeface="Courier New" panose="02070309020205020404" pitchFamily="49" charset="0"/>
+              </a:rPr>
+            </a:br>
+            <a:r>
+              <a:rPr lang="en-US" sz="2000" dirty="0">
+                <a:latin typeface="Courier New" panose="02070309020205020404" pitchFamily="49" charset="0"/>
+                <a:cs typeface="Courier New" panose="02070309020205020404" pitchFamily="49" charset="0"/>
+              </a:rPr>
+              <a:t>	</a:t>
+            </a:r>
+            <a:r>
+              <a:rPr lang="en-US" sz="2000" b="1" dirty="0">
+                <a:latin typeface="Courier New" panose="02070309020205020404" pitchFamily="49" charset="0"/>
+                <a:cs typeface="Courier New" panose="02070309020205020404" pitchFamily="49" charset="0"/>
+              </a:rPr>
+              <a:t>for</a:t>
+            </a:r>
+            <a:r>
+              <a:rPr lang="en-US" sz="2000" dirty="0">
+                <a:latin typeface="Courier New" panose="02070309020205020404" pitchFamily="49" charset="0"/>
+                <a:cs typeface="Courier New" panose="02070309020205020404" pitchFamily="49" charset="0"/>
+              </a:rPr>
+              <a:t> (Point2D </a:t>
+            </a:r>
+            <a:r>
+              <a:rPr lang="en-US" sz="2000" b="1" dirty="0">
+                <a:solidFill>
+                  <a:srgbClr val="C00000"/>
+                </a:solidFill>
+                <a:latin typeface="Courier New" panose="02070309020205020404" pitchFamily="49" charset="0"/>
+                <a:cs typeface="Courier New" panose="02070309020205020404" pitchFamily="49" charset="0"/>
+              </a:rPr>
+              <a:t>p</a:t>
+            </a:r>
+            <a:r>
+              <a:rPr lang="en-US" sz="2000" dirty="0">
+                <a:latin typeface="Courier New" panose="02070309020205020404" pitchFamily="49" charset="0"/>
+                <a:cs typeface="Courier New" panose="02070309020205020404" pitchFamily="49" charset="0"/>
+              </a:rPr>
+              <a:t> : pts) </a:t>
+            </a:r>
+          </a:p>
+          <a:p>
+            <a:pPr marL="630238" lvl="2" indent="0">
+              <a:buNone/>
+              <a:tabLst>
+                <a:tab pos="1146175" algn="l"/>
+                <a:tab pos="1425575" algn="l"/>
+                <a:tab pos="2463800" algn="l"/>
+              </a:tabLst>
+              <a:defRPr/>
+            </a:pPr>
+            <a:r>
+              <a:rPr lang="en-US" sz="2000" dirty="0">
+                <a:latin typeface="Courier New" panose="02070309020205020404" pitchFamily="49" charset="0"/>
+                <a:cs typeface="Courier New" panose="02070309020205020404" pitchFamily="49" charset="0"/>
+              </a:rPr>
+              <a:t>	{</a:t>
+            </a:r>
+            <a:br>
+              <a:rPr lang="en-US" sz="2000" dirty="0">
+                <a:latin typeface="Courier New" panose="02070309020205020404" pitchFamily="49" charset="0"/>
+                <a:cs typeface="Courier New" panose="02070309020205020404" pitchFamily="49" charset="0"/>
+              </a:rPr>
+            </a:br>
+            <a:r>
+              <a:rPr lang="en-US" sz="2000" dirty="0">
+                <a:latin typeface="Courier New" panose="02070309020205020404" pitchFamily="49" charset="0"/>
+                <a:cs typeface="Courier New" panose="02070309020205020404" pitchFamily="49" charset="0"/>
+              </a:rPr>
+              <a:t>		sum += prev.getX() * p.getY();</a:t>
+            </a:r>
+            <a:br>
+              <a:rPr lang="en-US" sz="2000" dirty="0">
+                <a:latin typeface="Courier New" panose="02070309020205020404" pitchFamily="49" charset="0"/>
+                <a:cs typeface="Courier New" panose="02070309020205020404" pitchFamily="49" charset="0"/>
+              </a:rPr>
+            </a:br>
+            <a:r>
+              <a:rPr lang="en-US" sz="2000" dirty="0">
+                <a:latin typeface="Courier New" panose="02070309020205020404" pitchFamily="49" charset="0"/>
+                <a:cs typeface="Courier New" panose="02070309020205020404" pitchFamily="49" charset="0"/>
+              </a:rPr>
+              <a:t>		sum -= prev.getY() * p.getX();</a:t>
+            </a:r>
+            <a:br>
+              <a:rPr lang="en-US" sz="2000" dirty="0">
+                <a:latin typeface="Courier New" panose="02070309020205020404" pitchFamily="49" charset="0"/>
+                <a:cs typeface="Courier New" panose="02070309020205020404" pitchFamily="49" charset="0"/>
+              </a:rPr>
+            </a:br>
+            <a:r>
+              <a:rPr lang="en-US" sz="2000" dirty="0">
+                <a:latin typeface="Courier New" panose="02070309020205020404" pitchFamily="49" charset="0"/>
+                <a:cs typeface="Courier New" panose="02070309020205020404" pitchFamily="49" charset="0"/>
+              </a:rPr>
+              <a:t>		prev = p;</a:t>
+            </a:r>
+            <a:br>
+              <a:rPr lang="en-US" sz="2000" dirty="0">
+                <a:latin typeface="Courier New" panose="02070309020205020404" pitchFamily="49" charset="0"/>
+                <a:cs typeface="Courier New" panose="02070309020205020404" pitchFamily="49" charset="0"/>
+              </a:rPr>
+            </a:br>
+            <a:r>
+              <a:rPr lang="en-US" sz="2000" dirty="0">
+                <a:latin typeface="Courier New" panose="02070309020205020404" pitchFamily="49" charset="0"/>
+                <a:cs typeface="Courier New" panose="02070309020205020404" pitchFamily="49" charset="0"/>
+              </a:rPr>
+              <a:t>	} // end for</a:t>
+            </a:r>
+            <a:br>
+              <a:rPr lang="en-US" sz="2000" dirty="0">
+                <a:latin typeface="Courier New" panose="02070309020205020404" pitchFamily="49" charset="0"/>
+                <a:cs typeface="Courier New" panose="02070309020205020404" pitchFamily="49" charset="0"/>
+              </a:rPr>
+            </a:br>
+            <a:r>
+              <a:rPr lang="en-US" sz="2000" dirty="0">
+                <a:latin typeface="Courier New" panose="02070309020205020404" pitchFamily="49" charset="0"/>
+                <a:cs typeface="Courier New" panose="02070309020205020404" pitchFamily="49" charset="0"/>
+              </a:rPr>
+              <a:t>	</a:t>
+            </a:r>
+            <a:r>
+              <a:rPr lang="en-US" sz="2000" b="1" dirty="0">
+                <a:latin typeface="Courier New" panose="02070309020205020404" pitchFamily="49" charset="0"/>
+                <a:cs typeface="Courier New" panose="02070309020205020404" pitchFamily="49" charset="0"/>
+              </a:rPr>
+              <a:t>return</a:t>
+            </a:r>
+            <a:r>
+              <a:rPr lang="en-US" sz="2000" dirty="0">
+                <a:latin typeface="Courier New" panose="02070309020205020404" pitchFamily="49" charset="0"/>
+                <a:cs typeface="Courier New" panose="02070309020205020404" pitchFamily="49" charset="0"/>
+              </a:rPr>
+              <a:t> Math.abs(sum / 2.0);</a:t>
+            </a:r>
+            <a:br>
+              <a:rPr lang="en-US" sz="2000" dirty="0">
+                <a:latin typeface="Courier New" panose="02070309020205020404" pitchFamily="49" charset="0"/>
+                <a:cs typeface="Courier New" panose="02070309020205020404" pitchFamily="49" charset="0"/>
+              </a:rPr>
+            </a:br>
+            <a:r>
+              <a:rPr lang="en-US" sz="2000" dirty="0">
+                <a:latin typeface="Courier New" panose="02070309020205020404" pitchFamily="49" charset="0"/>
+                <a:cs typeface="Courier New" panose="02070309020205020404" pitchFamily="49" charset="0"/>
+              </a:rPr>
+              <a:t>} // myMethod</a:t>
+            </a:r>
+          </a:p>
+        </p:txBody>
+      </p:sp>
+      <p:sp>
+        <p:nvSpPr>
+          <p:cNvPr id="4" name="Title 3"/>
+          <p:cNvSpPr>
+            <a:spLocks noGrp="1"/>
+          </p:cNvSpPr>
+          <p:nvPr>
+            <p:ph type="title"/>
+          </p:nvPr>
+        </p:nvSpPr>
+        <p:spPr>
+          <a:xfrm>
+            <a:off x="457200" y="76200"/>
+            <a:ext cx="8229600" cy="792162"/>
+          </a:xfrm>
+        </p:spPr>
+        <p:txBody>
+          <a:bodyPr/>
+          <a:lstStyle/>
+          <a:p>
+            <a:pPr>
+              <a:defRPr/>
+            </a:pPr>
+            <a:r>
+              <a:rPr lang="en-US" dirty="0"/>
+              <a:t>Variable Scope</a:t>
+            </a:r>
+          </a:p>
+        </p:txBody>
+      </p:sp>
+      <p:sp>
+        <p:nvSpPr>
+          <p:cNvPr id="7" name="Rectangle 6">
+            <a:extLst>
+              <a:ext uri="{FF2B5EF4-FFF2-40B4-BE49-F238E27FC236}">
+                <a16:creationId xmlns:a16="http://schemas.microsoft.com/office/drawing/2014/main" id="{B9469EB4-409C-F44F-832D-EDE73A4381A0}"/>
+              </a:ext>
+            </a:extLst>
+          </p:cNvPr>
+          <p:cNvSpPr/>
+          <p:nvPr/>
+        </p:nvSpPr>
+        <p:spPr>
+          <a:xfrm>
+            <a:off x="1524000" y="4343400"/>
+            <a:ext cx="4800600" cy="1143000"/>
+          </a:xfrm>
+          <a:prstGeom prst="rect">
+            <a:avLst/>
+          </a:prstGeom>
+          <a:noFill/>
+          <a:ln w="28575">
+            <a:solidFill>
+              <a:srgbClr val="C00000"/>
+            </a:solidFill>
+          </a:ln>
+        </p:spPr>
+        <p:style>
+          <a:lnRef idx="2">
+            <a:schemeClr val="accent1">
+              <a:shade val="50000"/>
+            </a:schemeClr>
+          </a:lnRef>
+          <a:fillRef idx="1">
+            <a:schemeClr val="accent1"/>
+          </a:fillRef>
+          <a:effectRef idx="0">
+            <a:schemeClr val="accent1"/>
+          </a:effectRef>
+          <a:fontRef idx="minor">
+            <a:schemeClr val="lt1"/>
+          </a:fontRef>
+        </p:style>
+        <p:txBody>
+          <a:bodyPr rtlCol="0" anchor="ctr"/>
+          <a:lstStyle/>
+          <a:p>
+            <a:pPr algn="ctr"/>
+            <a:endParaRPr lang="en-US" dirty="0">
+              <a:solidFill>
+                <a:srgbClr val="C00000"/>
+              </a:solidFill>
+            </a:endParaRPr>
+          </a:p>
+        </p:txBody>
+      </p:sp>
+      <p:sp>
+        <p:nvSpPr>
+          <p:cNvPr id="3" name="Rounded Rectangle 2">
+            <a:extLst>
+              <a:ext uri="{FF2B5EF4-FFF2-40B4-BE49-F238E27FC236}">
+                <a16:creationId xmlns:a16="http://schemas.microsoft.com/office/drawing/2014/main" id="{3C98F043-3E64-B14E-B659-EC3892C1A67C}"/>
+              </a:ext>
+            </a:extLst>
+          </p:cNvPr>
+          <p:cNvSpPr/>
+          <p:nvPr/>
+        </p:nvSpPr>
+        <p:spPr>
+          <a:xfrm>
+            <a:off x="3441300" y="4083700"/>
+            <a:ext cx="228600" cy="228600"/>
+          </a:xfrm>
+          <a:prstGeom prst="roundRect">
+            <a:avLst/>
+          </a:prstGeom>
+          <a:noFill/>
+          <a:ln w="6350">
+            <a:solidFill>
+              <a:srgbClr val="C00000"/>
+            </a:solidFill>
+          </a:ln>
+        </p:spPr>
+        <p:style>
+          <a:lnRef idx="2">
+            <a:schemeClr val="accent1">
+              <a:shade val="50000"/>
+            </a:schemeClr>
+          </a:lnRef>
+          <a:fillRef idx="1">
+            <a:schemeClr val="accent1"/>
+          </a:fillRef>
+          <a:effectRef idx="0">
+            <a:schemeClr val="accent1"/>
+          </a:effectRef>
+          <a:fontRef idx="minor">
+            <a:schemeClr val="lt1"/>
+          </a:fontRef>
+        </p:style>
+        <p:txBody>
+          <a:bodyPr rtlCol="0" anchor="ctr"/>
+          <a:lstStyle/>
+          <a:p>
+            <a:pPr algn="ctr"/>
+            <a:endParaRPr lang="en-US" dirty="0"/>
+          </a:p>
+        </p:txBody>
+      </p:sp>
+      <p:sp>
+        <p:nvSpPr>
+          <p:cNvPr id="8" name="Freeform 7">
+            <a:extLst>
+              <a:ext uri="{FF2B5EF4-FFF2-40B4-BE49-F238E27FC236}">
+                <a16:creationId xmlns:a16="http://schemas.microsoft.com/office/drawing/2014/main" id="{3441DC6F-AD38-E244-99BF-2F326EC5E27F}"/>
+              </a:ext>
+            </a:extLst>
+          </p:cNvPr>
+          <p:cNvSpPr/>
+          <p:nvPr/>
+        </p:nvSpPr>
+        <p:spPr>
+          <a:xfrm>
+            <a:off x="3682203" y="4015068"/>
+            <a:ext cx="1279340" cy="315006"/>
+          </a:xfrm>
+          <a:custGeom>
+            <a:avLst/>
+            <a:gdLst>
+              <a:gd name="connsiteX0" fmla="*/ 0 w 1279340"/>
+              <a:gd name="connsiteY0" fmla="*/ 118184 h 315006"/>
+              <a:gd name="connsiteX1" fmla="*/ 405944 w 1279340"/>
+              <a:gd name="connsiteY1" fmla="*/ 27974 h 315006"/>
+              <a:gd name="connsiteX2" fmla="*/ 1021011 w 1279340"/>
+              <a:gd name="connsiteY2" fmla="*/ 23874 h 315006"/>
+              <a:gd name="connsiteX3" fmla="*/ 1279340 w 1279340"/>
+              <a:gd name="connsiteY3" fmla="*/ 315006 h 315006"/>
+            </a:gdLst>
+            <a:ahLst/>
+            <a:cxnLst>
+              <a:cxn ang="0">
+                <a:pos x="connsiteX0" y="connsiteY0"/>
+              </a:cxn>
+              <a:cxn ang="0">
+                <a:pos x="connsiteX1" y="connsiteY1"/>
+              </a:cxn>
+              <a:cxn ang="0">
+                <a:pos x="connsiteX2" y="connsiteY2"/>
+              </a:cxn>
+              <a:cxn ang="0">
+                <a:pos x="connsiteX3" y="connsiteY3"/>
+              </a:cxn>
+            </a:cxnLst>
+            <a:rect l="l" t="t" r="r" b="b"/>
+            <a:pathLst>
+              <a:path w="1279340" h="315006">
+                <a:moveTo>
+                  <a:pt x="0" y="118184"/>
+                </a:moveTo>
+                <a:cubicBezTo>
+                  <a:pt x="117888" y="80938"/>
+                  <a:pt x="235776" y="43692"/>
+                  <a:pt x="405944" y="27974"/>
+                </a:cubicBezTo>
+                <a:cubicBezTo>
+                  <a:pt x="576112" y="12256"/>
+                  <a:pt x="875445" y="-23965"/>
+                  <a:pt x="1021011" y="23874"/>
+                </a:cubicBezTo>
+                <a:cubicBezTo>
+                  <a:pt x="1166577" y="71713"/>
+                  <a:pt x="1222958" y="193359"/>
+                  <a:pt x="1279340" y="315006"/>
+                </a:cubicBezTo>
+              </a:path>
+            </a:pathLst>
+          </a:custGeom>
+          <a:noFill/>
+          <a:ln>
+            <a:solidFill>
+              <a:srgbClr val="C00000"/>
+            </a:solidFill>
+            <a:headEnd type="none" w="med" len="med"/>
+            <a:tailEnd type="arrow" w="med" len="med"/>
+          </a:ln>
+        </p:spPr>
+        <p:style>
+          <a:lnRef idx="2">
+            <a:schemeClr val="accent1">
+              <a:shade val="50000"/>
+            </a:schemeClr>
+          </a:lnRef>
+          <a:fillRef idx="1">
+            <a:schemeClr val="accent1"/>
+          </a:fillRef>
+          <a:effectRef idx="0">
+            <a:schemeClr val="accent1"/>
+          </a:effectRef>
+          <a:fontRef idx="minor">
+            <a:schemeClr val="lt1"/>
+          </a:fontRef>
+        </p:style>
+        <p:txBody>
+          <a:bodyPr rtlCol="0" anchor="ctr"/>
+          <a:lstStyle/>
+          <a:p>
+            <a:pPr algn="ctr"/>
+            <a:endParaRPr lang="en-US" dirty="0"/>
+          </a:p>
+        </p:txBody>
+      </p:sp>
+      <p:grpSp>
+        <p:nvGrpSpPr>
+          <p:cNvPr id="17" name="Group 16">
+            <a:extLst>
+              <a:ext uri="{FF2B5EF4-FFF2-40B4-BE49-F238E27FC236}">
+                <a16:creationId xmlns:a16="http://schemas.microsoft.com/office/drawing/2014/main" id="{DE814E3E-474D-0445-A86F-6BA76E3A41C5}"/>
+              </a:ext>
+            </a:extLst>
+          </p:cNvPr>
+          <p:cNvGrpSpPr/>
+          <p:nvPr/>
+        </p:nvGrpSpPr>
+        <p:grpSpPr>
+          <a:xfrm>
+            <a:off x="1012555" y="3577528"/>
+            <a:ext cx="6209655" cy="2381572"/>
+            <a:chOff x="1012555" y="3577528"/>
+            <a:chExt cx="6209655" cy="2381572"/>
+          </a:xfrm>
+        </p:grpSpPr>
+        <p:cxnSp>
+          <p:nvCxnSpPr>
+            <p:cNvPr id="10" name="Straight Connector 9">
+              <a:extLst>
+                <a:ext uri="{FF2B5EF4-FFF2-40B4-BE49-F238E27FC236}">
+                  <a16:creationId xmlns:a16="http://schemas.microsoft.com/office/drawing/2014/main" id="{CA9BFFB2-6923-9B4C-A30D-32B6F308987D}"/>
+                </a:ext>
+              </a:extLst>
+            </p:cNvPr>
+            <p:cNvCxnSpPr>
+              <a:cxnSpLocks/>
+            </p:cNvCxnSpPr>
+            <p:nvPr/>
+          </p:nvCxnSpPr>
+          <p:spPr>
+            <a:xfrm>
+              <a:off x="1022888" y="5959100"/>
+              <a:ext cx="6199322" cy="0"/>
+            </a:xfrm>
+            <a:prstGeom prst="line">
+              <a:avLst/>
+            </a:prstGeom>
+            <a:ln>
+              <a:solidFill>
+                <a:srgbClr val="C00000"/>
+              </a:solidFill>
+            </a:ln>
+          </p:spPr>
+          <p:style>
+            <a:lnRef idx="1">
+              <a:schemeClr val="accent1"/>
+            </a:lnRef>
+            <a:fillRef idx="0">
+              <a:schemeClr val="accent1"/>
+            </a:fillRef>
+            <a:effectRef idx="0">
+              <a:schemeClr val="accent1"/>
+            </a:effectRef>
+            <a:fontRef idx="minor">
+              <a:schemeClr val="tx1"/>
+            </a:fontRef>
+          </p:style>
+        </p:cxnSp>
+        <p:cxnSp>
+          <p:nvCxnSpPr>
+            <p:cNvPr id="13" name="Straight Connector 12">
+              <a:extLst>
+                <a:ext uri="{FF2B5EF4-FFF2-40B4-BE49-F238E27FC236}">
+                  <a16:creationId xmlns:a16="http://schemas.microsoft.com/office/drawing/2014/main" id="{D198238D-35FC-864B-9065-19D898A859A7}"/>
+                </a:ext>
+              </a:extLst>
+            </p:cNvPr>
+            <p:cNvCxnSpPr/>
+            <p:nvPr/>
+          </p:nvCxnSpPr>
+          <p:spPr>
+            <a:xfrm>
+              <a:off x="1015139" y="3580108"/>
+              <a:ext cx="0" cy="2355742"/>
+            </a:xfrm>
+            <a:prstGeom prst="line">
+              <a:avLst/>
+            </a:prstGeom>
+            <a:ln>
+              <a:solidFill>
+                <a:srgbClr val="C00000"/>
+              </a:solidFill>
+            </a:ln>
+          </p:spPr>
+          <p:style>
+            <a:lnRef idx="1">
+              <a:schemeClr val="accent1"/>
+            </a:lnRef>
+            <a:fillRef idx="0">
+              <a:schemeClr val="accent1"/>
+            </a:fillRef>
+            <a:effectRef idx="0">
+              <a:schemeClr val="accent1"/>
+            </a:effectRef>
+            <a:fontRef idx="minor">
+              <a:schemeClr val="tx1"/>
+            </a:fontRef>
+          </p:style>
+        </p:cxnSp>
+        <p:cxnSp>
+          <p:nvCxnSpPr>
+            <p:cNvPr id="14" name="Straight Connector 13">
+              <a:extLst>
+                <a:ext uri="{FF2B5EF4-FFF2-40B4-BE49-F238E27FC236}">
+                  <a16:creationId xmlns:a16="http://schemas.microsoft.com/office/drawing/2014/main" id="{2E83601A-F09C-954F-ADA7-4B6003CBD682}"/>
+                </a:ext>
+              </a:extLst>
+            </p:cNvPr>
+            <p:cNvCxnSpPr/>
+            <p:nvPr/>
+          </p:nvCxnSpPr>
+          <p:spPr>
+            <a:xfrm>
+              <a:off x="7219627" y="3585276"/>
+              <a:ext cx="0" cy="2355742"/>
+            </a:xfrm>
+            <a:prstGeom prst="line">
+              <a:avLst/>
+            </a:prstGeom>
+            <a:ln>
+              <a:solidFill>
+                <a:srgbClr val="C00000"/>
+              </a:solidFill>
+            </a:ln>
+          </p:spPr>
+          <p:style>
+            <a:lnRef idx="1">
+              <a:schemeClr val="accent1"/>
+            </a:lnRef>
+            <a:fillRef idx="0">
+              <a:schemeClr val="accent1"/>
+            </a:fillRef>
+            <a:effectRef idx="0">
+              <a:schemeClr val="accent1"/>
+            </a:effectRef>
+            <a:fontRef idx="minor">
+              <a:schemeClr val="tx1"/>
+            </a:fontRef>
+          </p:style>
+        </p:cxnSp>
+        <p:cxnSp>
+          <p:nvCxnSpPr>
+            <p:cNvPr id="15" name="Straight Connector 14">
+              <a:extLst>
+                <a:ext uri="{FF2B5EF4-FFF2-40B4-BE49-F238E27FC236}">
+                  <a16:creationId xmlns:a16="http://schemas.microsoft.com/office/drawing/2014/main" id="{FDF7DC0D-7E6E-E248-B51B-1455044BDE30}"/>
+                </a:ext>
+              </a:extLst>
+            </p:cNvPr>
+            <p:cNvCxnSpPr>
+              <a:cxnSpLocks/>
+            </p:cNvCxnSpPr>
+            <p:nvPr/>
+          </p:nvCxnSpPr>
+          <p:spPr>
+            <a:xfrm>
+              <a:off x="1012555" y="3577528"/>
+              <a:ext cx="6199322" cy="0"/>
+            </a:xfrm>
+            <a:prstGeom prst="line">
+              <a:avLst/>
+            </a:prstGeom>
+            <a:ln>
+              <a:solidFill>
+                <a:srgbClr val="C00000"/>
+              </a:solidFill>
+            </a:ln>
+          </p:spPr>
+          <p:style>
+            <a:lnRef idx="1">
+              <a:schemeClr val="accent1"/>
+            </a:lnRef>
+            <a:fillRef idx="0">
+              <a:schemeClr val="accent1"/>
+            </a:fillRef>
+            <a:effectRef idx="0">
+              <a:schemeClr val="accent1"/>
+            </a:effectRef>
+            <a:fontRef idx="minor">
+              <a:schemeClr val="tx1"/>
+            </a:fontRef>
+          </p:style>
+        </p:cxnSp>
+      </p:grpSp>
+      <p:sp>
+        <p:nvSpPr>
+          <p:cNvPr id="18" name="Rectangle 17">
+            <a:extLst>
+              <a:ext uri="{FF2B5EF4-FFF2-40B4-BE49-F238E27FC236}">
+                <a16:creationId xmlns:a16="http://schemas.microsoft.com/office/drawing/2014/main" id="{A017E029-513C-A84E-9DCA-B7838AC7F1CD}"/>
+              </a:ext>
+            </a:extLst>
+          </p:cNvPr>
+          <p:cNvSpPr/>
+          <p:nvPr/>
+        </p:nvSpPr>
+        <p:spPr>
+          <a:xfrm>
+            <a:off x="7752249" y="4313717"/>
+            <a:ext cx="736099" cy="646331"/>
+          </a:xfrm>
+          <a:prstGeom prst="rect">
+            <a:avLst/>
+          </a:prstGeom>
+          <a:ln>
+            <a:solidFill>
+              <a:srgbClr val="C00000"/>
+            </a:solidFill>
+          </a:ln>
+        </p:spPr>
+        <p:txBody>
+          <a:bodyPr wrap="none">
+            <a:spAutoFit/>
+          </a:bodyPr>
+          <a:lstStyle/>
+          <a:p>
+            <a:r>
+              <a:rPr lang="en-US" b="1" dirty="0">
+                <a:solidFill>
+                  <a:srgbClr val="C00000"/>
+                </a:solidFill>
+                <a:latin typeface="Courier New" panose="02070309020205020404" pitchFamily="49" charset="0"/>
+                <a:cs typeface="Courier New" panose="02070309020205020404" pitchFamily="49" charset="0"/>
+              </a:rPr>
+              <a:t>sum</a:t>
+            </a:r>
+          </a:p>
+          <a:p>
+            <a:r>
+              <a:rPr lang="en-US" b="1" dirty="0">
+                <a:solidFill>
+                  <a:srgbClr val="C00000"/>
+                </a:solidFill>
+                <a:latin typeface="Courier New" panose="02070309020205020404" pitchFamily="49" charset="0"/>
+                <a:cs typeface="Courier New" panose="02070309020205020404" pitchFamily="49" charset="0"/>
+              </a:rPr>
+              <a:t>prev</a:t>
+            </a:r>
+            <a:endParaRPr lang="en-US" dirty="0"/>
+          </a:p>
+        </p:txBody>
+      </p:sp>
+      <p:sp>
+        <p:nvSpPr>
+          <p:cNvPr id="19" name="Freeform 18">
+            <a:extLst>
+              <a:ext uri="{FF2B5EF4-FFF2-40B4-BE49-F238E27FC236}">
+                <a16:creationId xmlns:a16="http://schemas.microsoft.com/office/drawing/2014/main" id="{EFCA883E-1AF2-CB4A-B02D-C0AB6B4BEA5B}"/>
+              </a:ext>
+            </a:extLst>
+          </p:cNvPr>
+          <p:cNvSpPr/>
+          <p:nvPr/>
+        </p:nvSpPr>
+        <p:spPr>
+          <a:xfrm>
+            <a:off x="7222211" y="4688238"/>
+            <a:ext cx="519193" cy="309966"/>
+          </a:xfrm>
+          <a:custGeom>
+            <a:avLst/>
+            <a:gdLst>
+              <a:gd name="connsiteX0" fmla="*/ 519193 w 519193"/>
+              <a:gd name="connsiteY0" fmla="*/ 0 h 309966"/>
+              <a:gd name="connsiteX1" fmla="*/ 348711 w 519193"/>
+              <a:gd name="connsiteY1" fmla="*/ 201478 h 309966"/>
+              <a:gd name="connsiteX2" fmla="*/ 0 w 519193"/>
+              <a:gd name="connsiteY2" fmla="*/ 309966 h 309966"/>
+            </a:gdLst>
+            <a:ahLst/>
+            <a:cxnLst>
+              <a:cxn ang="0">
+                <a:pos x="connsiteX0" y="connsiteY0"/>
+              </a:cxn>
+              <a:cxn ang="0">
+                <a:pos x="connsiteX1" y="connsiteY1"/>
+              </a:cxn>
+              <a:cxn ang="0">
+                <a:pos x="connsiteX2" y="connsiteY2"/>
+              </a:cxn>
+            </a:cxnLst>
+            <a:rect l="l" t="t" r="r" b="b"/>
+            <a:pathLst>
+              <a:path w="519193" h="309966">
+                <a:moveTo>
+                  <a:pt x="519193" y="0"/>
+                </a:moveTo>
+                <a:cubicBezTo>
+                  <a:pt x="477218" y="74908"/>
+                  <a:pt x="435243" y="149817"/>
+                  <a:pt x="348711" y="201478"/>
+                </a:cubicBezTo>
+                <a:cubicBezTo>
+                  <a:pt x="262179" y="253139"/>
+                  <a:pt x="131089" y="281552"/>
+                  <a:pt x="0" y="309966"/>
+                </a:cubicBezTo>
+              </a:path>
+            </a:pathLst>
+          </a:custGeom>
+          <a:noFill/>
+          <a:ln>
+            <a:solidFill>
+              <a:srgbClr val="C00000"/>
+            </a:solidFill>
+            <a:headEnd type="none" w="med" len="med"/>
+            <a:tailEnd type="arrow" w="med" len="med"/>
+          </a:ln>
+        </p:spPr>
+        <p:style>
+          <a:lnRef idx="2">
+            <a:schemeClr val="accent1">
+              <a:shade val="50000"/>
+            </a:schemeClr>
+          </a:lnRef>
+          <a:fillRef idx="1">
+            <a:schemeClr val="accent1"/>
+          </a:fillRef>
+          <a:effectRef idx="0">
+            <a:schemeClr val="accent1"/>
+          </a:effectRef>
+          <a:fontRef idx="minor">
+            <a:schemeClr val="lt1"/>
+          </a:fontRef>
+        </p:style>
+        <p:txBody>
+          <a:bodyPr rtlCol="0" anchor="ctr"/>
+          <a:lstStyle/>
+          <a:p>
+            <a:pPr algn="ctr"/>
+            <a:endParaRPr lang="en-US" dirty="0"/>
+          </a:p>
+        </p:txBody>
+      </p:sp>
+    </p:spTree>
+    <p:extLst>
+      <p:ext uri="{BB962C8B-B14F-4D97-AF65-F5344CB8AC3E}">
+        <p14:creationId xmlns:p14="http://schemas.microsoft.com/office/powerpoint/2010/main" val="2151028366"/>
+      </p:ext>
+    </p:extLst>
+  </p:cSld>
+  <p:clrMapOvr>
+    <a:masterClrMapping/>
+  </p:clrMapOvr>
+</p:sld>
+</file>
+
+<file path=ppt/slides/slide8.xml><?xml version="1.0" encoding="utf-8"?>
+<p:sld xmlns:a="http://schemas.openxmlformats.org/drawingml/2006/main" xmlns:r="http://schemas.openxmlformats.org/officeDocument/2006/relationships" xmlns:p="http://schemas.openxmlformats.org/presentationml/2006/main">
+  <p:cSld>
+    <p:spTree>
+      <p:nvGrpSpPr>
+        <p:cNvPr id="1" name=""/>
+        <p:cNvGrpSpPr/>
+        <p:nvPr/>
+      </p:nvGrpSpPr>
+      <p:grpSpPr>
+        <a:xfrm>
+          <a:off x="0" y="0"/>
+          <a:ext cx="0" cy="0"/>
+          <a:chOff x="0" y="0"/>
+          <a:chExt cx="0" cy="0"/>
+        </a:xfrm>
+      </p:grpSpPr>
       <p:sp>
         <p:nvSpPr>
           <p:cNvPr id="6" name="Rectangle 5"/>
@@ -8116,8 +10396,8 @@
         </p:nvSpPr>
         <p:spPr>
           <a:xfrm>
-            <a:off x="4878990" y="1766080"/>
-            <a:ext cx="4114800" cy="3581400"/>
+            <a:off x="4878990" y="1766079"/>
+            <a:ext cx="4114800" cy="3786995"/>
           </a:xfrm>
           <a:prstGeom prst="rect">
             <a:avLst/>
@@ -8151,7 +10431,7 @@
           <a:lstStyle/>
           <a:p>
             <a:pPr algn="ctr"/>
-            <a:endParaRPr lang="en-US"/>
+            <a:endParaRPr lang="en-US" dirty="0"/>
           </a:p>
         </p:txBody>
       </p:sp>
@@ -8186,7 +10466,7 @@
                   <a:schemeClr val="accent4"/>
                 </a:solidFill>
               </a:rPr>
-              <a:t>Member scope</a:t>
+              <a:t>Scope of a class's member</a:t>
             </a:r>
             <a:r>
               <a:rPr lang="en-US" sz="2400" i="1" dirty="0"/>
@@ -8211,7 +10491,7 @@
             </a:pPr>
             <a:r>
               <a:rPr lang="en-US" sz="2000" dirty="0"/>
-              <a:t>Lets methods call other methods later in the class</a:t>
+              <a:t>Allows a method to call another method that appears anywhere else in the class</a:t>
             </a:r>
           </a:p>
           <a:p>
@@ -8235,22 +10515,13 @@
             </a:r>
             <a:r>
               <a:rPr lang="en-US" sz="2400" dirty="0"/>
-              <a:t> class members can be accessed from outside with “class qualified names”</a:t>
+              <a:t> class members can be accessed from outside by using the class's name:</a:t>
             </a:r>
           </a:p>
           <a:p>
             <a:pPr lvl="1">
               <a:defRPr/>
             </a:pPr>
-            <a:r>
-              <a:rPr lang="en-US" sz="2000" b="1" dirty="0" err="1">
-                <a:solidFill>
-                  <a:srgbClr val="0070C0"/>
-                </a:solidFill>
-                <a:latin typeface="Consolas" pitchFamily="49" charset="0"/>
-              </a:rPr>
-              <a:t>Math.sqrt</a:t>
-            </a:r>
             <a:r>
               <a:rPr lang="en-US" sz="2000" b="1" dirty="0">
                 <a:solidFill>
@@ -8258,7 +10529,7 @@
                 </a:solidFill>
                 <a:latin typeface="Consolas" pitchFamily="49" charset="0"/>
               </a:rPr>
-              <a:t>()</a:t>
+              <a:t>Math.sqrt()</a:t>
             </a:r>
           </a:p>
           <a:p>
@@ -8266,7 +10537,7 @@
               <a:defRPr/>
             </a:pPr>
             <a:r>
-              <a:rPr lang="en-US" sz="2000" b="1" dirty="0" err="1">
+              <a:rPr lang="en-US" sz="2000" b="1" dirty="0">
                 <a:solidFill>
                   <a:srgbClr val="0070C0"/>
                 </a:solidFill>
@@ -8274,12 +10545,6 @@
               </a:rPr>
               <a:t>System.in</a:t>
             </a:r>
-            <a:endParaRPr lang="en-US" sz="2000" b="1" dirty="0">
-              <a:solidFill>
-                <a:srgbClr val="0070C0"/>
-              </a:solidFill>
-              <a:latin typeface="Consolas" pitchFamily="49" charset="0"/>
-            </a:endParaRPr>
           </a:p>
           <a:p>
             <a:endParaRPr lang="en-US" sz="2400" dirty="0"/>
@@ -8323,8 +10588,8 @@
         </p:nvSpPr>
         <p:spPr>
           <a:xfrm>
-            <a:off x="5074044" y="2922560"/>
-            <a:ext cx="3919746" cy="2106640"/>
+            <a:off x="5074044" y="2800350"/>
+            <a:ext cx="3919746" cy="2228850"/>
           </a:xfrm>
           <a:prstGeom prst="rect">
             <a:avLst/>
@@ -8359,7 +10624,7 @@
           <a:lstStyle/>
           <a:p>
             <a:pPr algn="ctr"/>
-            <a:endParaRPr lang="en-US"/>
+            <a:endParaRPr lang="en-US" dirty="0"/>
           </a:p>
         </p:txBody>
       </p:sp>
@@ -8407,7 +10672,7 @@
           <a:lstStyle/>
           <a:p>
             <a:pPr algn="ctr"/>
-            <a:endParaRPr lang="en-US"/>
+            <a:endParaRPr lang="en-US" dirty="0"/>
           </a:p>
         </p:txBody>
       </p:sp>
@@ -8419,8 +10684,8 @@
         </p:nvSpPr>
         <p:spPr>
           <a:xfrm>
-            <a:off x="5287617" y="3733800"/>
-            <a:ext cx="3703983" cy="804862"/>
+            <a:off x="5249517" y="3876675"/>
+            <a:ext cx="3703983" cy="571500"/>
           </a:xfrm>
           <a:prstGeom prst="rect">
             <a:avLst/>
@@ -8452,7 +10717,7 @@
           <a:lstStyle/>
           <a:p>
             <a:pPr algn="ctr"/>
-            <a:endParaRPr lang="en-US"/>
+            <a:endParaRPr lang="en-US" dirty="0"/>
           </a:p>
         </p:txBody>
       </p:sp>
@@ -8468,8 +10733,8 @@
         </p:nvSpPr>
         <p:spPr>
           <a:xfrm>
-            <a:off x="4648200" y="1510976"/>
-            <a:ext cx="4495800" cy="4919472"/>
+            <a:off x="4838700" y="1758626"/>
+            <a:ext cx="4495800" cy="3870649"/>
           </a:xfrm>
         </p:spPr>
         <p:txBody>
@@ -8486,21 +10751,19 @@
                 <a:latin typeface="Consolas"/>
                 <a:cs typeface="Consolas"/>
               </a:rPr>
-              <a:t>Class </a:t>
-            </a:r>
-            <a:r>
-              <a:rPr lang="en-US" sz="1600" dirty="0" err="1">
-                <a:latin typeface="Consolas"/>
-                <a:cs typeface="Consolas"/>
-              </a:rPr>
-              <a:t>MyClass</a:t>
-            </a:r>
+              <a:t>Class MyClass {</a:t>
+            </a:r>
+          </a:p>
+          <a:p>
+            <a:pPr marL="109537" indent="0">
+              <a:buNone/>
+            </a:pPr>
             <a:r>
               <a:rPr lang="en-US" sz="1600" dirty="0">
                 <a:latin typeface="Consolas"/>
                 <a:cs typeface="Consolas"/>
               </a:rPr>
-              <a:t> {</a:t>
+              <a:t>  . . .</a:t>
             </a:r>
           </a:p>
           <a:p>
@@ -8512,7 +10775,7 @@
                 <a:latin typeface="Consolas"/>
                 <a:cs typeface="Consolas"/>
               </a:rPr>
-              <a:t>  . . .</a:t>
+              <a:t>  // member variable declarations</a:t>
             </a:r>
           </a:p>
           <a:p>
@@ -8524,7 +10787,7 @@
                 <a:latin typeface="Consolas"/>
                 <a:cs typeface="Consolas"/>
               </a:rPr>
-              <a:t>  // member variable declarations</a:t>
+              <a:t>  . . .</a:t>
             </a:r>
           </a:p>
           <a:p>
@@ -8536,7 +10799,7 @@
                 <a:latin typeface="Consolas"/>
                 <a:cs typeface="Consolas"/>
               </a:rPr>
-              <a:t>  . . .</a:t>
+              <a:t>  public void aMethod(params…) {</a:t>
             </a:r>
           </a:p>
           <a:p>
@@ -8548,35 +10811,31 @@
                 <a:latin typeface="Consolas"/>
                 <a:cs typeface="Consolas"/>
               </a:rPr>
-              <a:t>  public void </a:t>
-            </a:r>
-            <a:r>
-              <a:rPr lang="en-US" sz="1600" dirty="0" err="1">
-                <a:latin typeface="Consolas"/>
-                <a:cs typeface="Consolas"/>
-              </a:rPr>
-              <a:t>aMethod</a:t>
-            </a:r>
+              <a:t>    . . .</a:t>
+            </a:r>
+          </a:p>
+          <a:p>
+            <a:pPr marL="109537" indent="0">
+              <a:buNone/>
+            </a:pPr>
             <a:r>
               <a:rPr lang="en-US" sz="1600" dirty="0">
                 <a:latin typeface="Consolas"/>
                 <a:cs typeface="Consolas"/>
               </a:rPr>
-              <a:t>(</a:t>
-            </a:r>
-            <a:r>
-              <a:rPr lang="en-US" sz="1600" dirty="0" err="1">
-                <a:latin typeface="Consolas"/>
-                <a:cs typeface="Consolas"/>
-              </a:rPr>
-              <a:t>params</a:t>
-            </a:r>
+              <a:t>    // local variable declarations </a:t>
+            </a:r>
+          </a:p>
+          <a:p>
+            <a:pPr marL="109537" indent="0">
+              <a:buNone/>
+            </a:pPr>
             <a:r>
               <a:rPr lang="en-US" sz="1600" dirty="0">
                 <a:latin typeface="Consolas"/>
                 <a:cs typeface="Consolas"/>
               </a:rPr>
-              <a:t>…) {</a:t>
+              <a:t>    . . .</a:t>
             </a:r>
           </a:p>
           <a:p>
@@ -8588,100 +10847,47 @@
                 <a:latin typeface="Consolas"/>
                 <a:cs typeface="Consolas"/>
               </a:rPr>
-              <a:t>    . . .</a:t>
-            </a:r>
-          </a:p>
-          <a:p>
-            <a:pPr marL="109537" indent="0">
-              <a:buNone/>
-            </a:pPr>
+              <a:t>    for(</a:t>
+            </a:r>
+            <a:r>
+              <a:rPr lang="en-US" sz="1600">
+                <a:latin typeface="Consolas"/>
+                <a:cs typeface="Consolas"/>
+              </a:rPr>
+              <a:t>int k </a:t>
+            </a:r>
             <a:r>
               <a:rPr lang="en-US" sz="1600" dirty="0">
                 <a:latin typeface="Consolas"/>
                 <a:cs typeface="Consolas"/>
               </a:rPr>
-              <a:t>    // local variable declarations </a:t>
-            </a:r>
-          </a:p>
-          <a:p>
-            <a:pPr marL="109537" indent="0">
-              <a:buNone/>
-            </a:pPr>
+              <a:t>= 0</a:t>
+            </a:r>
+            <a:r>
+              <a:rPr lang="en-US" sz="1600">
+                <a:latin typeface="Consolas"/>
+                <a:cs typeface="Consolas"/>
+              </a:rPr>
+              <a:t>; k </a:t>
+            </a:r>
             <a:r>
               <a:rPr lang="en-US" sz="1600" dirty="0">
                 <a:latin typeface="Consolas"/>
                 <a:cs typeface="Consolas"/>
               </a:rPr>
-              <a:t>    . . .</a:t>
-            </a:r>
-          </a:p>
-          <a:p>
-            <a:pPr marL="109537" indent="0">
-              <a:buNone/>
-            </a:pPr>
-            <a:r>
-              <a:rPr lang="en-US" sz="1600" dirty="0">
+              <a:t>&lt; 10</a:t>
+            </a:r>
+            <a:r>
+              <a:rPr lang="en-US" sz="1600">
                 <a:latin typeface="Consolas"/>
                 <a:cs typeface="Consolas"/>
               </a:rPr>
-              <a:t>    for(</a:t>
-            </a:r>
-            <a:r>
-              <a:rPr lang="en-US" sz="1600" dirty="0" err="1">
-                <a:latin typeface="Consolas"/>
-                <a:cs typeface="Consolas"/>
-              </a:rPr>
-              <a:t>int</a:t>
-            </a:r>
-            <a:r>
-              <a:rPr lang="en-US" sz="1600" dirty="0">
-                <a:latin typeface="Consolas"/>
-                <a:cs typeface="Consolas"/>
-              </a:rPr>
-              <a:t> </a:t>
-            </a:r>
-            <a:r>
-              <a:rPr lang="en-US" sz="1600" dirty="0" err="1">
-                <a:latin typeface="Consolas"/>
-                <a:cs typeface="Consolas"/>
-              </a:rPr>
-              <a:t>i</a:t>
-            </a:r>
-            <a:r>
-              <a:rPr lang="en-US" sz="1600" dirty="0">
-                <a:latin typeface="Consolas"/>
-                <a:cs typeface="Consolas"/>
-              </a:rPr>
-              <a:t> = 0; </a:t>
-            </a:r>
-            <a:r>
-              <a:rPr lang="en-US" sz="1600" dirty="0" err="1">
-                <a:latin typeface="Consolas"/>
-                <a:cs typeface="Consolas"/>
-              </a:rPr>
-              <a:t>i</a:t>
-            </a:r>
-            <a:r>
-              <a:rPr lang="en-US" sz="1600" dirty="0">
-                <a:latin typeface="Consolas"/>
-                <a:cs typeface="Consolas"/>
-              </a:rPr>
-              <a:t> &lt; 10; </a:t>
-            </a:r>
-            <a:r>
-              <a:rPr lang="en-US" sz="1600" dirty="0" err="1">
-                <a:latin typeface="Consolas"/>
-                <a:cs typeface="Consolas"/>
-              </a:rPr>
-              <a:t>i</a:t>
-            </a:r>
-            <a:r>
-              <a:rPr lang="en-US" sz="1600" dirty="0">
-                <a:latin typeface="Consolas"/>
-                <a:cs typeface="Consolas"/>
-              </a:rPr>
-              <a:t>++) </a:t>
-            </a:r>
+              <a:t>; k++) </a:t>
+            </a:r>
+            <a:endParaRPr lang="en-US" sz="1600" dirty="0">
+              <a:latin typeface="Consolas"/>
+              <a:cs typeface="Consolas"/>
+            </a:endParaRPr>
           </a:p>
           <a:p>
             <a:pPr marL="109537" indent="0">
@@ -8762,8 +10968,8 @@
               <a:gd name="adj2" fmla="val -1475"/>
               <a:gd name="adj3" fmla="val 35898"/>
               <a:gd name="adj4" fmla="val -42385"/>
-              <a:gd name="adj5" fmla="val 163943"/>
-              <a:gd name="adj6" fmla="val -107533"/>
+              <a:gd name="adj5" fmla="val 156800"/>
+              <a:gd name="adj6" fmla="val -95554"/>
             </a:avLst>
           </a:prstGeom>
           <a:solidFill>
@@ -8945,8 +11151,8 @@
               <a:gd name="adj2" fmla="val -1475"/>
               <a:gd name="adj3" fmla="val 10177"/>
               <a:gd name="adj4" fmla="val -38956"/>
-              <a:gd name="adj5" fmla="val -71961"/>
-              <a:gd name="adj6" fmla="val -82673"/>
+              <a:gd name="adj5" fmla="val -80294"/>
+              <a:gd name="adj6" fmla="val -66527"/>
             </a:avLst>
           </a:prstGeom>
           <a:solidFill>
@@ -9368,7 +11574,7 @@
 </p:sld>
 </file>
 
-<file path=ppt/slides/slide8.xml><?xml version="1.0" encoding="utf-8"?>
+<file path=ppt/slides/slide9.xml><?xml version="1.0" encoding="utf-8"?>
 <p:sld xmlns:a="http://schemas.openxmlformats.org/drawingml/2006/main" xmlns:r="http://schemas.openxmlformats.org/officeDocument/2006/relationships" xmlns:p="http://schemas.openxmlformats.org/presentationml/2006/main">
   <p:cSld>
     <p:spTree>
@@ -9444,30 +11650,31 @@
             </a:pPr>
             <a:r>
               <a:rPr lang="en-US" sz="2400" b="1" dirty="0">
-                <a:solidFill>
-                  <a:srgbClr val="0070C0"/>
-                </a:solidFill>
-                <a:latin typeface="Consolas" pitchFamily="49" charset="0"/>
-              </a:rPr>
-              <a:t>public class </a:t>
-            </a:r>
-            <a:r>
-              <a:rPr lang="en-US" sz="2400" b="1" dirty="0" err="1">
-                <a:solidFill>
-                  <a:srgbClr val="0070C0"/>
-                </a:solidFill>
-                <a:latin typeface="Consolas" pitchFamily="49" charset="0"/>
-              </a:rPr>
-              <a:t>TempReading</a:t>
+                <a:latin typeface="Courier New" panose="02070309020205020404" pitchFamily="49" charset="0"/>
+                <a:cs typeface="Courier New" panose="02070309020205020404" pitchFamily="49" charset="0"/>
+              </a:rPr>
+              <a:t>public</a:t>
+            </a:r>
+            <a:r>
+              <a:rPr lang="en-US" sz="2400" dirty="0">
+                <a:latin typeface="Courier New" panose="02070309020205020404" pitchFamily="49" charset="0"/>
+                <a:cs typeface="Courier New" panose="02070309020205020404" pitchFamily="49" charset="0"/>
+              </a:rPr>
+              <a:t> </a:t>
             </a:r>
             <a:r>
               <a:rPr lang="en-US" sz="2400" b="1" dirty="0">
-                <a:solidFill>
-                  <a:srgbClr val="0070C0"/>
-                </a:solidFill>
-                <a:latin typeface="Consolas" pitchFamily="49" charset="0"/>
-              </a:rPr>
-              <a:t> {</a:t>
+                <a:latin typeface="Courier New" panose="02070309020205020404" pitchFamily="49" charset="0"/>
+                <a:cs typeface="Courier New" panose="02070309020205020404" pitchFamily="49" charset="0"/>
+              </a:rPr>
+              <a:t>class</a:t>
+            </a:r>
+            <a:r>
+              <a:rPr lang="en-US" sz="2400" dirty="0">
+                <a:latin typeface="Courier New" panose="02070309020205020404" pitchFamily="49" charset="0"/>
+                <a:cs typeface="Courier New" panose="02070309020205020404" pitchFamily="49" charset="0"/>
+              </a:rPr>
+              <a:t> TempReading {</a:t>
             </a:r>
           </a:p>
           <a:p>
@@ -9475,13 +11682,25 @@
               <a:defRPr/>
             </a:pPr>
             <a:r>
+              <a:rPr lang="en-US" sz="2400" dirty="0">
+                <a:latin typeface="Courier New" panose="02070309020205020404" pitchFamily="49" charset="0"/>
+                <a:cs typeface="Courier New" panose="02070309020205020404" pitchFamily="49" charset="0"/>
+              </a:rPr>
+              <a:t>	</a:t>
+            </a:r>
+            <a:r>
               <a:rPr lang="en-US" sz="2400" b="1" dirty="0">
-                <a:solidFill>
-                  <a:srgbClr val="0070C0"/>
-                </a:solidFill>
-                <a:latin typeface="Consolas" pitchFamily="49" charset="0"/>
-              </a:rPr>
-              <a:t>	private double temp;</a:t>
+                <a:latin typeface="Courier New" panose="02070309020205020404" pitchFamily="49" charset="0"/>
+                <a:cs typeface="Courier New" panose="02070309020205020404" pitchFamily="49" charset="0"/>
+              </a:rPr>
+              <a:t>private</a:t>
+            </a:r>
+            <a:r>
+              <a:rPr lang="en-US" sz="2400" dirty="0">
+                <a:latin typeface="Courier New" panose="02070309020205020404" pitchFamily="49" charset="0"/>
+                <a:cs typeface="Courier New" panose="02070309020205020404" pitchFamily="49" charset="0"/>
+              </a:rPr>
+              <a:t> double temp;</a:t>
             </a:r>
           </a:p>
           <a:p>
@@ -9489,11 +11708,9 @@
               <a:defRPr/>
             </a:pPr>
             <a:r>
-              <a:rPr lang="en-US" sz="2400" b="1" dirty="0">
-                <a:solidFill>
-                  <a:srgbClr val="0070C0"/>
-                </a:solidFill>
-                <a:latin typeface="Consolas" pitchFamily="49" charset="0"/>
+              <a:rPr lang="en-US" sz="2400" dirty="0">
+                <a:latin typeface="Courier New" panose="02070309020205020404" pitchFamily="49" charset="0"/>
+                <a:cs typeface="Courier New" panose="02070309020205020404" pitchFamily="49" charset="0"/>
               </a:rPr>
               <a:t>	</a:t>
             </a:r>
@@ -9503,31 +11720,39 @@
               <a:defRPr/>
             </a:pPr>
             <a:r>
+              <a:rPr lang="en-US" sz="2400" dirty="0">
+                <a:latin typeface="Courier New" panose="02070309020205020404" pitchFamily="49" charset="0"/>
+                <a:cs typeface="Courier New" panose="02070309020205020404" pitchFamily="49" charset="0"/>
+              </a:rPr>
+              <a:t>	</a:t>
+            </a:r>
+            <a:r>
               <a:rPr lang="en-US" sz="2400" b="1" dirty="0">
-                <a:solidFill>
-                  <a:srgbClr val="0070C0"/>
-                </a:solidFill>
-                <a:latin typeface="Consolas" pitchFamily="49" charset="0"/>
-              </a:rPr>
-              <a:t>	public void </a:t>
-            </a:r>
-            <a:r>
-              <a:rPr lang="en-US" sz="2400" b="1" dirty="0" err="1">
-                <a:solidFill>
-                  <a:srgbClr val="0070C0"/>
-                </a:solidFill>
-                <a:latin typeface="Consolas" pitchFamily="49" charset="0"/>
-              </a:rPr>
-              <a:t>setTemp</a:t>
+                <a:latin typeface="Courier New" panose="02070309020205020404" pitchFamily="49" charset="0"/>
+                <a:cs typeface="Courier New" panose="02070309020205020404" pitchFamily="49" charset="0"/>
+              </a:rPr>
+              <a:t>public</a:t>
+            </a:r>
+            <a:r>
+              <a:rPr lang="en-US" sz="2400" dirty="0">
+                <a:latin typeface="Courier New" panose="02070309020205020404" pitchFamily="49" charset="0"/>
+                <a:cs typeface="Courier New" panose="02070309020205020404" pitchFamily="49" charset="0"/>
+              </a:rPr>
+              <a:t> </a:t>
             </a:r>
             <a:r>
               <a:rPr lang="en-US" sz="2400" b="1" dirty="0">
-                <a:solidFill>
-                  <a:srgbClr val="0070C0"/>
-                </a:solidFill>
-                <a:latin typeface="Consolas" pitchFamily="49" charset="0"/>
-              </a:rPr>
-              <a:t>(double temp) {</a:t>
+                <a:latin typeface="Courier New" panose="02070309020205020404" pitchFamily="49" charset="0"/>
+                <a:cs typeface="Courier New" panose="02070309020205020404" pitchFamily="49" charset="0"/>
+              </a:rPr>
+              <a:t>void</a:t>
+            </a:r>
+            <a:r>
+              <a:rPr lang="en-US" sz="2400" dirty="0">
+                <a:latin typeface="Courier New" panose="02070309020205020404" pitchFamily="49" charset="0"/>
+                <a:cs typeface="Courier New" panose="02070309020205020404" pitchFamily="49" charset="0"/>
+              </a:rPr>
+              <a:t> setTemp(double temp) {</a:t>
             </a:r>
           </a:p>
           <a:p>
@@ -9535,11 +11760,9 @@
               <a:defRPr/>
             </a:pPr>
             <a:r>
-              <a:rPr lang="en-US" sz="2400" b="1" dirty="0">
-                <a:solidFill>
-                  <a:srgbClr val="0070C0"/>
-                </a:solidFill>
-                <a:latin typeface="Consolas" pitchFamily="49" charset="0"/>
+              <a:rPr lang="en-US" sz="2400" dirty="0">
+                <a:latin typeface="Courier New" panose="02070309020205020404" pitchFamily="49" charset="0"/>
+                <a:cs typeface="Courier New" panose="02070309020205020404" pitchFamily="49" charset="0"/>
               </a:rPr>
               <a:t>		   …  temp …</a:t>
             </a:r>
@@ -9548,29 +11771,16 @@
             <a:pPr>
               <a:defRPr/>
             </a:pPr>
-            <a:r>
-              <a:rPr lang="en-US" sz="2400" b="1" dirty="0">
-                <a:solidFill>
-                  <a:srgbClr val="0070C0"/>
-                </a:solidFill>
-                <a:latin typeface="Consolas" pitchFamily="49" charset="0"/>
-              </a:rPr>
-              <a:t/>
-            </a:r>
             <a:br>
-              <a:rPr lang="en-US" sz="2400" b="1" dirty="0">
-                <a:solidFill>
-                  <a:srgbClr val="0070C0"/>
-                </a:solidFill>
-                <a:latin typeface="Consolas" pitchFamily="49" charset="0"/>
+              <a:rPr lang="en-US" sz="2400" dirty="0">
+                <a:latin typeface="Courier New" panose="02070309020205020404" pitchFamily="49" charset="0"/>
+                <a:cs typeface="Courier New" panose="02070309020205020404" pitchFamily="49" charset="0"/>
               </a:rPr>
             </a:br>
             <a:r>
-              <a:rPr lang="en-US" sz="2400" b="1" dirty="0">
-                <a:solidFill>
-                  <a:srgbClr val="0070C0"/>
-                </a:solidFill>
-                <a:latin typeface="Consolas" pitchFamily="49" charset="0"/>
+              <a:rPr lang="en-US" sz="2400" dirty="0">
+                <a:latin typeface="Courier New" panose="02070309020205020404" pitchFamily="49" charset="0"/>
+                <a:cs typeface="Courier New" panose="02070309020205020404" pitchFamily="49" charset="0"/>
               </a:rPr>
               <a:t>	}</a:t>
             </a:r>
@@ -9580,11 +11790,9 @@
               <a:defRPr/>
             </a:pPr>
             <a:r>
-              <a:rPr lang="en-US" sz="2400" b="1" dirty="0">
-                <a:solidFill>
-                  <a:srgbClr val="0070C0"/>
-                </a:solidFill>
-                <a:latin typeface="Consolas" pitchFamily="49" charset="0"/>
+              <a:rPr lang="en-US" sz="2400" dirty="0">
+                <a:latin typeface="Courier New" panose="02070309020205020404" pitchFamily="49" charset="0"/>
+                <a:cs typeface="Courier New" panose="02070309020205020404" pitchFamily="49" charset="0"/>
               </a:rPr>
               <a:t>	// …</a:t>
             </a:r>
@@ -9594,11 +11802,9 @@
               <a:defRPr/>
             </a:pPr>
             <a:r>
-              <a:rPr lang="en-US" sz="2400" b="1" dirty="0">
-                <a:solidFill>
-                  <a:srgbClr val="0070C0"/>
-                </a:solidFill>
-                <a:latin typeface="Consolas" pitchFamily="49" charset="0"/>
+              <a:rPr lang="en-US" sz="2400" dirty="0">
+                <a:latin typeface="Courier New" panose="02070309020205020404" pitchFamily="49" charset="0"/>
+                <a:cs typeface="Courier New" panose="02070309020205020404" pitchFamily="49" charset="0"/>
               </a:rPr>
               <a:t>}</a:t>
             </a:r>
@@ -9642,53 +11848,213 @@
               <a:t>		</a:t>
             </a:r>
             <a:r>
-              <a:rPr lang="en-US" sz="2400" b="1" dirty="0" err="1">
+              <a:rPr lang="en-US" sz="2400" dirty="0">
+                <a:latin typeface="Courier New" panose="02070309020205020404" pitchFamily="49" charset="0"/>
+                <a:cs typeface="Courier New" panose="02070309020205020404" pitchFamily="49" charset="0"/>
+              </a:rPr>
+              <a:t>this.temp = temp;</a:t>
+            </a:r>
+          </a:p>
+        </p:txBody>
+      </p:sp>
+      <p:sp>
+        <p:nvSpPr>
+          <p:cNvPr id="8" name="Rounded Rectangle 7"/>
+          <p:cNvSpPr/>
+          <p:nvPr/>
+        </p:nvSpPr>
+        <p:spPr>
+          <a:xfrm>
+            <a:off x="1099930" y="4738204"/>
+            <a:ext cx="6036365" cy="1536700"/>
+          </a:xfrm>
+          <a:prstGeom prst="roundRect">
+            <a:avLst/>
+          </a:prstGeom>
+          <a:ln>
+            <a:solidFill>
+              <a:srgbClr val="C00000"/>
+            </a:solidFill>
+          </a:ln>
+        </p:spPr>
+        <p:style>
+          <a:lnRef idx="2">
+            <a:schemeClr val="accent4">
+              <a:shade val="50000"/>
+            </a:schemeClr>
+          </a:lnRef>
+          <a:fillRef idx="1">
+            <a:schemeClr val="accent4"/>
+          </a:fillRef>
+          <a:effectRef idx="0">
+            <a:schemeClr val="accent4"/>
+          </a:effectRef>
+          <a:fontRef idx="minor">
+            <a:schemeClr val="lt1"/>
+          </a:fontRef>
+        </p:style>
+        <p:txBody>
+          <a:bodyPr anchor="ctr"/>
+          <a:lstStyle/>
+          <a:p>
+            <a:pPr algn="ctr">
+              <a:defRPr/>
+            </a:pPr>
+            <a:r>
+              <a:rPr lang="en-US" sz="2400" dirty="0"/>
+              <a:t>Always qualify field references with </a:t>
+            </a:r>
+            <a:r>
+              <a:rPr lang="en-US" sz="2400" b="1" dirty="0">
                 <a:solidFill>
-                  <a:srgbClr val="0070C0"/>
+                  <a:srgbClr val="C00000"/>
                 </a:solidFill>
                 <a:latin typeface="Consolas" pitchFamily="49" charset="0"/>
               </a:rPr>
-              <a:t>this.temp</a:t>
-            </a:r>
-            <a:r>
-              <a:rPr lang="en-US" sz="2400" b="1" dirty="0">
-                <a:solidFill>
-                  <a:srgbClr val="0070C0"/>
-                </a:solidFill>
-                <a:latin typeface="Consolas" pitchFamily="49" charset="0"/>
-              </a:rPr>
-              <a:t> = temp;</a:t>
-            </a:r>
-          </a:p>
-        </p:txBody>
-      </p:sp>
-      <p:sp>
-        <p:nvSpPr>
-          <p:cNvPr id="6" name="Line Callout 2 5"/>
+              <a:t>this</a:t>
+            </a:r>
+            <a:r>
+              <a:rPr lang="en-US" sz="2400" dirty="0"/>
+              <a:t>.  </a:t>
+            </a:r>
+          </a:p>
+          <a:p>
+            <a:pPr algn="ctr">
+              <a:defRPr/>
+            </a:pPr>
+            <a:r>
+              <a:rPr lang="en-US" sz="2400" dirty="0"/>
+              <a:t>It prevents accidental shadowing.</a:t>
+            </a:r>
+          </a:p>
+        </p:txBody>
+      </p:sp>
+      <p:sp>
+        <p:nvSpPr>
+          <p:cNvPr id="10" name="Freeform 9">
+            <a:extLst>
+              <a:ext uri="{FF2B5EF4-FFF2-40B4-BE49-F238E27FC236}">
+                <a16:creationId xmlns:a16="http://schemas.microsoft.com/office/drawing/2014/main" id="{493D24F1-0EF1-8F42-8ABA-7BB5BE83031F}"/>
+              </a:ext>
+            </a:extLst>
+          </p:cNvPr>
           <p:cNvSpPr/>
           <p:nvPr/>
         </p:nvSpPr>
         <p:spPr>
           <a:xfrm>
-            <a:off x="6019800" y="3733800"/>
-            <a:ext cx="2362200" cy="1525588"/>
+            <a:off x="5279196" y="2707165"/>
+            <a:ext cx="1720694" cy="756754"/>
           </a:xfrm>
-          <a:prstGeom prst="borderCallout2">
-            <a:avLst>
-              <a:gd name="adj1" fmla="val 18750"/>
-              <a:gd name="adj2" fmla="val -8333"/>
-              <a:gd name="adj3" fmla="val 18750"/>
-              <a:gd name="adj4" fmla="val -16667"/>
-              <a:gd name="adj5" fmla="val -38925"/>
-              <a:gd name="adj6" fmla="val -66350"/>
-            </a:avLst>
-          </a:prstGeom>
-          <a:solidFill>
-            <a:srgbClr val="002060"/>
-          </a:solidFill>
+          <a:custGeom>
+            <a:avLst/>
+            <a:gdLst>
+              <a:gd name="connsiteX0" fmla="*/ 1720694 w 1720694"/>
+              <a:gd name="connsiteY0" fmla="*/ 0 h 756754"/>
+              <a:gd name="connsiteX1" fmla="*/ 1468445 w 1720694"/>
+              <a:gd name="connsiteY1" fmla="*/ 414407 h 756754"/>
+              <a:gd name="connsiteX2" fmla="*/ 382877 w 1720694"/>
+              <a:gd name="connsiteY2" fmla="*/ 756744 h 756754"/>
+              <a:gd name="connsiteX3" fmla="*/ 0 w 1720694"/>
+              <a:gd name="connsiteY3" fmla="*/ 423416 h 756754"/>
+            </a:gdLst>
+            <a:ahLst/>
+            <a:cxnLst>
+              <a:cxn ang="0">
+                <a:pos x="connsiteX0" y="connsiteY0"/>
+              </a:cxn>
+              <a:cxn ang="0">
+                <a:pos x="connsiteX1" y="connsiteY1"/>
+              </a:cxn>
+              <a:cxn ang="0">
+                <a:pos x="connsiteX2" y="connsiteY2"/>
+              </a:cxn>
+              <a:cxn ang="0">
+                <a:pos x="connsiteX3" y="connsiteY3"/>
+              </a:cxn>
+            </a:cxnLst>
+            <a:rect l="l" t="t" r="r" b="b"/>
+            <a:pathLst>
+              <a:path w="1720694" h="756754">
+                <a:moveTo>
+                  <a:pt x="1720694" y="0"/>
+                </a:moveTo>
+                <a:cubicBezTo>
+                  <a:pt x="1706054" y="144141"/>
+                  <a:pt x="1691414" y="288283"/>
+                  <a:pt x="1468445" y="414407"/>
+                </a:cubicBezTo>
+                <a:cubicBezTo>
+                  <a:pt x="1245475" y="540531"/>
+                  <a:pt x="627618" y="755243"/>
+                  <a:pt x="382877" y="756744"/>
+                </a:cubicBezTo>
+                <a:cubicBezTo>
+                  <a:pt x="138136" y="758245"/>
+                  <a:pt x="69068" y="590830"/>
+                  <a:pt x="0" y="423416"/>
+                </a:cubicBezTo>
+              </a:path>
+            </a:pathLst>
+          </a:custGeom>
+          <a:noFill/>
           <a:ln>
             <a:solidFill>
-              <a:srgbClr val="002060"/>
+              <a:srgbClr val="C00000"/>
+            </a:solidFill>
+            <a:headEnd type="none" w="med" len="med"/>
+            <a:tailEnd type="arrow" w="med" len="med"/>
+          </a:ln>
+        </p:spPr>
+        <p:style>
+          <a:lnRef idx="2">
+            <a:schemeClr val="accent1">
+              <a:shade val="50000"/>
+            </a:schemeClr>
+          </a:lnRef>
+          <a:fillRef idx="1">
+            <a:schemeClr val="accent1"/>
+          </a:fillRef>
+          <a:effectRef idx="0">
+            <a:schemeClr val="accent1"/>
+          </a:effectRef>
+          <a:fontRef idx="minor">
+            <a:schemeClr val="lt1"/>
+          </a:fontRef>
+        </p:style>
+        <p:txBody>
+          <a:bodyPr rtlCol="0" anchor="ctr"/>
+          <a:lstStyle/>
+          <a:p>
+            <a:pPr algn="ctr"/>
+            <a:endParaRPr lang="en-US" dirty="0"/>
+          </a:p>
+        </p:txBody>
+      </p:sp>
+      <p:sp>
+        <p:nvSpPr>
+          <p:cNvPr id="11" name="Rectangle 10">
+            <a:extLst>
+              <a:ext uri="{FF2B5EF4-FFF2-40B4-BE49-F238E27FC236}">
+                <a16:creationId xmlns:a16="http://schemas.microsoft.com/office/drawing/2014/main" id="{91D45C3D-4FFA-F048-85F8-44100CBDB6F1}"/>
+              </a:ext>
+            </a:extLst>
+          </p:cNvPr>
+          <p:cNvSpPr/>
+          <p:nvPr/>
+        </p:nvSpPr>
+        <p:spPr>
+          <a:xfrm>
+            <a:off x="2711669" y="2819775"/>
+            <a:ext cx="1702676" cy="346842"/>
+          </a:xfrm>
+          <a:prstGeom prst="rect">
+            <a:avLst/>
+          </a:prstGeom>
+          <a:noFill/>
+          <a:ln w="9525">
+            <a:solidFill>
+              <a:srgbClr val="C00000"/>
             </a:solidFill>
           </a:ln>
         </p:spPr>
@@ -9709,74 +12075,123 @@
           </a:fontRef>
         </p:style>
         <p:txBody>
-          <a:bodyPr anchor="ctr"/>
-          <a:lstStyle/>
-          <a:p>
-            <a:pPr algn="ctr">
-              <a:defRPr/>
-            </a:pPr>
-            <a:r>
-              <a:rPr lang="en-US" sz="2400" dirty="0"/>
-              <a:t>What does this “temp” refer to?</a:t>
-            </a:r>
-          </a:p>
-        </p:txBody>
-      </p:sp>
-      <p:sp>
-        <p:nvSpPr>
-          <p:cNvPr id="8" name="Rounded Rectangle 7"/>
+          <a:bodyPr rtlCol="0" anchor="ctr"/>
+          <a:lstStyle/>
+          <a:p>
+            <a:pPr algn="ctr"/>
+            <a:endParaRPr lang="en-US" dirty="0"/>
+          </a:p>
+        </p:txBody>
+      </p:sp>
+      <p:sp>
+        <p:nvSpPr>
+          <p:cNvPr id="12" name="Freeform 11">
+            <a:extLst>
+              <a:ext uri="{FF2B5EF4-FFF2-40B4-BE49-F238E27FC236}">
+                <a16:creationId xmlns:a16="http://schemas.microsoft.com/office/drawing/2014/main" id="{51D9CDF1-1D7C-AD4C-9885-67D89CCDECD6}"/>
+              </a:ext>
+            </a:extLst>
+          </p:cNvPr>
           <p:cNvSpPr/>
           <p:nvPr/>
         </p:nvSpPr>
         <p:spPr>
           <a:xfrm>
-            <a:off x="304800" y="5245100"/>
-            <a:ext cx="5181600" cy="1536700"/>
+            <a:off x="3684627" y="1945915"/>
+            <a:ext cx="990975" cy="864852"/>
           </a:xfrm>
-          <a:prstGeom prst="roundRect">
+          <a:custGeom>
             <a:avLst/>
-          </a:prstGeom>
+            <a:gdLst>
+              <a:gd name="connsiteX0" fmla="*/ 0 w 990975"/>
+              <a:gd name="connsiteY0" fmla="*/ 864852 h 864852"/>
+              <a:gd name="connsiteX1" fmla="*/ 117115 w 990975"/>
+              <a:gd name="connsiteY1" fmla="*/ 716205 h 864852"/>
+              <a:gd name="connsiteX2" fmla="*/ 130628 w 990975"/>
+              <a:gd name="connsiteY2" fmla="*/ 391886 h 864852"/>
+              <a:gd name="connsiteX3" fmla="*/ 806293 w 990975"/>
+              <a:gd name="connsiteY3" fmla="*/ 220718 h 864852"/>
+              <a:gd name="connsiteX4" fmla="*/ 990975 w 990975"/>
+              <a:gd name="connsiteY4" fmla="*/ 0 h 864852"/>
+            </a:gdLst>
+            <a:ahLst/>
+            <a:cxnLst>
+              <a:cxn ang="0">
+                <a:pos x="connsiteX0" y="connsiteY0"/>
+              </a:cxn>
+              <a:cxn ang="0">
+                <a:pos x="connsiteX1" y="connsiteY1"/>
+              </a:cxn>
+              <a:cxn ang="0">
+                <a:pos x="connsiteX2" y="connsiteY2"/>
+              </a:cxn>
+              <a:cxn ang="0">
+                <a:pos x="connsiteX3" y="connsiteY3"/>
+              </a:cxn>
+              <a:cxn ang="0">
+                <a:pos x="connsiteX4" y="connsiteY4"/>
+              </a:cxn>
+            </a:cxnLst>
+            <a:rect l="l" t="t" r="r" b="b"/>
+            <a:pathLst>
+              <a:path w="990975" h="864852">
+                <a:moveTo>
+                  <a:pt x="0" y="864852"/>
+                </a:moveTo>
+                <a:cubicBezTo>
+                  <a:pt x="47672" y="829942"/>
+                  <a:pt x="95344" y="795033"/>
+                  <a:pt x="117115" y="716205"/>
+                </a:cubicBezTo>
+                <a:cubicBezTo>
+                  <a:pt x="138886" y="637377"/>
+                  <a:pt x="15765" y="474467"/>
+                  <a:pt x="130628" y="391886"/>
+                </a:cubicBezTo>
+                <a:cubicBezTo>
+                  <a:pt x="245491" y="309305"/>
+                  <a:pt x="662902" y="286032"/>
+                  <a:pt x="806293" y="220718"/>
+                </a:cubicBezTo>
+                <a:cubicBezTo>
+                  <a:pt x="949684" y="155404"/>
+                  <a:pt x="970329" y="77702"/>
+                  <a:pt x="990975" y="0"/>
+                </a:cubicBezTo>
+              </a:path>
+            </a:pathLst>
+          </a:custGeom>
+          <a:noFill/>
+          <a:ln>
+            <a:solidFill>
+              <a:srgbClr val="C00000"/>
+            </a:solidFill>
+            <a:headEnd type="none" w="med" len="med"/>
+            <a:tailEnd type="arrow" w="med" len="med"/>
+          </a:ln>
         </p:spPr>
         <p:style>
           <a:lnRef idx="2">
-            <a:schemeClr val="accent4">
+            <a:schemeClr val="accent1">
               <a:shade val="50000"/>
             </a:schemeClr>
           </a:lnRef>
           <a:fillRef idx="1">
-            <a:schemeClr val="accent4"/>
+            <a:schemeClr val="accent1"/>
           </a:fillRef>
           <a:effectRef idx="0">
-            <a:schemeClr val="accent4"/>
+            <a:schemeClr val="accent1"/>
           </a:effectRef>
           <a:fontRef idx="minor">
             <a:schemeClr val="lt1"/>
           </a:fontRef>
         </p:style>
         <p:txBody>
-          <a:bodyPr anchor="ctr"/>
-          <a:lstStyle/>
-          <a:p>
-            <a:pPr algn="ctr">
-              <a:defRPr/>
-            </a:pPr>
-            <a:r>
-              <a:rPr lang="en-US" sz="2400" dirty="0"/>
-              <a:t>Always qualify field references with </a:t>
-            </a:r>
-            <a:r>
-              <a:rPr lang="en-US" sz="2400" b="1" dirty="0">
-                <a:solidFill>
-                  <a:schemeClr val="accent3"/>
-                </a:solidFill>
-                <a:latin typeface="Consolas" pitchFamily="49" charset="0"/>
-              </a:rPr>
-              <a:t>this</a:t>
-            </a:r>
-            <a:r>
-              <a:rPr lang="en-US" sz="2400" dirty="0"/>
-              <a:t>.  It prevents accidental shadowing.</a:t>
-            </a:r>
+          <a:bodyPr rtlCol="0" anchor="ctr"/>
+          <a:lstStyle/>
+          <a:p>
+            <a:pPr algn="ctr"/>
+            <a:endParaRPr lang="en-US" dirty="0"/>
           </a:p>
         </p:txBody>
       </p:sp>
@@ -9824,7 +12239,88 @@
                                           </p:stCondLst>
                                         </p:cTn>
                                         <p:tgtEl>
+                                          <p:spTgt spid="10"/>
+                                        </p:tgtEl>
+                                        <p:attrNameLst>
+                                          <p:attrName>style.visibility</p:attrName>
+                                        </p:attrNameLst>
+                                      </p:cBhvr>
+                                      <p:to>
+                                        <p:strVal val="visible"/>
+                                      </p:to>
+                                    </p:set>
+                                  </p:childTnLst>
+                                </p:cTn>
+                              </p:par>
+                              <p:par>
+                                <p:cTn id="7" presetID="1" presetClass="entr" presetSubtype="0" fill="hold" grpId="0" nodeType="withEffect">
+                                  <p:stCondLst>
+                                    <p:cond delay="0"/>
+                                  </p:stCondLst>
+                                  <p:childTnLst>
+                                    <p:set>
+                                      <p:cBhvr>
+                                        <p:cTn id="8" dur="1" fill="hold">
+                                          <p:stCondLst>
+                                            <p:cond delay="0"/>
+                                          </p:stCondLst>
+                                        </p:cTn>
+                                        <p:tgtEl>
                                           <p:spTgt spid="5"/>
+                                        </p:tgtEl>
+                                        <p:attrNameLst>
+                                          <p:attrName>style.visibility</p:attrName>
+                                        </p:attrNameLst>
+                                      </p:cBhvr>
+                                      <p:to>
+                                        <p:strVal val="visible"/>
+                                      </p:to>
+                                    </p:set>
+                                  </p:childTnLst>
+                                </p:cTn>
+                              </p:par>
+                              <p:par>
+                                <p:cTn id="9" presetID="1" presetClass="entr" presetSubtype="0" fill="hold" grpId="0" nodeType="withEffect">
+                                  <p:stCondLst>
+                                    <p:cond delay="0"/>
+                                  </p:stCondLst>
+                                  <p:childTnLst>
+                                    <p:set>
+                                      <p:cBhvr>
+                                        <p:cTn id="10" dur="1" fill="hold">
+                                          <p:stCondLst>
+                                            <p:cond delay="0"/>
+                                          </p:stCondLst>
+                                        </p:cTn>
+                                        <p:tgtEl>
+                                          <p:spTgt spid="11"/>
+                                        </p:tgtEl>
+                                        <p:attrNameLst>
+                                          <p:attrName>style.visibility</p:attrName>
+                                        </p:attrNameLst>
+                                      </p:cBhvr>
+                                      <p:to>
+                                        <p:strVal val="visible"/>
+                                      </p:to>
+                                    </p:set>
+                                  </p:childTnLst>
+                                </p:cTn>
+                              </p:par>
+                              <p:par>
+                                <p:cTn id="11" presetID="1" presetClass="entr" presetSubtype="0" fill="hold" grpId="0" nodeType="withEffect">
+                                  <p:stCondLst>
+                                    <p:cond delay="0"/>
+                                  </p:stCondLst>
+                                  <p:childTnLst>
+                                    <p:set>
+                                      <p:cBhvr>
+                                        <p:cTn id="12" dur="1" fill="hold">
+                                          <p:stCondLst>
+                                            <p:cond delay="0"/>
+                                          </p:stCondLst>
+                                        </p:cTn>
+                                        <p:tgtEl>
+                                          <p:spTgt spid="12"/>
                                         </p:tgtEl>
                                         <p:attrNameLst>
                                           <p:attrName>style.visibility</p:attrName>
@@ -9844,26 +12340,26 @@
                     </p:cTn>
                   </p:par>
                   <p:par>
-                    <p:cTn id="7" fill="hold" nodeType="clickPar">
+                    <p:cTn id="13" fill="hold">
                       <p:stCondLst>
                         <p:cond delay="indefinite"/>
                       </p:stCondLst>
                       <p:childTnLst>
                         <p:par>
-                          <p:cTn id="8" fill="hold" nodeType="withGroup">
+                          <p:cTn id="14" fill="hold">
                             <p:stCondLst>
                               <p:cond delay="0"/>
                             </p:stCondLst>
                             <p:childTnLst>
                               <p:par>
-                                <p:cTn id="9" presetID="1" presetClass="entr" presetSubtype="0" fill="hold" grpId="0" nodeType="clickEffect">
+                                <p:cTn id="15" presetID="1" presetClass="entr" presetSubtype="0" fill="hold" grpId="0" nodeType="clickEffect">
                                   <p:stCondLst>
                                     <p:cond delay="0"/>
                                   </p:stCondLst>
                                   <p:childTnLst>
                                     <p:set>
                                       <p:cBhvr>
-                                        <p:cTn id="10" dur="1" fill="hold">
+                                        <p:cTn id="16" dur="1" fill="hold">
                                           <p:stCondLst>
                                             <p:cond delay="0"/>
                                           </p:stCondLst>
@@ -9912,149 +12408,11 @@
     <p:bldLst>
       <p:bldP spid="5" grpId="0" animBg="1"/>
       <p:bldP spid="8" grpId="0" animBg="1"/>
+      <p:bldP spid="10" grpId="0" animBg="1"/>
+      <p:bldP spid="11" grpId="0" animBg="1"/>
+      <p:bldP spid="12" grpId="0" animBg="1"/>
     </p:bldLst>
   </p:timing>
-</p:sld>
-</file>
-
-<file path=ppt/slides/slide9.xml><?xml version="1.0" encoding="utf-8"?>
-<p:sld xmlns:a="http://schemas.openxmlformats.org/drawingml/2006/main" xmlns:r="http://schemas.openxmlformats.org/officeDocument/2006/relationships" xmlns:p="http://schemas.openxmlformats.org/presentationml/2006/main">
-  <p:cSld>
-    <p:spTree>
-      <p:nvGrpSpPr>
-        <p:cNvPr id="1" name=""/>
-        <p:cNvGrpSpPr/>
-        <p:nvPr/>
-      </p:nvGrpSpPr>
-      <p:grpSpPr>
-        <a:xfrm>
-          <a:off x="0" y="0"/>
-          <a:ext cx="0" cy="0"/>
-          <a:chOff x="0" y="0"/>
-          <a:chExt cx="0" cy="0"/>
-        </a:xfrm>
-      </p:grpSpPr>
-      <p:sp>
-        <p:nvSpPr>
-          <p:cNvPr id="2" name="Title 1"/>
-          <p:cNvSpPr>
-            <a:spLocks noGrp="1"/>
-          </p:cNvSpPr>
-          <p:nvPr>
-            <p:ph type="title"/>
-          </p:nvPr>
-        </p:nvSpPr>
-        <p:spPr/>
-        <p:txBody>
-          <a:bodyPr>
-            <a:normAutofit fontScale="90000"/>
-          </a:bodyPr>
-          <a:lstStyle/>
-          <a:p>
-            <a:r>
-              <a:rPr lang="en-US" dirty="0"/>
-              <a:t>Global/Static Variables are bad, why? </a:t>
-            </a:r>
-          </a:p>
-        </p:txBody>
-      </p:sp>
-      <p:sp>
-        <p:nvSpPr>
-          <p:cNvPr id="3" name="Content Placeholder 2"/>
-          <p:cNvSpPr>
-            <a:spLocks noGrp="1"/>
-          </p:cNvSpPr>
-          <p:nvPr>
-            <p:ph idx="1"/>
-          </p:nvPr>
-        </p:nvSpPr>
-        <p:spPr>
-          <a:xfrm>
-            <a:off x="457200" y="1600201"/>
-            <a:ext cx="8229600" cy="838200"/>
-          </a:xfrm>
-        </p:spPr>
-        <p:txBody>
-          <a:bodyPr/>
-          <a:lstStyle/>
-          <a:p>
-            <a:r>
-              <a:rPr lang="en-US" dirty="0" smtClean="0"/>
-              <a:t>What if </a:t>
-            </a:r>
-            <a:r>
-              <a:rPr lang="en-US" dirty="0" err="1" smtClean="0"/>
-              <a:t>planetColor</a:t>
-            </a:r>
-            <a:r>
-              <a:rPr lang="en-US" dirty="0" smtClean="0"/>
-              <a:t>, </a:t>
-            </a:r>
-            <a:r>
-              <a:rPr lang="en-US" dirty="0" err="1" smtClean="0"/>
-              <a:t>moonColor</a:t>
-            </a:r>
-            <a:r>
-              <a:rPr lang="en-US" dirty="0" smtClean="0"/>
-              <a:t> were static?</a:t>
-            </a:r>
-            <a:endParaRPr lang="en-US" dirty="0"/>
-          </a:p>
-        </p:txBody>
-      </p:sp>
-      <p:pic>
-        <p:nvPicPr>
-          <p:cNvPr id="4" name="Picture 2" descr="https://lh5.googleusercontent.com/4Zh1obmGMUi5dyIjrssGfxKS0wlNTIhXo1V7RdyBGTC2sVbsow_WmY3nyTDaq_8qkKm2xOaDvUIWh31oesuyL0SCjqdNKHCg2qaQDaPYaaaTvPF5j2LksOO0RmxqTv8UEXUlYHLn">
-            <a:hlinkClick r:id="rId3"/>
-          </p:cNvPr>
-          <p:cNvPicPr>
-            <a:picLocks noChangeAspect="1" noChangeArrowheads="1"/>
-          </p:cNvPicPr>
-          <p:nvPr/>
-        </p:nvPicPr>
-        <p:blipFill>
-          <a:blip r:embed="rId4">
-            <a:extLst>
-              <a:ext uri="{28A0092B-C50C-407E-A947-70E740481C1C}">
-                <a14:useLocalDpi xmlns:a14="http://schemas.microsoft.com/office/drawing/2010/main" val="0"/>
-              </a:ext>
-            </a:extLst>
-          </a:blip>
-          <a:srcRect/>
-          <a:stretch>
-            <a:fillRect/>
-          </a:stretch>
-        </p:blipFill>
-        <p:spPr bwMode="auto">
-          <a:xfrm>
-            <a:off x="168618" y="2635478"/>
-            <a:ext cx="8806764" cy="3571874"/>
-          </a:xfrm>
-          <a:prstGeom prst="rect">
-            <a:avLst/>
-          </a:prstGeom>
-          <a:noFill/>
-          <a:extLst>
-            <a:ext uri="{909E8E84-426E-40DD-AFC4-6F175D3DCCD1}">
-              <a14:hiddenFill xmlns:a14="http://schemas.microsoft.com/office/drawing/2010/main">
-                <a:solidFill>
-                  <a:srgbClr val="FFFFFF"/>
-                </a:solidFill>
-              </a14:hiddenFill>
-            </a:ext>
-          </a:extLst>
-        </p:spPr>
-      </p:pic>
-    </p:spTree>
-    <p:extLst>
-      <p:ext uri="{BB962C8B-B14F-4D97-AF65-F5344CB8AC3E}">
-        <p14:creationId xmlns:p14="http://schemas.microsoft.com/office/powerpoint/2010/main" val="3490565080"/>
-      </p:ext>
-    </p:extLst>
-  </p:cSld>
-  <p:clrMapOvr>
-    <a:masterClrMapping/>
-  </p:clrMapOvr>
 </p:sld>
 </file>
 

--- a/ClassMaterials/IntroToUnitTesting/Slides/UnitTesting.pptx
+++ b/ClassMaterials/IntroToUnitTesting/Slides/UnitTesting.pptx
@@ -297,7 +297,7 @@
               <a:pPr>
                 <a:defRPr/>
               </a:pPr>
-              <a:t>1/6/22</a:t>
+              <a:t>2/24/22</a:t>
             </a:fld>
             <a:endParaRPr lang="en-US" dirty="0"/>
           </a:p>
@@ -532,7 +532,7 @@
               <a:pPr>
                 <a:defRPr/>
               </a:pPr>
-              <a:t>1/6/22</a:t>
+              <a:t>2/24/22</a:t>
             </a:fld>
             <a:endParaRPr lang="en-US" dirty="0"/>
           </a:p>
@@ -1232,7 +1232,7 @@
           </a:ln>
           <a:extLst>
             <a:ext uri="{909E8E84-426E-40dd-AFC4-6F175D3DCCD1}">
-              <a14:hiddenFill xmlns:a14="http://schemas.microsoft.com/office/drawing/2010/main" xmlns="">
+              <a14:hiddenFill xmlns="" xmlns:a14="http://schemas.microsoft.com/office/drawing/2010/main">
                 <a:solidFill>
                   <a:srgbClr val="FFFFFF"/>
                 </a:solidFill>
@@ -1256,14 +1256,14 @@
           <a:ln/>
           <a:extLst>
             <a:ext uri="{909E8E84-426E-40dd-AFC4-6F175D3DCCD1}">
-              <a14:hiddenFill xmlns:a14="http://schemas.microsoft.com/office/drawing/2010/main" xmlns="">
+              <a14:hiddenFill xmlns="" xmlns:a14="http://schemas.microsoft.com/office/drawing/2010/main">
                 <a:solidFill>
                   <a:srgbClr val="FFFFFF"/>
                 </a:solidFill>
               </a14:hiddenFill>
             </a:ext>
             <a:ext uri="{91240B29-F687-4f45-9708-019B960494DF}">
-              <a14:hiddenLine xmlns:a14="http://schemas.microsoft.com/office/drawing/2010/main" xmlns="" w="9525">
+              <a14:hiddenLine xmlns="" xmlns:a14="http://schemas.microsoft.com/office/drawing/2010/main" w="9525">
                 <a:solidFill>
                   <a:srgbClr val="000000"/>
                 </a:solidFill>
@@ -1333,14 +1333,14 @@
           <a:ln/>
           <a:extLst>
             <a:ext uri="{909E8E84-426E-40dd-AFC4-6F175D3DCCD1}">
-              <a14:hiddenFill xmlns:a14="http://schemas.microsoft.com/office/drawing/2010/main" xmlns="">
+              <a14:hiddenFill xmlns="" xmlns:a14="http://schemas.microsoft.com/office/drawing/2010/main">
                 <a:solidFill>
                   <a:srgbClr val="FFFFFF"/>
                 </a:solidFill>
               </a14:hiddenFill>
             </a:ext>
             <a:ext uri="{91240B29-F687-4f45-9708-019B960494DF}">
-              <a14:hiddenLine xmlns:a14="http://schemas.microsoft.com/office/drawing/2010/main" xmlns="" w="9525">
+              <a14:hiddenLine xmlns="" xmlns:a14="http://schemas.microsoft.com/office/drawing/2010/main" w="9525">
                 <a:solidFill>
                   <a:srgbClr val="000000"/>
                 </a:solidFill>
@@ -1527,7 +1527,7 @@
           </a:ln>
           <a:extLst>
             <a:ext uri="{909E8E84-426E-40dd-AFC4-6F175D3DCCD1}">
-              <a14:hiddenFill xmlns="" xmlns:a14="http://schemas.microsoft.com/office/drawing/2010/main">
+              <a14:hiddenFill xmlns:a14="http://schemas.microsoft.com/office/drawing/2010/main" xmlns="">
                 <a:solidFill>
                   <a:srgbClr val="FFFFFF"/>
                 </a:solidFill>
@@ -1551,14 +1551,14 @@
           <a:ln/>
           <a:extLst>
             <a:ext uri="{909E8E84-426E-40dd-AFC4-6F175D3DCCD1}">
-              <a14:hiddenFill xmlns="" xmlns:a14="http://schemas.microsoft.com/office/drawing/2010/main">
+              <a14:hiddenFill xmlns:a14="http://schemas.microsoft.com/office/drawing/2010/main" xmlns="">
                 <a:solidFill>
                   <a:srgbClr val="FFFFFF"/>
                 </a:solidFill>
               </a14:hiddenFill>
             </a:ext>
             <a:ext uri="{91240B29-F687-4f45-9708-019B960494DF}">
-              <a14:hiddenLine xmlns="" xmlns:a14="http://schemas.microsoft.com/office/drawing/2010/main" w="9525">
+              <a14:hiddenLine xmlns:a14="http://schemas.microsoft.com/office/drawing/2010/main" xmlns="" w="9525">
                 <a:solidFill>
                   <a:srgbClr val="000000"/>
                 </a:solidFill>
@@ -1628,14 +1628,14 @@
           <a:ln/>
           <a:extLst>
             <a:ext uri="{909E8E84-426E-40dd-AFC4-6F175D3DCCD1}">
-              <a14:hiddenFill xmlns="" xmlns:a14="http://schemas.microsoft.com/office/drawing/2010/main">
+              <a14:hiddenFill xmlns:a14="http://schemas.microsoft.com/office/drawing/2010/main" xmlns="">
                 <a:solidFill>
                   <a:srgbClr val="FFFFFF"/>
                 </a:solidFill>
               </a14:hiddenFill>
             </a:ext>
             <a:ext uri="{91240B29-F687-4f45-9708-019B960494DF}">
-              <a14:hiddenLine xmlns="" xmlns:a14="http://schemas.microsoft.com/office/drawing/2010/main" w="9525">
+              <a14:hiddenLine xmlns:a14="http://schemas.microsoft.com/office/drawing/2010/main" xmlns="" w="9525">
                 <a:solidFill>
                   <a:srgbClr val="000000"/>
                 </a:solidFill>
@@ -1822,7 +1822,7 @@
           </a:ln>
           <a:extLst>
             <a:ext uri="{909E8E84-426E-40dd-AFC4-6F175D3DCCD1}">
-              <a14:hiddenFill xmlns:a14="http://schemas.microsoft.com/office/drawing/2010/main" xmlns="">
+              <a14:hiddenFill xmlns="" xmlns:a14="http://schemas.microsoft.com/office/drawing/2010/main">
                 <a:solidFill>
                   <a:srgbClr val="FFFFFF"/>
                 </a:solidFill>
@@ -1846,14 +1846,14 @@
           <a:ln/>
           <a:extLst>
             <a:ext uri="{909E8E84-426E-40dd-AFC4-6F175D3DCCD1}">
-              <a14:hiddenFill xmlns:a14="http://schemas.microsoft.com/office/drawing/2010/main" xmlns="">
+              <a14:hiddenFill xmlns="" xmlns:a14="http://schemas.microsoft.com/office/drawing/2010/main">
                 <a:solidFill>
                   <a:srgbClr val="FFFFFF"/>
                 </a:solidFill>
               </a14:hiddenFill>
             </a:ext>
             <a:ext uri="{91240B29-F687-4f45-9708-019B960494DF}">
-              <a14:hiddenLine xmlns:a14="http://schemas.microsoft.com/office/drawing/2010/main" xmlns="" w="9525">
+              <a14:hiddenLine xmlns="" xmlns:a14="http://schemas.microsoft.com/office/drawing/2010/main" w="9525">
                 <a:solidFill>
                   <a:srgbClr val="000000"/>
                 </a:solidFill>
@@ -1968,14 +1968,14 @@
           <a:ln/>
           <a:extLst>
             <a:ext uri="{909E8E84-426E-40dd-AFC4-6F175D3DCCD1}">
-              <a14:hiddenFill xmlns:a14="http://schemas.microsoft.com/office/drawing/2010/main" xmlns="">
+              <a14:hiddenFill xmlns="" xmlns:a14="http://schemas.microsoft.com/office/drawing/2010/main">
                 <a:solidFill>
                   <a:srgbClr val="FFFFFF"/>
                 </a:solidFill>
               </a14:hiddenFill>
             </a:ext>
             <a:ext uri="{91240B29-F687-4f45-9708-019B960494DF}">
-              <a14:hiddenLine xmlns:a14="http://schemas.microsoft.com/office/drawing/2010/main" xmlns="" w="9525">
+              <a14:hiddenLine xmlns="" xmlns:a14="http://schemas.microsoft.com/office/drawing/2010/main" w="9525">
                 <a:solidFill>
                   <a:srgbClr val="000000"/>
                 </a:solidFill>
@@ -2694,7 +2694,7 @@
               <a:pPr>
                 <a:defRPr/>
               </a:pPr>
-              <a:t>Thursday, January 6, 2022</a:t>
+              <a:t>Thursday, February 24, 2022</a:t>
             </a:fld>
             <a:endParaRPr lang="en-US" dirty="0"/>
           </a:p>
@@ -2877,7 +2877,7 @@
               <a:pPr>
                 <a:defRPr/>
               </a:pPr>
-              <a:t>Thursday, January 6, 2022</a:t>
+              <a:t>Thursday, February 24, 2022</a:t>
             </a:fld>
             <a:endParaRPr lang="en-US" dirty="0"/>
           </a:p>
@@ -3070,7 +3070,7 @@
               <a:pPr>
                 <a:defRPr/>
               </a:pPr>
-              <a:t>Thursday, January 6, 2022</a:t>
+              <a:t>Thursday, February 24, 2022</a:t>
             </a:fld>
             <a:endParaRPr lang="en-US" dirty="0"/>
           </a:p>
@@ -3253,7 +3253,7 @@
               <a:pPr>
                 <a:defRPr/>
               </a:pPr>
-              <a:t>Thursday, January 6, 2022</a:t>
+              <a:t>Thursday, February 24, 2022</a:t>
             </a:fld>
             <a:endParaRPr lang="en-US" dirty="0"/>
           </a:p>
@@ -3513,7 +3513,7 @@
               <a:pPr>
                 <a:defRPr/>
               </a:pPr>
-              <a:t>Thursday, January 6, 2022</a:t>
+              <a:t>Thursday, February 24, 2022</a:t>
             </a:fld>
             <a:endParaRPr lang="en-US" dirty="0"/>
           </a:p>
@@ -3813,7 +3813,7 @@
               <a:pPr>
                 <a:defRPr/>
               </a:pPr>
-              <a:t>Thursday, January 6, 2022</a:t>
+              <a:t>Thursday, February 24, 2022</a:t>
             </a:fld>
             <a:endParaRPr lang="en-US" dirty="0"/>
           </a:p>
@@ -4247,7 +4247,7 @@
               <a:pPr>
                 <a:defRPr/>
               </a:pPr>
-              <a:t>Thursday, January 6, 2022</a:t>
+              <a:t>Thursday, February 24, 2022</a:t>
             </a:fld>
             <a:endParaRPr lang="en-US" dirty="0"/>
           </a:p>
@@ -4379,7 +4379,7 @@
               <a:pPr>
                 <a:defRPr/>
               </a:pPr>
-              <a:t>Thursday, January 6, 2022</a:t>
+              <a:t>Thursday, February 24, 2022</a:t>
             </a:fld>
             <a:endParaRPr lang="en-US" dirty="0"/>
           </a:p>
@@ -4489,7 +4489,7 @@
               <a:pPr>
                 <a:defRPr/>
               </a:pPr>
-              <a:t>Thursday, January 6, 2022</a:t>
+              <a:t>Thursday, February 24, 2022</a:t>
             </a:fld>
             <a:endParaRPr lang="en-US" dirty="0"/>
           </a:p>
@@ -4779,7 +4779,7 @@
               <a:pPr>
                 <a:defRPr/>
               </a:pPr>
-              <a:t>Thursday, January 6, 2022</a:t>
+              <a:t>Thursday, February 24, 2022</a:t>
             </a:fld>
             <a:endParaRPr lang="en-US" dirty="0"/>
           </a:p>
@@ -5046,7 +5046,7 @@
               <a:pPr>
                 <a:defRPr/>
               </a:pPr>
-              <a:t>Thursday, January 6, 2022</a:t>
+              <a:t>Thursday, February 24, 2022</a:t>
             </a:fld>
             <a:endParaRPr lang="en-US" dirty="0"/>
           </a:p>
@@ -5272,7 +5272,7 @@
               <a:pPr>
                 <a:defRPr/>
               </a:pPr>
-              <a:t>Thursday, January 6, 2022</a:t>
+              <a:t>Thursday, February 24, 2022</a:t>
             </a:fld>
             <a:endParaRPr lang="en-US" dirty="0"/>
           </a:p>
@@ -5688,7 +5688,12 @@
             <p:ph type="subTitle" idx="1"/>
           </p:nvPr>
         </p:nvSpPr>
-        <p:spPr/>
+        <p:spPr>
+          <a:xfrm>
+            <a:off x="1371600" y="3124200"/>
+            <a:ext cx="6400800" cy="1752600"/>
+          </a:xfrm>
+        </p:spPr>
         <p:txBody>
           <a:bodyPr/>
           <a:lstStyle/>
@@ -5714,21 +5719,27 @@
       </p:sp>
       <p:sp>
         <p:nvSpPr>
-          <p:cNvPr id="4" name="CustomShape 3"/>
+          <p:cNvPr id="6" name="Rectangle 5">
+            <a:extLst>
+              <a:ext uri="{FF2B5EF4-FFF2-40B4-BE49-F238E27FC236}">
+                <a16:creationId xmlns:a16="http://schemas.microsoft.com/office/drawing/2014/main" id="{DF37B3AC-52FD-7E42-843C-24BBB9BBB7A2}"/>
+              </a:ext>
+            </a:extLst>
+          </p:cNvPr>
           <p:cNvSpPr/>
           <p:nvPr/>
         </p:nvSpPr>
         <p:spPr>
           <a:xfrm>
-            <a:off x="228600" y="6095880"/>
-            <a:ext cx="8534160" cy="609120"/>
+            <a:off x="304800" y="5105400"/>
+            <a:ext cx="8534400" cy="1295400"/>
           </a:xfrm>
           <a:prstGeom prst="rect">
             <a:avLst/>
           </a:prstGeom>
-          <a:ln>
-            <a:round/>
-          </a:ln>
+          <a:solidFill>
+            <a:schemeClr val="accent3"/>
+          </a:solidFill>
         </p:spPr>
         <p:style>
           <a:lnRef idx="2">
@@ -5742,42 +5753,60 @@
           <a:effectRef idx="0">
             <a:schemeClr val="accent3"/>
           </a:effectRef>
-          <a:fontRef idx="minor"/>
+          <a:fontRef idx="minor">
+            <a:schemeClr val="lt1"/>
+          </a:fontRef>
         </p:style>
         <p:txBody>
-          <a:bodyPr lIns="90000" tIns="45000" rIns="90000" bIns="45000" anchor="ctr"/>
-          <a:lstStyle/>
-          <a:p>
-            <a:pPr algn="ctr">
-              <a:lnSpc>
-                <a:spcPct val="100000"/>
-              </a:lnSpc>
-            </a:pPr>
-            <a:r>
-              <a:rPr lang="en-US" sz="2400" b="0" strike="noStrike" spc="-1" dirty="0">
+          <a:bodyPr rtlCol="0" anchor="ctr"/>
+          <a:lstStyle/>
+          <a:p>
+            <a:r>
+              <a:rPr lang="en-US" sz="2400" dirty="0">
                 <a:solidFill>
                   <a:srgbClr val="FFFFFF"/>
                 </a:solidFill>
-                <a:uFill>
-                  <a:solidFill>
-                    <a:srgbClr val="FFFFFF"/>
-                  </a:solidFill>
-                </a:uFill>
-                <a:latin typeface="Calibri"/>
-              </a:rPr>
-              <a:t>Check out ConsoleAndUnitTestingPractice.</a:t>
-            </a:r>
-            <a:endParaRPr lang="en-US" sz="1800" b="0" strike="noStrike" spc="-1" dirty="0">
-              <a:solidFill>
-                <a:srgbClr val="000000"/>
-              </a:solidFill>
-              <a:uFill>
+              </a:rPr>
+              <a:t>The </a:t>
+            </a:r>
+            <a:r>
+              <a:rPr lang="en-US" sz="2400" i="1" dirty="0">
                 <a:solidFill>
                   <a:srgbClr val="FFFFFF"/>
                 </a:solidFill>
-              </a:uFill>
-              <a:latin typeface="Arial"/>
-            </a:endParaRPr>
+              </a:rPr>
+              <a:t>git</a:t>
+            </a:r>
+            <a:r>
+              <a:rPr lang="en-US" sz="2400" dirty="0">
+                <a:solidFill>
+                  <a:srgbClr val="FFFFFF"/>
+                </a:solidFill>
+              </a:rPr>
+              <a:t> projects for today are:</a:t>
+            </a:r>
+          </a:p>
+          <a:p>
+            <a:pPr marL="342900" indent="-342900">
+              <a:buFont typeface="Arial" panose="020B0604020202020204" pitchFamily="34" charset="0"/>
+              <a:buChar char="•"/>
+            </a:pPr>
+            <a:r>
+              <a:rPr lang="en-US" sz="2400" i="1" dirty="0" err="1"/>
+              <a:t>PracticeConsoleAndUnitTesting</a:t>
+            </a:r>
+            <a:endParaRPr lang="en-US" sz="2400" i="1" dirty="0"/>
+          </a:p>
+          <a:p>
+            <a:pPr marL="342900" indent="-342900">
+              <a:buFont typeface="Arial" panose="020B0604020202020204" pitchFamily="34" charset="0"/>
+              <a:buChar char="•"/>
+            </a:pPr>
+            <a:r>
+              <a:rPr lang="en-US" sz="2400" i="1" dirty="0" err="1"/>
+              <a:t>PracticeConsoleAndUnitTestingSolution</a:t>
+            </a:r>
+            <a:endParaRPr lang="en-US" sz="2400" i="1" dirty="0"/>
           </a:p>
         </p:txBody>
       </p:sp>
@@ -8671,14 +8700,14 @@
           <a:effectLst/>
           <a:extLst>
             <a:ext uri="{909E8E84-426E-40dd-AFC4-6F175D3DCCD1}">
-              <a14:hiddenFill xmlns:a14="http://schemas.microsoft.com/office/drawing/2010/main" xmlns="">
+              <a14:hiddenFill xmlns="" xmlns:a14="http://schemas.microsoft.com/office/drawing/2010/main">
                 <a:solidFill>
                   <a:schemeClr val="accent1"/>
                 </a:solidFill>
               </a14:hiddenFill>
             </a:ext>
             <a:ext uri="{91240B29-F687-4f45-9708-019B960494DF}">
-              <a14:hiddenLine xmlns:a14="http://schemas.microsoft.com/office/drawing/2010/main" xmlns="" w="9525">
+              <a14:hiddenLine xmlns="" xmlns:a14="http://schemas.microsoft.com/office/drawing/2010/main" w="9525">
                 <a:solidFill>
                   <a:schemeClr val="tx1"/>
                 </a:solidFill>
@@ -8688,7 +8717,7 @@
               </a14:hiddenLine>
             </a:ext>
             <a:ext uri="{AF507438-7753-43e0-B8FC-AC1667EBCBE1}">
-              <a14:hiddenEffects xmlns:a14="http://schemas.microsoft.com/office/drawing/2010/main" xmlns="">
+              <a14:hiddenEffects xmlns="" xmlns:a14="http://schemas.microsoft.com/office/drawing/2010/main">
                 <a:effectLst>
                   <a:outerShdw dist="35921" dir="2700000" algn="ctr" rotWithShape="0">
                     <a:schemeClr val="bg2"/>
@@ -9398,14 +9427,14 @@
           <a:effectLst/>
           <a:extLst>
             <a:ext uri="{909E8E84-426E-40dd-AFC4-6F175D3DCCD1}">
-              <a14:hiddenFill xmlns="" xmlns:a14="http://schemas.microsoft.com/office/drawing/2010/main">
+              <a14:hiddenFill xmlns:a14="http://schemas.microsoft.com/office/drawing/2010/main" xmlns="">
                 <a:solidFill>
                   <a:schemeClr val="accent1"/>
                 </a:solidFill>
               </a14:hiddenFill>
             </a:ext>
             <a:ext uri="{91240B29-F687-4f45-9708-019B960494DF}">
-              <a14:hiddenLine xmlns="" xmlns:a14="http://schemas.microsoft.com/office/drawing/2010/main" w="9525">
+              <a14:hiddenLine xmlns:a14="http://schemas.microsoft.com/office/drawing/2010/main" xmlns="" w="9525">
                 <a:solidFill>
                   <a:schemeClr val="tx1"/>
                 </a:solidFill>
@@ -9415,7 +9444,7 @@
               </a14:hiddenLine>
             </a:ext>
             <a:ext uri="{AF507438-7753-43e0-B8FC-AC1667EBCBE1}">
-              <a14:hiddenEffects xmlns="" xmlns:a14="http://schemas.microsoft.com/office/drawing/2010/main">
+              <a14:hiddenEffects xmlns:a14="http://schemas.microsoft.com/office/drawing/2010/main" xmlns="">
                 <a:effectLst>
                   <a:outerShdw dist="35921" dir="2700000" algn="ctr" rotWithShape="0">
                     <a:schemeClr val="bg2"/>

--- a/ClassMaterials/IntroToUnitTesting/Slides/UnitTesting.pptx
+++ b/ClassMaterials/IntroToUnitTesting/Slides/UnitTesting.pptx
@@ -5,34 +5,40 @@
     <p:sldMasterId id="2147483927" r:id="rId1"/>
   </p:sldMasterIdLst>
   <p:notesMasterIdLst>
-    <p:notesMasterId r:id="rId24"/>
+    <p:notesMasterId r:id="rId30"/>
   </p:notesMasterIdLst>
   <p:handoutMasterIdLst>
-    <p:handoutMasterId r:id="rId25"/>
+    <p:handoutMasterId r:id="rId31"/>
   </p:handoutMasterIdLst>
   <p:sldIdLst>
     <p:sldId id="256" r:id="rId2"/>
     <p:sldId id="257" r:id="rId3"/>
-    <p:sldId id="293" r:id="rId4"/>
-    <p:sldId id="294" r:id="rId5"/>
-    <p:sldId id="295" r:id="rId6"/>
-    <p:sldId id="296" r:id="rId7"/>
-    <p:sldId id="301" r:id="rId8"/>
-    <p:sldId id="297" r:id="rId9"/>
-    <p:sldId id="298" r:id="rId10"/>
-    <p:sldId id="302" r:id="rId11"/>
-    <p:sldId id="303" r:id="rId12"/>
-    <p:sldId id="285" r:id="rId13"/>
-    <p:sldId id="278" r:id="rId14"/>
-    <p:sldId id="287" r:id="rId15"/>
-    <p:sldId id="291" r:id="rId16"/>
-    <p:sldId id="288" r:id="rId17"/>
-    <p:sldId id="292" r:id="rId18"/>
-    <p:sldId id="289" r:id="rId19"/>
-    <p:sldId id="304" r:id="rId20"/>
-    <p:sldId id="290" r:id="rId21"/>
-    <p:sldId id="300" r:id="rId22"/>
-    <p:sldId id="286" r:id="rId23"/>
+    <p:sldId id="305" r:id="rId4"/>
+    <p:sldId id="306" r:id="rId5"/>
+    <p:sldId id="293" r:id="rId6"/>
+    <p:sldId id="294" r:id="rId7"/>
+    <p:sldId id="307" r:id="rId8"/>
+    <p:sldId id="295" r:id="rId9"/>
+    <p:sldId id="296" r:id="rId10"/>
+    <p:sldId id="301" r:id="rId11"/>
+    <p:sldId id="297" r:id="rId12"/>
+    <p:sldId id="298" r:id="rId13"/>
+    <p:sldId id="302" r:id="rId14"/>
+    <p:sldId id="303" r:id="rId15"/>
+    <p:sldId id="285" r:id="rId16"/>
+    <p:sldId id="308" r:id="rId17"/>
+    <p:sldId id="279" r:id="rId18"/>
+    <p:sldId id="280" r:id="rId19"/>
+    <p:sldId id="309" r:id="rId20"/>
+    <p:sldId id="310" r:id="rId21"/>
+    <p:sldId id="291" r:id="rId22"/>
+    <p:sldId id="288" r:id="rId23"/>
+    <p:sldId id="292" r:id="rId24"/>
+    <p:sldId id="289" r:id="rId25"/>
+    <p:sldId id="304" r:id="rId26"/>
+    <p:sldId id="290" r:id="rId27"/>
+    <p:sldId id="311" r:id="rId28"/>
+    <p:sldId id="286" r:id="rId29"/>
   </p:sldIdLst>
   <p:sldSz cx="9144000" cy="6858000" type="screen4x3"/>
   <p:notesSz cx="7010400" cy="9296400"/>
@@ -297,7 +303,7 @@
               <a:pPr>
                 <a:defRPr/>
               </a:pPr>
-              <a:t>2/24/22</a:t>
+              <a:t>3/1/22</a:t>
             </a:fld>
             <a:endParaRPr lang="en-US" dirty="0"/>
           </a:p>
@@ -532,7 +538,7 @@
               <a:pPr>
                 <a:defRPr/>
               </a:pPr>
-              <a:t>2/24/22</a:t>
+              <a:t>3/1/22</a:t>
             </a:fld>
             <a:endParaRPr lang="en-US" dirty="0"/>
           </a:p>
@@ -1029,6 +1035,413 @@
           <a:bodyPr/>
           <a:lstStyle/>
           <a:p>
+            <a:r>
+              <a:rPr lang="en-US" dirty="0"/>
+              <a:t>Do</a:t>
+            </a:r>
+            <a:r>
+              <a:rPr lang="en-US" baseline="0" dirty="0"/>
+              <a:t> an example with students and have them do the rest on their own.</a:t>
+            </a:r>
+            <a:endParaRPr lang="en-US" dirty="0"/>
+          </a:p>
+        </p:txBody>
+      </p:sp>
+      <p:sp>
+        <p:nvSpPr>
+          <p:cNvPr id="4" name="Slide Number Placeholder 3"/>
+          <p:cNvSpPr>
+            <a:spLocks noGrp="1"/>
+          </p:cNvSpPr>
+          <p:nvPr>
+            <p:ph type="sldNum" sz="quarter" idx="10"/>
+          </p:nvPr>
+        </p:nvSpPr>
+        <p:spPr/>
+        <p:txBody>
+          <a:bodyPr/>
+          <a:lstStyle/>
+          <a:p>
+            <a:pPr>
+              <a:defRPr/>
+            </a:pPr>
+            <a:fld id="{41BB943A-C3B9-42AE-8B54-C2335812312E}" type="slidenum">
+              <a:rPr lang="en-US" smtClean="0"/>
+              <a:pPr>
+                <a:defRPr/>
+              </a:pPr>
+              <a:t>16</a:t>
+            </a:fld>
+            <a:endParaRPr lang="en-US"/>
+          </a:p>
+        </p:txBody>
+      </p:sp>
+    </p:spTree>
+    <p:extLst>
+      <p:ext uri="{BB962C8B-B14F-4D97-AF65-F5344CB8AC3E}">
+        <p14:creationId xmlns:p14="http://schemas.microsoft.com/office/powerpoint/2010/main" val="201707920"/>
+      </p:ext>
+    </p:extLst>
+  </p:cSld>
+  <p:clrMapOvr>
+    <a:masterClrMapping/>
+  </p:clrMapOvr>
+</p:notes>
+</file>
+
+<file path=ppt/notesSlides/notesSlide11.xml><?xml version="1.0" encoding="utf-8"?>
+<p:notes xmlns:a="http://schemas.openxmlformats.org/drawingml/2006/main" xmlns:r="http://schemas.openxmlformats.org/officeDocument/2006/relationships" xmlns:p="http://schemas.openxmlformats.org/presentationml/2006/main">
+  <p:cSld>
+    <p:spTree>
+      <p:nvGrpSpPr>
+        <p:cNvPr id="1" name=""/>
+        <p:cNvGrpSpPr/>
+        <p:nvPr/>
+      </p:nvGrpSpPr>
+      <p:grpSpPr>
+        <a:xfrm>
+          <a:off x="0" y="0"/>
+          <a:ext cx="0" cy="0"/>
+          <a:chOff x="0" y="0"/>
+          <a:chExt cx="0" cy="0"/>
+        </a:xfrm>
+      </p:grpSpPr>
+      <p:sp>
+        <p:nvSpPr>
+          <p:cNvPr id="2" name="Slide Image Placeholder 1"/>
+          <p:cNvSpPr>
+            <a:spLocks noGrp="1" noRot="1" noChangeAspect="1"/>
+          </p:cNvSpPr>
+          <p:nvPr>
+            <p:ph type="sldImg"/>
+          </p:nvPr>
+        </p:nvSpPr>
+        <p:spPr/>
+      </p:sp>
+      <p:sp>
+        <p:nvSpPr>
+          <p:cNvPr id="3" name="Notes Placeholder 2"/>
+          <p:cNvSpPr>
+            <a:spLocks noGrp="1"/>
+          </p:cNvSpPr>
+          <p:nvPr>
+            <p:ph type="body" idx="1"/>
+          </p:nvPr>
+        </p:nvSpPr>
+        <p:spPr/>
+        <p:txBody>
+          <a:bodyPr/>
+          <a:lstStyle/>
+          <a:p>
+            <a:r>
+              <a:rPr lang="en-US" dirty="0"/>
+              <a:t>Do</a:t>
+            </a:r>
+            <a:r>
+              <a:rPr lang="en-US" baseline="0" dirty="0"/>
+              <a:t> an example with students and have them do the rest on their own.</a:t>
+            </a:r>
+            <a:endParaRPr lang="en-US" dirty="0"/>
+          </a:p>
+        </p:txBody>
+      </p:sp>
+      <p:sp>
+        <p:nvSpPr>
+          <p:cNvPr id="4" name="Slide Number Placeholder 3"/>
+          <p:cNvSpPr>
+            <a:spLocks noGrp="1"/>
+          </p:cNvSpPr>
+          <p:nvPr>
+            <p:ph type="sldNum" sz="quarter" idx="10"/>
+          </p:nvPr>
+        </p:nvSpPr>
+        <p:spPr/>
+        <p:txBody>
+          <a:bodyPr/>
+          <a:lstStyle/>
+          <a:p>
+            <a:pPr>
+              <a:defRPr/>
+            </a:pPr>
+            <a:fld id="{41BB943A-C3B9-42AE-8B54-C2335812312E}" type="slidenum">
+              <a:rPr lang="en-US" smtClean="0"/>
+              <a:pPr>
+                <a:defRPr/>
+              </a:pPr>
+              <a:t>17</a:t>
+            </a:fld>
+            <a:endParaRPr lang="en-US"/>
+          </a:p>
+        </p:txBody>
+      </p:sp>
+    </p:spTree>
+    <p:extLst>
+      <p:ext uri="{BB962C8B-B14F-4D97-AF65-F5344CB8AC3E}">
+        <p14:creationId xmlns:p14="http://schemas.microsoft.com/office/powerpoint/2010/main" val="2150182282"/>
+      </p:ext>
+    </p:extLst>
+  </p:cSld>
+  <p:clrMapOvr>
+    <a:masterClrMapping/>
+  </p:clrMapOvr>
+</p:notes>
+</file>
+
+<file path=ppt/notesSlides/notesSlide12.xml><?xml version="1.0" encoding="utf-8"?>
+<p:notes xmlns:a="http://schemas.openxmlformats.org/drawingml/2006/main" xmlns:r="http://schemas.openxmlformats.org/officeDocument/2006/relationships" xmlns:p="http://schemas.openxmlformats.org/presentationml/2006/main">
+  <p:cSld>
+    <p:spTree>
+      <p:nvGrpSpPr>
+        <p:cNvPr id="1" name=""/>
+        <p:cNvGrpSpPr/>
+        <p:nvPr/>
+      </p:nvGrpSpPr>
+      <p:grpSpPr>
+        <a:xfrm>
+          <a:off x="0" y="0"/>
+          <a:ext cx="0" cy="0"/>
+          <a:chOff x="0" y="0"/>
+          <a:chExt cx="0" cy="0"/>
+        </a:xfrm>
+      </p:grpSpPr>
+      <p:sp>
+        <p:nvSpPr>
+          <p:cNvPr id="2" name="Slide Image Placeholder 1"/>
+          <p:cNvSpPr>
+            <a:spLocks noGrp="1" noRot="1" noChangeAspect="1"/>
+          </p:cNvSpPr>
+          <p:nvPr>
+            <p:ph type="sldImg"/>
+          </p:nvPr>
+        </p:nvSpPr>
+        <p:spPr/>
+      </p:sp>
+      <p:sp>
+        <p:nvSpPr>
+          <p:cNvPr id="3" name="Notes Placeholder 2"/>
+          <p:cNvSpPr>
+            <a:spLocks noGrp="1"/>
+          </p:cNvSpPr>
+          <p:nvPr>
+            <p:ph type="body" idx="1"/>
+          </p:nvPr>
+        </p:nvSpPr>
+        <p:spPr/>
+        <p:txBody>
+          <a:bodyPr/>
+          <a:lstStyle/>
+          <a:p>
+            <a:r>
+              <a:rPr lang="en-US" dirty="0"/>
+              <a:t>Do</a:t>
+            </a:r>
+            <a:r>
+              <a:rPr lang="en-US" baseline="0" dirty="0"/>
+              <a:t> an example with students and have them do the rest on their own.</a:t>
+            </a:r>
+            <a:endParaRPr lang="en-US" dirty="0"/>
+          </a:p>
+        </p:txBody>
+      </p:sp>
+      <p:sp>
+        <p:nvSpPr>
+          <p:cNvPr id="4" name="Slide Number Placeholder 3"/>
+          <p:cNvSpPr>
+            <a:spLocks noGrp="1"/>
+          </p:cNvSpPr>
+          <p:nvPr>
+            <p:ph type="sldNum" sz="quarter" idx="10"/>
+          </p:nvPr>
+        </p:nvSpPr>
+        <p:spPr/>
+        <p:txBody>
+          <a:bodyPr/>
+          <a:lstStyle/>
+          <a:p>
+            <a:pPr>
+              <a:defRPr/>
+            </a:pPr>
+            <a:fld id="{41BB943A-C3B9-42AE-8B54-C2335812312E}" type="slidenum">
+              <a:rPr lang="en-US" smtClean="0"/>
+              <a:pPr>
+                <a:defRPr/>
+              </a:pPr>
+              <a:t>18</a:t>
+            </a:fld>
+            <a:endParaRPr lang="en-US"/>
+          </a:p>
+        </p:txBody>
+      </p:sp>
+    </p:spTree>
+    <p:extLst>
+      <p:ext uri="{BB962C8B-B14F-4D97-AF65-F5344CB8AC3E}">
+        <p14:creationId xmlns:p14="http://schemas.microsoft.com/office/powerpoint/2010/main" val="3051691293"/>
+      </p:ext>
+    </p:extLst>
+  </p:cSld>
+  <p:clrMapOvr>
+    <a:masterClrMapping/>
+  </p:clrMapOvr>
+</p:notes>
+</file>
+
+<file path=ppt/notesSlides/notesSlide13.xml><?xml version="1.0" encoding="utf-8"?>
+<p:notes xmlns:a="http://schemas.openxmlformats.org/drawingml/2006/main" xmlns:r="http://schemas.openxmlformats.org/officeDocument/2006/relationships" xmlns:p="http://schemas.openxmlformats.org/presentationml/2006/main">
+  <p:cSld>
+    <p:spTree>
+      <p:nvGrpSpPr>
+        <p:cNvPr id="1" name=""/>
+        <p:cNvGrpSpPr/>
+        <p:nvPr/>
+      </p:nvGrpSpPr>
+      <p:grpSpPr>
+        <a:xfrm>
+          <a:off x="0" y="0"/>
+          <a:ext cx="0" cy="0"/>
+          <a:chOff x="0" y="0"/>
+          <a:chExt cx="0" cy="0"/>
+        </a:xfrm>
+      </p:grpSpPr>
+      <p:sp>
+        <p:nvSpPr>
+          <p:cNvPr id="26626" name="Slide Image Placeholder 1"/>
+          <p:cNvSpPr>
+            <a:spLocks noGrp="1" noRot="1" noChangeAspect="1" noTextEdit="1"/>
+          </p:cNvSpPr>
+          <p:nvPr>
+            <p:ph type="sldImg"/>
+          </p:nvPr>
+        </p:nvSpPr>
+        <p:spPr bwMode="auto">
+          <a:noFill/>
+          <a:ln>
+            <a:solidFill>
+              <a:srgbClr val="000000"/>
+            </a:solidFill>
+            <a:miter lim="800000"/>
+            <a:headEnd/>
+            <a:tailEnd/>
+          </a:ln>
+        </p:spPr>
+      </p:sp>
+      <p:sp>
+        <p:nvSpPr>
+          <p:cNvPr id="26627" name="Notes Placeholder 2"/>
+          <p:cNvSpPr>
+            <a:spLocks noGrp="1"/>
+          </p:cNvSpPr>
+          <p:nvPr>
+            <p:ph type="body" idx="1"/>
+          </p:nvPr>
+        </p:nvSpPr>
+        <p:spPr>
+          <a:noFill/>
+          <a:ln/>
+        </p:spPr>
+        <p:txBody>
+          <a:bodyPr/>
+          <a:lstStyle/>
+          <a:p>
+            <a:pPr eaLnBrk="1" hangingPunct="1">
+              <a:spcBef>
+                <a:spcPct val="0"/>
+              </a:spcBef>
+            </a:pPr>
+            <a:r>
+              <a:rPr lang="en-US" dirty="0"/>
+              <a:t>Bring hard copy of code from </a:t>
+            </a:r>
+            <a:r>
+              <a:rPr lang="en-US" dirty="0" err="1"/>
+              <a:t>UnitTesting</a:t>
+            </a:r>
+            <a:endParaRPr lang="en-US" baseline="0" dirty="0"/>
+          </a:p>
+        </p:txBody>
+      </p:sp>
+      <p:sp>
+        <p:nvSpPr>
+          <p:cNvPr id="26628" name="Slide Number Placeholder 3"/>
+          <p:cNvSpPr>
+            <a:spLocks noGrp="1"/>
+          </p:cNvSpPr>
+          <p:nvPr>
+            <p:ph type="sldNum" sz="quarter" idx="5"/>
+          </p:nvPr>
+        </p:nvSpPr>
+        <p:spPr>
+          <a:noFill/>
+        </p:spPr>
+        <p:txBody>
+          <a:bodyPr/>
+          <a:lstStyle/>
+          <a:p>
+            <a:fld id="{DE2D2F29-D266-4A73-9105-1080FD86BA46}" type="slidenum">
+              <a:rPr lang="en-US" smtClean="0"/>
+              <a:pPr/>
+              <a:t>19</a:t>
+            </a:fld>
+            <a:endParaRPr lang="en-US"/>
+          </a:p>
+        </p:txBody>
+      </p:sp>
+    </p:spTree>
+    <p:extLst>
+      <p:ext uri="{BB962C8B-B14F-4D97-AF65-F5344CB8AC3E}">
+        <p14:creationId xmlns:p14="http://schemas.microsoft.com/office/powerpoint/2010/main" val="2849490060"/>
+      </p:ext>
+    </p:extLst>
+  </p:cSld>
+  <p:clrMapOvr>
+    <a:masterClrMapping/>
+  </p:clrMapOvr>
+</p:notes>
+</file>
+
+<file path=ppt/notesSlides/notesSlide14.xml><?xml version="1.0" encoding="utf-8"?>
+<p:notes xmlns:a="http://schemas.openxmlformats.org/drawingml/2006/main" xmlns:r="http://schemas.openxmlformats.org/officeDocument/2006/relationships" xmlns:p="http://schemas.openxmlformats.org/presentationml/2006/main">
+  <p:cSld>
+    <p:spTree>
+      <p:nvGrpSpPr>
+        <p:cNvPr id="1" name=""/>
+        <p:cNvGrpSpPr/>
+        <p:nvPr/>
+      </p:nvGrpSpPr>
+      <p:grpSpPr>
+        <a:xfrm>
+          <a:off x="0" y="0"/>
+          <a:ext cx="0" cy="0"/>
+          <a:chOff x="0" y="0"/>
+          <a:chExt cx="0" cy="0"/>
+        </a:xfrm>
+      </p:grpSpPr>
+      <p:sp>
+        <p:nvSpPr>
+          <p:cNvPr id="2" name="Slide Image Placeholder 1"/>
+          <p:cNvSpPr>
+            <a:spLocks noGrp="1" noRot="1" noChangeAspect="1"/>
+          </p:cNvSpPr>
+          <p:nvPr>
+            <p:ph type="sldImg"/>
+          </p:nvPr>
+        </p:nvSpPr>
+        <p:spPr/>
+      </p:sp>
+      <p:sp>
+        <p:nvSpPr>
+          <p:cNvPr id="3" name="Notes Placeholder 2"/>
+          <p:cNvSpPr>
+            <a:spLocks noGrp="1"/>
+          </p:cNvSpPr>
+          <p:nvPr>
+            <p:ph type="body" idx="1"/>
+          </p:nvPr>
+        </p:nvSpPr>
+        <p:spPr/>
+        <p:txBody>
+          <a:bodyPr/>
+          <a:lstStyle/>
+          <a:p>
             <a:pPr marL="0" marR="0" lvl="0" indent="0" algn="l" defTabSz="914400" rtl="0" eaLnBrk="0" fontAlgn="base" latinLnBrk="0" hangingPunct="0">
               <a:lnSpc>
                 <a:spcPct val="100000"/>
@@ -1084,7 +1497,7 @@
               <a:pPr>
                 <a:defRPr/>
               </a:pPr>
-              <a:t>20</a:t>
+              <a:t>26</a:t>
             </a:fld>
             <a:endParaRPr lang="en-US" dirty="0"/>
           </a:p>
@@ -1212,6 +1625,119 @@
       </p:grpSpPr>
       <p:sp>
         <p:nvSpPr>
+          <p:cNvPr id="26626" name="Slide Image Placeholder 1"/>
+          <p:cNvSpPr>
+            <a:spLocks noGrp="1" noRot="1" noChangeAspect="1" noTextEdit="1"/>
+          </p:cNvSpPr>
+          <p:nvPr>
+            <p:ph type="sldImg"/>
+          </p:nvPr>
+        </p:nvSpPr>
+        <p:spPr bwMode="auto">
+          <a:noFill/>
+          <a:ln>
+            <a:solidFill>
+              <a:srgbClr val="000000"/>
+            </a:solidFill>
+            <a:miter lim="800000"/>
+            <a:headEnd/>
+            <a:tailEnd/>
+          </a:ln>
+        </p:spPr>
+      </p:sp>
+      <p:sp>
+        <p:nvSpPr>
+          <p:cNvPr id="26627" name="Notes Placeholder 2"/>
+          <p:cNvSpPr>
+            <a:spLocks noGrp="1"/>
+          </p:cNvSpPr>
+          <p:nvPr>
+            <p:ph type="body" idx="1"/>
+          </p:nvPr>
+        </p:nvSpPr>
+        <p:spPr>
+          <a:noFill/>
+          <a:ln/>
+        </p:spPr>
+        <p:txBody>
+          <a:bodyPr/>
+          <a:lstStyle/>
+          <a:p>
+            <a:pPr eaLnBrk="1" hangingPunct="1">
+              <a:spcBef>
+                <a:spcPct val="0"/>
+              </a:spcBef>
+            </a:pPr>
+            <a:r>
+              <a:rPr lang="en-US" dirty="0"/>
+              <a:t>Bring hard copy of code from </a:t>
+            </a:r>
+            <a:r>
+              <a:rPr lang="en-US" dirty="0" err="1"/>
+              <a:t>UnitTesting</a:t>
+            </a:r>
+            <a:endParaRPr lang="en-US" baseline="0" dirty="0"/>
+          </a:p>
+        </p:txBody>
+      </p:sp>
+      <p:sp>
+        <p:nvSpPr>
+          <p:cNvPr id="26628" name="Slide Number Placeholder 3"/>
+          <p:cNvSpPr>
+            <a:spLocks noGrp="1"/>
+          </p:cNvSpPr>
+          <p:nvPr>
+            <p:ph type="sldNum" sz="quarter" idx="5"/>
+          </p:nvPr>
+        </p:nvSpPr>
+        <p:spPr>
+          <a:noFill/>
+        </p:spPr>
+        <p:txBody>
+          <a:bodyPr/>
+          <a:lstStyle/>
+          <a:p>
+            <a:fld id="{DE2D2F29-D266-4A73-9105-1080FD86BA46}" type="slidenum">
+              <a:rPr lang="en-US" smtClean="0"/>
+              <a:pPr/>
+              <a:t>7</a:t>
+            </a:fld>
+            <a:endParaRPr lang="en-US"/>
+          </a:p>
+        </p:txBody>
+      </p:sp>
+    </p:spTree>
+    <p:extLst>
+      <p:ext uri="{BB962C8B-B14F-4D97-AF65-F5344CB8AC3E}">
+        <p14:creationId xmlns:p14="http://schemas.microsoft.com/office/powerpoint/2010/main" val="2849490060"/>
+      </p:ext>
+    </p:extLst>
+  </p:cSld>
+  <p:clrMapOvr>
+    <a:masterClrMapping/>
+  </p:clrMapOvr>
+</p:notes>
+</file>
+
+<file path=ppt/notesSlides/notesSlide4.xml><?xml version="1.0" encoding="utf-8"?>
+<p:notes xmlns:a="http://schemas.openxmlformats.org/drawingml/2006/main" xmlns:r="http://schemas.openxmlformats.org/officeDocument/2006/relationships" xmlns:p="http://schemas.openxmlformats.org/presentationml/2006/main">
+  <p:cSld>
+    <p:spTree>
+      <p:nvGrpSpPr>
+        <p:cNvPr id="1" name=""/>
+        <p:cNvGrpSpPr/>
+        <p:nvPr/>
+      </p:nvGrpSpPr>
+      <p:grpSpPr>
+        <a:xfrm>
+          <a:off x="0" y="0"/>
+          <a:ext cx="0" cy="0"/>
+          <a:chOff x="0" y="0"/>
+          <a:chExt cx="0" cy="0"/>
+        </a:xfrm>
+      </p:grpSpPr>
+      <p:sp>
+        <p:nvSpPr>
           <p:cNvPr id="43010" name="Slide Image Placeholder 1"/>
           <p:cNvSpPr>
             <a:spLocks noGrp="1" noRot="1" noChangeAspect="1" noTextEdit="1"/>
@@ -1232,7 +1758,7 @@
           </a:ln>
           <a:extLst>
             <a:ext uri="{909E8E84-426E-40dd-AFC4-6F175D3DCCD1}">
-              <a14:hiddenFill xmlns="" xmlns:a14="http://schemas.microsoft.com/office/drawing/2010/main">
+              <a14:hiddenFill xmlns:a14="http://schemas.microsoft.com/office/drawing/2010/main" xmlns="">
                 <a:solidFill>
                   <a:srgbClr val="FFFFFF"/>
                 </a:solidFill>
@@ -1256,14 +1782,14 @@
           <a:ln/>
           <a:extLst>
             <a:ext uri="{909E8E84-426E-40dd-AFC4-6F175D3DCCD1}">
-              <a14:hiddenFill xmlns="" xmlns:a14="http://schemas.microsoft.com/office/drawing/2010/main">
+              <a14:hiddenFill xmlns:a14="http://schemas.microsoft.com/office/drawing/2010/main" xmlns="">
                 <a:solidFill>
                   <a:srgbClr val="FFFFFF"/>
                 </a:solidFill>
               </a14:hiddenFill>
             </a:ext>
             <a:ext uri="{91240B29-F687-4f45-9708-019B960494DF}">
-              <a14:hiddenLine xmlns="" xmlns:a14="http://schemas.microsoft.com/office/drawing/2010/main" w="9525">
+              <a14:hiddenLine xmlns:a14="http://schemas.microsoft.com/office/drawing/2010/main" xmlns="" w="9525">
                 <a:solidFill>
                   <a:srgbClr val="000000"/>
                 </a:solidFill>
@@ -1333,14 +1859,14 @@
           <a:ln/>
           <a:extLst>
             <a:ext uri="{909E8E84-426E-40dd-AFC4-6F175D3DCCD1}">
-              <a14:hiddenFill xmlns="" xmlns:a14="http://schemas.microsoft.com/office/drawing/2010/main">
+              <a14:hiddenFill xmlns:a14="http://schemas.microsoft.com/office/drawing/2010/main" xmlns="">
                 <a:solidFill>
                   <a:srgbClr val="FFFFFF"/>
                 </a:solidFill>
               </a14:hiddenFill>
             </a:ext>
             <a:ext uri="{91240B29-F687-4f45-9708-019B960494DF}">
-              <a14:hiddenLine xmlns="" xmlns:a14="http://schemas.microsoft.com/office/drawing/2010/main" w="9525">
+              <a14:hiddenLine xmlns:a14="http://schemas.microsoft.com/office/drawing/2010/main" xmlns="" w="9525">
                 <a:solidFill>
                   <a:srgbClr val="000000"/>
                 </a:solidFill>
@@ -1467,7 +1993,7 @@
                 <a:latin typeface="Calibri" pitchFamily="34" charset="0"/>
               </a:rPr>
               <a:pPr eaLnBrk="1" hangingPunct="1"/>
-              <a:t>6</a:t>
+              <a:t>9</a:t>
             </a:fld>
             <a:endParaRPr lang="en-US" dirty="0">
               <a:latin typeface="Calibri" pitchFamily="34" charset="0"/>
@@ -1488,7 +2014,7 @@
 </p:notes>
 </file>
 
-<file path=ppt/notesSlides/notesSlide4.xml><?xml version="1.0" encoding="utf-8"?>
+<file path=ppt/notesSlides/notesSlide5.xml><?xml version="1.0" encoding="utf-8"?>
 <p:notes xmlns:a="http://schemas.openxmlformats.org/drawingml/2006/main" xmlns:r="http://schemas.openxmlformats.org/officeDocument/2006/relationships" xmlns:p="http://schemas.openxmlformats.org/presentationml/2006/main">
   <p:cSld>
     <p:spTree>
@@ -1527,7 +2053,7 @@
           </a:ln>
           <a:extLst>
             <a:ext uri="{909E8E84-426E-40dd-AFC4-6F175D3DCCD1}">
-              <a14:hiddenFill xmlns:a14="http://schemas.microsoft.com/office/drawing/2010/main" xmlns="">
+              <a14:hiddenFill xmlns="" xmlns:a14="http://schemas.microsoft.com/office/drawing/2010/main">
                 <a:solidFill>
                   <a:srgbClr val="FFFFFF"/>
                 </a:solidFill>
@@ -1551,14 +2077,14 @@
           <a:ln/>
           <a:extLst>
             <a:ext uri="{909E8E84-426E-40dd-AFC4-6F175D3DCCD1}">
-              <a14:hiddenFill xmlns:a14="http://schemas.microsoft.com/office/drawing/2010/main" xmlns="">
+              <a14:hiddenFill xmlns="" xmlns:a14="http://schemas.microsoft.com/office/drawing/2010/main">
                 <a:solidFill>
                   <a:srgbClr val="FFFFFF"/>
                 </a:solidFill>
               </a14:hiddenFill>
             </a:ext>
             <a:ext uri="{91240B29-F687-4f45-9708-019B960494DF}">
-              <a14:hiddenLine xmlns:a14="http://schemas.microsoft.com/office/drawing/2010/main" xmlns="" w="9525">
+              <a14:hiddenLine xmlns="" xmlns:a14="http://schemas.microsoft.com/office/drawing/2010/main" w="9525">
                 <a:solidFill>
                   <a:srgbClr val="000000"/>
                 </a:solidFill>
@@ -1628,14 +2154,14 @@
           <a:ln/>
           <a:extLst>
             <a:ext uri="{909E8E84-426E-40dd-AFC4-6F175D3DCCD1}">
-              <a14:hiddenFill xmlns:a14="http://schemas.microsoft.com/office/drawing/2010/main" xmlns="">
+              <a14:hiddenFill xmlns="" xmlns:a14="http://schemas.microsoft.com/office/drawing/2010/main">
                 <a:solidFill>
                   <a:srgbClr val="FFFFFF"/>
                 </a:solidFill>
               </a14:hiddenFill>
             </a:ext>
             <a:ext uri="{91240B29-F687-4f45-9708-019B960494DF}">
-              <a14:hiddenLine xmlns:a14="http://schemas.microsoft.com/office/drawing/2010/main" xmlns="" w="9525">
+              <a14:hiddenLine xmlns="" xmlns:a14="http://schemas.microsoft.com/office/drawing/2010/main" w="9525">
                 <a:solidFill>
                   <a:srgbClr val="000000"/>
                 </a:solidFill>
@@ -1762,7 +2288,7 @@
                 <a:latin typeface="Calibri" pitchFamily="34" charset="0"/>
               </a:rPr>
               <a:pPr eaLnBrk="1" hangingPunct="1"/>
-              <a:t>7</a:t>
+              <a:t>10</a:t>
             </a:fld>
             <a:endParaRPr lang="en-US" dirty="0">
               <a:latin typeface="Calibri" pitchFamily="34" charset="0"/>
@@ -1783,7 +2309,7 @@
 </p:notes>
 </file>
 
-<file path=ppt/notesSlides/notesSlide5.xml><?xml version="1.0" encoding="utf-8"?>
+<file path=ppt/notesSlides/notesSlide6.xml><?xml version="1.0" encoding="utf-8"?>
 <p:notes xmlns:a="http://schemas.openxmlformats.org/drawingml/2006/main" xmlns:r="http://schemas.openxmlformats.org/officeDocument/2006/relationships" xmlns:p="http://schemas.openxmlformats.org/presentationml/2006/main">
   <p:cSld>
     <p:spTree>
@@ -1822,7 +2348,7 @@
           </a:ln>
           <a:extLst>
             <a:ext uri="{909E8E84-426E-40dd-AFC4-6F175D3DCCD1}">
-              <a14:hiddenFill xmlns="" xmlns:a14="http://schemas.microsoft.com/office/drawing/2010/main">
+              <a14:hiddenFill xmlns:a14="http://schemas.microsoft.com/office/drawing/2010/main" xmlns="">
                 <a:solidFill>
                   <a:srgbClr val="FFFFFF"/>
                 </a:solidFill>
@@ -1846,14 +2372,14 @@
           <a:ln/>
           <a:extLst>
             <a:ext uri="{909E8E84-426E-40dd-AFC4-6F175D3DCCD1}">
-              <a14:hiddenFill xmlns="" xmlns:a14="http://schemas.microsoft.com/office/drawing/2010/main">
+              <a14:hiddenFill xmlns:a14="http://schemas.microsoft.com/office/drawing/2010/main" xmlns="">
                 <a:solidFill>
                   <a:srgbClr val="FFFFFF"/>
                 </a:solidFill>
               </a14:hiddenFill>
             </a:ext>
             <a:ext uri="{91240B29-F687-4f45-9708-019B960494DF}">
-              <a14:hiddenLine xmlns="" xmlns:a14="http://schemas.microsoft.com/office/drawing/2010/main" w="9525">
+              <a14:hiddenLine xmlns:a14="http://schemas.microsoft.com/office/drawing/2010/main" xmlns="" w="9525">
                 <a:solidFill>
                   <a:srgbClr val="000000"/>
                 </a:solidFill>
@@ -1968,14 +2494,14 @@
           <a:ln/>
           <a:extLst>
             <a:ext uri="{909E8E84-426E-40dd-AFC4-6F175D3DCCD1}">
-              <a14:hiddenFill xmlns="" xmlns:a14="http://schemas.microsoft.com/office/drawing/2010/main">
+              <a14:hiddenFill xmlns:a14="http://schemas.microsoft.com/office/drawing/2010/main" xmlns="">
                 <a:solidFill>
                   <a:srgbClr val="FFFFFF"/>
                 </a:solidFill>
               </a14:hiddenFill>
             </a:ext>
             <a:ext uri="{91240B29-F687-4f45-9708-019B960494DF}">
-              <a14:hiddenLine xmlns="" xmlns:a14="http://schemas.microsoft.com/office/drawing/2010/main" w="9525">
+              <a14:hiddenLine xmlns:a14="http://schemas.microsoft.com/office/drawing/2010/main" xmlns="" w="9525">
                 <a:solidFill>
                   <a:srgbClr val="000000"/>
                 </a:solidFill>
@@ -2102,7 +2628,7 @@
                 <a:latin typeface="Calibri" pitchFamily="34" charset="0"/>
               </a:rPr>
               <a:pPr eaLnBrk="1" hangingPunct="1"/>
-              <a:t>9</a:t>
+              <a:t>12</a:t>
             </a:fld>
             <a:endParaRPr lang="en-US" dirty="0">
               <a:latin typeface="Calibri" pitchFamily="34" charset="0"/>
@@ -2114,114 +2640,6 @@
     <p:extLst>
       <p:ext uri="{BB962C8B-B14F-4D97-AF65-F5344CB8AC3E}">
         <p14:creationId xmlns:p14="http://schemas.microsoft.com/office/powerpoint/2010/main" val="1601598168"/>
-      </p:ext>
-    </p:extLst>
-  </p:cSld>
-  <p:clrMapOvr>
-    <a:masterClrMapping/>
-  </p:clrMapOvr>
-</p:notes>
-</file>
-
-<file path=ppt/notesSlides/notesSlide6.xml><?xml version="1.0" encoding="utf-8"?>
-<p:notes xmlns:a="http://schemas.openxmlformats.org/drawingml/2006/main" xmlns:r="http://schemas.openxmlformats.org/officeDocument/2006/relationships" xmlns:p="http://schemas.openxmlformats.org/presentationml/2006/main">
-  <p:cSld>
-    <p:spTree>
-      <p:nvGrpSpPr>
-        <p:cNvPr id="1" name=""/>
-        <p:cNvGrpSpPr/>
-        <p:nvPr/>
-      </p:nvGrpSpPr>
-      <p:grpSpPr>
-        <a:xfrm>
-          <a:off x="0" y="0"/>
-          <a:ext cx="0" cy="0"/>
-          <a:chOff x="0" y="0"/>
-          <a:chExt cx="0" cy="0"/>
-        </a:xfrm>
-      </p:grpSpPr>
-      <p:sp>
-        <p:nvSpPr>
-          <p:cNvPr id="2" name="Slide Image Placeholder 1"/>
-          <p:cNvSpPr>
-            <a:spLocks noGrp="1" noRot="1" noChangeAspect="1"/>
-          </p:cNvSpPr>
-          <p:nvPr>
-            <p:ph type="sldImg"/>
-          </p:nvPr>
-        </p:nvSpPr>
-        <p:spPr/>
-      </p:sp>
-      <p:sp>
-        <p:nvSpPr>
-          <p:cNvPr id="3" name="Notes Placeholder 2"/>
-          <p:cNvSpPr>
-            <a:spLocks noGrp="1"/>
-          </p:cNvSpPr>
-          <p:nvPr>
-            <p:ph type="body" idx="1"/>
-          </p:nvPr>
-        </p:nvSpPr>
-        <p:spPr/>
-        <p:txBody>
-          <a:bodyPr/>
-          <a:lstStyle/>
-          <a:p>
-            <a:r>
-              <a:rPr lang="en-US" dirty="0"/>
-              <a:t>What if we suddenly</a:t>
-            </a:r>
-            <a:r>
-              <a:rPr lang="en-US" baseline="0" dirty="0"/>
-              <a:t> wanted to add a second solar system…</a:t>
-            </a:r>
-          </a:p>
-          <a:p>
-            <a:r>
-              <a:rPr lang="en-US" baseline="0" dirty="0"/>
-              <a:t>Static makes for bad design, i.e. hard to use/reuse/</a:t>
-            </a:r>
-            <a:r>
-              <a:rPr lang="en-US" b="1" baseline="0" dirty="0"/>
-              <a:t>extend</a:t>
-            </a:r>
-            <a:endParaRPr lang="en-US" b="1" dirty="0"/>
-          </a:p>
-        </p:txBody>
-      </p:sp>
-      <p:sp>
-        <p:nvSpPr>
-          <p:cNvPr id="4" name="Slide Number Placeholder 3"/>
-          <p:cNvSpPr>
-            <a:spLocks noGrp="1"/>
-          </p:cNvSpPr>
-          <p:nvPr>
-            <p:ph type="sldNum" sz="quarter" idx="10"/>
-          </p:nvPr>
-        </p:nvSpPr>
-        <p:spPr/>
-        <p:txBody>
-          <a:bodyPr/>
-          <a:lstStyle/>
-          <a:p>
-            <a:pPr>
-              <a:defRPr/>
-            </a:pPr>
-            <a:fld id="{41BB943A-C3B9-42AE-8B54-C2335812312E}" type="slidenum">
-              <a:rPr lang="en-US" smtClean="0"/>
-              <a:pPr>
-                <a:defRPr/>
-              </a:pPr>
-              <a:t>10</a:t>
-            </a:fld>
-            <a:endParaRPr lang="en-US" dirty="0"/>
-          </a:p>
-        </p:txBody>
-      </p:sp>
-    </p:spTree>
-    <p:extLst>
-      <p:ext uri="{BB962C8B-B14F-4D97-AF65-F5344CB8AC3E}">
-        <p14:creationId xmlns:p14="http://schemas.microsoft.com/office/powerpoint/2010/main" val="1012682020"/>
       </p:ext>
     </p:extLst>
   </p:cSld>
@@ -2275,6 +2693,24 @@
           <a:bodyPr/>
           <a:lstStyle/>
           <a:p>
+            <a:r>
+              <a:rPr lang="en-US" dirty="0"/>
+              <a:t>What if we suddenly</a:t>
+            </a:r>
+            <a:r>
+              <a:rPr lang="en-US" baseline="0" dirty="0"/>
+              <a:t> wanted to add a second solar system…</a:t>
+            </a:r>
+          </a:p>
+          <a:p>
+            <a:r>
+              <a:rPr lang="en-US" baseline="0" dirty="0"/>
+              <a:t>Static makes for bad design, i.e. hard to use/reuse/</a:t>
+            </a:r>
+            <a:r>
+              <a:rPr lang="en-US" b="1" baseline="0" dirty="0"/>
+              <a:t>extend</a:t>
+            </a:r>
             <a:endParaRPr lang="en-US" b="1" dirty="0"/>
           </a:p>
         </p:txBody>
@@ -2302,7 +2738,7 @@
               <a:pPr>
                 <a:defRPr/>
               </a:pPr>
-              <a:t>11</a:t>
+              <a:t>13</a:t>
             </a:fld>
             <a:endParaRPr lang="en-US" dirty="0"/>
           </a:p>
@@ -2311,7 +2747,7 @@
     </p:spTree>
     <p:extLst>
       <p:ext uri="{BB962C8B-B14F-4D97-AF65-F5344CB8AC3E}">
-        <p14:creationId xmlns:p14="http://schemas.microsoft.com/office/powerpoint/2010/main" val="2792262401"/>
+        <p14:creationId xmlns:p14="http://schemas.microsoft.com/office/powerpoint/2010/main" val="1012682020"/>
       </p:ext>
     </p:extLst>
   </p:cSld>
@@ -2365,7 +2801,7 @@
           <a:bodyPr/>
           <a:lstStyle/>
           <a:p>
-            <a:endParaRPr lang="en-US" dirty="0"/>
+            <a:endParaRPr lang="en-US" b="1" dirty="0"/>
           </a:p>
         </p:txBody>
       </p:sp>
@@ -2392,7 +2828,7 @@
               <a:pPr>
                 <a:defRPr/>
               </a:pPr>
-              <a:t>12</a:t>
+              <a:t>14</a:t>
             </a:fld>
             <a:endParaRPr lang="en-US" dirty="0"/>
           </a:p>
@@ -2401,7 +2837,7 @@
     </p:spTree>
     <p:extLst>
       <p:ext uri="{BB962C8B-B14F-4D97-AF65-F5344CB8AC3E}">
-        <p14:creationId xmlns:p14="http://schemas.microsoft.com/office/powerpoint/2010/main" val="1968476214"/>
+        <p14:creationId xmlns:p14="http://schemas.microsoft.com/office/powerpoint/2010/main" val="2792262401"/>
       </p:ext>
     </p:extLst>
   </p:cSld>
@@ -2455,14 +2891,6 @@
           <a:bodyPr/>
           <a:lstStyle/>
           <a:p>
-            <a:r>
-              <a:rPr lang="en-US" dirty="0"/>
-              <a:t>Do</a:t>
-            </a:r>
-            <a:r>
-              <a:rPr lang="en-US" baseline="0" dirty="0"/>
-              <a:t> an example with students and have them do the rest on their own.</a:t>
-            </a:r>
             <a:endParaRPr lang="en-US" dirty="0"/>
           </a:p>
         </p:txBody>
@@ -2490,7 +2918,7 @@
               <a:pPr>
                 <a:defRPr/>
               </a:pPr>
-              <a:t>13</a:t>
+              <a:t>15</a:t>
             </a:fld>
             <a:endParaRPr lang="en-US" dirty="0"/>
           </a:p>
@@ -2499,7 +2927,7 @@
     </p:spTree>
     <p:extLst>
       <p:ext uri="{BB962C8B-B14F-4D97-AF65-F5344CB8AC3E}">
-        <p14:creationId xmlns:p14="http://schemas.microsoft.com/office/powerpoint/2010/main" val="201707920"/>
+        <p14:creationId xmlns:p14="http://schemas.microsoft.com/office/powerpoint/2010/main" val="1968476214"/>
       </p:ext>
     </p:extLst>
   </p:cSld>
@@ -2694,7 +3122,7 @@
               <a:pPr>
                 <a:defRPr/>
               </a:pPr>
-              <a:t>Thursday, February 24, 2022</a:t>
+              <a:t>Tuesday, March 1, 2022</a:t>
             </a:fld>
             <a:endParaRPr lang="en-US" dirty="0"/>
           </a:p>
@@ -2877,7 +3305,7 @@
               <a:pPr>
                 <a:defRPr/>
               </a:pPr>
-              <a:t>Thursday, February 24, 2022</a:t>
+              <a:t>Tuesday, March 1, 2022</a:t>
             </a:fld>
             <a:endParaRPr lang="en-US" dirty="0"/>
           </a:p>
@@ -3070,7 +3498,7 @@
               <a:pPr>
                 <a:defRPr/>
               </a:pPr>
-              <a:t>Thursday, February 24, 2022</a:t>
+              <a:t>Tuesday, March 1, 2022</a:t>
             </a:fld>
             <a:endParaRPr lang="en-US" dirty="0"/>
           </a:p>
@@ -3253,7 +3681,7 @@
               <a:pPr>
                 <a:defRPr/>
               </a:pPr>
-              <a:t>Thursday, February 24, 2022</a:t>
+              <a:t>Tuesday, March 1, 2022</a:t>
             </a:fld>
             <a:endParaRPr lang="en-US" dirty="0"/>
           </a:p>
@@ -3513,7 +3941,7 @@
               <a:pPr>
                 <a:defRPr/>
               </a:pPr>
-              <a:t>Thursday, February 24, 2022</a:t>
+              <a:t>Tuesday, March 1, 2022</a:t>
             </a:fld>
             <a:endParaRPr lang="en-US" dirty="0"/>
           </a:p>
@@ -3813,7 +4241,7 @@
               <a:pPr>
                 <a:defRPr/>
               </a:pPr>
-              <a:t>Thursday, February 24, 2022</a:t>
+              <a:t>Tuesday, March 1, 2022</a:t>
             </a:fld>
             <a:endParaRPr lang="en-US" dirty="0"/>
           </a:p>
@@ -4247,7 +4675,7 @@
               <a:pPr>
                 <a:defRPr/>
               </a:pPr>
-              <a:t>Thursday, February 24, 2022</a:t>
+              <a:t>Tuesday, March 1, 2022</a:t>
             </a:fld>
             <a:endParaRPr lang="en-US" dirty="0"/>
           </a:p>
@@ -4379,7 +4807,7 @@
               <a:pPr>
                 <a:defRPr/>
               </a:pPr>
-              <a:t>Thursday, February 24, 2022</a:t>
+              <a:t>Tuesday, March 1, 2022</a:t>
             </a:fld>
             <a:endParaRPr lang="en-US" dirty="0"/>
           </a:p>
@@ -4489,7 +4917,7 @@
               <a:pPr>
                 <a:defRPr/>
               </a:pPr>
-              <a:t>Thursday, February 24, 2022</a:t>
+              <a:t>Tuesday, March 1, 2022</a:t>
             </a:fld>
             <a:endParaRPr lang="en-US" dirty="0"/>
           </a:p>
@@ -4779,7 +5207,7 @@
               <a:pPr>
                 <a:defRPr/>
               </a:pPr>
-              <a:t>Thursday, February 24, 2022</a:t>
+              <a:t>Tuesday, March 1, 2022</a:t>
             </a:fld>
             <a:endParaRPr lang="en-US" dirty="0"/>
           </a:p>
@@ -5046,7 +5474,7 @@
               <a:pPr>
                 <a:defRPr/>
               </a:pPr>
-              <a:t>Thursday, February 24, 2022</a:t>
+              <a:t>Tuesday, March 1, 2022</a:t>
             </a:fld>
             <a:endParaRPr lang="en-US" dirty="0"/>
           </a:p>
@@ -5272,7 +5700,7 @@
               <a:pPr>
                 <a:defRPr/>
               </a:pPr>
-              <a:t>Thursday, February 24, 2022</a:t>
+              <a:t>Tuesday, March 1, 2022</a:t>
             </a:fld>
             <a:endParaRPr lang="en-US" dirty="0"/>
           </a:p>
@@ -5835,2835 +6263,6 @@
           <a:chExt cx="0" cy="0"/>
         </a:xfrm>
       </p:grpSpPr>
-      <p:sp>
-        <p:nvSpPr>
-          <p:cNvPr id="2" name="Title 1"/>
-          <p:cNvSpPr>
-            <a:spLocks noGrp="1"/>
-          </p:cNvSpPr>
-          <p:nvPr>
-            <p:ph type="title"/>
-          </p:nvPr>
-        </p:nvSpPr>
-        <p:spPr>
-          <a:xfrm>
-            <a:off x="457200" y="131763"/>
-            <a:ext cx="8229600" cy="1143000"/>
-          </a:xfrm>
-        </p:spPr>
-        <p:txBody>
-          <a:bodyPr>
-            <a:normAutofit fontScale="90000"/>
-          </a:bodyPr>
-          <a:lstStyle/>
-          <a:p>
-            <a:r>
-              <a:rPr lang="en-US" dirty="0"/>
-              <a:t>Global/Static Variables are bad, why? </a:t>
-            </a:r>
-          </a:p>
-        </p:txBody>
-      </p:sp>
-      <p:sp>
-        <p:nvSpPr>
-          <p:cNvPr id="3" name="Content Placeholder 2"/>
-          <p:cNvSpPr>
-            <a:spLocks noGrp="1"/>
-          </p:cNvSpPr>
-          <p:nvPr>
-            <p:ph idx="1"/>
-          </p:nvPr>
-        </p:nvSpPr>
-        <p:spPr>
-          <a:xfrm>
-            <a:off x="723900" y="1066801"/>
-            <a:ext cx="8229600" cy="590549"/>
-          </a:xfrm>
-        </p:spPr>
-        <p:txBody>
-          <a:bodyPr>
-            <a:noAutofit/>
-          </a:bodyPr>
-          <a:lstStyle/>
-          <a:p>
-            <a:pPr marL="0" indent="0">
-              <a:buNone/>
-            </a:pPr>
-            <a:r>
-              <a:rPr lang="en-US" sz="2400" dirty="0"/>
-              <a:t>For example, what if </a:t>
-            </a:r>
-            <a:r>
-              <a:rPr lang="en-US" sz="2400" i="1" dirty="0"/>
-              <a:t>planetColor</a:t>
-            </a:r>
-            <a:r>
-              <a:rPr lang="en-US" sz="2400" dirty="0"/>
-              <a:t>, </a:t>
-            </a:r>
-            <a:r>
-              <a:rPr lang="en-US" sz="2400" i="1" dirty="0"/>
-              <a:t>moonColor</a:t>
-            </a:r>
-            <a:r>
-              <a:rPr lang="en-US" sz="2400" dirty="0"/>
-              <a:t> were static?</a:t>
-            </a:r>
-          </a:p>
-        </p:txBody>
-      </p:sp>
-      <p:pic>
-        <p:nvPicPr>
-          <p:cNvPr id="5" name="Graphic 4">
-            <a:extLst>
-              <a:ext uri="{FF2B5EF4-FFF2-40B4-BE49-F238E27FC236}">
-                <a16:creationId xmlns:a16="http://schemas.microsoft.com/office/drawing/2014/main" id="{7218954B-0EDE-D645-A8A2-FC65644952F3}"/>
-              </a:ext>
-            </a:extLst>
-          </p:cNvPr>
-          <p:cNvPicPr>
-            <a:picLocks noChangeAspect="1"/>
-          </p:cNvPicPr>
-          <p:nvPr/>
-        </p:nvPicPr>
-        <p:blipFill>
-          <a:blip r:embed="rId3">
-            <a:extLst>
-              <a:ext uri="{28A0092B-C50C-407E-A947-70E740481C1C}">
-                <a14:useLocalDpi xmlns:a14="http://schemas.microsoft.com/office/drawing/2010/main" val="0"/>
-              </a:ext>
-              <a:ext uri="{96DAC541-7B7A-43D3-8B79-37D633B846F1}">
-                <asvg:svgBlip xmlns:asvg="http://schemas.microsoft.com/office/drawing/2016/SVG/main" r:embed="rId4"/>
-              </a:ext>
-            </a:extLst>
-          </a:blip>
-          <a:stretch>
-            <a:fillRect/>
-          </a:stretch>
-        </p:blipFill>
-        <p:spPr>
-          <a:xfrm>
-            <a:off x="278130" y="2074243"/>
-            <a:ext cx="8622615" cy="2735372"/>
-          </a:xfrm>
-          <a:prstGeom prst="rect">
-            <a:avLst/>
-          </a:prstGeom>
-        </p:spPr>
-      </p:pic>
-      <p:sp>
-        <p:nvSpPr>
-          <p:cNvPr id="6" name="Rectangle 5">
-            <a:extLst>
-              <a:ext uri="{FF2B5EF4-FFF2-40B4-BE49-F238E27FC236}">
-                <a16:creationId xmlns:a16="http://schemas.microsoft.com/office/drawing/2014/main" id="{7E635863-EDE1-3A41-AEA0-7057E65ED8A7}"/>
-              </a:ext>
-            </a:extLst>
-          </p:cNvPr>
-          <p:cNvSpPr/>
-          <p:nvPr/>
-        </p:nvSpPr>
-        <p:spPr>
-          <a:xfrm>
-            <a:off x="5476876" y="2466976"/>
-            <a:ext cx="1752600" cy="285750"/>
-          </a:xfrm>
-          <a:prstGeom prst="rect">
-            <a:avLst/>
-          </a:prstGeom>
-          <a:noFill/>
-          <a:ln>
-            <a:solidFill>
-              <a:schemeClr val="tx2"/>
-            </a:solidFill>
-          </a:ln>
-        </p:spPr>
-        <p:style>
-          <a:lnRef idx="2">
-            <a:schemeClr val="accent1">
-              <a:shade val="50000"/>
-            </a:schemeClr>
-          </a:lnRef>
-          <a:fillRef idx="1">
-            <a:schemeClr val="accent1"/>
-          </a:fillRef>
-          <a:effectRef idx="0">
-            <a:schemeClr val="accent1"/>
-          </a:effectRef>
-          <a:fontRef idx="minor">
-            <a:schemeClr val="lt1"/>
-          </a:fontRef>
-        </p:style>
-        <p:txBody>
-          <a:bodyPr rtlCol="0" anchor="ctr"/>
-          <a:lstStyle/>
-          <a:p>
-            <a:pPr algn="ctr"/>
-            <a:endParaRPr lang="en-US" dirty="0"/>
-          </a:p>
-        </p:txBody>
-      </p:sp>
-      <p:sp>
-        <p:nvSpPr>
-          <p:cNvPr id="9" name="Freeform 8">
-            <a:extLst>
-              <a:ext uri="{FF2B5EF4-FFF2-40B4-BE49-F238E27FC236}">
-                <a16:creationId xmlns:a16="http://schemas.microsoft.com/office/drawing/2014/main" id="{F516990A-07DC-564A-9C2E-66C6FAD95296}"/>
-              </a:ext>
-            </a:extLst>
-          </p:cNvPr>
-          <p:cNvSpPr/>
-          <p:nvPr/>
-        </p:nvSpPr>
-        <p:spPr>
-          <a:xfrm>
-            <a:off x="3335487" y="1347259"/>
-            <a:ext cx="3069054" cy="414932"/>
-          </a:xfrm>
-          <a:custGeom>
-            <a:avLst/>
-            <a:gdLst>
-              <a:gd name="connsiteX0" fmla="*/ 7788 w 3069054"/>
-              <a:gd name="connsiteY0" fmla="*/ 24341 h 414932"/>
-              <a:gd name="connsiteX1" fmla="*/ 64938 w 3069054"/>
-              <a:gd name="connsiteY1" fmla="*/ 243416 h 414932"/>
-              <a:gd name="connsiteX2" fmla="*/ 484038 w 3069054"/>
-              <a:gd name="connsiteY2" fmla="*/ 271991 h 414932"/>
-              <a:gd name="connsiteX3" fmla="*/ 1417488 w 3069054"/>
-              <a:gd name="connsiteY3" fmla="*/ 262466 h 414932"/>
-              <a:gd name="connsiteX4" fmla="*/ 1550838 w 3069054"/>
-              <a:gd name="connsiteY4" fmla="*/ 414866 h 414932"/>
-              <a:gd name="connsiteX5" fmla="*/ 1569888 w 3069054"/>
-              <a:gd name="connsiteY5" fmla="*/ 281516 h 414932"/>
-              <a:gd name="connsiteX6" fmla="*/ 1979463 w 3069054"/>
-              <a:gd name="connsiteY6" fmla="*/ 262466 h 414932"/>
-              <a:gd name="connsiteX7" fmla="*/ 2979588 w 3069054"/>
-              <a:gd name="connsiteY7" fmla="*/ 224366 h 414932"/>
-              <a:gd name="connsiteX8" fmla="*/ 3027213 w 3069054"/>
-              <a:gd name="connsiteY8" fmla="*/ 14816 h 414932"/>
-              <a:gd name="connsiteX9" fmla="*/ 3036738 w 3069054"/>
-              <a:gd name="connsiteY9" fmla="*/ 33866 h 414932"/>
-            </a:gdLst>
-            <a:ahLst/>
-            <a:cxnLst>
-              <a:cxn ang="0">
-                <a:pos x="connsiteX0" y="connsiteY0"/>
-              </a:cxn>
-              <a:cxn ang="0">
-                <a:pos x="connsiteX1" y="connsiteY1"/>
-              </a:cxn>
-              <a:cxn ang="0">
-                <a:pos x="connsiteX2" y="connsiteY2"/>
-              </a:cxn>
-              <a:cxn ang="0">
-                <a:pos x="connsiteX3" y="connsiteY3"/>
-              </a:cxn>
-              <a:cxn ang="0">
-                <a:pos x="connsiteX4" y="connsiteY4"/>
-              </a:cxn>
-              <a:cxn ang="0">
-                <a:pos x="connsiteX5" y="connsiteY5"/>
-              </a:cxn>
-              <a:cxn ang="0">
-                <a:pos x="connsiteX6" y="connsiteY6"/>
-              </a:cxn>
-              <a:cxn ang="0">
-                <a:pos x="connsiteX7" y="connsiteY7"/>
-              </a:cxn>
-              <a:cxn ang="0">
-                <a:pos x="connsiteX8" y="connsiteY8"/>
-              </a:cxn>
-              <a:cxn ang="0">
-                <a:pos x="connsiteX9" y="connsiteY9"/>
-              </a:cxn>
-            </a:cxnLst>
-            <a:rect l="l" t="t" r="r" b="b"/>
-            <a:pathLst>
-              <a:path w="3069054" h="414932">
-                <a:moveTo>
-                  <a:pt x="7788" y="24341"/>
-                </a:moveTo>
-                <a:cubicBezTo>
-                  <a:pt x="-3325" y="113241"/>
-                  <a:pt x="-14437" y="202141"/>
-                  <a:pt x="64938" y="243416"/>
-                </a:cubicBezTo>
-                <a:cubicBezTo>
-                  <a:pt x="144313" y="284691"/>
-                  <a:pt x="484038" y="271991"/>
-                  <a:pt x="484038" y="271991"/>
-                </a:cubicBezTo>
-                <a:cubicBezTo>
-                  <a:pt x="709463" y="275166"/>
-                  <a:pt x="1239688" y="238654"/>
-                  <a:pt x="1417488" y="262466"/>
-                </a:cubicBezTo>
-                <a:cubicBezTo>
-                  <a:pt x="1595288" y="286278"/>
-                  <a:pt x="1525438" y="411691"/>
-                  <a:pt x="1550838" y="414866"/>
-                </a:cubicBezTo>
-                <a:cubicBezTo>
-                  <a:pt x="1576238" y="418041"/>
-                  <a:pt x="1498451" y="306916"/>
-                  <a:pt x="1569888" y="281516"/>
-                </a:cubicBezTo>
-                <a:cubicBezTo>
-                  <a:pt x="1641325" y="256116"/>
-                  <a:pt x="1979463" y="262466"/>
-                  <a:pt x="1979463" y="262466"/>
-                </a:cubicBezTo>
-                <a:cubicBezTo>
-                  <a:pt x="2214413" y="252941"/>
-                  <a:pt x="2804963" y="265641"/>
-                  <a:pt x="2979588" y="224366"/>
-                </a:cubicBezTo>
-                <a:cubicBezTo>
-                  <a:pt x="3154213" y="183091"/>
-                  <a:pt x="3017688" y="46566"/>
-                  <a:pt x="3027213" y="14816"/>
-                </a:cubicBezTo>
-                <a:cubicBezTo>
-                  <a:pt x="3036738" y="-16934"/>
-                  <a:pt x="3036738" y="8466"/>
-                  <a:pt x="3036738" y="33866"/>
-                </a:cubicBezTo>
-              </a:path>
-            </a:pathLst>
-          </a:custGeom>
-          <a:noFill/>
-          <a:ln>
-            <a:solidFill>
-              <a:schemeClr val="tx2"/>
-            </a:solidFill>
-          </a:ln>
-        </p:spPr>
-        <p:style>
-          <a:lnRef idx="2">
-            <a:schemeClr val="accent1">
-              <a:shade val="50000"/>
-            </a:schemeClr>
-          </a:lnRef>
-          <a:fillRef idx="1">
-            <a:schemeClr val="accent1"/>
-          </a:fillRef>
-          <a:effectRef idx="0">
-            <a:schemeClr val="accent1"/>
-          </a:effectRef>
-          <a:fontRef idx="minor">
-            <a:schemeClr val="lt1"/>
-          </a:fontRef>
-        </p:style>
-        <p:txBody>
-          <a:bodyPr rtlCol="0" anchor="ctr"/>
-          <a:lstStyle/>
-          <a:p>
-            <a:pPr algn="ctr"/>
-            <a:endParaRPr lang="en-US" dirty="0"/>
-          </a:p>
-        </p:txBody>
-      </p:sp>
-      <p:sp>
-        <p:nvSpPr>
-          <p:cNvPr id="11" name="Freeform 10">
-            <a:extLst>
-              <a:ext uri="{FF2B5EF4-FFF2-40B4-BE49-F238E27FC236}">
-                <a16:creationId xmlns:a16="http://schemas.microsoft.com/office/drawing/2014/main" id="{F4E74F08-9F73-3142-A0CB-A86036FB2639}"/>
-              </a:ext>
-            </a:extLst>
-          </p:cNvPr>
-          <p:cNvSpPr/>
-          <p:nvPr/>
-        </p:nvSpPr>
-        <p:spPr>
-          <a:xfrm>
-            <a:off x="4905375" y="1876425"/>
-            <a:ext cx="1285875" cy="495300"/>
-          </a:xfrm>
-          <a:custGeom>
-            <a:avLst/>
-            <a:gdLst>
-              <a:gd name="connsiteX0" fmla="*/ 0 w 1285875"/>
-              <a:gd name="connsiteY0" fmla="*/ 0 h 495300"/>
-              <a:gd name="connsiteX1" fmla="*/ 57150 w 1285875"/>
-              <a:gd name="connsiteY1" fmla="*/ 123825 h 495300"/>
-              <a:gd name="connsiteX2" fmla="*/ 295275 w 1285875"/>
-              <a:gd name="connsiteY2" fmla="*/ 114300 h 495300"/>
-              <a:gd name="connsiteX3" fmla="*/ 1066800 w 1285875"/>
-              <a:gd name="connsiteY3" fmla="*/ 95250 h 495300"/>
-              <a:gd name="connsiteX4" fmla="*/ 1285875 w 1285875"/>
-              <a:gd name="connsiteY4" fmla="*/ 495300 h 495300"/>
-            </a:gdLst>
-            <a:ahLst/>
-            <a:cxnLst>
-              <a:cxn ang="0">
-                <a:pos x="connsiteX0" y="connsiteY0"/>
-              </a:cxn>
-              <a:cxn ang="0">
-                <a:pos x="connsiteX1" y="connsiteY1"/>
-              </a:cxn>
-              <a:cxn ang="0">
-                <a:pos x="connsiteX2" y="connsiteY2"/>
-              </a:cxn>
-              <a:cxn ang="0">
-                <a:pos x="connsiteX3" y="connsiteY3"/>
-              </a:cxn>
-              <a:cxn ang="0">
-                <a:pos x="connsiteX4" y="connsiteY4"/>
-              </a:cxn>
-            </a:cxnLst>
-            <a:rect l="l" t="t" r="r" b="b"/>
-            <a:pathLst>
-              <a:path w="1285875" h="495300">
-                <a:moveTo>
-                  <a:pt x="0" y="0"/>
-                </a:moveTo>
-                <a:cubicBezTo>
-                  <a:pt x="3969" y="52387"/>
-                  <a:pt x="7938" y="104775"/>
-                  <a:pt x="57150" y="123825"/>
-                </a:cubicBezTo>
-                <a:cubicBezTo>
-                  <a:pt x="106363" y="142875"/>
-                  <a:pt x="295275" y="114300"/>
-                  <a:pt x="295275" y="114300"/>
-                </a:cubicBezTo>
-                <a:cubicBezTo>
-                  <a:pt x="463550" y="109538"/>
-                  <a:pt x="901700" y="31750"/>
-                  <a:pt x="1066800" y="95250"/>
-                </a:cubicBezTo>
-                <a:cubicBezTo>
-                  <a:pt x="1231900" y="158750"/>
-                  <a:pt x="1258887" y="327025"/>
-                  <a:pt x="1285875" y="495300"/>
-                </a:cubicBezTo>
-              </a:path>
-            </a:pathLst>
-          </a:custGeom>
-          <a:noFill/>
-          <a:ln>
-            <a:solidFill>
-              <a:schemeClr val="tx2"/>
-            </a:solidFill>
-            <a:headEnd type="none" w="med" len="med"/>
-            <a:tailEnd type="arrow" w="med" len="med"/>
-          </a:ln>
-        </p:spPr>
-        <p:style>
-          <a:lnRef idx="2">
-            <a:schemeClr val="accent1">
-              <a:shade val="50000"/>
-            </a:schemeClr>
-          </a:lnRef>
-          <a:fillRef idx="1">
-            <a:schemeClr val="accent1"/>
-          </a:fillRef>
-          <a:effectRef idx="0">
-            <a:schemeClr val="accent1"/>
-          </a:effectRef>
-          <a:fontRef idx="minor">
-            <a:schemeClr val="lt1"/>
-          </a:fontRef>
-        </p:style>
-        <p:txBody>
-          <a:bodyPr rtlCol="0" anchor="ctr"/>
-          <a:lstStyle/>
-          <a:p>
-            <a:pPr algn="ctr"/>
-            <a:endParaRPr lang="en-US" dirty="0"/>
-          </a:p>
-        </p:txBody>
-      </p:sp>
-    </p:spTree>
-    <p:extLst>
-      <p:ext uri="{BB962C8B-B14F-4D97-AF65-F5344CB8AC3E}">
-        <p14:creationId xmlns:p14="http://schemas.microsoft.com/office/powerpoint/2010/main" val="1930823340"/>
-      </p:ext>
-    </p:extLst>
-  </p:cSld>
-  <p:clrMapOvr>
-    <a:masterClrMapping/>
-  </p:clrMapOvr>
-</p:sld>
-</file>
-
-<file path=ppt/slides/slide11.xml><?xml version="1.0" encoding="utf-8"?>
-<p:sld xmlns:a="http://schemas.openxmlformats.org/drawingml/2006/main" xmlns:r="http://schemas.openxmlformats.org/officeDocument/2006/relationships" xmlns:p="http://schemas.openxmlformats.org/presentationml/2006/main">
-  <p:cSld>
-    <p:spTree>
-      <p:nvGrpSpPr>
-        <p:cNvPr id="1" name=""/>
-        <p:cNvGrpSpPr/>
-        <p:nvPr/>
-      </p:nvGrpSpPr>
-      <p:grpSpPr>
-        <a:xfrm>
-          <a:off x="0" y="0"/>
-          <a:ext cx="0" cy="0"/>
-          <a:chOff x="0" y="0"/>
-          <a:chExt cx="0" cy="0"/>
-        </a:xfrm>
-      </p:grpSpPr>
-      <p:pic>
-        <p:nvPicPr>
-          <p:cNvPr id="6" name="Graphic 5">
-            <a:extLst>
-              <a:ext uri="{FF2B5EF4-FFF2-40B4-BE49-F238E27FC236}">
-                <a16:creationId xmlns:a16="http://schemas.microsoft.com/office/drawing/2014/main" id="{FA1E756F-5A1D-FC44-BC8B-A69560E1C1D6}"/>
-              </a:ext>
-            </a:extLst>
-          </p:cNvPr>
-          <p:cNvPicPr>
-            <a:picLocks noChangeAspect="1"/>
-          </p:cNvPicPr>
-          <p:nvPr/>
-        </p:nvPicPr>
-        <p:blipFill>
-          <a:blip r:embed="rId3">
-            <a:extLst>
-              <a:ext uri="{28A0092B-C50C-407E-A947-70E740481C1C}">
-                <a14:useLocalDpi xmlns:a14="http://schemas.microsoft.com/office/drawing/2010/main" val="0"/>
-              </a:ext>
-              <a:ext uri="{96DAC541-7B7A-43D3-8B79-37D633B846F1}">
-                <asvg:svgBlip xmlns:asvg="http://schemas.microsoft.com/office/drawing/2016/SVG/main" r:embed="rId4"/>
-              </a:ext>
-            </a:extLst>
-          </a:blip>
-          <a:stretch>
-            <a:fillRect/>
-          </a:stretch>
-        </p:blipFill>
-        <p:spPr>
-          <a:xfrm>
-            <a:off x="952500" y="1552575"/>
-            <a:ext cx="8191500" cy="4114800"/>
-          </a:xfrm>
-          <a:prstGeom prst="rect">
-            <a:avLst/>
-          </a:prstGeom>
-        </p:spPr>
-      </p:pic>
-      <p:sp>
-        <p:nvSpPr>
-          <p:cNvPr id="7" name="TextBox 6">
-            <a:extLst>
-              <a:ext uri="{FF2B5EF4-FFF2-40B4-BE49-F238E27FC236}">
-                <a16:creationId xmlns:a16="http://schemas.microsoft.com/office/drawing/2014/main" id="{6D5D79E1-22AA-9741-A14E-F06C7FACE616}"/>
-              </a:ext>
-            </a:extLst>
-          </p:cNvPr>
-          <p:cNvSpPr txBox="1"/>
-          <p:nvPr/>
-        </p:nvSpPr>
-        <p:spPr>
-          <a:xfrm>
-            <a:off x="47625" y="3638550"/>
-            <a:ext cx="3781425" cy="3046988"/>
-          </a:xfrm>
-          <a:prstGeom prst="rect">
-            <a:avLst/>
-          </a:prstGeom>
-          <a:noFill/>
-          <a:ln w="12700">
-            <a:solidFill>
-              <a:srgbClr val="000000"/>
-            </a:solidFill>
-          </a:ln>
-        </p:spPr>
-        <p:txBody>
-          <a:bodyPr wrap="square">
-            <a:spAutoFit/>
-          </a:bodyPr>
-          <a:lstStyle/>
-          <a:p>
-            <a:pPr>
-              <a:defRPr/>
-            </a:pPr>
-            <a:r>
-              <a:rPr lang="en-US" sz="1600" i="1" dirty="0">
-                <a:latin typeface="+mn-lt"/>
-                <a:cs typeface="Times New Roman" panose="02020603050405020304" pitchFamily="18" charset="0"/>
-              </a:rPr>
-              <a:t>planetColor</a:t>
-            </a:r>
-            <a:r>
-              <a:rPr lang="en-US" sz="1600" dirty="0">
-                <a:latin typeface="+mn-lt"/>
-                <a:cs typeface="Times New Roman" panose="02020603050405020304" pitchFamily="18" charset="0"/>
-              </a:rPr>
-              <a:t> and </a:t>
-            </a:r>
-            <a:r>
-              <a:rPr lang="en-US" sz="1600" i="1" dirty="0">
-                <a:latin typeface="+mn-lt"/>
-                <a:cs typeface="Times New Roman" panose="02020603050405020304" pitchFamily="18" charset="0"/>
-              </a:rPr>
-              <a:t>moonColor</a:t>
-            </a:r>
-            <a:r>
-              <a:rPr lang="en-US" sz="1600" dirty="0">
-                <a:latin typeface="+mn-lt"/>
-                <a:cs typeface="Times New Roman" panose="02020603050405020304" pitchFamily="18" charset="0"/>
-              </a:rPr>
-              <a:t> are now </a:t>
-            </a:r>
-            <a:r>
-              <a:rPr lang="en-US" sz="1400" dirty="0">
-                <a:latin typeface="Courier New" panose="02070309020205020404" pitchFamily="49" charset="0"/>
-                <a:cs typeface="Courier New" panose="02070309020205020404" pitchFamily="49" charset="0"/>
-              </a:rPr>
-              <a:t>public static</a:t>
-            </a:r>
-            <a:r>
-              <a:rPr lang="en-US" sz="1600" dirty="0">
-                <a:latin typeface="+mn-lt"/>
-                <a:cs typeface="Times New Roman" panose="02020603050405020304" pitchFamily="18" charset="0"/>
-              </a:rPr>
-              <a:t> fields in SolarSystem</a:t>
-            </a:r>
-          </a:p>
-          <a:p>
-            <a:pPr>
-              <a:defRPr/>
-            </a:pPr>
-            <a:endParaRPr lang="en-US" sz="1600" dirty="0">
-              <a:latin typeface="+mn-lt"/>
-              <a:cs typeface="Times New Roman" panose="02020603050405020304" pitchFamily="18" charset="0"/>
-            </a:endParaRPr>
-          </a:p>
-          <a:p>
-            <a:pPr>
-              <a:defRPr/>
-            </a:pPr>
-            <a:r>
-              <a:rPr lang="en-US" sz="1600" dirty="0">
-                <a:latin typeface="+mn-lt"/>
-                <a:cs typeface="Times New Roman" panose="02020603050405020304" pitchFamily="18" charset="0"/>
-              </a:rPr>
-              <a:t>So, they are not passed as parameters to the </a:t>
-            </a:r>
-            <a:r>
-              <a:rPr lang="en-US" sz="1600" i="1" dirty="0">
-                <a:latin typeface="+mn-lt"/>
-                <a:cs typeface="Times New Roman" panose="02020603050405020304" pitchFamily="18" charset="0"/>
-              </a:rPr>
-              <a:t>draw</a:t>
-            </a:r>
-            <a:r>
-              <a:rPr lang="en-US" sz="1600" dirty="0">
-                <a:latin typeface="+mn-lt"/>
-                <a:cs typeface="Times New Roman" panose="02020603050405020304" pitchFamily="18" charset="0"/>
-              </a:rPr>
-              <a:t> methods</a:t>
-            </a:r>
-          </a:p>
-          <a:p>
-            <a:pPr>
-              <a:defRPr/>
-            </a:pPr>
-            <a:endParaRPr lang="en-US" sz="1600" dirty="0">
-              <a:latin typeface="+mn-lt"/>
-              <a:cs typeface="Times New Roman" panose="02020603050405020304" pitchFamily="18" charset="0"/>
-            </a:endParaRPr>
-          </a:p>
-          <a:p>
-            <a:pPr>
-              <a:defRPr/>
-            </a:pPr>
-            <a:r>
-              <a:rPr lang="en-US" sz="1600" dirty="0">
-                <a:latin typeface="+mn-lt"/>
-                <a:cs typeface="Times New Roman" panose="02020603050405020304" pitchFamily="18" charset="0"/>
-              </a:rPr>
-              <a:t>Now the </a:t>
-            </a:r>
-            <a:r>
-              <a:rPr lang="en-US" sz="1600" i="1" dirty="0">
-                <a:latin typeface="+mn-lt"/>
-                <a:cs typeface="Times New Roman" panose="02020603050405020304" pitchFamily="18" charset="0"/>
-              </a:rPr>
-              <a:t>draw</a:t>
-            </a:r>
-            <a:r>
-              <a:rPr lang="en-US" sz="1600" dirty="0">
-                <a:latin typeface="+mn-lt"/>
-                <a:cs typeface="Times New Roman" panose="02020603050405020304" pitchFamily="18" charset="0"/>
-              </a:rPr>
-              <a:t> methods directly access those static variables</a:t>
-            </a:r>
-          </a:p>
-          <a:p>
-            <a:pPr>
-              <a:defRPr/>
-            </a:pPr>
-            <a:endParaRPr lang="en-US" sz="1600" dirty="0">
-              <a:latin typeface="+mn-lt"/>
-              <a:cs typeface="Times New Roman" panose="02020603050405020304" pitchFamily="18" charset="0"/>
-            </a:endParaRPr>
-          </a:p>
-          <a:p>
-            <a:pPr>
-              <a:tabLst>
-                <a:tab pos="227013" algn="l"/>
-                <a:tab pos="454025" algn="l"/>
-              </a:tabLst>
-              <a:defRPr/>
-            </a:pPr>
-            <a:r>
-              <a:rPr lang="en-US" sz="1200" b="1" dirty="0">
-                <a:latin typeface="Courier New" panose="02070309020205020404" pitchFamily="49" charset="0"/>
-                <a:cs typeface="Courier New" panose="02070309020205020404" pitchFamily="49" charset="0"/>
-              </a:rPr>
-              <a:t>void</a:t>
-            </a:r>
-            <a:r>
-              <a:rPr lang="en-US" sz="1200" dirty="0">
-                <a:latin typeface="Courier New" panose="02070309020205020404" pitchFamily="49" charset="0"/>
-                <a:cs typeface="Courier New" panose="02070309020205020404" pitchFamily="49" charset="0"/>
-              </a:rPr>
-              <a:t> draw(Graphics g2d) {</a:t>
-            </a:r>
-          </a:p>
-          <a:p>
-            <a:pPr>
-              <a:tabLst>
-                <a:tab pos="227013" algn="l"/>
-                <a:tab pos="454025" algn="l"/>
-              </a:tabLst>
-              <a:defRPr/>
-            </a:pPr>
-            <a:r>
-              <a:rPr lang="en-US" sz="1200" dirty="0">
-                <a:latin typeface="Courier New" panose="02070309020205020404" pitchFamily="49" charset="0"/>
-                <a:cs typeface="Courier New" panose="02070309020205020404" pitchFamily="49" charset="0"/>
-              </a:rPr>
-              <a:t>	// ...	g2d.setColor(SolarSystem.moonColor);</a:t>
-            </a:r>
-          </a:p>
-          <a:p>
-            <a:pPr>
-              <a:tabLst>
-                <a:tab pos="227013" algn="l"/>
-                <a:tab pos="454025" algn="l"/>
-              </a:tabLst>
-              <a:defRPr/>
-            </a:pPr>
-            <a:r>
-              <a:rPr lang="en-US" sz="1200" dirty="0">
-                <a:latin typeface="Courier New" panose="02070309020205020404" pitchFamily="49" charset="0"/>
-                <a:cs typeface="Courier New" panose="02070309020205020404" pitchFamily="49" charset="0"/>
-              </a:rPr>
-              <a:t>} // draw</a:t>
-            </a:r>
-          </a:p>
-        </p:txBody>
-      </p:sp>
-      <p:sp>
-        <p:nvSpPr>
-          <p:cNvPr id="13" name="Title 1">
-            <a:extLst>
-              <a:ext uri="{FF2B5EF4-FFF2-40B4-BE49-F238E27FC236}">
-                <a16:creationId xmlns:a16="http://schemas.microsoft.com/office/drawing/2014/main" id="{44DC8568-FA52-264B-90D1-29F46A0D3148}"/>
-              </a:ext>
-            </a:extLst>
-          </p:cNvPr>
-          <p:cNvSpPr>
-            <a:spLocks noGrp="1"/>
-          </p:cNvSpPr>
-          <p:nvPr>
-            <p:ph type="title"/>
-          </p:nvPr>
-        </p:nvSpPr>
-        <p:spPr>
-          <a:xfrm>
-            <a:off x="457200" y="141288"/>
-            <a:ext cx="8229600" cy="1143000"/>
-          </a:xfrm>
-        </p:spPr>
-        <p:txBody>
-          <a:bodyPr>
-            <a:normAutofit fontScale="90000"/>
-          </a:bodyPr>
-          <a:lstStyle/>
-          <a:p>
-            <a:r>
-              <a:rPr lang="en-US" dirty="0"/>
-              <a:t>Global/Static Variables are bad, why? </a:t>
-            </a:r>
-          </a:p>
-        </p:txBody>
-      </p:sp>
-      <p:sp>
-        <p:nvSpPr>
-          <p:cNvPr id="14" name="Content Placeholder 2">
-            <a:extLst>
-              <a:ext uri="{FF2B5EF4-FFF2-40B4-BE49-F238E27FC236}">
-                <a16:creationId xmlns:a16="http://schemas.microsoft.com/office/drawing/2014/main" id="{38DA8041-F172-4548-B0E5-43330A5046EB}"/>
-              </a:ext>
-            </a:extLst>
-          </p:cNvPr>
-          <p:cNvSpPr>
-            <a:spLocks noGrp="1"/>
-          </p:cNvSpPr>
-          <p:nvPr>
-            <p:ph idx="1"/>
-          </p:nvPr>
-        </p:nvSpPr>
-        <p:spPr>
-          <a:xfrm>
-            <a:off x="190500" y="1066801"/>
-            <a:ext cx="8791575" cy="590549"/>
-          </a:xfrm>
-        </p:spPr>
-        <p:txBody>
-          <a:bodyPr>
-            <a:noAutofit/>
-          </a:bodyPr>
-          <a:lstStyle/>
-          <a:p>
-            <a:pPr marL="0" indent="0">
-              <a:buNone/>
-            </a:pPr>
-            <a:r>
-              <a:rPr lang="en-US" sz="2400" dirty="0"/>
-              <a:t>This design has more dependencies, higher coupling!  Poorer design!</a:t>
-            </a:r>
-          </a:p>
-        </p:txBody>
-      </p:sp>
-      <p:sp>
-        <p:nvSpPr>
-          <p:cNvPr id="15" name="Freeform 14">
-            <a:extLst>
-              <a:ext uri="{FF2B5EF4-FFF2-40B4-BE49-F238E27FC236}">
-                <a16:creationId xmlns:a16="http://schemas.microsoft.com/office/drawing/2014/main" id="{189178BF-1F00-6E45-9808-E488595E9879}"/>
-              </a:ext>
-            </a:extLst>
-          </p:cNvPr>
-          <p:cNvSpPr/>
-          <p:nvPr/>
-        </p:nvSpPr>
-        <p:spPr>
-          <a:xfrm>
-            <a:off x="3276600" y="2124075"/>
-            <a:ext cx="742950" cy="1676400"/>
-          </a:xfrm>
-          <a:custGeom>
-            <a:avLst/>
-            <a:gdLst>
-              <a:gd name="connsiteX0" fmla="*/ 0 w 742950"/>
-              <a:gd name="connsiteY0" fmla="*/ 1676400 h 1676400"/>
-              <a:gd name="connsiteX1" fmla="*/ 514350 w 742950"/>
-              <a:gd name="connsiteY1" fmla="*/ 1238250 h 1676400"/>
-              <a:gd name="connsiteX2" fmla="*/ 581025 w 742950"/>
-              <a:gd name="connsiteY2" fmla="*/ 647700 h 1676400"/>
-              <a:gd name="connsiteX3" fmla="*/ 561975 w 742950"/>
-              <a:gd name="connsiteY3" fmla="*/ 133350 h 1676400"/>
-              <a:gd name="connsiteX4" fmla="*/ 742950 w 742950"/>
-              <a:gd name="connsiteY4" fmla="*/ 0 h 1676400"/>
-            </a:gdLst>
-            <a:ahLst/>
-            <a:cxnLst>
-              <a:cxn ang="0">
-                <a:pos x="connsiteX0" y="connsiteY0"/>
-              </a:cxn>
-              <a:cxn ang="0">
-                <a:pos x="connsiteX1" y="connsiteY1"/>
-              </a:cxn>
-              <a:cxn ang="0">
-                <a:pos x="connsiteX2" y="connsiteY2"/>
-              </a:cxn>
-              <a:cxn ang="0">
-                <a:pos x="connsiteX3" y="connsiteY3"/>
-              </a:cxn>
-              <a:cxn ang="0">
-                <a:pos x="connsiteX4" y="connsiteY4"/>
-              </a:cxn>
-            </a:cxnLst>
-            <a:rect l="l" t="t" r="r" b="b"/>
-            <a:pathLst>
-              <a:path w="742950" h="1676400">
-                <a:moveTo>
-                  <a:pt x="0" y="1676400"/>
-                </a:moveTo>
-                <a:cubicBezTo>
-                  <a:pt x="208756" y="1543050"/>
-                  <a:pt x="417513" y="1409700"/>
-                  <a:pt x="514350" y="1238250"/>
-                </a:cubicBezTo>
-                <a:cubicBezTo>
-                  <a:pt x="611188" y="1066800"/>
-                  <a:pt x="573088" y="831850"/>
-                  <a:pt x="581025" y="647700"/>
-                </a:cubicBezTo>
-                <a:cubicBezTo>
-                  <a:pt x="588962" y="463550"/>
-                  <a:pt x="534988" y="241300"/>
-                  <a:pt x="561975" y="133350"/>
-                </a:cubicBezTo>
-                <a:cubicBezTo>
-                  <a:pt x="588962" y="25400"/>
-                  <a:pt x="665956" y="12700"/>
-                  <a:pt x="742950" y="0"/>
-                </a:cubicBezTo>
-              </a:path>
-            </a:pathLst>
-          </a:custGeom>
-          <a:noFill/>
-          <a:ln>
-            <a:solidFill>
-              <a:schemeClr val="tx2"/>
-            </a:solidFill>
-            <a:headEnd type="none" w="med" len="med"/>
-            <a:tailEnd type="arrow" w="med" len="med"/>
-          </a:ln>
-        </p:spPr>
-        <p:style>
-          <a:lnRef idx="2">
-            <a:schemeClr val="accent1">
-              <a:shade val="50000"/>
-            </a:schemeClr>
-          </a:lnRef>
-          <a:fillRef idx="1">
-            <a:schemeClr val="accent1"/>
-          </a:fillRef>
-          <a:effectRef idx="0">
-            <a:schemeClr val="accent1"/>
-          </a:effectRef>
-          <a:fontRef idx="minor">
-            <a:schemeClr val="lt1"/>
-          </a:fontRef>
-        </p:style>
-        <p:txBody>
-          <a:bodyPr rtlCol="0" anchor="ctr"/>
-          <a:lstStyle/>
-          <a:p>
-            <a:pPr algn="ctr"/>
-            <a:endParaRPr lang="en-US" dirty="0"/>
-          </a:p>
-        </p:txBody>
-      </p:sp>
-    </p:spTree>
-    <p:extLst>
-      <p:ext uri="{BB962C8B-B14F-4D97-AF65-F5344CB8AC3E}">
-        <p14:creationId xmlns:p14="http://schemas.microsoft.com/office/powerpoint/2010/main" val="3935626196"/>
-      </p:ext>
-    </p:extLst>
-  </p:cSld>
-  <p:clrMapOvr>
-    <a:masterClrMapping/>
-  </p:clrMapOvr>
-</p:sld>
-</file>
-
-<file path=ppt/slides/slide12.xml><?xml version="1.0" encoding="utf-8"?>
-<p:sld xmlns:a="http://schemas.openxmlformats.org/drawingml/2006/main" xmlns:r="http://schemas.openxmlformats.org/officeDocument/2006/relationships" xmlns:p="http://schemas.openxmlformats.org/presentationml/2006/main">
-  <p:cSld>
-    <p:spTree>
-      <p:nvGrpSpPr>
-        <p:cNvPr id="1" name=""/>
-        <p:cNvGrpSpPr/>
-        <p:nvPr/>
-      </p:nvGrpSpPr>
-      <p:grpSpPr>
-        <a:xfrm>
-          <a:off x="0" y="0"/>
-          <a:ext cx="0" cy="0"/>
-          <a:chOff x="0" y="0"/>
-          <a:chExt cx="0" cy="0"/>
-        </a:xfrm>
-      </p:grpSpPr>
-      <p:sp>
-        <p:nvSpPr>
-          <p:cNvPr id="4" name="Title 3"/>
-          <p:cNvSpPr>
-            <a:spLocks noGrp="1"/>
-          </p:cNvSpPr>
-          <p:nvPr>
-            <p:ph type="title"/>
-          </p:nvPr>
-        </p:nvSpPr>
-        <p:spPr/>
-        <p:txBody>
-          <a:bodyPr/>
-          <a:lstStyle/>
-          <a:p>
-            <a:pPr eaLnBrk="1" hangingPunct="1">
-              <a:defRPr/>
-            </a:pPr>
-            <a:r>
-              <a:rPr lang="en-US" dirty="0"/>
-              <a:t>Console Input with java.util.scanner</a:t>
-            </a:r>
-          </a:p>
-        </p:txBody>
-      </p:sp>
-      <p:sp>
-        <p:nvSpPr>
-          <p:cNvPr id="19459" name="Text Placeholder 4"/>
-          <p:cNvSpPr>
-            <a:spLocks noGrp="1"/>
-          </p:cNvSpPr>
-          <p:nvPr>
-            <p:ph type="body" idx="1"/>
-          </p:nvPr>
-        </p:nvSpPr>
-        <p:spPr/>
-        <p:txBody>
-          <a:bodyPr/>
-          <a:lstStyle/>
-          <a:p>
-            <a:pPr eaLnBrk="1" hangingPunct="1"/>
-            <a:r>
-              <a:rPr lang="en-US" dirty="0"/>
-              <a:t>Reading keyboard input from the console</a:t>
-            </a:r>
-          </a:p>
-        </p:txBody>
-      </p:sp>
-    </p:spTree>
-    <p:extLst>
-      <p:ext uri="{BB962C8B-B14F-4D97-AF65-F5344CB8AC3E}">
-        <p14:creationId xmlns:p14="http://schemas.microsoft.com/office/powerpoint/2010/main" val="1909406102"/>
-      </p:ext>
-    </p:extLst>
-  </p:cSld>
-  <p:clrMapOvr>
-    <a:masterClrMapping/>
-  </p:clrMapOvr>
-</p:sld>
-</file>
-
-<file path=ppt/slides/slide13.xml><?xml version="1.0" encoding="utf-8"?>
-<p:sld xmlns:a="http://schemas.openxmlformats.org/drawingml/2006/main" xmlns:r="http://schemas.openxmlformats.org/officeDocument/2006/relationships" xmlns:p="http://schemas.openxmlformats.org/presentationml/2006/main">
-  <p:cSld>
-    <p:spTree>
-      <p:nvGrpSpPr>
-        <p:cNvPr id="1" name=""/>
-        <p:cNvGrpSpPr/>
-        <p:nvPr/>
-      </p:nvGrpSpPr>
-      <p:grpSpPr>
-        <a:xfrm>
-          <a:off x="0" y="0"/>
-          <a:ext cx="0" cy="0"/>
-          <a:chOff x="0" y="0"/>
-          <a:chExt cx="0" cy="0"/>
-        </a:xfrm>
-      </p:grpSpPr>
-      <p:sp>
-        <p:nvSpPr>
-          <p:cNvPr id="2" name="Title 1"/>
-          <p:cNvSpPr>
-            <a:spLocks noGrp="1"/>
-          </p:cNvSpPr>
-          <p:nvPr>
-            <p:ph type="title"/>
-          </p:nvPr>
-        </p:nvSpPr>
-        <p:spPr/>
-        <p:txBody>
-          <a:bodyPr/>
-          <a:lstStyle/>
-          <a:p>
-            <a:r>
-              <a:rPr lang="en-US" dirty="0"/>
-              <a:t>Console input with Scanner</a:t>
-            </a:r>
-          </a:p>
-        </p:txBody>
-      </p:sp>
-      <p:sp>
-        <p:nvSpPr>
-          <p:cNvPr id="3" name="Content Placeholder 2"/>
-          <p:cNvSpPr>
-            <a:spLocks noGrp="1"/>
-          </p:cNvSpPr>
-          <p:nvPr>
-            <p:ph idx="1"/>
-          </p:nvPr>
-        </p:nvSpPr>
-        <p:spPr/>
-        <p:txBody>
-          <a:bodyPr>
-            <a:normAutofit fontScale="92500" lnSpcReduction="20000"/>
-          </a:bodyPr>
-          <a:lstStyle/>
-          <a:p>
-            <a:r>
-              <a:rPr lang="en-US" dirty="0"/>
-              <a:t>Creating a Scanner object</a:t>
-            </a:r>
-          </a:p>
-          <a:p>
-            <a:pPr lvl="1"/>
-            <a:r>
-              <a:rPr lang="en-US" dirty="0">
-                <a:solidFill>
-                  <a:srgbClr val="F79646"/>
-                </a:solidFill>
-              </a:rPr>
-              <a:t>import java.util.Scanner;</a:t>
-            </a:r>
-          </a:p>
-          <a:p>
-            <a:pPr lvl="1"/>
-            <a:r>
-              <a:rPr lang="en-US" dirty="0">
-                <a:solidFill>
-                  <a:srgbClr val="F79646"/>
-                </a:solidFill>
-              </a:rPr>
-              <a:t>Scanner inputScanner = new Scanner(System.in);</a:t>
-            </a:r>
-          </a:p>
-          <a:p>
-            <a:r>
-              <a:rPr lang="en-US" dirty="0"/>
-              <a:t>Defines methods to read from keyboard</a:t>
-            </a:r>
-          </a:p>
-          <a:p>
-            <a:pPr lvl="1"/>
-            <a:r>
-              <a:rPr lang="en-US" dirty="0">
-                <a:solidFill>
-                  <a:srgbClr val="F79646"/>
-                </a:solidFill>
-              </a:rPr>
-              <a:t>inputScanner.nextInt();</a:t>
-            </a:r>
-          </a:p>
-          <a:p>
-            <a:pPr lvl="1"/>
-            <a:r>
-              <a:rPr lang="en-US" dirty="0">
-                <a:solidFill>
-                  <a:srgbClr val="F79646"/>
-                </a:solidFill>
-              </a:rPr>
-              <a:t>inputScanner.nextDouble();</a:t>
-            </a:r>
-          </a:p>
-          <a:p>
-            <a:pPr lvl="1"/>
-            <a:r>
-              <a:rPr lang="en-US" dirty="0">
-                <a:solidFill>
-                  <a:srgbClr val="F79646"/>
-                </a:solidFill>
-              </a:rPr>
-              <a:t>inputScanner.nextLine();</a:t>
-            </a:r>
-          </a:p>
-          <a:p>
-            <a:pPr lvl="1"/>
-            <a:r>
-              <a:rPr lang="en-US" dirty="0">
-                <a:solidFill>
-                  <a:srgbClr val="F79646"/>
-                </a:solidFill>
-              </a:rPr>
-              <a:t>inputScanner.next();</a:t>
-            </a:r>
-          </a:p>
-          <a:p>
-            <a:r>
-              <a:rPr lang="en-US" dirty="0"/>
-              <a:t>Exercise: Look at </a:t>
-            </a:r>
-            <a:br>
-              <a:rPr lang="en-US" dirty="0"/>
-            </a:br>
-            <a:r>
-              <a:rPr lang="en-US" dirty="0">
-                <a:solidFill>
-                  <a:schemeClr val="accent6"/>
-                </a:solidFill>
-              </a:rPr>
-              <a:t>UnitTesting/src/ConsoleWorker.java</a:t>
-            </a:r>
-            <a:r>
-              <a:rPr lang="en-US" dirty="0"/>
-              <a:t>. </a:t>
-            </a:r>
-            <a:br>
-              <a:rPr lang="en-US" dirty="0"/>
-            </a:br>
-            <a:r>
-              <a:rPr lang="en-US" dirty="0"/>
-              <a:t>Add missing methods to read from console</a:t>
-            </a:r>
-          </a:p>
-        </p:txBody>
-      </p:sp>
-      <p:sp>
-        <p:nvSpPr>
-          <p:cNvPr id="4" name="Rectangle 3"/>
-          <p:cNvSpPr/>
-          <p:nvPr/>
-        </p:nvSpPr>
-        <p:spPr>
-          <a:xfrm>
-            <a:off x="8229600" y="6126163"/>
-            <a:ext cx="685800" cy="579437"/>
-          </a:xfrm>
-          <a:prstGeom prst="rect">
-            <a:avLst/>
-          </a:prstGeom>
-        </p:spPr>
-        <p:style>
-          <a:lnRef idx="2">
-            <a:schemeClr val="accent1">
-              <a:shade val="50000"/>
-            </a:schemeClr>
-          </a:lnRef>
-          <a:fillRef idx="1">
-            <a:schemeClr val="accent1"/>
-          </a:fillRef>
-          <a:effectRef idx="0">
-            <a:schemeClr val="accent1"/>
-          </a:effectRef>
-          <a:fontRef idx="minor">
-            <a:schemeClr val="lt1"/>
-          </a:fontRef>
-        </p:style>
-        <p:txBody>
-          <a:bodyPr rtlCol="0" anchor="ctr"/>
-          <a:lstStyle/>
-          <a:p>
-            <a:pPr algn="ctr"/>
-            <a:r>
-              <a:rPr lang="en-US" dirty="0"/>
-              <a:t>Q1</a:t>
-            </a:r>
-          </a:p>
-        </p:txBody>
-      </p:sp>
-    </p:spTree>
-    <p:extLst>
-      <p:ext uri="{BB962C8B-B14F-4D97-AF65-F5344CB8AC3E}">
-        <p14:creationId xmlns:p14="http://schemas.microsoft.com/office/powerpoint/2010/main" val="4117085893"/>
-      </p:ext>
-    </p:extLst>
-  </p:cSld>
-  <p:clrMapOvr>
-    <a:masterClrMapping/>
-  </p:clrMapOvr>
-</p:sld>
-</file>
-
-<file path=ppt/slides/slide14.xml><?xml version="1.0" encoding="utf-8"?>
-<p:sld xmlns:a="http://schemas.openxmlformats.org/drawingml/2006/main" xmlns:r="http://schemas.openxmlformats.org/officeDocument/2006/relationships" xmlns:p="http://schemas.openxmlformats.org/presentationml/2006/main">
-  <p:cSld>
-    <p:spTree>
-      <p:nvGrpSpPr>
-        <p:cNvPr id="1" name=""/>
-        <p:cNvGrpSpPr/>
-        <p:nvPr/>
-      </p:nvGrpSpPr>
-      <p:grpSpPr>
-        <a:xfrm>
-          <a:off x="0" y="0"/>
-          <a:ext cx="0" cy="0"/>
-          <a:chOff x="0" y="0"/>
-          <a:chExt cx="0" cy="0"/>
-        </a:xfrm>
-      </p:grpSpPr>
-      <p:sp>
-        <p:nvSpPr>
-          <p:cNvPr id="2" name="Title 1"/>
-          <p:cNvSpPr>
-            <a:spLocks noGrp="1"/>
-          </p:cNvSpPr>
-          <p:nvPr>
-            <p:ph type="title"/>
-          </p:nvPr>
-        </p:nvSpPr>
-        <p:spPr/>
-        <p:txBody>
-          <a:bodyPr/>
-          <a:lstStyle/>
-          <a:p>
-            <a:r>
-              <a:rPr lang="en-US" dirty="0"/>
-              <a:t>Unit Testing</a:t>
-            </a:r>
-          </a:p>
-        </p:txBody>
-      </p:sp>
-      <p:sp>
-        <p:nvSpPr>
-          <p:cNvPr id="3" name="Content Placeholder 2"/>
-          <p:cNvSpPr>
-            <a:spLocks noGrp="1"/>
-          </p:cNvSpPr>
-          <p:nvPr>
-            <p:ph idx="1"/>
-          </p:nvPr>
-        </p:nvSpPr>
-        <p:spPr/>
-        <p:txBody>
-          <a:bodyPr/>
-          <a:lstStyle/>
-          <a:p>
-            <a:r>
-              <a:rPr lang="en-US" dirty="0"/>
-              <a:t>Idea: Test “small pieces” of larger program</a:t>
-            </a:r>
-          </a:p>
-          <a:p>
-            <a:pPr lvl="1"/>
-            <a:r>
-              <a:rPr lang="en-US" dirty="0"/>
-              <a:t>Do the expected values match what you ACTUALLY get?</a:t>
-            </a:r>
-          </a:p>
-          <a:p>
-            <a:r>
-              <a:rPr lang="en-US" dirty="0"/>
-              <a:t>How to test in this manner?</a:t>
-            </a:r>
-          </a:p>
-          <a:p>
-            <a:pPr lvl="1"/>
-            <a:r>
-              <a:rPr lang="en-US" dirty="0"/>
-              <a:t>Could make a main method that calls all the methods</a:t>
-            </a:r>
-          </a:p>
-          <a:p>
-            <a:pPr lvl="1"/>
-            <a:r>
-              <a:rPr lang="en-US" dirty="0"/>
-              <a:t>JUnit!</a:t>
-            </a:r>
-          </a:p>
-          <a:p>
-            <a:pPr lvl="2"/>
-            <a:r>
-              <a:rPr lang="en-US" dirty="0"/>
-              <a:t>Creating a Tester JUnit class</a:t>
-            </a:r>
-          </a:p>
-        </p:txBody>
-      </p:sp>
-      <p:sp>
-        <p:nvSpPr>
-          <p:cNvPr id="7" name="Rectangle 6"/>
-          <p:cNvSpPr/>
-          <p:nvPr/>
-        </p:nvSpPr>
-        <p:spPr>
-          <a:xfrm>
-            <a:off x="8305800" y="6126163"/>
-            <a:ext cx="609600" cy="579437"/>
-          </a:xfrm>
-          <a:prstGeom prst="rect">
-            <a:avLst/>
-          </a:prstGeom>
-        </p:spPr>
-        <p:style>
-          <a:lnRef idx="2">
-            <a:schemeClr val="accent1">
-              <a:shade val="50000"/>
-            </a:schemeClr>
-          </a:lnRef>
-          <a:fillRef idx="1">
-            <a:schemeClr val="accent1"/>
-          </a:fillRef>
-          <a:effectRef idx="0">
-            <a:schemeClr val="accent1"/>
-          </a:effectRef>
-          <a:fontRef idx="minor">
-            <a:schemeClr val="lt1"/>
-          </a:fontRef>
-        </p:style>
-        <p:txBody>
-          <a:bodyPr rtlCol="0" anchor="ctr"/>
-          <a:lstStyle/>
-          <a:p>
-            <a:pPr algn="ctr"/>
-            <a:r>
-              <a:rPr lang="en-US" dirty="0"/>
-              <a:t>Q2</a:t>
-            </a:r>
-          </a:p>
-        </p:txBody>
-      </p:sp>
-    </p:spTree>
-    <p:extLst>
-      <p:ext uri="{BB962C8B-B14F-4D97-AF65-F5344CB8AC3E}">
-        <p14:creationId xmlns:p14="http://schemas.microsoft.com/office/powerpoint/2010/main" val="3923847829"/>
-      </p:ext>
-    </p:extLst>
-  </p:cSld>
-  <p:clrMapOvr>
-    <a:masterClrMapping/>
-  </p:clrMapOvr>
-</p:sld>
-</file>
-
-<file path=ppt/slides/slide15.xml><?xml version="1.0" encoding="utf-8"?>
-<p:sld xmlns:a="http://schemas.openxmlformats.org/drawingml/2006/main" xmlns:r="http://schemas.openxmlformats.org/officeDocument/2006/relationships" xmlns:p="http://schemas.openxmlformats.org/presentationml/2006/main">
-  <p:cSld>
-    <p:spTree>
-      <p:nvGrpSpPr>
-        <p:cNvPr id="1" name=""/>
-        <p:cNvGrpSpPr/>
-        <p:nvPr/>
-      </p:nvGrpSpPr>
-      <p:grpSpPr>
-        <a:xfrm>
-          <a:off x="0" y="0"/>
-          <a:ext cx="0" cy="0"/>
-          <a:chOff x="0" y="0"/>
-          <a:chExt cx="0" cy="0"/>
-        </a:xfrm>
-      </p:grpSpPr>
-      <p:sp>
-        <p:nvSpPr>
-          <p:cNvPr id="2" name="Title 1"/>
-          <p:cNvSpPr>
-            <a:spLocks noGrp="1"/>
-          </p:cNvSpPr>
-          <p:nvPr>
-            <p:ph type="title"/>
-          </p:nvPr>
-        </p:nvSpPr>
-        <p:spPr/>
-        <p:txBody>
-          <a:bodyPr/>
-          <a:lstStyle/>
-          <a:p>
-            <a:r>
-              <a:rPr lang="en-US" dirty="0"/>
-              <a:t>Why Unit Testing?</a:t>
-            </a:r>
-          </a:p>
-        </p:txBody>
-      </p:sp>
-      <p:sp>
-        <p:nvSpPr>
-          <p:cNvPr id="3" name="Content Placeholder 2"/>
-          <p:cNvSpPr>
-            <a:spLocks noGrp="1"/>
-          </p:cNvSpPr>
-          <p:nvPr>
-            <p:ph idx="1"/>
-          </p:nvPr>
-        </p:nvSpPr>
-        <p:spPr/>
-        <p:txBody>
-          <a:bodyPr/>
-          <a:lstStyle/>
-          <a:p>
-            <a:r>
-              <a:rPr lang="en-US" dirty="0"/>
-              <a:t>There are several goals of unit testing:</a:t>
-            </a:r>
-          </a:p>
-          <a:p>
-            <a:pPr lvl="1"/>
-            <a:r>
-              <a:rPr lang="en-US" dirty="0"/>
-              <a:t>Make sure your code works (as specified!)</a:t>
-            </a:r>
-          </a:p>
-          <a:p>
-            <a:pPr lvl="1"/>
-            <a:r>
-              <a:rPr lang="en-US" dirty="0"/>
-              <a:t>Keep it working</a:t>
-            </a:r>
-          </a:p>
-          <a:p>
-            <a:pPr lvl="1"/>
-            <a:r>
-              <a:rPr lang="en-US" dirty="0"/>
-              <a:t>Confirm understanding of the specification</a:t>
-            </a:r>
-          </a:p>
-          <a:p>
-            <a:pPr lvl="1"/>
-            <a:r>
-              <a:rPr lang="en-US" dirty="0"/>
-              <a:t>Confirm pieces of code in isolation</a:t>
-            </a:r>
-          </a:p>
-          <a:p>
-            <a:pPr lvl="1"/>
-            <a:r>
-              <a:rPr lang="en-US" dirty="0"/>
-              <a:t>Provide Documentation</a:t>
-            </a:r>
-          </a:p>
-          <a:p>
-            <a:pPr lvl="1"/>
-            <a:endParaRPr lang="en-US" dirty="0"/>
-          </a:p>
-        </p:txBody>
-      </p:sp>
-      <p:sp>
-        <p:nvSpPr>
-          <p:cNvPr id="4" name="Rectangle 3"/>
-          <p:cNvSpPr/>
-          <p:nvPr/>
-        </p:nvSpPr>
-        <p:spPr>
-          <a:xfrm>
-            <a:off x="8229600" y="6126163"/>
-            <a:ext cx="685800" cy="579437"/>
-          </a:xfrm>
-          <a:prstGeom prst="rect">
-            <a:avLst/>
-          </a:prstGeom>
-        </p:spPr>
-        <p:style>
-          <a:lnRef idx="2">
-            <a:schemeClr val="accent1">
-              <a:shade val="50000"/>
-            </a:schemeClr>
-          </a:lnRef>
-          <a:fillRef idx="1">
-            <a:schemeClr val="accent1"/>
-          </a:fillRef>
-          <a:effectRef idx="0">
-            <a:schemeClr val="accent1"/>
-          </a:effectRef>
-          <a:fontRef idx="minor">
-            <a:schemeClr val="lt1"/>
-          </a:fontRef>
-        </p:style>
-        <p:txBody>
-          <a:bodyPr rtlCol="0" anchor="ctr"/>
-          <a:lstStyle/>
-          <a:p>
-            <a:pPr algn="ctr"/>
-            <a:r>
-              <a:rPr lang="en-US" dirty="0"/>
-              <a:t>Q3</a:t>
-            </a:r>
-          </a:p>
-        </p:txBody>
-      </p:sp>
-    </p:spTree>
-    <p:extLst>
-      <p:ext uri="{BB962C8B-B14F-4D97-AF65-F5344CB8AC3E}">
-        <p14:creationId xmlns:p14="http://schemas.microsoft.com/office/powerpoint/2010/main" val="2883654554"/>
-      </p:ext>
-    </p:extLst>
-  </p:cSld>
-  <p:clrMapOvr>
-    <a:masterClrMapping/>
-  </p:clrMapOvr>
-</p:sld>
-</file>
-
-<file path=ppt/slides/slide16.xml><?xml version="1.0" encoding="utf-8"?>
-<p:sld xmlns:a="http://schemas.openxmlformats.org/drawingml/2006/main" xmlns:r="http://schemas.openxmlformats.org/officeDocument/2006/relationships" xmlns:p="http://schemas.openxmlformats.org/presentationml/2006/main">
-  <p:cSld>
-    <p:spTree>
-      <p:nvGrpSpPr>
-        <p:cNvPr id="1" name=""/>
-        <p:cNvGrpSpPr/>
-        <p:nvPr/>
-      </p:nvGrpSpPr>
-      <p:grpSpPr>
-        <a:xfrm>
-          <a:off x="0" y="0"/>
-          <a:ext cx="0" cy="0"/>
-          <a:chOff x="0" y="0"/>
-          <a:chExt cx="0" cy="0"/>
-        </a:xfrm>
-      </p:grpSpPr>
-      <p:sp>
-        <p:nvSpPr>
-          <p:cNvPr id="2" name="Title 1"/>
-          <p:cNvSpPr>
-            <a:spLocks noGrp="1"/>
-          </p:cNvSpPr>
-          <p:nvPr>
-            <p:ph type="title"/>
-          </p:nvPr>
-        </p:nvSpPr>
-        <p:spPr/>
-        <p:txBody>
-          <a:bodyPr>
-            <a:normAutofit/>
-          </a:bodyPr>
-          <a:lstStyle/>
-          <a:p>
-            <a:r>
-              <a:rPr lang="en-US" dirty="0"/>
-              <a:t>Unit Tests (as done in CSSE120)</a:t>
-            </a:r>
-          </a:p>
-        </p:txBody>
-      </p:sp>
-      <p:sp>
-        <p:nvSpPr>
-          <p:cNvPr id="3" name="Content Placeholder 2"/>
-          <p:cNvSpPr>
-            <a:spLocks noGrp="1"/>
-          </p:cNvSpPr>
-          <p:nvPr>
-            <p:ph idx="1"/>
-          </p:nvPr>
-        </p:nvSpPr>
-        <p:spPr/>
-        <p:txBody>
-          <a:bodyPr>
-            <a:normAutofit lnSpcReduction="10000"/>
-          </a:bodyPr>
-          <a:lstStyle/>
-          <a:p>
-            <a:pPr marL="514350" indent="-514350">
-              <a:buFont typeface="+mj-lt"/>
-              <a:buAutoNum type="arabicPeriod"/>
-            </a:pPr>
-            <a:r>
-              <a:rPr lang="en-US" dirty="0"/>
-              <a:t>Construct one or more objects of the class that is being tested</a:t>
-            </a:r>
-          </a:p>
-          <a:p>
-            <a:pPr marL="514350" indent="-514350">
-              <a:buFont typeface="+mj-lt"/>
-              <a:buAutoNum type="arabicPeriod"/>
-            </a:pPr>
-            <a:r>
-              <a:rPr lang="en-US" dirty="0"/>
-              <a:t>Invoke one or more methods</a:t>
-            </a:r>
-          </a:p>
-          <a:p>
-            <a:pPr marL="514350" indent="-514350">
-              <a:buFont typeface="+mj-lt"/>
-              <a:buAutoNum type="arabicPeriod"/>
-            </a:pPr>
-            <a:r>
-              <a:rPr lang="en-US" dirty="0"/>
-              <a:t>Print out one or more results</a:t>
-            </a:r>
-          </a:p>
-          <a:p>
-            <a:pPr marL="514350" indent="-514350">
-              <a:buFont typeface="+mj-lt"/>
-              <a:buAutoNum type="arabicPeriod"/>
-            </a:pPr>
-            <a:r>
-              <a:rPr lang="en-US" dirty="0"/>
-              <a:t>Print the expected results</a:t>
-            </a:r>
-          </a:p>
-          <a:p>
-            <a:pPr marL="514350" indent="-514350">
-              <a:buFont typeface="+mj-lt"/>
-              <a:buAutoNum type="arabicPeriod"/>
-            </a:pPr>
-            <a:r>
-              <a:rPr lang="en-US" dirty="0"/>
-              <a:t>Do 3 and 4 match?</a:t>
-            </a:r>
-          </a:p>
-          <a:p>
-            <a:pPr marL="514350" indent="-514350">
-              <a:buFont typeface="+mj-lt"/>
-              <a:buAutoNum type="arabicPeriod"/>
-            </a:pPr>
-            <a:endParaRPr lang="en-US" dirty="0"/>
-          </a:p>
-          <a:p>
-            <a:pPr marL="0" indent="0">
-              <a:buNone/>
-            </a:pPr>
-            <a:r>
-              <a:rPr lang="en-US" i="1" dirty="0"/>
-              <a:t>(Pages 102-103 in book)</a:t>
-            </a:r>
-          </a:p>
-        </p:txBody>
-      </p:sp>
-    </p:spTree>
-    <p:extLst>
-      <p:ext uri="{BB962C8B-B14F-4D97-AF65-F5344CB8AC3E}">
-        <p14:creationId xmlns:p14="http://schemas.microsoft.com/office/powerpoint/2010/main" val="3212822232"/>
-      </p:ext>
-    </p:extLst>
-  </p:cSld>
-  <p:clrMapOvr>
-    <a:masterClrMapping/>
-  </p:clrMapOvr>
-</p:sld>
-</file>
-
-<file path=ppt/slides/slide17.xml><?xml version="1.0" encoding="utf-8"?>
-<p:sld xmlns:a="http://schemas.openxmlformats.org/drawingml/2006/main" xmlns:r="http://schemas.openxmlformats.org/officeDocument/2006/relationships" xmlns:p="http://schemas.openxmlformats.org/presentationml/2006/main">
-  <p:cSld>
-    <p:spTree>
-      <p:nvGrpSpPr>
-        <p:cNvPr id="1" name=""/>
-        <p:cNvGrpSpPr/>
-        <p:nvPr/>
-      </p:nvGrpSpPr>
-      <p:grpSpPr>
-        <a:xfrm>
-          <a:off x="0" y="0"/>
-          <a:ext cx="0" cy="0"/>
-          <a:chOff x="0" y="0"/>
-          <a:chExt cx="0" cy="0"/>
-        </a:xfrm>
-      </p:grpSpPr>
-      <p:sp>
-        <p:nvSpPr>
-          <p:cNvPr id="2" name="Title 1"/>
-          <p:cNvSpPr>
-            <a:spLocks noGrp="1"/>
-          </p:cNvSpPr>
-          <p:nvPr>
-            <p:ph type="title"/>
-          </p:nvPr>
-        </p:nvSpPr>
-        <p:spPr/>
-        <p:txBody>
-          <a:bodyPr>
-            <a:normAutofit/>
-          </a:bodyPr>
-          <a:lstStyle/>
-          <a:p>
-            <a:r>
-              <a:rPr lang="en-US" dirty="0"/>
-              <a:t>Why JUnit?</a:t>
-            </a:r>
-          </a:p>
-        </p:txBody>
-      </p:sp>
-      <p:sp>
-        <p:nvSpPr>
-          <p:cNvPr id="3" name="Content Placeholder 2"/>
-          <p:cNvSpPr>
-            <a:spLocks noGrp="1"/>
-          </p:cNvSpPr>
-          <p:nvPr>
-            <p:ph idx="1"/>
-          </p:nvPr>
-        </p:nvSpPr>
-        <p:spPr/>
-        <p:txBody>
-          <a:bodyPr/>
-          <a:lstStyle/>
-          <a:p>
-            <a:r>
-              <a:rPr lang="en-US" dirty="0"/>
-              <a:t>Provides a Framework</a:t>
-            </a:r>
-          </a:p>
-          <a:p>
-            <a:pPr lvl="1"/>
-            <a:r>
-              <a:rPr lang="en-US" dirty="0"/>
-              <a:t>Framework: Collection of classes to be used by another program</a:t>
-            </a:r>
-          </a:p>
-          <a:p>
-            <a:r>
-              <a:rPr lang="en-US" dirty="0"/>
-              <a:t>Provides easy-to-read output in Eclipse</a:t>
-            </a:r>
-          </a:p>
-          <a:p>
-            <a:r>
-              <a:rPr lang="en-US" dirty="0"/>
-              <a:t>Prints require you to analyze all lines</a:t>
-            </a:r>
-          </a:p>
-          <a:p>
-            <a:pPr lvl="1"/>
-            <a:r>
-              <a:rPr lang="en-US" dirty="0"/>
-              <a:t>What if it scrolls off the page?</a:t>
-            </a:r>
-          </a:p>
-          <a:p>
-            <a:pPr lvl="1"/>
-            <a:r>
-              <a:rPr lang="en-US" dirty="0"/>
-              <a:t>What if it’s only 1 character different?</a:t>
-            </a:r>
-          </a:p>
-          <a:p>
-            <a:pPr lvl="1"/>
-            <a:endParaRPr lang="en-US" dirty="0"/>
-          </a:p>
-          <a:p>
-            <a:pPr lvl="1"/>
-            <a:endParaRPr lang="en-US" dirty="0"/>
-          </a:p>
-        </p:txBody>
-      </p:sp>
-    </p:spTree>
-    <p:extLst>
-      <p:ext uri="{BB962C8B-B14F-4D97-AF65-F5344CB8AC3E}">
-        <p14:creationId xmlns:p14="http://schemas.microsoft.com/office/powerpoint/2010/main" val="4261172324"/>
-      </p:ext>
-    </p:extLst>
-  </p:cSld>
-  <p:clrMapOvr>
-    <a:masterClrMapping/>
-  </p:clrMapOvr>
-</p:sld>
-</file>
-
-<file path=ppt/slides/slide18.xml><?xml version="1.0" encoding="utf-8"?>
-<p:sld xmlns:a="http://schemas.openxmlformats.org/drawingml/2006/main" xmlns:r="http://schemas.openxmlformats.org/officeDocument/2006/relationships" xmlns:p="http://schemas.openxmlformats.org/presentationml/2006/main">
-  <p:cSld>
-    <p:spTree>
-      <p:nvGrpSpPr>
-        <p:cNvPr id="1" name=""/>
-        <p:cNvGrpSpPr/>
-        <p:nvPr/>
-      </p:nvGrpSpPr>
-      <p:grpSpPr>
-        <a:xfrm>
-          <a:off x="0" y="0"/>
-          <a:ext cx="0" cy="0"/>
-          <a:chOff x="0" y="0"/>
-          <a:chExt cx="0" cy="0"/>
-        </a:xfrm>
-      </p:grpSpPr>
-      <p:sp>
-        <p:nvSpPr>
-          <p:cNvPr id="2" name="Title 1"/>
-          <p:cNvSpPr>
-            <a:spLocks noGrp="1"/>
-          </p:cNvSpPr>
-          <p:nvPr>
-            <p:ph type="title"/>
-          </p:nvPr>
-        </p:nvSpPr>
-        <p:spPr/>
-        <p:txBody>
-          <a:bodyPr/>
-          <a:lstStyle/>
-          <a:p>
-            <a:r>
-              <a:rPr lang="en-US" dirty="0"/>
-              <a:t>What are quality unit tests?</a:t>
-            </a:r>
-          </a:p>
-        </p:txBody>
-      </p:sp>
-      <p:sp>
-        <p:nvSpPr>
-          <p:cNvPr id="3" name="Content Placeholder 2"/>
-          <p:cNvSpPr>
-            <a:spLocks noGrp="1"/>
-          </p:cNvSpPr>
-          <p:nvPr>
-            <p:ph idx="1"/>
-          </p:nvPr>
-        </p:nvSpPr>
-        <p:spPr>
-          <a:xfrm>
-            <a:off x="457200" y="1219200"/>
-            <a:ext cx="8229600" cy="4906963"/>
-          </a:xfrm>
-        </p:spPr>
-        <p:txBody>
-          <a:bodyPr>
-            <a:normAutofit fontScale="92500" lnSpcReduction="10000"/>
-          </a:bodyPr>
-          <a:lstStyle/>
-          <a:p>
-            <a:r>
-              <a:rPr lang="en-US" dirty="0"/>
-              <a:t>Unit tests should be small pieces that test:</a:t>
-            </a:r>
-          </a:p>
-          <a:p>
-            <a:pPr marL="971550" lvl="1" indent="-514350">
-              <a:buFont typeface="+mj-lt"/>
-              <a:buAutoNum type="arabicPeriod"/>
-            </a:pPr>
-            <a:r>
-              <a:rPr lang="en-US" dirty="0"/>
-              <a:t>The most common cases</a:t>
-            </a:r>
-          </a:p>
-          <a:p>
-            <a:pPr marL="971550" lvl="1" indent="-514350">
-              <a:buFont typeface="+mj-lt"/>
-              <a:buAutoNum type="arabicPeriod"/>
-            </a:pPr>
-            <a:r>
-              <a:rPr lang="en-US" dirty="0"/>
-              <a:t>The edge cases or boundary cases (minimum, maximum, switching from positive to negative, etc.)</a:t>
-            </a:r>
-          </a:p>
-          <a:p>
-            <a:pPr marL="971550" lvl="1" indent="-514350">
-              <a:buFont typeface="+mj-lt"/>
-              <a:buAutoNum type="arabicPeriod"/>
-            </a:pPr>
-            <a:r>
-              <a:rPr lang="en-US" dirty="0"/>
-              <a:t>All specific/special cases (e.g., when 0 or null the behavior is different than for any other value)</a:t>
-            </a:r>
-          </a:p>
-          <a:p>
-            <a:pPr marL="971550" lvl="1" indent="-514350">
-              <a:buFont typeface="+mj-lt"/>
-              <a:buAutoNum type="arabicPeriod"/>
-            </a:pPr>
-            <a:r>
-              <a:rPr lang="en-US" dirty="0"/>
-              <a:t>When you find and fix a defect, then at that same time, create a unit test that would have revealed that defect. Then in future modifications to the code, if that defect gets reintroduced, the new unit test you created will reveal its presence</a:t>
-            </a:r>
-          </a:p>
-          <a:p>
-            <a:pPr marL="971550" lvl="1" indent="-514350">
-              <a:buFont typeface="+mj-lt"/>
-              <a:buAutoNum type="arabicPeriod"/>
-            </a:pPr>
-            <a:r>
-              <a:rPr lang="en-US" dirty="0"/>
-              <a:t>Any overly complex code that 1-4 above don’t cover</a:t>
-            </a:r>
-          </a:p>
-          <a:p>
-            <a:pPr marL="457200" lvl="1" indent="0">
-              <a:buNone/>
-            </a:pPr>
-            <a:endParaRPr lang="en-US" dirty="0"/>
-          </a:p>
-        </p:txBody>
-      </p:sp>
-      <p:sp>
-        <p:nvSpPr>
-          <p:cNvPr id="7" name="Rectangle 6"/>
-          <p:cNvSpPr/>
-          <p:nvPr/>
-        </p:nvSpPr>
-        <p:spPr>
-          <a:xfrm>
-            <a:off x="8229600" y="6126163"/>
-            <a:ext cx="685800" cy="579437"/>
-          </a:xfrm>
-          <a:prstGeom prst="rect">
-            <a:avLst/>
-          </a:prstGeom>
-        </p:spPr>
-        <p:style>
-          <a:lnRef idx="2">
-            <a:schemeClr val="accent1">
-              <a:shade val="50000"/>
-            </a:schemeClr>
-          </a:lnRef>
-          <a:fillRef idx="1">
-            <a:schemeClr val="accent1"/>
-          </a:fillRef>
-          <a:effectRef idx="0">
-            <a:schemeClr val="accent1"/>
-          </a:effectRef>
-          <a:fontRef idx="minor">
-            <a:schemeClr val="lt1"/>
-          </a:fontRef>
-        </p:style>
-        <p:txBody>
-          <a:bodyPr rtlCol="0" anchor="ctr"/>
-          <a:lstStyle/>
-          <a:p>
-            <a:pPr algn="ctr"/>
-            <a:r>
-              <a:rPr lang="en-US" dirty="0"/>
-              <a:t>Q4</a:t>
-            </a:r>
-          </a:p>
-        </p:txBody>
-      </p:sp>
-    </p:spTree>
-    <p:extLst>
-      <p:ext uri="{BB962C8B-B14F-4D97-AF65-F5344CB8AC3E}">
-        <p14:creationId xmlns:p14="http://schemas.microsoft.com/office/powerpoint/2010/main" val="3201202410"/>
-      </p:ext>
-    </p:extLst>
-  </p:cSld>
-  <p:clrMapOvr>
-    <a:masterClrMapping/>
-  </p:clrMapOvr>
-</p:sld>
-</file>
-
-<file path=ppt/slides/slide19.xml><?xml version="1.0" encoding="utf-8"?>
-<p:sld xmlns:a="http://schemas.openxmlformats.org/drawingml/2006/main" xmlns:r="http://schemas.openxmlformats.org/officeDocument/2006/relationships" xmlns:p="http://schemas.openxmlformats.org/presentationml/2006/main">
-  <p:cSld>
-    <p:spTree>
-      <p:nvGrpSpPr>
-        <p:cNvPr id="1" name=""/>
-        <p:cNvGrpSpPr/>
-        <p:nvPr/>
-      </p:nvGrpSpPr>
-      <p:grpSpPr>
-        <a:xfrm>
-          <a:off x="0" y="0"/>
-          <a:ext cx="0" cy="0"/>
-          <a:chOff x="0" y="0"/>
-          <a:chExt cx="0" cy="0"/>
-        </a:xfrm>
-      </p:grpSpPr>
-      <p:sp>
-        <p:nvSpPr>
-          <p:cNvPr id="2" name="Title 1"/>
-          <p:cNvSpPr>
-            <a:spLocks noGrp="1"/>
-          </p:cNvSpPr>
-          <p:nvPr>
-            <p:ph type="title"/>
-          </p:nvPr>
-        </p:nvSpPr>
-        <p:spPr/>
-        <p:txBody>
-          <a:bodyPr/>
-          <a:lstStyle/>
-          <a:p>
-            <a:r>
-              <a:rPr lang="en-US" dirty="0"/>
-              <a:t>What is a poor quality test case?</a:t>
-            </a:r>
-          </a:p>
-        </p:txBody>
-      </p:sp>
-      <p:sp>
-        <p:nvSpPr>
-          <p:cNvPr id="3" name="Content Placeholder 2"/>
-          <p:cNvSpPr>
-            <a:spLocks noGrp="1"/>
-          </p:cNvSpPr>
-          <p:nvPr>
-            <p:ph idx="1"/>
-          </p:nvPr>
-        </p:nvSpPr>
-        <p:spPr>
-          <a:xfrm>
-            <a:off x="457200" y="1219200"/>
-            <a:ext cx="8229600" cy="4906963"/>
-          </a:xfrm>
-        </p:spPr>
-        <p:txBody>
-          <a:bodyPr>
-            <a:normAutofit/>
-          </a:bodyPr>
-          <a:lstStyle/>
-          <a:p>
-            <a:pPr lvl="1"/>
-            <a:r>
-              <a:rPr lang="en-US" dirty="0"/>
-              <a:t>A test case that provides illegal input to the operation</a:t>
-            </a:r>
-          </a:p>
-          <a:p>
-            <a:pPr lvl="1"/>
-            <a:r>
-              <a:rPr lang="en-US" dirty="0"/>
-              <a:t>For example, the </a:t>
-            </a:r>
-            <a:r>
-              <a:rPr lang="en-US" i="1" dirty="0"/>
-              <a:t>deposit</a:t>
-            </a:r>
-            <a:r>
-              <a:rPr lang="en-US" dirty="0"/>
-              <a:t> method from the BankAccount class</a:t>
-            </a:r>
-          </a:p>
-          <a:p>
-            <a:pPr lvl="1"/>
-            <a:r>
-              <a:rPr lang="en-US" dirty="0"/>
-              <a:t>It has a requires clause that states the depositAmount &gt; 0</a:t>
-            </a:r>
-          </a:p>
-          <a:p>
-            <a:pPr lvl="1"/>
-            <a:r>
-              <a:rPr lang="en-US" dirty="0"/>
-              <a:t>Testing it with a negative number is a poor test case because it </a:t>
-            </a:r>
-            <a:r>
-              <a:rPr lang="en-US" i="1" dirty="0"/>
-              <a:t>requires</a:t>
-            </a:r>
-            <a:r>
-              <a:rPr lang="en-US" dirty="0"/>
-              <a:t> non-negative input</a:t>
-            </a:r>
-          </a:p>
-          <a:p>
-            <a:pPr lvl="1"/>
-            <a:endParaRPr lang="en-US" dirty="0"/>
-          </a:p>
-          <a:p>
-            <a:pPr marL="971550" lvl="1" indent="-514350">
-              <a:buFont typeface="+mj-lt"/>
-              <a:buAutoNum type="arabicPeriod"/>
-            </a:pPr>
-            <a:endParaRPr lang="en-US" dirty="0"/>
-          </a:p>
-          <a:p>
-            <a:pPr marL="457200" lvl="1" indent="0">
-              <a:buNone/>
-            </a:pPr>
-            <a:endParaRPr lang="en-US" dirty="0"/>
-          </a:p>
-        </p:txBody>
-      </p:sp>
-      <p:sp>
-        <p:nvSpPr>
-          <p:cNvPr id="7" name="Rectangle 6"/>
-          <p:cNvSpPr/>
-          <p:nvPr/>
-        </p:nvSpPr>
-        <p:spPr>
-          <a:xfrm>
-            <a:off x="8229600" y="6126163"/>
-            <a:ext cx="685800" cy="579437"/>
-          </a:xfrm>
-          <a:prstGeom prst="rect">
-            <a:avLst/>
-          </a:prstGeom>
-        </p:spPr>
-        <p:style>
-          <a:lnRef idx="2">
-            <a:schemeClr val="accent1">
-              <a:shade val="50000"/>
-            </a:schemeClr>
-          </a:lnRef>
-          <a:fillRef idx="1">
-            <a:schemeClr val="accent1"/>
-          </a:fillRef>
-          <a:effectRef idx="0">
-            <a:schemeClr val="accent1"/>
-          </a:effectRef>
-          <a:fontRef idx="minor">
-            <a:schemeClr val="lt1"/>
-          </a:fontRef>
-        </p:style>
-        <p:txBody>
-          <a:bodyPr rtlCol="0" anchor="ctr"/>
-          <a:lstStyle/>
-          <a:p>
-            <a:pPr algn="ctr"/>
-            <a:r>
-              <a:rPr lang="en-US" dirty="0"/>
-              <a:t>Q4</a:t>
-            </a:r>
-          </a:p>
-        </p:txBody>
-      </p:sp>
-      <p:pic>
-        <p:nvPicPr>
-          <p:cNvPr id="5" name="Picture 4">
-            <a:extLst>
-              <a:ext uri="{FF2B5EF4-FFF2-40B4-BE49-F238E27FC236}">
-                <a16:creationId xmlns:a16="http://schemas.microsoft.com/office/drawing/2014/main" id="{E8093846-CC3C-E945-A4BF-C80F5B6F9D15}"/>
-              </a:ext>
-            </a:extLst>
-          </p:cNvPr>
-          <p:cNvPicPr>
-            <a:picLocks noChangeAspect="1"/>
-          </p:cNvPicPr>
-          <p:nvPr/>
-        </p:nvPicPr>
-        <p:blipFill>
-          <a:blip r:embed="rId2"/>
-          <a:stretch>
-            <a:fillRect/>
-          </a:stretch>
-        </p:blipFill>
-        <p:spPr>
-          <a:xfrm>
-            <a:off x="4419600" y="4923080"/>
-            <a:ext cx="3257550" cy="1652091"/>
-          </a:xfrm>
-          <a:prstGeom prst="rect">
-            <a:avLst/>
-          </a:prstGeom>
-        </p:spPr>
-      </p:pic>
-    </p:spTree>
-    <p:extLst>
-      <p:ext uri="{BB962C8B-B14F-4D97-AF65-F5344CB8AC3E}">
-        <p14:creationId xmlns:p14="http://schemas.microsoft.com/office/powerpoint/2010/main" val="3198684657"/>
-      </p:ext>
-    </p:extLst>
-  </p:cSld>
-  <p:clrMapOvr>
-    <a:masterClrMapping/>
-  </p:clrMapOvr>
-</p:sld>
-</file>
-
-<file path=ppt/slides/slide2.xml><?xml version="1.0" encoding="utf-8"?>
-<p:sld xmlns:a="http://schemas.openxmlformats.org/drawingml/2006/main" xmlns:r="http://schemas.openxmlformats.org/officeDocument/2006/relationships" xmlns:p="http://schemas.openxmlformats.org/presentationml/2006/main">
-  <p:cSld>
-    <p:spTree>
-      <p:nvGrpSpPr>
-        <p:cNvPr id="1" name=""/>
-        <p:cNvGrpSpPr/>
-        <p:nvPr/>
-      </p:nvGrpSpPr>
-      <p:grpSpPr>
-        <a:xfrm>
-          <a:off x="0" y="0"/>
-          <a:ext cx="0" cy="0"/>
-          <a:chOff x="0" y="0"/>
-          <a:chExt cx="0" cy="0"/>
-        </a:xfrm>
-      </p:grpSpPr>
-      <p:sp>
-        <p:nvSpPr>
-          <p:cNvPr id="3" name="Title 2"/>
-          <p:cNvSpPr>
-            <a:spLocks noGrp="1"/>
-          </p:cNvSpPr>
-          <p:nvPr>
-            <p:ph type="title"/>
-          </p:nvPr>
-        </p:nvSpPr>
-        <p:spPr/>
-        <p:txBody>
-          <a:bodyPr/>
-          <a:lstStyle/>
-          <a:p>
-            <a:r>
-              <a:rPr lang="en-US" dirty="0"/>
-              <a:t>Outline</a:t>
-            </a:r>
-          </a:p>
-        </p:txBody>
-      </p:sp>
-      <p:sp>
-        <p:nvSpPr>
-          <p:cNvPr id="2" name="Content Placeholder 1"/>
-          <p:cNvSpPr>
-            <a:spLocks noGrp="1"/>
-          </p:cNvSpPr>
-          <p:nvPr>
-            <p:ph idx="1"/>
-          </p:nvPr>
-        </p:nvSpPr>
-        <p:spPr/>
-        <p:txBody>
-          <a:bodyPr/>
-          <a:lstStyle/>
-          <a:p>
-            <a:r>
-              <a:rPr lang="en-US" dirty="0"/>
-              <a:t>Review: Dependencies, Coupling, Cohesion</a:t>
-            </a:r>
-          </a:p>
-          <a:p>
-            <a:r>
-              <a:rPr lang="en-US" dirty="0"/>
-              <a:t>Variable Scoping</a:t>
-            </a:r>
-          </a:p>
-          <a:p>
-            <a:r>
-              <a:rPr lang="en-US" dirty="0"/>
-              <a:t>Console Input</a:t>
-            </a:r>
-          </a:p>
-          <a:p>
-            <a:r>
-              <a:rPr lang="en-US" dirty="0"/>
-              <a:t>Unit Testing</a:t>
-            </a:r>
-          </a:p>
-        </p:txBody>
-      </p:sp>
-    </p:spTree>
-    <p:extLst>
-      <p:ext uri="{BB962C8B-B14F-4D97-AF65-F5344CB8AC3E}">
-        <p14:creationId xmlns:p14="http://schemas.microsoft.com/office/powerpoint/2010/main" val="357242820"/>
-      </p:ext>
-    </p:extLst>
-  </p:cSld>
-  <p:clrMapOvr>
-    <a:masterClrMapping/>
-  </p:clrMapOvr>
-</p:sld>
-</file>
-
-<file path=ppt/slides/slide20.xml><?xml version="1.0" encoding="utf-8"?>
-<p:sld xmlns:a="http://schemas.openxmlformats.org/drawingml/2006/main" xmlns:r="http://schemas.openxmlformats.org/officeDocument/2006/relationships" xmlns:p="http://schemas.openxmlformats.org/presentationml/2006/main">
-  <p:cSld>
-    <p:spTree>
-      <p:nvGrpSpPr>
-        <p:cNvPr id="1" name=""/>
-        <p:cNvGrpSpPr/>
-        <p:nvPr/>
-      </p:nvGrpSpPr>
-      <p:grpSpPr>
-        <a:xfrm>
-          <a:off x="0" y="0"/>
-          <a:ext cx="0" cy="0"/>
-          <a:chOff x="0" y="0"/>
-          <a:chExt cx="0" cy="0"/>
-        </a:xfrm>
-      </p:grpSpPr>
-      <p:sp>
-        <p:nvSpPr>
-          <p:cNvPr id="2" name="Title 1"/>
-          <p:cNvSpPr>
-            <a:spLocks noGrp="1"/>
-          </p:cNvSpPr>
-          <p:nvPr>
-            <p:ph type="title"/>
-          </p:nvPr>
-        </p:nvSpPr>
-        <p:spPr/>
-        <p:txBody>
-          <a:bodyPr/>
-          <a:lstStyle/>
-          <a:p>
-            <a:r>
-              <a:rPr lang="en-US" dirty="0"/>
-              <a:t>Unit Testing</a:t>
-            </a:r>
-          </a:p>
-        </p:txBody>
-      </p:sp>
-      <p:sp>
-        <p:nvSpPr>
-          <p:cNvPr id="3" name="Content Placeholder 2"/>
-          <p:cNvSpPr>
-            <a:spLocks noGrp="1"/>
-          </p:cNvSpPr>
-          <p:nvPr>
-            <p:ph idx="1"/>
-          </p:nvPr>
-        </p:nvSpPr>
-        <p:spPr/>
-        <p:txBody>
-          <a:bodyPr/>
-          <a:lstStyle/>
-          <a:p>
-            <a:r>
-              <a:rPr lang="en-US" dirty="0"/>
-              <a:t>Use “assert” to make sure results match</a:t>
-            </a:r>
-          </a:p>
-          <a:p>
-            <a:r>
-              <a:rPr lang="en-US" dirty="0"/>
-              <a:t>Let’s look at BadFrac.java and BadFracTest.java</a:t>
-            </a:r>
-          </a:p>
-          <a:p>
-            <a:pPr lvl="1"/>
-            <a:r>
-              <a:rPr lang="en-US" dirty="0"/>
-              <a:t>Let’s make some unit tests and figure out why this project has been yielding some strange results</a:t>
-            </a:r>
-          </a:p>
-        </p:txBody>
-      </p:sp>
-    </p:spTree>
-    <p:extLst>
-      <p:ext uri="{BB962C8B-B14F-4D97-AF65-F5344CB8AC3E}">
-        <p14:creationId xmlns:p14="http://schemas.microsoft.com/office/powerpoint/2010/main" val="2195235035"/>
-      </p:ext>
-    </p:extLst>
-  </p:cSld>
-  <p:clrMapOvr>
-    <a:masterClrMapping/>
-  </p:clrMapOvr>
-</p:sld>
-</file>
-
-<file path=ppt/slides/slide21.xml><?xml version="1.0" encoding="utf-8"?>
-<p:sld xmlns:a="http://schemas.openxmlformats.org/drawingml/2006/main" xmlns:r="http://schemas.openxmlformats.org/officeDocument/2006/relationships" xmlns:p="http://schemas.openxmlformats.org/presentationml/2006/main">
-  <p:cSld>
-    <p:spTree>
-      <p:nvGrpSpPr>
-        <p:cNvPr id="1" name=""/>
-        <p:cNvGrpSpPr/>
-        <p:nvPr/>
-      </p:nvGrpSpPr>
-      <p:grpSpPr>
-        <a:xfrm>
-          <a:off x="0" y="0"/>
-          <a:ext cx="0" cy="0"/>
-          <a:chOff x="0" y="0"/>
-          <a:chExt cx="0" cy="0"/>
-        </a:xfrm>
-      </p:grpSpPr>
-      <p:sp>
-        <p:nvSpPr>
-          <p:cNvPr id="2" name="Title 1"/>
-          <p:cNvSpPr>
-            <a:spLocks noGrp="1"/>
-          </p:cNvSpPr>
-          <p:nvPr>
-            <p:ph type="title"/>
-          </p:nvPr>
-        </p:nvSpPr>
-        <p:spPr/>
-        <p:txBody>
-          <a:bodyPr/>
-          <a:lstStyle/>
-          <a:p>
-            <a:r>
-              <a:rPr lang="en-US" dirty="0"/>
-              <a:t>UnitTesting Homework</a:t>
-            </a:r>
-          </a:p>
-        </p:txBody>
-      </p:sp>
-      <p:sp>
-        <p:nvSpPr>
-          <p:cNvPr id="3" name="Content Placeholder 2"/>
-          <p:cNvSpPr>
-            <a:spLocks noGrp="1"/>
-          </p:cNvSpPr>
-          <p:nvPr>
-            <p:ph idx="1"/>
-          </p:nvPr>
-        </p:nvSpPr>
-        <p:spPr/>
-        <p:txBody>
-          <a:bodyPr/>
-          <a:lstStyle/>
-          <a:p>
-            <a:r>
-              <a:rPr lang="en-US" dirty="0">
-                <a:hlinkClick r:id="rId2"/>
-              </a:rPr>
-              <a:t>https://github.com/RHIT-CSSE/csse220/tree/master/Homework/IntroToUnitTesting</a:t>
-            </a:r>
-            <a:endParaRPr lang="en-US" dirty="0"/>
-          </a:p>
-        </p:txBody>
-      </p:sp>
-    </p:spTree>
-    <p:extLst>
-      <p:ext uri="{BB962C8B-B14F-4D97-AF65-F5344CB8AC3E}">
-        <p14:creationId xmlns:p14="http://schemas.microsoft.com/office/powerpoint/2010/main" val="159770490"/>
-      </p:ext>
-    </p:extLst>
-  </p:cSld>
-  <p:clrMapOvr>
-    <a:masterClrMapping/>
-  </p:clrMapOvr>
-</p:sld>
-</file>
-
-<file path=ppt/slides/slide22.xml><?xml version="1.0" encoding="utf-8"?>
-<p:sld xmlns:a="http://schemas.openxmlformats.org/drawingml/2006/main" xmlns:r="http://schemas.openxmlformats.org/officeDocument/2006/relationships" xmlns:p="http://schemas.openxmlformats.org/presentationml/2006/main" show="0">
-  <p:cSld>
-    <p:spTree>
-      <p:nvGrpSpPr>
-        <p:cNvPr id="1" name=""/>
-        <p:cNvGrpSpPr/>
-        <p:nvPr/>
-      </p:nvGrpSpPr>
-      <p:grpSpPr>
-        <a:xfrm>
-          <a:off x="0" y="0"/>
-          <a:ext cx="0" cy="0"/>
-          <a:chOff x="0" y="0"/>
-          <a:chExt cx="0" cy="0"/>
-        </a:xfrm>
-      </p:grpSpPr>
-      <p:sp>
-        <p:nvSpPr>
-          <p:cNvPr id="2" name="Title 1"/>
-          <p:cNvSpPr>
-            <a:spLocks noGrp="1"/>
-          </p:cNvSpPr>
-          <p:nvPr>
-            <p:ph type="title"/>
-          </p:nvPr>
-        </p:nvSpPr>
-        <p:spPr/>
-        <p:txBody>
-          <a:bodyPr/>
-          <a:lstStyle/>
-          <a:p>
-            <a:r>
-              <a:rPr lang="en-US" dirty="0"/>
-              <a:t>Exam 1 Review - Written</a:t>
-            </a:r>
-          </a:p>
-        </p:txBody>
-      </p:sp>
-      <p:sp>
-        <p:nvSpPr>
-          <p:cNvPr id="3" name="Text Placeholder 2"/>
-          <p:cNvSpPr>
-            <a:spLocks noGrp="1"/>
-          </p:cNvSpPr>
-          <p:nvPr>
-            <p:ph type="body" idx="1"/>
-          </p:nvPr>
-        </p:nvSpPr>
-        <p:spPr/>
-        <p:txBody>
-          <a:bodyPr/>
-          <a:lstStyle/>
-          <a:p>
-            <a:r>
-              <a:rPr lang="en-US" dirty="0"/>
-              <a:t>Review for written portion of Exam 1</a:t>
-            </a:r>
-          </a:p>
-        </p:txBody>
-      </p:sp>
-    </p:spTree>
-    <p:extLst>
-      <p:ext uri="{BB962C8B-B14F-4D97-AF65-F5344CB8AC3E}">
-        <p14:creationId xmlns:p14="http://schemas.microsoft.com/office/powerpoint/2010/main" val="2124410113"/>
-      </p:ext>
-    </p:extLst>
-  </p:cSld>
-  <p:clrMapOvr>
-    <a:masterClrMapping/>
-  </p:clrMapOvr>
-</p:sld>
-</file>
-
-<file path=ppt/slides/slide3.xml><?xml version="1.0" encoding="utf-8"?>
-<p:sld xmlns:a="http://schemas.openxmlformats.org/drawingml/2006/main" xmlns:r="http://schemas.openxmlformats.org/officeDocument/2006/relationships" xmlns:p="http://schemas.openxmlformats.org/presentationml/2006/main">
-  <p:cSld>
-    <p:spTree>
-      <p:nvGrpSpPr>
-        <p:cNvPr id="1" name=""/>
-        <p:cNvGrpSpPr/>
-        <p:nvPr/>
-      </p:nvGrpSpPr>
-      <p:grpSpPr>
-        <a:xfrm>
-          <a:off x="0" y="0"/>
-          <a:ext cx="0" cy="0"/>
-          <a:chOff x="0" y="0"/>
-          <a:chExt cx="0" cy="0"/>
-        </a:xfrm>
-      </p:grpSpPr>
-      <p:sp>
-        <p:nvSpPr>
-          <p:cNvPr id="2" name="Title 1"/>
-          <p:cNvSpPr>
-            <a:spLocks noGrp="1"/>
-          </p:cNvSpPr>
-          <p:nvPr>
-            <p:ph type="title"/>
-          </p:nvPr>
-        </p:nvSpPr>
-        <p:spPr/>
-        <p:txBody>
-          <a:bodyPr/>
-          <a:lstStyle/>
-          <a:p>
-            <a:r>
-              <a:rPr lang="en-US" dirty="0"/>
-              <a:t>Review</a:t>
-            </a:r>
-          </a:p>
-        </p:txBody>
-      </p:sp>
-      <p:sp>
-        <p:nvSpPr>
-          <p:cNvPr id="3" name="Content Placeholder 2"/>
-          <p:cNvSpPr>
-            <a:spLocks noGrp="1"/>
-          </p:cNvSpPr>
-          <p:nvPr>
-            <p:ph idx="1"/>
-          </p:nvPr>
-        </p:nvSpPr>
-        <p:spPr/>
-        <p:txBody>
-          <a:bodyPr/>
-          <a:lstStyle/>
-          <a:p>
-            <a:r>
-              <a:rPr lang="en-US" dirty="0"/>
-              <a:t>Encapsulation</a:t>
-            </a:r>
-          </a:p>
-          <a:p>
-            <a:r>
-              <a:rPr lang="en-US" dirty="0"/>
-              <a:t>Minimize Dependencies</a:t>
-            </a:r>
-          </a:p>
-          <a:p>
-            <a:pPr lvl="1"/>
-            <a:r>
-              <a:rPr lang="en-US" dirty="0"/>
-              <a:t>Tell don’t ask</a:t>
-            </a:r>
-          </a:p>
-          <a:p>
-            <a:pPr lvl="1"/>
-            <a:r>
-              <a:rPr lang="en-US" dirty="0"/>
-              <a:t>Don’t use message chains</a:t>
-            </a:r>
-          </a:p>
-          <a:p>
-            <a:r>
-              <a:rPr lang="en-US" dirty="0"/>
-              <a:t>Coupling</a:t>
-            </a:r>
-          </a:p>
-          <a:p>
-            <a:r>
-              <a:rPr lang="en-US" dirty="0"/>
-              <a:t>Cohesion</a:t>
-            </a:r>
-          </a:p>
-        </p:txBody>
-      </p:sp>
-    </p:spTree>
-    <p:extLst>
-      <p:ext uri="{BB962C8B-B14F-4D97-AF65-F5344CB8AC3E}">
-        <p14:creationId xmlns:p14="http://schemas.microsoft.com/office/powerpoint/2010/main" val="517551583"/>
-      </p:ext>
-    </p:extLst>
-  </p:cSld>
-  <p:clrMapOvr>
-    <a:masterClrMapping/>
-  </p:clrMapOvr>
-</p:sld>
-</file>
-
-<file path=ppt/slides/slide4.xml><?xml version="1.0" encoding="utf-8"?>
-<p:sld xmlns:a="http://schemas.openxmlformats.org/drawingml/2006/main" xmlns:r="http://schemas.openxmlformats.org/officeDocument/2006/relationships" xmlns:p="http://schemas.openxmlformats.org/presentationml/2006/main">
-  <p:cSld>
-    <p:spTree>
-      <p:nvGrpSpPr>
-        <p:cNvPr id="1" name=""/>
-        <p:cNvGrpSpPr/>
-        <p:nvPr/>
-      </p:nvGrpSpPr>
-      <p:grpSpPr>
-        <a:xfrm>
-          <a:off x="0" y="0"/>
-          <a:ext cx="0" cy="0"/>
-          <a:chOff x="0" y="0"/>
-          <a:chExt cx="0" cy="0"/>
-        </a:xfrm>
-      </p:grpSpPr>
-      <p:sp>
-        <p:nvSpPr>
-          <p:cNvPr id="2" name="Title 1"/>
-          <p:cNvSpPr>
-            <a:spLocks noGrp="1"/>
-          </p:cNvSpPr>
-          <p:nvPr>
-            <p:ph type="title"/>
-          </p:nvPr>
-        </p:nvSpPr>
-        <p:spPr/>
-        <p:txBody>
-          <a:bodyPr/>
-          <a:lstStyle/>
-          <a:p>
-            <a:r>
-              <a:rPr lang="en-US" dirty="0"/>
-              <a:t>Rule of Thumb: No Global Variables</a:t>
-            </a:r>
-          </a:p>
-        </p:txBody>
-      </p:sp>
-      <p:sp>
-        <p:nvSpPr>
-          <p:cNvPr id="3" name="Content Placeholder 2"/>
-          <p:cNvSpPr>
-            <a:spLocks noGrp="1"/>
-          </p:cNvSpPr>
-          <p:nvPr>
-            <p:ph idx="1"/>
-          </p:nvPr>
-        </p:nvSpPr>
-        <p:spPr/>
-        <p:txBody>
-          <a:bodyPr/>
-          <a:lstStyle/>
-          <a:p>
-            <a:r>
-              <a:rPr lang="en-US" dirty="0"/>
-              <a:t>Or static variables that are used like globals</a:t>
-            </a:r>
-          </a:p>
-          <a:p>
-            <a:r>
-              <a:rPr lang="en-US" dirty="0"/>
-              <a:t>A static variable can be accessed/modified in any function at any time</a:t>
-            </a:r>
-          </a:p>
-          <a:p>
-            <a:r>
-              <a:rPr lang="en-US" dirty="0"/>
-              <a:t>As a result many parts of the code can be coupled to a single class</a:t>
-            </a:r>
-          </a:p>
-          <a:p>
-            <a:endParaRPr lang="en-US" dirty="0"/>
-          </a:p>
-          <a:p>
-            <a:endParaRPr lang="en-US" dirty="0"/>
-          </a:p>
-        </p:txBody>
-      </p:sp>
-    </p:spTree>
-    <p:extLst>
-      <p:ext uri="{BB962C8B-B14F-4D97-AF65-F5344CB8AC3E}">
-        <p14:creationId xmlns:p14="http://schemas.microsoft.com/office/powerpoint/2010/main" val="1890371228"/>
-      </p:ext>
-    </p:extLst>
-  </p:cSld>
-  <p:clrMapOvr>
-    <a:masterClrMapping/>
-  </p:clrMapOvr>
-</p:sld>
-</file>
-
-<file path=ppt/slides/slide5.xml><?xml version="1.0" encoding="utf-8"?>
-<p:sld xmlns:a="http://schemas.openxmlformats.org/drawingml/2006/main" xmlns:r="http://schemas.openxmlformats.org/officeDocument/2006/relationships" xmlns:p="http://schemas.openxmlformats.org/presentationml/2006/main">
-  <p:cSld>
-    <p:spTree>
-      <p:nvGrpSpPr>
-        <p:cNvPr id="1" name=""/>
-        <p:cNvGrpSpPr/>
-        <p:nvPr/>
-      </p:nvGrpSpPr>
-      <p:grpSpPr>
-        <a:xfrm>
-          <a:off x="0" y="0"/>
-          <a:ext cx="0" cy="0"/>
-          <a:chOff x="0" y="0"/>
-          <a:chExt cx="0" cy="0"/>
-        </a:xfrm>
-      </p:grpSpPr>
-      <p:sp>
-        <p:nvSpPr>
-          <p:cNvPr id="2" name="Title 1"/>
-          <p:cNvSpPr>
-            <a:spLocks noGrp="1"/>
-          </p:cNvSpPr>
-          <p:nvPr>
-            <p:ph type="title"/>
-          </p:nvPr>
-        </p:nvSpPr>
-        <p:spPr/>
-        <p:txBody>
-          <a:bodyPr/>
-          <a:lstStyle/>
-          <a:p>
-            <a:r>
-              <a:rPr lang="en-US" dirty="0"/>
-              <a:t>Rule of Thumb: No Global Variables</a:t>
-            </a:r>
-          </a:p>
-        </p:txBody>
-      </p:sp>
-      <p:sp>
-        <p:nvSpPr>
-          <p:cNvPr id="3" name="Content Placeholder 2"/>
-          <p:cNvSpPr>
-            <a:spLocks noGrp="1"/>
-          </p:cNvSpPr>
-          <p:nvPr>
-            <p:ph idx="1"/>
-          </p:nvPr>
-        </p:nvSpPr>
-        <p:spPr/>
-        <p:txBody>
-          <a:bodyPr>
-            <a:normAutofit fontScale="92500" lnSpcReduction="10000"/>
-          </a:bodyPr>
-          <a:lstStyle/>
-          <a:p>
-            <a:r>
-              <a:rPr lang="en-US" dirty="0"/>
-              <a:t>Or static variables that are used like globals</a:t>
-            </a:r>
-          </a:p>
-          <a:p>
-            <a:r>
-              <a:rPr lang="en-US" dirty="0"/>
-              <a:t>A static variable can be accessed/modified in any function at any time</a:t>
-            </a:r>
-          </a:p>
-          <a:p>
-            <a:r>
-              <a:rPr lang="en-US" dirty="0"/>
-              <a:t>As a result many parts of the code can be coupled to a single class</a:t>
-            </a:r>
-          </a:p>
-          <a:p>
-            <a:endParaRPr lang="en-US" dirty="0"/>
-          </a:p>
-          <a:p>
-            <a:r>
-              <a:rPr lang="en-US" dirty="0">
-                <a:highlight>
-                  <a:srgbClr val="FFFF00"/>
-                </a:highlight>
-              </a:rPr>
-              <a:t>Why? </a:t>
-            </a:r>
-          </a:p>
-          <a:p>
-            <a:r>
-              <a:rPr lang="en-US" dirty="0">
-                <a:highlight>
-                  <a:srgbClr val="FFFF00"/>
-                </a:highlight>
-              </a:rPr>
-              <a:t>Increases coupling among all the clients that get or change value of the global variable</a:t>
-            </a:r>
-          </a:p>
-          <a:p>
-            <a:endParaRPr lang="en-US" dirty="0"/>
-          </a:p>
-        </p:txBody>
-      </p:sp>
-    </p:spTree>
-    <p:extLst>
-      <p:ext uri="{BB962C8B-B14F-4D97-AF65-F5344CB8AC3E}">
-        <p14:creationId xmlns:p14="http://schemas.microsoft.com/office/powerpoint/2010/main" val="1358405588"/>
-      </p:ext>
-    </p:extLst>
-  </p:cSld>
-  <p:clrMapOvr>
-    <a:masterClrMapping/>
-  </p:clrMapOvr>
-</p:sld>
-</file>
-
-<file path=ppt/slides/slide6.xml><?xml version="1.0" encoding="utf-8"?>
-<p:sld xmlns:a="http://schemas.openxmlformats.org/drawingml/2006/main" xmlns:r="http://schemas.openxmlformats.org/officeDocument/2006/relationships" xmlns:p="http://schemas.openxmlformats.org/presentationml/2006/main">
-  <p:cSld>
-    <p:spTree>
-      <p:nvGrpSpPr>
-        <p:cNvPr id="1" name=""/>
-        <p:cNvGrpSpPr/>
-        <p:nvPr/>
-      </p:nvGrpSpPr>
-      <p:grpSpPr>
-        <a:xfrm>
-          <a:off x="0" y="0"/>
-          <a:ext cx="0" cy="0"/>
-          <a:chOff x="0" y="0"/>
-          <a:chExt cx="0" cy="0"/>
-        </a:xfrm>
-      </p:grpSpPr>
       <p:pic>
         <p:nvPicPr>
           <p:cNvPr id="6" name="Picture 3"/>
@@ -8718,733 +6317,6 @@
             </a:ext>
             <a:ext uri="{AF507438-7753-43e0-B8FC-AC1667EBCBE1}">
               <a14:hiddenEffects xmlns="" xmlns:a14="http://schemas.microsoft.com/office/drawing/2010/main">
-                <a:effectLst>
-                  <a:outerShdw dist="35921" dir="2700000" algn="ctr" rotWithShape="0">
-                    <a:schemeClr val="bg2"/>
-                  </a:outerShdw>
-                </a:effectLst>
-              </a14:hiddenEffects>
-            </a:ext>
-          </a:extLst>
-        </p:spPr>
-      </p:pic>
-      <p:sp>
-        <p:nvSpPr>
-          <p:cNvPr id="5" name="Content Placeholder 4"/>
-          <p:cNvSpPr>
-            <a:spLocks noGrp="1"/>
-          </p:cNvSpPr>
-          <p:nvPr>
-            <p:ph idx="1"/>
-          </p:nvPr>
-        </p:nvSpPr>
-        <p:spPr>
-          <a:xfrm>
-            <a:off x="381000" y="957262"/>
-            <a:ext cx="8458200" cy="5138738"/>
-          </a:xfrm>
-        </p:spPr>
-        <p:txBody>
-          <a:bodyPr>
-            <a:normAutofit fontScale="92500" lnSpcReduction="20000"/>
-          </a:bodyPr>
-          <a:lstStyle/>
-          <a:p>
-            <a:pPr marL="109537" indent="0">
-              <a:buNone/>
-              <a:defRPr/>
-            </a:pPr>
-            <a:r>
-              <a:rPr lang="en-US" b="1" i="1" u="sng" dirty="0"/>
-              <a:t>Scope</a:t>
-            </a:r>
-            <a:r>
-              <a:rPr lang="en-US" b="1" dirty="0"/>
-              <a:t>  is the region of a program in </a:t>
-            </a:r>
-            <a:br>
-              <a:rPr lang="en-US" b="1" dirty="0"/>
-            </a:br>
-            <a:r>
-              <a:rPr lang="en-US" b="1" dirty="0"/>
-              <a:t>which a variable can be accessed</a:t>
-            </a:r>
-            <a:br>
-              <a:rPr lang="en-US" b="1" dirty="0">
-                <a:solidFill>
-                  <a:srgbClr val="C00000"/>
-                </a:solidFill>
-              </a:rPr>
-            </a:br>
-            <a:endParaRPr lang="en-US" sz="1600" b="1" dirty="0">
-              <a:solidFill>
-                <a:srgbClr val="C00000"/>
-              </a:solidFill>
-            </a:endParaRPr>
-          </a:p>
-          <a:p>
-            <a:pPr>
-              <a:defRPr/>
-            </a:pPr>
-            <a:r>
-              <a:rPr lang="en-US" sz="2400" b="1" i="1" dirty="0">
-                <a:solidFill>
-                  <a:srgbClr val="00B050"/>
-                </a:solidFill>
-              </a:rPr>
-              <a:t>Scope of a parameter</a:t>
-            </a:r>
-            <a:r>
-              <a:rPr lang="en-US" sz="2400" i="1" dirty="0"/>
-              <a:t>:</a:t>
-            </a:r>
-            <a:r>
-              <a:rPr lang="en-US" sz="2400" dirty="0"/>
-              <a:t>  throughout the entire method body</a:t>
-            </a:r>
-            <a:br>
-              <a:rPr lang="en-US" sz="2400" dirty="0"/>
-            </a:br>
-            <a:endParaRPr lang="en-US" sz="1600" dirty="0"/>
-          </a:p>
-          <a:p>
-            <a:pPr marL="0" indent="0">
-              <a:buNone/>
-              <a:defRPr/>
-            </a:pPr>
-            <a:br>
-              <a:rPr lang="en-US" sz="2400" dirty="0"/>
-            </a:br>
-            <a:endParaRPr lang="en-US" sz="2400" dirty="0"/>
-          </a:p>
-          <a:p>
-            <a:pPr marL="630238" lvl="2" indent="0">
-              <a:buNone/>
-              <a:tabLst>
-                <a:tab pos="1146175" algn="l"/>
-                <a:tab pos="1425575" algn="l"/>
-                <a:tab pos="2463800" algn="l"/>
-              </a:tabLst>
-              <a:defRPr/>
-            </a:pPr>
-            <a:r>
-              <a:rPr lang="en-US" sz="2000" b="1" dirty="0">
-                <a:latin typeface="Courier New" panose="02070309020205020404" pitchFamily="49" charset="0"/>
-                <a:cs typeface="Courier New" panose="02070309020205020404" pitchFamily="49" charset="0"/>
-              </a:rPr>
-              <a:t>public</a:t>
-            </a:r>
-            <a:r>
-              <a:rPr lang="en-US" sz="2000" dirty="0">
-                <a:latin typeface="Courier New" panose="02070309020205020404" pitchFamily="49" charset="0"/>
-                <a:cs typeface="Courier New" panose="02070309020205020404" pitchFamily="49" charset="0"/>
-              </a:rPr>
-              <a:t> double myMethod(ArrayList&lt;Point2D&gt; </a:t>
-            </a:r>
-            <a:r>
-              <a:rPr lang="en-US" sz="2000" b="1" dirty="0">
-                <a:solidFill>
-                  <a:srgbClr val="00B050"/>
-                </a:solidFill>
-                <a:latin typeface="Courier New" panose="02070309020205020404" pitchFamily="49" charset="0"/>
-                <a:cs typeface="Courier New" panose="02070309020205020404" pitchFamily="49" charset="0"/>
-              </a:rPr>
-              <a:t>pts</a:t>
-            </a:r>
-            <a:r>
-              <a:rPr lang="en-US" sz="2000" dirty="0">
-                <a:latin typeface="Courier New" panose="02070309020205020404" pitchFamily="49" charset="0"/>
-                <a:cs typeface="Courier New" panose="02070309020205020404" pitchFamily="49" charset="0"/>
-              </a:rPr>
-              <a:t>) </a:t>
-            </a:r>
-          </a:p>
-          <a:p>
-            <a:pPr marL="630238" lvl="2" indent="0">
-              <a:buNone/>
-              <a:tabLst>
-                <a:tab pos="1146175" algn="l"/>
-                <a:tab pos="1425575" algn="l"/>
-                <a:tab pos="2463800" algn="l"/>
-              </a:tabLst>
-              <a:defRPr/>
-            </a:pPr>
-            <a:r>
-              <a:rPr lang="en-US" sz="2000" dirty="0">
-                <a:latin typeface="Courier New" panose="02070309020205020404" pitchFamily="49" charset="0"/>
-                <a:cs typeface="Courier New" panose="02070309020205020404" pitchFamily="49" charset="0"/>
-              </a:rPr>
-              <a:t>{</a:t>
-            </a:r>
-            <a:br>
-              <a:rPr lang="en-US" sz="2000" dirty="0">
-                <a:latin typeface="Courier New" panose="02070309020205020404" pitchFamily="49" charset="0"/>
-                <a:cs typeface="Courier New" panose="02070309020205020404" pitchFamily="49" charset="0"/>
-              </a:rPr>
-            </a:br>
-            <a:r>
-              <a:rPr lang="en-US" sz="2000" dirty="0">
-                <a:latin typeface="Courier New" panose="02070309020205020404" pitchFamily="49" charset="0"/>
-                <a:cs typeface="Courier New" panose="02070309020205020404" pitchFamily="49" charset="0"/>
-              </a:rPr>
-              <a:t>	double sum = 0.0;</a:t>
-            </a:r>
-            <a:br>
-              <a:rPr lang="en-US" sz="2000" dirty="0">
-                <a:latin typeface="Courier New" panose="02070309020205020404" pitchFamily="49" charset="0"/>
-                <a:cs typeface="Courier New" panose="02070309020205020404" pitchFamily="49" charset="0"/>
-              </a:rPr>
-            </a:br>
-            <a:r>
-              <a:rPr lang="en-US" sz="2000" dirty="0">
-                <a:latin typeface="Courier New" panose="02070309020205020404" pitchFamily="49" charset="0"/>
-                <a:cs typeface="Courier New" panose="02070309020205020404" pitchFamily="49" charset="0"/>
-              </a:rPr>
-              <a:t>	Point2D prev = </a:t>
-            </a:r>
-            <a:r>
-              <a:rPr lang="en-US" sz="2000" b="1" dirty="0">
-                <a:solidFill>
-                  <a:srgbClr val="00B050"/>
-                </a:solidFill>
-                <a:latin typeface="Courier New" panose="02070309020205020404" pitchFamily="49" charset="0"/>
-                <a:cs typeface="Courier New" panose="02070309020205020404" pitchFamily="49" charset="0"/>
-              </a:rPr>
-              <a:t>pts</a:t>
-            </a:r>
-            <a:r>
-              <a:rPr lang="en-US" sz="2000" dirty="0">
-                <a:latin typeface="Courier New" panose="02070309020205020404" pitchFamily="49" charset="0"/>
-                <a:cs typeface="Courier New" panose="02070309020205020404" pitchFamily="49" charset="0"/>
-              </a:rPr>
-              <a:t>.get(</a:t>
-            </a:r>
-            <a:r>
-              <a:rPr lang="en-US" sz="2000" b="1" dirty="0">
-                <a:solidFill>
-                  <a:srgbClr val="00B050"/>
-                </a:solidFill>
-                <a:latin typeface="Courier New" panose="02070309020205020404" pitchFamily="49" charset="0"/>
-                <a:cs typeface="Courier New" panose="02070309020205020404" pitchFamily="49" charset="0"/>
-              </a:rPr>
-              <a:t>pts</a:t>
-            </a:r>
-            <a:r>
-              <a:rPr lang="en-US" sz="2000" dirty="0">
-                <a:latin typeface="Courier New" panose="02070309020205020404" pitchFamily="49" charset="0"/>
-                <a:cs typeface="Courier New" panose="02070309020205020404" pitchFamily="49" charset="0"/>
-              </a:rPr>
-              <a:t>.size() - 1);</a:t>
-            </a:r>
-            <a:br>
-              <a:rPr lang="en-US" sz="2000" dirty="0">
-                <a:latin typeface="Courier New" panose="02070309020205020404" pitchFamily="49" charset="0"/>
-                <a:cs typeface="Courier New" panose="02070309020205020404" pitchFamily="49" charset="0"/>
-              </a:rPr>
-            </a:br>
-            <a:r>
-              <a:rPr lang="en-US" sz="2000" dirty="0">
-                <a:latin typeface="Courier New" panose="02070309020205020404" pitchFamily="49" charset="0"/>
-                <a:cs typeface="Courier New" panose="02070309020205020404" pitchFamily="49" charset="0"/>
-              </a:rPr>
-              <a:t>	</a:t>
-            </a:r>
-            <a:r>
-              <a:rPr lang="en-US" sz="2000" b="1" dirty="0">
-                <a:latin typeface="Courier New" panose="02070309020205020404" pitchFamily="49" charset="0"/>
-                <a:cs typeface="Courier New" panose="02070309020205020404" pitchFamily="49" charset="0"/>
-              </a:rPr>
-              <a:t>for</a:t>
-            </a:r>
-            <a:r>
-              <a:rPr lang="en-US" sz="2000" dirty="0">
-                <a:latin typeface="Courier New" panose="02070309020205020404" pitchFamily="49" charset="0"/>
-                <a:cs typeface="Courier New" panose="02070309020205020404" pitchFamily="49" charset="0"/>
-              </a:rPr>
-              <a:t> (Point2D p : </a:t>
-            </a:r>
-            <a:r>
-              <a:rPr lang="en-US" sz="2000" b="1" dirty="0">
-                <a:solidFill>
-                  <a:srgbClr val="00B050"/>
-                </a:solidFill>
-                <a:latin typeface="Courier New" panose="02070309020205020404" pitchFamily="49" charset="0"/>
-                <a:cs typeface="Courier New" panose="02070309020205020404" pitchFamily="49" charset="0"/>
-              </a:rPr>
-              <a:t>pts</a:t>
-            </a:r>
-            <a:r>
-              <a:rPr lang="en-US" sz="2000" dirty="0">
-                <a:latin typeface="Courier New" panose="02070309020205020404" pitchFamily="49" charset="0"/>
-                <a:cs typeface="Courier New" panose="02070309020205020404" pitchFamily="49" charset="0"/>
-              </a:rPr>
-              <a:t>) {</a:t>
-            </a:r>
-            <a:br>
-              <a:rPr lang="en-US" sz="2000" dirty="0">
-                <a:latin typeface="Courier New" panose="02070309020205020404" pitchFamily="49" charset="0"/>
-                <a:cs typeface="Courier New" panose="02070309020205020404" pitchFamily="49" charset="0"/>
-              </a:rPr>
-            </a:br>
-            <a:r>
-              <a:rPr lang="en-US" sz="2000" dirty="0">
-                <a:latin typeface="Courier New" panose="02070309020205020404" pitchFamily="49" charset="0"/>
-                <a:cs typeface="Courier New" panose="02070309020205020404" pitchFamily="49" charset="0"/>
-              </a:rPr>
-              <a:t>		sum += prev.getX() * p.getY();</a:t>
-            </a:r>
-            <a:br>
-              <a:rPr lang="en-US" sz="2000" dirty="0">
-                <a:latin typeface="Courier New" panose="02070309020205020404" pitchFamily="49" charset="0"/>
-                <a:cs typeface="Courier New" panose="02070309020205020404" pitchFamily="49" charset="0"/>
-              </a:rPr>
-            </a:br>
-            <a:r>
-              <a:rPr lang="en-US" sz="2000" dirty="0">
-                <a:latin typeface="Courier New" panose="02070309020205020404" pitchFamily="49" charset="0"/>
-                <a:cs typeface="Courier New" panose="02070309020205020404" pitchFamily="49" charset="0"/>
-              </a:rPr>
-              <a:t>		sum -= prev.getY() * p.getX();</a:t>
-            </a:r>
-            <a:br>
-              <a:rPr lang="en-US" sz="2000" dirty="0">
-                <a:latin typeface="Courier New" panose="02070309020205020404" pitchFamily="49" charset="0"/>
-                <a:cs typeface="Courier New" panose="02070309020205020404" pitchFamily="49" charset="0"/>
-              </a:rPr>
-            </a:br>
-            <a:r>
-              <a:rPr lang="en-US" sz="2000" dirty="0">
-                <a:latin typeface="Courier New" panose="02070309020205020404" pitchFamily="49" charset="0"/>
-                <a:cs typeface="Courier New" panose="02070309020205020404" pitchFamily="49" charset="0"/>
-              </a:rPr>
-              <a:t>		prev = p;</a:t>
-            </a:r>
-            <a:br>
-              <a:rPr lang="en-US" sz="2000" dirty="0">
-                <a:latin typeface="Courier New" panose="02070309020205020404" pitchFamily="49" charset="0"/>
-                <a:cs typeface="Courier New" panose="02070309020205020404" pitchFamily="49" charset="0"/>
-              </a:rPr>
-            </a:br>
-            <a:r>
-              <a:rPr lang="en-US" sz="2000" dirty="0">
-                <a:latin typeface="Courier New" panose="02070309020205020404" pitchFamily="49" charset="0"/>
-                <a:cs typeface="Courier New" panose="02070309020205020404" pitchFamily="49" charset="0"/>
-              </a:rPr>
-              <a:t>	} // end for</a:t>
-            </a:r>
-            <a:br>
-              <a:rPr lang="en-US" sz="2000" dirty="0">
-                <a:latin typeface="Courier New" panose="02070309020205020404" pitchFamily="49" charset="0"/>
-                <a:cs typeface="Courier New" panose="02070309020205020404" pitchFamily="49" charset="0"/>
-              </a:rPr>
-            </a:br>
-            <a:r>
-              <a:rPr lang="en-US" sz="2000" dirty="0">
-                <a:latin typeface="Courier New" panose="02070309020205020404" pitchFamily="49" charset="0"/>
-                <a:cs typeface="Courier New" panose="02070309020205020404" pitchFamily="49" charset="0"/>
-              </a:rPr>
-              <a:t>	</a:t>
-            </a:r>
-            <a:r>
-              <a:rPr lang="en-US" sz="2000" b="1" dirty="0">
-                <a:latin typeface="Courier New" panose="02070309020205020404" pitchFamily="49" charset="0"/>
-                <a:cs typeface="Courier New" panose="02070309020205020404" pitchFamily="49" charset="0"/>
-              </a:rPr>
-              <a:t>return</a:t>
-            </a:r>
-            <a:r>
-              <a:rPr lang="en-US" sz="2000" dirty="0">
-                <a:latin typeface="Courier New" panose="02070309020205020404" pitchFamily="49" charset="0"/>
-                <a:cs typeface="Courier New" panose="02070309020205020404" pitchFamily="49" charset="0"/>
-              </a:rPr>
-              <a:t> Math.abs(sum / 2.0);</a:t>
-            </a:r>
-            <a:br>
-              <a:rPr lang="en-US" sz="2000" dirty="0">
-                <a:latin typeface="Courier New" panose="02070309020205020404" pitchFamily="49" charset="0"/>
-                <a:cs typeface="Courier New" panose="02070309020205020404" pitchFamily="49" charset="0"/>
-              </a:rPr>
-            </a:br>
-            <a:r>
-              <a:rPr lang="en-US" sz="2000" dirty="0">
-                <a:latin typeface="Courier New" panose="02070309020205020404" pitchFamily="49" charset="0"/>
-                <a:cs typeface="Courier New" panose="02070309020205020404" pitchFamily="49" charset="0"/>
-              </a:rPr>
-              <a:t>} // myMethod</a:t>
-            </a:r>
-          </a:p>
-        </p:txBody>
-      </p:sp>
-      <p:sp>
-        <p:nvSpPr>
-          <p:cNvPr id="4" name="Title 3"/>
-          <p:cNvSpPr>
-            <a:spLocks noGrp="1"/>
-          </p:cNvSpPr>
-          <p:nvPr>
-            <p:ph type="title"/>
-          </p:nvPr>
-        </p:nvSpPr>
-        <p:spPr>
-          <a:xfrm>
-            <a:off x="457200" y="76200"/>
-            <a:ext cx="8229600" cy="792162"/>
-          </a:xfrm>
-        </p:spPr>
-        <p:txBody>
-          <a:bodyPr/>
-          <a:lstStyle/>
-          <a:p>
-            <a:pPr>
-              <a:defRPr/>
-            </a:pPr>
-            <a:r>
-              <a:rPr lang="en-US" dirty="0"/>
-              <a:t>Variable Scope</a:t>
-            </a:r>
-          </a:p>
-        </p:txBody>
-      </p:sp>
-      <p:sp>
-        <p:nvSpPr>
-          <p:cNvPr id="7" name="Rectangle 6">
-            <a:extLst>
-              <a:ext uri="{FF2B5EF4-FFF2-40B4-BE49-F238E27FC236}">
-                <a16:creationId xmlns:a16="http://schemas.microsoft.com/office/drawing/2014/main" id="{534859C7-AA19-6949-A18B-04E0ECF36C96}"/>
-              </a:ext>
-            </a:extLst>
-          </p:cNvPr>
-          <p:cNvSpPr/>
-          <p:nvPr/>
-        </p:nvSpPr>
-        <p:spPr>
-          <a:xfrm>
-            <a:off x="838200" y="3352800"/>
-            <a:ext cx="6781800" cy="2438400"/>
-          </a:xfrm>
-          <a:prstGeom prst="rect">
-            <a:avLst/>
-          </a:prstGeom>
-          <a:noFill/>
-          <a:ln w="28575">
-            <a:solidFill>
-              <a:srgbClr val="00B050"/>
-            </a:solidFill>
-          </a:ln>
-        </p:spPr>
-        <p:style>
-          <a:lnRef idx="2">
-            <a:schemeClr val="accent1">
-              <a:shade val="50000"/>
-            </a:schemeClr>
-          </a:lnRef>
-          <a:fillRef idx="1">
-            <a:schemeClr val="accent1"/>
-          </a:fillRef>
-          <a:effectRef idx="0">
-            <a:schemeClr val="accent1"/>
-          </a:effectRef>
-          <a:fontRef idx="minor">
-            <a:schemeClr val="lt1"/>
-          </a:fontRef>
-        </p:style>
-        <p:txBody>
-          <a:bodyPr rtlCol="0" anchor="ctr"/>
-          <a:lstStyle/>
-          <a:p>
-            <a:pPr algn="ctr"/>
-            <a:endParaRPr lang="en-US" dirty="0"/>
-          </a:p>
-        </p:txBody>
-      </p:sp>
-      <p:sp>
-        <p:nvSpPr>
-          <p:cNvPr id="8" name="Freeform 7">
-            <a:extLst>
-              <a:ext uri="{FF2B5EF4-FFF2-40B4-BE49-F238E27FC236}">
-                <a16:creationId xmlns:a16="http://schemas.microsoft.com/office/drawing/2014/main" id="{34378F54-728A-C941-96CC-BD3F75D7DB0C}"/>
-              </a:ext>
-            </a:extLst>
-          </p:cNvPr>
-          <p:cNvSpPr/>
-          <p:nvPr/>
-        </p:nvSpPr>
-        <p:spPr>
-          <a:xfrm>
-            <a:off x="492550" y="2255520"/>
-            <a:ext cx="523450" cy="1076960"/>
-          </a:xfrm>
-          <a:custGeom>
-            <a:avLst/>
-            <a:gdLst>
-              <a:gd name="connsiteX0" fmla="*/ 523450 w 523450"/>
-              <a:gd name="connsiteY0" fmla="*/ 0 h 1076960"/>
-              <a:gd name="connsiteX1" fmla="*/ 5290 w 523450"/>
-              <a:gd name="connsiteY1" fmla="*/ 640080 h 1076960"/>
-              <a:gd name="connsiteX2" fmla="*/ 299930 w 523450"/>
-              <a:gd name="connsiteY2" fmla="*/ 1076960 h 1076960"/>
-            </a:gdLst>
-            <a:ahLst/>
-            <a:cxnLst>
-              <a:cxn ang="0">
-                <a:pos x="connsiteX0" y="connsiteY0"/>
-              </a:cxn>
-              <a:cxn ang="0">
-                <a:pos x="connsiteX1" y="connsiteY1"/>
-              </a:cxn>
-              <a:cxn ang="0">
-                <a:pos x="connsiteX2" y="connsiteY2"/>
-              </a:cxn>
-            </a:cxnLst>
-            <a:rect l="l" t="t" r="r" b="b"/>
-            <a:pathLst>
-              <a:path w="523450" h="1076960">
-                <a:moveTo>
-                  <a:pt x="523450" y="0"/>
-                </a:moveTo>
-                <a:cubicBezTo>
-                  <a:pt x="282996" y="230293"/>
-                  <a:pt x="42543" y="460587"/>
-                  <a:pt x="5290" y="640080"/>
-                </a:cubicBezTo>
-                <a:cubicBezTo>
-                  <a:pt x="-31963" y="819573"/>
-                  <a:pt x="133983" y="948266"/>
-                  <a:pt x="299930" y="1076960"/>
-                </a:cubicBezTo>
-              </a:path>
-            </a:pathLst>
-          </a:custGeom>
-          <a:noFill/>
-          <a:ln w="28575">
-            <a:solidFill>
-              <a:srgbClr val="00B050"/>
-            </a:solidFill>
-            <a:headEnd type="none" w="med" len="med"/>
-            <a:tailEnd type="arrow" w="med" len="med"/>
-          </a:ln>
-        </p:spPr>
-        <p:style>
-          <a:lnRef idx="2">
-            <a:schemeClr val="accent1">
-              <a:shade val="50000"/>
-            </a:schemeClr>
-          </a:lnRef>
-          <a:fillRef idx="1">
-            <a:schemeClr val="accent1"/>
-          </a:fillRef>
-          <a:effectRef idx="0">
-            <a:schemeClr val="accent1"/>
-          </a:effectRef>
-          <a:fontRef idx="minor">
-            <a:schemeClr val="lt1"/>
-          </a:fontRef>
-        </p:style>
-        <p:txBody>
-          <a:bodyPr rtlCol="0" anchor="ctr"/>
-          <a:lstStyle/>
-          <a:p>
-            <a:pPr algn="ctr"/>
-            <a:endParaRPr lang="en-US" dirty="0"/>
-          </a:p>
-        </p:txBody>
-      </p:sp>
-      <p:sp>
-        <p:nvSpPr>
-          <p:cNvPr id="10" name="Freeform 9">
-            <a:extLst>
-              <a:ext uri="{FF2B5EF4-FFF2-40B4-BE49-F238E27FC236}">
-                <a16:creationId xmlns:a16="http://schemas.microsoft.com/office/drawing/2014/main" id="{F10EAB75-B4D5-1541-8397-42B0AA1B06C1}"/>
-              </a:ext>
-            </a:extLst>
-          </p:cNvPr>
-          <p:cNvSpPr/>
-          <p:nvPr/>
-        </p:nvSpPr>
-        <p:spPr>
-          <a:xfrm>
-            <a:off x="2915920" y="2235200"/>
-            <a:ext cx="4781165" cy="812800"/>
-          </a:xfrm>
-          <a:custGeom>
-            <a:avLst/>
-            <a:gdLst>
-              <a:gd name="connsiteX0" fmla="*/ 0 w 4781165"/>
-              <a:gd name="connsiteY0" fmla="*/ 0 h 812800"/>
-              <a:gd name="connsiteX1" fmla="*/ 60960 w 4781165"/>
-              <a:gd name="connsiteY1" fmla="*/ 182880 h 812800"/>
-              <a:gd name="connsiteX2" fmla="*/ 365760 w 4781165"/>
-              <a:gd name="connsiteY2" fmla="*/ 223520 h 812800"/>
-              <a:gd name="connsiteX3" fmla="*/ 4206240 w 4781165"/>
-              <a:gd name="connsiteY3" fmla="*/ 213360 h 812800"/>
-              <a:gd name="connsiteX4" fmla="*/ 4693920 w 4781165"/>
-              <a:gd name="connsiteY4" fmla="*/ 812800 h 812800"/>
-            </a:gdLst>
-            <a:ahLst/>
-            <a:cxnLst>
-              <a:cxn ang="0">
-                <a:pos x="connsiteX0" y="connsiteY0"/>
-              </a:cxn>
-              <a:cxn ang="0">
-                <a:pos x="connsiteX1" y="connsiteY1"/>
-              </a:cxn>
-              <a:cxn ang="0">
-                <a:pos x="connsiteX2" y="connsiteY2"/>
-              </a:cxn>
-              <a:cxn ang="0">
-                <a:pos x="connsiteX3" y="connsiteY3"/>
-              </a:cxn>
-              <a:cxn ang="0">
-                <a:pos x="connsiteX4" y="connsiteY4"/>
-              </a:cxn>
-            </a:cxnLst>
-            <a:rect l="l" t="t" r="r" b="b"/>
-            <a:pathLst>
-              <a:path w="4781165" h="812800">
-                <a:moveTo>
-                  <a:pt x="0" y="0"/>
-                </a:moveTo>
-                <a:cubicBezTo>
-                  <a:pt x="0" y="72813"/>
-                  <a:pt x="0" y="145627"/>
-                  <a:pt x="60960" y="182880"/>
-                </a:cubicBezTo>
-                <a:cubicBezTo>
-                  <a:pt x="121920" y="220133"/>
-                  <a:pt x="365760" y="223520"/>
-                  <a:pt x="365760" y="223520"/>
-                </a:cubicBezTo>
-                <a:cubicBezTo>
-                  <a:pt x="1056640" y="228600"/>
-                  <a:pt x="3484880" y="115147"/>
-                  <a:pt x="4206240" y="213360"/>
-                </a:cubicBezTo>
-                <a:cubicBezTo>
-                  <a:pt x="4927600" y="311573"/>
-                  <a:pt x="4810760" y="562186"/>
-                  <a:pt x="4693920" y="812800"/>
-                </a:cubicBezTo>
-              </a:path>
-            </a:pathLst>
-          </a:custGeom>
-          <a:noFill/>
-          <a:ln w="28575">
-            <a:solidFill>
-              <a:srgbClr val="00B050"/>
-            </a:solidFill>
-            <a:headEnd type="none" w="med" len="med"/>
-            <a:tailEnd type="arrow" w="med" len="med"/>
-          </a:ln>
-        </p:spPr>
-        <p:style>
-          <a:lnRef idx="2">
-            <a:schemeClr val="accent1">
-              <a:shade val="50000"/>
-            </a:schemeClr>
-          </a:lnRef>
-          <a:fillRef idx="1">
-            <a:schemeClr val="accent1"/>
-          </a:fillRef>
-          <a:effectRef idx="0">
-            <a:schemeClr val="accent1"/>
-          </a:effectRef>
-          <a:fontRef idx="minor">
-            <a:schemeClr val="lt1"/>
-          </a:fontRef>
-        </p:style>
-        <p:txBody>
-          <a:bodyPr rtlCol="0" anchor="ctr"/>
-          <a:lstStyle/>
-          <a:p>
-            <a:pPr algn="ctr"/>
-            <a:endParaRPr lang="en-US" dirty="0"/>
-          </a:p>
-        </p:txBody>
-      </p:sp>
-    </p:spTree>
-    <p:extLst>
-      <p:ext uri="{BB962C8B-B14F-4D97-AF65-F5344CB8AC3E}">
-        <p14:creationId xmlns:p14="http://schemas.microsoft.com/office/powerpoint/2010/main" val="299386205"/>
-      </p:ext>
-    </p:extLst>
-  </p:cSld>
-  <p:clrMapOvr>
-    <a:masterClrMapping/>
-  </p:clrMapOvr>
-</p:sld>
-</file>
-
-<file path=ppt/slides/slide7.xml><?xml version="1.0" encoding="utf-8"?>
-<p:sld xmlns:a="http://schemas.openxmlformats.org/drawingml/2006/main" xmlns:r="http://schemas.openxmlformats.org/officeDocument/2006/relationships" xmlns:p="http://schemas.openxmlformats.org/presentationml/2006/main">
-  <p:cSld>
-    <p:spTree>
-      <p:nvGrpSpPr>
-        <p:cNvPr id="1" name=""/>
-        <p:cNvGrpSpPr/>
-        <p:nvPr/>
-      </p:nvGrpSpPr>
-      <p:grpSpPr>
-        <a:xfrm>
-          <a:off x="0" y="0"/>
-          <a:ext cx="0" cy="0"/>
-          <a:chOff x="0" y="0"/>
-          <a:chExt cx="0" cy="0"/>
-        </a:xfrm>
-      </p:grpSpPr>
-      <p:pic>
-        <p:nvPicPr>
-          <p:cNvPr id="6" name="Picture 3"/>
-          <p:cNvPicPr>
-            <a:picLocks noChangeAspect="1" noChangeArrowheads="1"/>
-          </p:cNvPicPr>
-          <p:nvPr/>
-        </p:nvPicPr>
-        <p:blipFill>
-          <a:blip r:embed="rId3">
-            <a:extLst>
-              <a:ext uri="{28A0092B-C50C-407E-A947-70E740481C1C}">
-                <a14:useLocalDpi xmlns:a14="http://schemas.microsoft.com/office/drawing/2010/main" val="0"/>
-              </a:ext>
-            </a:extLst>
-          </a:blip>
-          <a:srcRect/>
-          <a:stretch>
-            <a:fillRect/>
-          </a:stretch>
-        </p:blipFill>
-        <p:spPr bwMode="auto">
-          <a:xfrm>
-            <a:off x="7010400" y="457200"/>
-            <a:ext cx="1905000" cy="1905000"/>
-          </a:xfrm>
-          <a:prstGeom prst="rect">
-            <a:avLst/>
-          </a:prstGeom>
-          <a:noFill/>
-          <a:ln>
-            <a:noFill/>
-          </a:ln>
-          <a:effectLst/>
-          <a:extLst>
-            <a:ext uri="{909E8E84-426E-40dd-AFC4-6F175D3DCCD1}">
-              <a14:hiddenFill xmlns:a14="http://schemas.microsoft.com/office/drawing/2010/main" xmlns="">
-                <a:solidFill>
-                  <a:schemeClr val="accent1"/>
-                </a:solidFill>
-              </a14:hiddenFill>
-            </a:ext>
-            <a:ext uri="{91240B29-F687-4f45-9708-019B960494DF}">
-              <a14:hiddenLine xmlns:a14="http://schemas.microsoft.com/office/drawing/2010/main" xmlns="" w="9525">
-                <a:solidFill>
-                  <a:schemeClr val="tx1"/>
-                </a:solidFill>
-                <a:miter lim="800000"/>
-                <a:headEnd/>
-                <a:tailEnd/>
-              </a14:hiddenLine>
-            </a:ext>
-            <a:ext uri="{AF507438-7753-43e0-B8FC-AC1667EBCBE1}">
-              <a14:hiddenEffects xmlns:a14="http://schemas.microsoft.com/office/drawing/2010/main" xmlns="">
                 <a:effectLst>
                   <a:outerShdw dist="35921" dir="2700000" algn="ctr" rotWithShape="0">
                     <a:schemeClr val="bg2"/>
@@ -10400,7 +7272,7 @@
 </p:sld>
 </file>
 
-<file path=ppt/slides/slide8.xml><?xml version="1.0" encoding="utf-8"?>
+<file path=ppt/slides/slide11.xml><?xml version="1.0" encoding="utf-8"?>
 <p:sld xmlns:a="http://schemas.openxmlformats.org/drawingml/2006/main" xmlns:r="http://schemas.openxmlformats.org/officeDocument/2006/relationships" xmlns:p="http://schemas.openxmlformats.org/presentationml/2006/main">
   <p:cSld>
     <p:spTree>
@@ -11603,7 +8475,7 @@
 </p:sld>
 </file>
 
-<file path=ppt/slides/slide9.xml><?xml version="1.0" encoding="utf-8"?>
+<file path=ppt/slides/slide12.xml><?xml version="1.0" encoding="utf-8"?>
 <p:sld xmlns:a="http://schemas.openxmlformats.org/drawingml/2006/main" xmlns:r="http://schemas.openxmlformats.org/officeDocument/2006/relationships" xmlns:p="http://schemas.openxmlformats.org/presentationml/2006/main">
   <p:cSld>
     <p:spTree>
@@ -12442,6 +9314,4444 @@
       <p:bldP spid="12" grpId="0" animBg="1"/>
     </p:bldLst>
   </p:timing>
+</p:sld>
+</file>
+
+<file path=ppt/slides/slide13.xml><?xml version="1.0" encoding="utf-8"?>
+<p:sld xmlns:a="http://schemas.openxmlformats.org/drawingml/2006/main" xmlns:r="http://schemas.openxmlformats.org/officeDocument/2006/relationships" xmlns:p="http://schemas.openxmlformats.org/presentationml/2006/main">
+  <p:cSld>
+    <p:spTree>
+      <p:nvGrpSpPr>
+        <p:cNvPr id="1" name=""/>
+        <p:cNvGrpSpPr/>
+        <p:nvPr/>
+      </p:nvGrpSpPr>
+      <p:grpSpPr>
+        <a:xfrm>
+          <a:off x="0" y="0"/>
+          <a:ext cx="0" cy="0"/>
+          <a:chOff x="0" y="0"/>
+          <a:chExt cx="0" cy="0"/>
+        </a:xfrm>
+      </p:grpSpPr>
+      <p:sp>
+        <p:nvSpPr>
+          <p:cNvPr id="2" name="Title 1"/>
+          <p:cNvSpPr>
+            <a:spLocks noGrp="1"/>
+          </p:cNvSpPr>
+          <p:nvPr>
+            <p:ph type="title"/>
+          </p:nvPr>
+        </p:nvSpPr>
+        <p:spPr>
+          <a:xfrm>
+            <a:off x="457200" y="131763"/>
+            <a:ext cx="8229600" cy="1143000"/>
+          </a:xfrm>
+        </p:spPr>
+        <p:txBody>
+          <a:bodyPr>
+            <a:normAutofit fontScale="90000"/>
+          </a:bodyPr>
+          <a:lstStyle/>
+          <a:p>
+            <a:r>
+              <a:rPr lang="en-US" dirty="0"/>
+              <a:t>Global/Static Variables are bad, why? </a:t>
+            </a:r>
+          </a:p>
+        </p:txBody>
+      </p:sp>
+      <p:sp>
+        <p:nvSpPr>
+          <p:cNvPr id="3" name="Content Placeholder 2"/>
+          <p:cNvSpPr>
+            <a:spLocks noGrp="1"/>
+          </p:cNvSpPr>
+          <p:nvPr>
+            <p:ph idx="1"/>
+          </p:nvPr>
+        </p:nvSpPr>
+        <p:spPr>
+          <a:xfrm>
+            <a:off x="723900" y="1066801"/>
+            <a:ext cx="8229600" cy="590549"/>
+          </a:xfrm>
+        </p:spPr>
+        <p:txBody>
+          <a:bodyPr>
+            <a:noAutofit/>
+          </a:bodyPr>
+          <a:lstStyle/>
+          <a:p>
+            <a:pPr marL="0" indent="0">
+              <a:buNone/>
+            </a:pPr>
+            <a:r>
+              <a:rPr lang="en-US" sz="2400" dirty="0"/>
+              <a:t>For example, what if </a:t>
+            </a:r>
+            <a:r>
+              <a:rPr lang="en-US" sz="2400" i="1" dirty="0"/>
+              <a:t>planetColor</a:t>
+            </a:r>
+            <a:r>
+              <a:rPr lang="en-US" sz="2400" dirty="0"/>
+              <a:t>, </a:t>
+            </a:r>
+            <a:r>
+              <a:rPr lang="en-US" sz="2400" i="1" dirty="0"/>
+              <a:t>moonColor</a:t>
+            </a:r>
+            <a:r>
+              <a:rPr lang="en-US" sz="2400" dirty="0"/>
+              <a:t> were static?</a:t>
+            </a:r>
+          </a:p>
+        </p:txBody>
+      </p:sp>
+      <p:pic>
+        <p:nvPicPr>
+          <p:cNvPr id="5" name="Graphic 4">
+            <a:extLst>
+              <a:ext uri="{FF2B5EF4-FFF2-40B4-BE49-F238E27FC236}">
+                <a16:creationId xmlns:a16="http://schemas.microsoft.com/office/drawing/2014/main" id="{7218954B-0EDE-D645-A8A2-FC65644952F3}"/>
+              </a:ext>
+            </a:extLst>
+          </p:cNvPr>
+          <p:cNvPicPr>
+            <a:picLocks noChangeAspect="1"/>
+          </p:cNvPicPr>
+          <p:nvPr/>
+        </p:nvPicPr>
+        <p:blipFill>
+          <a:blip r:embed="rId3">
+            <a:extLst>
+              <a:ext uri="{28A0092B-C50C-407E-A947-70E740481C1C}">
+                <a14:useLocalDpi xmlns:a14="http://schemas.microsoft.com/office/drawing/2010/main" val="0"/>
+              </a:ext>
+              <a:ext uri="{96DAC541-7B7A-43D3-8B79-37D633B846F1}">
+                <asvg:svgBlip xmlns:asvg="http://schemas.microsoft.com/office/drawing/2016/SVG/main" r:embed="rId4"/>
+              </a:ext>
+            </a:extLst>
+          </a:blip>
+          <a:stretch>
+            <a:fillRect/>
+          </a:stretch>
+        </p:blipFill>
+        <p:spPr>
+          <a:xfrm>
+            <a:off x="278130" y="2074243"/>
+            <a:ext cx="8622615" cy="2735372"/>
+          </a:xfrm>
+          <a:prstGeom prst="rect">
+            <a:avLst/>
+          </a:prstGeom>
+        </p:spPr>
+      </p:pic>
+      <p:sp>
+        <p:nvSpPr>
+          <p:cNvPr id="6" name="Rectangle 5">
+            <a:extLst>
+              <a:ext uri="{FF2B5EF4-FFF2-40B4-BE49-F238E27FC236}">
+                <a16:creationId xmlns:a16="http://schemas.microsoft.com/office/drawing/2014/main" id="{7E635863-EDE1-3A41-AEA0-7057E65ED8A7}"/>
+              </a:ext>
+            </a:extLst>
+          </p:cNvPr>
+          <p:cNvSpPr/>
+          <p:nvPr/>
+        </p:nvSpPr>
+        <p:spPr>
+          <a:xfrm>
+            <a:off x="5476876" y="2466976"/>
+            <a:ext cx="1752600" cy="285750"/>
+          </a:xfrm>
+          <a:prstGeom prst="rect">
+            <a:avLst/>
+          </a:prstGeom>
+          <a:noFill/>
+          <a:ln>
+            <a:solidFill>
+              <a:schemeClr val="tx2"/>
+            </a:solidFill>
+          </a:ln>
+        </p:spPr>
+        <p:style>
+          <a:lnRef idx="2">
+            <a:schemeClr val="accent1">
+              <a:shade val="50000"/>
+            </a:schemeClr>
+          </a:lnRef>
+          <a:fillRef idx="1">
+            <a:schemeClr val="accent1"/>
+          </a:fillRef>
+          <a:effectRef idx="0">
+            <a:schemeClr val="accent1"/>
+          </a:effectRef>
+          <a:fontRef idx="minor">
+            <a:schemeClr val="lt1"/>
+          </a:fontRef>
+        </p:style>
+        <p:txBody>
+          <a:bodyPr rtlCol="0" anchor="ctr"/>
+          <a:lstStyle/>
+          <a:p>
+            <a:pPr algn="ctr"/>
+            <a:endParaRPr lang="en-US" dirty="0"/>
+          </a:p>
+        </p:txBody>
+      </p:sp>
+      <p:sp>
+        <p:nvSpPr>
+          <p:cNvPr id="9" name="Freeform 8">
+            <a:extLst>
+              <a:ext uri="{FF2B5EF4-FFF2-40B4-BE49-F238E27FC236}">
+                <a16:creationId xmlns:a16="http://schemas.microsoft.com/office/drawing/2014/main" id="{F516990A-07DC-564A-9C2E-66C6FAD95296}"/>
+              </a:ext>
+            </a:extLst>
+          </p:cNvPr>
+          <p:cNvSpPr/>
+          <p:nvPr/>
+        </p:nvSpPr>
+        <p:spPr>
+          <a:xfrm>
+            <a:off x="3335487" y="1347259"/>
+            <a:ext cx="3069054" cy="414932"/>
+          </a:xfrm>
+          <a:custGeom>
+            <a:avLst/>
+            <a:gdLst>
+              <a:gd name="connsiteX0" fmla="*/ 7788 w 3069054"/>
+              <a:gd name="connsiteY0" fmla="*/ 24341 h 414932"/>
+              <a:gd name="connsiteX1" fmla="*/ 64938 w 3069054"/>
+              <a:gd name="connsiteY1" fmla="*/ 243416 h 414932"/>
+              <a:gd name="connsiteX2" fmla="*/ 484038 w 3069054"/>
+              <a:gd name="connsiteY2" fmla="*/ 271991 h 414932"/>
+              <a:gd name="connsiteX3" fmla="*/ 1417488 w 3069054"/>
+              <a:gd name="connsiteY3" fmla="*/ 262466 h 414932"/>
+              <a:gd name="connsiteX4" fmla="*/ 1550838 w 3069054"/>
+              <a:gd name="connsiteY4" fmla="*/ 414866 h 414932"/>
+              <a:gd name="connsiteX5" fmla="*/ 1569888 w 3069054"/>
+              <a:gd name="connsiteY5" fmla="*/ 281516 h 414932"/>
+              <a:gd name="connsiteX6" fmla="*/ 1979463 w 3069054"/>
+              <a:gd name="connsiteY6" fmla="*/ 262466 h 414932"/>
+              <a:gd name="connsiteX7" fmla="*/ 2979588 w 3069054"/>
+              <a:gd name="connsiteY7" fmla="*/ 224366 h 414932"/>
+              <a:gd name="connsiteX8" fmla="*/ 3027213 w 3069054"/>
+              <a:gd name="connsiteY8" fmla="*/ 14816 h 414932"/>
+              <a:gd name="connsiteX9" fmla="*/ 3036738 w 3069054"/>
+              <a:gd name="connsiteY9" fmla="*/ 33866 h 414932"/>
+            </a:gdLst>
+            <a:ahLst/>
+            <a:cxnLst>
+              <a:cxn ang="0">
+                <a:pos x="connsiteX0" y="connsiteY0"/>
+              </a:cxn>
+              <a:cxn ang="0">
+                <a:pos x="connsiteX1" y="connsiteY1"/>
+              </a:cxn>
+              <a:cxn ang="0">
+                <a:pos x="connsiteX2" y="connsiteY2"/>
+              </a:cxn>
+              <a:cxn ang="0">
+                <a:pos x="connsiteX3" y="connsiteY3"/>
+              </a:cxn>
+              <a:cxn ang="0">
+                <a:pos x="connsiteX4" y="connsiteY4"/>
+              </a:cxn>
+              <a:cxn ang="0">
+                <a:pos x="connsiteX5" y="connsiteY5"/>
+              </a:cxn>
+              <a:cxn ang="0">
+                <a:pos x="connsiteX6" y="connsiteY6"/>
+              </a:cxn>
+              <a:cxn ang="0">
+                <a:pos x="connsiteX7" y="connsiteY7"/>
+              </a:cxn>
+              <a:cxn ang="0">
+                <a:pos x="connsiteX8" y="connsiteY8"/>
+              </a:cxn>
+              <a:cxn ang="0">
+                <a:pos x="connsiteX9" y="connsiteY9"/>
+              </a:cxn>
+            </a:cxnLst>
+            <a:rect l="l" t="t" r="r" b="b"/>
+            <a:pathLst>
+              <a:path w="3069054" h="414932">
+                <a:moveTo>
+                  <a:pt x="7788" y="24341"/>
+                </a:moveTo>
+                <a:cubicBezTo>
+                  <a:pt x="-3325" y="113241"/>
+                  <a:pt x="-14437" y="202141"/>
+                  <a:pt x="64938" y="243416"/>
+                </a:cubicBezTo>
+                <a:cubicBezTo>
+                  <a:pt x="144313" y="284691"/>
+                  <a:pt x="484038" y="271991"/>
+                  <a:pt x="484038" y="271991"/>
+                </a:cubicBezTo>
+                <a:cubicBezTo>
+                  <a:pt x="709463" y="275166"/>
+                  <a:pt x="1239688" y="238654"/>
+                  <a:pt x="1417488" y="262466"/>
+                </a:cubicBezTo>
+                <a:cubicBezTo>
+                  <a:pt x="1595288" y="286278"/>
+                  <a:pt x="1525438" y="411691"/>
+                  <a:pt x="1550838" y="414866"/>
+                </a:cubicBezTo>
+                <a:cubicBezTo>
+                  <a:pt x="1576238" y="418041"/>
+                  <a:pt x="1498451" y="306916"/>
+                  <a:pt x="1569888" y="281516"/>
+                </a:cubicBezTo>
+                <a:cubicBezTo>
+                  <a:pt x="1641325" y="256116"/>
+                  <a:pt x="1979463" y="262466"/>
+                  <a:pt x="1979463" y="262466"/>
+                </a:cubicBezTo>
+                <a:cubicBezTo>
+                  <a:pt x="2214413" y="252941"/>
+                  <a:pt x="2804963" y="265641"/>
+                  <a:pt x="2979588" y="224366"/>
+                </a:cubicBezTo>
+                <a:cubicBezTo>
+                  <a:pt x="3154213" y="183091"/>
+                  <a:pt x="3017688" y="46566"/>
+                  <a:pt x="3027213" y="14816"/>
+                </a:cubicBezTo>
+                <a:cubicBezTo>
+                  <a:pt x="3036738" y="-16934"/>
+                  <a:pt x="3036738" y="8466"/>
+                  <a:pt x="3036738" y="33866"/>
+                </a:cubicBezTo>
+              </a:path>
+            </a:pathLst>
+          </a:custGeom>
+          <a:noFill/>
+          <a:ln>
+            <a:solidFill>
+              <a:schemeClr val="tx2"/>
+            </a:solidFill>
+          </a:ln>
+        </p:spPr>
+        <p:style>
+          <a:lnRef idx="2">
+            <a:schemeClr val="accent1">
+              <a:shade val="50000"/>
+            </a:schemeClr>
+          </a:lnRef>
+          <a:fillRef idx="1">
+            <a:schemeClr val="accent1"/>
+          </a:fillRef>
+          <a:effectRef idx="0">
+            <a:schemeClr val="accent1"/>
+          </a:effectRef>
+          <a:fontRef idx="minor">
+            <a:schemeClr val="lt1"/>
+          </a:fontRef>
+        </p:style>
+        <p:txBody>
+          <a:bodyPr rtlCol="0" anchor="ctr"/>
+          <a:lstStyle/>
+          <a:p>
+            <a:pPr algn="ctr"/>
+            <a:endParaRPr lang="en-US" dirty="0"/>
+          </a:p>
+        </p:txBody>
+      </p:sp>
+      <p:sp>
+        <p:nvSpPr>
+          <p:cNvPr id="11" name="Freeform 10">
+            <a:extLst>
+              <a:ext uri="{FF2B5EF4-FFF2-40B4-BE49-F238E27FC236}">
+                <a16:creationId xmlns:a16="http://schemas.microsoft.com/office/drawing/2014/main" id="{F4E74F08-9F73-3142-A0CB-A86036FB2639}"/>
+              </a:ext>
+            </a:extLst>
+          </p:cNvPr>
+          <p:cNvSpPr/>
+          <p:nvPr/>
+        </p:nvSpPr>
+        <p:spPr>
+          <a:xfrm>
+            <a:off x="4905375" y="1876425"/>
+            <a:ext cx="1285875" cy="495300"/>
+          </a:xfrm>
+          <a:custGeom>
+            <a:avLst/>
+            <a:gdLst>
+              <a:gd name="connsiteX0" fmla="*/ 0 w 1285875"/>
+              <a:gd name="connsiteY0" fmla="*/ 0 h 495300"/>
+              <a:gd name="connsiteX1" fmla="*/ 57150 w 1285875"/>
+              <a:gd name="connsiteY1" fmla="*/ 123825 h 495300"/>
+              <a:gd name="connsiteX2" fmla="*/ 295275 w 1285875"/>
+              <a:gd name="connsiteY2" fmla="*/ 114300 h 495300"/>
+              <a:gd name="connsiteX3" fmla="*/ 1066800 w 1285875"/>
+              <a:gd name="connsiteY3" fmla="*/ 95250 h 495300"/>
+              <a:gd name="connsiteX4" fmla="*/ 1285875 w 1285875"/>
+              <a:gd name="connsiteY4" fmla="*/ 495300 h 495300"/>
+            </a:gdLst>
+            <a:ahLst/>
+            <a:cxnLst>
+              <a:cxn ang="0">
+                <a:pos x="connsiteX0" y="connsiteY0"/>
+              </a:cxn>
+              <a:cxn ang="0">
+                <a:pos x="connsiteX1" y="connsiteY1"/>
+              </a:cxn>
+              <a:cxn ang="0">
+                <a:pos x="connsiteX2" y="connsiteY2"/>
+              </a:cxn>
+              <a:cxn ang="0">
+                <a:pos x="connsiteX3" y="connsiteY3"/>
+              </a:cxn>
+              <a:cxn ang="0">
+                <a:pos x="connsiteX4" y="connsiteY4"/>
+              </a:cxn>
+            </a:cxnLst>
+            <a:rect l="l" t="t" r="r" b="b"/>
+            <a:pathLst>
+              <a:path w="1285875" h="495300">
+                <a:moveTo>
+                  <a:pt x="0" y="0"/>
+                </a:moveTo>
+                <a:cubicBezTo>
+                  <a:pt x="3969" y="52387"/>
+                  <a:pt x="7938" y="104775"/>
+                  <a:pt x="57150" y="123825"/>
+                </a:cubicBezTo>
+                <a:cubicBezTo>
+                  <a:pt x="106363" y="142875"/>
+                  <a:pt x="295275" y="114300"/>
+                  <a:pt x="295275" y="114300"/>
+                </a:cubicBezTo>
+                <a:cubicBezTo>
+                  <a:pt x="463550" y="109538"/>
+                  <a:pt x="901700" y="31750"/>
+                  <a:pt x="1066800" y="95250"/>
+                </a:cubicBezTo>
+                <a:cubicBezTo>
+                  <a:pt x="1231900" y="158750"/>
+                  <a:pt x="1258887" y="327025"/>
+                  <a:pt x="1285875" y="495300"/>
+                </a:cubicBezTo>
+              </a:path>
+            </a:pathLst>
+          </a:custGeom>
+          <a:noFill/>
+          <a:ln>
+            <a:solidFill>
+              <a:schemeClr val="tx2"/>
+            </a:solidFill>
+            <a:headEnd type="none" w="med" len="med"/>
+            <a:tailEnd type="arrow" w="med" len="med"/>
+          </a:ln>
+        </p:spPr>
+        <p:style>
+          <a:lnRef idx="2">
+            <a:schemeClr val="accent1">
+              <a:shade val="50000"/>
+            </a:schemeClr>
+          </a:lnRef>
+          <a:fillRef idx="1">
+            <a:schemeClr val="accent1"/>
+          </a:fillRef>
+          <a:effectRef idx="0">
+            <a:schemeClr val="accent1"/>
+          </a:effectRef>
+          <a:fontRef idx="minor">
+            <a:schemeClr val="lt1"/>
+          </a:fontRef>
+        </p:style>
+        <p:txBody>
+          <a:bodyPr rtlCol="0" anchor="ctr"/>
+          <a:lstStyle/>
+          <a:p>
+            <a:pPr algn="ctr"/>
+            <a:endParaRPr lang="en-US" dirty="0"/>
+          </a:p>
+        </p:txBody>
+      </p:sp>
+    </p:spTree>
+    <p:extLst>
+      <p:ext uri="{BB962C8B-B14F-4D97-AF65-F5344CB8AC3E}">
+        <p14:creationId xmlns:p14="http://schemas.microsoft.com/office/powerpoint/2010/main" val="1930823340"/>
+      </p:ext>
+    </p:extLst>
+  </p:cSld>
+  <p:clrMapOvr>
+    <a:masterClrMapping/>
+  </p:clrMapOvr>
+</p:sld>
+</file>
+
+<file path=ppt/slides/slide14.xml><?xml version="1.0" encoding="utf-8"?>
+<p:sld xmlns:a="http://schemas.openxmlformats.org/drawingml/2006/main" xmlns:r="http://schemas.openxmlformats.org/officeDocument/2006/relationships" xmlns:p="http://schemas.openxmlformats.org/presentationml/2006/main">
+  <p:cSld>
+    <p:spTree>
+      <p:nvGrpSpPr>
+        <p:cNvPr id="1" name=""/>
+        <p:cNvGrpSpPr/>
+        <p:nvPr/>
+      </p:nvGrpSpPr>
+      <p:grpSpPr>
+        <a:xfrm>
+          <a:off x="0" y="0"/>
+          <a:ext cx="0" cy="0"/>
+          <a:chOff x="0" y="0"/>
+          <a:chExt cx="0" cy="0"/>
+        </a:xfrm>
+      </p:grpSpPr>
+      <p:pic>
+        <p:nvPicPr>
+          <p:cNvPr id="6" name="Graphic 5">
+            <a:extLst>
+              <a:ext uri="{FF2B5EF4-FFF2-40B4-BE49-F238E27FC236}">
+                <a16:creationId xmlns:a16="http://schemas.microsoft.com/office/drawing/2014/main" id="{FA1E756F-5A1D-FC44-BC8B-A69560E1C1D6}"/>
+              </a:ext>
+            </a:extLst>
+          </p:cNvPr>
+          <p:cNvPicPr>
+            <a:picLocks noChangeAspect="1"/>
+          </p:cNvPicPr>
+          <p:nvPr/>
+        </p:nvPicPr>
+        <p:blipFill>
+          <a:blip r:embed="rId3">
+            <a:extLst>
+              <a:ext uri="{28A0092B-C50C-407E-A947-70E740481C1C}">
+                <a14:useLocalDpi xmlns:a14="http://schemas.microsoft.com/office/drawing/2010/main" val="0"/>
+              </a:ext>
+              <a:ext uri="{96DAC541-7B7A-43D3-8B79-37D633B846F1}">
+                <asvg:svgBlip xmlns:asvg="http://schemas.microsoft.com/office/drawing/2016/SVG/main" r:embed="rId4"/>
+              </a:ext>
+            </a:extLst>
+          </a:blip>
+          <a:stretch>
+            <a:fillRect/>
+          </a:stretch>
+        </p:blipFill>
+        <p:spPr>
+          <a:xfrm>
+            <a:off x="952500" y="1552575"/>
+            <a:ext cx="8191500" cy="4114800"/>
+          </a:xfrm>
+          <a:prstGeom prst="rect">
+            <a:avLst/>
+          </a:prstGeom>
+        </p:spPr>
+      </p:pic>
+      <p:sp>
+        <p:nvSpPr>
+          <p:cNvPr id="7" name="TextBox 6">
+            <a:extLst>
+              <a:ext uri="{FF2B5EF4-FFF2-40B4-BE49-F238E27FC236}">
+                <a16:creationId xmlns:a16="http://schemas.microsoft.com/office/drawing/2014/main" id="{6D5D79E1-22AA-9741-A14E-F06C7FACE616}"/>
+              </a:ext>
+            </a:extLst>
+          </p:cNvPr>
+          <p:cNvSpPr txBox="1"/>
+          <p:nvPr/>
+        </p:nvSpPr>
+        <p:spPr>
+          <a:xfrm>
+            <a:off x="47625" y="3638550"/>
+            <a:ext cx="3781425" cy="3046988"/>
+          </a:xfrm>
+          <a:prstGeom prst="rect">
+            <a:avLst/>
+          </a:prstGeom>
+          <a:noFill/>
+          <a:ln w="12700">
+            <a:solidFill>
+              <a:srgbClr val="000000"/>
+            </a:solidFill>
+          </a:ln>
+        </p:spPr>
+        <p:txBody>
+          <a:bodyPr wrap="square">
+            <a:spAutoFit/>
+          </a:bodyPr>
+          <a:lstStyle/>
+          <a:p>
+            <a:pPr>
+              <a:defRPr/>
+            </a:pPr>
+            <a:r>
+              <a:rPr lang="en-US" sz="1600" i="1" dirty="0">
+                <a:latin typeface="+mn-lt"/>
+                <a:cs typeface="Times New Roman" panose="02020603050405020304" pitchFamily="18" charset="0"/>
+              </a:rPr>
+              <a:t>planetColor</a:t>
+            </a:r>
+            <a:r>
+              <a:rPr lang="en-US" sz="1600" dirty="0">
+                <a:latin typeface="+mn-lt"/>
+                <a:cs typeface="Times New Roman" panose="02020603050405020304" pitchFamily="18" charset="0"/>
+              </a:rPr>
+              <a:t> and </a:t>
+            </a:r>
+            <a:r>
+              <a:rPr lang="en-US" sz="1600" i="1" dirty="0">
+                <a:latin typeface="+mn-lt"/>
+                <a:cs typeface="Times New Roman" panose="02020603050405020304" pitchFamily="18" charset="0"/>
+              </a:rPr>
+              <a:t>moonColor</a:t>
+            </a:r>
+            <a:r>
+              <a:rPr lang="en-US" sz="1600" dirty="0">
+                <a:latin typeface="+mn-lt"/>
+                <a:cs typeface="Times New Roman" panose="02020603050405020304" pitchFamily="18" charset="0"/>
+              </a:rPr>
+              <a:t> are now </a:t>
+            </a:r>
+            <a:r>
+              <a:rPr lang="en-US" sz="1400" dirty="0">
+                <a:latin typeface="Courier New" panose="02070309020205020404" pitchFamily="49" charset="0"/>
+                <a:cs typeface="Courier New" panose="02070309020205020404" pitchFamily="49" charset="0"/>
+              </a:rPr>
+              <a:t>public static</a:t>
+            </a:r>
+            <a:r>
+              <a:rPr lang="en-US" sz="1600" dirty="0">
+                <a:latin typeface="+mn-lt"/>
+                <a:cs typeface="Times New Roman" panose="02020603050405020304" pitchFamily="18" charset="0"/>
+              </a:rPr>
+              <a:t> fields in SolarSystem</a:t>
+            </a:r>
+          </a:p>
+          <a:p>
+            <a:pPr>
+              <a:defRPr/>
+            </a:pPr>
+            <a:endParaRPr lang="en-US" sz="1600" dirty="0">
+              <a:latin typeface="+mn-lt"/>
+              <a:cs typeface="Times New Roman" panose="02020603050405020304" pitchFamily="18" charset="0"/>
+            </a:endParaRPr>
+          </a:p>
+          <a:p>
+            <a:pPr>
+              <a:defRPr/>
+            </a:pPr>
+            <a:r>
+              <a:rPr lang="en-US" sz="1600" dirty="0">
+                <a:latin typeface="+mn-lt"/>
+                <a:cs typeface="Times New Roman" panose="02020603050405020304" pitchFamily="18" charset="0"/>
+              </a:rPr>
+              <a:t>So, they are not passed as parameters to the </a:t>
+            </a:r>
+            <a:r>
+              <a:rPr lang="en-US" sz="1600" i="1" dirty="0">
+                <a:latin typeface="+mn-lt"/>
+                <a:cs typeface="Times New Roman" panose="02020603050405020304" pitchFamily="18" charset="0"/>
+              </a:rPr>
+              <a:t>draw</a:t>
+            </a:r>
+            <a:r>
+              <a:rPr lang="en-US" sz="1600" dirty="0">
+                <a:latin typeface="+mn-lt"/>
+                <a:cs typeface="Times New Roman" panose="02020603050405020304" pitchFamily="18" charset="0"/>
+              </a:rPr>
+              <a:t> methods</a:t>
+            </a:r>
+          </a:p>
+          <a:p>
+            <a:pPr>
+              <a:defRPr/>
+            </a:pPr>
+            <a:endParaRPr lang="en-US" sz="1600" dirty="0">
+              <a:latin typeface="+mn-lt"/>
+              <a:cs typeface="Times New Roman" panose="02020603050405020304" pitchFamily="18" charset="0"/>
+            </a:endParaRPr>
+          </a:p>
+          <a:p>
+            <a:pPr>
+              <a:defRPr/>
+            </a:pPr>
+            <a:r>
+              <a:rPr lang="en-US" sz="1600" dirty="0">
+                <a:latin typeface="+mn-lt"/>
+                <a:cs typeface="Times New Roman" panose="02020603050405020304" pitchFamily="18" charset="0"/>
+              </a:rPr>
+              <a:t>Now the </a:t>
+            </a:r>
+            <a:r>
+              <a:rPr lang="en-US" sz="1600" i="1" dirty="0">
+                <a:latin typeface="+mn-lt"/>
+                <a:cs typeface="Times New Roman" panose="02020603050405020304" pitchFamily="18" charset="0"/>
+              </a:rPr>
+              <a:t>draw</a:t>
+            </a:r>
+            <a:r>
+              <a:rPr lang="en-US" sz="1600" dirty="0">
+                <a:latin typeface="+mn-lt"/>
+                <a:cs typeface="Times New Roman" panose="02020603050405020304" pitchFamily="18" charset="0"/>
+              </a:rPr>
+              <a:t> methods directly access those static variables</a:t>
+            </a:r>
+          </a:p>
+          <a:p>
+            <a:pPr>
+              <a:defRPr/>
+            </a:pPr>
+            <a:endParaRPr lang="en-US" sz="1600" dirty="0">
+              <a:latin typeface="+mn-lt"/>
+              <a:cs typeface="Times New Roman" panose="02020603050405020304" pitchFamily="18" charset="0"/>
+            </a:endParaRPr>
+          </a:p>
+          <a:p>
+            <a:pPr>
+              <a:tabLst>
+                <a:tab pos="227013" algn="l"/>
+                <a:tab pos="454025" algn="l"/>
+              </a:tabLst>
+              <a:defRPr/>
+            </a:pPr>
+            <a:r>
+              <a:rPr lang="en-US" sz="1200" b="1" dirty="0">
+                <a:latin typeface="Courier New" panose="02070309020205020404" pitchFamily="49" charset="0"/>
+                <a:cs typeface="Courier New" panose="02070309020205020404" pitchFamily="49" charset="0"/>
+              </a:rPr>
+              <a:t>void</a:t>
+            </a:r>
+            <a:r>
+              <a:rPr lang="en-US" sz="1200" dirty="0">
+                <a:latin typeface="Courier New" panose="02070309020205020404" pitchFamily="49" charset="0"/>
+                <a:cs typeface="Courier New" panose="02070309020205020404" pitchFamily="49" charset="0"/>
+              </a:rPr>
+              <a:t> draw(Graphics g2d) {</a:t>
+            </a:r>
+          </a:p>
+          <a:p>
+            <a:pPr>
+              <a:tabLst>
+                <a:tab pos="227013" algn="l"/>
+                <a:tab pos="454025" algn="l"/>
+              </a:tabLst>
+              <a:defRPr/>
+            </a:pPr>
+            <a:r>
+              <a:rPr lang="en-US" sz="1200" dirty="0">
+                <a:latin typeface="Courier New" panose="02070309020205020404" pitchFamily="49" charset="0"/>
+                <a:cs typeface="Courier New" panose="02070309020205020404" pitchFamily="49" charset="0"/>
+              </a:rPr>
+              <a:t>	// ...	g2d.setColor(SolarSystem.moonColor);</a:t>
+            </a:r>
+          </a:p>
+          <a:p>
+            <a:pPr>
+              <a:tabLst>
+                <a:tab pos="227013" algn="l"/>
+                <a:tab pos="454025" algn="l"/>
+              </a:tabLst>
+              <a:defRPr/>
+            </a:pPr>
+            <a:r>
+              <a:rPr lang="en-US" sz="1200" dirty="0">
+                <a:latin typeface="Courier New" panose="02070309020205020404" pitchFamily="49" charset="0"/>
+                <a:cs typeface="Courier New" panose="02070309020205020404" pitchFamily="49" charset="0"/>
+              </a:rPr>
+              <a:t>} // draw</a:t>
+            </a:r>
+          </a:p>
+        </p:txBody>
+      </p:sp>
+      <p:sp>
+        <p:nvSpPr>
+          <p:cNvPr id="13" name="Title 1">
+            <a:extLst>
+              <a:ext uri="{FF2B5EF4-FFF2-40B4-BE49-F238E27FC236}">
+                <a16:creationId xmlns:a16="http://schemas.microsoft.com/office/drawing/2014/main" id="{44DC8568-FA52-264B-90D1-29F46A0D3148}"/>
+              </a:ext>
+            </a:extLst>
+          </p:cNvPr>
+          <p:cNvSpPr>
+            <a:spLocks noGrp="1"/>
+          </p:cNvSpPr>
+          <p:nvPr>
+            <p:ph type="title"/>
+          </p:nvPr>
+        </p:nvSpPr>
+        <p:spPr>
+          <a:xfrm>
+            <a:off x="457200" y="141288"/>
+            <a:ext cx="8229600" cy="1143000"/>
+          </a:xfrm>
+        </p:spPr>
+        <p:txBody>
+          <a:bodyPr>
+            <a:normAutofit fontScale="90000"/>
+          </a:bodyPr>
+          <a:lstStyle/>
+          <a:p>
+            <a:r>
+              <a:rPr lang="en-US" dirty="0"/>
+              <a:t>Global/Static Variables are bad, why? </a:t>
+            </a:r>
+          </a:p>
+        </p:txBody>
+      </p:sp>
+      <p:sp>
+        <p:nvSpPr>
+          <p:cNvPr id="14" name="Content Placeholder 2">
+            <a:extLst>
+              <a:ext uri="{FF2B5EF4-FFF2-40B4-BE49-F238E27FC236}">
+                <a16:creationId xmlns:a16="http://schemas.microsoft.com/office/drawing/2014/main" id="{38DA8041-F172-4548-B0E5-43330A5046EB}"/>
+              </a:ext>
+            </a:extLst>
+          </p:cNvPr>
+          <p:cNvSpPr>
+            <a:spLocks noGrp="1"/>
+          </p:cNvSpPr>
+          <p:nvPr>
+            <p:ph idx="1"/>
+          </p:nvPr>
+        </p:nvSpPr>
+        <p:spPr>
+          <a:xfrm>
+            <a:off x="190500" y="1066801"/>
+            <a:ext cx="8791575" cy="590549"/>
+          </a:xfrm>
+        </p:spPr>
+        <p:txBody>
+          <a:bodyPr>
+            <a:noAutofit/>
+          </a:bodyPr>
+          <a:lstStyle/>
+          <a:p>
+            <a:pPr marL="0" indent="0">
+              <a:buNone/>
+            </a:pPr>
+            <a:r>
+              <a:rPr lang="en-US" sz="2400" dirty="0"/>
+              <a:t>This design has more dependencies, higher coupling!  Poorer design!</a:t>
+            </a:r>
+          </a:p>
+        </p:txBody>
+      </p:sp>
+      <p:sp>
+        <p:nvSpPr>
+          <p:cNvPr id="15" name="Freeform 14">
+            <a:extLst>
+              <a:ext uri="{FF2B5EF4-FFF2-40B4-BE49-F238E27FC236}">
+                <a16:creationId xmlns:a16="http://schemas.microsoft.com/office/drawing/2014/main" id="{189178BF-1F00-6E45-9808-E488595E9879}"/>
+              </a:ext>
+            </a:extLst>
+          </p:cNvPr>
+          <p:cNvSpPr/>
+          <p:nvPr/>
+        </p:nvSpPr>
+        <p:spPr>
+          <a:xfrm>
+            <a:off x="3276600" y="2124075"/>
+            <a:ext cx="742950" cy="1676400"/>
+          </a:xfrm>
+          <a:custGeom>
+            <a:avLst/>
+            <a:gdLst>
+              <a:gd name="connsiteX0" fmla="*/ 0 w 742950"/>
+              <a:gd name="connsiteY0" fmla="*/ 1676400 h 1676400"/>
+              <a:gd name="connsiteX1" fmla="*/ 514350 w 742950"/>
+              <a:gd name="connsiteY1" fmla="*/ 1238250 h 1676400"/>
+              <a:gd name="connsiteX2" fmla="*/ 581025 w 742950"/>
+              <a:gd name="connsiteY2" fmla="*/ 647700 h 1676400"/>
+              <a:gd name="connsiteX3" fmla="*/ 561975 w 742950"/>
+              <a:gd name="connsiteY3" fmla="*/ 133350 h 1676400"/>
+              <a:gd name="connsiteX4" fmla="*/ 742950 w 742950"/>
+              <a:gd name="connsiteY4" fmla="*/ 0 h 1676400"/>
+            </a:gdLst>
+            <a:ahLst/>
+            <a:cxnLst>
+              <a:cxn ang="0">
+                <a:pos x="connsiteX0" y="connsiteY0"/>
+              </a:cxn>
+              <a:cxn ang="0">
+                <a:pos x="connsiteX1" y="connsiteY1"/>
+              </a:cxn>
+              <a:cxn ang="0">
+                <a:pos x="connsiteX2" y="connsiteY2"/>
+              </a:cxn>
+              <a:cxn ang="0">
+                <a:pos x="connsiteX3" y="connsiteY3"/>
+              </a:cxn>
+              <a:cxn ang="0">
+                <a:pos x="connsiteX4" y="connsiteY4"/>
+              </a:cxn>
+            </a:cxnLst>
+            <a:rect l="l" t="t" r="r" b="b"/>
+            <a:pathLst>
+              <a:path w="742950" h="1676400">
+                <a:moveTo>
+                  <a:pt x="0" y="1676400"/>
+                </a:moveTo>
+                <a:cubicBezTo>
+                  <a:pt x="208756" y="1543050"/>
+                  <a:pt x="417513" y="1409700"/>
+                  <a:pt x="514350" y="1238250"/>
+                </a:cubicBezTo>
+                <a:cubicBezTo>
+                  <a:pt x="611188" y="1066800"/>
+                  <a:pt x="573088" y="831850"/>
+                  <a:pt x="581025" y="647700"/>
+                </a:cubicBezTo>
+                <a:cubicBezTo>
+                  <a:pt x="588962" y="463550"/>
+                  <a:pt x="534988" y="241300"/>
+                  <a:pt x="561975" y="133350"/>
+                </a:cubicBezTo>
+                <a:cubicBezTo>
+                  <a:pt x="588962" y="25400"/>
+                  <a:pt x="665956" y="12700"/>
+                  <a:pt x="742950" y="0"/>
+                </a:cubicBezTo>
+              </a:path>
+            </a:pathLst>
+          </a:custGeom>
+          <a:noFill/>
+          <a:ln>
+            <a:solidFill>
+              <a:schemeClr val="tx2"/>
+            </a:solidFill>
+            <a:headEnd type="none" w="med" len="med"/>
+            <a:tailEnd type="arrow" w="med" len="med"/>
+          </a:ln>
+        </p:spPr>
+        <p:style>
+          <a:lnRef idx="2">
+            <a:schemeClr val="accent1">
+              <a:shade val="50000"/>
+            </a:schemeClr>
+          </a:lnRef>
+          <a:fillRef idx="1">
+            <a:schemeClr val="accent1"/>
+          </a:fillRef>
+          <a:effectRef idx="0">
+            <a:schemeClr val="accent1"/>
+          </a:effectRef>
+          <a:fontRef idx="minor">
+            <a:schemeClr val="lt1"/>
+          </a:fontRef>
+        </p:style>
+        <p:txBody>
+          <a:bodyPr rtlCol="0" anchor="ctr"/>
+          <a:lstStyle/>
+          <a:p>
+            <a:pPr algn="ctr"/>
+            <a:endParaRPr lang="en-US" dirty="0"/>
+          </a:p>
+        </p:txBody>
+      </p:sp>
+    </p:spTree>
+    <p:extLst>
+      <p:ext uri="{BB962C8B-B14F-4D97-AF65-F5344CB8AC3E}">
+        <p14:creationId xmlns:p14="http://schemas.microsoft.com/office/powerpoint/2010/main" val="3935626196"/>
+      </p:ext>
+    </p:extLst>
+  </p:cSld>
+  <p:clrMapOvr>
+    <a:masterClrMapping/>
+  </p:clrMapOvr>
+</p:sld>
+</file>
+
+<file path=ppt/slides/slide15.xml><?xml version="1.0" encoding="utf-8"?>
+<p:sld xmlns:a="http://schemas.openxmlformats.org/drawingml/2006/main" xmlns:r="http://schemas.openxmlformats.org/officeDocument/2006/relationships" xmlns:p="http://schemas.openxmlformats.org/presentationml/2006/main">
+  <p:cSld>
+    <p:spTree>
+      <p:nvGrpSpPr>
+        <p:cNvPr id="1" name=""/>
+        <p:cNvGrpSpPr/>
+        <p:nvPr/>
+      </p:nvGrpSpPr>
+      <p:grpSpPr>
+        <a:xfrm>
+          <a:off x="0" y="0"/>
+          <a:ext cx="0" cy="0"/>
+          <a:chOff x="0" y="0"/>
+          <a:chExt cx="0" cy="0"/>
+        </a:xfrm>
+      </p:grpSpPr>
+      <p:sp>
+        <p:nvSpPr>
+          <p:cNvPr id="4" name="Title 3"/>
+          <p:cNvSpPr>
+            <a:spLocks noGrp="1"/>
+          </p:cNvSpPr>
+          <p:nvPr>
+            <p:ph type="title"/>
+          </p:nvPr>
+        </p:nvSpPr>
+        <p:spPr/>
+        <p:txBody>
+          <a:bodyPr/>
+          <a:lstStyle/>
+          <a:p>
+            <a:pPr eaLnBrk="1" hangingPunct="1">
+              <a:defRPr/>
+            </a:pPr>
+            <a:r>
+              <a:rPr lang="en-US" dirty="0"/>
+              <a:t>Console Input with java.util.scanner</a:t>
+            </a:r>
+          </a:p>
+        </p:txBody>
+      </p:sp>
+      <p:sp>
+        <p:nvSpPr>
+          <p:cNvPr id="19459" name="Text Placeholder 4"/>
+          <p:cNvSpPr>
+            <a:spLocks noGrp="1"/>
+          </p:cNvSpPr>
+          <p:nvPr>
+            <p:ph type="body" idx="1"/>
+          </p:nvPr>
+        </p:nvSpPr>
+        <p:spPr/>
+        <p:txBody>
+          <a:bodyPr/>
+          <a:lstStyle/>
+          <a:p>
+            <a:pPr eaLnBrk="1" hangingPunct="1"/>
+            <a:r>
+              <a:rPr lang="en-US" dirty="0"/>
+              <a:t>Reading keyboard input from the console</a:t>
+            </a:r>
+          </a:p>
+        </p:txBody>
+      </p:sp>
+    </p:spTree>
+    <p:extLst>
+      <p:ext uri="{BB962C8B-B14F-4D97-AF65-F5344CB8AC3E}">
+        <p14:creationId xmlns:p14="http://schemas.microsoft.com/office/powerpoint/2010/main" val="1909406102"/>
+      </p:ext>
+    </p:extLst>
+  </p:cSld>
+  <p:clrMapOvr>
+    <a:masterClrMapping/>
+  </p:clrMapOvr>
+</p:sld>
+</file>
+
+<file path=ppt/slides/slide16.xml><?xml version="1.0" encoding="utf-8"?>
+<p:sld xmlns:a="http://schemas.openxmlformats.org/drawingml/2006/main" xmlns:r="http://schemas.openxmlformats.org/officeDocument/2006/relationships" xmlns:p="http://schemas.openxmlformats.org/presentationml/2006/main">
+  <p:cSld>
+    <p:spTree>
+      <p:nvGrpSpPr>
+        <p:cNvPr id="1" name=""/>
+        <p:cNvGrpSpPr/>
+        <p:nvPr/>
+      </p:nvGrpSpPr>
+      <p:grpSpPr>
+        <a:xfrm>
+          <a:off x="0" y="0"/>
+          <a:ext cx="0" cy="0"/>
+          <a:chOff x="0" y="0"/>
+          <a:chExt cx="0" cy="0"/>
+        </a:xfrm>
+      </p:grpSpPr>
+      <p:sp>
+        <p:nvSpPr>
+          <p:cNvPr id="2" name="Title 1"/>
+          <p:cNvSpPr>
+            <a:spLocks noGrp="1"/>
+          </p:cNvSpPr>
+          <p:nvPr>
+            <p:ph type="title"/>
+          </p:nvPr>
+        </p:nvSpPr>
+        <p:spPr/>
+        <p:txBody>
+          <a:bodyPr/>
+          <a:lstStyle/>
+          <a:p>
+            <a:r>
+              <a:rPr lang="en-US" dirty="0"/>
+              <a:t>Console input with Scanner</a:t>
+            </a:r>
+          </a:p>
+        </p:txBody>
+      </p:sp>
+      <p:sp>
+        <p:nvSpPr>
+          <p:cNvPr id="3" name="Content Placeholder 2"/>
+          <p:cNvSpPr>
+            <a:spLocks noGrp="1"/>
+          </p:cNvSpPr>
+          <p:nvPr>
+            <p:ph idx="1"/>
+          </p:nvPr>
+        </p:nvSpPr>
+        <p:spPr>
+          <a:ln>
+            <a:solidFill>
+              <a:srgbClr val="C00000"/>
+            </a:solidFill>
+          </a:ln>
+        </p:spPr>
+        <p:txBody>
+          <a:bodyPr>
+            <a:normAutofit fontScale="92500" lnSpcReduction="20000"/>
+          </a:bodyPr>
+          <a:lstStyle/>
+          <a:p>
+            <a:r>
+              <a:rPr lang="en-US" dirty="0"/>
+              <a:t>Creating a Scanner object</a:t>
+            </a:r>
+          </a:p>
+          <a:p>
+            <a:pPr lvl="1"/>
+            <a:r>
+              <a:rPr lang="en-US" dirty="0"/>
+              <a:t>import </a:t>
+            </a:r>
+            <a:r>
+              <a:rPr lang="en-US" dirty="0" err="1"/>
+              <a:t>java.util.Scanner</a:t>
+            </a:r>
+            <a:r>
+              <a:rPr lang="en-US" dirty="0"/>
+              <a:t>;</a:t>
+            </a:r>
+          </a:p>
+          <a:p>
+            <a:pPr lvl="1"/>
+            <a:r>
+              <a:rPr lang="en-US" dirty="0"/>
+              <a:t>Scanner </a:t>
+            </a:r>
+            <a:r>
+              <a:rPr lang="en-US" dirty="0" err="1"/>
+              <a:t>inputScanner</a:t>
+            </a:r>
+            <a:r>
+              <a:rPr lang="en-US" dirty="0"/>
+              <a:t> = new Scanner(</a:t>
+            </a:r>
+            <a:r>
+              <a:rPr lang="en-US" dirty="0" err="1"/>
+              <a:t>System.in</a:t>
+            </a:r>
+            <a:r>
+              <a:rPr lang="en-US" dirty="0"/>
+              <a:t>);</a:t>
+            </a:r>
+          </a:p>
+          <a:p>
+            <a:r>
+              <a:rPr lang="en-US" dirty="0"/>
+              <a:t>Defines methods to read from keyboard</a:t>
+            </a:r>
+          </a:p>
+          <a:p>
+            <a:pPr lvl="1"/>
+            <a:r>
+              <a:rPr lang="en-US" dirty="0" err="1"/>
+              <a:t>inputScanner.nextInt</a:t>
+            </a:r>
+            <a:r>
+              <a:rPr lang="en-US" dirty="0"/>
+              <a:t>();</a:t>
+            </a:r>
+          </a:p>
+          <a:p>
+            <a:pPr lvl="1"/>
+            <a:r>
+              <a:rPr lang="en-US" dirty="0" err="1"/>
+              <a:t>inputScanner.nextDouble</a:t>
+            </a:r>
+            <a:r>
+              <a:rPr lang="en-US" dirty="0"/>
+              <a:t>();</a:t>
+            </a:r>
+          </a:p>
+          <a:p>
+            <a:pPr lvl="1"/>
+            <a:r>
+              <a:rPr lang="en-US" dirty="0" err="1"/>
+              <a:t>inputScanner.nextLine</a:t>
+            </a:r>
+            <a:r>
+              <a:rPr lang="en-US" dirty="0"/>
+              <a:t>();</a:t>
+            </a:r>
+          </a:p>
+          <a:p>
+            <a:pPr lvl="1"/>
+            <a:r>
+              <a:rPr lang="en-US" dirty="0" err="1"/>
+              <a:t>inputScanner.next</a:t>
+            </a:r>
+            <a:r>
+              <a:rPr lang="en-US" dirty="0"/>
+              <a:t>();</a:t>
+            </a:r>
+          </a:p>
+          <a:p>
+            <a:r>
+              <a:rPr lang="en-US" dirty="0">
+                <a:solidFill>
+                  <a:srgbClr val="C00000"/>
+                </a:solidFill>
+              </a:rPr>
+              <a:t>Exercise</a:t>
+            </a:r>
+            <a:r>
+              <a:rPr lang="en-US" dirty="0"/>
+              <a:t>: Look at </a:t>
+            </a:r>
+            <a:br>
+              <a:rPr lang="en-US" dirty="0"/>
+            </a:br>
+            <a:r>
+              <a:rPr lang="en-US" dirty="0" err="1"/>
+              <a:t>UnitTesting</a:t>
+            </a:r>
+            <a:r>
+              <a:rPr lang="en-US" dirty="0"/>
+              <a:t>/</a:t>
+            </a:r>
+            <a:r>
+              <a:rPr lang="en-US" dirty="0" err="1"/>
+              <a:t>src</a:t>
+            </a:r>
+            <a:r>
+              <a:rPr lang="en-US" dirty="0"/>
+              <a:t>/</a:t>
+            </a:r>
+            <a:r>
+              <a:rPr lang="en-US" dirty="0" err="1"/>
+              <a:t>ConsoleWorker.java</a:t>
+            </a:r>
+            <a:r>
+              <a:rPr lang="en-US" dirty="0"/>
+              <a:t>. </a:t>
+            </a:r>
+            <a:br>
+              <a:rPr lang="en-US" dirty="0"/>
+            </a:br>
+            <a:r>
+              <a:rPr lang="en-US" dirty="0"/>
+              <a:t>Add missing methods to read from console</a:t>
+            </a:r>
+          </a:p>
+        </p:txBody>
+      </p:sp>
+      <p:sp>
+        <p:nvSpPr>
+          <p:cNvPr id="4" name="Rectangle 3"/>
+          <p:cNvSpPr/>
+          <p:nvPr/>
+        </p:nvSpPr>
+        <p:spPr>
+          <a:xfrm>
+            <a:off x="8229600" y="6126163"/>
+            <a:ext cx="685800" cy="579437"/>
+          </a:xfrm>
+          <a:prstGeom prst="rect">
+            <a:avLst/>
+          </a:prstGeom>
+        </p:spPr>
+        <p:style>
+          <a:lnRef idx="2">
+            <a:schemeClr val="accent1">
+              <a:shade val="50000"/>
+            </a:schemeClr>
+          </a:lnRef>
+          <a:fillRef idx="1">
+            <a:schemeClr val="accent1"/>
+          </a:fillRef>
+          <a:effectRef idx="0">
+            <a:schemeClr val="accent1"/>
+          </a:effectRef>
+          <a:fontRef idx="minor">
+            <a:schemeClr val="lt1"/>
+          </a:fontRef>
+        </p:style>
+        <p:txBody>
+          <a:bodyPr rtlCol="0" anchor="ctr"/>
+          <a:lstStyle/>
+          <a:p>
+            <a:pPr algn="ctr"/>
+            <a:r>
+              <a:rPr lang="en-US" dirty="0"/>
+              <a:t>Q1</a:t>
+            </a:r>
+          </a:p>
+        </p:txBody>
+      </p:sp>
+      <p:sp>
+        <p:nvSpPr>
+          <p:cNvPr id="5" name="Rectangle 4">
+            <a:extLst>
+              <a:ext uri="{FF2B5EF4-FFF2-40B4-BE49-F238E27FC236}">
+                <a16:creationId xmlns:a16="http://schemas.microsoft.com/office/drawing/2014/main" id="{D2897C24-FCA4-E843-9AF5-BF3BF9EF7642}"/>
+              </a:ext>
+            </a:extLst>
+          </p:cNvPr>
+          <p:cNvSpPr/>
+          <p:nvPr/>
+        </p:nvSpPr>
+        <p:spPr>
+          <a:xfrm>
+            <a:off x="457200" y="4876800"/>
+            <a:ext cx="7620000" cy="1371600"/>
+          </a:xfrm>
+          <a:prstGeom prst="rect">
+            <a:avLst/>
+          </a:prstGeom>
+          <a:noFill/>
+          <a:ln>
+            <a:solidFill>
+              <a:srgbClr val="C00000"/>
+            </a:solidFill>
+          </a:ln>
+        </p:spPr>
+        <p:style>
+          <a:lnRef idx="2">
+            <a:schemeClr val="accent1">
+              <a:shade val="50000"/>
+            </a:schemeClr>
+          </a:lnRef>
+          <a:fillRef idx="1">
+            <a:schemeClr val="accent1"/>
+          </a:fillRef>
+          <a:effectRef idx="0">
+            <a:schemeClr val="accent1"/>
+          </a:effectRef>
+          <a:fontRef idx="minor">
+            <a:schemeClr val="lt1"/>
+          </a:fontRef>
+        </p:style>
+        <p:txBody>
+          <a:bodyPr rtlCol="0" anchor="ctr"/>
+          <a:lstStyle/>
+          <a:p>
+            <a:pPr algn="ctr"/>
+            <a:endParaRPr lang="en-US"/>
+          </a:p>
+        </p:txBody>
+      </p:sp>
+    </p:spTree>
+    <p:extLst>
+      <p:ext uri="{BB962C8B-B14F-4D97-AF65-F5344CB8AC3E}">
+        <p14:creationId xmlns:p14="http://schemas.microsoft.com/office/powerpoint/2010/main" val="3884528686"/>
+      </p:ext>
+    </p:extLst>
+  </p:cSld>
+  <p:clrMapOvr>
+    <a:masterClrMapping/>
+  </p:clrMapOvr>
+</p:sld>
+</file>
+
+<file path=ppt/slides/slide17.xml><?xml version="1.0" encoding="utf-8"?>
+<p:sld xmlns:a="http://schemas.openxmlformats.org/drawingml/2006/main" xmlns:r="http://schemas.openxmlformats.org/officeDocument/2006/relationships" xmlns:p="http://schemas.openxmlformats.org/presentationml/2006/main">
+  <p:cSld>
+    <p:spTree>
+      <p:nvGrpSpPr>
+        <p:cNvPr id="1" name=""/>
+        <p:cNvGrpSpPr/>
+        <p:nvPr/>
+      </p:nvGrpSpPr>
+      <p:grpSpPr>
+        <a:xfrm>
+          <a:off x="0" y="0"/>
+          <a:ext cx="0" cy="0"/>
+          <a:chOff x="0" y="0"/>
+          <a:chExt cx="0" cy="0"/>
+        </a:xfrm>
+      </p:grpSpPr>
+      <p:sp>
+        <p:nvSpPr>
+          <p:cNvPr id="2" name="Title 1"/>
+          <p:cNvSpPr>
+            <a:spLocks noGrp="1"/>
+          </p:cNvSpPr>
+          <p:nvPr>
+            <p:ph type="title"/>
+          </p:nvPr>
+        </p:nvSpPr>
+        <p:spPr/>
+        <p:txBody>
+          <a:bodyPr/>
+          <a:lstStyle/>
+          <a:p>
+            <a:r>
+              <a:rPr lang="en-US" dirty="0"/>
+              <a:t>Parse Integer</a:t>
+            </a:r>
+          </a:p>
+        </p:txBody>
+      </p:sp>
+      <p:sp>
+        <p:nvSpPr>
+          <p:cNvPr id="3" name="Content Placeholder 2"/>
+          <p:cNvSpPr>
+            <a:spLocks noGrp="1"/>
+          </p:cNvSpPr>
+          <p:nvPr>
+            <p:ph idx="1"/>
+          </p:nvPr>
+        </p:nvSpPr>
+        <p:spPr>
+          <a:xfrm>
+            <a:off x="457200" y="1219200"/>
+            <a:ext cx="8229600" cy="4906963"/>
+          </a:xfrm>
+        </p:spPr>
+        <p:txBody>
+          <a:bodyPr>
+            <a:normAutofit/>
+          </a:bodyPr>
+          <a:lstStyle/>
+          <a:p>
+            <a:pPr marL="0" indent="0">
+              <a:buNone/>
+            </a:pPr>
+            <a:r>
+              <a:rPr lang="en-US" sz="2000" dirty="0">
+                <a:latin typeface="Courier New" panose="02070309020205020404" pitchFamily="49" charset="0"/>
+                <a:cs typeface="Courier New" panose="02070309020205020404" pitchFamily="49" charset="0"/>
+              </a:rPr>
+              <a:t>String </a:t>
+            </a:r>
+            <a:r>
+              <a:rPr lang="en-US" sz="2000" dirty="0" err="1">
+                <a:latin typeface="Courier New" panose="02070309020205020404" pitchFamily="49" charset="0"/>
+                <a:cs typeface="Courier New" panose="02070309020205020404" pitchFamily="49" charset="0"/>
+              </a:rPr>
+              <a:t>nextToken</a:t>
+            </a:r>
+            <a:r>
+              <a:rPr lang="en-US" sz="2000" dirty="0">
+                <a:latin typeface="Courier New" panose="02070309020205020404" pitchFamily="49" charset="0"/>
+                <a:cs typeface="Courier New" panose="02070309020205020404" pitchFamily="49" charset="0"/>
+              </a:rPr>
+              <a:t> = </a:t>
+            </a:r>
+            <a:r>
+              <a:rPr lang="en-US" sz="2000" dirty="0" err="1">
+                <a:latin typeface="Courier New" panose="02070309020205020404" pitchFamily="49" charset="0"/>
+                <a:cs typeface="Courier New" panose="02070309020205020404" pitchFamily="49" charset="0"/>
+              </a:rPr>
+              <a:t>inputScanner.next</a:t>
+            </a:r>
+            <a:r>
+              <a:rPr lang="en-US" sz="2000" dirty="0">
+                <a:latin typeface="Courier New" panose="02070309020205020404" pitchFamily="49" charset="0"/>
+                <a:cs typeface="Courier New" panose="02070309020205020404" pitchFamily="49" charset="0"/>
+              </a:rPr>
+              <a:t>();</a:t>
+            </a:r>
+          </a:p>
+          <a:p>
+            <a:pPr marL="0" indent="0">
+              <a:buNone/>
+            </a:pPr>
+            <a:r>
+              <a:rPr lang="en-US" sz="2000" dirty="0">
+                <a:latin typeface="Courier New" panose="02070309020205020404" pitchFamily="49" charset="0"/>
+                <a:cs typeface="Courier New" panose="02070309020205020404" pitchFamily="49" charset="0"/>
+              </a:rPr>
+              <a:t>int x = </a:t>
+            </a:r>
+            <a:r>
+              <a:rPr lang="en-US" sz="2000" dirty="0" err="1">
+                <a:latin typeface="Courier New" panose="02070309020205020404" pitchFamily="49" charset="0"/>
+                <a:cs typeface="Courier New" panose="02070309020205020404" pitchFamily="49" charset="0"/>
+              </a:rPr>
+              <a:t>Integer.parseInt</a:t>
+            </a:r>
+            <a:r>
+              <a:rPr lang="en-US" sz="2000" dirty="0">
+                <a:latin typeface="Courier New" panose="02070309020205020404" pitchFamily="49" charset="0"/>
+                <a:cs typeface="Courier New" panose="02070309020205020404" pitchFamily="49" charset="0"/>
+              </a:rPr>
+              <a:t>(</a:t>
+            </a:r>
+            <a:r>
+              <a:rPr lang="en-US" sz="2000" dirty="0" err="1">
+                <a:latin typeface="Courier New" panose="02070309020205020404" pitchFamily="49" charset="0"/>
+                <a:cs typeface="Courier New" panose="02070309020205020404" pitchFamily="49" charset="0"/>
+              </a:rPr>
+              <a:t>nextToken</a:t>
+            </a:r>
+            <a:r>
+              <a:rPr lang="en-US" sz="2000" dirty="0">
+                <a:latin typeface="Courier New" panose="02070309020205020404" pitchFamily="49" charset="0"/>
+                <a:cs typeface="Courier New" panose="02070309020205020404" pitchFamily="49" charset="0"/>
+              </a:rPr>
+              <a:t>);</a:t>
+            </a:r>
+          </a:p>
+          <a:p>
+            <a:pPr marL="0" indent="0">
+              <a:buNone/>
+            </a:pPr>
+            <a:endParaRPr lang="en-US" dirty="0"/>
+          </a:p>
+        </p:txBody>
+      </p:sp>
+      <p:pic>
+        <p:nvPicPr>
+          <p:cNvPr id="6" name="Picture 5" descr="Graphical user interface, text, application&#10;&#10;Description automatically generated">
+            <a:extLst>
+              <a:ext uri="{FF2B5EF4-FFF2-40B4-BE49-F238E27FC236}">
+                <a16:creationId xmlns:a16="http://schemas.microsoft.com/office/drawing/2014/main" id="{BB66BA9C-0A5E-D34B-AE93-77AA02EE86B4}"/>
+              </a:ext>
+            </a:extLst>
+          </p:cNvPr>
+          <p:cNvPicPr>
+            <a:picLocks noChangeAspect="1"/>
+          </p:cNvPicPr>
+          <p:nvPr/>
+        </p:nvPicPr>
+        <p:blipFill>
+          <a:blip r:embed="rId3">
+            <a:extLst>
+              <a:ext uri="{28A0092B-C50C-407E-A947-70E740481C1C}">
+                <a14:useLocalDpi xmlns:a14="http://schemas.microsoft.com/office/drawing/2010/main" val="0"/>
+              </a:ext>
+            </a:extLst>
+          </a:blip>
+          <a:stretch>
+            <a:fillRect/>
+          </a:stretch>
+        </p:blipFill>
+        <p:spPr>
+          <a:xfrm>
+            <a:off x="381000" y="2209800"/>
+            <a:ext cx="8338005" cy="3505200"/>
+          </a:xfrm>
+          <a:prstGeom prst="rect">
+            <a:avLst/>
+          </a:prstGeom>
+        </p:spPr>
+      </p:pic>
+    </p:spTree>
+    <p:extLst>
+      <p:ext uri="{BB962C8B-B14F-4D97-AF65-F5344CB8AC3E}">
+        <p14:creationId xmlns:p14="http://schemas.microsoft.com/office/powerpoint/2010/main" val="3863231985"/>
+      </p:ext>
+    </p:extLst>
+  </p:cSld>
+  <p:clrMapOvr>
+    <a:masterClrMapping/>
+  </p:clrMapOvr>
+</p:sld>
+</file>
+
+<file path=ppt/slides/slide18.xml><?xml version="1.0" encoding="utf-8"?>
+<p:sld xmlns:a="http://schemas.openxmlformats.org/drawingml/2006/main" xmlns:r="http://schemas.openxmlformats.org/officeDocument/2006/relationships" xmlns:p="http://schemas.openxmlformats.org/presentationml/2006/main">
+  <p:cSld>
+    <p:spTree>
+      <p:nvGrpSpPr>
+        <p:cNvPr id="1" name=""/>
+        <p:cNvGrpSpPr/>
+        <p:nvPr/>
+      </p:nvGrpSpPr>
+      <p:grpSpPr>
+        <a:xfrm>
+          <a:off x="0" y="0"/>
+          <a:ext cx="0" cy="0"/>
+          <a:chOff x="0" y="0"/>
+          <a:chExt cx="0" cy="0"/>
+        </a:xfrm>
+      </p:grpSpPr>
+      <p:sp>
+        <p:nvSpPr>
+          <p:cNvPr id="2" name="Title 1"/>
+          <p:cNvSpPr>
+            <a:spLocks noGrp="1"/>
+          </p:cNvSpPr>
+          <p:nvPr>
+            <p:ph type="title"/>
+          </p:nvPr>
+        </p:nvSpPr>
+        <p:spPr/>
+        <p:txBody>
+          <a:bodyPr/>
+          <a:lstStyle/>
+          <a:p>
+            <a:r>
+              <a:rPr lang="en-US" dirty="0"/>
+              <a:t>Parse Double</a:t>
+            </a:r>
+          </a:p>
+        </p:txBody>
+      </p:sp>
+      <p:sp>
+        <p:nvSpPr>
+          <p:cNvPr id="3" name="Content Placeholder 2"/>
+          <p:cNvSpPr>
+            <a:spLocks noGrp="1"/>
+          </p:cNvSpPr>
+          <p:nvPr>
+            <p:ph idx="1"/>
+          </p:nvPr>
+        </p:nvSpPr>
+        <p:spPr>
+          <a:xfrm>
+            <a:off x="457200" y="1219200"/>
+            <a:ext cx="8229600" cy="4906963"/>
+          </a:xfrm>
+        </p:spPr>
+        <p:txBody>
+          <a:bodyPr>
+            <a:normAutofit/>
+          </a:bodyPr>
+          <a:lstStyle/>
+          <a:p>
+            <a:pPr marL="0" indent="0">
+              <a:buNone/>
+            </a:pPr>
+            <a:r>
+              <a:rPr lang="en-US" sz="2000" dirty="0">
+                <a:latin typeface="Courier New" panose="02070309020205020404" pitchFamily="49" charset="0"/>
+                <a:cs typeface="Courier New" panose="02070309020205020404" pitchFamily="49" charset="0"/>
+              </a:rPr>
+              <a:t>String </a:t>
+            </a:r>
+            <a:r>
+              <a:rPr lang="en-US" sz="2000" dirty="0" err="1">
+                <a:latin typeface="Courier New" panose="02070309020205020404" pitchFamily="49" charset="0"/>
+                <a:cs typeface="Courier New" panose="02070309020205020404" pitchFamily="49" charset="0"/>
+              </a:rPr>
+              <a:t>nextToken</a:t>
+            </a:r>
+            <a:r>
+              <a:rPr lang="en-US" sz="2000" dirty="0">
+                <a:latin typeface="Courier New" panose="02070309020205020404" pitchFamily="49" charset="0"/>
+                <a:cs typeface="Courier New" panose="02070309020205020404" pitchFamily="49" charset="0"/>
+              </a:rPr>
+              <a:t> = </a:t>
+            </a:r>
+            <a:r>
+              <a:rPr lang="en-US" sz="2000" dirty="0" err="1">
+                <a:latin typeface="Courier New" panose="02070309020205020404" pitchFamily="49" charset="0"/>
+                <a:cs typeface="Courier New" panose="02070309020205020404" pitchFamily="49" charset="0"/>
+              </a:rPr>
+              <a:t>inputScanner.next</a:t>
+            </a:r>
+            <a:r>
+              <a:rPr lang="en-US" sz="2000" dirty="0">
+                <a:latin typeface="Courier New" panose="02070309020205020404" pitchFamily="49" charset="0"/>
+                <a:cs typeface="Courier New" panose="02070309020205020404" pitchFamily="49" charset="0"/>
+              </a:rPr>
+              <a:t>();</a:t>
+            </a:r>
+          </a:p>
+          <a:p>
+            <a:pPr marL="0" indent="0">
+              <a:buNone/>
+            </a:pPr>
+            <a:r>
+              <a:rPr lang="en-US" sz="2000" dirty="0">
+                <a:latin typeface="Courier New" panose="02070309020205020404" pitchFamily="49" charset="0"/>
+                <a:cs typeface="Courier New" panose="02070309020205020404" pitchFamily="49" charset="0"/>
+              </a:rPr>
+              <a:t>double z = </a:t>
+            </a:r>
+            <a:r>
+              <a:rPr lang="en-US" sz="2000" dirty="0" err="1">
+                <a:latin typeface="Courier New" panose="02070309020205020404" pitchFamily="49" charset="0"/>
+                <a:cs typeface="Courier New" panose="02070309020205020404" pitchFamily="49" charset="0"/>
+              </a:rPr>
+              <a:t>Double.parseDouble</a:t>
+            </a:r>
+            <a:r>
+              <a:rPr lang="en-US" sz="2000" dirty="0">
+                <a:latin typeface="Courier New" panose="02070309020205020404" pitchFamily="49" charset="0"/>
+                <a:cs typeface="Courier New" panose="02070309020205020404" pitchFamily="49" charset="0"/>
+              </a:rPr>
+              <a:t>(</a:t>
+            </a:r>
+            <a:r>
+              <a:rPr lang="en-US" sz="2000" dirty="0" err="1">
+                <a:latin typeface="Courier New" panose="02070309020205020404" pitchFamily="49" charset="0"/>
+                <a:cs typeface="Courier New" panose="02070309020205020404" pitchFamily="49" charset="0"/>
+              </a:rPr>
+              <a:t>nextToken</a:t>
+            </a:r>
+            <a:r>
+              <a:rPr lang="en-US" sz="2000" dirty="0">
+                <a:latin typeface="Courier New" panose="02070309020205020404" pitchFamily="49" charset="0"/>
+                <a:cs typeface="Courier New" panose="02070309020205020404" pitchFamily="49" charset="0"/>
+              </a:rPr>
+              <a:t>);</a:t>
+            </a:r>
+          </a:p>
+          <a:p>
+            <a:pPr marL="0" indent="0">
+              <a:buNone/>
+            </a:pPr>
+            <a:endParaRPr lang="en-US" dirty="0"/>
+          </a:p>
+        </p:txBody>
+      </p:sp>
+      <p:pic>
+        <p:nvPicPr>
+          <p:cNvPr id="5" name="Picture 4" descr="Graphical user interface, text, application, email&#10;&#10;Description automatically generated">
+            <a:extLst>
+              <a:ext uri="{FF2B5EF4-FFF2-40B4-BE49-F238E27FC236}">
+                <a16:creationId xmlns:a16="http://schemas.microsoft.com/office/drawing/2014/main" id="{692E0E10-1544-E443-9311-D9E12BB9BC53}"/>
+              </a:ext>
+            </a:extLst>
+          </p:cNvPr>
+          <p:cNvPicPr>
+            <a:picLocks noChangeAspect="1"/>
+          </p:cNvPicPr>
+          <p:nvPr/>
+        </p:nvPicPr>
+        <p:blipFill>
+          <a:blip r:embed="rId3">
+            <a:extLst>
+              <a:ext uri="{28A0092B-C50C-407E-A947-70E740481C1C}">
+                <a14:useLocalDpi xmlns:a14="http://schemas.microsoft.com/office/drawing/2010/main" val="0"/>
+              </a:ext>
+            </a:extLst>
+          </a:blip>
+          <a:stretch>
+            <a:fillRect/>
+          </a:stretch>
+        </p:blipFill>
+        <p:spPr>
+          <a:xfrm>
+            <a:off x="152400" y="2133600"/>
+            <a:ext cx="8796189" cy="3854221"/>
+          </a:xfrm>
+          <a:prstGeom prst="rect">
+            <a:avLst/>
+          </a:prstGeom>
+        </p:spPr>
+      </p:pic>
+    </p:spTree>
+    <p:extLst>
+      <p:ext uri="{BB962C8B-B14F-4D97-AF65-F5344CB8AC3E}">
+        <p14:creationId xmlns:p14="http://schemas.microsoft.com/office/powerpoint/2010/main" val="240253506"/>
+      </p:ext>
+    </p:extLst>
+  </p:cSld>
+  <p:clrMapOvr>
+    <a:masterClrMapping/>
+  </p:clrMapOvr>
+</p:sld>
+</file>
+
+<file path=ppt/slides/slide19.xml><?xml version="1.0" encoding="utf-8"?>
+<p:sld xmlns:a="http://schemas.openxmlformats.org/drawingml/2006/main" xmlns:r="http://schemas.openxmlformats.org/officeDocument/2006/relationships" xmlns:p="http://schemas.openxmlformats.org/presentationml/2006/main">
+  <p:cSld>
+    <p:spTree>
+      <p:nvGrpSpPr>
+        <p:cNvPr id="1" name=""/>
+        <p:cNvGrpSpPr/>
+        <p:nvPr/>
+      </p:nvGrpSpPr>
+      <p:grpSpPr>
+        <a:xfrm>
+          <a:off x="0" y="0"/>
+          <a:ext cx="0" cy="0"/>
+          <a:chOff x="0" y="0"/>
+          <a:chExt cx="0" cy="0"/>
+        </a:xfrm>
+      </p:grpSpPr>
+      <p:sp>
+        <p:nvSpPr>
+          <p:cNvPr id="9219" name="Rectangle 2"/>
+          <p:cNvSpPr>
+            <a:spLocks noGrp="1"/>
+          </p:cNvSpPr>
+          <p:nvPr>
+            <p:ph type="subTitle" idx="1"/>
+          </p:nvPr>
+        </p:nvSpPr>
+        <p:spPr/>
+        <p:txBody>
+          <a:bodyPr/>
+          <a:lstStyle/>
+          <a:p>
+            <a:r>
+              <a:rPr lang="en-US" dirty="0"/>
+              <a:t>Unit Testing</a:t>
+            </a:r>
+          </a:p>
+        </p:txBody>
+      </p:sp>
+    </p:spTree>
+  </p:cSld>
+  <p:clrMapOvr>
+    <a:masterClrMapping/>
+  </p:clrMapOvr>
+</p:sld>
+</file>
+
+<file path=ppt/slides/slide2.xml><?xml version="1.0" encoding="utf-8"?>
+<p:sld xmlns:a="http://schemas.openxmlformats.org/drawingml/2006/main" xmlns:r="http://schemas.openxmlformats.org/officeDocument/2006/relationships" xmlns:p="http://schemas.openxmlformats.org/presentationml/2006/main">
+  <p:cSld>
+    <p:spTree>
+      <p:nvGrpSpPr>
+        <p:cNvPr id="1" name=""/>
+        <p:cNvGrpSpPr/>
+        <p:nvPr/>
+      </p:nvGrpSpPr>
+      <p:grpSpPr>
+        <a:xfrm>
+          <a:off x="0" y="0"/>
+          <a:ext cx="0" cy="0"/>
+          <a:chOff x="0" y="0"/>
+          <a:chExt cx="0" cy="0"/>
+        </a:xfrm>
+      </p:grpSpPr>
+      <p:sp>
+        <p:nvSpPr>
+          <p:cNvPr id="3" name="Title 2"/>
+          <p:cNvSpPr>
+            <a:spLocks noGrp="1"/>
+          </p:cNvSpPr>
+          <p:nvPr>
+            <p:ph type="title"/>
+          </p:nvPr>
+        </p:nvSpPr>
+        <p:spPr/>
+        <p:txBody>
+          <a:bodyPr/>
+          <a:lstStyle/>
+          <a:p>
+            <a:r>
+              <a:rPr lang="en-US" dirty="0"/>
+              <a:t>Outline</a:t>
+            </a:r>
+          </a:p>
+        </p:txBody>
+      </p:sp>
+      <p:sp>
+        <p:nvSpPr>
+          <p:cNvPr id="2" name="Content Placeholder 1"/>
+          <p:cNvSpPr>
+            <a:spLocks noGrp="1"/>
+          </p:cNvSpPr>
+          <p:nvPr>
+            <p:ph idx="1"/>
+          </p:nvPr>
+        </p:nvSpPr>
+        <p:spPr/>
+        <p:txBody>
+          <a:bodyPr/>
+          <a:lstStyle/>
+          <a:p>
+            <a:r>
+              <a:rPr lang="en-US" dirty="0"/>
+              <a:t>Review: Dependencies, Coupling, Cohesion</a:t>
+            </a:r>
+          </a:p>
+          <a:p>
+            <a:r>
+              <a:rPr lang="en-US" dirty="0"/>
+              <a:t>Variable Scoping</a:t>
+            </a:r>
+          </a:p>
+          <a:p>
+            <a:r>
+              <a:rPr lang="en-US" dirty="0"/>
+              <a:t>Console Input</a:t>
+            </a:r>
+          </a:p>
+          <a:p>
+            <a:r>
+              <a:rPr lang="en-US" dirty="0"/>
+              <a:t>Unit Testing</a:t>
+            </a:r>
+          </a:p>
+        </p:txBody>
+      </p:sp>
+    </p:spTree>
+    <p:extLst>
+      <p:ext uri="{BB962C8B-B14F-4D97-AF65-F5344CB8AC3E}">
+        <p14:creationId xmlns:p14="http://schemas.microsoft.com/office/powerpoint/2010/main" val="357242820"/>
+      </p:ext>
+    </p:extLst>
+  </p:cSld>
+  <p:clrMapOvr>
+    <a:masterClrMapping/>
+  </p:clrMapOvr>
+</p:sld>
+</file>
+
+<file path=ppt/slides/slide20.xml><?xml version="1.0" encoding="utf-8"?>
+<p:sld xmlns:a="http://schemas.openxmlformats.org/drawingml/2006/main" xmlns:r="http://schemas.openxmlformats.org/officeDocument/2006/relationships" xmlns:p="http://schemas.openxmlformats.org/presentationml/2006/main">
+  <p:cSld>
+    <p:spTree>
+      <p:nvGrpSpPr>
+        <p:cNvPr id="1" name=""/>
+        <p:cNvGrpSpPr/>
+        <p:nvPr/>
+      </p:nvGrpSpPr>
+      <p:grpSpPr>
+        <a:xfrm>
+          <a:off x="0" y="0"/>
+          <a:ext cx="0" cy="0"/>
+          <a:chOff x="0" y="0"/>
+          <a:chExt cx="0" cy="0"/>
+        </a:xfrm>
+      </p:grpSpPr>
+      <p:sp>
+        <p:nvSpPr>
+          <p:cNvPr id="2" name="Title 1"/>
+          <p:cNvSpPr>
+            <a:spLocks noGrp="1"/>
+          </p:cNvSpPr>
+          <p:nvPr>
+            <p:ph type="title"/>
+          </p:nvPr>
+        </p:nvSpPr>
+        <p:spPr/>
+        <p:txBody>
+          <a:bodyPr/>
+          <a:lstStyle/>
+          <a:p>
+            <a:r>
+              <a:rPr lang="en-US" dirty="0"/>
+              <a:t>Unit Testing</a:t>
+            </a:r>
+          </a:p>
+        </p:txBody>
+      </p:sp>
+      <p:sp>
+        <p:nvSpPr>
+          <p:cNvPr id="3" name="Content Placeholder 2"/>
+          <p:cNvSpPr>
+            <a:spLocks noGrp="1"/>
+          </p:cNvSpPr>
+          <p:nvPr>
+            <p:ph idx="1"/>
+          </p:nvPr>
+        </p:nvSpPr>
+        <p:spPr/>
+        <p:txBody>
+          <a:bodyPr/>
+          <a:lstStyle/>
+          <a:p>
+            <a:r>
+              <a:rPr lang="en-US" dirty="0"/>
+              <a:t>Idea: Test “small pieces” of larger program</a:t>
+            </a:r>
+          </a:p>
+          <a:p>
+            <a:pPr lvl="1"/>
+            <a:r>
+              <a:rPr lang="en-US" dirty="0"/>
+              <a:t>Do the expected values match what you ACTUALLY get?</a:t>
+            </a:r>
+          </a:p>
+          <a:p>
+            <a:r>
+              <a:rPr lang="en-US" dirty="0"/>
+              <a:t>How to test in this manner?</a:t>
+            </a:r>
+          </a:p>
+          <a:p>
+            <a:pPr lvl="1"/>
+            <a:r>
+              <a:rPr lang="en-US" dirty="0"/>
+              <a:t>Could make a main method that calls all the methods</a:t>
+            </a:r>
+          </a:p>
+          <a:p>
+            <a:pPr lvl="1"/>
+            <a:r>
+              <a:rPr lang="en-US" dirty="0"/>
+              <a:t>Use Java's JUnit testing framework</a:t>
+            </a:r>
+          </a:p>
+          <a:p>
+            <a:pPr lvl="2"/>
+            <a:r>
+              <a:rPr lang="en-US" dirty="0"/>
+              <a:t>Creating a Tester </a:t>
+            </a:r>
+            <a:r>
+              <a:rPr lang="en-US" dirty="0" err="1"/>
+              <a:t>JUnit</a:t>
+            </a:r>
+            <a:r>
+              <a:rPr lang="en-US" dirty="0"/>
+              <a:t> class</a:t>
+            </a:r>
+          </a:p>
+        </p:txBody>
+      </p:sp>
+      <p:sp>
+        <p:nvSpPr>
+          <p:cNvPr id="7" name="Rectangle 6"/>
+          <p:cNvSpPr/>
+          <p:nvPr/>
+        </p:nvSpPr>
+        <p:spPr>
+          <a:xfrm>
+            <a:off x="8305800" y="6126163"/>
+            <a:ext cx="609600" cy="579437"/>
+          </a:xfrm>
+          <a:prstGeom prst="rect">
+            <a:avLst/>
+          </a:prstGeom>
+        </p:spPr>
+        <p:style>
+          <a:lnRef idx="2">
+            <a:schemeClr val="accent1">
+              <a:shade val="50000"/>
+            </a:schemeClr>
+          </a:lnRef>
+          <a:fillRef idx="1">
+            <a:schemeClr val="accent1"/>
+          </a:fillRef>
+          <a:effectRef idx="0">
+            <a:schemeClr val="accent1"/>
+          </a:effectRef>
+          <a:fontRef idx="minor">
+            <a:schemeClr val="lt1"/>
+          </a:fontRef>
+        </p:style>
+        <p:txBody>
+          <a:bodyPr rtlCol="0" anchor="ctr"/>
+          <a:lstStyle/>
+          <a:p>
+            <a:pPr algn="ctr"/>
+            <a:r>
+              <a:rPr lang="en-US" dirty="0"/>
+              <a:t>Q2</a:t>
+            </a:r>
+          </a:p>
+        </p:txBody>
+      </p:sp>
+    </p:spTree>
+    <p:extLst>
+      <p:ext uri="{BB962C8B-B14F-4D97-AF65-F5344CB8AC3E}">
+        <p14:creationId xmlns:p14="http://schemas.microsoft.com/office/powerpoint/2010/main" val="3684480548"/>
+      </p:ext>
+    </p:extLst>
+  </p:cSld>
+  <p:clrMapOvr>
+    <a:masterClrMapping/>
+  </p:clrMapOvr>
+</p:sld>
+</file>
+
+<file path=ppt/slides/slide21.xml><?xml version="1.0" encoding="utf-8"?>
+<p:sld xmlns:a="http://schemas.openxmlformats.org/drawingml/2006/main" xmlns:r="http://schemas.openxmlformats.org/officeDocument/2006/relationships" xmlns:p="http://schemas.openxmlformats.org/presentationml/2006/main">
+  <p:cSld>
+    <p:spTree>
+      <p:nvGrpSpPr>
+        <p:cNvPr id="1" name=""/>
+        <p:cNvGrpSpPr/>
+        <p:nvPr/>
+      </p:nvGrpSpPr>
+      <p:grpSpPr>
+        <a:xfrm>
+          <a:off x="0" y="0"/>
+          <a:ext cx="0" cy="0"/>
+          <a:chOff x="0" y="0"/>
+          <a:chExt cx="0" cy="0"/>
+        </a:xfrm>
+      </p:grpSpPr>
+      <p:sp>
+        <p:nvSpPr>
+          <p:cNvPr id="2" name="Title 1"/>
+          <p:cNvSpPr>
+            <a:spLocks noGrp="1"/>
+          </p:cNvSpPr>
+          <p:nvPr>
+            <p:ph type="title"/>
+          </p:nvPr>
+        </p:nvSpPr>
+        <p:spPr/>
+        <p:txBody>
+          <a:bodyPr/>
+          <a:lstStyle/>
+          <a:p>
+            <a:r>
+              <a:rPr lang="en-US" dirty="0"/>
+              <a:t>Why Unit Testing?</a:t>
+            </a:r>
+          </a:p>
+        </p:txBody>
+      </p:sp>
+      <p:sp>
+        <p:nvSpPr>
+          <p:cNvPr id="3" name="Content Placeholder 2"/>
+          <p:cNvSpPr>
+            <a:spLocks noGrp="1"/>
+          </p:cNvSpPr>
+          <p:nvPr>
+            <p:ph idx="1"/>
+          </p:nvPr>
+        </p:nvSpPr>
+        <p:spPr/>
+        <p:txBody>
+          <a:bodyPr/>
+          <a:lstStyle/>
+          <a:p>
+            <a:r>
+              <a:rPr lang="en-US" dirty="0"/>
+              <a:t>There are several goals of unit testing:</a:t>
+            </a:r>
+          </a:p>
+          <a:p>
+            <a:pPr lvl="1"/>
+            <a:r>
+              <a:rPr lang="en-US" dirty="0"/>
+              <a:t>Make sure your code works (as specified!)</a:t>
+            </a:r>
+          </a:p>
+          <a:p>
+            <a:pPr lvl="1"/>
+            <a:r>
+              <a:rPr lang="en-US" dirty="0"/>
+              <a:t>Keep it working</a:t>
+            </a:r>
+          </a:p>
+          <a:p>
+            <a:pPr lvl="1"/>
+            <a:r>
+              <a:rPr lang="en-US" dirty="0"/>
+              <a:t>Confirm understanding of the specification</a:t>
+            </a:r>
+          </a:p>
+          <a:p>
+            <a:pPr lvl="1"/>
+            <a:r>
+              <a:rPr lang="en-US" dirty="0"/>
+              <a:t>Confirm pieces of code in isolation</a:t>
+            </a:r>
+          </a:p>
+          <a:p>
+            <a:pPr lvl="1"/>
+            <a:r>
+              <a:rPr lang="en-US" dirty="0"/>
+              <a:t>Provide Documentation</a:t>
+            </a:r>
+          </a:p>
+          <a:p>
+            <a:pPr lvl="1"/>
+            <a:endParaRPr lang="en-US" dirty="0"/>
+          </a:p>
+        </p:txBody>
+      </p:sp>
+      <p:sp>
+        <p:nvSpPr>
+          <p:cNvPr id="4" name="Rectangle 3"/>
+          <p:cNvSpPr/>
+          <p:nvPr/>
+        </p:nvSpPr>
+        <p:spPr>
+          <a:xfrm>
+            <a:off x="8229600" y="6126163"/>
+            <a:ext cx="685800" cy="579437"/>
+          </a:xfrm>
+          <a:prstGeom prst="rect">
+            <a:avLst/>
+          </a:prstGeom>
+        </p:spPr>
+        <p:style>
+          <a:lnRef idx="2">
+            <a:schemeClr val="accent1">
+              <a:shade val="50000"/>
+            </a:schemeClr>
+          </a:lnRef>
+          <a:fillRef idx="1">
+            <a:schemeClr val="accent1"/>
+          </a:fillRef>
+          <a:effectRef idx="0">
+            <a:schemeClr val="accent1"/>
+          </a:effectRef>
+          <a:fontRef idx="minor">
+            <a:schemeClr val="lt1"/>
+          </a:fontRef>
+        </p:style>
+        <p:txBody>
+          <a:bodyPr rtlCol="0" anchor="ctr"/>
+          <a:lstStyle/>
+          <a:p>
+            <a:pPr algn="ctr"/>
+            <a:r>
+              <a:rPr lang="en-US" dirty="0"/>
+              <a:t>Q3</a:t>
+            </a:r>
+          </a:p>
+        </p:txBody>
+      </p:sp>
+    </p:spTree>
+    <p:extLst>
+      <p:ext uri="{BB962C8B-B14F-4D97-AF65-F5344CB8AC3E}">
+        <p14:creationId xmlns:p14="http://schemas.microsoft.com/office/powerpoint/2010/main" val="2883654554"/>
+      </p:ext>
+    </p:extLst>
+  </p:cSld>
+  <p:clrMapOvr>
+    <a:masterClrMapping/>
+  </p:clrMapOvr>
+</p:sld>
+</file>
+
+<file path=ppt/slides/slide22.xml><?xml version="1.0" encoding="utf-8"?>
+<p:sld xmlns:a="http://schemas.openxmlformats.org/drawingml/2006/main" xmlns:r="http://schemas.openxmlformats.org/officeDocument/2006/relationships" xmlns:p="http://schemas.openxmlformats.org/presentationml/2006/main">
+  <p:cSld>
+    <p:spTree>
+      <p:nvGrpSpPr>
+        <p:cNvPr id="1" name=""/>
+        <p:cNvGrpSpPr/>
+        <p:nvPr/>
+      </p:nvGrpSpPr>
+      <p:grpSpPr>
+        <a:xfrm>
+          <a:off x="0" y="0"/>
+          <a:ext cx="0" cy="0"/>
+          <a:chOff x="0" y="0"/>
+          <a:chExt cx="0" cy="0"/>
+        </a:xfrm>
+      </p:grpSpPr>
+      <p:sp>
+        <p:nvSpPr>
+          <p:cNvPr id="2" name="Title 1"/>
+          <p:cNvSpPr>
+            <a:spLocks noGrp="1"/>
+          </p:cNvSpPr>
+          <p:nvPr>
+            <p:ph type="title"/>
+          </p:nvPr>
+        </p:nvSpPr>
+        <p:spPr/>
+        <p:txBody>
+          <a:bodyPr>
+            <a:normAutofit/>
+          </a:bodyPr>
+          <a:lstStyle/>
+          <a:p>
+            <a:r>
+              <a:rPr lang="en-US" dirty="0"/>
+              <a:t>Unit Tests (as done in CSSE120)</a:t>
+            </a:r>
+          </a:p>
+        </p:txBody>
+      </p:sp>
+      <p:sp>
+        <p:nvSpPr>
+          <p:cNvPr id="3" name="Content Placeholder 2"/>
+          <p:cNvSpPr>
+            <a:spLocks noGrp="1"/>
+          </p:cNvSpPr>
+          <p:nvPr>
+            <p:ph idx="1"/>
+          </p:nvPr>
+        </p:nvSpPr>
+        <p:spPr/>
+        <p:txBody>
+          <a:bodyPr>
+            <a:normAutofit lnSpcReduction="10000"/>
+          </a:bodyPr>
+          <a:lstStyle/>
+          <a:p>
+            <a:pPr marL="514350" indent="-514350">
+              <a:buFont typeface="+mj-lt"/>
+              <a:buAutoNum type="arabicPeriod"/>
+            </a:pPr>
+            <a:r>
+              <a:rPr lang="en-US" dirty="0"/>
+              <a:t>Construct one or more objects of the class that is being tested</a:t>
+            </a:r>
+          </a:p>
+          <a:p>
+            <a:pPr marL="514350" indent="-514350">
+              <a:buFont typeface="+mj-lt"/>
+              <a:buAutoNum type="arabicPeriod"/>
+            </a:pPr>
+            <a:r>
+              <a:rPr lang="en-US" dirty="0"/>
+              <a:t>Invoke one or more methods</a:t>
+            </a:r>
+          </a:p>
+          <a:p>
+            <a:pPr marL="514350" indent="-514350">
+              <a:buFont typeface="+mj-lt"/>
+              <a:buAutoNum type="arabicPeriod"/>
+            </a:pPr>
+            <a:r>
+              <a:rPr lang="en-US" dirty="0"/>
+              <a:t>Print out one or more results</a:t>
+            </a:r>
+          </a:p>
+          <a:p>
+            <a:pPr marL="514350" indent="-514350">
+              <a:buFont typeface="+mj-lt"/>
+              <a:buAutoNum type="arabicPeriod"/>
+            </a:pPr>
+            <a:r>
+              <a:rPr lang="en-US" dirty="0"/>
+              <a:t>Print the expected results</a:t>
+            </a:r>
+          </a:p>
+          <a:p>
+            <a:pPr marL="514350" indent="-514350">
+              <a:buFont typeface="+mj-lt"/>
+              <a:buAutoNum type="arabicPeriod"/>
+            </a:pPr>
+            <a:r>
+              <a:rPr lang="en-US" dirty="0"/>
+              <a:t>Do 3 and 4 match?</a:t>
+            </a:r>
+          </a:p>
+          <a:p>
+            <a:pPr marL="514350" indent="-514350">
+              <a:buFont typeface="+mj-lt"/>
+              <a:buAutoNum type="arabicPeriod"/>
+            </a:pPr>
+            <a:endParaRPr lang="en-US" dirty="0"/>
+          </a:p>
+          <a:p>
+            <a:pPr marL="0" indent="0">
+              <a:buNone/>
+            </a:pPr>
+            <a:r>
+              <a:rPr lang="en-US" i="1" dirty="0"/>
+              <a:t>(Pages 102-103 in book)</a:t>
+            </a:r>
+          </a:p>
+        </p:txBody>
+      </p:sp>
+    </p:spTree>
+    <p:extLst>
+      <p:ext uri="{BB962C8B-B14F-4D97-AF65-F5344CB8AC3E}">
+        <p14:creationId xmlns:p14="http://schemas.microsoft.com/office/powerpoint/2010/main" val="3212822232"/>
+      </p:ext>
+    </p:extLst>
+  </p:cSld>
+  <p:clrMapOvr>
+    <a:masterClrMapping/>
+  </p:clrMapOvr>
+</p:sld>
+</file>
+
+<file path=ppt/slides/slide23.xml><?xml version="1.0" encoding="utf-8"?>
+<p:sld xmlns:a="http://schemas.openxmlformats.org/drawingml/2006/main" xmlns:r="http://schemas.openxmlformats.org/officeDocument/2006/relationships" xmlns:p="http://schemas.openxmlformats.org/presentationml/2006/main">
+  <p:cSld>
+    <p:spTree>
+      <p:nvGrpSpPr>
+        <p:cNvPr id="1" name=""/>
+        <p:cNvGrpSpPr/>
+        <p:nvPr/>
+      </p:nvGrpSpPr>
+      <p:grpSpPr>
+        <a:xfrm>
+          <a:off x="0" y="0"/>
+          <a:ext cx="0" cy="0"/>
+          <a:chOff x="0" y="0"/>
+          <a:chExt cx="0" cy="0"/>
+        </a:xfrm>
+      </p:grpSpPr>
+      <p:sp>
+        <p:nvSpPr>
+          <p:cNvPr id="2" name="Title 1"/>
+          <p:cNvSpPr>
+            <a:spLocks noGrp="1"/>
+          </p:cNvSpPr>
+          <p:nvPr>
+            <p:ph type="title"/>
+          </p:nvPr>
+        </p:nvSpPr>
+        <p:spPr/>
+        <p:txBody>
+          <a:bodyPr>
+            <a:normAutofit/>
+          </a:bodyPr>
+          <a:lstStyle/>
+          <a:p>
+            <a:r>
+              <a:rPr lang="en-US" dirty="0"/>
+              <a:t>Why JUnit?</a:t>
+            </a:r>
+          </a:p>
+        </p:txBody>
+      </p:sp>
+      <p:sp>
+        <p:nvSpPr>
+          <p:cNvPr id="3" name="Content Placeholder 2"/>
+          <p:cNvSpPr>
+            <a:spLocks noGrp="1"/>
+          </p:cNvSpPr>
+          <p:nvPr>
+            <p:ph idx="1"/>
+          </p:nvPr>
+        </p:nvSpPr>
+        <p:spPr/>
+        <p:txBody>
+          <a:bodyPr/>
+          <a:lstStyle/>
+          <a:p>
+            <a:r>
+              <a:rPr lang="en-US" dirty="0"/>
+              <a:t>Provides a Framework</a:t>
+            </a:r>
+          </a:p>
+          <a:p>
+            <a:pPr lvl="1"/>
+            <a:r>
+              <a:rPr lang="en-US" dirty="0"/>
+              <a:t>Framework: Collection of classes to be used by another program</a:t>
+            </a:r>
+          </a:p>
+          <a:p>
+            <a:r>
+              <a:rPr lang="en-US" dirty="0"/>
+              <a:t>Provides easy-to-read output in Eclipse</a:t>
+            </a:r>
+          </a:p>
+          <a:p>
+            <a:r>
+              <a:rPr lang="en-US" dirty="0"/>
+              <a:t>Printouts require you to analyze all lines</a:t>
+            </a:r>
+          </a:p>
+          <a:p>
+            <a:pPr lvl="1"/>
+            <a:r>
+              <a:rPr lang="en-US" dirty="0"/>
+              <a:t>What if it scrolls off the page?</a:t>
+            </a:r>
+          </a:p>
+          <a:p>
+            <a:pPr lvl="1"/>
+            <a:r>
+              <a:rPr lang="en-US" dirty="0"/>
+              <a:t>What if it’s only 1 character different?</a:t>
+            </a:r>
+          </a:p>
+          <a:p>
+            <a:pPr lvl="1"/>
+            <a:endParaRPr lang="en-US" dirty="0"/>
+          </a:p>
+          <a:p>
+            <a:pPr lvl="1"/>
+            <a:endParaRPr lang="en-US" dirty="0"/>
+          </a:p>
+        </p:txBody>
+      </p:sp>
+    </p:spTree>
+    <p:extLst>
+      <p:ext uri="{BB962C8B-B14F-4D97-AF65-F5344CB8AC3E}">
+        <p14:creationId xmlns:p14="http://schemas.microsoft.com/office/powerpoint/2010/main" val="4261172324"/>
+      </p:ext>
+    </p:extLst>
+  </p:cSld>
+  <p:clrMapOvr>
+    <a:masterClrMapping/>
+  </p:clrMapOvr>
+</p:sld>
+</file>
+
+<file path=ppt/slides/slide24.xml><?xml version="1.0" encoding="utf-8"?>
+<p:sld xmlns:a="http://schemas.openxmlformats.org/drawingml/2006/main" xmlns:r="http://schemas.openxmlformats.org/officeDocument/2006/relationships" xmlns:p="http://schemas.openxmlformats.org/presentationml/2006/main">
+  <p:cSld>
+    <p:spTree>
+      <p:nvGrpSpPr>
+        <p:cNvPr id="1" name=""/>
+        <p:cNvGrpSpPr/>
+        <p:nvPr/>
+      </p:nvGrpSpPr>
+      <p:grpSpPr>
+        <a:xfrm>
+          <a:off x="0" y="0"/>
+          <a:ext cx="0" cy="0"/>
+          <a:chOff x="0" y="0"/>
+          <a:chExt cx="0" cy="0"/>
+        </a:xfrm>
+      </p:grpSpPr>
+      <p:sp>
+        <p:nvSpPr>
+          <p:cNvPr id="2" name="Title 1"/>
+          <p:cNvSpPr>
+            <a:spLocks noGrp="1"/>
+          </p:cNvSpPr>
+          <p:nvPr>
+            <p:ph type="title"/>
+          </p:nvPr>
+        </p:nvSpPr>
+        <p:spPr/>
+        <p:txBody>
+          <a:bodyPr/>
+          <a:lstStyle/>
+          <a:p>
+            <a:r>
+              <a:rPr lang="en-US" dirty="0"/>
+              <a:t>What are quality unit tests?</a:t>
+            </a:r>
+          </a:p>
+        </p:txBody>
+      </p:sp>
+      <p:sp>
+        <p:nvSpPr>
+          <p:cNvPr id="3" name="Content Placeholder 2"/>
+          <p:cNvSpPr>
+            <a:spLocks noGrp="1"/>
+          </p:cNvSpPr>
+          <p:nvPr>
+            <p:ph idx="1"/>
+          </p:nvPr>
+        </p:nvSpPr>
+        <p:spPr>
+          <a:xfrm>
+            <a:off x="457200" y="1219200"/>
+            <a:ext cx="8229600" cy="4906963"/>
+          </a:xfrm>
+        </p:spPr>
+        <p:txBody>
+          <a:bodyPr>
+            <a:normAutofit fontScale="92500" lnSpcReduction="10000"/>
+          </a:bodyPr>
+          <a:lstStyle/>
+          <a:p>
+            <a:r>
+              <a:rPr lang="en-US" dirty="0"/>
+              <a:t>Unit tests should be small pieces that test:</a:t>
+            </a:r>
+          </a:p>
+          <a:p>
+            <a:pPr marL="971550" lvl="1" indent="-514350">
+              <a:buFont typeface="+mj-lt"/>
+              <a:buAutoNum type="arabicPeriod"/>
+            </a:pPr>
+            <a:r>
+              <a:rPr lang="en-US" dirty="0"/>
+              <a:t>The most common cases</a:t>
+            </a:r>
+          </a:p>
+          <a:p>
+            <a:pPr marL="971550" lvl="1" indent="-514350">
+              <a:buFont typeface="+mj-lt"/>
+              <a:buAutoNum type="arabicPeriod"/>
+            </a:pPr>
+            <a:r>
+              <a:rPr lang="en-US" dirty="0"/>
+              <a:t>The edge cases or boundary cases (minimum, maximum, switching from positive to negative, etc.)</a:t>
+            </a:r>
+          </a:p>
+          <a:p>
+            <a:pPr marL="971550" lvl="1" indent="-514350">
+              <a:buFont typeface="+mj-lt"/>
+              <a:buAutoNum type="arabicPeriod"/>
+            </a:pPr>
+            <a:r>
+              <a:rPr lang="en-US" dirty="0"/>
+              <a:t>All specific/special cases (e.g., when 0 or null the behavior is different than for any other value)</a:t>
+            </a:r>
+          </a:p>
+          <a:p>
+            <a:pPr marL="971550" lvl="1" indent="-514350">
+              <a:buFont typeface="+mj-lt"/>
+              <a:buAutoNum type="arabicPeriod"/>
+            </a:pPr>
+            <a:r>
+              <a:rPr lang="en-US" dirty="0"/>
+              <a:t>When you find and fix a defect, then at that same time, create a unit test that would have revealed that defect. Then in future modifications to the code, if that defect gets reintroduced, the new unit test you created will reveal its presence</a:t>
+            </a:r>
+          </a:p>
+          <a:p>
+            <a:pPr marL="971550" lvl="1" indent="-514350">
+              <a:buFont typeface="+mj-lt"/>
+              <a:buAutoNum type="arabicPeriod"/>
+            </a:pPr>
+            <a:r>
+              <a:rPr lang="en-US" dirty="0"/>
+              <a:t>Any overly complex code that 1-4 above don’t cover</a:t>
+            </a:r>
+          </a:p>
+          <a:p>
+            <a:pPr marL="457200" lvl="1" indent="0">
+              <a:buNone/>
+            </a:pPr>
+            <a:endParaRPr lang="en-US" dirty="0"/>
+          </a:p>
+        </p:txBody>
+      </p:sp>
+      <p:sp>
+        <p:nvSpPr>
+          <p:cNvPr id="7" name="Rectangle 6"/>
+          <p:cNvSpPr/>
+          <p:nvPr/>
+        </p:nvSpPr>
+        <p:spPr>
+          <a:xfrm>
+            <a:off x="8229600" y="6126163"/>
+            <a:ext cx="685800" cy="579437"/>
+          </a:xfrm>
+          <a:prstGeom prst="rect">
+            <a:avLst/>
+          </a:prstGeom>
+        </p:spPr>
+        <p:style>
+          <a:lnRef idx="2">
+            <a:schemeClr val="accent1">
+              <a:shade val="50000"/>
+            </a:schemeClr>
+          </a:lnRef>
+          <a:fillRef idx="1">
+            <a:schemeClr val="accent1"/>
+          </a:fillRef>
+          <a:effectRef idx="0">
+            <a:schemeClr val="accent1"/>
+          </a:effectRef>
+          <a:fontRef idx="minor">
+            <a:schemeClr val="lt1"/>
+          </a:fontRef>
+        </p:style>
+        <p:txBody>
+          <a:bodyPr rtlCol="0" anchor="ctr"/>
+          <a:lstStyle/>
+          <a:p>
+            <a:pPr algn="ctr"/>
+            <a:r>
+              <a:rPr lang="en-US" dirty="0"/>
+              <a:t>Q4</a:t>
+            </a:r>
+          </a:p>
+        </p:txBody>
+      </p:sp>
+    </p:spTree>
+    <p:extLst>
+      <p:ext uri="{BB962C8B-B14F-4D97-AF65-F5344CB8AC3E}">
+        <p14:creationId xmlns:p14="http://schemas.microsoft.com/office/powerpoint/2010/main" val="3201202410"/>
+      </p:ext>
+    </p:extLst>
+  </p:cSld>
+  <p:clrMapOvr>
+    <a:masterClrMapping/>
+  </p:clrMapOvr>
+</p:sld>
+</file>
+
+<file path=ppt/slides/slide25.xml><?xml version="1.0" encoding="utf-8"?>
+<p:sld xmlns:a="http://schemas.openxmlformats.org/drawingml/2006/main" xmlns:r="http://schemas.openxmlformats.org/officeDocument/2006/relationships" xmlns:p="http://schemas.openxmlformats.org/presentationml/2006/main">
+  <p:cSld>
+    <p:spTree>
+      <p:nvGrpSpPr>
+        <p:cNvPr id="1" name=""/>
+        <p:cNvGrpSpPr/>
+        <p:nvPr/>
+      </p:nvGrpSpPr>
+      <p:grpSpPr>
+        <a:xfrm>
+          <a:off x="0" y="0"/>
+          <a:ext cx="0" cy="0"/>
+          <a:chOff x="0" y="0"/>
+          <a:chExt cx="0" cy="0"/>
+        </a:xfrm>
+      </p:grpSpPr>
+      <p:sp>
+        <p:nvSpPr>
+          <p:cNvPr id="2" name="Title 1"/>
+          <p:cNvSpPr>
+            <a:spLocks noGrp="1"/>
+          </p:cNvSpPr>
+          <p:nvPr>
+            <p:ph type="title"/>
+          </p:nvPr>
+        </p:nvSpPr>
+        <p:spPr/>
+        <p:txBody>
+          <a:bodyPr/>
+          <a:lstStyle/>
+          <a:p>
+            <a:r>
+              <a:rPr lang="en-US" dirty="0"/>
+              <a:t>What is a poor quality test case?</a:t>
+            </a:r>
+          </a:p>
+        </p:txBody>
+      </p:sp>
+      <p:sp>
+        <p:nvSpPr>
+          <p:cNvPr id="3" name="Content Placeholder 2"/>
+          <p:cNvSpPr>
+            <a:spLocks noGrp="1"/>
+          </p:cNvSpPr>
+          <p:nvPr>
+            <p:ph idx="1"/>
+          </p:nvPr>
+        </p:nvSpPr>
+        <p:spPr>
+          <a:xfrm>
+            <a:off x="457200" y="1219200"/>
+            <a:ext cx="8229600" cy="4906963"/>
+          </a:xfrm>
+        </p:spPr>
+        <p:txBody>
+          <a:bodyPr>
+            <a:normAutofit/>
+          </a:bodyPr>
+          <a:lstStyle/>
+          <a:p>
+            <a:pPr lvl="1"/>
+            <a:r>
+              <a:rPr lang="en-US" dirty="0"/>
+              <a:t>A test case that provides illegal input to the operation</a:t>
+            </a:r>
+          </a:p>
+          <a:p>
+            <a:pPr lvl="1"/>
+            <a:r>
+              <a:rPr lang="en-US" dirty="0"/>
+              <a:t>For example, the </a:t>
+            </a:r>
+            <a:r>
+              <a:rPr lang="en-US" i="1" dirty="0"/>
+              <a:t>deposit</a:t>
+            </a:r>
+            <a:r>
+              <a:rPr lang="en-US" dirty="0"/>
+              <a:t> method from the BankAccount class</a:t>
+            </a:r>
+          </a:p>
+          <a:p>
+            <a:pPr lvl="1"/>
+            <a:r>
+              <a:rPr lang="en-US" dirty="0"/>
+              <a:t>It has a requires clause that states the depositAmount &gt; 0</a:t>
+            </a:r>
+          </a:p>
+          <a:p>
+            <a:pPr lvl="1"/>
+            <a:r>
+              <a:rPr lang="en-US" dirty="0"/>
+              <a:t>Testing it with a negative number is a poor test case because it </a:t>
+            </a:r>
+            <a:r>
+              <a:rPr lang="en-US" i="1" dirty="0"/>
+              <a:t>requires</a:t>
+            </a:r>
+            <a:r>
+              <a:rPr lang="en-US" dirty="0"/>
+              <a:t> non-negative input</a:t>
+            </a:r>
+          </a:p>
+          <a:p>
+            <a:pPr lvl="1"/>
+            <a:endParaRPr lang="en-US" dirty="0"/>
+          </a:p>
+          <a:p>
+            <a:pPr marL="971550" lvl="1" indent="-514350">
+              <a:buFont typeface="+mj-lt"/>
+              <a:buAutoNum type="arabicPeriod"/>
+            </a:pPr>
+            <a:endParaRPr lang="en-US" dirty="0"/>
+          </a:p>
+          <a:p>
+            <a:pPr marL="457200" lvl="1" indent="0">
+              <a:buNone/>
+            </a:pPr>
+            <a:endParaRPr lang="en-US" dirty="0"/>
+          </a:p>
+        </p:txBody>
+      </p:sp>
+      <p:sp>
+        <p:nvSpPr>
+          <p:cNvPr id="7" name="Rectangle 6"/>
+          <p:cNvSpPr/>
+          <p:nvPr/>
+        </p:nvSpPr>
+        <p:spPr>
+          <a:xfrm>
+            <a:off x="8229600" y="6126163"/>
+            <a:ext cx="685800" cy="579437"/>
+          </a:xfrm>
+          <a:prstGeom prst="rect">
+            <a:avLst/>
+          </a:prstGeom>
+        </p:spPr>
+        <p:style>
+          <a:lnRef idx="2">
+            <a:schemeClr val="accent1">
+              <a:shade val="50000"/>
+            </a:schemeClr>
+          </a:lnRef>
+          <a:fillRef idx="1">
+            <a:schemeClr val="accent1"/>
+          </a:fillRef>
+          <a:effectRef idx="0">
+            <a:schemeClr val="accent1"/>
+          </a:effectRef>
+          <a:fontRef idx="minor">
+            <a:schemeClr val="lt1"/>
+          </a:fontRef>
+        </p:style>
+        <p:txBody>
+          <a:bodyPr rtlCol="0" anchor="ctr"/>
+          <a:lstStyle/>
+          <a:p>
+            <a:pPr algn="ctr"/>
+            <a:r>
+              <a:rPr lang="en-US" dirty="0"/>
+              <a:t>Q4</a:t>
+            </a:r>
+          </a:p>
+        </p:txBody>
+      </p:sp>
+      <p:pic>
+        <p:nvPicPr>
+          <p:cNvPr id="5" name="Picture 4">
+            <a:extLst>
+              <a:ext uri="{FF2B5EF4-FFF2-40B4-BE49-F238E27FC236}">
+                <a16:creationId xmlns:a16="http://schemas.microsoft.com/office/drawing/2014/main" id="{E8093846-CC3C-E945-A4BF-C80F5B6F9D15}"/>
+              </a:ext>
+            </a:extLst>
+          </p:cNvPr>
+          <p:cNvPicPr>
+            <a:picLocks noChangeAspect="1"/>
+          </p:cNvPicPr>
+          <p:nvPr/>
+        </p:nvPicPr>
+        <p:blipFill>
+          <a:blip r:embed="rId2"/>
+          <a:stretch>
+            <a:fillRect/>
+          </a:stretch>
+        </p:blipFill>
+        <p:spPr>
+          <a:xfrm>
+            <a:off x="4419600" y="4923080"/>
+            <a:ext cx="3257550" cy="1652091"/>
+          </a:xfrm>
+          <a:prstGeom prst="rect">
+            <a:avLst/>
+          </a:prstGeom>
+        </p:spPr>
+      </p:pic>
+    </p:spTree>
+    <p:extLst>
+      <p:ext uri="{BB962C8B-B14F-4D97-AF65-F5344CB8AC3E}">
+        <p14:creationId xmlns:p14="http://schemas.microsoft.com/office/powerpoint/2010/main" val="3198684657"/>
+      </p:ext>
+    </p:extLst>
+  </p:cSld>
+  <p:clrMapOvr>
+    <a:masterClrMapping/>
+  </p:clrMapOvr>
+</p:sld>
+</file>
+
+<file path=ppt/slides/slide26.xml><?xml version="1.0" encoding="utf-8"?>
+<p:sld xmlns:a="http://schemas.openxmlformats.org/drawingml/2006/main" xmlns:r="http://schemas.openxmlformats.org/officeDocument/2006/relationships" xmlns:p="http://schemas.openxmlformats.org/presentationml/2006/main">
+  <p:cSld>
+    <p:spTree>
+      <p:nvGrpSpPr>
+        <p:cNvPr id="1" name=""/>
+        <p:cNvGrpSpPr/>
+        <p:nvPr/>
+      </p:nvGrpSpPr>
+      <p:grpSpPr>
+        <a:xfrm>
+          <a:off x="0" y="0"/>
+          <a:ext cx="0" cy="0"/>
+          <a:chOff x="0" y="0"/>
+          <a:chExt cx="0" cy="0"/>
+        </a:xfrm>
+      </p:grpSpPr>
+      <p:sp>
+        <p:nvSpPr>
+          <p:cNvPr id="2" name="Title 1"/>
+          <p:cNvSpPr>
+            <a:spLocks noGrp="1"/>
+          </p:cNvSpPr>
+          <p:nvPr>
+            <p:ph type="title"/>
+          </p:nvPr>
+        </p:nvSpPr>
+        <p:spPr/>
+        <p:txBody>
+          <a:bodyPr/>
+          <a:lstStyle/>
+          <a:p>
+            <a:r>
+              <a:rPr lang="en-US" dirty="0"/>
+              <a:t>Unit Testing</a:t>
+            </a:r>
+          </a:p>
+        </p:txBody>
+      </p:sp>
+      <p:sp>
+        <p:nvSpPr>
+          <p:cNvPr id="3" name="Content Placeholder 2"/>
+          <p:cNvSpPr>
+            <a:spLocks noGrp="1"/>
+          </p:cNvSpPr>
+          <p:nvPr>
+            <p:ph idx="1"/>
+          </p:nvPr>
+        </p:nvSpPr>
+        <p:spPr/>
+        <p:txBody>
+          <a:bodyPr/>
+          <a:lstStyle/>
+          <a:p>
+            <a:r>
+              <a:rPr lang="en-US" dirty="0"/>
+              <a:t>Use JUnit “assert” to make sure results match</a:t>
+            </a:r>
+            <a:br>
+              <a:rPr lang="en-US" dirty="0"/>
+            </a:br>
+            <a:r>
+              <a:rPr lang="en-US" sz="1600" dirty="0">
+                <a:latin typeface="Courier New" panose="02070309020205020404" pitchFamily="49" charset="0"/>
+                <a:cs typeface="Courier New" panose="02070309020205020404" pitchFamily="49" charset="0"/>
+                <a:hlinkClick r:id="rId3"/>
+              </a:rPr>
+              <a:t>https://junit.org/junit4/javadoc/latest/org/junit/Assert.html</a:t>
+            </a:r>
+            <a:r>
+              <a:rPr lang="en-US" dirty="0"/>
+              <a:t> </a:t>
+            </a:r>
+          </a:p>
+          <a:p>
+            <a:r>
+              <a:rPr lang="en-US" dirty="0"/>
+              <a:t>Let’s look at BadFrac.java and BadFracTest.java</a:t>
+            </a:r>
+          </a:p>
+          <a:p>
+            <a:pPr lvl="1"/>
+            <a:r>
+              <a:rPr lang="en-US" dirty="0"/>
+              <a:t>Let’s make some unit tests and figure out why this project has been yielding some strange results</a:t>
+            </a:r>
+          </a:p>
+        </p:txBody>
+      </p:sp>
+    </p:spTree>
+    <p:extLst>
+      <p:ext uri="{BB962C8B-B14F-4D97-AF65-F5344CB8AC3E}">
+        <p14:creationId xmlns:p14="http://schemas.microsoft.com/office/powerpoint/2010/main" val="2195235035"/>
+      </p:ext>
+    </p:extLst>
+  </p:cSld>
+  <p:clrMapOvr>
+    <a:masterClrMapping/>
+  </p:clrMapOvr>
+</p:sld>
+</file>
+
+<file path=ppt/slides/slide27.xml><?xml version="1.0" encoding="utf-8"?>
+<p:sld xmlns:a="http://schemas.openxmlformats.org/drawingml/2006/main" xmlns:r="http://schemas.openxmlformats.org/officeDocument/2006/relationships" xmlns:p="http://schemas.openxmlformats.org/presentationml/2006/main">
+  <p:cSld>
+    <p:spTree>
+      <p:nvGrpSpPr>
+        <p:cNvPr id="1" name=""/>
+        <p:cNvGrpSpPr/>
+        <p:nvPr/>
+      </p:nvGrpSpPr>
+      <p:grpSpPr>
+        <a:xfrm>
+          <a:off x="0" y="0"/>
+          <a:ext cx="0" cy="0"/>
+          <a:chOff x="0" y="0"/>
+          <a:chExt cx="0" cy="0"/>
+        </a:xfrm>
+      </p:grpSpPr>
+      <p:sp>
+        <p:nvSpPr>
+          <p:cNvPr id="2" name="Title 1"/>
+          <p:cNvSpPr>
+            <a:spLocks noGrp="1"/>
+          </p:cNvSpPr>
+          <p:nvPr>
+            <p:ph type="title"/>
+          </p:nvPr>
+        </p:nvSpPr>
+        <p:spPr/>
+        <p:txBody>
+          <a:bodyPr/>
+          <a:lstStyle/>
+          <a:p>
+            <a:r>
+              <a:rPr lang="en-US" dirty="0" err="1"/>
+              <a:t>UnitTesting</a:t>
+            </a:r>
+            <a:r>
+              <a:rPr lang="en-US" dirty="0"/>
+              <a:t> Homework</a:t>
+            </a:r>
+          </a:p>
+        </p:txBody>
+      </p:sp>
+      <p:sp>
+        <p:nvSpPr>
+          <p:cNvPr id="3" name="Content Placeholder 2"/>
+          <p:cNvSpPr>
+            <a:spLocks noGrp="1"/>
+          </p:cNvSpPr>
+          <p:nvPr>
+            <p:ph idx="1"/>
+          </p:nvPr>
+        </p:nvSpPr>
+        <p:spPr/>
+        <p:txBody>
+          <a:bodyPr/>
+          <a:lstStyle/>
+          <a:p>
+            <a:r>
+              <a:rPr lang="en-US" dirty="0"/>
+              <a:t>Import from your repo</a:t>
+            </a:r>
+          </a:p>
+          <a:p>
+            <a:r>
+              <a:rPr lang="en-US" dirty="0"/>
+              <a:t>Go </a:t>
+            </a:r>
+            <a:r>
+              <a:rPr lang="en-US"/>
+              <a:t>to Moodle to see due date</a:t>
+            </a:r>
+            <a:endParaRPr lang="en-US" dirty="0"/>
+          </a:p>
+        </p:txBody>
+      </p:sp>
+    </p:spTree>
+    <p:extLst>
+      <p:ext uri="{BB962C8B-B14F-4D97-AF65-F5344CB8AC3E}">
+        <p14:creationId xmlns:p14="http://schemas.microsoft.com/office/powerpoint/2010/main" val="433817476"/>
+      </p:ext>
+    </p:extLst>
+  </p:cSld>
+  <p:clrMapOvr>
+    <a:masterClrMapping/>
+  </p:clrMapOvr>
+</p:sld>
+</file>
+
+<file path=ppt/slides/slide28.xml><?xml version="1.0" encoding="utf-8"?>
+<p:sld xmlns:a="http://schemas.openxmlformats.org/drawingml/2006/main" xmlns:r="http://schemas.openxmlformats.org/officeDocument/2006/relationships" xmlns:p="http://schemas.openxmlformats.org/presentationml/2006/main" show="0">
+  <p:cSld>
+    <p:spTree>
+      <p:nvGrpSpPr>
+        <p:cNvPr id="1" name=""/>
+        <p:cNvGrpSpPr/>
+        <p:nvPr/>
+      </p:nvGrpSpPr>
+      <p:grpSpPr>
+        <a:xfrm>
+          <a:off x="0" y="0"/>
+          <a:ext cx="0" cy="0"/>
+          <a:chOff x="0" y="0"/>
+          <a:chExt cx="0" cy="0"/>
+        </a:xfrm>
+      </p:grpSpPr>
+      <p:sp>
+        <p:nvSpPr>
+          <p:cNvPr id="2" name="Title 1"/>
+          <p:cNvSpPr>
+            <a:spLocks noGrp="1"/>
+          </p:cNvSpPr>
+          <p:nvPr>
+            <p:ph type="title"/>
+          </p:nvPr>
+        </p:nvSpPr>
+        <p:spPr/>
+        <p:txBody>
+          <a:bodyPr/>
+          <a:lstStyle/>
+          <a:p>
+            <a:r>
+              <a:rPr lang="en-US" dirty="0"/>
+              <a:t>Exam 1 Review - Written</a:t>
+            </a:r>
+          </a:p>
+        </p:txBody>
+      </p:sp>
+      <p:sp>
+        <p:nvSpPr>
+          <p:cNvPr id="3" name="Text Placeholder 2"/>
+          <p:cNvSpPr>
+            <a:spLocks noGrp="1"/>
+          </p:cNvSpPr>
+          <p:nvPr>
+            <p:ph type="body" idx="1"/>
+          </p:nvPr>
+        </p:nvSpPr>
+        <p:spPr/>
+        <p:txBody>
+          <a:bodyPr/>
+          <a:lstStyle/>
+          <a:p>
+            <a:r>
+              <a:rPr lang="en-US" dirty="0"/>
+              <a:t>Review for written portion of Exam 1</a:t>
+            </a:r>
+          </a:p>
+        </p:txBody>
+      </p:sp>
+    </p:spTree>
+    <p:extLst>
+      <p:ext uri="{BB962C8B-B14F-4D97-AF65-F5344CB8AC3E}">
+        <p14:creationId xmlns:p14="http://schemas.microsoft.com/office/powerpoint/2010/main" val="2124410113"/>
+      </p:ext>
+    </p:extLst>
+  </p:cSld>
+  <p:clrMapOvr>
+    <a:masterClrMapping/>
+  </p:clrMapOvr>
+</p:sld>
+</file>
+
+<file path=ppt/slides/slide3.xml><?xml version="1.0" encoding="utf-8"?>
+<p:sld xmlns:a="http://schemas.openxmlformats.org/drawingml/2006/main" xmlns:r="http://schemas.openxmlformats.org/officeDocument/2006/relationships" xmlns:p="http://schemas.openxmlformats.org/presentationml/2006/main">
+  <p:cSld>
+    <p:spTree>
+      <p:nvGrpSpPr>
+        <p:cNvPr id="1" name=""/>
+        <p:cNvGrpSpPr/>
+        <p:nvPr/>
+      </p:nvGrpSpPr>
+      <p:grpSpPr>
+        <a:xfrm>
+          <a:off x="0" y="0"/>
+          <a:ext cx="0" cy="0"/>
+          <a:chOff x="0" y="0"/>
+          <a:chExt cx="0" cy="0"/>
+        </a:xfrm>
+      </p:grpSpPr>
+      <p:sp>
+        <p:nvSpPr>
+          <p:cNvPr id="2" name="Title 1"/>
+          <p:cNvSpPr>
+            <a:spLocks noGrp="1"/>
+          </p:cNvSpPr>
+          <p:nvPr>
+            <p:ph type="title"/>
+          </p:nvPr>
+        </p:nvSpPr>
+        <p:spPr/>
+        <p:txBody>
+          <a:bodyPr/>
+          <a:lstStyle/>
+          <a:p>
+            <a:r>
+              <a:rPr lang="en-US" dirty="0"/>
+              <a:t>Review</a:t>
+            </a:r>
+          </a:p>
+        </p:txBody>
+      </p:sp>
+      <p:sp>
+        <p:nvSpPr>
+          <p:cNvPr id="3" name="Content Placeholder 2"/>
+          <p:cNvSpPr>
+            <a:spLocks noGrp="1"/>
+          </p:cNvSpPr>
+          <p:nvPr>
+            <p:ph idx="1"/>
+          </p:nvPr>
+        </p:nvSpPr>
+        <p:spPr/>
+        <p:txBody>
+          <a:bodyPr/>
+          <a:lstStyle/>
+          <a:p>
+            <a:pPr marL="0" indent="0">
+              <a:buNone/>
+            </a:pPr>
+            <a:r>
+              <a:rPr lang="en-US" b="1" dirty="0"/>
+              <a:t>Encapsulation</a:t>
+            </a:r>
+          </a:p>
+          <a:p>
+            <a:r>
+              <a:rPr lang="en-US" dirty="0"/>
+              <a:t>Collocate within a class data fields and the methods that work on those fields</a:t>
+            </a:r>
+          </a:p>
+          <a:p>
+            <a:r>
+              <a:rPr lang="en-US" dirty="0"/>
+              <a:t>Use </a:t>
+            </a:r>
+            <a:r>
+              <a:rPr lang="en-US" dirty="0">
+                <a:latin typeface="Courier New" panose="02070309020205020404" pitchFamily="49" charset="0"/>
+                <a:cs typeface="Courier New" panose="02070309020205020404" pitchFamily="49" charset="0"/>
+              </a:rPr>
+              <a:t>private</a:t>
+            </a:r>
+            <a:r>
+              <a:rPr lang="en-US" dirty="0"/>
+              <a:t> keyword for most data fields, this is called </a:t>
+            </a:r>
+            <a:r>
+              <a:rPr lang="en-US" i="1" dirty="0"/>
+              <a:t>compiler enforced encapsulation</a:t>
+            </a:r>
+          </a:p>
+        </p:txBody>
+      </p:sp>
+    </p:spTree>
+    <p:extLst>
+      <p:ext uri="{BB962C8B-B14F-4D97-AF65-F5344CB8AC3E}">
+        <p14:creationId xmlns:p14="http://schemas.microsoft.com/office/powerpoint/2010/main" val="1488292398"/>
+      </p:ext>
+    </p:extLst>
+  </p:cSld>
+  <p:clrMapOvr>
+    <a:masterClrMapping/>
+  </p:clrMapOvr>
+</p:sld>
+</file>
+
+<file path=ppt/slides/slide4.xml><?xml version="1.0" encoding="utf-8"?>
+<p:sld xmlns:a="http://schemas.openxmlformats.org/drawingml/2006/main" xmlns:r="http://schemas.openxmlformats.org/officeDocument/2006/relationships" xmlns:p="http://schemas.openxmlformats.org/presentationml/2006/main">
+  <p:cSld>
+    <p:spTree>
+      <p:nvGrpSpPr>
+        <p:cNvPr id="1" name=""/>
+        <p:cNvGrpSpPr/>
+        <p:nvPr/>
+      </p:nvGrpSpPr>
+      <p:grpSpPr>
+        <a:xfrm>
+          <a:off x="0" y="0"/>
+          <a:ext cx="0" cy="0"/>
+          <a:chOff x="0" y="0"/>
+          <a:chExt cx="0" cy="0"/>
+        </a:xfrm>
+      </p:grpSpPr>
+      <p:sp>
+        <p:nvSpPr>
+          <p:cNvPr id="2" name="Title 1"/>
+          <p:cNvSpPr>
+            <a:spLocks noGrp="1"/>
+          </p:cNvSpPr>
+          <p:nvPr>
+            <p:ph type="title"/>
+          </p:nvPr>
+        </p:nvSpPr>
+        <p:spPr/>
+        <p:txBody>
+          <a:bodyPr/>
+          <a:lstStyle/>
+          <a:p>
+            <a:r>
+              <a:rPr lang="en-US" dirty="0"/>
+              <a:t>Review</a:t>
+            </a:r>
+          </a:p>
+        </p:txBody>
+      </p:sp>
+      <p:sp>
+        <p:nvSpPr>
+          <p:cNvPr id="3" name="Content Placeholder 2"/>
+          <p:cNvSpPr>
+            <a:spLocks noGrp="1"/>
+          </p:cNvSpPr>
+          <p:nvPr>
+            <p:ph idx="1"/>
+          </p:nvPr>
+        </p:nvSpPr>
+        <p:spPr/>
+        <p:txBody>
+          <a:bodyPr>
+            <a:normAutofit lnSpcReduction="10000"/>
+          </a:bodyPr>
+          <a:lstStyle/>
+          <a:p>
+            <a:pPr marL="0" indent="0">
+              <a:buNone/>
+            </a:pPr>
+            <a:r>
+              <a:rPr lang="en-US" b="1" dirty="0"/>
+              <a:t>Minimize Dependencies by (low coupling)</a:t>
+            </a:r>
+            <a:r>
+              <a:rPr lang="en-US" dirty="0"/>
+              <a:t>:</a:t>
+            </a:r>
+          </a:p>
+          <a:p>
+            <a:pPr marL="971550" lvl="1" indent="-514350">
+              <a:buFont typeface="+mj-lt"/>
+              <a:buAutoNum type="arabicPeriod"/>
+            </a:pPr>
+            <a:r>
+              <a:rPr lang="en-US" dirty="0"/>
+              <a:t>Using </a:t>
+            </a:r>
+            <a:r>
+              <a:rPr lang="en-US" i="1" dirty="0"/>
+              <a:t>tell don’t ask</a:t>
+            </a:r>
+            <a:r>
+              <a:rPr lang="en-US" dirty="0"/>
+              <a:t> – when a </a:t>
+            </a:r>
+            <a:r>
+              <a:rPr lang="en-US" u="sng" dirty="0"/>
+              <a:t>client</a:t>
+            </a:r>
+            <a:r>
+              <a:rPr lang="en-US" dirty="0"/>
+              <a:t> of a class has an algorithm that could be located within that class (this is an </a:t>
+            </a:r>
+            <a:r>
+              <a:rPr lang="en-US" i="1" dirty="0"/>
+              <a:t>ask</a:t>
+            </a:r>
+            <a:r>
+              <a:rPr lang="en-US" dirty="0"/>
+              <a:t> algorithm), move that algorithm/method from client into the class (so it becomes a </a:t>
+            </a:r>
+            <a:r>
+              <a:rPr lang="en-US" i="1" dirty="0"/>
+              <a:t>tell</a:t>
+            </a:r>
+            <a:r>
+              <a:rPr lang="en-US" dirty="0"/>
+              <a:t> algorithm)</a:t>
+            </a:r>
+          </a:p>
+          <a:p>
+            <a:pPr marL="971550" lvl="1" indent="-514350">
+              <a:buFont typeface="+mj-lt"/>
+              <a:buAutoNum type="arabicPeriod"/>
+            </a:pPr>
+            <a:r>
+              <a:rPr lang="en-US" dirty="0"/>
+              <a:t>Don’t use message chains – instead instrument the called-on classes to provide methods to do the work</a:t>
+            </a:r>
+          </a:p>
+          <a:p>
+            <a:pPr lvl="1"/>
+            <a:r>
+              <a:rPr lang="en-US" i="1" dirty="0"/>
+              <a:t>Low</a:t>
+            </a:r>
+            <a:r>
+              <a:rPr lang="en-US" dirty="0"/>
+              <a:t> </a:t>
+            </a:r>
+            <a:r>
+              <a:rPr lang="en-US" i="1" dirty="0"/>
+              <a:t>coupling</a:t>
+            </a:r>
+            <a:r>
+              <a:rPr lang="en-US" dirty="0"/>
+              <a:t> means dependencies are minimized</a:t>
+            </a:r>
+          </a:p>
+        </p:txBody>
+      </p:sp>
+    </p:spTree>
+    <p:extLst>
+      <p:ext uri="{BB962C8B-B14F-4D97-AF65-F5344CB8AC3E}">
+        <p14:creationId xmlns:p14="http://schemas.microsoft.com/office/powerpoint/2010/main" val="3160988734"/>
+      </p:ext>
+    </p:extLst>
+  </p:cSld>
+  <p:clrMapOvr>
+    <a:masterClrMapping/>
+  </p:clrMapOvr>
+</p:sld>
+</file>
+
+<file path=ppt/slides/slide5.xml><?xml version="1.0" encoding="utf-8"?>
+<p:sld xmlns:a="http://schemas.openxmlformats.org/drawingml/2006/main" xmlns:r="http://schemas.openxmlformats.org/officeDocument/2006/relationships" xmlns:p="http://schemas.openxmlformats.org/presentationml/2006/main">
+  <p:cSld>
+    <p:spTree>
+      <p:nvGrpSpPr>
+        <p:cNvPr id="1" name=""/>
+        <p:cNvGrpSpPr/>
+        <p:nvPr/>
+      </p:nvGrpSpPr>
+      <p:grpSpPr>
+        <a:xfrm>
+          <a:off x="0" y="0"/>
+          <a:ext cx="0" cy="0"/>
+          <a:chOff x="0" y="0"/>
+          <a:chExt cx="0" cy="0"/>
+        </a:xfrm>
+      </p:grpSpPr>
+      <p:sp>
+        <p:nvSpPr>
+          <p:cNvPr id="2" name="Title 1"/>
+          <p:cNvSpPr>
+            <a:spLocks noGrp="1"/>
+          </p:cNvSpPr>
+          <p:nvPr>
+            <p:ph type="title"/>
+          </p:nvPr>
+        </p:nvSpPr>
+        <p:spPr/>
+        <p:txBody>
+          <a:bodyPr/>
+          <a:lstStyle/>
+          <a:p>
+            <a:r>
+              <a:rPr lang="en-US" dirty="0"/>
+              <a:t>Review</a:t>
+            </a:r>
+          </a:p>
+        </p:txBody>
+      </p:sp>
+      <p:sp>
+        <p:nvSpPr>
+          <p:cNvPr id="3" name="Content Placeholder 2"/>
+          <p:cNvSpPr>
+            <a:spLocks noGrp="1"/>
+          </p:cNvSpPr>
+          <p:nvPr>
+            <p:ph idx="1"/>
+          </p:nvPr>
+        </p:nvSpPr>
+        <p:spPr>
+          <a:xfrm>
+            <a:off x="457200" y="1600200"/>
+            <a:ext cx="8382000" cy="4525963"/>
+          </a:xfrm>
+        </p:spPr>
+        <p:txBody>
+          <a:bodyPr/>
+          <a:lstStyle/>
+          <a:p>
+            <a:pPr marL="0" indent="0">
+              <a:buNone/>
+            </a:pPr>
+            <a:r>
+              <a:rPr lang="en-US" b="1" dirty="0"/>
+              <a:t>High Cohesion Rule for Classes</a:t>
+            </a:r>
+          </a:p>
+          <a:p>
+            <a:r>
+              <a:rPr lang="en-US" dirty="0"/>
+              <a:t>Make each class do one thing well</a:t>
+            </a:r>
+          </a:p>
+          <a:p>
+            <a:endParaRPr lang="en-US" dirty="0"/>
+          </a:p>
+          <a:p>
+            <a:pPr marL="0" indent="0">
+              <a:buNone/>
+            </a:pPr>
+            <a:r>
+              <a:rPr lang="en-US" b="1" dirty="0"/>
+              <a:t>Micro-Cohesion Rules for Class Implementations</a:t>
+            </a:r>
+          </a:p>
+          <a:p>
+            <a:r>
+              <a:rPr lang="en-US" dirty="0"/>
+              <a:t>Make each operation do one thing well</a:t>
+            </a:r>
+          </a:p>
+          <a:p>
+            <a:r>
+              <a:rPr lang="en-US" dirty="0"/>
+              <a:t>Make each loop do only one thing</a:t>
+            </a:r>
+          </a:p>
+        </p:txBody>
+      </p:sp>
+    </p:spTree>
+    <p:extLst>
+      <p:ext uri="{BB962C8B-B14F-4D97-AF65-F5344CB8AC3E}">
+        <p14:creationId xmlns:p14="http://schemas.microsoft.com/office/powerpoint/2010/main" val="517551583"/>
+      </p:ext>
+    </p:extLst>
+  </p:cSld>
+  <p:clrMapOvr>
+    <a:masterClrMapping/>
+  </p:clrMapOvr>
+</p:sld>
+</file>
+
+<file path=ppt/slides/slide6.xml><?xml version="1.0" encoding="utf-8"?>
+<p:sld xmlns:a="http://schemas.openxmlformats.org/drawingml/2006/main" xmlns:r="http://schemas.openxmlformats.org/officeDocument/2006/relationships" xmlns:p="http://schemas.openxmlformats.org/presentationml/2006/main">
+  <p:cSld>
+    <p:spTree>
+      <p:nvGrpSpPr>
+        <p:cNvPr id="1" name=""/>
+        <p:cNvGrpSpPr/>
+        <p:nvPr/>
+      </p:nvGrpSpPr>
+      <p:grpSpPr>
+        <a:xfrm>
+          <a:off x="0" y="0"/>
+          <a:ext cx="0" cy="0"/>
+          <a:chOff x="0" y="0"/>
+          <a:chExt cx="0" cy="0"/>
+        </a:xfrm>
+      </p:grpSpPr>
+      <p:sp>
+        <p:nvSpPr>
+          <p:cNvPr id="2" name="Title 1"/>
+          <p:cNvSpPr>
+            <a:spLocks noGrp="1"/>
+          </p:cNvSpPr>
+          <p:nvPr>
+            <p:ph type="title"/>
+          </p:nvPr>
+        </p:nvSpPr>
+        <p:spPr/>
+        <p:txBody>
+          <a:bodyPr/>
+          <a:lstStyle/>
+          <a:p>
+            <a:r>
+              <a:rPr lang="en-US" dirty="0"/>
+              <a:t>Rule of Thumb: No Global Variables</a:t>
+            </a:r>
+          </a:p>
+        </p:txBody>
+      </p:sp>
+      <p:sp>
+        <p:nvSpPr>
+          <p:cNvPr id="3" name="Content Placeholder 2"/>
+          <p:cNvSpPr>
+            <a:spLocks noGrp="1"/>
+          </p:cNvSpPr>
+          <p:nvPr>
+            <p:ph idx="1"/>
+          </p:nvPr>
+        </p:nvSpPr>
+        <p:spPr/>
+        <p:txBody>
+          <a:bodyPr/>
+          <a:lstStyle/>
+          <a:p>
+            <a:r>
+              <a:rPr lang="en-US" dirty="0"/>
+              <a:t>Or static variables that are used like globals</a:t>
+            </a:r>
+          </a:p>
+          <a:p>
+            <a:r>
+              <a:rPr lang="en-US" dirty="0"/>
+              <a:t>A static variable can be accessed/modified in any function at any time</a:t>
+            </a:r>
+          </a:p>
+          <a:p>
+            <a:r>
+              <a:rPr lang="en-US" dirty="0"/>
+              <a:t>As a result many parts of the code can be coupled to a single class</a:t>
+            </a:r>
+          </a:p>
+          <a:p>
+            <a:endParaRPr lang="en-US" dirty="0"/>
+          </a:p>
+          <a:p>
+            <a:endParaRPr lang="en-US" dirty="0"/>
+          </a:p>
+        </p:txBody>
+      </p:sp>
+    </p:spTree>
+    <p:extLst>
+      <p:ext uri="{BB962C8B-B14F-4D97-AF65-F5344CB8AC3E}">
+        <p14:creationId xmlns:p14="http://schemas.microsoft.com/office/powerpoint/2010/main" val="1890371228"/>
+      </p:ext>
+    </p:extLst>
+  </p:cSld>
+  <p:clrMapOvr>
+    <a:masterClrMapping/>
+  </p:clrMapOvr>
+</p:sld>
+</file>
+
+<file path=ppt/slides/slide7.xml><?xml version="1.0" encoding="utf-8"?>
+<p:sld xmlns:a="http://schemas.openxmlformats.org/drawingml/2006/main" xmlns:r="http://schemas.openxmlformats.org/officeDocument/2006/relationships" xmlns:p="http://schemas.openxmlformats.org/presentationml/2006/main">
+  <p:cSld>
+    <p:spTree>
+      <p:nvGrpSpPr>
+        <p:cNvPr id="1" name=""/>
+        <p:cNvGrpSpPr/>
+        <p:nvPr/>
+      </p:nvGrpSpPr>
+      <p:grpSpPr>
+        <a:xfrm>
+          <a:off x="0" y="0"/>
+          <a:ext cx="0" cy="0"/>
+          <a:chOff x="0" y="0"/>
+          <a:chExt cx="0" cy="0"/>
+        </a:xfrm>
+      </p:grpSpPr>
+      <p:sp>
+        <p:nvSpPr>
+          <p:cNvPr id="9219" name="Rectangle 2"/>
+          <p:cNvSpPr>
+            <a:spLocks noGrp="1"/>
+          </p:cNvSpPr>
+          <p:nvPr>
+            <p:ph type="subTitle" idx="1"/>
+          </p:nvPr>
+        </p:nvSpPr>
+        <p:spPr/>
+        <p:txBody>
+          <a:bodyPr/>
+          <a:lstStyle/>
+          <a:p>
+            <a:r>
+              <a:rPr lang="en-US"/>
+              <a:t>Variable Scope</a:t>
+            </a:r>
+            <a:endParaRPr lang="en-US" dirty="0"/>
+          </a:p>
+        </p:txBody>
+      </p:sp>
+    </p:spTree>
+  </p:cSld>
+  <p:clrMapOvr>
+    <a:masterClrMapping/>
+  </p:clrMapOvr>
+</p:sld>
+</file>
+
+<file path=ppt/slides/slide8.xml><?xml version="1.0" encoding="utf-8"?>
+<p:sld xmlns:a="http://schemas.openxmlformats.org/drawingml/2006/main" xmlns:r="http://schemas.openxmlformats.org/officeDocument/2006/relationships" xmlns:p="http://schemas.openxmlformats.org/presentationml/2006/main">
+  <p:cSld>
+    <p:spTree>
+      <p:nvGrpSpPr>
+        <p:cNvPr id="1" name=""/>
+        <p:cNvGrpSpPr/>
+        <p:nvPr/>
+      </p:nvGrpSpPr>
+      <p:grpSpPr>
+        <a:xfrm>
+          <a:off x="0" y="0"/>
+          <a:ext cx="0" cy="0"/>
+          <a:chOff x="0" y="0"/>
+          <a:chExt cx="0" cy="0"/>
+        </a:xfrm>
+      </p:grpSpPr>
+      <p:sp>
+        <p:nvSpPr>
+          <p:cNvPr id="2" name="Title 1"/>
+          <p:cNvSpPr>
+            <a:spLocks noGrp="1"/>
+          </p:cNvSpPr>
+          <p:nvPr>
+            <p:ph type="title"/>
+          </p:nvPr>
+        </p:nvSpPr>
+        <p:spPr/>
+        <p:txBody>
+          <a:bodyPr/>
+          <a:lstStyle/>
+          <a:p>
+            <a:r>
+              <a:rPr lang="en-US" dirty="0"/>
+              <a:t>Rule of Thumb: No Global Variables</a:t>
+            </a:r>
+          </a:p>
+        </p:txBody>
+      </p:sp>
+      <p:sp>
+        <p:nvSpPr>
+          <p:cNvPr id="3" name="Content Placeholder 2"/>
+          <p:cNvSpPr>
+            <a:spLocks noGrp="1"/>
+          </p:cNvSpPr>
+          <p:nvPr>
+            <p:ph idx="1"/>
+          </p:nvPr>
+        </p:nvSpPr>
+        <p:spPr/>
+        <p:txBody>
+          <a:bodyPr>
+            <a:normAutofit fontScale="92500" lnSpcReduction="10000"/>
+          </a:bodyPr>
+          <a:lstStyle/>
+          <a:p>
+            <a:r>
+              <a:rPr lang="en-US" dirty="0"/>
+              <a:t>Or static variables that are used like globals</a:t>
+            </a:r>
+          </a:p>
+          <a:p>
+            <a:r>
+              <a:rPr lang="en-US" dirty="0"/>
+              <a:t>A static variable can be accessed/modified in any function at any time</a:t>
+            </a:r>
+          </a:p>
+          <a:p>
+            <a:r>
+              <a:rPr lang="en-US" dirty="0"/>
+              <a:t>As a result many parts of the code can be coupled to a single class</a:t>
+            </a:r>
+          </a:p>
+          <a:p>
+            <a:endParaRPr lang="en-US" dirty="0"/>
+          </a:p>
+          <a:p>
+            <a:r>
+              <a:rPr lang="en-US" dirty="0">
+                <a:highlight>
+                  <a:srgbClr val="FFFF00"/>
+                </a:highlight>
+              </a:rPr>
+              <a:t>Why? </a:t>
+            </a:r>
+          </a:p>
+          <a:p>
+            <a:r>
+              <a:rPr lang="en-US" dirty="0">
+                <a:highlight>
+                  <a:srgbClr val="FFFF00"/>
+                </a:highlight>
+              </a:rPr>
+              <a:t>Increases coupling among all the clients that get or change value of the global variable</a:t>
+            </a:r>
+          </a:p>
+          <a:p>
+            <a:endParaRPr lang="en-US" dirty="0"/>
+          </a:p>
+        </p:txBody>
+      </p:sp>
+    </p:spTree>
+    <p:extLst>
+      <p:ext uri="{BB962C8B-B14F-4D97-AF65-F5344CB8AC3E}">
+        <p14:creationId xmlns:p14="http://schemas.microsoft.com/office/powerpoint/2010/main" val="1358405588"/>
+      </p:ext>
+    </p:extLst>
+  </p:cSld>
+  <p:clrMapOvr>
+    <a:masterClrMapping/>
+  </p:clrMapOvr>
+</p:sld>
+</file>
+
+<file path=ppt/slides/slide9.xml><?xml version="1.0" encoding="utf-8"?>
+<p:sld xmlns:a="http://schemas.openxmlformats.org/drawingml/2006/main" xmlns:r="http://schemas.openxmlformats.org/officeDocument/2006/relationships" xmlns:p="http://schemas.openxmlformats.org/presentationml/2006/main">
+  <p:cSld>
+    <p:spTree>
+      <p:nvGrpSpPr>
+        <p:cNvPr id="1" name=""/>
+        <p:cNvGrpSpPr/>
+        <p:nvPr/>
+      </p:nvGrpSpPr>
+      <p:grpSpPr>
+        <a:xfrm>
+          <a:off x="0" y="0"/>
+          <a:ext cx="0" cy="0"/>
+          <a:chOff x="0" y="0"/>
+          <a:chExt cx="0" cy="0"/>
+        </a:xfrm>
+      </p:grpSpPr>
+      <p:pic>
+        <p:nvPicPr>
+          <p:cNvPr id="6" name="Picture 3"/>
+          <p:cNvPicPr>
+            <a:picLocks noChangeAspect="1" noChangeArrowheads="1"/>
+          </p:cNvPicPr>
+          <p:nvPr/>
+        </p:nvPicPr>
+        <p:blipFill>
+          <a:blip r:embed="rId3">
+            <a:extLst>
+              <a:ext uri="{28A0092B-C50C-407E-A947-70E740481C1C}">
+                <a14:useLocalDpi xmlns:a14="http://schemas.microsoft.com/office/drawing/2010/main" val="0"/>
+              </a:ext>
+            </a:extLst>
+          </a:blip>
+          <a:srcRect/>
+          <a:stretch>
+            <a:fillRect/>
+          </a:stretch>
+        </p:blipFill>
+        <p:spPr bwMode="auto">
+          <a:xfrm>
+            <a:off x="7010400" y="457200"/>
+            <a:ext cx="1905000" cy="1905000"/>
+          </a:xfrm>
+          <a:prstGeom prst="rect">
+            <a:avLst/>
+          </a:prstGeom>
+          <a:noFill/>
+          <a:ln>
+            <a:noFill/>
+          </a:ln>
+          <a:effectLst/>
+          <a:extLst>
+            <a:ext uri="{909E8E84-426E-40dd-AFC4-6F175D3DCCD1}">
+              <a14:hiddenFill xmlns:a14="http://schemas.microsoft.com/office/drawing/2010/main" xmlns="">
+                <a:solidFill>
+                  <a:schemeClr val="accent1"/>
+                </a:solidFill>
+              </a14:hiddenFill>
+            </a:ext>
+            <a:ext uri="{91240B29-F687-4f45-9708-019B960494DF}">
+              <a14:hiddenLine xmlns:a14="http://schemas.microsoft.com/office/drawing/2010/main" xmlns="" w="9525">
+                <a:solidFill>
+                  <a:schemeClr val="tx1"/>
+                </a:solidFill>
+                <a:miter lim="800000"/>
+                <a:headEnd/>
+                <a:tailEnd/>
+              </a14:hiddenLine>
+            </a:ext>
+            <a:ext uri="{AF507438-7753-43e0-B8FC-AC1667EBCBE1}">
+              <a14:hiddenEffects xmlns:a14="http://schemas.microsoft.com/office/drawing/2010/main" xmlns="">
+                <a:effectLst>
+                  <a:outerShdw dist="35921" dir="2700000" algn="ctr" rotWithShape="0">
+                    <a:schemeClr val="bg2"/>
+                  </a:outerShdw>
+                </a:effectLst>
+              </a14:hiddenEffects>
+            </a:ext>
+          </a:extLst>
+        </p:spPr>
+      </p:pic>
+      <p:sp>
+        <p:nvSpPr>
+          <p:cNvPr id="5" name="Content Placeholder 4"/>
+          <p:cNvSpPr>
+            <a:spLocks noGrp="1"/>
+          </p:cNvSpPr>
+          <p:nvPr>
+            <p:ph idx="1"/>
+          </p:nvPr>
+        </p:nvSpPr>
+        <p:spPr>
+          <a:xfrm>
+            <a:off x="381000" y="957262"/>
+            <a:ext cx="8458200" cy="5138738"/>
+          </a:xfrm>
+        </p:spPr>
+        <p:txBody>
+          <a:bodyPr>
+            <a:normAutofit fontScale="92500" lnSpcReduction="20000"/>
+          </a:bodyPr>
+          <a:lstStyle/>
+          <a:p>
+            <a:pPr marL="109537" indent="0">
+              <a:buNone/>
+              <a:defRPr/>
+            </a:pPr>
+            <a:r>
+              <a:rPr lang="en-US" b="1" i="1" u="sng" dirty="0"/>
+              <a:t>Scope</a:t>
+            </a:r>
+            <a:r>
+              <a:rPr lang="en-US" b="1" dirty="0"/>
+              <a:t>  is the region of a program in </a:t>
+            </a:r>
+            <a:br>
+              <a:rPr lang="en-US" b="1" dirty="0"/>
+            </a:br>
+            <a:r>
+              <a:rPr lang="en-US" b="1" dirty="0"/>
+              <a:t>which a variable can be accessed</a:t>
+            </a:r>
+            <a:br>
+              <a:rPr lang="en-US" b="1" dirty="0">
+                <a:solidFill>
+                  <a:srgbClr val="C00000"/>
+                </a:solidFill>
+              </a:rPr>
+            </a:br>
+            <a:endParaRPr lang="en-US" sz="1600" b="1" dirty="0">
+              <a:solidFill>
+                <a:srgbClr val="C00000"/>
+              </a:solidFill>
+            </a:endParaRPr>
+          </a:p>
+          <a:p>
+            <a:pPr>
+              <a:defRPr/>
+            </a:pPr>
+            <a:r>
+              <a:rPr lang="en-US" sz="2400" b="1" i="1" dirty="0">
+                <a:solidFill>
+                  <a:srgbClr val="00B050"/>
+                </a:solidFill>
+              </a:rPr>
+              <a:t>Scope of a parameter</a:t>
+            </a:r>
+            <a:r>
+              <a:rPr lang="en-US" sz="2400" i="1" dirty="0"/>
+              <a:t>:</a:t>
+            </a:r>
+            <a:r>
+              <a:rPr lang="en-US" sz="2400" dirty="0"/>
+              <a:t>  throughout the entire method body</a:t>
+            </a:r>
+            <a:br>
+              <a:rPr lang="en-US" sz="2400" dirty="0"/>
+            </a:br>
+            <a:endParaRPr lang="en-US" sz="1600" dirty="0"/>
+          </a:p>
+          <a:p>
+            <a:pPr marL="0" indent="0">
+              <a:buNone/>
+              <a:defRPr/>
+            </a:pPr>
+            <a:br>
+              <a:rPr lang="en-US" sz="2400" dirty="0"/>
+            </a:br>
+            <a:endParaRPr lang="en-US" sz="2400" dirty="0"/>
+          </a:p>
+          <a:p>
+            <a:pPr marL="630238" lvl="2" indent="0">
+              <a:buNone/>
+              <a:tabLst>
+                <a:tab pos="1146175" algn="l"/>
+                <a:tab pos="1425575" algn="l"/>
+                <a:tab pos="2463800" algn="l"/>
+              </a:tabLst>
+              <a:defRPr/>
+            </a:pPr>
+            <a:r>
+              <a:rPr lang="en-US" sz="2000" b="1" dirty="0">
+                <a:latin typeface="Courier New" panose="02070309020205020404" pitchFamily="49" charset="0"/>
+                <a:cs typeface="Courier New" panose="02070309020205020404" pitchFamily="49" charset="0"/>
+              </a:rPr>
+              <a:t>public</a:t>
+            </a:r>
+            <a:r>
+              <a:rPr lang="en-US" sz="2000" dirty="0">
+                <a:latin typeface="Courier New" panose="02070309020205020404" pitchFamily="49" charset="0"/>
+                <a:cs typeface="Courier New" panose="02070309020205020404" pitchFamily="49" charset="0"/>
+              </a:rPr>
+              <a:t> double myMethod(ArrayList&lt;Point2D&gt; </a:t>
+            </a:r>
+            <a:r>
+              <a:rPr lang="en-US" sz="2000" b="1" dirty="0">
+                <a:solidFill>
+                  <a:srgbClr val="00B050"/>
+                </a:solidFill>
+                <a:latin typeface="Courier New" panose="02070309020205020404" pitchFamily="49" charset="0"/>
+                <a:cs typeface="Courier New" panose="02070309020205020404" pitchFamily="49" charset="0"/>
+              </a:rPr>
+              <a:t>pts</a:t>
+            </a:r>
+            <a:r>
+              <a:rPr lang="en-US" sz="2000" dirty="0">
+                <a:latin typeface="Courier New" panose="02070309020205020404" pitchFamily="49" charset="0"/>
+                <a:cs typeface="Courier New" panose="02070309020205020404" pitchFamily="49" charset="0"/>
+              </a:rPr>
+              <a:t>) </a:t>
+            </a:r>
+          </a:p>
+          <a:p>
+            <a:pPr marL="630238" lvl="2" indent="0">
+              <a:buNone/>
+              <a:tabLst>
+                <a:tab pos="1146175" algn="l"/>
+                <a:tab pos="1425575" algn="l"/>
+                <a:tab pos="2463800" algn="l"/>
+              </a:tabLst>
+              <a:defRPr/>
+            </a:pPr>
+            <a:r>
+              <a:rPr lang="en-US" sz="2000" dirty="0">
+                <a:latin typeface="Courier New" panose="02070309020205020404" pitchFamily="49" charset="0"/>
+                <a:cs typeface="Courier New" panose="02070309020205020404" pitchFamily="49" charset="0"/>
+              </a:rPr>
+              <a:t>{</a:t>
+            </a:r>
+            <a:br>
+              <a:rPr lang="en-US" sz="2000" dirty="0">
+                <a:latin typeface="Courier New" panose="02070309020205020404" pitchFamily="49" charset="0"/>
+                <a:cs typeface="Courier New" panose="02070309020205020404" pitchFamily="49" charset="0"/>
+              </a:rPr>
+            </a:br>
+            <a:r>
+              <a:rPr lang="en-US" sz="2000" dirty="0">
+                <a:latin typeface="Courier New" panose="02070309020205020404" pitchFamily="49" charset="0"/>
+                <a:cs typeface="Courier New" panose="02070309020205020404" pitchFamily="49" charset="0"/>
+              </a:rPr>
+              <a:t>	double sum = 0.0;</a:t>
+            </a:r>
+            <a:br>
+              <a:rPr lang="en-US" sz="2000" dirty="0">
+                <a:latin typeface="Courier New" panose="02070309020205020404" pitchFamily="49" charset="0"/>
+                <a:cs typeface="Courier New" panose="02070309020205020404" pitchFamily="49" charset="0"/>
+              </a:rPr>
+            </a:br>
+            <a:r>
+              <a:rPr lang="en-US" sz="2000" dirty="0">
+                <a:latin typeface="Courier New" panose="02070309020205020404" pitchFamily="49" charset="0"/>
+                <a:cs typeface="Courier New" panose="02070309020205020404" pitchFamily="49" charset="0"/>
+              </a:rPr>
+              <a:t>	Point2D prev = </a:t>
+            </a:r>
+            <a:r>
+              <a:rPr lang="en-US" sz="2000" b="1" dirty="0">
+                <a:solidFill>
+                  <a:srgbClr val="00B050"/>
+                </a:solidFill>
+                <a:latin typeface="Courier New" panose="02070309020205020404" pitchFamily="49" charset="0"/>
+                <a:cs typeface="Courier New" panose="02070309020205020404" pitchFamily="49" charset="0"/>
+              </a:rPr>
+              <a:t>pts</a:t>
+            </a:r>
+            <a:r>
+              <a:rPr lang="en-US" sz="2000" dirty="0">
+                <a:latin typeface="Courier New" panose="02070309020205020404" pitchFamily="49" charset="0"/>
+                <a:cs typeface="Courier New" panose="02070309020205020404" pitchFamily="49" charset="0"/>
+              </a:rPr>
+              <a:t>.get(</a:t>
+            </a:r>
+            <a:r>
+              <a:rPr lang="en-US" sz="2000" b="1" dirty="0">
+                <a:solidFill>
+                  <a:srgbClr val="00B050"/>
+                </a:solidFill>
+                <a:latin typeface="Courier New" panose="02070309020205020404" pitchFamily="49" charset="0"/>
+                <a:cs typeface="Courier New" panose="02070309020205020404" pitchFamily="49" charset="0"/>
+              </a:rPr>
+              <a:t>pts</a:t>
+            </a:r>
+            <a:r>
+              <a:rPr lang="en-US" sz="2000" dirty="0">
+                <a:latin typeface="Courier New" panose="02070309020205020404" pitchFamily="49" charset="0"/>
+                <a:cs typeface="Courier New" panose="02070309020205020404" pitchFamily="49" charset="0"/>
+              </a:rPr>
+              <a:t>.size() - 1);</a:t>
+            </a:r>
+            <a:br>
+              <a:rPr lang="en-US" sz="2000" dirty="0">
+                <a:latin typeface="Courier New" panose="02070309020205020404" pitchFamily="49" charset="0"/>
+                <a:cs typeface="Courier New" panose="02070309020205020404" pitchFamily="49" charset="0"/>
+              </a:rPr>
+            </a:br>
+            <a:r>
+              <a:rPr lang="en-US" sz="2000" dirty="0">
+                <a:latin typeface="Courier New" panose="02070309020205020404" pitchFamily="49" charset="0"/>
+                <a:cs typeface="Courier New" panose="02070309020205020404" pitchFamily="49" charset="0"/>
+              </a:rPr>
+              <a:t>	</a:t>
+            </a:r>
+            <a:r>
+              <a:rPr lang="en-US" sz="2000" b="1" dirty="0">
+                <a:latin typeface="Courier New" panose="02070309020205020404" pitchFamily="49" charset="0"/>
+                <a:cs typeface="Courier New" panose="02070309020205020404" pitchFamily="49" charset="0"/>
+              </a:rPr>
+              <a:t>for</a:t>
+            </a:r>
+            <a:r>
+              <a:rPr lang="en-US" sz="2000" dirty="0">
+                <a:latin typeface="Courier New" panose="02070309020205020404" pitchFamily="49" charset="0"/>
+                <a:cs typeface="Courier New" panose="02070309020205020404" pitchFamily="49" charset="0"/>
+              </a:rPr>
+              <a:t> (Point2D p : </a:t>
+            </a:r>
+            <a:r>
+              <a:rPr lang="en-US" sz="2000" b="1" dirty="0">
+                <a:solidFill>
+                  <a:srgbClr val="00B050"/>
+                </a:solidFill>
+                <a:latin typeface="Courier New" panose="02070309020205020404" pitchFamily="49" charset="0"/>
+                <a:cs typeface="Courier New" panose="02070309020205020404" pitchFamily="49" charset="0"/>
+              </a:rPr>
+              <a:t>pts</a:t>
+            </a:r>
+            <a:r>
+              <a:rPr lang="en-US" sz="2000" dirty="0">
+                <a:latin typeface="Courier New" panose="02070309020205020404" pitchFamily="49" charset="0"/>
+                <a:cs typeface="Courier New" panose="02070309020205020404" pitchFamily="49" charset="0"/>
+              </a:rPr>
+              <a:t>) {</a:t>
+            </a:r>
+            <a:br>
+              <a:rPr lang="en-US" sz="2000" dirty="0">
+                <a:latin typeface="Courier New" panose="02070309020205020404" pitchFamily="49" charset="0"/>
+                <a:cs typeface="Courier New" panose="02070309020205020404" pitchFamily="49" charset="0"/>
+              </a:rPr>
+            </a:br>
+            <a:r>
+              <a:rPr lang="en-US" sz="2000" dirty="0">
+                <a:latin typeface="Courier New" panose="02070309020205020404" pitchFamily="49" charset="0"/>
+                <a:cs typeface="Courier New" panose="02070309020205020404" pitchFamily="49" charset="0"/>
+              </a:rPr>
+              <a:t>		sum += prev.getX() * p.getY();</a:t>
+            </a:r>
+            <a:br>
+              <a:rPr lang="en-US" sz="2000" dirty="0">
+                <a:latin typeface="Courier New" panose="02070309020205020404" pitchFamily="49" charset="0"/>
+                <a:cs typeface="Courier New" panose="02070309020205020404" pitchFamily="49" charset="0"/>
+              </a:rPr>
+            </a:br>
+            <a:r>
+              <a:rPr lang="en-US" sz="2000" dirty="0">
+                <a:latin typeface="Courier New" panose="02070309020205020404" pitchFamily="49" charset="0"/>
+                <a:cs typeface="Courier New" panose="02070309020205020404" pitchFamily="49" charset="0"/>
+              </a:rPr>
+              <a:t>		sum -= prev.getY() * p.getX();</a:t>
+            </a:r>
+            <a:br>
+              <a:rPr lang="en-US" sz="2000" dirty="0">
+                <a:latin typeface="Courier New" panose="02070309020205020404" pitchFamily="49" charset="0"/>
+                <a:cs typeface="Courier New" panose="02070309020205020404" pitchFamily="49" charset="0"/>
+              </a:rPr>
+            </a:br>
+            <a:r>
+              <a:rPr lang="en-US" sz="2000" dirty="0">
+                <a:latin typeface="Courier New" panose="02070309020205020404" pitchFamily="49" charset="0"/>
+                <a:cs typeface="Courier New" panose="02070309020205020404" pitchFamily="49" charset="0"/>
+              </a:rPr>
+              <a:t>		prev = p;</a:t>
+            </a:r>
+            <a:br>
+              <a:rPr lang="en-US" sz="2000" dirty="0">
+                <a:latin typeface="Courier New" panose="02070309020205020404" pitchFamily="49" charset="0"/>
+                <a:cs typeface="Courier New" panose="02070309020205020404" pitchFamily="49" charset="0"/>
+              </a:rPr>
+            </a:br>
+            <a:r>
+              <a:rPr lang="en-US" sz="2000" dirty="0">
+                <a:latin typeface="Courier New" panose="02070309020205020404" pitchFamily="49" charset="0"/>
+                <a:cs typeface="Courier New" panose="02070309020205020404" pitchFamily="49" charset="0"/>
+              </a:rPr>
+              <a:t>	} // end for</a:t>
+            </a:r>
+            <a:br>
+              <a:rPr lang="en-US" sz="2000" dirty="0">
+                <a:latin typeface="Courier New" panose="02070309020205020404" pitchFamily="49" charset="0"/>
+                <a:cs typeface="Courier New" panose="02070309020205020404" pitchFamily="49" charset="0"/>
+              </a:rPr>
+            </a:br>
+            <a:r>
+              <a:rPr lang="en-US" sz="2000" dirty="0">
+                <a:latin typeface="Courier New" panose="02070309020205020404" pitchFamily="49" charset="0"/>
+                <a:cs typeface="Courier New" panose="02070309020205020404" pitchFamily="49" charset="0"/>
+              </a:rPr>
+              <a:t>	</a:t>
+            </a:r>
+            <a:r>
+              <a:rPr lang="en-US" sz="2000" b="1" dirty="0">
+                <a:latin typeface="Courier New" panose="02070309020205020404" pitchFamily="49" charset="0"/>
+                <a:cs typeface="Courier New" panose="02070309020205020404" pitchFamily="49" charset="0"/>
+              </a:rPr>
+              <a:t>return</a:t>
+            </a:r>
+            <a:r>
+              <a:rPr lang="en-US" sz="2000" dirty="0">
+                <a:latin typeface="Courier New" panose="02070309020205020404" pitchFamily="49" charset="0"/>
+                <a:cs typeface="Courier New" panose="02070309020205020404" pitchFamily="49" charset="0"/>
+              </a:rPr>
+              <a:t> Math.abs(sum / 2.0);</a:t>
+            </a:r>
+            <a:br>
+              <a:rPr lang="en-US" sz="2000" dirty="0">
+                <a:latin typeface="Courier New" panose="02070309020205020404" pitchFamily="49" charset="0"/>
+                <a:cs typeface="Courier New" panose="02070309020205020404" pitchFamily="49" charset="0"/>
+              </a:rPr>
+            </a:br>
+            <a:r>
+              <a:rPr lang="en-US" sz="2000" dirty="0">
+                <a:latin typeface="Courier New" panose="02070309020205020404" pitchFamily="49" charset="0"/>
+                <a:cs typeface="Courier New" panose="02070309020205020404" pitchFamily="49" charset="0"/>
+              </a:rPr>
+              <a:t>} // myMethod</a:t>
+            </a:r>
+          </a:p>
+        </p:txBody>
+      </p:sp>
+      <p:sp>
+        <p:nvSpPr>
+          <p:cNvPr id="4" name="Title 3"/>
+          <p:cNvSpPr>
+            <a:spLocks noGrp="1"/>
+          </p:cNvSpPr>
+          <p:nvPr>
+            <p:ph type="title"/>
+          </p:nvPr>
+        </p:nvSpPr>
+        <p:spPr>
+          <a:xfrm>
+            <a:off x="457200" y="76200"/>
+            <a:ext cx="8229600" cy="792162"/>
+          </a:xfrm>
+        </p:spPr>
+        <p:txBody>
+          <a:bodyPr/>
+          <a:lstStyle/>
+          <a:p>
+            <a:pPr>
+              <a:defRPr/>
+            </a:pPr>
+            <a:r>
+              <a:rPr lang="en-US" dirty="0"/>
+              <a:t>Variable Scope</a:t>
+            </a:r>
+          </a:p>
+        </p:txBody>
+      </p:sp>
+      <p:sp>
+        <p:nvSpPr>
+          <p:cNvPr id="7" name="Rectangle 6">
+            <a:extLst>
+              <a:ext uri="{FF2B5EF4-FFF2-40B4-BE49-F238E27FC236}">
+                <a16:creationId xmlns:a16="http://schemas.microsoft.com/office/drawing/2014/main" id="{534859C7-AA19-6949-A18B-04E0ECF36C96}"/>
+              </a:ext>
+            </a:extLst>
+          </p:cNvPr>
+          <p:cNvSpPr/>
+          <p:nvPr/>
+        </p:nvSpPr>
+        <p:spPr>
+          <a:xfrm>
+            <a:off x="838200" y="3352800"/>
+            <a:ext cx="6781800" cy="2438400"/>
+          </a:xfrm>
+          <a:prstGeom prst="rect">
+            <a:avLst/>
+          </a:prstGeom>
+          <a:noFill/>
+          <a:ln w="28575">
+            <a:solidFill>
+              <a:srgbClr val="00B050"/>
+            </a:solidFill>
+          </a:ln>
+        </p:spPr>
+        <p:style>
+          <a:lnRef idx="2">
+            <a:schemeClr val="accent1">
+              <a:shade val="50000"/>
+            </a:schemeClr>
+          </a:lnRef>
+          <a:fillRef idx="1">
+            <a:schemeClr val="accent1"/>
+          </a:fillRef>
+          <a:effectRef idx="0">
+            <a:schemeClr val="accent1"/>
+          </a:effectRef>
+          <a:fontRef idx="minor">
+            <a:schemeClr val="lt1"/>
+          </a:fontRef>
+        </p:style>
+        <p:txBody>
+          <a:bodyPr rtlCol="0" anchor="ctr"/>
+          <a:lstStyle/>
+          <a:p>
+            <a:pPr algn="ctr"/>
+            <a:endParaRPr lang="en-US" dirty="0"/>
+          </a:p>
+        </p:txBody>
+      </p:sp>
+      <p:sp>
+        <p:nvSpPr>
+          <p:cNvPr id="8" name="Freeform 7">
+            <a:extLst>
+              <a:ext uri="{FF2B5EF4-FFF2-40B4-BE49-F238E27FC236}">
+                <a16:creationId xmlns:a16="http://schemas.microsoft.com/office/drawing/2014/main" id="{34378F54-728A-C941-96CC-BD3F75D7DB0C}"/>
+              </a:ext>
+            </a:extLst>
+          </p:cNvPr>
+          <p:cNvSpPr/>
+          <p:nvPr/>
+        </p:nvSpPr>
+        <p:spPr>
+          <a:xfrm>
+            <a:off x="492550" y="2255520"/>
+            <a:ext cx="523450" cy="1076960"/>
+          </a:xfrm>
+          <a:custGeom>
+            <a:avLst/>
+            <a:gdLst>
+              <a:gd name="connsiteX0" fmla="*/ 523450 w 523450"/>
+              <a:gd name="connsiteY0" fmla="*/ 0 h 1076960"/>
+              <a:gd name="connsiteX1" fmla="*/ 5290 w 523450"/>
+              <a:gd name="connsiteY1" fmla="*/ 640080 h 1076960"/>
+              <a:gd name="connsiteX2" fmla="*/ 299930 w 523450"/>
+              <a:gd name="connsiteY2" fmla="*/ 1076960 h 1076960"/>
+            </a:gdLst>
+            <a:ahLst/>
+            <a:cxnLst>
+              <a:cxn ang="0">
+                <a:pos x="connsiteX0" y="connsiteY0"/>
+              </a:cxn>
+              <a:cxn ang="0">
+                <a:pos x="connsiteX1" y="connsiteY1"/>
+              </a:cxn>
+              <a:cxn ang="0">
+                <a:pos x="connsiteX2" y="connsiteY2"/>
+              </a:cxn>
+            </a:cxnLst>
+            <a:rect l="l" t="t" r="r" b="b"/>
+            <a:pathLst>
+              <a:path w="523450" h="1076960">
+                <a:moveTo>
+                  <a:pt x="523450" y="0"/>
+                </a:moveTo>
+                <a:cubicBezTo>
+                  <a:pt x="282996" y="230293"/>
+                  <a:pt x="42543" y="460587"/>
+                  <a:pt x="5290" y="640080"/>
+                </a:cubicBezTo>
+                <a:cubicBezTo>
+                  <a:pt x="-31963" y="819573"/>
+                  <a:pt x="133983" y="948266"/>
+                  <a:pt x="299930" y="1076960"/>
+                </a:cubicBezTo>
+              </a:path>
+            </a:pathLst>
+          </a:custGeom>
+          <a:noFill/>
+          <a:ln w="28575">
+            <a:solidFill>
+              <a:srgbClr val="00B050"/>
+            </a:solidFill>
+            <a:headEnd type="none" w="med" len="med"/>
+            <a:tailEnd type="arrow" w="med" len="med"/>
+          </a:ln>
+        </p:spPr>
+        <p:style>
+          <a:lnRef idx="2">
+            <a:schemeClr val="accent1">
+              <a:shade val="50000"/>
+            </a:schemeClr>
+          </a:lnRef>
+          <a:fillRef idx="1">
+            <a:schemeClr val="accent1"/>
+          </a:fillRef>
+          <a:effectRef idx="0">
+            <a:schemeClr val="accent1"/>
+          </a:effectRef>
+          <a:fontRef idx="minor">
+            <a:schemeClr val="lt1"/>
+          </a:fontRef>
+        </p:style>
+        <p:txBody>
+          <a:bodyPr rtlCol="0" anchor="ctr"/>
+          <a:lstStyle/>
+          <a:p>
+            <a:pPr algn="ctr"/>
+            <a:endParaRPr lang="en-US" dirty="0"/>
+          </a:p>
+        </p:txBody>
+      </p:sp>
+      <p:sp>
+        <p:nvSpPr>
+          <p:cNvPr id="10" name="Freeform 9">
+            <a:extLst>
+              <a:ext uri="{FF2B5EF4-FFF2-40B4-BE49-F238E27FC236}">
+                <a16:creationId xmlns:a16="http://schemas.microsoft.com/office/drawing/2014/main" id="{F10EAB75-B4D5-1541-8397-42B0AA1B06C1}"/>
+              </a:ext>
+            </a:extLst>
+          </p:cNvPr>
+          <p:cNvSpPr/>
+          <p:nvPr/>
+        </p:nvSpPr>
+        <p:spPr>
+          <a:xfrm>
+            <a:off x="2915920" y="2235200"/>
+            <a:ext cx="4781165" cy="812800"/>
+          </a:xfrm>
+          <a:custGeom>
+            <a:avLst/>
+            <a:gdLst>
+              <a:gd name="connsiteX0" fmla="*/ 0 w 4781165"/>
+              <a:gd name="connsiteY0" fmla="*/ 0 h 812800"/>
+              <a:gd name="connsiteX1" fmla="*/ 60960 w 4781165"/>
+              <a:gd name="connsiteY1" fmla="*/ 182880 h 812800"/>
+              <a:gd name="connsiteX2" fmla="*/ 365760 w 4781165"/>
+              <a:gd name="connsiteY2" fmla="*/ 223520 h 812800"/>
+              <a:gd name="connsiteX3" fmla="*/ 4206240 w 4781165"/>
+              <a:gd name="connsiteY3" fmla="*/ 213360 h 812800"/>
+              <a:gd name="connsiteX4" fmla="*/ 4693920 w 4781165"/>
+              <a:gd name="connsiteY4" fmla="*/ 812800 h 812800"/>
+            </a:gdLst>
+            <a:ahLst/>
+            <a:cxnLst>
+              <a:cxn ang="0">
+                <a:pos x="connsiteX0" y="connsiteY0"/>
+              </a:cxn>
+              <a:cxn ang="0">
+                <a:pos x="connsiteX1" y="connsiteY1"/>
+              </a:cxn>
+              <a:cxn ang="0">
+                <a:pos x="connsiteX2" y="connsiteY2"/>
+              </a:cxn>
+              <a:cxn ang="0">
+                <a:pos x="connsiteX3" y="connsiteY3"/>
+              </a:cxn>
+              <a:cxn ang="0">
+                <a:pos x="connsiteX4" y="connsiteY4"/>
+              </a:cxn>
+            </a:cxnLst>
+            <a:rect l="l" t="t" r="r" b="b"/>
+            <a:pathLst>
+              <a:path w="4781165" h="812800">
+                <a:moveTo>
+                  <a:pt x="0" y="0"/>
+                </a:moveTo>
+                <a:cubicBezTo>
+                  <a:pt x="0" y="72813"/>
+                  <a:pt x="0" y="145627"/>
+                  <a:pt x="60960" y="182880"/>
+                </a:cubicBezTo>
+                <a:cubicBezTo>
+                  <a:pt x="121920" y="220133"/>
+                  <a:pt x="365760" y="223520"/>
+                  <a:pt x="365760" y="223520"/>
+                </a:cubicBezTo>
+                <a:cubicBezTo>
+                  <a:pt x="1056640" y="228600"/>
+                  <a:pt x="3484880" y="115147"/>
+                  <a:pt x="4206240" y="213360"/>
+                </a:cubicBezTo>
+                <a:cubicBezTo>
+                  <a:pt x="4927600" y="311573"/>
+                  <a:pt x="4810760" y="562186"/>
+                  <a:pt x="4693920" y="812800"/>
+                </a:cubicBezTo>
+              </a:path>
+            </a:pathLst>
+          </a:custGeom>
+          <a:noFill/>
+          <a:ln w="28575">
+            <a:solidFill>
+              <a:srgbClr val="00B050"/>
+            </a:solidFill>
+            <a:headEnd type="none" w="med" len="med"/>
+            <a:tailEnd type="arrow" w="med" len="med"/>
+          </a:ln>
+        </p:spPr>
+        <p:style>
+          <a:lnRef idx="2">
+            <a:schemeClr val="accent1">
+              <a:shade val="50000"/>
+            </a:schemeClr>
+          </a:lnRef>
+          <a:fillRef idx="1">
+            <a:schemeClr val="accent1"/>
+          </a:fillRef>
+          <a:effectRef idx="0">
+            <a:schemeClr val="accent1"/>
+          </a:effectRef>
+          <a:fontRef idx="minor">
+            <a:schemeClr val="lt1"/>
+          </a:fontRef>
+        </p:style>
+        <p:txBody>
+          <a:bodyPr rtlCol="0" anchor="ctr"/>
+          <a:lstStyle/>
+          <a:p>
+            <a:pPr algn="ctr"/>
+            <a:endParaRPr lang="en-US" dirty="0"/>
+          </a:p>
+        </p:txBody>
+      </p:sp>
+    </p:spTree>
+    <p:extLst>
+      <p:ext uri="{BB962C8B-B14F-4D97-AF65-F5344CB8AC3E}">
+        <p14:creationId xmlns:p14="http://schemas.microsoft.com/office/powerpoint/2010/main" val="299386205"/>
+      </p:ext>
+    </p:extLst>
+  </p:cSld>
+  <p:clrMapOvr>
+    <a:masterClrMapping/>
+  </p:clrMapOvr>
 </p:sld>
 </file>
 

--- a/ClassMaterials/IntroToUnitTesting/Slides/UnitTesting.pptx
+++ b/ClassMaterials/IntroToUnitTesting/Slides/UnitTesting.pptx
@@ -5,10 +5,10 @@
     <p:sldMasterId id="2147483927" r:id="rId1"/>
   </p:sldMasterIdLst>
   <p:notesMasterIdLst>
-    <p:notesMasterId r:id="rId30"/>
+    <p:notesMasterId r:id="rId31"/>
   </p:notesMasterIdLst>
   <p:handoutMasterIdLst>
-    <p:handoutMasterId r:id="rId31"/>
+    <p:handoutMasterId r:id="rId32"/>
   </p:handoutMasterIdLst>
   <p:sldIdLst>
     <p:sldId id="256" r:id="rId2"/>
@@ -36,9 +36,10 @@
     <p:sldId id="292" r:id="rId24"/>
     <p:sldId id="289" r:id="rId25"/>
     <p:sldId id="304" r:id="rId26"/>
-    <p:sldId id="290" r:id="rId27"/>
-    <p:sldId id="311" r:id="rId28"/>
-    <p:sldId id="286" r:id="rId29"/>
+    <p:sldId id="313" r:id="rId27"/>
+    <p:sldId id="312" r:id="rId28"/>
+    <p:sldId id="311" r:id="rId29"/>
+    <p:sldId id="286" r:id="rId30"/>
   </p:sldIdLst>
   <p:sldSz cx="9144000" cy="6858000" type="screen4x3"/>
   <p:notesSz cx="7010400" cy="9296400"/>
@@ -1507,6 +1508,124 @@
     <p:extLst>
       <p:ext uri="{BB962C8B-B14F-4D97-AF65-F5344CB8AC3E}">
         <p14:creationId xmlns:p14="http://schemas.microsoft.com/office/powerpoint/2010/main" val="2218103993"/>
+      </p:ext>
+    </p:extLst>
+  </p:cSld>
+  <p:clrMapOvr>
+    <a:masterClrMapping/>
+  </p:clrMapOvr>
+</p:notes>
+</file>
+
+<file path=ppt/notesSlides/notesSlide15.xml><?xml version="1.0" encoding="utf-8"?>
+<p:notes xmlns:a="http://schemas.openxmlformats.org/drawingml/2006/main" xmlns:r="http://schemas.openxmlformats.org/officeDocument/2006/relationships" xmlns:p="http://schemas.openxmlformats.org/presentationml/2006/main">
+  <p:cSld>
+    <p:spTree>
+      <p:nvGrpSpPr>
+        <p:cNvPr id="1" name=""/>
+        <p:cNvGrpSpPr/>
+        <p:nvPr/>
+      </p:nvGrpSpPr>
+      <p:grpSpPr>
+        <a:xfrm>
+          <a:off x="0" y="0"/>
+          <a:ext cx="0" cy="0"/>
+          <a:chOff x="0" y="0"/>
+          <a:chExt cx="0" cy="0"/>
+        </a:xfrm>
+      </p:grpSpPr>
+      <p:sp>
+        <p:nvSpPr>
+          <p:cNvPr id="2" name="Slide Image Placeholder 1"/>
+          <p:cNvSpPr>
+            <a:spLocks noGrp="1" noRot="1" noChangeAspect="1"/>
+          </p:cNvSpPr>
+          <p:nvPr>
+            <p:ph type="sldImg"/>
+          </p:nvPr>
+        </p:nvSpPr>
+        <p:spPr/>
+      </p:sp>
+      <p:sp>
+        <p:nvSpPr>
+          <p:cNvPr id="3" name="Notes Placeholder 2"/>
+          <p:cNvSpPr>
+            <a:spLocks noGrp="1"/>
+          </p:cNvSpPr>
+          <p:nvPr>
+            <p:ph type="body" idx="1"/>
+          </p:nvPr>
+        </p:nvSpPr>
+        <p:spPr/>
+        <p:txBody>
+          <a:bodyPr/>
+          <a:lstStyle/>
+          <a:p>
+            <a:pPr marL="0" marR="0" lvl="0" indent="0" algn="l" defTabSz="914400" rtl="0" eaLnBrk="0" fontAlgn="base" latinLnBrk="0" hangingPunct="0">
+              <a:lnSpc>
+                <a:spcPct val="100000"/>
+              </a:lnSpc>
+              <a:spcBef>
+                <a:spcPct val="30000"/>
+              </a:spcBef>
+              <a:spcAft>
+                <a:spcPct val="0"/>
+              </a:spcAft>
+              <a:buClrTx/>
+              <a:buSzTx/>
+              <a:buFontTx/>
+              <a:buNone/>
+              <a:tabLst/>
+              <a:defRPr/>
+            </a:pPr>
+            <a:r>
+              <a:rPr lang="en-US" dirty="0"/>
+              <a:t>You can decide whether you want to show</a:t>
+            </a:r>
+            <a:r>
+              <a:rPr lang="en-US" baseline="0" dirty="0"/>
+              <a:t> the students how to generate the toString and equals methods when testing the addFrac method to do an assertEquals(), or if you want to reduce the amount of time taken, you can also choose to simply compare the actual numerator and denominator as in the solution code.</a:t>
+            </a:r>
+            <a:endParaRPr lang="en-US" dirty="0"/>
+          </a:p>
+          <a:p>
+            <a:endParaRPr lang="en-US" dirty="0"/>
+          </a:p>
+        </p:txBody>
+      </p:sp>
+      <p:sp>
+        <p:nvSpPr>
+          <p:cNvPr id="4" name="Slide Number Placeholder 3"/>
+          <p:cNvSpPr>
+            <a:spLocks noGrp="1"/>
+          </p:cNvSpPr>
+          <p:nvPr>
+            <p:ph type="sldNum" sz="quarter" idx="10"/>
+          </p:nvPr>
+        </p:nvSpPr>
+        <p:spPr/>
+        <p:txBody>
+          <a:bodyPr/>
+          <a:lstStyle/>
+          <a:p>
+            <a:pPr>
+              <a:defRPr/>
+            </a:pPr>
+            <a:fld id="{41BB943A-C3B9-42AE-8B54-C2335812312E}" type="slidenum">
+              <a:rPr lang="en-US" smtClean="0"/>
+              <a:pPr>
+                <a:defRPr/>
+              </a:pPr>
+              <a:t>27</a:t>
+            </a:fld>
+            <a:endParaRPr lang="en-US" dirty="0"/>
+          </a:p>
+        </p:txBody>
+      </p:sp>
+    </p:spTree>
+    <p:extLst>
+      <p:ext uri="{BB962C8B-B14F-4D97-AF65-F5344CB8AC3E}">
+        <p14:creationId xmlns:p14="http://schemas.microsoft.com/office/powerpoint/2010/main" val="4134501965"/>
       </p:ext>
     </p:extLst>
   </p:cSld>
@@ -12231,7 +12350,7 @@
     </p:spTree>
     <p:extLst>
       <p:ext uri="{BB962C8B-B14F-4D97-AF65-F5344CB8AC3E}">
-        <p14:creationId xmlns:p14="http://schemas.microsoft.com/office/powerpoint/2010/main" val="2195235035"/>
+        <p14:creationId xmlns:p14="http://schemas.microsoft.com/office/powerpoint/2010/main" val="4114754322"/>
       </p:ext>
     </p:extLst>
   </p:cSld>
@@ -12268,6 +12387,128 @@
             <p:ph type="title"/>
           </p:nvPr>
         </p:nvSpPr>
+        <p:spPr>
+          <a:xfrm>
+            <a:off x="457200" y="152400"/>
+            <a:ext cx="8229600" cy="1265238"/>
+          </a:xfrm>
+        </p:spPr>
+        <p:txBody>
+          <a:bodyPr/>
+          <a:lstStyle/>
+          <a:p>
+            <a:r>
+              <a:rPr lang="en-US" dirty="0"/>
+              <a:t>Unit Testing</a:t>
+            </a:r>
+          </a:p>
+        </p:txBody>
+      </p:sp>
+      <p:sp>
+        <p:nvSpPr>
+          <p:cNvPr id="3" name="Content Placeholder 2"/>
+          <p:cNvSpPr>
+            <a:spLocks noGrp="1"/>
+          </p:cNvSpPr>
+          <p:nvPr>
+            <p:ph idx="1"/>
+          </p:nvPr>
+        </p:nvSpPr>
+        <p:spPr>
+          <a:xfrm>
+            <a:off x="457200" y="1143000"/>
+            <a:ext cx="8610600" cy="4983163"/>
+          </a:xfrm>
+        </p:spPr>
+        <p:txBody>
+          <a:bodyPr/>
+          <a:lstStyle/>
+          <a:p>
+            <a:r>
+              <a:rPr lang="en-US" dirty="0"/>
+              <a:t>Create </a:t>
+            </a:r>
+            <a:r>
+              <a:rPr lang="en-US" i="1" dirty="0" err="1"/>
+              <a:t>BadFracTest.java</a:t>
+            </a:r>
+            <a:r>
+              <a:rPr lang="en-US" dirty="0"/>
+              <a:t> – then create test cases</a:t>
+            </a:r>
+          </a:p>
+        </p:txBody>
+      </p:sp>
+      <p:pic>
+        <p:nvPicPr>
+          <p:cNvPr id="5" name="Picture 4">
+            <a:extLst>
+              <a:ext uri="{FF2B5EF4-FFF2-40B4-BE49-F238E27FC236}">
+                <a16:creationId xmlns:a16="http://schemas.microsoft.com/office/drawing/2014/main" id="{DFA7F2F9-BE22-5249-A6F5-63A41A8A8EFA}"/>
+              </a:ext>
+            </a:extLst>
+          </p:cNvPr>
+          <p:cNvPicPr>
+            <a:picLocks noChangeAspect="1"/>
+          </p:cNvPicPr>
+          <p:nvPr/>
+        </p:nvPicPr>
+        <p:blipFill>
+          <a:blip r:embed="rId3"/>
+          <a:stretch>
+            <a:fillRect/>
+          </a:stretch>
+        </p:blipFill>
+        <p:spPr>
+          <a:xfrm>
+            <a:off x="76200" y="1816545"/>
+            <a:ext cx="9144000" cy="5033818"/>
+          </a:xfrm>
+          <a:prstGeom prst="rect">
+            <a:avLst/>
+          </a:prstGeom>
+        </p:spPr>
+      </p:pic>
+    </p:spTree>
+    <p:extLst>
+      <p:ext uri="{BB962C8B-B14F-4D97-AF65-F5344CB8AC3E}">
+        <p14:creationId xmlns:p14="http://schemas.microsoft.com/office/powerpoint/2010/main" val="3442696283"/>
+      </p:ext>
+    </p:extLst>
+  </p:cSld>
+  <p:clrMapOvr>
+    <a:masterClrMapping/>
+  </p:clrMapOvr>
+</p:sld>
+</file>
+
+<file path=ppt/slides/slide28.xml><?xml version="1.0" encoding="utf-8"?>
+<p:sld xmlns:a="http://schemas.openxmlformats.org/drawingml/2006/main" xmlns:r="http://schemas.openxmlformats.org/officeDocument/2006/relationships" xmlns:p="http://schemas.openxmlformats.org/presentationml/2006/main">
+  <p:cSld>
+    <p:spTree>
+      <p:nvGrpSpPr>
+        <p:cNvPr id="1" name=""/>
+        <p:cNvGrpSpPr/>
+        <p:nvPr/>
+      </p:nvGrpSpPr>
+      <p:grpSpPr>
+        <a:xfrm>
+          <a:off x="0" y="0"/>
+          <a:ext cx="0" cy="0"/>
+          <a:chOff x="0" y="0"/>
+          <a:chExt cx="0" cy="0"/>
+        </a:xfrm>
+      </p:grpSpPr>
+      <p:sp>
+        <p:nvSpPr>
+          <p:cNvPr id="2" name="Title 1"/>
+          <p:cNvSpPr>
+            <a:spLocks noGrp="1"/>
+          </p:cNvSpPr>
+          <p:nvPr>
+            <p:ph type="title"/>
+          </p:nvPr>
+        </p:nvSpPr>
         <p:spPr/>
         <p:txBody>
           <a:bodyPr/>
@@ -12330,7 +12571,7 @@
 </p:sld>
 </file>
 
-<file path=ppt/slides/slide28.xml><?xml version="1.0" encoding="utf-8"?>
+<file path=ppt/slides/slide29.xml><?xml version="1.0" encoding="utf-8"?>
 <p:sld xmlns:a="http://schemas.openxmlformats.org/drawingml/2006/main" xmlns:r="http://schemas.openxmlformats.org/officeDocument/2006/relationships" xmlns:p="http://schemas.openxmlformats.org/presentationml/2006/main" show="0">
   <p:cSld>
     <p:spTree>
